--- a/Presentazione LabAuto.pptx
+++ b/Presentazione LabAuto.pptx
@@ -6,7 +6,7 @@
     <p:sldMasterId id="2147483661" r:id="rId2"/>
   </p:sldMasterIdLst>
   <p:notesMasterIdLst>
-    <p:notesMasterId r:id="rId18"/>
+    <p:notesMasterId r:id="rId20"/>
   </p:notesMasterIdLst>
   <p:sldIdLst>
     <p:sldId id="267" r:id="rId3"/>
@@ -14,16 +14,18 @@
     <p:sldId id="270" r:id="rId5"/>
     <p:sldId id="258" r:id="rId6"/>
     <p:sldId id="259" r:id="rId7"/>
-    <p:sldId id="260" r:id="rId8"/>
-    <p:sldId id="261" r:id="rId9"/>
-    <p:sldId id="262" r:id="rId10"/>
-    <p:sldId id="263" r:id="rId11"/>
-    <p:sldId id="264" r:id="rId12"/>
-    <p:sldId id="265" r:id="rId13"/>
-    <p:sldId id="268" r:id="rId14"/>
-    <p:sldId id="269" r:id="rId15"/>
-    <p:sldId id="271" r:id="rId16"/>
-    <p:sldId id="266" r:id="rId17"/>
+    <p:sldId id="272" r:id="rId8"/>
+    <p:sldId id="260" r:id="rId9"/>
+    <p:sldId id="273" r:id="rId10"/>
+    <p:sldId id="274" r:id="rId11"/>
+    <p:sldId id="263" r:id="rId12"/>
+    <p:sldId id="264" r:id="rId13"/>
+    <p:sldId id="265" r:id="rId14"/>
+    <p:sldId id="268" r:id="rId15"/>
+    <p:sldId id="269" r:id="rId16"/>
+    <p:sldId id="275" r:id="rId17"/>
+    <p:sldId id="271" r:id="rId18"/>
+    <p:sldId id="266" r:id="rId19"/>
   </p:sldIdLst>
   <p:sldSz cx="12192000" cy="6858000"/>
   <p:notesSz cx="6858000" cy="9144000"/>
@@ -133,7 +135,7 @@
 <file path=ppt/revisionInfo.xml><?xml version="1.0" encoding="utf-8"?>
 <p1510:revInfo xmlns:a="http://schemas.openxmlformats.org/drawingml/2006/main" xmlns:r="http://schemas.openxmlformats.org/officeDocument/2006/relationships" xmlns:p1510="http://schemas.microsoft.com/office/powerpoint/2015/10/main">
   <p1510:revLst>
-    <p1510:client id="{CC52A8C3-708B-4CE7-A848-3F502EC51602}" v="11" dt="2024-06-11T13:44:06.796"/>
+    <p1510:client id="{CC52A8C3-708B-4CE7-A848-3F502EC51602}" v="62" dt="2024-06-13T17:00:12.936"/>
   </p1510:revLst>
 </p1510:revInfo>
 </file>
@@ -143,7 +145,7 @@
   <pc:docChgLst>
     <pc:chgData name="Giulio Beltrami" userId="e0bbba2c-5e70-403a-8e6b-090771782fcf" providerId="ADAL" clId="{CC52A8C3-708B-4CE7-A848-3F502EC51602}"/>
     <pc:docChg chg="undo custSel addSld delSld modSld sldOrd">
-      <pc:chgData name="Giulio Beltrami" userId="e0bbba2c-5e70-403a-8e6b-090771782fcf" providerId="ADAL" clId="{CC52A8C3-708B-4CE7-A848-3F502EC51602}" dt="2024-06-11T14:09:22.981" v="1212" actId="20577"/>
+      <pc:chgData name="Giulio Beltrami" userId="e0bbba2c-5e70-403a-8e6b-090771782fcf" providerId="ADAL" clId="{CC52A8C3-708B-4CE7-A848-3F502EC51602}" dt="2024-06-13T17:01:53.706" v="2926" actId="478"/>
       <pc:docMkLst>
         <pc:docMk/>
       </pc:docMkLst>
@@ -155,17 +157,25 @@
         </pc:sldMkLst>
       </pc:sldChg>
       <pc:sldChg chg="delSp modSp mod">
-        <pc:chgData name="Giulio Beltrami" userId="e0bbba2c-5e70-403a-8e6b-090771782fcf" providerId="ADAL" clId="{CC52A8C3-708B-4CE7-A848-3F502EC51602}" dt="2024-06-11T12:51:25.876" v="125" actId="20577"/>
+        <pc:chgData name="Giulio Beltrami" userId="e0bbba2c-5e70-403a-8e6b-090771782fcf" providerId="ADAL" clId="{CC52A8C3-708B-4CE7-A848-3F502EC51602}" dt="2024-06-13T16:34:06.615" v="2729" actId="20577"/>
         <pc:sldMkLst>
           <pc:docMk/>
           <pc:sldMk cId="0" sldId="257"/>
         </pc:sldMkLst>
         <pc:spChg chg="mod">
-          <ac:chgData name="Giulio Beltrami" userId="e0bbba2c-5e70-403a-8e6b-090771782fcf" providerId="ADAL" clId="{CC52A8C3-708B-4CE7-A848-3F502EC51602}" dt="2024-06-11T12:51:25.876" v="125" actId="20577"/>
+          <ac:chgData name="Giulio Beltrami" userId="e0bbba2c-5e70-403a-8e6b-090771782fcf" providerId="ADAL" clId="{CC52A8C3-708B-4CE7-A848-3F502EC51602}" dt="2024-06-13T15:42:47.743" v="1238" actId="20577"/>
           <ac:spMkLst>
             <pc:docMk/>
             <pc:sldMk cId="0" sldId="257"/>
             <ac:spMk id="2" creationId="{04782B39-CBD7-6BC1-9C60-78921EDE69DE}"/>
+          </ac:spMkLst>
+        </pc:spChg>
+        <pc:spChg chg="mod">
+          <ac:chgData name="Giulio Beltrami" userId="e0bbba2c-5e70-403a-8e6b-090771782fcf" providerId="ADAL" clId="{CC52A8C3-708B-4CE7-A848-3F502EC51602}" dt="2024-06-13T16:34:06.615" v="2729" actId="20577"/>
+          <ac:spMkLst>
+            <pc:docMk/>
+            <pc:sldMk cId="0" sldId="257"/>
+            <ac:spMk id="89" creationId="{00000000-0000-0000-0000-000000000000}"/>
           </ac:spMkLst>
         </pc:spChg>
         <pc:picChg chg="del">
@@ -185,8 +195,361 @@
           </ac:picMkLst>
         </pc:picChg>
       </pc:sldChg>
-      <pc:sldChg chg="addSp modSp add del mod">
-        <pc:chgData name="Giulio Beltrami" userId="e0bbba2c-5e70-403a-8e6b-090771782fcf" providerId="ADAL" clId="{CC52A8C3-708B-4CE7-A848-3F502EC51602}" dt="2024-06-11T13:13:07.922" v="273" actId="20577"/>
+      <pc:sldChg chg="addSp delSp modSp mod">
+        <pc:chgData name="Giulio Beltrami" userId="e0bbba2c-5e70-403a-8e6b-090771782fcf" providerId="ADAL" clId="{CC52A8C3-708B-4CE7-A848-3F502EC51602}" dt="2024-06-13T16:59:13.662" v="2817"/>
+        <pc:sldMkLst>
+          <pc:docMk/>
+          <pc:sldMk cId="0" sldId="258"/>
+        </pc:sldMkLst>
+        <pc:spChg chg="add mod">
+          <ac:chgData name="Giulio Beltrami" userId="e0bbba2c-5e70-403a-8e6b-090771782fcf" providerId="ADAL" clId="{CC52A8C3-708B-4CE7-A848-3F502EC51602}" dt="2024-06-13T16:34:47.015" v="2732"/>
+          <ac:spMkLst>
+            <pc:docMk/>
+            <pc:sldMk cId="0" sldId="258"/>
+            <ac:spMk id="4" creationId="{EFB51592-E503-4928-7FB1-3F2E031DD28F}"/>
+          </ac:spMkLst>
+        </pc:spChg>
+        <pc:spChg chg="add mod">
+          <ac:chgData name="Giulio Beltrami" userId="e0bbba2c-5e70-403a-8e6b-090771782fcf" providerId="ADAL" clId="{CC52A8C3-708B-4CE7-A848-3F502EC51602}" dt="2024-06-13T16:34:49.996" v="2734"/>
+          <ac:spMkLst>
+            <pc:docMk/>
+            <pc:sldMk cId="0" sldId="258"/>
+            <ac:spMk id="6" creationId="{2E3B15D8-9650-458B-A95A-DFBA664DEF71}"/>
+          </ac:spMkLst>
+        </pc:spChg>
+        <pc:spChg chg="add mod">
+          <ac:chgData name="Giulio Beltrami" userId="e0bbba2c-5e70-403a-8e6b-090771782fcf" providerId="ADAL" clId="{CC52A8C3-708B-4CE7-A848-3F502EC51602}" dt="2024-06-13T16:34:54.264" v="2736"/>
+          <ac:spMkLst>
+            <pc:docMk/>
+            <pc:sldMk cId="0" sldId="258"/>
+            <ac:spMk id="7" creationId="{10F8E0FC-8DFF-5417-18AC-89BD51317C7E}"/>
+          </ac:spMkLst>
+        </pc:spChg>
+        <pc:spChg chg="add mod">
+          <ac:chgData name="Giulio Beltrami" userId="e0bbba2c-5e70-403a-8e6b-090771782fcf" providerId="ADAL" clId="{CC52A8C3-708B-4CE7-A848-3F502EC51602}" dt="2024-06-13T16:58:53.592" v="2813" actId="1076"/>
+          <ac:spMkLst>
+            <pc:docMk/>
+            <pc:sldMk cId="0" sldId="258"/>
+            <ac:spMk id="8" creationId="{1F1EA1D7-0CF6-7D0F-B328-7F3293DBC634}"/>
+          </ac:spMkLst>
+        </pc:spChg>
+        <pc:spChg chg="add del mod">
+          <ac:chgData name="Giulio Beltrami" userId="e0bbba2c-5e70-403a-8e6b-090771782fcf" providerId="ADAL" clId="{CC52A8C3-708B-4CE7-A848-3F502EC51602}" dt="2024-06-13T16:59:07.865" v="2815" actId="478"/>
+          <ac:spMkLst>
+            <pc:docMk/>
+            <pc:sldMk cId="0" sldId="258"/>
+            <ac:spMk id="9" creationId="{D0A87FFB-6DF0-E62C-7F1E-FC9D9D45C44E}"/>
+          </ac:spMkLst>
+        </pc:spChg>
+        <pc:spChg chg="add mod">
+          <ac:chgData name="Giulio Beltrami" userId="e0bbba2c-5e70-403a-8e6b-090771782fcf" providerId="ADAL" clId="{CC52A8C3-708B-4CE7-A848-3F502EC51602}" dt="2024-06-13T16:59:13.662" v="2817"/>
+          <ac:spMkLst>
+            <pc:docMk/>
+            <pc:sldMk cId="0" sldId="258"/>
+            <ac:spMk id="10" creationId="{5F5CD2BD-421B-55A4-5AD8-9D9AD7C8C8CC}"/>
+          </ac:spMkLst>
+        </pc:spChg>
+        <pc:spChg chg="del">
+          <ac:chgData name="Giulio Beltrami" userId="e0bbba2c-5e70-403a-8e6b-090771782fcf" providerId="ADAL" clId="{CC52A8C3-708B-4CE7-A848-3F502EC51602}" dt="2024-06-13T16:59:12.181" v="2816" actId="478"/>
+          <ac:spMkLst>
+            <pc:docMk/>
+            <pc:sldMk cId="0" sldId="258"/>
+            <ac:spMk id="93" creationId="{00000000-0000-0000-0000-000000000000}"/>
+          </ac:spMkLst>
+        </pc:spChg>
+        <pc:spChg chg="mod">
+          <ac:chgData name="Giulio Beltrami" userId="e0bbba2c-5e70-403a-8e6b-090771782fcf" providerId="ADAL" clId="{CC52A8C3-708B-4CE7-A848-3F502EC51602}" dt="2024-06-13T15:49:48.386" v="1533" actId="14100"/>
+          <ac:spMkLst>
+            <pc:docMk/>
+            <pc:sldMk cId="0" sldId="258"/>
+            <ac:spMk id="96" creationId="{00000000-0000-0000-0000-000000000000}"/>
+          </ac:spMkLst>
+        </pc:spChg>
+        <pc:spChg chg="del">
+          <ac:chgData name="Giulio Beltrami" userId="e0bbba2c-5e70-403a-8e6b-090771782fcf" providerId="ADAL" clId="{CC52A8C3-708B-4CE7-A848-3F502EC51602}" dt="2024-06-13T15:46:41.240" v="1269" actId="478"/>
+          <ac:spMkLst>
+            <pc:docMk/>
+            <pc:sldMk cId="0" sldId="258"/>
+            <ac:spMk id="97" creationId="{00000000-0000-0000-0000-000000000000}"/>
+          </ac:spMkLst>
+        </pc:spChg>
+        <pc:picChg chg="add mod">
+          <ac:chgData name="Giulio Beltrami" userId="e0bbba2c-5e70-403a-8e6b-090771782fcf" providerId="ADAL" clId="{CC52A8C3-708B-4CE7-A848-3F502EC51602}" dt="2024-06-13T15:51:09.079" v="1543" actId="1076"/>
+          <ac:picMkLst>
+            <pc:docMk/>
+            <pc:sldMk cId="0" sldId="258"/>
+            <ac:picMk id="3" creationId="{98C748FF-F58C-9806-0AB7-FA5705EFD621}"/>
+          </ac:picMkLst>
+        </pc:picChg>
+        <pc:picChg chg="mod">
+          <ac:chgData name="Giulio Beltrami" userId="e0bbba2c-5e70-403a-8e6b-090771782fcf" providerId="ADAL" clId="{CC52A8C3-708B-4CE7-A848-3F502EC51602}" dt="2024-06-13T15:51:11.548" v="1544" actId="1076"/>
+          <ac:picMkLst>
+            <pc:docMk/>
+            <pc:sldMk cId="0" sldId="258"/>
+            <ac:picMk id="5" creationId="{5122644C-8C8A-A710-8AE1-AAAFED871A6B}"/>
+          </ac:picMkLst>
+        </pc:picChg>
+      </pc:sldChg>
+      <pc:sldChg chg="addSp delSp modSp mod">
+        <pc:chgData name="Giulio Beltrami" userId="e0bbba2c-5e70-403a-8e6b-090771782fcf" providerId="ADAL" clId="{CC52A8C3-708B-4CE7-A848-3F502EC51602}" dt="2024-06-13T16:59:20.644" v="2819"/>
+        <pc:sldMkLst>
+          <pc:docMk/>
+          <pc:sldMk cId="0" sldId="259"/>
+        </pc:sldMkLst>
+        <pc:spChg chg="add del mod">
+          <ac:chgData name="Giulio Beltrami" userId="e0bbba2c-5e70-403a-8e6b-090771782fcf" providerId="ADAL" clId="{CC52A8C3-708B-4CE7-A848-3F502EC51602}" dt="2024-06-13T15:53:20.010" v="1571" actId="478"/>
+          <ac:spMkLst>
+            <pc:docMk/>
+            <pc:sldMk cId="0" sldId="259"/>
+            <ac:spMk id="2" creationId="{3BD7AFF3-A4B4-8811-0A58-2021B7E40FB3}"/>
+          </ac:spMkLst>
+        </pc:spChg>
+        <pc:spChg chg="add mod">
+          <ac:chgData name="Giulio Beltrami" userId="e0bbba2c-5e70-403a-8e6b-090771782fcf" providerId="ADAL" clId="{CC52A8C3-708B-4CE7-A848-3F502EC51602}" dt="2024-06-13T16:00:03.118" v="1993" actId="1076"/>
+          <ac:spMkLst>
+            <pc:docMk/>
+            <pc:sldMk cId="0" sldId="259"/>
+            <ac:spMk id="6" creationId="{3B7F041A-3A21-EE9A-C1E4-9123B2F5C93E}"/>
+          </ac:spMkLst>
+        </pc:spChg>
+        <pc:spChg chg="add mod">
+          <ac:chgData name="Giulio Beltrami" userId="e0bbba2c-5e70-403a-8e6b-090771782fcf" providerId="ADAL" clId="{CC52A8C3-708B-4CE7-A848-3F502EC51602}" dt="2024-06-13T16:59:20.644" v="2819"/>
+          <ac:spMkLst>
+            <pc:docMk/>
+            <pc:sldMk cId="0" sldId="259"/>
+            <ac:spMk id="13" creationId="{FD161717-D13D-6BAE-2478-1446EACA04AC}"/>
+          </ac:spMkLst>
+        </pc:spChg>
+        <pc:spChg chg="del">
+          <ac:chgData name="Giulio Beltrami" userId="e0bbba2c-5e70-403a-8e6b-090771782fcf" providerId="ADAL" clId="{CC52A8C3-708B-4CE7-A848-3F502EC51602}" dt="2024-06-13T16:59:19.809" v="2818" actId="478"/>
+          <ac:spMkLst>
+            <pc:docMk/>
+            <pc:sldMk cId="0" sldId="259"/>
+            <ac:spMk id="98" creationId="{00000000-0000-0000-0000-000000000000}"/>
+          </ac:spMkLst>
+        </pc:spChg>
+        <pc:spChg chg="del mod">
+          <ac:chgData name="Giulio Beltrami" userId="e0bbba2c-5e70-403a-8e6b-090771782fcf" providerId="ADAL" clId="{CC52A8C3-708B-4CE7-A848-3F502EC51602}" dt="2024-06-13T15:53:12.118" v="1569" actId="478"/>
+          <ac:spMkLst>
+            <pc:docMk/>
+            <pc:sldMk cId="0" sldId="259"/>
+            <ac:spMk id="103" creationId="{00000000-0000-0000-0000-000000000000}"/>
+          </ac:spMkLst>
+        </pc:spChg>
+        <pc:picChg chg="del mod">
+          <ac:chgData name="Giulio Beltrami" userId="e0bbba2c-5e70-403a-8e6b-090771782fcf" providerId="ADAL" clId="{CC52A8C3-708B-4CE7-A848-3F502EC51602}" dt="2024-06-13T16:05:20.203" v="2067" actId="478"/>
+          <ac:picMkLst>
+            <pc:docMk/>
+            <pc:sldMk cId="0" sldId="259"/>
+            <ac:picMk id="4" creationId="{82303452-D37E-E64B-BD5C-E71A222DDF3D}"/>
+          </ac:picMkLst>
+        </pc:picChg>
+        <pc:picChg chg="del mod">
+          <ac:chgData name="Giulio Beltrami" userId="e0bbba2c-5e70-403a-8e6b-090771782fcf" providerId="ADAL" clId="{CC52A8C3-708B-4CE7-A848-3F502EC51602}" dt="2024-06-13T16:04:59.117" v="2060" actId="478"/>
+          <ac:picMkLst>
+            <pc:docMk/>
+            <pc:sldMk cId="0" sldId="259"/>
+            <ac:picMk id="8" creationId="{EBEB6017-A7E0-A748-88AD-FFC06BE80303}"/>
+          </ac:picMkLst>
+        </pc:picChg>
+        <pc:picChg chg="add mod">
+          <ac:chgData name="Giulio Beltrami" userId="e0bbba2c-5e70-403a-8e6b-090771782fcf" providerId="ADAL" clId="{CC52A8C3-708B-4CE7-A848-3F502EC51602}" dt="2024-06-13T16:05:03.649" v="2062" actId="1076"/>
+          <ac:picMkLst>
+            <pc:docMk/>
+            <pc:sldMk cId="0" sldId="259"/>
+            <ac:picMk id="10" creationId="{6BCF0C0E-7C63-EF8B-28AB-5D71740D4943}"/>
+          </ac:picMkLst>
+        </pc:picChg>
+        <pc:picChg chg="add mod">
+          <ac:chgData name="Giulio Beltrami" userId="e0bbba2c-5e70-403a-8e6b-090771782fcf" providerId="ADAL" clId="{CC52A8C3-708B-4CE7-A848-3F502EC51602}" dt="2024-06-13T16:05:23.115" v="2068" actId="1076"/>
+          <ac:picMkLst>
+            <pc:docMk/>
+            <pc:sldMk cId="0" sldId="259"/>
+            <ac:picMk id="12" creationId="{866A0546-4850-F4E0-775F-0CD519A79D1C}"/>
+          </ac:picMkLst>
+        </pc:picChg>
+        <pc:picChg chg="del">
+          <ac:chgData name="Giulio Beltrami" userId="e0bbba2c-5e70-403a-8e6b-090771782fcf" providerId="ADAL" clId="{CC52A8C3-708B-4CE7-A848-3F502EC51602}" dt="2024-06-13T15:51:37.881" v="1545" actId="478"/>
+          <ac:picMkLst>
+            <pc:docMk/>
+            <pc:sldMk cId="0" sldId="259"/>
+            <ac:picMk id="101" creationId="{00000000-0000-0000-0000-000000000000}"/>
+          </ac:picMkLst>
+        </pc:picChg>
+        <pc:picChg chg="del">
+          <ac:chgData name="Giulio Beltrami" userId="e0bbba2c-5e70-403a-8e6b-090771782fcf" providerId="ADAL" clId="{CC52A8C3-708B-4CE7-A848-3F502EC51602}" dt="2024-06-13T15:51:41.556" v="1546" actId="478"/>
+          <ac:picMkLst>
+            <pc:docMk/>
+            <pc:sldMk cId="0" sldId="259"/>
+            <ac:picMk id="102" creationId="{00000000-0000-0000-0000-000000000000}"/>
+          </ac:picMkLst>
+        </pc:picChg>
+      </pc:sldChg>
+      <pc:sldChg chg="addSp delSp modSp mod">
+        <pc:chgData name="Giulio Beltrami" userId="e0bbba2c-5e70-403a-8e6b-090771782fcf" providerId="ADAL" clId="{CC52A8C3-708B-4CE7-A848-3F502EC51602}" dt="2024-06-13T16:59:31.099" v="2823"/>
+        <pc:sldMkLst>
+          <pc:docMk/>
+          <pc:sldMk cId="0" sldId="260"/>
+        </pc:sldMkLst>
+        <pc:spChg chg="add mod">
+          <ac:chgData name="Giulio Beltrami" userId="e0bbba2c-5e70-403a-8e6b-090771782fcf" providerId="ADAL" clId="{CC52A8C3-708B-4CE7-A848-3F502EC51602}" dt="2024-06-13T16:13:31.094" v="2602" actId="113"/>
+          <ac:spMkLst>
+            <pc:docMk/>
+            <pc:sldMk cId="0" sldId="260"/>
+            <ac:spMk id="4" creationId="{DB5E9BF4-AFEF-D035-C678-320BCDCC76C5}"/>
+          </ac:spMkLst>
+        </pc:spChg>
+        <pc:spChg chg="add mod">
+          <ac:chgData name="Giulio Beltrami" userId="e0bbba2c-5e70-403a-8e6b-090771782fcf" providerId="ADAL" clId="{CC52A8C3-708B-4CE7-A848-3F502EC51602}" dt="2024-06-13T16:59:31.099" v="2823"/>
+          <ac:spMkLst>
+            <pc:docMk/>
+            <pc:sldMk cId="0" sldId="260"/>
+            <ac:spMk id="10" creationId="{BA4EA3E6-DBE8-D68F-C480-09E9F5E35143}"/>
+          </ac:spMkLst>
+        </pc:spChg>
+        <pc:spChg chg="del">
+          <ac:chgData name="Giulio Beltrami" userId="e0bbba2c-5e70-403a-8e6b-090771782fcf" providerId="ADAL" clId="{CC52A8C3-708B-4CE7-A848-3F502EC51602}" dt="2024-06-13T16:59:30.745" v="2822" actId="478"/>
+          <ac:spMkLst>
+            <pc:docMk/>
+            <pc:sldMk cId="0" sldId="260"/>
+            <ac:spMk id="104" creationId="{00000000-0000-0000-0000-000000000000}"/>
+          </ac:spMkLst>
+        </pc:spChg>
+        <pc:graphicFrameChg chg="del">
+          <ac:chgData name="Giulio Beltrami" userId="e0bbba2c-5e70-403a-8e6b-090771782fcf" providerId="ADAL" clId="{CC52A8C3-708B-4CE7-A848-3F502EC51602}" dt="2024-06-13T16:10:45.997" v="2326" actId="478"/>
+          <ac:graphicFrameMkLst>
+            <pc:docMk/>
+            <pc:sldMk cId="0" sldId="260"/>
+            <ac:graphicFrameMk id="2" creationId="{00CE3058-F966-0D4D-ABF5-A3609441608B}"/>
+          </ac:graphicFrameMkLst>
+        </pc:graphicFrameChg>
+        <pc:picChg chg="mod">
+          <ac:chgData name="Giulio Beltrami" userId="e0bbba2c-5e70-403a-8e6b-090771782fcf" providerId="ADAL" clId="{CC52A8C3-708B-4CE7-A848-3F502EC51602}" dt="2024-06-13T16:13:38.519" v="2603" actId="1076"/>
+          <ac:picMkLst>
+            <pc:docMk/>
+            <pc:sldMk cId="0" sldId="260"/>
+            <ac:picMk id="3" creationId="{E8422789-689D-415A-36CE-D5E9C4EC2747}"/>
+          </ac:picMkLst>
+        </pc:picChg>
+        <pc:picChg chg="add del mod">
+          <ac:chgData name="Giulio Beltrami" userId="e0bbba2c-5e70-403a-8e6b-090771782fcf" providerId="ADAL" clId="{CC52A8C3-708B-4CE7-A848-3F502EC51602}" dt="2024-06-13T16:14:38.945" v="2613" actId="478"/>
+          <ac:picMkLst>
+            <pc:docMk/>
+            <pc:sldMk cId="0" sldId="260"/>
+            <ac:picMk id="5" creationId="{D13C3CDA-4F46-F62E-0FA8-4FCE9E0F5244}"/>
+          </ac:picMkLst>
+        </pc:picChg>
+        <pc:picChg chg="add del mod">
+          <ac:chgData name="Giulio Beltrami" userId="e0bbba2c-5e70-403a-8e6b-090771782fcf" providerId="ADAL" clId="{CC52A8C3-708B-4CE7-A848-3F502EC51602}" dt="2024-06-13T16:14:40.503" v="2614" actId="478"/>
+          <ac:picMkLst>
+            <pc:docMk/>
+            <pc:sldMk cId="0" sldId="260"/>
+            <ac:picMk id="6" creationId="{5E046362-77B6-2505-EE10-C2EC86C5165F}"/>
+          </ac:picMkLst>
+        </pc:picChg>
+        <pc:picChg chg="add del mod">
+          <ac:chgData name="Giulio Beltrami" userId="e0bbba2c-5e70-403a-8e6b-090771782fcf" providerId="ADAL" clId="{CC52A8C3-708B-4CE7-A848-3F502EC51602}" dt="2024-06-13T16:30:03" v="2661" actId="21"/>
+          <ac:picMkLst>
+            <pc:docMk/>
+            <pc:sldMk cId="0" sldId="260"/>
+            <ac:picMk id="8" creationId="{105A3671-5CB5-0ACA-EFDD-F6B7D09E041D}"/>
+          </ac:picMkLst>
+        </pc:picChg>
+        <pc:picChg chg="del">
+          <ac:chgData name="Giulio Beltrami" userId="e0bbba2c-5e70-403a-8e6b-090771782fcf" providerId="ADAL" clId="{CC52A8C3-708B-4CE7-A848-3F502EC51602}" dt="2024-06-13T16:10:42.990" v="2324" actId="478"/>
+          <ac:picMkLst>
+            <pc:docMk/>
+            <pc:sldMk cId="0" sldId="260"/>
+            <ac:picMk id="9" creationId="{6740CD09-766B-56AB-97D0-23F23EFF7329}"/>
+          </ac:picMkLst>
+        </pc:picChg>
+        <pc:picChg chg="del">
+          <ac:chgData name="Giulio Beltrami" userId="e0bbba2c-5e70-403a-8e6b-090771782fcf" providerId="ADAL" clId="{CC52A8C3-708B-4CE7-A848-3F502EC51602}" dt="2024-06-13T16:10:44.693" v="2325" actId="478"/>
+          <ac:picMkLst>
+            <pc:docMk/>
+            <pc:sldMk cId="0" sldId="260"/>
+            <ac:picMk id="11" creationId="{CABD73F2-4B21-FD84-B62F-7AF7BBB05A19}"/>
+          </ac:picMkLst>
+        </pc:picChg>
+        <pc:picChg chg="del">
+          <ac:chgData name="Giulio Beltrami" userId="e0bbba2c-5e70-403a-8e6b-090771782fcf" providerId="ADAL" clId="{CC52A8C3-708B-4CE7-A848-3F502EC51602}" dt="2024-06-13T16:10:48.093" v="2328" actId="478"/>
+          <ac:picMkLst>
+            <pc:docMk/>
+            <pc:sldMk cId="0" sldId="260"/>
+            <ac:picMk id="15" creationId="{C1922D88-B158-7975-5FE0-D1D54C8A037C}"/>
+          </ac:picMkLst>
+        </pc:picChg>
+        <pc:picChg chg="del">
+          <ac:chgData name="Giulio Beltrami" userId="e0bbba2c-5e70-403a-8e6b-090771782fcf" providerId="ADAL" clId="{CC52A8C3-708B-4CE7-A848-3F502EC51602}" dt="2024-06-13T16:10:47.343" v="2327" actId="478"/>
+          <ac:picMkLst>
+            <pc:docMk/>
+            <pc:sldMk cId="0" sldId="260"/>
+            <ac:picMk id="17" creationId="{FD5EF55D-8CE4-2B36-095F-66AD3A1F8822}"/>
+          </ac:picMkLst>
+        </pc:picChg>
+      </pc:sldChg>
+      <pc:sldChg chg="del">
+        <pc:chgData name="Giulio Beltrami" userId="e0bbba2c-5e70-403a-8e6b-090771782fcf" providerId="ADAL" clId="{CC52A8C3-708B-4CE7-A848-3F502EC51602}" dt="2024-06-13T16:58:05.051" v="2809" actId="2696"/>
+        <pc:sldMkLst>
+          <pc:docMk/>
+          <pc:sldMk cId="0" sldId="261"/>
+        </pc:sldMkLst>
+      </pc:sldChg>
+      <pc:sldChg chg="del">
+        <pc:chgData name="Giulio Beltrami" userId="e0bbba2c-5e70-403a-8e6b-090771782fcf" providerId="ADAL" clId="{CC52A8C3-708B-4CE7-A848-3F502EC51602}" dt="2024-06-13T16:58:08.515" v="2810" actId="2696"/>
+        <pc:sldMkLst>
+          <pc:docMk/>
+          <pc:sldMk cId="0" sldId="262"/>
+        </pc:sldMkLst>
+      </pc:sldChg>
+      <pc:sldChg chg="addSp delSp modSp mod">
+        <pc:chgData name="Giulio Beltrami" userId="e0bbba2c-5e70-403a-8e6b-090771782fcf" providerId="ADAL" clId="{CC52A8C3-708B-4CE7-A848-3F502EC51602}" dt="2024-06-13T16:59:52.293" v="2829"/>
+        <pc:sldMkLst>
+          <pc:docMk/>
+          <pc:sldMk cId="0" sldId="263"/>
+        </pc:sldMkLst>
+        <pc:spChg chg="add mod">
+          <ac:chgData name="Giulio Beltrami" userId="e0bbba2c-5e70-403a-8e6b-090771782fcf" providerId="ADAL" clId="{CC52A8C3-708B-4CE7-A848-3F502EC51602}" dt="2024-06-13T16:59:52.293" v="2829"/>
+          <ac:spMkLst>
+            <pc:docMk/>
+            <pc:sldMk cId="0" sldId="263"/>
+            <ac:spMk id="2" creationId="{B501C03C-34B0-28D7-8978-02E84E38E247}"/>
+          </ac:spMkLst>
+        </pc:spChg>
+        <pc:spChg chg="del">
+          <ac:chgData name="Giulio Beltrami" userId="e0bbba2c-5e70-403a-8e6b-090771782fcf" providerId="ADAL" clId="{CC52A8C3-708B-4CE7-A848-3F502EC51602}" dt="2024-06-13T16:59:51.914" v="2828" actId="478"/>
+          <ac:spMkLst>
+            <pc:docMk/>
+            <pc:sldMk cId="0" sldId="263"/>
+            <ac:spMk id="125" creationId="{00000000-0000-0000-0000-000000000000}"/>
+          </ac:spMkLst>
+        </pc:spChg>
+      </pc:sldChg>
+      <pc:sldChg chg="addSp delSp modSp mod">
+        <pc:chgData name="Giulio Beltrami" userId="e0bbba2c-5e70-403a-8e6b-090771782fcf" providerId="ADAL" clId="{CC52A8C3-708B-4CE7-A848-3F502EC51602}" dt="2024-06-13T16:59:55.725" v="2831"/>
+        <pc:sldMkLst>
+          <pc:docMk/>
+          <pc:sldMk cId="0" sldId="264"/>
+        </pc:sldMkLst>
+        <pc:spChg chg="add mod">
+          <ac:chgData name="Giulio Beltrami" userId="e0bbba2c-5e70-403a-8e6b-090771782fcf" providerId="ADAL" clId="{CC52A8C3-708B-4CE7-A848-3F502EC51602}" dt="2024-06-13T16:59:55.725" v="2831"/>
+          <ac:spMkLst>
+            <pc:docMk/>
+            <pc:sldMk cId="0" sldId="264"/>
+            <ac:spMk id="2" creationId="{0C5C39D3-54BE-213F-7B22-3570A84EB1B0}"/>
+          </ac:spMkLst>
+        </pc:spChg>
+        <pc:spChg chg="del">
+          <ac:chgData name="Giulio Beltrami" userId="e0bbba2c-5e70-403a-8e6b-090771782fcf" providerId="ADAL" clId="{CC52A8C3-708B-4CE7-A848-3F502EC51602}" dt="2024-06-13T16:59:55.373" v="2830" actId="478"/>
+          <ac:spMkLst>
+            <pc:docMk/>
+            <pc:sldMk cId="0" sldId="264"/>
+            <ac:spMk id="131" creationId="{00000000-0000-0000-0000-000000000000}"/>
+          </ac:spMkLst>
+        </pc:spChg>
+      </pc:sldChg>
+      <pc:sldChg chg="addSp delSp modSp add del mod">
+        <pc:chgData name="Giulio Beltrami" userId="e0bbba2c-5e70-403a-8e6b-090771782fcf" providerId="ADAL" clId="{CC52A8C3-708B-4CE7-A848-3F502EC51602}" dt="2024-06-13T16:59:59.166" v="2833"/>
         <pc:sldMkLst>
           <pc:docMk/>
           <pc:sldMk cId="0" sldId="265"/>
@@ -199,6 +562,22 @@
             <ac:spMk id="2" creationId="{594B9C33-6FAF-E5D6-8926-02A2B02E25BC}"/>
           </ac:spMkLst>
         </pc:spChg>
+        <pc:spChg chg="add mod">
+          <ac:chgData name="Giulio Beltrami" userId="e0bbba2c-5e70-403a-8e6b-090771782fcf" providerId="ADAL" clId="{CC52A8C3-708B-4CE7-A848-3F502EC51602}" dt="2024-06-13T16:59:59.166" v="2833"/>
+          <ac:spMkLst>
+            <pc:docMk/>
+            <pc:sldMk cId="0" sldId="265"/>
+            <ac:spMk id="4" creationId="{7113BD8B-ADC2-8C47-17A0-986333EEAA5A}"/>
+          </ac:spMkLst>
+        </pc:spChg>
+        <pc:spChg chg="del">
+          <ac:chgData name="Giulio Beltrami" userId="e0bbba2c-5e70-403a-8e6b-090771782fcf" providerId="ADAL" clId="{CC52A8C3-708B-4CE7-A848-3F502EC51602}" dt="2024-06-13T16:59:58.803" v="2832" actId="478"/>
+          <ac:spMkLst>
+            <pc:docMk/>
+            <pc:sldMk cId="0" sldId="265"/>
+            <ac:spMk id="136" creationId="{00000000-0000-0000-0000-000000000000}"/>
+          </ac:spMkLst>
+        </pc:spChg>
         <pc:picChg chg="mod">
           <ac:chgData name="Giulio Beltrami" userId="e0bbba2c-5e70-403a-8e6b-090771782fcf" providerId="ADAL" clId="{CC52A8C3-708B-4CE7-A848-3F502EC51602}" dt="2024-06-11T13:11:50.818" v="254" actId="1076"/>
           <ac:picMkLst>
@@ -209,7 +588,7 @@
         </pc:picChg>
       </pc:sldChg>
       <pc:sldChg chg="addSp delSp modSp mod">
-        <pc:chgData name="Giulio Beltrami" userId="e0bbba2c-5e70-403a-8e6b-090771782fcf" providerId="ADAL" clId="{CC52A8C3-708B-4CE7-A848-3F502EC51602}" dt="2024-06-11T14:09:22.981" v="1212" actId="20577"/>
+        <pc:chgData name="Giulio Beltrami" userId="e0bbba2c-5e70-403a-8e6b-090771782fcf" providerId="ADAL" clId="{CC52A8C3-708B-4CE7-A848-3F502EC51602}" dt="2024-06-13T17:00:12.936" v="2841"/>
         <pc:sldMkLst>
           <pc:docMk/>
           <pc:sldMk cId="0" sldId="266"/>
@@ -223,11 +602,27 @@
           </ac:spMkLst>
         </pc:spChg>
         <pc:spChg chg="add mod">
+          <ac:chgData name="Giulio Beltrami" userId="e0bbba2c-5e70-403a-8e6b-090771782fcf" providerId="ADAL" clId="{CC52A8C3-708B-4CE7-A848-3F502EC51602}" dt="2024-06-13T17:00:12.936" v="2841"/>
+          <ac:spMkLst>
+            <pc:docMk/>
+            <pc:sldMk cId="0" sldId="266"/>
+            <ac:spMk id="2" creationId="{8210E6CE-8799-175C-0A1C-E7164CB10151}"/>
+          </ac:spMkLst>
+        </pc:spChg>
+        <pc:spChg chg="add mod">
           <ac:chgData name="Giulio Beltrami" userId="e0bbba2c-5e70-403a-8e6b-090771782fcf" providerId="ADAL" clId="{CC52A8C3-708B-4CE7-A848-3F502EC51602}" dt="2024-06-11T14:09:22.981" v="1212" actId="20577"/>
           <ac:spMkLst>
             <pc:docMk/>
             <pc:sldMk cId="0" sldId="266"/>
             <ac:spMk id="3" creationId="{635ED538-3618-830F-5FCC-47FCF871C138}"/>
+          </ac:spMkLst>
+        </pc:spChg>
+        <pc:spChg chg="del">
+          <ac:chgData name="Giulio Beltrami" userId="e0bbba2c-5e70-403a-8e6b-090771782fcf" providerId="ADAL" clId="{CC52A8C3-708B-4CE7-A848-3F502EC51602}" dt="2024-06-13T17:00:12.565" v="2840" actId="478"/>
+          <ac:spMkLst>
+            <pc:docMk/>
+            <pc:sldMk cId="0" sldId="266"/>
+            <ac:spMk id="143" creationId="{00000000-0000-0000-0000-000000000000}"/>
           </ac:spMkLst>
         </pc:spChg>
         <pc:spChg chg="del">
@@ -262,8 +657,8 @@
           <pc:sldMk cId="0" sldId="267"/>
         </pc:sldMkLst>
       </pc:sldChg>
-      <pc:sldChg chg="addSp modSp add mod">
-        <pc:chgData name="Giulio Beltrami" userId="e0bbba2c-5e70-403a-8e6b-090771782fcf" providerId="ADAL" clId="{CC52A8C3-708B-4CE7-A848-3F502EC51602}" dt="2024-06-11T13:18:47.845" v="329" actId="20577"/>
+      <pc:sldChg chg="addSp delSp modSp add mod">
+        <pc:chgData name="Giulio Beltrami" userId="e0bbba2c-5e70-403a-8e6b-090771782fcf" providerId="ADAL" clId="{CC52A8C3-708B-4CE7-A848-3F502EC51602}" dt="2024-06-13T17:00:02.706" v="2835"/>
         <pc:sldMkLst>
           <pc:docMk/>
           <pc:sldMk cId="2329386675" sldId="268"/>
@@ -276,6 +671,22 @@
             <ac:spMk id="2" creationId="{AF1C3D93-C501-F42F-1694-9F4EB890A3CD}"/>
           </ac:spMkLst>
         </pc:spChg>
+        <pc:spChg chg="add mod">
+          <ac:chgData name="Giulio Beltrami" userId="e0bbba2c-5e70-403a-8e6b-090771782fcf" providerId="ADAL" clId="{CC52A8C3-708B-4CE7-A848-3F502EC51602}" dt="2024-06-13T17:00:02.706" v="2835"/>
+          <ac:spMkLst>
+            <pc:docMk/>
+            <pc:sldMk cId="2329386675" sldId="268"/>
+            <ac:spMk id="4" creationId="{F0C08CC9-E5F9-29EC-B979-76676F863EB3}"/>
+          </ac:spMkLst>
+        </pc:spChg>
+        <pc:spChg chg="del">
+          <ac:chgData name="Giulio Beltrami" userId="e0bbba2c-5e70-403a-8e6b-090771782fcf" providerId="ADAL" clId="{CC52A8C3-708B-4CE7-A848-3F502EC51602}" dt="2024-06-13T17:00:02.282" v="2834" actId="478"/>
+          <ac:spMkLst>
+            <pc:docMk/>
+            <pc:sldMk cId="2329386675" sldId="268"/>
+            <ac:spMk id="136" creationId="{00000000-0000-0000-0000-000000000000}"/>
+          </ac:spMkLst>
+        </pc:spChg>
         <pc:picChg chg="mod">
           <ac:chgData name="Giulio Beltrami" userId="e0bbba2c-5e70-403a-8e6b-090771782fcf" providerId="ADAL" clId="{CC52A8C3-708B-4CE7-A848-3F502EC51602}" dt="2024-06-11T13:12:44.074" v="261" actId="1076"/>
           <ac:picMkLst>
@@ -286,17 +697,33 @@
         </pc:picChg>
       </pc:sldChg>
       <pc:sldChg chg="addSp delSp modSp add mod">
-        <pc:chgData name="Giulio Beltrami" userId="e0bbba2c-5e70-403a-8e6b-090771782fcf" providerId="ADAL" clId="{CC52A8C3-708B-4CE7-A848-3F502EC51602}" dt="2024-06-11T13:20:45.361" v="410" actId="20577"/>
+        <pc:chgData name="Giulio Beltrami" userId="e0bbba2c-5e70-403a-8e6b-090771782fcf" providerId="ADAL" clId="{CC52A8C3-708B-4CE7-A848-3F502EC51602}" dt="2024-06-13T17:00:06.286" v="2837"/>
         <pc:sldMkLst>
           <pc:docMk/>
           <pc:sldMk cId="1816249934" sldId="269"/>
         </pc:sldMkLst>
         <pc:spChg chg="add mod">
+          <ac:chgData name="Giulio Beltrami" userId="e0bbba2c-5e70-403a-8e6b-090771782fcf" providerId="ADAL" clId="{CC52A8C3-708B-4CE7-A848-3F502EC51602}" dt="2024-06-13T17:00:06.286" v="2837"/>
+          <ac:spMkLst>
+            <pc:docMk/>
+            <pc:sldMk cId="1816249934" sldId="269"/>
+            <ac:spMk id="2" creationId="{7E96A9AE-094C-A7BB-D08F-FCD6B98AD78B}"/>
+          </ac:spMkLst>
+        </pc:spChg>
+        <pc:spChg chg="add mod">
           <ac:chgData name="Giulio Beltrami" userId="e0bbba2c-5e70-403a-8e6b-090771782fcf" providerId="ADAL" clId="{CC52A8C3-708B-4CE7-A848-3F502EC51602}" dt="2024-06-11T13:20:45.361" v="410" actId="20577"/>
           <ac:spMkLst>
             <pc:docMk/>
             <pc:sldMk cId="1816249934" sldId="269"/>
             <ac:spMk id="5" creationId="{127261B4-31CE-3F9B-8B88-E794728F02DB}"/>
+          </ac:spMkLst>
+        </pc:spChg>
+        <pc:spChg chg="del">
+          <ac:chgData name="Giulio Beltrami" userId="e0bbba2c-5e70-403a-8e6b-090771782fcf" providerId="ADAL" clId="{CC52A8C3-708B-4CE7-A848-3F502EC51602}" dt="2024-06-13T17:00:05.924" v="2836" actId="478"/>
+          <ac:spMkLst>
+            <pc:docMk/>
+            <pc:sldMk cId="1816249934" sldId="269"/>
+            <ac:spMk id="136" creationId="{00000000-0000-0000-0000-000000000000}"/>
           </ac:spMkLst>
         </pc:spChg>
         <pc:spChg chg="mod">
@@ -341,11 +768,19 @@
         </pc:picChg>
       </pc:sldChg>
       <pc:sldChg chg="addSp delSp modSp new mod">
-        <pc:chgData name="Giulio Beltrami" userId="e0bbba2c-5e70-403a-8e6b-090771782fcf" providerId="ADAL" clId="{CC52A8C3-708B-4CE7-A848-3F502EC51602}" dt="2024-06-11T12:58:08.948" v="143" actId="478"/>
+        <pc:chgData name="Giulio Beltrami" userId="e0bbba2c-5e70-403a-8e6b-090771782fcf" providerId="ADAL" clId="{CC52A8C3-708B-4CE7-A848-3F502EC51602}" dt="2024-06-13T16:34:40.613" v="2730"/>
         <pc:sldMkLst>
           <pc:docMk/>
           <pc:sldMk cId="173780160" sldId="270"/>
         </pc:sldMkLst>
+        <pc:spChg chg="add del mod">
+          <ac:chgData name="Giulio Beltrami" userId="e0bbba2c-5e70-403a-8e6b-090771782fcf" providerId="ADAL" clId="{CC52A8C3-708B-4CE7-A848-3F502EC51602}" dt="2024-06-13T15:44:15.422" v="1243" actId="478"/>
+          <ac:spMkLst>
+            <pc:docMk/>
+            <pc:sldMk cId="173780160" sldId="270"/>
+            <ac:spMk id="2" creationId="{0B69A2E0-8FAB-53DE-92B8-E15B1524E965}"/>
+          </ac:spMkLst>
+        </pc:spChg>
         <pc:spChg chg="del">
           <ac:chgData name="Giulio Beltrami" userId="e0bbba2c-5e70-403a-8e6b-090771782fcf" providerId="ADAL" clId="{CC52A8C3-708B-4CE7-A848-3F502EC51602}" dt="2024-06-11T12:55:36.697" v="128" actId="478"/>
           <ac:spMkLst>
@@ -363,11 +798,27 @@
           </ac:spMkLst>
         </pc:spChg>
         <pc:spChg chg="add mod">
+          <ac:chgData name="Giulio Beltrami" userId="e0bbba2c-5e70-403a-8e6b-090771782fcf" providerId="ADAL" clId="{CC52A8C3-708B-4CE7-A848-3F502EC51602}" dt="2024-06-13T15:45:55.168" v="1268" actId="1076"/>
+          <ac:spMkLst>
+            <pc:docMk/>
+            <pc:sldMk cId="173780160" sldId="270"/>
+            <ac:spMk id="3" creationId="{209DD796-608C-28C2-E65A-492D3DE3F186}"/>
+          </ac:spMkLst>
+        </pc:spChg>
+        <pc:spChg chg="add mod">
           <ac:chgData name="Giulio Beltrami" userId="e0bbba2c-5e70-403a-8e6b-090771782fcf" providerId="ADAL" clId="{CC52A8C3-708B-4CE7-A848-3F502EC51602}" dt="2024-06-11T12:57:09.012" v="138" actId="14100"/>
           <ac:spMkLst>
             <pc:docMk/>
             <pc:sldMk cId="173780160" sldId="270"/>
             <ac:spMk id="4" creationId="{A55E67B7-3264-C701-DB8D-8270D2B33743}"/>
+          </ac:spMkLst>
+        </pc:spChg>
+        <pc:spChg chg="add mod">
+          <ac:chgData name="Giulio Beltrami" userId="e0bbba2c-5e70-403a-8e6b-090771782fcf" providerId="ADAL" clId="{CC52A8C3-708B-4CE7-A848-3F502EC51602}" dt="2024-06-13T16:34:40.613" v="2730"/>
+          <ac:spMkLst>
+            <pc:docMk/>
+            <pc:sldMk cId="173780160" sldId="270"/>
+            <ac:spMk id="5" creationId="{8F5A6094-8EE4-F7CD-70A6-C6E22D4EFA42}"/>
           </ac:spMkLst>
         </pc:spChg>
         <pc:picChg chg="add mod">
@@ -387,8 +838,8 @@
           </ac:cxnSpMkLst>
         </pc:cxnChg>
       </pc:sldChg>
-      <pc:sldChg chg="modSp add mod ord">
-        <pc:chgData name="Giulio Beltrami" userId="e0bbba2c-5e70-403a-8e6b-090771782fcf" providerId="ADAL" clId="{CC52A8C3-708B-4CE7-A848-3F502EC51602}" dt="2024-06-11T13:43:37.619" v="1014" actId="2711"/>
+      <pc:sldChg chg="addSp delSp modSp add mod ord">
+        <pc:chgData name="Giulio Beltrami" userId="e0bbba2c-5e70-403a-8e6b-090771782fcf" providerId="ADAL" clId="{CC52A8C3-708B-4CE7-A848-3F502EC51602}" dt="2024-06-13T17:00:09.711" v="2839"/>
         <pc:sldMkLst>
           <pc:docMk/>
           <pc:sldMk cId="3914895067" sldId="271"/>
@@ -401,6 +852,22 @@
             <ac:spMk id="2" creationId="{00000000-0000-0000-0000-000000000000}"/>
           </ac:spMkLst>
         </pc:spChg>
+        <pc:spChg chg="add mod">
+          <ac:chgData name="Giulio Beltrami" userId="e0bbba2c-5e70-403a-8e6b-090771782fcf" providerId="ADAL" clId="{CC52A8C3-708B-4CE7-A848-3F502EC51602}" dt="2024-06-13T17:00:09.711" v="2839"/>
+          <ac:spMkLst>
+            <pc:docMk/>
+            <pc:sldMk cId="3914895067" sldId="271"/>
+            <ac:spMk id="3" creationId="{72F9CDA4-342D-FCD9-9135-EA4AB751CB89}"/>
+          </ac:spMkLst>
+        </pc:spChg>
+        <pc:spChg chg="del">
+          <ac:chgData name="Giulio Beltrami" userId="e0bbba2c-5e70-403a-8e6b-090771782fcf" providerId="ADAL" clId="{CC52A8C3-708B-4CE7-A848-3F502EC51602}" dt="2024-06-13T17:00:09.361" v="2838" actId="478"/>
+          <ac:spMkLst>
+            <pc:docMk/>
+            <pc:sldMk cId="3914895067" sldId="271"/>
+            <ac:spMk id="143" creationId="{00000000-0000-0000-0000-000000000000}"/>
+          </ac:spMkLst>
+        </pc:spChg>
         <pc:spChg chg="mod">
           <ac:chgData name="Giulio Beltrami" userId="e0bbba2c-5e70-403a-8e6b-090771782fcf" providerId="ADAL" clId="{CC52A8C3-708B-4CE7-A848-3F502EC51602}" dt="2024-06-11T13:43:00.097" v="1005" actId="20577"/>
           <ac:spMkLst>
@@ -409,6 +876,386 @@
             <ac:spMk id="145" creationId="{00000000-0000-0000-0000-000000000000}"/>
           </ac:spMkLst>
         </pc:spChg>
+      </pc:sldChg>
+      <pc:sldChg chg="addSp delSp modSp add mod">
+        <pc:chgData name="Giulio Beltrami" userId="e0bbba2c-5e70-403a-8e6b-090771782fcf" providerId="ADAL" clId="{CC52A8C3-708B-4CE7-A848-3F502EC51602}" dt="2024-06-13T16:59:26.285" v="2821"/>
+        <pc:sldMkLst>
+          <pc:docMk/>
+          <pc:sldMk cId="2866333210" sldId="272"/>
+        </pc:sldMkLst>
+        <pc:spChg chg="add del mod">
+          <ac:chgData name="Giulio Beltrami" userId="e0bbba2c-5e70-403a-8e6b-090771782fcf" providerId="ADAL" clId="{CC52A8C3-708B-4CE7-A848-3F502EC51602}" dt="2024-06-13T16:01:33.832" v="2030"/>
+          <ac:spMkLst>
+            <pc:docMk/>
+            <pc:sldMk cId="2866333210" sldId="272"/>
+            <ac:spMk id="2" creationId="{54B27A88-990D-48DF-18C3-272D96EEBA2D}"/>
+          </ac:spMkLst>
+        </pc:spChg>
+        <pc:spChg chg="del mod">
+          <ac:chgData name="Giulio Beltrami" userId="e0bbba2c-5e70-403a-8e6b-090771782fcf" providerId="ADAL" clId="{CC52A8C3-708B-4CE7-A848-3F502EC51602}" dt="2024-06-13T16:00:26.172" v="1998" actId="478"/>
+          <ac:spMkLst>
+            <pc:docMk/>
+            <pc:sldMk cId="2866333210" sldId="272"/>
+            <ac:spMk id="6" creationId="{3B7F041A-3A21-EE9A-C1E4-9123B2F5C93E}"/>
+          </ac:spMkLst>
+        </pc:spChg>
+        <pc:spChg chg="add del mod">
+          <ac:chgData name="Giulio Beltrami" userId="e0bbba2c-5e70-403a-8e6b-090771782fcf" providerId="ADAL" clId="{CC52A8C3-708B-4CE7-A848-3F502EC51602}" dt="2024-06-13T16:03:45.335" v="2037"/>
+          <ac:spMkLst>
+            <pc:docMk/>
+            <pc:sldMk cId="2866333210" sldId="272"/>
+            <ac:spMk id="11" creationId="{5311A8D5-814C-A557-0E9B-8E88368F519B}"/>
+          </ac:spMkLst>
+        </pc:spChg>
+        <pc:spChg chg="add del mod">
+          <ac:chgData name="Giulio Beltrami" userId="e0bbba2c-5e70-403a-8e6b-090771782fcf" providerId="ADAL" clId="{CC52A8C3-708B-4CE7-A848-3F502EC51602}" dt="2024-06-13T16:30:07.595" v="2662" actId="478"/>
+          <ac:spMkLst>
+            <pc:docMk/>
+            <pc:sldMk cId="2866333210" sldId="272"/>
+            <ac:spMk id="12" creationId="{3498D065-F5A4-5368-F05A-A88F2010EE88}"/>
+          </ac:spMkLst>
+        </pc:spChg>
+        <pc:spChg chg="add mod">
+          <ac:chgData name="Giulio Beltrami" userId="e0bbba2c-5e70-403a-8e6b-090771782fcf" providerId="ADAL" clId="{CC52A8C3-708B-4CE7-A848-3F502EC51602}" dt="2024-06-13T16:10:02.348" v="2321" actId="20577"/>
+          <ac:spMkLst>
+            <pc:docMk/>
+            <pc:sldMk cId="2866333210" sldId="272"/>
+            <ac:spMk id="13" creationId="{9CE453CE-8BF0-5649-ABE4-CD890E3C7875}"/>
+          </ac:spMkLst>
+        </pc:spChg>
+        <pc:spChg chg="add del mod">
+          <ac:chgData name="Giulio Beltrami" userId="e0bbba2c-5e70-403a-8e6b-090771782fcf" providerId="ADAL" clId="{CC52A8C3-708B-4CE7-A848-3F502EC51602}" dt="2024-06-13T16:08:49.797" v="2200"/>
+          <ac:spMkLst>
+            <pc:docMk/>
+            <pc:sldMk cId="2866333210" sldId="272"/>
+            <ac:spMk id="15" creationId="{52359472-637D-43A9-3282-C4994EFC0C88}"/>
+          </ac:spMkLst>
+        </pc:spChg>
+        <pc:spChg chg="add mod">
+          <ac:chgData name="Giulio Beltrami" userId="e0bbba2c-5e70-403a-8e6b-090771782fcf" providerId="ADAL" clId="{CC52A8C3-708B-4CE7-A848-3F502EC51602}" dt="2024-06-13T16:59:26.285" v="2821"/>
+          <ac:spMkLst>
+            <pc:docMk/>
+            <pc:sldMk cId="2866333210" sldId="272"/>
+            <ac:spMk id="21" creationId="{81BEDCA0-5DA5-35D0-7E5B-B3CF5F5F0EEA}"/>
+          </ac:spMkLst>
+        </pc:spChg>
+        <pc:spChg chg="del">
+          <ac:chgData name="Giulio Beltrami" userId="e0bbba2c-5e70-403a-8e6b-090771782fcf" providerId="ADAL" clId="{CC52A8C3-708B-4CE7-A848-3F502EC51602}" dt="2024-06-13T16:59:25.666" v="2820" actId="478"/>
+          <ac:spMkLst>
+            <pc:docMk/>
+            <pc:sldMk cId="2866333210" sldId="272"/>
+            <ac:spMk id="98" creationId="{00000000-0000-0000-0000-000000000000}"/>
+          </ac:spMkLst>
+        </pc:spChg>
+        <pc:picChg chg="del">
+          <ac:chgData name="Giulio Beltrami" userId="e0bbba2c-5e70-403a-8e6b-090771782fcf" providerId="ADAL" clId="{CC52A8C3-708B-4CE7-A848-3F502EC51602}" dt="2024-06-13T16:00:27.774" v="2000" actId="478"/>
+          <ac:picMkLst>
+            <pc:docMk/>
+            <pc:sldMk cId="2866333210" sldId="272"/>
+            <ac:picMk id="3" creationId="{CEAAB3B8-B881-EC4F-96C9-37AD63763003}"/>
+          </ac:picMkLst>
+        </pc:picChg>
+        <pc:picChg chg="del">
+          <ac:chgData name="Giulio Beltrami" userId="e0bbba2c-5e70-403a-8e6b-090771782fcf" providerId="ADAL" clId="{CC52A8C3-708B-4CE7-A848-3F502EC51602}" dt="2024-06-13T16:00:23.925" v="1996" actId="478"/>
+          <ac:picMkLst>
+            <pc:docMk/>
+            <pc:sldMk cId="2866333210" sldId="272"/>
+            <ac:picMk id="4" creationId="{82303452-D37E-E64B-BD5C-E71A222DDF3D}"/>
+          </ac:picMkLst>
+        </pc:picChg>
+        <pc:picChg chg="del">
+          <ac:chgData name="Giulio Beltrami" userId="e0bbba2c-5e70-403a-8e6b-090771782fcf" providerId="ADAL" clId="{CC52A8C3-708B-4CE7-A848-3F502EC51602}" dt="2024-06-13T16:00:29.468" v="2001" actId="478"/>
+          <ac:picMkLst>
+            <pc:docMk/>
+            <pc:sldMk cId="2866333210" sldId="272"/>
+            <ac:picMk id="5" creationId="{6020FDCF-CC21-694F-B03A-672EF4482A50}"/>
+          </ac:picMkLst>
+        </pc:picChg>
+        <pc:picChg chg="del">
+          <ac:chgData name="Giulio Beltrami" userId="e0bbba2c-5e70-403a-8e6b-090771782fcf" providerId="ADAL" clId="{CC52A8C3-708B-4CE7-A848-3F502EC51602}" dt="2024-06-13T16:00:26.840" v="1999" actId="478"/>
+          <ac:picMkLst>
+            <pc:docMk/>
+            <pc:sldMk cId="2866333210" sldId="272"/>
+            <ac:picMk id="8" creationId="{EBEB6017-A7E0-A748-88AD-FFC06BE80303}"/>
+          </ac:picMkLst>
+        </pc:picChg>
+        <pc:picChg chg="del">
+          <ac:chgData name="Giulio Beltrami" userId="e0bbba2c-5e70-403a-8e6b-090771782fcf" providerId="ADAL" clId="{CC52A8C3-708B-4CE7-A848-3F502EC51602}" dt="2024-06-13T16:00:23.234" v="1995" actId="478"/>
+          <ac:picMkLst>
+            <pc:docMk/>
+            <pc:sldMk cId="2866333210" sldId="272"/>
+            <ac:picMk id="9" creationId="{D80C6BDB-0BFE-7648-9420-D5BD284FBAE5}"/>
+          </ac:picMkLst>
+        </pc:picChg>
+        <pc:picChg chg="add del mod">
+          <ac:chgData name="Giulio Beltrami" userId="e0bbba2c-5e70-403a-8e6b-090771782fcf" providerId="ADAL" clId="{CC52A8C3-708B-4CE7-A848-3F502EC51602}" dt="2024-06-13T16:26:18.388" v="2656" actId="478"/>
+          <ac:picMkLst>
+            <pc:docMk/>
+            <pc:sldMk cId="2866333210" sldId="272"/>
+            <ac:picMk id="10" creationId="{DF70FCE9-DAE2-296B-4DF0-9BD955D3CE0B}"/>
+          </ac:picMkLst>
+        </pc:picChg>
+        <pc:picChg chg="add mod">
+          <ac:chgData name="Giulio Beltrami" userId="e0bbba2c-5e70-403a-8e6b-090771782fcf" providerId="ADAL" clId="{CC52A8C3-708B-4CE7-A848-3F502EC51602}" dt="2024-06-13T16:26:27.955" v="2659" actId="1076"/>
+          <ac:picMkLst>
+            <pc:docMk/>
+            <pc:sldMk cId="2866333210" sldId="272"/>
+            <ac:picMk id="17" creationId="{F827EB40-A606-2439-1A44-BCFDE0BDE845}"/>
+          </ac:picMkLst>
+        </pc:picChg>
+        <pc:picChg chg="add del mod">
+          <ac:chgData name="Giulio Beltrami" userId="e0bbba2c-5e70-403a-8e6b-090771782fcf" providerId="ADAL" clId="{CC52A8C3-708B-4CE7-A848-3F502EC51602}" dt="2024-06-13T16:31:26.273" v="2666" actId="478"/>
+          <ac:picMkLst>
+            <pc:docMk/>
+            <pc:sldMk cId="2866333210" sldId="272"/>
+            <ac:picMk id="18" creationId="{105A3671-5CB5-0ACA-EFDD-F6B7D09E041D}"/>
+          </ac:picMkLst>
+        </pc:picChg>
+        <pc:picChg chg="add mod">
+          <ac:chgData name="Giulio Beltrami" userId="e0bbba2c-5e70-403a-8e6b-090771782fcf" providerId="ADAL" clId="{CC52A8C3-708B-4CE7-A848-3F502EC51602}" dt="2024-06-13T16:36:13.579" v="2740" actId="1076"/>
+          <ac:picMkLst>
+            <pc:docMk/>
+            <pc:sldMk cId="2866333210" sldId="272"/>
+            <ac:picMk id="20" creationId="{D41A35A8-4837-1FF9-BF4A-E7058CC0B8BE}"/>
+          </ac:picMkLst>
+        </pc:picChg>
+      </pc:sldChg>
+      <pc:sldChg chg="addSp delSp modSp add mod">
+        <pc:chgData name="Giulio Beltrami" userId="e0bbba2c-5e70-403a-8e6b-090771782fcf" providerId="ADAL" clId="{CC52A8C3-708B-4CE7-A848-3F502EC51602}" dt="2024-06-13T16:59:35.253" v="2825"/>
+        <pc:sldMkLst>
+          <pc:docMk/>
+          <pc:sldMk cId="134682257" sldId="273"/>
+        </pc:sldMkLst>
+        <pc:spChg chg="add mod">
+          <ac:chgData name="Giulio Beltrami" userId="e0bbba2c-5e70-403a-8e6b-090771782fcf" providerId="ADAL" clId="{CC52A8C3-708B-4CE7-A848-3F502EC51602}" dt="2024-06-13T16:17:08.917" v="2630" actId="20577"/>
+          <ac:spMkLst>
+            <pc:docMk/>
+            <pc:sldMk cId="134682257" sldId="273"/>
+            <ac:spMk id="5" creationId="{681584F4-5174-938E-EF99-E2302DD4FB36}"/>
+          </ac:spMkLst>
+        </pc:spChg>
+        <pc:spChg chg="add mod">
+          <ac:chgData name="Giulio Beltrami" userId="e0bbba2c-5e70-403a-8e6b-090771782fcf" providerId="ADAL" clId="{CC52A8C3-708B-4CE7-A848-3F502EC51602}" dt="2024-06-13T16:59:35.253" v="2825"/>
+          <ac:spMkLst>
+            <pc:docMk/>
+            <pc:sldMk cId="134682257" sldId="273"/>
+            <ac:spMk id="10" creationId="{92462287-7C2F-401A-7FF9-6CFED314CE4D}"/>
+          </ac:spMkLst>
+        </pc:spChg>
+        <pc:spChg chg="del">
+          <ac:chgData name="Giulio Beltrami" userId="e0bbba2c-5e70-403a-8e6b-090771782fcf" providerId="ADAL" clId="{CC52A8C3-708B-4CE7-A848-3F502EC51602}" dt="2024-06-13T16:59:34.912" v="2824" actId="478"/>
+          <ac:spMkLst>
+            <pc:docMk/>
+            <pc:sldMk cId="134682257" sldId="273"/>
+            <ac:spMk id="104" creationId="{00000000-0000-0000-0000-000000000000}"/>
+          </ac:spMkLst>
+        </pc:spChg>
+        <pc:graphicFrameChg chg="del">
+          <ac:chgData name="Giulio Beltrami" userId="e0bbba2c-5e70-403a-8e6b-090771782fcf" providerId="ADAL" clId="{CC52A8C3-708B-4CE7-A848-3F502EC51602}" dt="2024-06-13T16:14:47.863" v="2618" actId="478"/>
+          <ac:graphicFrameMkLst>
+            <pc:docMk/>
+            <pc:sldMk cId="134682257" sldId="273"/>
+            <ac:graphicFrameMk id="2" creationId="{00CE3058-F966-0D4D-ABF5-A3609441608B}"/>
+          </ac:graphicFrameMkLst>
+        </pc:graphicFrameChg>
+        <pc:picChg chg="del">
+          <ac:chgData name="Giulio Beltrami" userId="e0bbba2c-5e70-403a-8e6b-090771782fcf" providerId="ADAL" clId="{CC52A8C3-708B-4CE7-A848-3F502EC51602}" dt="2024-06-13T16:14:44.549" v="2615" actId="478"/>
+          <ac:picMkLst>
+            <pc:docMk/>
+            <pc:sldMk cId="134682257" sldId="273"/>
+            <ac:picMk id="3" creationId="{E8422789-689D-415A-36CE-D5E9C4EC2747}"/>
+          </ac:picMkLst>
+        </pc:picChg>
+        <pc:picChg chg="add mod">
+          <ac:chgData name="Giulio Beltrami" userId="e0bbba2c-5e70-403a-8e6b-090771782fcf" providerId="ADAL" clId="{CC52A8C3-708B-4CE7-A848-3F502EC51602}" dt="2024-06-13T16:18:29.721" v="2641" actId="1076"/>
+          <ac:picMkLst>
+            <pc:docMk/>
+            <pc:sldMk cId="134682257" sldId="273"/>
+            <ac:picMk id="6" creationId="{B2C19C55-EB18-A57C-A218-16CB3D3F61F1}"/>
+          </ac:picMkLst>
+        </pc:picChg>
+        <pc:picChg chg="add mod">
+          <ac:chgData name="Giulio Beltrami" userId="e0bbba2c-5e70-403a-8e6b-090771782fcf" providerId="ADAL" clId="{CC52A8C3-708B-4CE7-A848-3F502EC51602}" dt="2024-06-13T16:19:56.307" v="2651" actId="1076"/>
+          <ac:picMkLst>
+            <pc:docMk/>
+            <pc:sldMk cId="134682257" sldId="273"/>
+            <ac:picMk id="8" creationId="{33AF3673-227F-3FA3-057A-8C0638EA248D}"/>
+          </ac:picMkLst>
+        </pc:picChg>
+        <pc:picChg chg="del mod">
+          <ac:chgData name="Giulio Beltrami" userId="e0bbba2c-5e70-403a-8e6b-090771782fcf" providerId="ADAL" clId="{CC52A8C3-708B-4CE7-A848-3F502EC51602}" dt="2024-06-13T16:17:40.462" v="2634" actId="478"/>
+          <ac:picMkLst>
+            <pc:docMk/>
+            <pc:sldMk cId="134682257" sldId="273"/>
+            <ac:picMk id="9" creationId="{6740CD09-766B-56AB-97D0-23F23EFF7329}"/>
+          </ac:picMkLst>
+        </pc:picChg>
+        <pc:picChg chg="mod">
+          <ac:chgData name="Giulio Beltrami" userId="e0bbba2c-5e70-403a-8e6b-090771782fcf" providerId="ADAL" clId="{CC52A8C3-708B-4CE7-A848-3F502EC51602}" dt="2024-06-13T16:18:50.535" v="2647" actId="14100"/>
+          <ac:picMkLst>
+            <pc:docMk/>
+            <pc:sldMk cId="134682257" sldId="273"/>
+            <ac:picMk id="11" creationId="{CABD73F2-4B21-FD84-B62F-7AF7BBB05A19}"/>
+          </ac:picMkLst>
+        </pc:picChg>
+        <pc:picChg chg="del">
+          <ac:chgData name="Giulio Beltrami" userId="e0bbba2c-5e70-403a-8e6b-090771782fcf" providerId="ADAL" clId="{CC52A8C3-708B-4CE7-A848-3F502EC51602}" dt="2024-06-13T16:14:46.803" v="2617" actId="478"/>
+          <ac:picMkLst>
+            <pc:docMk/>
+            <pc:sldMk cId="134682257" sldId="273"/>
+            <ac:picMk id="15" creationId="{C1922D88-B158-7975-5FE0-D1D54C8A037C}"/>
+          </ac:picMkLst>
+        </pc:picChg>
+        <pc:picChg chg="del">
+          <ac:chgData name="Giulio Beltrami" userId="e0bbba2c-5e70-403a-8e6b-090771782fcf" providerId="ADAL" clId="{CC52A8C3-708B-4CE7-A848-3F502EC51602}" dt="2024-06-13T16:14:46.090" v="2616" actId="478"/>
+          <ac:picMkLst>
+            <pc:docMk/>
+            <pc:sldMk cId="134682257" sldId="273"/>
+            <ac:picMk id="17" creationId="{FD5EF55D-8CE4-2B36-095F-66AD3A1F8822}"/>
+          </ac:picMkLst>
+        </pc:picChg>
+      </pc:sldChg>
+      <pc:sldChg chg="addSp delSp modSp add mod">
+        <pc:chgData name="Giulio Beltrami" userId="e0bbba2c-5e70-403a-8e6b-090771782fcf" providerId="ADAL" clId="{CC52A8C3-708B-4CE7-A848-3F502EC51602}" dt="2024-06-13T16:59:38.462" v="2827"/>
+        <pc:sldMkLst>
+          <pc:docMk/>
+          <pc:sldMk cId="53727010" sldId="274"/>
+        </pc:sldMkLst>
+        <pc:spChg chg="add del mod">
+          <ac:chgData name="Giulio Beltrami" userId="e0bbba2c-5e70-403a-8e6b-090771782fcf" providerId="ADAL" clId="{CC52A8C3-708B-4CE7-A848-3F502EC51602}" dt="2024-06-13T16:26:14.506" v="2655"/>
+          <ac:spMkLst>
+            <pc:docMk/>
+            <pc:sldMk cId="53727010" sldId="274"/>
+            <ac:spMk id="4" creationId="{544F7A8C-DEB0-2509-4C13-A9A502336042}"/>
+          </ac:spMkLst>
+        </pc:spChg>
+        <pc:spChg chg="add mod">
+          <ac:chgData name="Giulio Beltrami" userId="e0bbba2c-5e70-403a-8e6b-090771782fcf" providerId="ADAL" clId="{CC52A8C3-708B-4CE7-A848-3F502EC51602}" dt="2024-06-13T16:55:02.106" v="2774" actId="1076"/>
+          <ac:spMkLst>
+            <pc:docMk/>
+            <pc:sldMk cId="53727010" sldId="274"/>
+            <ac:spMk id="8" creationId="{ADDB3084-4B24-CC40-750A-23F463D307F9}"/>
+          </ac:spMkLst>
+        </pc:spChg>
+        <pc:spChg chg="add mod">
+          <ac:chgData name="Giulio Beltrami" userId="e0bbba2c-5e70-403a-8e6b-090771782fcf" providerId="ADAL" clId="{CC52A8C3-708B-4CE7-A848-3F502EC51602}" dt="2024-06-13T16:57:56.643" v="2808" actId="1076"/>
+          <ac:spMkLst>
+            <pc:docMk/>
+            <pc:sldMk cId="53727010" sldId="274"/>
+            <ac:spMk id="12" creationId="{DC543E80-3C0C-BF98-451E-26D41F5D57EC}"/>
+          </ac:spMkLst>
+        </pc:spChg>
+        <pc:spChg chg="add mod">
+          <ac:chgData name="Giulio Beltrami" userId="e0bbba2c-5e70-403a-8e6b-090771782fcf" providerId="ADAL" clId="{CC52A8C3-708B-4CE7-A848-3F502EC51602}" dt="2024-06-13T16:59:38.462" v="2827"/>
+          <ac:spMkLst>
+            <pc:docMk/>
+            <pc:sldMk cId="53727010" sldId="274"/>
+            <ac:spMk id="13" creationId="{63BB908B-FD5B-5366-0613-F32787B8A900}"/>
+          </ac:spMkLst>
+        </pc:spChg>
+        <pc:spChg chg="del">
+          <ac:chgData name="Giulio Beltrami" userId="e0bbba2c-5e70-403a-8e6b-090771782fcf" providerId="ADAL" clId="{CC52A8C3-708B-4CE7-A848-3F502EC51602}" dt="2024-06-13T16:59:38.130" v="2826" actId="478"/>
+          <ac:spMkLst>
+            <pc:docMk/>
+            <pc:sldMk cId="53727010" sldId="274"/>
+            <ac:spMk id="104" creationId="{00000000-0000-0000-0000-000000000000}"/>
+          </ac:spMkLst>
+        </pc:spChg>
+        <pc:graphicFrameChg chg="del">
+          <ac:chgData name="Giulio Beltrami" userId="e0bbba2c-5e70-403a-8e6b-090771782fcf" providerId="ADAL" clId="{CC52A8C3-708B-4CE7-A848-3F502EC51602}" dt="2024-06-13T16:20:06.146" v="2652" actId="478"/>
+          <ac:graphicFrameMkLst>
+            <pc:docMk/>
+            <pc:sldMk cId="53727010" sldId="274"/>
+            <ac:graphicFrameMk id="2" creationId="{00CE3058-F966-0D4D-ABF5-A3609441608B}"/>
+          </ac:graphicFrameMkLst>
+        </pc:graphicFrameChg>
+        <pc:picChg chg="del">
+          <ac:chgData name="Giulio Beltrami" userId="e0bbba2c-5e70-403a-8e6b-090771782fcf" providerId="ADAL" clId="{CC52A8C3-708B-4CE7-A848-3F502EC51602}" dt="2024-06-13T16:18:07.961" v="2638" actId="478"/>
+          <ac:picMkLst>
+            <pc:docMk/>
+            <pc:sldMk cId="53727010" sldId="274"/>
+            <ac:picMk id="3" creationId="{E8422789-689D-415A-36CE-D5E9C4EC2747}"/>
+          </ac:picMkLst>
+        </pc:picChg>
+        <pc:picChg chg="add mod">
+          <ac:chgData name="Giulio Beltrami" userId="e0bbba2c-5e70-403a-8e6b-090771782fcf" providerId="ADAL" clId="{CC52A8C3-708B-4CE7-A848-3F502EC51602}" dt="2024-06-13T16:55:13.875" v="2776" actId="1076"/>
+          <ac:picMkLst>
+            <pc:docMk/>
+            <pc:sldMk cId="53727010" sldId="274"/>
+            <ac:picMk id="6" creationId="{D48C112E-2ECB-E97E-2D87-70C0CB3ED191}"/>
+          </ac:picMkLst>
+        </pc:picChg>
+        <pc:picChg chg="del">
+          <ac:chgData name="Giulio Beltrami" userId="e0bbba2c-5e70-403a-8e6b-090771782fcf" providerId="ADAL" clId="{CC52A8C3-708B-4CE7-A848-3F502EC51602}" dt="2024-06-13T16:18:08.467" v="2639" actId="478"/>
+          <ac:picMkLst>
+            <pc:docMk/>
+            <pc:sldMk cId="53727010" sldId="274"/>
+            <ac:picMk id="9" creationId="{6740CD09-766B-56AB-97D0-23F23EFF7329}"/>
+          </ac:picMkLst>
+        </pc:picChg>
+        <pc:picChg chg="del">
+          <ac:chgData name="Giulio Beltrami" userId="e0bbba2c-5e70-403a-8e6b-090771782fcf" providerId="ADAL" clId="{CC52A8C3-708B-4CE7-A848-3F502EC51602}" dt="2024-06-13T16:18:09.076" v="2640" actId="478"/>
+          <ac:picMkLst>
+            <pc:docMk/>
+            <pc:sldMk cId="53727010" sldId="274"/>
+            <ac:picMk id="11" creationId="{CABD73F2-4B21-FD84-B62F-7AF7BBB05A19}"/>
+          </ac:picMkLst>
+        </pc:picChg>
+        <pc:picChg chg="mod">
+          <ac:chgData name="Giulio Beltrami" userId="e0bbba2c-5e70-403a-8e6b-090771782fcf" providerId="ADAL" clId="{CC52A8C3-708B-4CE7-A848-3F502EC51602}" dt="2024-06-13T16:55:19.239" v="2778" actId="1076"/>
+          <ac:picMkLst>
+            <pc:docMk/>
+            <pc:sldMk cId="53727010" sldId="274"/>
+            <ac:picMk id="15" creationId="{C1922D88-B158-7975-5FE0-D1D54C8A037C}"/>
+          </ac:picMkLst>
+        </pc:picChg>
+        <pc:picChg chg="mod">
+          <ac:chgData name="Giulio Beltrami" userId="e0bbba2c-5e70-403a-8e6b-090771782fcf" providerId="ADAL" clId="{CC52A8C3-708B-4CE7-A848-3F502EC51602}" dt="2024-06-13T16:55:15.677" v="2777" actId="1076"/>
+          <ac:picMkLst>
+            <pc:docMk/>
+            <pc:sldMk cId="53727010" sldId="274"/>
+            <ac:picMk id="17" creationId="{FD5EF55D-8CE4-2B36-095F-66AD3A1F8822}"/>
+          </ac:picMkLst>
+        </pc:picChg>
+      </pc:sldChg>
+      <pc:sldChg chg="delSp modSp add mod">
+        <pc:chgData name="Giulio Beltrami" userId="e0bbba2c-5e70-403a-8e6b-090771782fcf" providerId="ADAL" clId="{CC52A8C3-708B-4CE7-A848-3F502EC51602}" dt="2024-06-13T17:01:53.706" v="2926" actId="478"/>
+        <pc:sldMkLst>
+          <pc:docMk/>
+          <pc:sldMk cId="3704356531" sldId="275"/>
+        </pc:sldMkLst>
+        <pc:spChg chg="del">
+          <ac:chgData name="Giulio Beltrami" userId="e0bbba2c-5e70-403a-8e6b-090771782fcf" providerId="ADAL" clId="{CC52A8C3-708B-4CE7-A848-3F502EC51602}" dt="2024-06-13T17:01:53.706" v="2926" actId="478"/>
+          <ac:spMkLst>
+            <pc:docMk/>
+            <pc:sldMk cId="3704356531" sldId="275"/>
+            <ac:spMk id="5" creationId="{127261B4-31CE-3F9B-8B88-E794728F02DB}"/>
+          </ac:spMkLst>
+        </pc:spChg>
+        <pc:spChg chg="del mod">
+          <ac:chgData name="Giulio Beltrami" userId="e0bbba2c-5e70-403a-8e6b-090771782fcf" providerId="ADAL" clId="{CC52A8C3-708B-4CE7-A848-3F502EC51602}" dt="2024-06-13T17:01:42.300" v="2911" actId="478"/>
+          <ac:spMkLst>
+            <pc:docMk/>
+            <pc:sldMk cId="3704356531" sldId="275"/>
+            <ac:spMk id="138" creationId="{00000000-0000-0000-0000-000000000000}"/>
+          </ac:spMkLst>
+        </pc:spChg>
+        <pc:spChg chg="mod">
+          <ac:chgData name="Giulio Beltrami" userId="e0bbba2c-5e70-403a-8e6b-090771782fcf" providerId="ADAL" clId="{CC52A8C3-708B-4CE7-A848-3F502EC51602}" dt="2024-06-13T17:01:50.385" v="2925" actId="20577"/>
+          <ac:spMkLst>
+            <pc:docMk/>
+            <pc:sldMk cId="3704356531" sldId="275"/>
+            <ac:spMk id="140" creationId="{00000000-0000-0000-0000-000000000000}"/>
+          </ac:spMkLst>
+        </pc:spChg>
+        <pc:picChg chg="del">
+          <ac:chgData name="Giulio Beltrami" userId="e0bbba2c-5e70-403a-8e6b-090771782fcf" providerId="ADAL" clId="{CC52A8C3-708B-4CE7-A848-3F502EC51602}" dt="2024-06-13T17:01:15.283" v="2843" actId="478"/>
+          <ac:picMkLst>
+            <pc:docMk/>
+            <pc:sldMk cId="3704356531" sldId="275"/>
+            <ac:picMk id="4" creationId="{87416478-A572-23F3-A614-74A023D4EE01}"/>
+          </ac:picMkLst>
+        </pc:picChg>
       </pc:sldChg>
     </pc:docChg>
   </pc:docChgLst>
@@ -1442,7 +2289,7 @@
       </p:grpSpPr>
       <p:sp>
         <p:nvSpPr>
-          <p:cNvPr id="174" name="PlaceHolder 1"/>
+          <p:cNvPr id="171" name="PlaceHolder 1"/>
           <p:cNvSpPr>
             <a:spLocks noGrp="1" noRot="1" noChangeAspect="1"/>
           </p:cNvSpPr>
@@ -1465,7 +2312,7 @@
       </p:sp>
       <p:sp>
         <p:nvSpPr>
-          <p:cNvPr id="175" name="PlaceHolder 2"/>
+          <p:cNvPr id="172" name="PlaceHolder 2"/>
           <p:cNvSpPr>
             <a:spLocks noGrp="1"/>
           </p:cNvSpPr>
@@ -1500,12 +2347,12 @@
       </p:sp>
       <p:sp>
         <p:nvSpPr>
-          <p:cNvPr id="176" name="PlaceHolder 3"/>
+          <p:cNvPr id="173" name="PlaceHolder 3"/>
           <p:cNvSpPr>
             <a:spLocks noGrp="1"/>
           </p:cNvSpPr>
           <p:nvPr>
-            <p:ph type="sldNum" idx="13"/>
+            <p:ph type="sldNum" idx="12"/>
           </p:nvPr>
         </p:nvSpPr>
         <p:spPr>
@@ -1537,65 +2384,19 @@
             </a:lvl1pPr>
           </a:lstStyle>
           <a:p>
-            <a:pPr marL="0" marR="0" lvl="0" indent="0" algn="r" defTabSz="914400" rtl="0" eaLnBrk="1" fontAlgn="auto" latinLnBrk="0" hangingPunct="1">
+            <a:pPr algn="r">
               <a:lnSpc>
                 <a:spcPct val="100000"/>
               </a:lnSpc>
-              <a:spcBef>
-                <a:spcPts val="0"/>
-              </a:spcBef>
-              <a:spcAft>
-                <a:spcPts val="0"/>
-              </a:spcAft>
-              <a:buClrTx/>
-              <a:buSzTx/>
-              <a:buFontTx/>
               <a:buNone/>
-              <a:tabLst/>
-              <a:defRPr/>
             </a:pPr>
-            <a:fld id="{783DFC23-429A-42CB-965B-7D729ACA20DF}" type="slidenum">
-              <a:rPr kumimoji="0" lang="it-IT" sz="1200" b="0" i="0" u="none" strike="noStrike" kern="1200" cap="none" spc="-1" normalizeH="0" baseline="0" noProof="0">
-                <a:ln>
-                  <a:noFill/>
-                </a:ln>
-                <a:solidFill>
-                  <a:prstClr val="black"/>
-                </a:solidFill>
-                <a:effectLst/>
-                <a:uLnTx/>
-                <a:uFillTx/>
+            <a:fld id="{8518C8AE-788D-4609-8DB3-7DE0764B3DB7}" type="slidenum">
+              <a:rPr lang="it-IT" sz="1200" b="0" strike="noStrike" spc="-1">
                 <a:latin typeface="Times New Roman"/>
               </a:rPr>
-              <a:pPr marL="0" marR="0" lvl="0" indent="0" algn="r" defTabSz="914400" rtl="0" eaLnBrk="1" fontAlgn="auto" latinLnBrk="0" hangingPunct="1">
-                <a:lnSpc>
-                  <a:spcPct val="100000"/>
-                </a:lnSpc>
-                <a:spcBef>
-                  <a:spcPts val="0"/>
-                </a:spcBef>
-                <a:spcAft>
-                  <a:spcPts val="0"/>
-                </a:spcAft>
-                <a:buClrTx/>
-                <a:buSzTx/>
-                <a:buFontTx/>
-                <a:buNone/>
-                <a:tabLst/>
-                <a:defRPr/>
-              </a:pPr>
               <a:t>11</a:t>
             </a:fld>
-            <a:endParaRPr kumimoji="0" lang="it-IT" sz="1200" b="0" i="0" u="none" strike="noStrike" kern="1200" cap="none" spc="-1" normalizeH="0" baseline="0" noProof="0">
-              <a:ln>
-                <a:noFill/>
-              </a:ln>
-              <a:solidFill>
-                <a:prstClr val="black"/>
-              </a:solidFill>
-              <a:effectLst/>
-              <a:uLnTx/>
-              <a:uFillTx/>
+            <a:endParaRPr lang="it-IT" sz="1200" b="0" strike="noStrike" spc="-1">
               <a:latin typeface="Times New Roman"/>
             </a:endParaRPr>
           </a:p>
@@ -1788,11 +2589,6 @@
         </p:txBody>
       </p:sp>
     </p:spTree>
-    <p:extLst>
-      <p:ext uri="{BB962C8B-B14F-4D97-AF65-F5344CB8AC3E}">
-        <p14:creationId xmlns:p14="http://schemas.microsoft.com/office/powerpoint/2010/main" val="3414016801"/>
-      </p:ext>
-    </p:extLst>
   </p:cSld>
   <p:clrMapOvr>
     <a:masterClrMapping/>
@@ -1981,7 +2777,7 @@
     </p:spTree>
     <p:extLst>
       <p:ext uri="{BB962C8B-B14F-4D97-AF65-F5344CB8AC3E}">
-        <p14:creationId xmlns:p14="http://schemas.microsoft.com/office/powerpoint/2010/main" val="3633665398"/>
+        <p14:creationId xmlns:p14="http://schemas.microsoft.com/office/powerpoint/2010/main" val="3414016801"/>
       </p:ext>
     </p:extLst>
   </p:cSld>
@@ -2010,7 +2806,7 @@
       </p:grpSpPr>
       <p:sp>
         <p:nvSpPr>
-          <p:cNvPr id="177" name="PlaceHolder 1"/>
+          <p:cNvPr id="174" name="PlaceHolder 1"/>
           <p:cNvSpPr>
             <a:spLocks noGrp="1" noRot="1" noChangeAspect="1"/>
           </p:cNvSpPr>
@@ -2033,7 +2829,7 @@
       </p:sp>
       <p:sp>
         <p:nvSpPr>
-          <p:cNvPr id="178" name="PlaceHolder 2"/>
+          <p:cNvPr id="175" name="PlaceHolder 2"/>
           <p:cNvSpPr>
             <a:spLocks noGrp="1"/>
           </p:cNvSpPr>
@@ -2068,12 +2864,12 @@
       </p:sp>
       <p:sp>
         <p:nvSpPr>
-          <p:cNvPr id="179" name="PlaceHolder 3"/>
+          <p:cNvPr id="176" name="PlaceHolder 3"/>
           <p:cNvSpPr>
             <a:spLocks noGrp="1"/>
           </p:cNvSpPr>
           <p:nvPr>
-            <p:ph type="sldNum" idx="14"/>
+            <p:ph type="sldNum" idx="13"/>
           </p:nvPr>
         </p:nvSpPr>
         <p:spPr>
@@ -2105,19 +2901,65 @@
             </a:lvl1pPr>
           </a:lstStyle>
           <a:p>
-            <a:pPr algn="r">
+            <a:pPr marL="0" marR="0" lvl="0" indent="0" algn="r" defTabSz="914400" rtl="0" eaLnBrk="1" fontAlgn="auto" latinLnBrk="0" hangingPunct="1">
               <a:lnSpc>
                 <a:spcPct val="100000"/>
               </a:lnSpc>
+              <a:spcBef>
+                <a:spcPts val="0"/>
+              </a:spcBef>
+              <a:spcAft>
+                <a:spcPts val="0"/>
+              </a:spcAft>
+              <a:buClrTx/>
+              <a:buSzTx/>
+              <a:buFontTx/>
               <a:buNone/>
+              <a:tabLst/>
+              <a:defRPr/>
             </a:pPr>
-            <a:fld id="{DD94AB7F-843E-4F79-8216-E3E81C069AF9}" type="slidenum">
-              <a:rPr lang="it-IT" sz="1200" b="0" strike="noStrike" spc="-1">
+            <a:fld id="{783DFC23-429A-42CB-965B-7D729ACA20DF}" type="slidenum">
+              <a:rPr kumimoji="0" lang="it-IT" sz="1200" b="0" i="0" u="none" strike="noStrike" kern="1200" cap="none" spc="-1" normalizeH="0" baseline="0" noProof="0">
+                <a:ln>
+                  <a:noFill/>
+                </a:ln>
+                <a:solidFill>
+                  <a:prstClr val="black"/>
+                </a:solidFill>
+                <a:effectLst/>
+                <a:uLnTx/>
+                <a:uFillTx/>
                 <a:latin typeface="Times New Roman"/>
               </a:rPr>
+              <a:pPr marL="0" marR="0" lvl="0" indent="0" algn="r" defTabSz="914400" rtl="0" eaLnBrk="1" fontAlgn="auto" latinLnBrk="0" hangingPunct="1">
+                <a:lnSpc>
+                  <a:spcPct val="100000"/>
+                </a:lnSpc>
+                <a:spcBef>
+                  <a:spcPts val="0"/>
+                </a:spcBef>
+                <a:spcAft>
+                  <a:spcPts val="0"/>
+                </a:spcAft>
+                <a:buClrTx/>
+                <a:buSzTx/>
+                <a:buFontTx/>
+                <a:buNone/>
+                <a:tabLst/>
+                <a:defRPr/>
+              </a:pPr>
               <a:t>14</a:t>
             </a:fld>
-            <a:endParaRPr lang="it-IT" sz="1200" b="0" strike="noStrike" spc="-1">
+            <a:endParaRPr kumimoji="0" lang="it-IT" sz="1200" b="0" i="0" u="none" strike="noStrike" kern="1200" cap="none" spc="-1" normalizeH="0" baseline="0" noProof="0">
+              <a:ln>
+                <a:noFill/>
+              </a:ln>
+              <a:solidFill>
+                <a:prstClr val="black"/>
+              </a:solidFill>
+              <a:effectLst/>
+              <a:uLnTx/>
+              <a:uFillTx/>
               <a:latin typeface="Times New Roman"/>
             </a:endParaRPr>
           </a:p>
@@ -2126,7 +2968,7 @@
     </p:spTree>
     <p:extLst>
       <p:ext uri="{BB962C8B-B14F-4D97-AF65-F5344CB8AC3E}">
-        <p14:creationId xmlns:p14="http://schemas.microsoft.com/office/powerpoint/2010/main" val="660860958"/>
+        <p14:creationId xmlns:p14="http://schemas.microsoft.com/office/powerpoint/2010/main" val="3633665398"/>
       </p:ext>
     </p:extLst>
   </p:cSld>
@@ -2155,7 +2997,7 @@
       </p:grpSpPr>
       <p:sp>
         <p:nvSpPr>
-          <p:cNvPr id="177" name="PlaceHolder 1"/>
+          <p:cNvPr id="174" name="PlaceHolder 1"/>
           <p:cNvSpPr>
             <a:spLocks noGrp="1" noRot="1" noChangeAspect="1"/>
           </p:cNvSpPr>
@@ -2178,7 +3020,7 @@
       </p:sp>
       <p:sp>
         <p:nvSpPr>
-          <p:cNvPr id="178" name="PlaceHolder 2"/>
+          <p:cNvPr id="175" name="PlaceHolder 2"/>
           <p:cNvSpPr>
             <a:spLocks noGrp="1"/>
           </p:cNvSpPr>
@@ -2213,12 +3055,12 @@
       </p:sp>
       <p:sp>
         <p:nvSpPr>
-          <p:cNvPr id="179" name="PlaceHolder 3"/>
+          <p:cNvPr id="176" name="PlaceHolder 3"/>
           <p:cNvSpPr>
             <a:spLocks noGrp="1"/>
           </p:cNvSpPr>
           <p:nvPr>
-            <p:ph type="sldNum" idx="14"/>
+            <p:ph type="sldNum" idx="13"/>
           </p:nvPr>
         </p:nvSpPr>
         <p:spPr>
@@ -2250,6 +3092,197 @@
             </a:lvl1pPr>
           </a:lstStyle>
           <a:p>
+            <a:pPr marL="0" marR="0" lvl="0" indent="0" algn="r" defTabSz="914400" rtl="0" eaLnBrk="1" fontAlgn="auto" latinLnBrk="0" hangingPunct="1">
+              <a:lnSpc>
+                <a:spcPct val="100000"/>
+              </a:lnSpc>
+              <a:spcBef>
+                <a:spcPts val="0"/>
+              </a:spcBef>
+              <a:spcAft>
+                <a:spcPts val="0"/>
+              </a:spcAft>
+              <a:buClrTx/>
+              <a:buSzTx/>
+              <a:buFontTx/>
+              <a:buNone/>
+              <a:tabLst/>
+              <a:defRPr/>
+            </a:pPr>
+            <a:fld id="{783DFC23-429A-42CB-965B-7D729ACA20DF}" type="slidenum">
+              <a:rPr kumimoji="0" lang="it-IT" sz="1200" b="0" i="0" u="none" strike="noStrike" kern="1200" cap="none" spc="-1" normalizeH="0" baseline="0" noProof="0">
+                <a:ln>
+                  <a:noFill/>
+                </a:ln>
+                <a:solidFill>
+                  <a:prstClr val="black"/>
+                </a:solidFill>
+                <a:effectLst/>
+                <a:uLnTx/>
+                <a:uFillTx/>
+                <a:latin typeface="Times New Roman"/>
+              </a:rPr>
+              <a:pPr marL="0" marR="0" lvl="0" indent="0" algn="r" defTabSz="914400" rtl="0" eaLnBrk="1" fontAlgn="auto" latinLnBrk="0" hangingPunct="1">
+                <a:lnSpc>
+                  <a:spcPct val="100000"/>
+                </a:lnSpc>
+                <a:spcBef>
+                  <a:spcPts val="0"/>
+                </a:spcBef>
+                <a:spcAft>
+                  <a:spcPts val="0"/>
+                </a:spcAft>
+                <a:buClrTx/>
+                <a:buSzTx/>
+                <a:buFontTx/>
+                <a:buNone/>
+                <a:tabLst/>
+                <a:defRPr/>
+              </a:pPr>
+              <a:t>15</a:t>
+            </a:fld>
+            <a:endParaRPr kumimoji="0" lang="it-IT" sz="1200" b="0" i="0" u="none" strike="noStrike" kern="1200" cap="none" spc="-1" normalizeH="0" baseline="0" noProof="0">
+              <a:ln>
+                <a:noFill/>
+              </a:ln>
+              <a:solidFill>
+                <a:prstClr val="black"/>
+              </a:solidFill>
+              <a:effectLst/>
+              <a:uLnTx/>
+              <a:uFillTx/>
+              <a:latin typeface="Times New Roman"/>
+            </a:endParaRPr>
+          </a:p>
+        </p:txBody>
+      </p:sp>
+    </p:spTree>
+    <p:extLst>
+      <p:ext uri="{BB962C8B-B14F-4D97-AF65-F5344CB8AC3E}">
+        <p14:creationId xmlns:p14="http://schemas.microsoft.com/office/powerpoint/2010/main" val="2269695073"/>
+      </p:ext>
+    </p:extLst>
+  </p:cSld>
+  <p:clrMapOvr>
+    <a:masterClrMapping/>
+  </p:clrMapOvr>
+</p:notes>
+</file>
+
+<file path=ppt/notesSlides/notesSlide15.xml><?xml version="1.0" encoding="utf-8"?>
+<p:notes xmlns:a="http://schemas.openxmlformats.org/drawingml/2006/main" xmlns:r="http://schemas.openxmlformats.org/officeDocument/2006/relationships" xmlns:p="http://schemas.openxmlformats.org/presentationml/2006/main">
+  <p:cSld>
+    <p:spTree>
+      <p:nvGrpSpPr>
+        <p:cNvPr id="1" name=""/>
+        <p:cNvGrpSpPr/>
+        <p:nvPr/>
+      </p:nvGrpSpPr>
+      <p:grpSpPr>
+        <a:xfrm>
+          <a:off x="0" y="0"/>
+          <a:ext cx="0" cy="0"/>
+          <a:chOff x="0" y="0"/>
+          <a:chExt cx="0" cy="0"/>
+        </a:xfrm>
+      </p:grpSpPr>
+      <p:sp>
+        <p:nvSpPr>
+          <p:cNvPr id="177" name="PlaceHolder 1"/>
+          <p:cNvSpPr>
+            <a:spLocks noGrp="1" noRot="1" noChangeAspect="1"/>
+          </p:cNvSpPr>
+          <p:nvPr>
+            <p:ph type="sldImg"/>
+          </p:nvPr>
+        </p:nvSpPr>
+        <p:spPr>
+          <a:xfrm>
+            <a:off x="685800" y="1143000"/>
+            <a:ext cx="5486400" cy="3086100"/>
+          </a:xfrm>
+          <a:prstGeom prst="rect">
+            <a:avLst/>
+          </a:prstGeom>
+          <a:ln w="0">
+            <a:noFill/>
+          </a:ln>
+        </p:spPr>
+      </p:sp>
+      <p:sp>
+        <p:nvSpPr>
+          <p:cNvPr id="178" name="PlaceHolder 2"/>
+          <p:cNvSpPr>
+            <a:spLocks noGrp="1"/>
+          </p:cNvSpPr>
+          <p:nvPr>
+            <p:ph type="body"/>
+          </p:nvPr>
+        </p:nvSpPr>
+        <p:spPr>
+          <a:xfrm>
+            <a:off x="685800" y="4400640"/>
+            <a:ext cx="5485680" cy="3599640"/>
+          </a:xfrm>
+          <a:prstGeom prst="rect">
+            <a:avLst/>
+          </a:prstGeom>
+          <a:noFill/>
+          <a:ln w="0">
+            <a:noFill/>
+          </a:ln>
+        </p:spPr>
+        <p:txBody>
+          <a:bodyPr lIns="0" tIns="0" rIns="0" bIns="0" anchor="t">
+            <a:noAutofit/>
+          </a:bodyPr>
+          <a:lstStyle/>
+          <a:p>
+            <a:endParaRPr lang="it-IT" sz="2000" b="0" strike="noStrike" spc="-1">
+              <a:latin typeface="Arial"/>
+            </a:endParaRPr>
+          </a:p>
+        </p:txBody>
+      </p:sp>
+      <p:sp>
+        <p:nvSpPr>
+          <p:cNvPr id="179" name="PlaceHolder 3"/>
+          <p:cNvSpPr>
+            <a:spLocks noGrp="1"/>
+          </p:cNvSpPr>
+          <p:nvPr>
+            <p:ph type="sldNum" idx="14"/>
+          </p:nvPr>
+        </p:nvSpPr>
+        <p:spPr>
+          <a:xfrm>
+            <a:off x="3884760" y="8685360"/>
+            <a:ext cx="2971080" cy="457920"/>
+          </a:xfrm>
+          <a:prstGeom prst="rect">
+            <a:avLst/>
+          </a:prstGeom>
+          <a:noFill/>
+          <a:ln w="0">
+            <a:noFill/>
+          </a:ln>
+        </p:spPr>
+        <p:txBody>
+          <a:bodyPr lIns="0" tIns="0" rIns="0" bIns="0" anchor="b">
+            <a:noAutofit/>
+          </a:bodyPr>
+          <a:lstStyle>
+            <a:lvl1pPr algn="r">
+              <a:lnSpc>
+                <a:spcPct val="100000"/>
+              </a:lnSpc>
+              <a:buNone/>
+              <a:defRPr lang="it-IT" sz="1200" b="0" strike="noStrike" spc="-1">
+                <a:latin typeface="Times New Roman"/>
+              </a:defRPr>
+            </a:lvl1pPr>
+          </a:lstStyle>
+          <a:p>
             <a:pPr algn="r">
               <a:lnSpc>
                 <a:spcPct val="100000"/>
@@ -2260,7 +3293,152 @@
               <a:rPr lang="it-IT" sz="1200" b="0" strike="noStrike" spc="-1">
                 <a:latin typeface="Times New Roman"/>
               </a:rPr>
-              <a:t>15</a:t>
+              <a:t>16</a:t>
+            </a:fld>
+            <a:endParaRPr lang="it-IT" sz="1200" b="0" strike="noStrike" spc="-1">
+              <a:latin typeface="Times New Roman"/>
+            </a:endParaRPr>
+          </a:p>
+        </p:txBody>
+      </p:sp>
+    </p:spTree>
+    <p:extLst>
+      <p:ext uri="{BB962C8B-B14F-4D97-AF65-F5344CB8AC3E}">
+        <p14:creationId xmlns:p14="http://schemas.microsoft.com/office/powerpoint/2010/main" val="660860958"/>
+      </p:ext>
+    </p:extLst>
+  </p:cSld>
+  <p:clrMapOvr>
+    <a:masterClrMapping/>
+  </p:clrMapOvr>
+</p:notes>
+</file>
+
+<file path=ppt/notesSlides/notesSlide16.xml><?xml version="1.0" encoding="utf-8"?>
+<p:notes xmlns:a="http://schemas.openxmlformats.org/drawingml/2006/main" xmlns:r="http://schemas.openxmlformats.org/officeDocument/2006/relationships" xmlns:p="http://schemas.openxmlformats.org/presentationml/2006/main">
+  <p:cSld>
+    <p:spTree>
+      <p:nvGrpSpPr>
+        <p:cNvPr id="1" name=""/>
+        <p:cNvGrpSpPr/>
+        <p:nvPr/>
+      </p:nvGrpSpPr>
+      <p:grpSpPr>
+        <a:xfrm>
+          <a:off x="0" y="0"/>
+          <a:ext cx="0" cy="0"/>
+          <a:chOff x="0" y="0"/>
+          <a:chExt cx="0" cy="0"/>
+        </a:xfrm>
+      </p:grpSpPr>
+      <p:sp>
+        <p:nvSpPr>
+          <p:cNvPr id="177" name="PlaceHolder 1"/>
+          <p:cNvSpPr>
+            <a:spLocks noGrp="1" noRot="1" noChangeAspect="1"/>
+          </p:cNvSpPr>
+          <p:nvPr>
+            <p:ph type="sldImg"/>
+          </p:nvPr>
+        </p:nvSpPr>
+        <p:spPr>
+          <a:xfrm>
+            <a:off x="685800" y="1143000"/>
+            <a:ext cx="5486400" cy="3086100"/>
+          </a:xfrm>
+          <a:prstGeom prst="rect">
+            <a:avLst/>
+          </a:prstGeom>
+          <a:ln w="0">
+            <a:noFill/>
+          </a:ln>
+        </p:spPr>
+      </p:sp>
+      <p:sp>
+        <p:nvSpPr>
+          <p:cNvPr id="178" name="PlaceHolder 2"/>
+          <p:cNvSpPr>
+            <a:spLocks noGrp="1"/>
+          </p:cNvSpPr>
+          <p:nvPr>
+            <p:ph type="body"/>
+          </p:nvPr>
+        </p:nvSpPr>
+        <p:spPr>
+          <a:xfrm>
+            <a:off x="685800" y="4400640"/>
+            <a:ext cx="5485680" cy="3599640"/>
+          </a:xfrm>
+          <a:prstGeom prst="rect">
+            <a:avLst/>
+          </a:prstGeom>
+          <a:noFill/>
+          <a:ln w="0">
+            <a:noFill/>
+          </a:ln>
+        </p:spPr>
+        <p:txBody>
+          <a:bodyPr lIns="0" tIns="0" rIns="0" bIns="0" anchor="t">
+            <a:noAutofit/>
+          </a:bodyPr>
+          <a:lstStyle/>
+          <a:p>
+            <a:endParaRPr lang="it-IT" sz="2000" b="0" strike="noStrike" spc="-1">
+              <a:latin typeface="Arial"/>
+            </a:endParaRPr>
+          </a:p>
+        </p:txBody>
+      </p:sp>
+      <p:sp>
+        <p:nvSpPr>
+          <p:cNvPr id="179" name="PlaceHolder 3"/>
+          <p:cNvSpPr>
+            <a:spLocks noGrp="1"/>
+          </p:cNvSpPr>
+          <p:nvPr>
+            <p:ph type="sldNum" idx="14"/>
+          </p:nvPr>
+        </p:nvSpPr>
+        <p:spPr>
+          <a:xfrm>
+            <a:off x="3884760" y="8685360"/>
+            <a:ext cx="2971080" cy="457920"/>
+          </a:xfrm>
+          <a:prstGeom prst="rect">
+            <a:avLst/>
+          </a:prstGeom>
+          <a:noFill/>
+          <a:ln w="0">
+            <a:noFill/>
+          </a:ln>
+        </p:spPr>
+        <p:txBody>
+          <a:bodyPr lIns="0" tIns="0" rIns="0" bIns="0" anchor="b">
+            <a:noAutofit/>
+          </a:bodyPr>
+          <a:lstStyle>
+            <a:lvl1pPr algn="r">
+              <a:lnSpc>
+                <a:spcPct val="100000"/>
+              </a:lnSpc>
+              <a:buNone/>
+              <a:defRPr lang="it-IT" sz="1200" b="0" strike="noStrike" spc="-1">
+                <a:latin typeface="Times New Roman"/>
+              </a:defRPr>
+            </a:lvl1pPr>
+          </a:lstStyle>
+          <a:p>
+            <a:pPr algn="r">
+              <a:lnSpc>
+                <a:spcPct val="100000"/>
+              </a:lnSpc>
+              <a:buNone/>
+            </a:pPr>
+            <a:fld id="{DD94AB7F-843E-4F79-8216-E3E81C069AF9}" type="slidenum">
+              <a:rPr lang="it-IT" sz="1200" b="0" strike="noStrike" spc="-1">
+                <a:latin typeface="Times New Roman"/>
+              </a:rPr>
+              <a:t>17</a:t>
             </a:fld>
             <a:endParaRPr lang="it-IT" sz="1200" b="0" strike="noStrike" spc="-1">
               <a:latin typeface="Times New Roman"/>
@@ -2345,7 +3523,7 @@
           </a:bodyPr>
           <a:lstStyle/>
           <a:p>
-            <a:endParaRPr lang="it-IT" sz="2000" b="0" strike="noStrike" spc="-1">
+            <a:endParaRPr lang="it-IT" sz="2000" b="0" strike="noStrike" spc="-1" dirty="0">
               <a:latin typeface="Arial"/>
             </a:endParaRPr>
           </a:p>
@@ -2715,7 +3893,7 @@
       </p:grpSpPr>
       <p:sp>
         <p:nvSpPr>
-          <p:cNvPr id="159" name="PlaceHolder 1"/>
+          <p:cNvPr id="156" name="PlaceHolder 1"/>
           <p:cNvSpPr>
             <a:spLocks noGrp="1" noRot="1" noChangeAspect="1"/>
           </p:cNvSpPr>
@@ -2738,7 +3916,7 @@
       </p:sp>
       <p:sp>
         <p:nvSpPr>
-          <p:cNvPr id="160" name="PlaceHolder 2"/>
+          <p:cNvPr id="157" name="PlaceHolder 2"/>
           <p:cNvSpPr>
             <a:spLocks noGrp="1"/>
           </p:cNvSpPr>
@@ -2773,12 +3951,12 @@
       </p:sp>
       <p:sp>
         <p:nvSpPr>
-          <p:cNvPr id="161" name="PlaceHolder 3"/>
+          <p:cNvPr id="158" name="PlaceHolder 3"/>
           <p:cNvSpPr>
             <a:spLocks noGrp="1"/>
           </p:cNvSpPr>
           <p:nvPr>
-            <p:ph type="sldNum" idx="8"/>
+            <p:ph type="sldNum" idx="7"/>
           </p:nvPr>
         </p:nvSpPr>
         <p:spPr>
@@ -2816,7 +3994,7 @@
               </a:lnSpc>
               <a:buNone/>
             </a:pPr>
-            <a:fld id="{52641A4D-F3C0-417A-9F79-CBB64430198D}" type="slidenum">
+            <a:fld id="{2699A362-98BE-4D8D-8820-6085E899BB0E}" type="slidenum">
               <a:rPr lang="it-IT" sz="1200" b="0" strike="noStrike" spc="-1">
                 <a:latin typeface="Times New Roman"/>
               </a:rPr>
@@ -2829,6 +4007,11 @@
         </p:txBody>
       </p:sp>
     </p:spTree>
+    <p:extLst>
+      <p:ext uri="{BB962C8B-B14F-4D97-AF65-F5344CB8AC3E}">
+        <p14:creationId xmlns:p14="http://schemas.microsoft.com/office/powerpoint/2010/main" val="4064517666"/>
+      </p:ext>
+    </p:extLst>
   </p:cSld>
   <p:clrMapOvr>
     <a:masterClrMapping/>
@@ -2855,7 +4038,7 @@
       </p:grpSpPr>
       <p:sp>
         <p:nvSpPr>
-          <p:cNvPr id="162" name="PlaceHolder 1"/>
+          <p:cNvPr id="159" name="PlaceHolder 1"/>
           <p:cNvSpPr>
             <a:spLocks noGrp="1" noRot="1" noChangeAspect="1"/>
           </p:cNvSpPr>
@@ -2878,7 +4061,7 @@
       </p:sp>
       <p:sp>
         <p:nvSpPr>
-          <p:cNvPr id="163" name="PlaceHolder 2"/>
+          <p:cNvPr id="160" name="PlaceHolder 2"/>
           <p:cNvSpPr>
             <a:spLocks noGrp="1"/>
           </p:cNvSpPr>
@@ -2913,12 +4096,12 @@
       </p:sp>
       <p:sp>
         <p:nvSpPr>
-          <p:cNvPr id="164" name="PlaceHolder 3"/>
+          <p:cNvPr id="161" name="PlaceHolder 3"/>
           <p:cNvSpPr>
             <a:spLocks noGrp="1"/>
           </p:cNvSpPr>
           <p:nvPr>
-            <p:ph type="sldNum" idx="9"/>
+            <p:ph type="sldNum" idx="8"/>
           </p:nvPr>
         </p:nvSpPr>
         <p:spPr>
@@ -2956,7 +4139,7 @@
               </a:lnSpc>
               <a:buNone/>
             </a:pPr>
-            <a:fld id="{AD3FEDD5-3DBB-4C63-8F51-354C90D43C15}" type="slidenum">
+            <a:fld id="{52641A4D-F3C0-417A-9F79-CBB64430198D}" type="slidenum">
               <a:rPr lang="it-IT" sz="1200" b="0" strike="noStrike" spc="-1">
                 <a:latin typeface="Times New Roman"/>
               </a:rPr>
@@ -2995,7 +4178,7 @@
       </p:grpSpPr>
       <p:sp>
         <p:nvSpPr>
-          <p:cNvPr id="165" name="PlaceHolder 1"/>
+          <p:cNvPr id="159" name="PlaceHolder 1"/>
           <p:cNvSpPr>
             <a:spLocks noGrp="1" noRot="1" noChangeAspect="1"/>
           </p:cNvSpPr>
@@ -3018,7 +4201,7 @@
       </p:sp>
       <p:sp>
         <p:nvSpPr>
-          <p:cNvPr id="166" name="PlaceHolder 2"/>
+          <p:cNvPr id="160" name="PlaceHolder 2"/>
           <p:cNvSpPr>
             <a:spLocks noGrp="1"/>
           </p:cNvSpPr>
@@ -3053,12 +4236,12 @@
       </p:sp>
       <p:sp>
         <p:nvSpPr>
-          <p:cNvPr id="167" name="PlaceHolder 3"/>
+          <p:cNvPr id="161" name="PlaceHolder 3"/>
           <p:cNvSpPr>
             <a:spLocks noGrp="1"/>
           </p:cNvSpPr>
           <p:nvPr>
-            <p:ph type="sldNum" idx="10"/>
+            <p:ph type="sldNum" idx="8"/>
           </p:nvPr>
         </p:nvSpPr>
         <p:spPr>
@@ -3096,7 +4279,7 @@
               </a:lnSpc>
               <a:buNone/>
             </a:pPr>
-            <a:fld id="{448EE4F9-FA56-4AD6-B044-F261F0FB6B33}" type="slidenum">
+            <a:fld id="{52641A4D-F3C0-417A-9F79-CBB64430198D}" type="slidenum">
               <a:rPr lang="it-IT" sz="1200" b="0" strike="noStrike" spc="-1">
                 <a:latin typeface="Times New Roman"/>
               </a:rPr>
@@ -3109,6 +4292,11 @@
         </p:txBody>
       </p:sp>
     </p:spTree>
+    <p:extLst>
+      <p:ext uri="{BB962C8B-B14F-4D97-AF65-F5344CB8AC3E}">
+        <p14:creationId xmlns:p14="http://schemas.microsoft.com/office/powerpoint/2010/main" val="2606517005"/>
+      </p:ext>
+    </p:extLst>
   </p:cSld>
   <p:clrMapOvr>
     <a:masterClrMapping/>
@@ -3135,7 +4323,7 @@
       </p:grpSpPr>
       <p:sp>
         <p:nvSpPr>
-          <p:cNvPr id="168" name="PlaceHolder 1"/>
+          <p:cNvPr id="159" name="PlaceHolder 1"/>
           <p:cNvSpPr>
             <a:spLocks noGrp="1" noRot="1" noChangeAspect="1"/>
           </p:cNvSpPr>
@@ -3158,7 +4346,7 @@
       </p:sp>
       <p:sp>
         <p:nvSpPr>
-          <p:cNvPr id="169" name="PlaceHolder 2"/>
+          <p:cNvPr id="160" name="PlaceHolder 2"/>
           <p:cNvSpPr>
             <a:spLocks noGrp="1"/>
           </p:cNvSpPr>
@@ -3193,12 +4381,12 @@
       </p:sp>
       <p:sp>
         <p:nvSpPr>
-          <p:cNvPr id="170" name="PlaceHolder 3"/>
+          <p:cNvPr id="161" name="PlaceHolder 3"/>
           <p:cNvSpPr>
             <a:spLocks noGrp="1"/>
           </p:cNvSpPr>
           <p:nvPr>
-            <p:ph type="sldNum" idx="11"/>
+            <p:ph type="sldNum" idx="8"/>
           </p:nvPr>
         </p:nvSpPr>
         <p:spPr>
@@ -3236,7 +4424,7 @@
               </a:lnSpc>
               <a:buNone/>
             </a:pPr>
-            <a:fld id="{DBEC9229-0107-4EB7-9CFC-965E02BD474B}" type="slidenum">
+            <a:fld id="{52641A4D-F3C0-417A-9F79-CBB64430198D}" type="slidenum">
               <a:rPr lang="it-IT" sz="1200" b="0" strike="noStrike" spc="-1">
                 <a:latin typeface="Times New Roman"/>
               </a:rPr>
@@ -3249,6 +4437,11 @@
         </p:txBody>
       </p:sp>
     </p:spTree>
+    <p:extLst>
+      <p:ext uri="{BB962C8B-B14F-4D97-AF65-F5344CB8AC3E}">
+        <p14:creationId xmlns:p14="http://schemas.microsoft.com/office/powerpoint/2010/main" val="2284018065"/>
+      </p:ext>
+    </p:extLst>
   </p:cSld>
   <p:clrMapOvr>
     <a:masterClrMapping/>
@@ -3275,7 +4468,7 @@
       </p:grpSpPr>
       <p:sp>
         <p:nvSpPr>
-          <p:cNvPr id="171" name="PlaceHolder 1"/>
+          <p:cNvPr id="168" name="PlaceHolder 1"/>
           <p:cNvSpPr>
             <a:spLocks noGrp="1" noRot="1" noChangeAspect="1"/>
           </p:cNvSpPr>
@@ -3298,7 +4491,7 @@
       </p:sp>
       <p:sp>
         <p:nvSpPr>
-          <p:cNvPr id="172" name="PlaceHolder 2"/>
+          <p:cNvPr id="169" name="PlaceHolder 2"/>
           <p:cNvSpPr>
             <a:spLocks noGrp="1"/>
           </p:cNvSpPr>
@@ -3333,12 +4526,12 @@
       </p:sp>
       <p:sp>
         <p:nvSpPr>
-          <p:cNvPr id="173" name="PlaceHolder 3"/>
+          <p:cNvPr id="170" name="PlaceHolder 3"/>
           <p:cNvSpPr>
             <a:spLocks noGrp="1"/>
           </p:cNvSpPr>
           <p:nvPr>
-            <p:ph type="sldNum" idx="12"/>
+            <p:ph type="sldNum" idx="11"/>
           </p:nvPr>
         </p:nvSpPr>
         <p:spPr>
@@ -3376,7 +4569,7 @@
               </a:lnSpc>
               <a:buNone/>
             </a:pPr>
-            <a:fld id="{8518C8AE-788D-4609-8DB3-7DE0764B3DB7}" type="slidenum">
+            <a:fld id="{DBEC9229-0107-4EB7-9CFC-965E02BD474B}" type="slidenum">
               <a:rPr lang="it-IT" sz="1200" b="0" strike="noStrike" spc="-1">
                 <a:latin typeface="Times New Roman"/>
               </a:rPr>
@@ -8174,13 +9367,224 @@
       </p:grpSpPr>
       <p:sp>
         <p:nvSpPr>
-          <p:cNvPr id="131" name="PlaceHolder 1"/>
+          <p:cNvPr id="127" name="PlaceHolder 3"/>
           <p:cNvSpPr>
             <a:spLocks noGrp="1"/>
           </p:cNvSpPr>
           <p:nvPr>
-            <p:ph/>
+            <p:ph type="title"/>
           </p:nvPr>
+        </p:nvSpPr>
+        <p:spPr>
+          <a:xfrm>
+            <a:off x="775800" y="957960"/>
+            <a:ext cx="8793360" cy="853920"/>
+          </a:xfrm>
+          <a:prstGeom prst="rect">
+            <a:avLst/>
+          </a:prstGeom>
+          <a:noFill/>
+          <a:ln w="0">
+            <a:noFill/>
+          </a:ln>
+        </p:spPr>
+        <p:txBody>
+          <a:bodyPr lIns="90000" tIns="45000" rIns="90000" bIns="45000" anchor="t">
+            <a:noAutofit/>
+          </a:bodyPr>
+          <a:lstStyle/>
+          <a:p>
+            <a:pPr>
+              <a:lnSpc>
+                <a:spcPct val="90000"/>
+              </a:lnSpc>
+              <a:buNone/>
+            </a:pPr>
+            <a:r>
+              <a:rPr lang="it-IT" sz="2200" b="1" strike="noStrike" spc="-1">
+                <a:solidFill>
+                  <a:srgbClr val="000000"/>
+                </a:solidFill>
+                <a:latin typeface="Verdana"/>
+                <a:ea typeface="Verdana"/>
+              </a:rPr>
+              <a:t>Nodo convertitore</a:t>
+            </a:r>
+            <a:endParaRPr lang="it-IT" sz="2200" b="0" strike="noStrike" spc="-1">
+              <a:latin typeface="Arial"/>
+            </a:endParaRPr>
+          </a:p>
+        </p:txBody>
+      </p:sp>
+      <p:pic>
+        <p:nvPicPr>
+          <p:cNvPr id="3" name="Elemento grafico 2">
+            <a:extLst>
+              <a:ext uri="{FF2B5EF4-FFF2-40B4-BE49-F238E27FC236}">
+                <a16:creationId xmlns:a16="http://schemas.microsoft.com/office/drawing/2014/main" id="{EF95C93D-D703-F427-646B-E5C955EDEBF1}"/>
+              </a:ext>
+            </a:extLst>
+          </p:cNvPr>
+          <p:cNvPicPr>
+            <a:picLocks noChangeAspect="1"/>
+          </p:cNvPicPr>
+          <p:nvPr/>
+        </p:nvPicPr>
+        <p:blipFill>
+          <a:blip r:embed="rId3">
+            <a:extLst>
+              <a:ext uri="{28A0092B-C50C-407E-A947-70E740481C1C}">
+                <a14:useLocalDpi xmlns:a14="http://schemas.microsoft.com/office/drawing/2010/main" val="0"/>
+              </a:ext>
+              <a:ext uri="{96DAC541-7B7A-43D3-8B79-37D633B846F1}">
+                <asvg:svgBlip xmlns:asvg="http://schemas.microsoft.com/office/drawing/2016/SVG/main" r:embed="rId4"/>
+              </a:ext>
+            </a:extLst>
+          </a:blip>
+          <a:stretch>
+            <a:fillRect/>
+          </a:stretch>
+        </p:blipFill>
+        <p:spPr>
+          <a:xfrm>
+            <a:off x="269081" y="2530440"/>
+            <a:ext cx="5826919" cy="2181471"/>
+          </a:xfrm>
+          <a:prstGeom prst="rect">
+            <a:avLst/>
+          </a:prstGeom>
+        </p:spPr>
+      </p:pic>
+      <p:pic>
+        <p:nvPicPr>
+          <p:cNvPr id="5" name="Elemento grafico 4">
+            <a:extLst>
+              <a:ext uri="{FF2B5EF4-FFF2-40B4-BE49-F238E27FC236}">
+                <a16:creationId xmlns:a16="http://schemas.microsoft.com/office/drawing/2014/main" id="{7E8976B2-01D4-7998-FE36-1B720BC72D69}"/>
+              </a:ext>
+            </a:extLst>
+          </p:cNvPr>
+          <p:cNvPicPr>
+            <a:picLocks noChangeAspect="1"/>
+          </p:cNvPicPr>
+          <p:nvPr/>
+        </p:nvPicPr>
+        <p:blipFill>
+          <a:blip r:embed="rId5">
+            <a:extLst>
+              <a:ext uri="{28A0092B-C50C-407E-A947-70E740481C1C}">
+                <a14:useLocalDpi xmlns:a14="http://schemas.microsoft.com/office/drawing/2010/main" val="0"/>
+              </a:ext>
+              <a:ext uri="{96DAC541-7B7A-43D3-8B79-37D633B846F1}">
+                <asvg:svgBlip xmlns:asvg="http://schemas.microsoft.com/office/drawing/2016/SVG/main" r:embed="rId6"/>
+              </a:ext>
+            </a:extLst>
+          </a:blip>
+          <a:stretch>
+            <a:fillRect/>
+          </a:stretch>
+        </p:blipFill>
+        <p:spPr>
+          <a:xfrm>
+            <a:off x="7666495" y="3036855"/>
+            <a:ext cx="3634958" cy="399215"/>
+          </a:xfrm>
+          <a:prstGeom prst="rect">
+            <a:avLst/>
+          </a:prstGeom>
+        </p:spPr>
+      </p:pic>
+      <p:pic>
+        <p:nvPicPr>
+          <p:cNvPr id="7" name="Elemento grafico 6">
+            <a:extLst>
+              <a:ext uri="{FF2B5EF4-FFF2-40B4-BE49-F238E27FC236}">
+                <a16:creationId xmlns:a16="http://schemas.microsoft.com/office/drawing/2014/main" id="{901BD27A-44CA-41DD-82D9-8D3167D2343B}"/>
+              </a:ext>
+            </a:extLst>
+          </p:cNvPr>
+          <p:cNvPicPr>
+            <a:picLocks noChangeAspect="1"/>
+          </p:cNvPicPr>
+          <p:nvPr/>
+        </p:nvPicPr>
+        <p:blipFill>
+          <a:blip r:embed="rId7">
+            <a:extLst>
+              <a:ext uri="{28A0092B-C50C-407E-A947-70E740481C1C}">
+                <a14:useLocalDpi xmlns:a14="http://schemas.microsoft.com/office/drawing/2010/main" val="0"/>
+              </a:ext>
+              <a:ext uri="{96DAC541-7B7A-43D3-8B79-37D633B846F1}">
+                <asvg:svgBlip xmlns:asvg="http://schemas.microsoft.com/office/drawing/2016/SVG/main" r:embed="rId8"/>
+              </a:ext>
+            </a:extLst>
+          </a:blip>
+          <a:stretch>
+            <a:fillRect/>
+          </a:stretch>
+        </p:blipFill>
+        <p:spPr>
+          <a:xfrm>
+            <a:off x="926477" y="1811880"/>
+            <a:ext cx="5665689" cy="470079"/>
+          </a:xfrm>
+          <a:prstGeom prst="rect">
+            <a:avLst/>
+          </a:prstGeom>
+        </p:spPr>
+      </p:pic>
+      <p:pic>
+        <p:nvPicPr>
+          <p:cNvPr id="9" name="Elemento grafico 8">
+            <a:extLst>
+              <a:ext uri="{FF2B5EF4-FFF2-40B4-BE49-F238E27FC236}">
+                <a16:creationId xmlns:a16="http://schemas.microsoft.com/office/drawing/2014/main" id="{E6091B78-62D2-AC10-F176-AAAC81AE17CD}"/>
+              </a:ext>
+            </a:extLst>
+          </p:cNvPr>
+          <p:cNvPicPr>
+            <a:picLocks noChangeAspect="1"/>
+          </p:cNvPicPr>
+          <p:nvPr/>
+        </p:nvPicPr>
+        <p:blipFill>
+          <a:blip r:embed="rId9">
+            <a:extLst>
+              <a:ext uri="{28A0092B-C50C-407E-A947-70E740481C1C}">
+                <a14:useLocalDpi xmlns:a14="http://schemas.microsoft.com/office/drawing/2010/main" val="0"/>
+              </a:ext>
+              <a:ext uri="{96DAC541-7B7A-43D3-8B79-37D633B846F1}">
+                <asvg:svgBlip xmlns:asvg="http://schemas.microsoft.com/office/drawing/2016/SVG/main" r:embed="rId10"/>
+              </a:ext>
+            </a:extLst>
+          </a:blip>
+          <a:stretch>
+            <a:fillRect/>
+          </a:stretch>
+        </p:blipFill>
+        <p:spPr>
+          <a:xfrm>
+            <a:off x="1438077" y="5430471"/>
+            <a:ext cx="3600741" cy="319692"/>
+          </a:xfrm>
+          <a:prstGeom prst="rect">
+            <a:avLst/>
+          </a:prstGeom>
+        </p:spPr>
+      </p:pic>
+      <p:sp>
+        <p:nvSpPr>
+          <p:cNvPr id="2" name="PlaceHolder 1">
+            <a:extLst>
+              <a:ext uri="{FF2B5EF4-FFF2-40B4-BE49-F238E27FC236}">
+                <a16:creationId xmlns:a16="http://schemas.microsoft.com/office/drawing/2014/main" id="{B501C03C-34B0-28D7-8978-02E84E38E247}"/>
+              </a:ext>
+            </a:extLst>
+          </p:cNvPr>
+          <p:cNvSpPr txBox="1">
+            <a:spLocks/>
+          </p:cNvSpPr>
+          <p:nvPr/>
         </p:nvSpPr>
         <p:spPr>
           <a:xfrm>
@@ -8199,53 +9603,85 @@
           <a:bodyPr lIns="90000" tIns="45000" rIns="90000" bIns="45000" anchor="t">
             <a:noAutofit/>
           </a:bodyPr>
-          <a:lstStyle/>
-          <a:p>
-            <a:pPr marL="228600" indent="-228600">
+          <a:lstStyle>
+            <a:lvl1pPr algn="l" defTabSz="914400" rtl="0" eaLnBrk="1" latinLnBrk="0" hangingPunct="1">
               <a:lnSpc>
                 <a:spcPct val="90000"/>
               </a:lnSpc>
               <a:spcBef>
+                <a:spcPct val="0"/>
+              </a:spcBef>
+              <a:buNone/>
+              <a:defRPr sz="4400" kern="1200">
+                <a:solidFill>
+                  <a:schemeClr val="tx1"/>
+                </a:solidFill>
+                <a:latin typeface="+mj-lt"/>
+                <a:ea typeface="+mj-ea"/>
+                <a:cs typeface="+mj-cs"/>
+              </a:defRPr>
+            </a:lvl1pPr>
+          </a:lstStyle>
+          <a:p>
+            <a:pPr marL="228600" indent="-228600">
+              <a:spcBef>
                 <a:spcPts val="1001"/>
               </a:spcBef>
-              <a:buNone/>
               <a:tabLst>
                 <a:tab pos="0" algn="l"/>
               </a:tabLst>
             </a:pPr>
             <a:r>
-              <a:rPr lang="it-IT" sz="1100" b="0" strike="noStrike" spc="-1">
+              <a:rPr lang="it-IT" sz="1100" spc="-1" dirty="0">
                 <a:solidFill>
                   <a:srgbClr val="FFFFFF"/>
                 </a:solidFill>
                 <a:latin typeface="Verdana"/>
                 <a:ea typeface="Verdana"/>
               </a:rPr>
-              <a:t>Controllo visivo in Sliding Mode di un Rover</a:t>
-            </a:r>
-            <a:endParaRPr lang="it-IT" sz="1100" b="0" strike="noStrike" spc="-1">
+              <a:t>Controllo tramite Potenziali Artificiali di un Rover con marker </a:t>
+            </a:r>
+            <a:r>
+              <a:rPr lang="it-IT" sz="1100" spc="-1" dirty="0" err="1">
+                <a:solidFill>
+                  <a:srgbClr val="FFFFFF"/>
+                </a:solidFill>
+                <a:latin typeface="Verdana"/>
+                <a:ea typeface="Verdana"/>
+              </a:rPr>
+              <a:t>ArUco</a:t>
+            </a:r>
+            <a:endParaRPr lang="it-IT" sz="1100" spc="-1" dirty="0">
               <a:latin typeface="Arial"/>
             </a:endParaRPr>
           </a:p>
-          <a:p>
-            <a:pPr marL="228600" indent="-228600">
-              <a:lnSpc>
-                <a:spcPct val="90000"/>
-              </a:lnSpc>
-              <a:spcBef>
-                <a:spcPts val="1001"/>
-              </a:spcBef>
-              <a:buNone/>
-              <a:tabLst>
-                <a:tab pos="0" algn="l"/>
-              </a:tabLst>
-            </a:pPr>
-            <a:endParaRPr lang="it-IT" sz="1100" b="0" strike="noStrike" spc="-1">
-              <a:latin typeface="Arial"/>
-            </a:endParaRPr>
-          </a:p>
-        </p:txBody>
-      </p:sp>
+        </p:txBody>
+      </p:sp>
+    </p:spTree>
+  </p:cSld>
+  <p:clrMapOvr>
+    <a:masterClrMapping/>
+  </p:clrMapOvr>
+</p:sld>
+</file>
+
+<file path=ppt/slides/slide11.xml><?xml version="1.0" encoding="utf-8"?>
+<p:sld xmlns:a="http://schemas.openxmlformats.org/drawingml/2006/main" xmlns:r="http://schemas.openxmlformats.org/officeDocument/2006/relationships" xmlns:p="http://schemas.openxmlformats.org/presentationml/2006/main">
+  <p:cSld>
+    <p:spTree>
+      <p:nvGrpSpPr>
+        <p:cNvPr id="1" name=""/>
+        <p:cNvGrpSpPr/>
+        <p:nvPr/>
+      </p:nvGrpSpPr>
+      <p:grpSpPr>
+        <a:xfrm>
+          <a:off x="0" y="0"/>
+          <a:ext cx="0" cy="0"/>
+          <a:chOff x="0" y="0"/>
+          <a:chExt cx="0" cy="0"/>
+        </a:xfrm>
+      </p:grpSpPr>
       <p:sp>
         <p:nvSpPr>
           <p:cNvPr id="132" name="PlaceHolder 2"/>
@@ -8628,6 +10064,91 @@
           </a:prstGeom>
         </p:spPr>
       </p:pic>
+      <p:sp>
+        <p:nvSpPr>
+          <p:cNvPr id="2" name="PlaceHolder 1">
+            <a:extLst>
+              <a:ext uri="{FF2B5EF4-FFF2-40B4-BE49-F238E27FC236}">
+                <a16:creationId xmlns:a16="http://schemas.microsoft.com/office/drawing/2014/main" id="{0C5C39D3-54BE-213F-7B22-3570A84EB1B0}"/>
+              </a:ext>
+            </a:extLst>
+          </p:cNvPr>
+          <p:cNvSpPr txBox="1">
+            <a:spLocks/>
+          </p:cNvSpPr>
+          <p:nvPr/>
+        </p:nvSpPr>
+        <p:spPr>
+          <a:xfrm>
+            <a:off x="328680" y="6607440"/>
+            <a:ext cx="10119600" cy="249840"/>
+          </a:xfrm>
+          <a:prstGeom prst="rect">
+            <a:avLst/>
+          </a:prstGeom>
+          <a:noFill/>
+          <a:ln w="0">
+            <a:noFill/>
+          </a:ln>
+        </p:spPr>
+        <p:txBody>
+          <a:bodyPr lIns="90000" tIns="45000" rIns="90000" bIns="45000" anchor="t">
+            <a:noAutofit/>
+          </a:bodyPr>
+          <a:lstStyle>
+            <a:lvl1pPr algn="l" defTabSz="914400" rtl="0" eaLnBrk="1" latinLnBrk="0" hangingPunct="1">
+              <a:lnSpc>
+                <a:spcPct val="90000"/>
+              </a:lnSpc>
+              <a:spcBef>
+                <a:spcPct val="0"/>
+              </a:spcBef>
+              <a:buNone/>
+              <a:defRPr sz="4400" kern="1200">
+                <a:solidFill>
+                  <a:schemeClr val="tx1"/>
+                </a:solidFill>
+                <a:latin typeface="+mj-lt"/>
+                <a:ea typeface="+mj-ea"/>
+                <a:cs typeface="+mj-cs"/>
+              </a:defRPr>
+            </a:lvl1pPr>
+          </a:lstStyle>
+          <a:p>
+            <a:pPr marL="228600" indent="-228600">
+              <a:spcBef>
+                <a:spcPts val="1001"/>
+              </a:spcBef>
+              <a:tabLst>
+                <a:tab pos="0" algn="l"/>
+              </a:tabLst>
+            </a:pPr>
+            <a:r>
+              <a:rPr lang="it-IT" sz="1100" spc="-1" dirty="0">
+                <a:solidFill>
+                  <a:srgbClr val="FFFFFF"/>
+                </a:solidFill>
+                <a:latin typeface="Verdana"/>
+                <a:ea typeface="Verdana"/>
+              </a:rPr>
+              <a:t>Controllo tramite Potenziali Artificiali di un Rover con marker </a:t>
+            </a:r>
+            <a:r>
+              <a:rPr lang="it-IT" sz="1100" spc="-1" dirty="0" err="1">
+                <a:solidFill>
+                  <a:srgbClr val="FFFFFF"/>
+                </a:solidFill>
+                <a:latin typeface="Verdana"/>
+                <a:ea typeface="Verdana"/>
+              </a:rPr>
+              <a:t>ArUco</a:t>
+            </a:r>
+            <a:endParaRPr lang="it-IT" sz="1100" spc="-1" dirty="0">
+              <a:latin typeface="Arial"/>
+            </a:endParaRPr>
+          </a:p>
+        </p:txBody>
+      </p:sp>
     </p:spTree>
   </p:cSld>
   <p:clrMapOvr>
@@ -8636,7 +10157,7 @@
 </p:sld>
 </file>
 
-<file path=ppt/slides/slide11.xml><?xml version="1.0" encoding="utf-8"?>
+<file path=ppt/slides/slide12.xml><?xml version="1.0" encoding="utf-8"?>
 <p:sld xmlns:a="http://schemas.openxmlformats.org/drawingml/2006/main" xmlns:r="http://schemas.openxmlformats.org/officeDocument/2006/relationships" xmlns:p="http://schemas.openxmlformats.org/presentationml/2006/main">
   <p:cSld>
     <p:spTree>
@@ -8653,80 +10174,6 @@
           <a:chExt cx="0" cy="0"/>
         </a:xfrm>
       </p:grpSpPr>
-      <p:sp>
-        <p:nvSpPr>
-          <p:cNvPr id="136" name="PlaceHolder 1"/>
-          <p:cNvSpPr>
-            <a:spLocks noGrp="1"/>
-          </p:cNvSpPr>
-          <p:nvPr>
-            <p:ph/>
-          </p:nvPr>
-        </p:nvSpPr>
-        <p:spPr>
-          <a:xfrm>
-            <a:off x="328680" y="6607440"/>
-            <a:ext cx="10119600" cy="249840"/>
-          </a:xfrm>
-          <a:prstGeom prst="rect">
-            <a:avLst/>
-          </a:prstGeom>
-          <a:noFill/>
-          <a:ln w="0">
-            <a:noFill/>
-          </a:ln>
-        </p:spPr>
-        <p:txBody>
-          <a:bodyPr lIns="90000" tIns="45000" rIns="90000" bIns="45000" anchor="t">
-            <a:noAutofit/>
-          </a:bodyPr>
-          <a:lstStyle/>
-          <a:p>
-            <a:pPr marL="228600" indent="-228600">
-              <a:lnSpc>
-                <a:spcPct val="90000"/>
-              </a:lnSpc>
-              <a:spcBef>
-                <a:spcPts val="1001"/>
-              </a:spcBef>
-              <a:buNone/>
-              <a:tabLst>
-                <a:tab pos="0" algn="l"/>
-              </a:tabLst>
-            </a:pPr>
-            <a:r>
-              <a:rPr lang="it-IT" sz="1100" b="0" strike="noStrike" spc="-1">
-                <a:solidFill>
-                  <a:srgbClr val="FFFFFF"/>
-                </a:solidFill>
-                <a:latin typeface="Verdana"/>
-                <a:ea typeface="Verdana"/>
-              </a:rPr>
-              <a:t>Controllo visivo in Sliding Mode di un Rover</a:t>
-            </a:r>
-            <a:endParaRPr lang="it-IT" sz="1100" b="0" strike="noStrike" spc="-1">
-              <a:latin typeface="Arial"/>
-            </a:endParaRPr>
-          </a:p>
-          <a:p>
-            <a:pPr marL="228600" indent="-228600">
-              <a:lnSpc>
-                <a:spcPct val="90000"/>
-              </a:lnSpc>
-              <a:spcBef>
-                <a:spcPts val="1001"/>
-              </a:spcBef>
-              <a:buNone/>
-              <a:tabLst>
-                <a:tab pos="0" algn="l"/>
-              </a:tabLst>
-            </a:pPr>
-            <a:endParaRPr lang="it-IT" sz="1100" b="0" strike="noStrike" spc="-1">
-              <a:latin typeface="Arial"/>
-            </a:endParaRPr>
-          </a:p>
-        </p:txBody>
-      </p:sp>
       <p:sp>
         <p:nvSpPr>
           <p:cNvPr id="138" name="PlaceHolder 3"/>
@@ -8940,6 +10387,91 @@
           </a:p>
         </p:txBody>
       </p:sp>
+      <p:sp>
+        <p:nvSpPr>
+          <p:cNvPr id="4" name="PlaceHolder 1">
+            <a:extLst>
+              <a:ext uri="{FF2B5EF4-FFF2-40B4-BE49-F238E27FC236}">
+                <a16:creationId xmlns:a16="http://schemas.microsoft.com/office/drawing/2014/main" id="{7113BD8B-ADC2-8C47-17A0-986333EEAA5A}"/>
+              </a:ext>
+            </a:extLst>
+          </p:cNvPr>
+          <p:cNvSpPr txBox="1">
+            <a:spLocks/>
+          </p:cNvSpPr>
+          <p:nvPr/>
+        </p:nvSpPr>
+        <p:spPr>
+          <a:xfrm>
+            <a:off x="328680" y="6607440"/>
+            <a:ext cx="10119600" cy="249840"/>
+          </a:xfrm>
+          <a:prstGeom prst="rect">
+            <a:avLst/>
+          </a:prstGeom>
+          <a:noFill/>
+          <a:ln w="0">
+            <a:noFill/>
+          </a:ln>
+        </p:spPr>
+        <p:txBody>
+          <a:bodyPr lIns="90000" tIns="45000" rIns="90000" bIns="45000" anchor="t">
+            <a:noAutofit/>
+          </a:bodyPr>
+          <a:lstStyle>
+            <a:lvl1pPr algn="l" defTabSz="914400" rtl="0" eaLnBrk="1" latinLnBrk="0" hangingPunct="1">
+              <a:lnSpc>
+                <a:spcPct val="90000"/>
+              </a:lnSpc>
+              <a:spcBef>
+                <a:spcPct val="0"/>
+              </a:spcBef>
+              <a:buNone/>
+              <a:defRPr sz="4400" kern="1200">
+                <a:solidFill>
+                  <a:schemeClr val="tx1"/>
+                </a:solidFill>
+                <a:latin typeface="+mj-lt"/>
+                <a:ea typeface="+mj-ea"/>
+                <a:cs typeface="+mj-cs"/>
+              </a:defRPr>
+            </a:lvl1pPr>
+          </a:lstStyle>
+          <a:p>
+            <a:pPr marL="228600" indent="-228600">
+              <a:spcBef>
+                <a:spcPts val="1001"/>
+              </a:spcBef>
+              <a:tabLst>
+                <a:tab pos="0" algn="l"/>
+              </a:tabLst>
+            </a:pPr>
+            <a:r>
+              <a:rPr lang="it-IT" sz="1100" spc="-1" dirty="0">
+                <a:solidFill>
+                  <a:srgbClr val="FFFFFF"/>
+                </a:solidFill>
+                <a:latin typeface="Verdana"/>
+                <a:ea typeface="Verdana"/>
+              </a:rPr>
+              <a:t>Controllo tramite Potenziali Artificiali di un Rover con marker </a:t>
+            </a:r>
+            <a:r>
+              <a:rPr lang="it-IT" sz="1100" spc="-1" dirty="0" err="1">
+                <a:solidFill>
+                  <a:srgbClr val="FFFFFF"/>
+                </a:solidFill>
+                <a:latin typeface="Verdana"/>
+                <a:ea typeface="Verdana"/>
+              </a:rPr>
+              <a:t>ArUco</a:t>
+            </a:r>
+            <a:endParaRPr lang="it-IT" sz="1100" spc="-1" dirty="0">
+              <a:latin typeface="Arial"/>
+            </a:endParaRPr>
+          </a:p>
+        </p:txBody>
+      </p:sp>
     </p:spTree>
   </p:cSld>
   <p:clrMapOvr>
@@ -8948,7 +10480,7 @@
 </p:sld>
 </file>
 
-<file path=ppt/slides/slide12.xml><?xml version="1.0" encoding="utf-8"?>
+<file path=ppt/slides/slide13.xml><?xml version="1.0" encoding="utf-8"?>
 <p:sld xmlns:a="http://schemas.openxmlformats.org/drawingml/2006/main" xmlns:r="http://schemas.openxmlformats.org/officeDocument/2006/relationships" xmlns:p="http://schemas.openxmlformats.org/presentationml/2006/main">
   <p:cSld>
     <p:spTree>
@@ -8965,80 +10497,6 @@
           <a:chExt cx="0" cy="0"/>
         </a:xfrm>
       </p:grpSpPr>
-      <p:sp>
-        <p:nvSpPr>
-          <p:cNvPr id="136" name="PlaceHolder 1"/>
-          <p:cNvSpPr>
-            <a:spLocks noGrp="1"/>
-          </p:cNvSpPr>
-          <p:nvPr>
-            <p:ph/>
-          </p:nvPr>
-        </p:nvSpPr>
-        <p:spPr>
-          <a:xfrm>
-            <a:off x="328680" y="6607440"/>
-            <a:ext cx="10119600" cy="249840"/>
-          </a:xfrm>
-          <a:prstGeom prst="rect">
-            <a:avLst/>
-          </a:prstGeom>
-          <a:noFill/>
-          <a:ln w="0">
-            <a:noFill/>
-          </a:ln>
-        </p:spPr>
-        <p:txBody>
-          <a:bodyPr lIns="90000" tIns="45000" rIns="90000" bIns="45000" anchor="t">
-            <a:noAutofit/>
-          </a:bodyPr>
-          <a:lstStyle/>
-          <a:p>
-            <a:pPr marL="228600" indent="-228600">
-              <a:lnSpc>
-                <a:spcPct val="90000"/>
-              </a:lnSpc>
-              <a:spcBef>
-                <a:spcPts val="1001"/>
-              </a:spcBef>
-              <a:buNone/>
-              <a:tabLst>
-                <a:tab pos="0" algn="l"/>
-              </a:tabLst>
-            </a:pPr>
-            <a:r>
-              <a:rPr lang="it-IT" sz="1100" b="0" strike="noStrike" spc="-1">
-                <a:solidFill>
-                  <a:srgbClr val="FFFFFF"/>
-                </a:solidFill>
-                <a:latin typeface="Verdana"/>
-                <a:ea typeface="Verdana"/>
-              </a:rPr>
-              <a:t>Controllo visivo in Sliding Mode di un Rover</a:t>
-            </a:r>
-            <a:endParaRPr lang="it-IT" sz="1100" b="0" strike="noStrike" spc="-1">
-              <a:latin typeface="Arial"/>
-            </a:endParaRPr>
-          </a:p>
-          <a:p>
-            <a:pPr marL="228600" indent="-228600">
-              <a:lnSpc>
-                <a:spcPct val="90000"/>
-              </a:lnSpc>
-              <a:spcBef>
-                <a:spcPts val="1001"/>
-              </a:spcBef>
-              <a:buNone/>
-              <a:tabLst>
-                <a:tab pos="0" algn="l"/>
-              </a:tabLst>
-            </a:pPr>
-            <a:endParaRPr lang="it-IT" sz="1100" b="0" strike="noStrike" spc="-1">
-              <a:latin typeface="Arial"/>
-            </a:endParaRPr>
-          </a:p>
-        </p:txBody>
-      </p:sp>
       <p:sp>
         <p:nvSpPr>
           <p:cNvPr id="138" name="PlaceHolder 3"/>
@@ -9266,6 +10724,91 @@
           </a:p>
         </p:txBody>
       </p:sp>
+      <p:sp>
+        <p:nvSpPr>
+          <p:cNvPr id="4" name="PlaceHolder 1">
+            <a:extLst>
+              <a:ext uri="{FF2B5EF4-FFF2-40B4-BE49-F238E27FC236}">
+                <a16:creationId xmlns:a16="http://schemas.microsoft.com/office/drawing/2014/main" id="{F0C08CC9-E5F9-29EC-B979-76676F863EB3}"/>
+              </a:ext>
+            </a:extLst>
+          </p:cNvPr>
+          <p:cNvSpPr txBox="1">
+            <a:spLocks/>
+          </p:cNvSpPr>
+          <p:nvPr/>
+        </p:nvSpPr>
+        <p:spPr>
+          <a:xfrm>
+            <a:off x="328680" y="6607440"/>
+            <a:ext cx="10119600" cy="249840"/>
+          </a:xfrm>
+          <a:prstGeom prst="rect">
+            <a:avLst/>
+          </a:prstGeom>
+          <a:noFill/>
+          <a:ln w="0">
+            <a:noFill/>
+          </a:ln>
+        </p:spPr>
+        <p:txBody>
+          <a:bodyPr lIns="90000" tIns="45000" rIns="90000" bIns="45000" anchor="t">
+            <a:noAutofit/>
+          </a:bodyPr>
+          <a:lstStyle>
+            <a:lvl1pPr algn="l" defTabSz="914400" rtl="0" eaLnBrk="1" latinLnBrk="0" hangingPunct="1">
+              <a:lnSpc>
+                <a:spcPct val="90000"/>
+              </a:lnSpc>
+              <a:spcBef>
+                <a:spcPct val="0"/>
+              </a:spcBef>
+              <a:buNone/>
+              <a:defRPr sz="4400" kern="1200">
+                <a:solidFill>
+                  <a:schemeClr val="tx1"/>
+                </a:solidFill>
+                <a:latin typeface="+mj-lt"/>
+                <a:ea typeface="+mj-ea"/>
+                <a:cs typeface="+mj-cs"/>
+              </a:defRPr>
+            </a:lvl1pPr>
+          </a:lstStyle>
+          <a:p>
+            <a:pPr marL="228600" indent="-228600">
+              <a:spcBef>
+                <a:spcPts val="1001"/>
+              </a:spcBef>
+              <a:tabLst>
+                <a:tab pos="0" algn="l"/>
+              </a:tabLst>
+            </a:pPr>
+            <a:r>
+              <a:rPr lang="it-IT" sz="1100" spc="-1" dirty="0">
+                <a:solidFill>
+                  <a:srgbClr val="FFFFFF"/>
+                </a:solidFill>
+                <a:latin typeface="Verdana"/>
+                <a:ea typeface="Verdana"/>
+              </a:rPr>
+              <a:t>Controllo tramite Potenziali Artificiali di un Rover con marker </a:t>
+            </a:r>
+            <a:r>
+              <a:rPr lang="it-IT" sz="1100" spc="-1" dirty="0" err="1">
+                <a:solidFill>
+                  <a:srgbClr val="FFFFFF"/>
+                </a:solidFill>
+                <a:latin typeface="Verdana"/>
+                <a:ea typeface="Verdana"/>
+              </a:rPr>
+              <a:t>ArUco</a:t>
+            </a:r>
+            <a:endParaRPr lang="it-IT" sz="1100" spc="-1" dirty="0">
+              <a:latin typeface="Arial"/>
+            </a:endParaRPr>
+          </a:p>
+        </p:txBody>
+      </p:sp>
     </p:spTree>
     <p:extLst>
       <p:ext uri="{BB962C8B-B14F-4D97-AF65-F5344CB8AC3E}">
@@ -9279,7 +10822,7 @@
 </p:sld>
 </file>
 
-<file path=ppt/slides/slide13.xml><?xml version="1.0" encoding="utf-8"?>
+<file path=ppt/slides/slide14.xml><?xml version="1.0" encoding="utf-8"?>
 <p:sld xmlns:a="http://schemas.openxmlformats.org/drawingml/2006/main" xmlns:r="http://schemas.openxmlformats.org/officeDocument/2006/relationships" xmlns:p="http://schemas.openxmlformats.org/presentationml/2006/main">
   <p:cSld>
     <p:spTree>
@@ -9296,80 +10839,6 @@
           <a:chExt cx="0" cy="0"/>
         </a:xfrm>
       </p:grpSpPr>
-      <p:sp>
-        <p:nvSpPr>
-          <p:cNvPr id="136" name="PlaceHolder 1"/>
-          <p:cNvSpPr>
-            <a:spLocks noGrp="1"/>
-          </p:cNvSpPr>
-          <p:nvPr>
-            <p:ph/>
-          </p:nvPr>
-        </p:nvSpPr>
-        <p:spPr>
-          <a:xfrm>
-            <a:off x="328680" y="6607440"/>
-            <a:ext cx="10119600" cy="249840"/>
-          </a:xfrm>
-          <a:prstGeom prst="rect">
-            <a:avLst/>
-          </a:prstGeom>
-          <a:noFill/>
-          <a:ln w="0">
-            <a:noFill/>
-          </a:ln>
-        </p:spPr>
-        <p:txBody>
-          <a:bodyPr lIns="90000" tIns="45000" rIns="90000" bIns="45000" anchor="t">
-            <a:noAutofit/>
-          </a:bodyPr>
-          <a:lstStyle/>
-          <a:p>
-            <a:pPr marL="228600" indent="-228600">
-              <a:lnSpc>
-                <a:spcPct val="90000"/>
-              </a:lnSpc>
-              <a:spcBef>
-                <a:spcPts val="1001"/>
-              </a:spcBef>
-              <a:buNone/>
-              <a:tabLst>
-                <a:tab pos="0" algn="l"/>
-              </a:tabLst>
-            </a:pPr>
-            <a:r>
-              <a:rPr lang="it-IT" sz="1100" b="0" strike="noStrike" spc="-1">
-                <a:solidFill>
-                  <a:srgbClr val="FFFFFF"/>
-                </a:solidFill>
-                <a:latin typeface="Verdana"/>
-                <a:ea typeface="Verdana"/>
-              </a:rPr>
-              <a:t>Controllo visivo in Sliding Mode di un Rover</a:t>
-            </a:r>
-            <a:endParaRPr lang="it-IT" sz="1100" b="0" strike="noStrike" spc="-1">
-              <a:latin typeface="Arial"/>
-            </a:endParaRPr>
-          </a:p>
-          <a:p>
-            <a:pPr marL="228600" indent="-228600">
-              <a:lnSpc>
-                <a:spcPct val="90000"/>
-              </a:lnSpc>
-              <a:spcBef>
-                <a:spcPts val="1001"/>
-              </a:spcBef>
-              <a:buNone/>
-              <a:tabLst>
-                <a:tab pos="0" algn="l"/>
-              </a:tabLst>
-            </a:pPr>
-            <a:endParaRPr lang="it-IT" sz="1100" b="0" strike="noStrike" spc="-1">
-              <a:latin typeface="Arial"/>
-            </a:endParaRPr>
-          </a:p>
-        </p:txBody>
-      </p:sp>
       <p:sp>
         <p:nvSpPr>
           <p:cNvPr id="138" name="PlaceHolder 3"/>
@@ -9608,45 +11077,19 @@
           </a:p>
         </p:txBody>
       </p:sp>
-    </p:spTree>
-    <p:extLst>
-      <p:ext uri="{BB962C8B-B14F-4D97-AF65-F5344CB8AC3E}">
-        <p14:creationId xmlns:p14="http://schemas.microsoft.com/office/powerpoint/2010/main" val="1816249934"/>
-      </p:ext>
-    </p:extLst>
-  </p:cSld>
-  <p:clrMapOvr>
-    <a:masterClrMapping/>
-  </p:clrMapOvr>
-</p:sld>
-</file>
-
-<file path=ppt/slides/slide14.xml><?xml version="1.0" encoding="utf-8"?>
-<p:sld xmlns:a="http://schemas.openxmlformats.org/drawingml/2006/main" xmlns:r="http://schemas.openxmlformats.org/officeDocument/2006/relationships" xmlns:p="http://schemas.openxmlformats.org/presentationml/2006/main">
-  <p:cSld>
-    <p:spTree>
-      <p:nvGrpSpPr>
-        <p:cNvPr id="1" name=""/>
-        <p:cNvGrpSpPr/>
-        <p:nvPr/>
-      </p:nvGrpSpPr>
-      <p:grpSpPr>
-        <a:xfrm>
-          <a:off x="0" y="0"/>
-          <a:ext cx="0" cy="0"/>
-          <a:chOff x="0" y="0"/>
-          <a:chExt cx="0" cy="0"/>
-        </a:xfrm>
-      </p:grpSpPr>
-      <p:sp>
-        <p:nvSpPr>
-          <p:cNvPr id="143" name="PlaceHolder 1"/>
-          <p:cNvSpPr>
-            <a:spLocks noGrp="1"/>
-          </p:cNvSpPr>
-          <p:nvPr>
-            <p:ph/>
-          </p:nvPr>
+      <p:sp>
+        <p:nvSpPr>
+          <p:cNvPr id="2" name="PlaceHolder 1">
+            <a:extLst>
+              <a:ext uri="{FF2B5EF4-FFF2-40B4-BE49-F238E27FC236}">
+                <a16:creationId xmlns:a16="http://schemas.microsoft.com/office/drawing/2014/main" id="{7E96A9AE-094C-A7BB-D08F-FCD6B98AD78B}"/>
+              </a:ext>
+            </a:extLst>
+          </p:cNvPr>
+          <p:cNvSpPr txBox="1">
+            <a:spLocks/>
+          </p:cNvSpPr>
+          <p:nvPr/>
         </p:nvSpPr>
         <p:spPr>
           <a:xfrm>
@@ -9665,270 +11108,55 @@
           <a:bodyPr lIns="90000" tIns="45000" rIns="90000" bIns="45000" anchor="t">
             <a:noAutofit/>
           </a:bodyPr>
-          <a:lstStyle/>
-          <a:p>
-            <a:pPr marL="228600" indent="-228600">
+          <a:lstStyle>
+            <a:lvl1pPr algn="l" defTabSz="914400" rtl="0" eaLnBrk="1" latinLnBrk="0" hangingPunct="1">
               <a:lnSpc>
                 <a:spcPct val="90000"/>
               </a:lnSpc>
               <a:spcBef>
+                <a:spcPct val="0"/>
+              </a:spcBef>
+              <a:buNone/>
+              <a:defRPr sz="4400" kern="1200">
+                <a:solidFill>
+                  <a:schemeClr val="tx1"/>
+                </a:solidFill>
+                <a:latin typeface="+mj-lt"/>
+                <a:ea typeface="+mj-ea"/>
+                <a:cs typeface="+mj-cs"/>
+              </a:defRPr>
+            </a:lvl1pPr>
+          </a:lstStyle>
+          <a:p>
+            <a:pPr marL="228600" indent="-228600">
+              <a:spcBef>
                 <a:spcPts val="1001"/>
               </a:spcBef>
-              <a:buNone/>
               <a:tabLst>
                 <a:tab pos="0" algn="l"/>
               </a:tabLst>
             </a:pPr>
             <a:r>
-              <a:rPr lang="it-IT" sz="1100" b="0" strike="noStrike" spc="-1">
+              <a:rPr lang="it-IT" sz="1100" spc="-1" dirty="0">
                 <a:solidFill>
                   <a:srgbClr val="FFFFFF"/>
                 </a:solidFill>
                 <a:latin typeface="Verdana"/>
                 <a:ea typeface="Verdana"/>
               </a:rPr>
-              <a:t>Controllo visivo in Sliding Mode di un Rover</a:t>
-            </a:r>
-            <a:endParaRPr lang="it-IT" sz="1100" b="0" strike="noStrike" spc="-1">
-              <a:latin typeface="Arial"/>
-            </a:endParaRPr>
-          </a:p>
-          <a:p>
-            <a:pPr marL="228600" indent="-228600">
-              <a:lnSpc>
-                <a:spcPct val="90000"/>
-              </a:lnSpc>
-              <a:spcBef>
-                <a:spcPts val="1001"/>
-              </a:spcBef>
-              <a:buNone/>
-              <a:tabLst>
-                <a:tab pos="0" algn="l"/>
-              </a:tabLst>
-            </a:pPr>
-            <a:endParaRPr lang="it-IT" sz="1100" b="0" strike="noStrike" spc="-1">
-              <a:latin typeface="Arial"/>
-            </a:endParaRPr>
-          </a:p>
-        </p:txBody>
-      </p:sp>
-      <p:sp>
-        <p:nvSpPr>
-          <p:cNvPr id="145" name="PlaceHolder 3"/>
-          <p:cNvSpPr>
-            <a:spLocks noGrp="1"/>
-          </p:cNvSpPr>
-          <p:nvPr>
-            <p:ph type="title"/>
-          </p:nvPr>
-        </p:nvSpPr>
-        <p:spPr>
-          <a:xfrm>
-            <a:off x="775800" y="957960"/>
-            <a:ext cx="8793360" cy="853920"/>
-          </a:xfrm>
-          <a:prstGeom prst="rect">
-            <a:avLst/>
-          </a:prstGeom>
-          <a:noFill/>
-          <a:ln w="0">
-            <a:noFill/>
-          </a:ln>
-        </p:spPr>
-        <p:txBody>
-          <a:bodyPr lIns="90000" tIns="45000" rIns="90000" bIns="45000" anchor="t">
-            <a:noAutofit/>
-          </a:bodyPr>
-          <a:lstStyle/>
-          <a:p>
-            <a:pPr>
-              <a:lnSpc>
-                <a:spcPct val="90000"/>
-              </a:lnSpc>
-              <a:buNone/>
-            </a:pPr>
-            <a:r>
-              <a:rPr lang="it-IT" sz="2200" b="1" spc="-1" dirty="0">
+              <a:t>Controllo tramite Potenziali Artificiali di un Rover con marker </a:t>
+            </a:r>
+            <a:r>
+              <a:rPr lang="it-IT" sz="1100" spc="-1" dirty="0" err="1">
                 <a:solidFill>
-                  <a:srgbClr val="000000"/>
+                  <a:srgbClr val="FFFFFF"/>
                 </a:solidFill>
                 <a:latin typeface="Verdana"/>
                 <a:ea typeface="Verdana"/>
               </a:rPr>
-              <a:t>S</a:t>
-            </a:r>
-            <a:r>
-              <a:rPr lang="it-IT" sz="2200" b="1" strike="noStrike" spc="-1" dirty="0">
-                <a:solidFill>
-                  <a:srgbClr val="000000"/>
-                </a:solidFill>
-                <a:latin typeface="Verdana"/>
-                <a:ea typeface="Verdana"/>
-              </a:rPr>
-              <a:t>viluppi futuri</a:t>
-            </a:r>
-            <a:endParaRPr lang="it-IT" sz="2200" b="0" strike="noStrike" spc="-1" dirty="0">
-              <a:latin typeface="Arial"/>
-            </a:endParaRPr>
-          </a:p>
-        </p:txBody>
-      </p:sp>
-      <p:sp>
-        <p:nvSpPr>
-          <p:cNvPr id="2" name="CasellaDiTesto 4"/>
-          <p:cNvSpPr/>
-          <p:nvPr/>
-        </p:nvSpPr>
-        <p:spPr>
-          <a:xfrm>
-            <a:off x="775801" y="2344362"/>
-            <a:ext cx="8793359" cy="2306870"/>
-          </a:xfrm>
-          <a:prstGeom prst="rect">
-            <a:avLst/>
-          </a:prstGeom>
-          <a:noFill/>
-          <a:ln w="0">
-            <a:noFill/>
-          </a:ln>
-        </p:spPr>
-        <p:style>
-          <a:lnRef idx="0">
-            <a:scrgbClr r="0" g="0" b="0"/>
-          </a:lnRef>
-          <a:fillRef idx="0">
-            <a:scrgbClr r="0" g="0" b="0"/>
-          </a:fillRef>
-          <a:effectRef idx="0">
-            <a:scrgbClr r="0" g="0" b="0"/>
-          </a:effectRef>
-          <a:fontRef idx="minor"/>
-        </p:style>
-        <p:txBody>
-          <a:bodyPr wrap="square" lIns="90000" tIns="45000" rIns="90000" bIns="45000" anchor="t">
-            <a:spAutoFit/>
-          </a:bodyPr>
-          <a:lstStyle/>
-          <a:p>
-            <a:pPr marL="285840" indent="-285840">
-              <a:lnSpc>
-                <a:spcPct val="100000"/>
-              </a:lnSpc>
-              <a:buClr>
-                <a:srgbClr val="000000"/>
-              </a:buClr>
-              <a:buFont typeface="Arial"/>
-              <a:buChar char="•"/>
-            </a:pPr>
-            <a:r>
-              <a:rPr lang="it-IT" sz="1800" b="0" strike="noStrike" spc="-1" dirty="0">
-                <a:solidFill>
-                  <a:srgbClr val="000000"/>
-                </a:solidFill>
-                <a:latin typeface="Verdana" panose="020B0604030504040204" pitchFamily="34" charset="0"/>
-                <a:ea typeface="Verdana" panose="020B0604030504040204" pitchFamily="34" charset="0"/>
-              </a:rPr>
-              <a:t>Implementazione del Firmware per poter utilizzare gli encoder presenti nei motori di sterzo e trazione.</a:t>
-            </a:r>
-          </a:p>
-          <a:p>
-            <a:pPr marL="285840" indent="-285840">
-              <a:lnSpc>
-                <a:spcPct val="100000"/>
-              </a:lnSpc>
-              <a:buClr>
-                <a:srgbClr val="000000"/>
-              </a:buClr>
-              <a:buFont typeface="Arial"/>
-              <a:buChar char="•"/>
-            </a:pPr>
-            <a:r>
-              <a:rPr lang="it-IT" spc="-1" dirty="0">
-                <a:solidFill>
-                  <a:srgbClr val="000000"/>
-                </a:solidFill>
-                <a:latin typeface="Verdana" panose="020B0604030504040204" pitchFamily="34" charset="0"/>
-                <a:ea typeface="Verdana" panose="020B0604030504040204" pitchFamily="34" charset="0"/>
-              </a:rPr>
-              <a:t>Implementazione Filtro di </a:t>
-            </a:r>
-            <a:r>
-              <a:rPr lang="it-IT" spc="-1" dirty="0" err="1">
-                <a:solidFill>
-                  <a:srgbClr val="000000"/>
-                </a:solidFill>
-                <a:latin typeface="Verdana" panose="020B0604030504040204" pitchFamily="34" charset="0"/>
-                <a:ea typeface="Verdana" panose="020B0604030504040204" pitchFamily="34" charset="0"/>
-              </a:rPr>
-              <a:t>Kalman</a:t>
-            </a:r>
-            <a:r>
-              <a:rPr lang="it-IT" spc="-1" dirty="0">
-                <a:solidFill>
-                  <a:srgbClr val="000000"/>
-                </a:solidFill>
-                <a:latin typeface="Verdana" panose="020B0604030504040204" pitchFamily="34" charset="0"/>
-                <a:ea typeface="Verdana" panose="020B0604030504040204" pitchFamily="34" charset="0"/>
-              </a:rPr>
-              <a:t> (Correzione-Predizione) per una migliore stima della velocità lineare.</a:t>
-            </a:r>
-          </a:p>
-          <a:p>
-            <a:pPr marL="285840" indent="-285840">
-              <a:lnSpc>
-                <a:spcPct val="100000"/>
-              </a:lnSpc>
-              <a:buClr>
-                <a:srgbClr val="000000"/>
-              </a:buClr>
-              <a:buFont typeface="Arial"/>
-              <a:buChar char="•"/>
-            </a:pPr>
-            <a:r>
-              <a:rPr lang="it-IT" spc="-1" dirty="0">
-                <a:solidFill>
-                  <a:srgbClr val="000000"/>
-                </a:solidFill>
-                <a:latin typeface="Verdana" panose="020B0604030504040204" pitchFamily="34" charset="0"/>
-                <a:ea typeface="Verdana" panose="020B0604030504040204" pitchFamily="34" charset="0"/>
-              </a:rPr>
-              <a:t>Aggiungere un router Wi-Fi a bordo del rover così da semplificare la connessione.</a:t>
-            </a:r>
-          </a:p>
-          <a:p>
-            <a:pPr marL="285840" indent="-285840">
-              <a:lnSpc>
-                <a:spcPct val="100000"/>
-              </a:lnSpc>
-              <a:buClr>
-                <a:srgbClr val="000000"/>
-              </a:buClr>
-              <a:buFont typeface="Arial"/>
-              <a:buChar char="•"/>
-            </a:pPr>
-            <a:r>
-              <a:rPr lang="it-IT" spc="-1" dirty="0">
-                <a:solidFill>
-                  <a:srgbClr val="000000"/>
-                </a:solidFill>
-                <a:latin typeface="Verdana" panose="020B0604030504040204" pitchFamily="34" charset="0"/>
-                <a:ea typeface="Verdana" panose="020B0604030504040204" pitchFamily="34" charset="0"/>
-              </a:rPr>
-              <a:t>Integrazione di una memoria SSD con maggiore capacità.</a:t>
-            </a:r>
-          </a:p>
-          <a:p>
-            <a:pPr marL="285840" indent="-285840">
-              <a:lnSpc>
-                <a:spcPct val="100000"/>
-              </a:lnSpc>
-              <a:buClr>
-                <a:srgbClr val="000000"/>
-              </a:buClr>
-              <a:buFont typeface="Arial"/>
-              <a:buChar char="•"/>
-            </a:pPr>
-            <a:endParaRPr lang="it-IT" sz="1800" b="0" strike="noStrike" spc="-1" dirty="0">
+              <a:t>ArUco</a:t>
+            </a:r>
+            <a:endParaRPr lang="it-IT" sz="1100" spc="-1" dirty="0">
               <a:latin typeface="Arial"/>
             </a:endParaRPr>
           </a:p>
@@ -9937,7 +11165,7 @@
     </p:spTree>
     <p:extLst>
       <p:ext uri="{BB962C8B-B14F-4D97-AF65-F5344CB8AC3E}">
-        <p14:creationId xmlns:p14="http://schemas.microsoft.com/office/powerpoint/2010/main" val="3914895067"/>
+        <p14:creationId xmlns:p14="http://schemas.microsoft.com/office/powerpoint/2010/main" val="1816249934"/>
       </p:ext>
     </p:extLst>
   </p:cSld>
@@ -9966,78 +11194,541 @@
       </p:grpSpPr>
       <p:sp>
         <p:nvSpPr>
-          <p:cNvPr id="143" name="PlaceHolder 1"/>
-          <p:cNvSpPr>
-            <a:spLocks noGrp="1"/>
-          </p:cNvSpPr>
-          <p:nvPr>
-            <p:ph/>
-          </p:nvPr>
-        </p:nvSpPr>
-        <p:spPr>
-          <a:xfrm>
-            <a:off x="328680" y="6607440"/>
-            <a:ext cx="10119600" cy="249840"/>
-          </a:xfrm>
-          <a:prstGeom prst="rect">
-            <a:avLst/>
-          </a:prstGeom>
-          <a:noFill/>
-          <a:ln w="0">
-            <a:noFill/>
-          </a:ln>
-        </p:spPr>
+          <p:cNvPr id="140" name="Titolo 7"/>
+          <p:cNvSpPr/>
+          <p:nvPr/>
+        </p:nvSpPr>
+        <p:spPr>
+          <a:xfrm>
+            <a:off x="776160" y="958320"/>
+            <a:ext cx="8793360" cy="853920"/>
+          </a:xfrm>
+          <a:prstGeom prst="rect">
+            <a:avLst/>
+          </a:prstGeom>
+          <a:noFill/>
+          <a:ln w="0">
+            <a:noFill/>
+          </a:ln>
+        </p:spPr>
+        <p:style>
+          <a:lnRef idx="0">
+            <a:scrgbClr r="0" g="0" b="0"/>
+          </a:lnRef>
+          <a:fillRef idx="0">
+            <a:scrgbClr r="0" g="0" b="0"/>
+          </a:fillRef>
+          <a:effectRef idx="0">
+            <a:scrgbClr r="0" g="0" b="0"/>
+          </a:effectRef>
+          <a:fontRef idx="minor"/>
+        </p:style>
         <p:txBody>
           <a:bodyPr lIns="90000" tIns="45000" rIns="90000" bIns="45000" anchor="t">
             <a:noAutofit/>
           </a:bodyPr>
           <a:lstStyle/>
           <a:p>
-            <a:pPr marL="228600" indent="-228600">
+            <a:pPr marL="0" marR="0" lvl="0" indent="0" algn="l" defTabSz="914400" rtl="0" eaLnBrk="1" fontAlgn="auto" latinLnBrk="0" hangingPunct="1">
               <a:lnSpc>
                 <a:spcPct val="90000"/>
               </a:lnSpc>
               <a:spcBef>
+                <a:spcPts val="0"/>
+              </a:spcBef>
+              <a:spcAft>
+                <a:spcPts val="0"/>
+              </a:spcAft>
+              <a:buClrTx/>
+              <a:buSzTx/>
+              <a:buFontTx/>
+              <a:buNone/>
+              <a:tabLst/>
+              <a:defRPr/>
+            </a:pPr>
+            <a:r>
+              <a:rPr kumimoji="0" lang="it-IT" sz="2200" b="1" i="0" u="none" strike="noStrike" kern="1200" cap="none" spc="-1" normalizeH="0" baseline="0" noProof="0" dirty="0">
+                <a:ln>
+                  <a:noFill/>
+                </a:ln>
+                <a:solidFill>
+                  <a:srgbClr val="000000"/>
+                </a:solidFill>
+                <a:effectLst/>
+                <a:uLnTx/>
+                <a:uFillTx/>
+                <a:latin typeface="Verdana"/>
+                <a:ea typeface="Verdana"/>
+              </a:rPr>
+              <a:t>Discussione risultati</a:t>
+            </a:r>
+            <a:endParaRPr kumimoji="0" lang="it-IT" sz="2200" b="0" i="0" u="none" strike="noStrike" kern="1200" cap="none" spc="-1" normalizeH="0" baseline="0" noProof="0" dirty="0">
+              <a:ln>
+                <a:noFill/>
+              </a:ln>
+              <a:solidFill>
+                <a:prstClr val="black"/>
+              </a:solidFill>
+              <a:effectLst/>
+              <a:uLnTx/>
+              <a:uFillTx/>
+              <a:latin typeface="Arial"/>
+            </a:endParaRPr>
+          </a:p>
+        </p:txBody>
+      </p:sp>
+      <p:sp>
+        <p:nvSpPr>
+          <p:cNvPr id="2" name="PlaceHolder 1">
+            <a:extLst>
+              <a:ext uri="{FF2B5EF4-FFF2-40B4-BE49-F238E27FC236}">
+                <a16:creationId xmlns:a16="http://schemas.microsoft.com/office/drawing/2014/main" id="{7E96A9AE-094C-A7BB-D08F-FCD6B98AD78B}"/>
+              </a:ext>
+            </a:extLst>
+          </p:cNvPr>
+          <p:cNvSpPr txBox="1">
+            <a:spLocks/>
+          </p:cNvSpPr>
+          <p:nvPr/>
+        </p:nvSpPr>
+        <p:spPr>
+          <a:xfrm>
+            <a:off x="328680" y="6607440"/>
+            <a:ext cx="10119600" cy="249840"/>
+          </a:xfrm>
+          <a:prstGeom prst="rect">
+            <a:avLst/>
+          </a:prstGeom>
+          <a:noFill/>
+          <a:ln w="0">
+            <a:noFill/>
+          </a:ln>
+        </p:spPr>
+        <p:txBody>
+          <a:bodyPr lIns="90000" tIns="45000" rIns="90000" bIns="45000" anchor="t">
+            <a:noAutofit/>
+          </a:bodyPr>
+          <a:lstStyle>
+            <a:lvl1pPr algn="l" defTabSz="914400" rtl="0" eaLnBrk="1" latinLnBrk="0" hangingPunct="1">
+              <a:lnSpc>
+                <a:spcPct val="90000"/>
+              </a:lnSpc>
+              <a:spcBef>
+                <a:spcPct val="0"/>
+              </a:spcBef>
+              <a:buNone/>
+              <a:defRPr sz="4400" kern="1200">
+                <a:solidFill>
+                  <a:schemeClr val="tx1"/>
+                </a:solidFill>
+                <a:latin typeface="+mj-lt"/>
+                <a:ea typeface="+mj-ea"/>
+                <a:cs typeface="+mj-cs"/>
+              </a:defRPr>
+            </a:lvl1pPr>
+          </a:lstStyle>
+          <a:p>
+            <a:pPr marL="228600" indent="-228600">
+              <a:spcBef>
                 <a:spcPts val="1001"/>
               </a:spcBef>
-              <a:buNone/>
               <a:tabLst>
                 <a:tab pos="0" algn="l"/>
               </a:tabLst>
             </a:pPr>
             <a:r>
-              <a:rPr lang="it-IT" sz="1100" b="0" strike="noStrike" spc="-1">
+              <a:rPr lang="it-IT" sz="1100" spc="-1" dirty="0">
                 <a:solidFill>
                   <a:srgbClr val="FFFFFF"/>
                 </a:solidFill>
                 <a:latin typeface="Verdana"/>
                 <a:ea typeface="Verdana"/>
               </a:rPr>
-              <a:t>Controllo visivo in Sliding Mode di un Rover</a:t>
-            </a:r>
-            <a:endParaRPr lang="it-IT" sz="1100" b="0" strike="noStrike" spc="-1">
+              <a:t>Controllo tramite Potenziali Artificiali di un Rover con marker </a:t>
+            </a:r>
+            <a:r>
+              <a:rPr lang="it-IT" sz="1100" spc="-1" dirty="0" err="1">
+                <a:solidFill>
+                  <a:srgbClr val="FFFFFF"/>
+                </a:solidFill>
+                <a:latin typeface="Verdana"/>
+                <a:ea typeface="Verdana"/>
+              </a:rPr>
+              <a:t>ArUco</a:t>
+            </a:r>
+            <a:endParaRPr lang="it-IT" sz="1100" spc="-1" dirty="0">
               <a:latin typeface="Arial"/>
             </a:endParaRPr>
           </a:p>
-          <a:p>
-            <a:pPr marL="228600" indent="-228600">
+        </p:txBody>
+      </p:sp>
+    </p:spTree>
+    <p:extLst>
+      <p:ext uri="{BB962C8B-B14F-4D97-AF65-F5344CB8AC3E}">
+        <p14:creationId xmlns:p14="http://schemas.microsoft.com/office/powerpoint/2010/main" val="3704356531"/>
+      </p:ext>
+    </p:extLst>
+  </p:cSld>
+  <p:clrMapOvr>
+    <a:masterClrMapping/>
+  </p:clrMapOvr>
+</p:sld>
+</file>
+
+<file path=ppt/slides/slide16.xml><?xml version="1.0" encoding="utf-8"?>
+<p:sld xmlns:a="http://schemas.openxmlformats.org/drawingml/2006/main" xmlns:r="http://schemas.openxmlformats.org/officeDocument/2006/relationships" xmlns:p="http://schemas.openxmlformats.org/presentationml/2006/main">
+  <p:cSld>
+    <p:spTree>
+      <p:nvGrpSpPr>
+        <p:cNvPr id="1" name=""/>
+        <p:cNvGrpSpPr/>
+        <p:nvPr/>
+      </p:nvGrpSpPr>
+      <p:grpSpPr>
+        <a:xfrm>
+          <a:off x="0" y="0"/>
+          <a:ext cx="0" cy="0"/>
+          <a:chOff x="0" y="0"/>
+          <a:chExt cx="0" cy="0"/>
+        </a:xfrm>
+      </p:grpSpPr>
+      <p:sp>
+        <p:nvSpPr>
+          <p:cNvPr id="145" name="PlaceHolder 3"/>
+          <p:cNvSpPr>
+            <a:spLocks noGrp="1"/>
+          </p:cNvSpPr>
+          <p:nvPr>
+            <p:ph type="title"/>
+          </p:nvPr>
+        </p:nvSpPr>
+        <p:spPr>
+          <a:xfrm>
+            <a:off x="775800" y="957960"/>
+            <a:ext cx="8793360" cy="853920"/>
+          </a:xfrm>
+          <a:prstGeom prst="rect">
+            <a:avLst/>
+          </a:prstGeom>
+          <a:noFill/>
+          <a:ln w="0">
+            <a:noFill/>
+          </a:ln>
+        </p:spPr>
+        <p:txBody>
+          <a:bodyPr lIns="90000" tIns="45000" rIns="90000" bIns="45000" anchor="t">
+            <a:noAutofit/>
+          </a:bodyPr>
+          <a:lstStyle/>
+          <a:p>
+            <a:pPr>
+              <a:lnSpc>
+                <a:spcPct val="90000"/>
+              </a:lnSpc>
+              <a:buNone/>
+            </a:pPr>
+            <a:r>
+              <a:rPr lang="it-IT" sz="2200" b="1" spc="-1" dirty="0">
+                <a:solidFill>
+                  <a:srgbClr val="000000"/>
+                </a:solidFill>
+                <a:latin typeface="Verdana"/>
+                <a:ea typeface="Verdana"/>
+              </a:rPr>
+              <a:t>S</a:t>
+            </a:r>
+            <a:r>
+              <a:rPr lang="it-IT" sz="2200" b="1" strike="noStrike" spc="-1" dirty="0">
+                <a:solidFill>
+                  <a:srgbClr val="000000"/>
+                </a:solidFill>
+                <a:latin typeface="Verdana"/>
+                <a:ea typeface="Verdana"/>
+              </a:rPr>
+              <a:t>viluppi futuri</a:t>
+            </a:r>
+            <a:endParaRPr lang="it-IT" sz="2200" b="0" strike="noStrike" spc="-1" dirty="0">
+              <a:latin typeface="Arial"/>
+            </a:endParaRPr>
+          </a:p>
+        </p:txBody>
+      </p:sp>
+      <p:sp>
+        <p:nvSpPr>
+          <p:cNvPr id="2" name="CasellaDiTesto 4"/>
+          <p:cNvSpPr/>
+          <p:nvPr/>
+        </p:nvSpPr>
+        <p:spPr>
+          <a:xfrm>
+            <a:off x="775801" y="2344362"/>
+            <a:ext cx="8793359" cy="2306870"/>
+          </a:xfrm>
+          <a:prstGeom prst="rect">
+            <a:avLst/>
+          </a:prstGeom>
+          <a:noFill/>
+          <a:ln w="0">
+            <a:noFill/>
+          </a:ln>
+        </p:spPr>
+        <p:style>
+          <a:lnRef idx="0">
+            <a:scrgbClr r="0" g="0" b="0"/>
+          </a:lnRef>
+          <a:fillRef idx="0">
+            <a:scrgbClr r="0" g="0" b="0"/>
+          </a:fillRef>
+          <a:effectRef idx="0">
+            <a:scrgbClr r="0" g="0" b="0"/>
+          </a:effectRef>
+          <a:fontRef idx="minor"/>
+        </p:style>
+        <p:txBody>
+          <a:bodyPr wrap="square" lIns="90000" tIns="45000" rIns="90000" bIns="45000" anchor="t">
+            <a:spAutoFit/>
+          </a:bodyPr>
+          <a:lstStyle/>
+          <a:p>
+            <a:pPr marL="285840" indent="-285840">
+              <a:lnSpc>
+                <a:spcPct val="100000"/>
+              </a:lnSpc>
+              <a:buClr>
+                <a:srgbClr val="000000"/>
+              </a:buClr>
+              <a:buFont typeface="Arial"/>
+              <a:buChar char="•"/>
+            </a:pPr>
+            <a:r>
+              <a:rPr lang="it-IT" sz="1800" b="0" strike="noStrike" spc="-1" dirty="0">
+                <a:solidFill>
+                  <a:srgbClr val="000000"/>
+                </a:solidFill>
+                <a:latin typeface="Verdana" panose="020B0604030504040204" pitchFamily="34" charset="0"/>
+                <a:ea typeface="Verdana" panose="020B0604030504040204" pitchFamily="34" charset="0"/>
+              </a:rPr>
+              <a:t>Implementazione del Firmware per poter utilizzare gli encoder presenti nei motori di sterzo e trazione.</a:t>
+            </a:r>
+          </a:p>
+          <a:p>
+            <a:pPr marL="285840" indent="-285840">
+              <a:lnSpc>
+                <a:spcPct val="100000"/>
+              </a:lnSpc>
+              <a:buClr>
+                <a:srgbClr val="000000"/>
+              </a:buClr>
+              <a:buFont typeface="Arial"/>
+              <a:buChar char="•"/>
+            </a:pPr>
+            <a:r>
+              <a:rPr lang="it-IT" spc="-1" dirty="0">
+                <a:solidFill>
+                  <a:srgbClr val="000000"/>
+                </a:solidFill>
+                <a:latin typeface="Verdana" panose="020B0604030504040204" pitchFamily="34" charset="0"/>
+                <a:ea typeface="Verdana" panose="020B0604030504040204" pitchFamily="34" charset="0"/>
+              </a:rPr>
+              <a:t>Implementazione Filtro di </a:t>
+            </a:r>
+            <a:r>
+              <a:rPr lang="it-IT" spc="-1" dirty="0" err="1">
+                <a:solidFill>
+                  <a:srgbClr val="000000"/>
+                </a:solidFill>
+                <a:latin typeface="Verdana" panose="020B0604030504040204" pitchFamily="34" charset="0"/>
+                <a:ea typeface="Verdana" panose="020B0604030504040204" pitchFamily="34" charset="0"/>
+              </a:rPr>
+              <a:t>Kalman</a:t>
+            </a:r>
+            <a:r>
+              <a:rPr lang="it-IT" spc="-1" dirty="0">
+                <a:solidFill>
+                  <a:srgbClr val="000000"/>
+                </a:solidFill>
+                <a:latin typeface="Verdana" panose="020B0604030504040204" pitchFamily="34" charset="0"/>
+                <a:ea typeface="Verdana" panose="020B0604030504040204" pitchFamily="34" charset="0"/>
+              </a:rPr>
+              <a:t> (Correzione-Predizione) per una migliore stima della velocità lineare.</a:t>
+            </a:r>
+          </a:p>
+          <a:p>
+            <a:pPr marL="285840" indent="-285840">
+              <a:lnSpc>
+                <a:spcPct val="100000"/>
+              </a:lnSpc>
+              <a:buClr>
+                <a:srgbClr val="000000"/>
+              </a:buClr>
+              <a:buFont typeface="Arial"/>
+              <a:buChar char="•"/>
+            </a:pPr>
+            <a:r>
+              <a:rPr lang="it-IT" spc="-1" dirty="0">
+                <a:solidFill>
+                  <a:srgbClr val="000000"/>
+                </a:solidFill>
+                <a:latin typeface="Verdana" panose="020B0604030504040204" pitchFamily="34" charset="0"/>
+                <a:ea typeface="Verdana" panose="020B0604030504040204" pitchFamily="34" charset="0"/>
+              </a:rPr>
+              <a:t>Aggiungere un router Wi-Fi a bordo del rover così da semplificare la connessione.</a:t>
+            </a:r>
+          </a:p>
+          <a:p>
+            <a:pPr marL="285840" indent="-285840">
+              <a:lnSpc>
+                <a:spcPct val="100000"/>
+              </a:lnSpc>
+              <a:buClr>
+                <a:srgbClr val="000000"/>
+              </a:buClr>
+              <a:buFont typeface="Arial"/>
+              <a:buChar char="•"/>
+            </a:pPr>
+            <a:r>
+              <a:rPr lang="it-IT" spc="-1" dirty="0">
+                <a:solidFill>
+                  <a:srgbClr val="000000"/>
+                </a:solidFill>
+                <a:latin typeface="Verdana" panose="020B0604030504040204" pitchFamily="34" charset="0"/>
+                <a:ea typeface="Verdana" panose="020B0604030504040204" pitchFamily="34" charset="0"/>
+              </a:rPr>
+              <a:t>Integrazione di una memoria SSD con maggiore capacità.</a:t>
+            </a:r>
+          </a:p>
+          <a:p>
+            <a:pPr marL="285840" indent="-285840">
+              <a:lnSpc>
+                <a:spcPct val="100000"/>
+              </a:lnSpc>
+              <a:buClr>
+                <a:srgbClr val="000000"/>
+              </a:buClr>
+              <a:buFont typeface="Arial"/>
+              <a:buChar char="•"/>
+            </a:pPr>
+            <a:endParaRPr lang="it-IT" sz="1800" b="0" strike="noStrike" spc="-1" dirty="0">
+              <a:latin typeface="Arial"/>
+            </a:endParaRPr>
+          </a:p>
+        </p:txBody>
+      </p:sp>
+      <p:sp>
+        <p:nvSpPr>
+          <p:cNvPr id="3" name="PlaceHolder 1">
+            <a:extLst>
+              <a:ext uri="{FF2B5EF4-FFF2-40B4-BE49-F238E27FC236}">
+                <a16:creationId xmlns:a16="http://schemas.microsoft.com/office/drawing/2014/main" id="{72F9CDA4-342D-FCD9-9135-EA4AB751CB89}"/>
+              </a:ext>
+            </a:extLst>
+          </p:cNvPr>
+          <p:cNvSpPr txBox="1">
+            <a:spLocks/>
+          </p:cNvSpPr>
+          <p:nvPr/>
+        </p:nvSpPr>
+        <p:spPr>
+          <a:xfrm>
+            <a:off x="328680" y="6607440"/>
+            <a:ext cx="10119600" cy="249840"/>
+          </a:xfrm>
+          <a:prstGeom prst="rect">
+            <a:avLst/>
+          </a:prstGeom>
+          <a:noFill/>
+          <a:ln w="0">
+            <a:noFill/>
+          </a:ln>
+        </p:spPr>
+        <p:txBody>
+          <a:bodyPr lIns="90000" tIns="45000" rIns="90000" bIns="45000" anchor="t">
+            <a:noAutofit/>
+          </a:bodyPr>
+          <a:lstStyle>
+            <a:lvl1pPr algn="l" defTabSz="914400" rtl="0" eaLnBrk="1" latinLnBrk="0" hangingPunct="1">
               <a:lnSpc>
                 <a:spcPct val="90000"/>
               </a:lnSpc>
               <a:spcBef>
+                <a:spcPct val="0"/>
+              </a:spcBef>
+              <a:buNone/>
+              <a:defRPr sz="4400" kern="1200">
+                <a:solidFill>
+                  <a:schemeClr val="tx1"/>
+                </a:solidFill>
+                <a:latin typeface="+mj-lt"/>
+                <a:ea typeface="+mj-ea"/>
+                <a:cs typeface="+mj-cs"/>
+              </a:defRPr>
+            </a:lvl1pPr>
+          </a:lstStyle>
+          <a:p>
+            <a:pPr marL="228600" indent="-228600">
+              <a:spcBef>
                 <a:spcPts val="1001"/>
               </a:spcBef>
-              <a:buNone/>
               <a:tabLst>
                 <a:tab pos="0" algn="l"/>
               </a:tabLst>
             </a:pPr>
-            <a:endParaRPr lang="it-IT" sz="1100" b="0" strike="noStrike" spc="-1">
+            <a:r>
+              <a:rPr lang="it-IT" sz="1100" spc="-1" dirty="0">
+                <a:solidFill>
+                  <a:srgbClr val="FFFFFF"/>
+                </a:solidFill>
+                <a:latin typeface="Verdana"/>
+                <a:ea typeface="Verdana"/>
+              </a:rPr>
+              <a:t>Controllo tramite Potenziali Artificiali di un Rover con marker </a:t>
+            </a:r>
+            <a:r>
+              <a:rPr lang="it-IT" sz="1100" spc="-1" dirty="0" err="1">
+                <a:solidFill>
+                  <a:srgbClr val="FFFFFF"/>
+                </a:solidFill>
+                <a:latin typeface="Verdana"/>
+                <a:ea typeface="Verdana"/>
+              </a:rPr>
+              <a:t>ArUco</a:t>
+            </a:r>
+            <a:endParaRPr lang="it-IT" sz="1100" spc="-1" dirty="0">
               <a:latin typeface="Arial"/>
             </a:endParaRPr>
           </a:p>
         </p:txBody>
       </p:sp>
+    </p:spTree>
+    <p:extLst>
+      <p:ext uri="{BB962C8B-B14F-4D97-AF65-F5344CB8AC3E}">
+        <p14:creationId xmlns:p14="http://schemas.microsoft.com/office/powerpoint/2010/main" val="3914895067"/>
+      </p:ext>
+    </p:extLst>
+  </p:cSld>
+  <p:clrMapOvr>
+    <a:masterClrMapping/>
+  </p:clrMapOvr>
+</p:sld>
+</file>
+
+<file path=ppt/slides/slide17.xml><?xml version="1.0" encoding="utf-8"?>
+<p:sld xmlns:a="http://schemas.openxmlformats.org/drawingml/2006/main" xmlns:r="http://schemas.openxmlformats.org/officeDocument/2006/relationships" xmlns:p="http://schemas.openxmlformats.org/presentationml/2006/main">
+  <p:cSld>
+    <p:spTree>
+      <p:nvGrpSpPr>
+        <p:cNvPr id="1" name=""/>
+        <p:cNvGrpSpPr/>
+        <p:nvPr/>
+      </p:nvGrpSpPr>
+      <p:grpSpPr>
+        <a:xfrm>
+          <a:off x="0" y="0"/>
+          <a:ext cx="0" cy="0"/>
+          <a:chOff x="0" y="0"/>
+          <a:chExt cx="0" cy="0"/>
+        </a:xfrm>
+      </p:grpSpPr>
       <p:sp>
         <p:nvSpPr>
           <p:cNvPr id="145" name="PlaceHolder 3"/>
@@ -10138,6 +11829,91 @@
           </a:p>
           <a:p>
             <a:endParaRPr lang="it-IT" dirty="0"/>
+          </a:p>
+        </p:txBody>
+      </p:sp>
+      <p:sp>
+        <p:nvSpPr>
+          <p:cNvPr id="2" name="PlaceHolder 1">
+            <a:extLst>
+              <a:ext uri="{FF2B5EF4-FFF2-40B4-BE49-F238E27FC236}">
+                <a16:creationId xmlns:a16="http://schemas.microsoft.com/office/drawing/2014/main" id="{8210E6CE-8799-175C-0A1C-E7164CB10151}"/>
+              </a:ext>
+            </a:extLst>
+          </p:cNvPr>
+          <p:cNvSpPr txBox="1">
+            <a:spLocks/>
+          </p:cNvSpPr>
+          <p:nvPr/>
+        </p:nvSpPr>
+        <p:spPr>
+          <a:xfrm>
+            <a:off x="328680" y="6607440"/>
+            <a:ext cx="10119600" cy="249840"/>
+          </a:xfrm>
+          <a:prstGeom prst="rect">
+            <a:avLst/>
+          </a:prstGeom>
+          <a:noFill/>
+          <a:ln w="0">
+            <a:noFill/>
+          </a:ln>
+        </p:spPr>
+        <p:txBody>
+          <a:bodyPr lIns="90000" tIns="45000" rIns="90000" bIns="45000" anchor="t">
+            <a:noAutofit/>
+          </a:bodyPr>
+          <a:lstStyle>
+            <a:lvl1pPr algn="l" defTabSz="914400" rtl="0" eaLnBrk="1" latinLnBrk="0" hangingPunct="1">
+              <a:lnSpc>
+                <a:spcPct val="90000"/>
+              </a:lnSpc>
+              <a:spcBef>
+                <a:spcPct val="0"/>
+              </a:spcBef>
+              <a:buNone/>
+              <a:defRPr sz="4400" kern="1200">
+                <a:solidFill>
+                  <a:schemeClr val="tx1"/>
+                </a:solidFill>
+                <a:latin typeface="+mj-lt"/>
+                <a:ea typeface="+mj-ea"/>
+                <a:cs typeface="+mj-cs"/>
+              </a:defRPr>
+            </a:lvl1pPr>
+          </a:lstStyle>
+          <a:p>
+            <a:pPr marL="228600" indent="-228600">
+              <a:spcBef>
+                <a:spcPts val="1001"/>
+              </a:spcBef>
+              <a:tabLst>
+                <a:tab pos="0" algn="l"/>
+              </a:tabLst>
+            </a:pPr>
+            <a:r>
+              <a:rPr lang="it-IT" sz="1100" spc="-1" dirty="0">
+                <a:solidFill>
+                  <a:srgbClr val="FFFFFF"/>
+                </a:solidFill>
+                <a:latin typeface="Verdana"/>
+                <a:ea typeface="Verdana"/>
+              </a:rPr>
+              <a:t>Controllo tramite Potenziali Artificiali di un Rover con marker </a:t>
+            </a:r>
+            <a:r>
+              <a:rPr lang="it-IT" sz="1100" spc="-1" dirty="0" err="1">
+                <a:solidFill>
+                  <a:srgbClr val="FFFFFF"/>
+                </a:solidFill>
+                <a:latin typeface="Verdana"/>
+                <a:ea typeface="Verdana"/>
+              </a:rPr>
+              <a:t>ArUco</a:t>
+            </a:r>
+            <a:endParaRPr lang="it-IT" sz="1100" spc="-1" dirty="0">
+              <a:latin typeface="Arial"/>
+            </a:endParaRPr>
           </a:p>
         </p:txBody>
       </p:sp>
@@ -10208,16 +11984,46 @@
               </a:tabLst>
             </a:pPr>
             <a:r>
-              <a:rPr lang="it-IT" sz="1100" b="0" strike="noStrike" spc="-1">
+              <a:rPr lang="it-IT" sz="1100" b="0" strike="noStrike" spc="-1" dirty="0">
                 <a:solidFill>
                   <a:srgbClr val="FFFFFF"/>
                 </a:solidFill>
                 <a:latin typeface="Verdana"/>
                 <a:ea typeface="Verdana"/>
               </a:rPr>
-              <a:t>Controllo visivo in Sliding Mode di un Rover</a:t>
-            </a:r>
-            <a:endParaRPr lang="it-IT" sz="1100" b="0" strike="noStrike" spc="-1">
+              <a:t>Controllo tramite Potenziali </a:t>
+            </a:r>
+            <a:r>
+              <a:rPr lang="it-IT" sz="1100" spc="-1" dirty="0">
+                <a:solidFill>
+                  <a:srgbClr val="FFFFFF"/>
+                </a:solidFill>
+                <a:latin typeface="Verdana"/>
+                <a:ea typeface="Verdana"/>
+              </a:rPr>
+              <a:t>A</a:t>
+            </a:r>
+            <a:r>
+              <a:rPr lang="it-IT" sz="1100" b="0" strike="noStrike" spc="-1" dirty="0">
+                <a:solidFill>
+                  <a:srgbClr val="FFFFFF"/>
+                </a:solidFill>
+                <a:latin typeface="Verdana"/>
+                <a:ea typeface="Verdana"/>
+              </a:rPr>
+              <a:t>rtificiali di un Rover con marker </a:t>
+            </a:r>
+            <a:r>
+              <a:rPr lang="it-IT" sz="1100" b="0" strike="noStrike" spc="-1" dirty="0" err="1">
+                <a:solidFill>
+                  <a:srgbClr val="FFFFFF"/>
+                </a:solidFill>
+                <a:latin typeface="Verdana"/>
+                <a:ea typeface="Verdana"/>
+              </a:rPr>
+              <a:t>ArUco</a:t>
+            </a:r>
+            <a:endParaRPr lang="it-IT" sz="1100" b="0" strike="noStrike" spc="-1" dirty="0">
               <a:latin typeface="Arial"/>
             </a:endParaRPr>
           </a:p>
@@ -10312,7 +12118,7 @@
         <p:spPr>
           <a:xfrm>
             <a:off x="7052042" y="1811880"/>
-            <a:ext cx="3504650" cy="3693319"/>
+            <a:ext cx="3504650" cy="3416320"/>
           </a:xfrm>
           <a:prstGeom prst="rect">
             <a:avLst/>
@@ -10398,7 +12204,7 @@
             </a:r>
             <a:r>
               <a:rPr lang="it-IT" dirty="0"/>
-              <a:t>terzo: comandato tramite la </a:t>
+              <a:t>terzo </a:t>
             </a:r>
           </a:p>
           <a:p>
@@ -10558,6 +12364,186 @@
           </a:prstGeom>
         </p:spPr>
       </p:pic>
+      <p:sp>
+        <p:nvSpPr>
+          <p:cNvPr id="3" name="CasellaDiTesto 2">
+            <a:extLst>
+              <a:ext uri="{FF2B5EF4-FFF2-40B4-BE49-F238E27FC236}">
+                <a16:creationId xmlns:a16="http://schemas.microsoft.com/office/drawing/2014/main" id="{209DD796-608C-28C2-E65A-492D3DE3F186}"/>
+              </a:ext>
+            </a:extLst>
+          </p:cNvPr>
+          <p:cNvSpPr txBox="1"/>
+          <p:nvPr/>
+        </p:nvSpPr>
+        <p:spPr>
+          <a:xfrm>
+            <a:off x="393970" y="2234232"/>
+            <a:ext cx="6468894" cy="2585323"/>
+          </a:xfrm>
+          <a:prstGeom prst="rect">
+            <a:avLst/>
+          </a:prstGeom>
+          <a:noFill/>
+        </p:spPr>
+        <p:txBody>
+          <a:bodyPr wrap="square" rtlCol="0">
+            <a:spAutoFit/>
+          </a:bodyPr>
+          <a:lstStyle/>
+          <a:p>
+            <a:r>
+              <a:rPr lang="it-IT" dirty="0"/>
+              <a:t>L'obiettivo del progetto è far convergere il rover a rette le cui equazioni sono dinamicamente calcolate, evitando al contempo gli ostacoli inseriti nelle traiettorie percorse dal rover.  </a:t>
+            </a:r>
+          </a:p>
+          <a:p>
+            <a:r>
+              <a:rPr lang="it-IT" dirty="0"/>
+              <a:t>Le rette sono definite a  partire dai marker </a:t>
+            </a:r>
+            <a:r>
+              <a:rPr lang="it-IT" dirty="0" err="1"/>
+              <a:t>ArUco</a:t>
+            </a:r>
+            <a:r>
+              <a:rPr lang="it-IT" dirty="0"/>
+              <a:t> i quali vengono riconosciuti tramite tecniche di visione </a:t>
+            </a:r>
+            <a:r>
+              <a:rPr lang="it-IT" dirty="0" err="1"/>
+              <a:t>artificial</a:t>
+            </a:r>
+            <a:r>
+              <a:rPr lang="it-IT" dirty="0"/>
+              <a:t>.</a:t>
+            </a:r>
+          </a:p>
+          <a:p>
+            <a:r>
+              <a:rPr lang="it-IT" dirty="0"/>
+              <a:t>Per la parte di </a:t>
+            </a:r>
+            <a:r>
+              <a:rPr lang="it-IT" dirty="0" err="1"/>
+              <a:t>obstacle</a:t>
+            </a:r>
+            <a:r>
+              <a:rPr lang="it-IT" dirty="0"/>
+              <a:t> </a:t>
+            </a:r>
+            <a:r>
+              <a:rPr lang="it-IT" dirty="0" err="1"/>
+              <a:t>avoidance</a:t>
+            </a:r>
+            <a:r>
+              <a:rPr lang="it-IT" dirty="0"/>
+              <a:t> sono stati implementati algoritmi che fanno uso di potenziali artificiali (</a:t>
+            </a:r>
+            <a:r>
+              <a:rPr lang="it-IT" dirty="0" err="1"/>
+              <a:t>Artificial</a:t>
+            </a:r>
+            <a:r>
+              <a:rPr lang="it-IT" dirty="0"/>
+              <a:t> </a:t>
+            </a:r>
+            <a:r>
+              <a:rPr lang="it-IT" dirty="0" err="1"/>
+              <a:t>Potential</a:t>
+            </a:r>
+            <a:r>
+              <a:rPr lang="it-IT" dirty="0"/>
+              <a:t> Field).</a:t>
+            </a:r>
+          </a:p>
+        </p:txBody>
+      </p:sp>
+      <p:sp>
+        <p:nvSpPr>
+          <p:cNvPr id="5" name="PlaceHolder 1">
+            <a:extLst>
+              <a:ext uri="{FF2B5EF4-FFF2-40B4-BE49-F238E27FC236}">
+                <a16:creationId xmlns:a16="http://schemas.microsoft.com/office/drawing/2014/main" id="{8F5A6094-8EE4-F7CD-70A6-C6E22D4EFA42}"/>
+              </a:ext>
+            </a:extLst>
+          </p:cNvPr>
+          <p:cNvSpPr txBox="1">
+            <a:spLocks/>
+          </p:cNvSpPr>
+          <p:nvPr/>
+        </p:nvSpPr>
+        <p:spPr>
+          <a:xfrm>
+            <a:off x="328680" y="6607440"/>
+            <a:ext cx="10119600" cy="249840"/>
+          </a:xfrm>
+          <a:prstGeom prst="rect">
+            <a:avLst/>
+          </a:prstGeom>
+          <a:noFill/>
+          <a:ln w="0">
+            <a:noFill/>
+          </a:ln>
+        </p:spPr>
+        <p:txBody>
+          <a:bodyPr lIns="90000" tIns="45000" rIns="90000" bIns="45000" anchor="t">
+            <a:noAutofit/>
+          </a:bodyPr>
+          <a:lstStyle>
+            <a:lvl1pPr algn="l" defTabSz="914400" rtl="0" eaLnBrk="1" latinLnBrk="0" hangingPunct="1">
+              <a:lnSpc>
+                <a:spcPct val="90000"/>
+              </a:lnSpc>
+              <a:spcBef>
+                <a:spcPct val="0"/>
+              </a:spcBef>
+              <a:buNone/>
+              <a:defRPr sz="4400" kern="1200">
+                <a:solidFill>
+                  <a:schemeClr val="tx1"/>
+                </a:solidFill>
+                <a:latin typeface="+mj-lt"/>
+                <a:ea typeface="+mj-ea"/>
+                <a:cs typeface="+mj-cs"/>
+              </a:defRPr>
+            </a:lvl1pPr>
+          </a:lstStyle>
+          <a:p>
+            <a:pPr marL="228600" indent="-228600">
+              <a:spcBef>
+                <a:spcPts val="1001"/>
+              </a:spcBef>
+              <a:tabLst>
+                <a:tab pos="0" algn="l"/>
+              </a:tabLst>
+            </a:pPr>
+            <a:r>
+              <a:rPr lang="it-IT" sz="1100" spc="-1" dirty="0">
+                <a:solidFill>
+                  <a:srgbClr val="FFFFFF"/>
+                </a:solidFill>
+                <a:latin typeface="Verdana"/>
+                <a:ea typeface="Verdana"/>
+              </a:rPr>
+              <a:t>Controllo tramite Potenziali Artificiali di un Rover con marker </a:t>
+            </a:r>
+            <a:r>
+              <a:rPr lang="it-IT" sz="1100" spc="-1" dirty="0" err="1">
+                <a:solidFill>
+                  <a:srgbClr val="FFFFFF"/>
+                </a:solidFill>
+                <a:latin typeface="Verdana"/>
+                <a:ea typeface="Verdana"/>
+              </a:rPr>
+              <a:t>ArUco</a:t>
+            </a:r>
+            <a:endParaRPr lang="it-IT" sz="1100" spc="-1" dirty="0">
+              <a:latin typeface="Arial"/>
+            </a:endParaRPr>
+          </a:p>
+        </p:txBody>
+      </p:sp>
     </p:spTree>
     <p:extLst>
       <p:ext uri="{BB962C8B-B14F-4D97-AF65-F5344CB8AC3E}">
@@ -10590,63 +12576,6 @@
       </p:grpSpPr>
       <p:sp>
         <p:nvSpPr>
-          <p:cNvPr id="93" name="PlaceHolder 1"/>
-          <p:cNvSpPr>
-            <a:spLocks noGrp="1"/>
-          </p:cNvSpPr>
-          <p:nvPr>
-            <p:ph/>
-          </p:nvPr>
-        </p:nvSpPr>
-        <p:spPr>
-          <a:xfrm>
-            <a:off x="328680" y="6607440"/>
-            <a:ext cx="10119600" cy="249840"/>
-          </a:xfrm>
-          <a:prstGeom prst="rect">
-            <a:avLst/>
-          </a:prstGeom>
-          <a:noFill/>
-          <a:ln w="0">
-            <a:noFill/>
-          </a:ln>
-        </p:spPr>
-        <p:txBody>
-          <a:bodyPr lIns="90000" tIns="45000" rIns="90000" bIns="45000" anchor="t">
-            <a:noAutofit/>
-          </a:bodyPr>
-          <a:lstStyle/>
-          <a:p>
-            <a:pPr marL="228600" indent="-228600">
-              <a:lnSpc>
-                <a:spcPct val="90000"/>
-              </a:lnSpc>
-              <a:spcBef>
-                <a:spcPts val="1001"/>
-              </a:spcBef>
-              <a:buNone/>
-              <a:tabLst>
-                <a:tab pos="0" algn="l"/>
-              </a:tabLst>
-            </a:pPr>
-            <a:r>
-              <a:rPr lang="it-IT" sz="1100" b="0" strike="noStrike" spc="-1">
-                <a:solidFill>
-                  <a:srgbClr val="FFFFFF"/>
-                </a:solidFill>
-                <a:latin typeface="Verdana"/>
-                <a:ea typeface="Verdana"/>
-              </a:rPr>
-              <a:t>Controllo visivo in Sliding Mode di un Rover</a:t>
-            </a:r>
-            <a:endParaRPr lang="it-IT" sz="1100" b="0" strike="noStrike" spc="-1">
-              <a:latin typeface="Arial"/>
-            </a:endParaRPr>
-          </a:p>
-        </p:txBody>
-      </p:sp>
-      <p:sp>
-        <p:nvSpPr>
           <p:cNvPr id="95" name="PlaceHolder 3"/>
           <p:cNvSpPr>
             <a:spLocks noGrp="1"/>
@@ -10704,8 +12633,8 @@
         </p:nvSpPr>
         <p:spPr>
           <a:xfrm>
-            <a:off x="1127880" y="4680000"/>
-            <a:ext cx="10031760" cy="1330200"/>
+            <a:off x="3880808" y="1384920"/>
+            <a:ext cx="7374094" cy="2476961"/>
           </a:xfrm>
           <a:prstGeom prst="rect">
             <a:avLst/>
@@ -10753,7 +12682,7 @@
                 <a:latin typeface="Verdana"/>
                 <a:ea typeface="Verdana"/>
               </a:rPr>
-              <a:t>Immagine/ discorso che tramite </a:t>
+              <a:t>Tramite la libreria </a:t>
             </a:r>
             <a:r>
               <a:rPr lang="it-IT" sz="1800" b="0" strike="noStrike" spc="-1" dirty="0" err="1">
@@ -10773,59 +12702,44 @@
                 <a:latin typeface="Verdana"/>
                 <a:ea typeface="Verdana"/>
               </a:rPr>
-              <a:t> dall’immagine si ricava la posizione in terna camera del marker e l’id</a:t>
-            </a:r>
-            <a:endParaRPr lang="it-IT" sz="1800" b="0" strike="noStrike" spc="-1" dirty="0">
-              <a:latin typeface="Arial"/>
-            </a:endParaRPr>
-          </a:p>
-        </p:txBody>
-      </p:sp>
-      <p:sp>
-        <p:nvSpPr>
-          <p:cNvPr id="97" name="Segnaposto testo 29"/>
-          <p:cNvSpPr/>
-          <p:nvPr/>
-        </p:nvSpPr>
-        <p:spPr>
-          <a:xfrm>
-            <a:off x="7855560" y="1729440"/>
-            <a:ext cx="2404080" cy="2590200"/>
-          </a:xfrm>
-          <a:prstGeom prst="rect">
-            <a:avLst/>
-          </a:prstGeom>
-          <a:noFill/>
-          <a:ln w="0">
-            <a:noFill/>
-          </a:ln>
-        </p:spPr>
-        <p:style>
-          <a:lnRef idx="0">
-            <a:scrgbClr r="0" g="0" b="0"/>
-          </a:lnRef>
-          <a:fillRef idx="0">
-            <a:scrgbClr r="0" g="0" b="0"/>
-          </a:fillRef>
-          <a:effectRef idx="0">
-            <a:scrgbClr r="0" g="0" b="0"/>
-          </a:effectRef>
-          <a:fontRef idx="minor"/>
-        </p:style>
-        <p:txBody>
-          <a:bodyPr lIns="90000" tIns="45000" rIns="90000" bIns="45000" anchor="t">
-            <a:noAutofit/>
-          </a:bodyPr>
-          <a:lstStyle/>
-          <a:p>
-            <a:pPr marL="7920">
+              <a:t> è possibile:</a:t>
+            </a:r>
+          </a:p>
+          <a:p>
+            <a:pPr marL="293670" indent="-285750">
               <a:lnSpc>
                 <a:spcPct val="150000"/>
               </a:lnSpc>
               <a:spcBef>
                 <a:spcPts val="1001"/>
               </a:spcBef>
-              <a:buNone/>
+              <a:buFont typeface="Arial" panose="020B0604020202020204" pitchFamily="34" charset="0"/>
+              <a:buChar char="•"/>
+              <a:tabLst>
+                <a:tab pos="0" algn="l"/>
+              </a:tabLst>
+            </a:pPr>
+            <a:r>
+              <a:rPr lang="it-IT" spc="-1" dirty="0">
+                <a:solidFill>
+                  <a:srgbClr val="000000"/>
+                </a:solidFill>
+                <a:latin typeface="Verdana"/>
+                <a:ea typeface="Verdana"/>
+              </a:rPr>
+              <a:t>Rilevare la presenza di un marker nell’immagine</a:t>
+            </a:r>
+          </a:p>
+          <a:p>
+            <a:pPr marL="293670" indent="-285750">
+              <a:lnSpc>
+                <a:spcPct val="150000"/>
+              </a:lnSpc>
+              <a:spcBef>
+                <a:spcPts val="1001"/>
+              </a:spcBef>
+              <a:buFont typeface="Arial" panose="020B0604020202020204" pitchFamily="34" charset="0"/>
+              <a:buChar char="•"/>
               <a:tabLst>
                 <a:tab pos="0" algn="l"/>
               </a:tabLst>
@@ -10838,10 +12752,49 @@
                 <a:latin typeface="Verdana"/>
                 <a:ea typeface="Verdana"/>
               </a:rPr>
-              <a:t>Immagine terna marker </a:t>
+              <a:t>Determinare l’id del marker </a:t>
+            </a:r>
+          </a:p>
+          <a:p>
+            <a:pPr marL="293670" indent="-285750">
+              <a:lnSpc>
+                <a:spcPct val="150000"/>
+              </a:lnSpc>
+              <a:spcBef>
+                <a:spcPts val="1001"/>
+              </a:spcBef>
+              <a:buFont typeface="Arial" panose="020B0604020202020204" pitchFamily="34" charset="0"/>
+              <a:buChar char="•"/>
+              <a:tabLst>
+                <a:tab pos="0" algn="l"/>
+              </a:tabLst>
+            </a:pPr>
+            <a:r>
+              <a:rPr lang="it-IT" spc="-1" dirty="0">
+                <a:solidFill>
+                  <a:srgbClr val="000000"/>
+                </a:solidFill>
+                <a:latin typeface="Verdana"/>
+                <a:ea typeface="Verdana"/>
+              </a:rPr>
+              <a:t>Ricavare la posizione in terna camera dell’</a:t>
+            </a:r>
+            <a:r>
+              <a:rPr lang="it-IT" spc="-1" dirty="0" err="1">
+                <a:solidFill>
+                  <a:srgbClr val="000000"/>
+                </a:solidFill>
+                <a:latin typeface="Verdana"/>
+                <a:ea typeface="Verdana"/>
+              </a:rPr>
+              <a:t>ArUco</a:t>
             </a:r>
             <a:endParaRPr lang="it-IT" sz="1800" b="0" strike="noStrike" spc="-1" dirty="0">
-              <a:latin typeface="Arial"/>
+              <a:solidFill>
+                <a:srgbClr val="000000"/>
+              </a:solidFill>
+              <a:latin typeface="Verdana"/>
+              <a:ea typeface="Verdana"/>
             </a:endParaRPr>
           </a:p>
         </p:txBody>
@@ -10874,8 +12827,8 @@
         </p:blipFill>
         <p:spPr>
           <a:xfrm>
-            <a:off x="775800" y="1468878"/>
-            <a:ext cx="2716986" cy="3162010"/>
+            <a:off x="8294451" y="3606428"/>
+            <a:ext cx="2716986" cy="2879386"/>
           </a:xfrm>
           <a:prstGeom prst="rect">
             <a:avLst/>
@@ -10885,6 +12838,127 @@
           </a:ln>
         </p:spPr>
       </p:pic>
+      <p:pic>
+        <p:nvPicPr>
+          <p:cNvPr id="3" name="Immagine 2" descr="Immagine che contiene pavimento, terreno, interno&#10;&#10;Descrizione generata automaticamente">
+            <a:extLst>
+              <a:ext uri="{FF2B5EF4-FFF2-40B4-BE49-F238E27FC236}">
+                <a16:creationId xmlns:a16="http://schemas.microsoft.com/office/drawing/2014/main" id="{98C748FF-F58C-9806-0AB7-FA5705EFD621}"/>
+              </a:ext>
+            </a:extLst>
+          </p:cNvPr>
+          <p:cNvPicPr>
+            <a:picLocks noChangeAspect="1"/>
+          </p:cNvPicPr>
+          <p:nvPr/>
+        </p:nvPicPr>
+        <p:blipFill>
+          <a:blip r:embed="rId4">
+            <a:extLst>
+              <a:ext uri="{28A0092B-C50C-407E-A947-70E740481C1C}">
+                <a14:useLocalDpi xmlns:a14="http://schemas.microsoft.com/office/drawing/2010/main" val="0"/>
+              </a:ext>
+            </a:extLst>
+          </a:blip>
+          <a:stretch>
+            <a:fillRect/>
+          </a:stretch>
+        </p:blipFill>
+        <p:spPr>
+          <a:xfrm>
+            <a:off x="243190" y="1530282"/>
+            <a:ext cx="3033635" cy="4044846"/>
+          </a:xfrm>
+          <a:prstGeom prst="rect">
+            <a:avLst/>
+          </a:prstGeom>
+        </p:spPr>
+      </p:pic>
+      <p:sp>
+        <p:nvSpPr>
+          <p:cNvPr id="10" name="PlaceHolder 1">
+            <a:extLst>
+              <a:ext uri="{FF2B5EF4-FFF2-40B4-BE49-F238E27FC236}">
+                <a16:creationId xmlns:a16="http://schemas.microsoft.com/office/drawing/2014/main" id="{5F5CD2BD-421B-55A4-5AD8-9D9AD7C8C8CC}"/>
+              </a:ext>
+            </a:extLst>
+          </p:cNvPr>
+          <p:cNvSpPr txBox="1">
+            <a:spLocks/>
+          </p:cNvSpPr>
+          <p:nvPr/>
+        </p:nvSpPr>
+        <p:spPr>
+          <a:xfrm>
+            <a:off x="328680" y="6607440"/>
+            <a:ext cx="10119600" cy="249840"/>
+          </a:xfrm>
+          <a:prstGeom prst="rect">
+            <a:avLst/>
+          </a:prstGeom>
+          <a:noFill/>
+          <a:ln w="0">
+            <a:noFill/>
+          </a:ln>
+        </p:spPr>
+        <p:txBody>
+          <a:bodyPr lIns="90000" tIns="45000" rIns="90000" bIns="45000" anchor="t">
+            <a:noAutofit/>
+          </a:bodyPr>
+          <a:lstStyle>
+            <a:lvl1pPr algn="l" defTabSz="914400" rtl="0" eaLnBrk="1" latinLnBrk="0" hangingPunct="1">
+              <a:lnSpc>
+                <a:spcPct val="90000"/>
+              </a:lnSpc>
+              <a:spcBef>
+                <a:spcPct val="0"/>
+              </a:spcBef>
+              <a:buNone/>
+              <a:defRPr sz="4400" kern="1200">
+                <a:solidFill>
+                  <a:schemeClr val="tx1"/>
+                </a:solidFill>
+                <a:latin typeface="+mj-lt"/>
+                <a:ea typeface="+mj-ea"/>
+                <a:cs typeface="+mj-cs"/>
+              </a:defRPr>
+            </a:lvl1pPr>
+          </a:lstStyle>
+          <a:p>
+            <a:pPr marL="228600" indent="-228600">
+              <a:spcBef>
+                <a:spcPts val="1001"/>
+              </a:spcBef>
+              <a:tabLst>
+                <a:tab pos="0" algn="l"/>
+              </a:tabLst>
+            </a:pPr>
+            <a:r>
+              <a:rPr lang="it-IT" sz="1100" spc="-1" dirty="0">
+                <a:solidFill>
+                  <a:srgbClr val="FFFFFF"/>
+                </a:solidFill>
+                <a:latin typeface="Verdana"/>
+                <a:ea typeface="Verdana"/>
+              </a:rPr>
+              <a:t>Controllo tramite Potenziali Artificiali di un Rover con marker </a:t>
+            </a:r>
+            <a:r>
+              <a:rPr lang="it-IT" sz="1100" spc="-1" dirty="0" err="1">
+                <a:solidFill>
+                  <a:srgbClr val="FFFFFF"/>
+                </a:solidFill>
+                <a:latin typeface="Verdana"/>
+                <a:ea typeface="Verdana"/>
+              </a:rPr>
+              <a:t>ArUco</a:t>
+            </a:r>
+            <a:endParaRPr lang="it-IT" sz="1100" spc="-1" dirty="0">
+              <a:latin typeface="Arial"/>
+            </a:endParaRPr>
+          </a:p>
+        </p:txBody>
+      </p:sp>
     </p:spTree>
   </p:cSld>
   <p:clrMapOvr>
@@ -10912,63 +12986,6 @@
       </p:grpSpPr>
       <p:sp>
         <p:nvSpPr>
-          <p:cNvPr id="98" name="PlaceHolder 1"/>
-          <p:cNvSpPr>
-            <a:spLocks noGrp="1"/>
-          </p:cNvSpPr>
-          <p:nvPr>
-            <p:ph/>
-          </p:nvPr>
-        </p:nvSpPr>
-        <p:spPr>
-          <a:xfrm>
-            <a:off x="328680" y="6607440"/>
-            <a:ext cx="10119600" cy="249840"/>
-          </a:xfrm>
-          <a:prstGeom prst="rect">
-            <a:avLst/>
-          </a:prstGeom>
-          <a:noFill/>
-          <a:ln w="0">
-            <a:noFill/>
-          </a:ln>
-        </p:spPr>
-        <p:txBody>
-          <a:bodyPr lIns="90000" tIns="45000" rIns="90000" bIns="45000" anchor="t">
-            <a:noAutofit/>
-          </a:bodyPr>
-          <a:lstStyle/>
-          <a:p>
-            <a:pPr marL="228600" indent="-228600">
-              <a:lnSpc>
-                <a:spcPct val="90000"/>
-              </a:lnSpc>
-              <a:spcBef>
-                <a:spcPts val="1001"/>
-              </a:spcBef>
-              <a:buNone/>
-              <a:tabLst>
-                <a:tab pos="0" algn="l"/>
-              </a:tabLst>
-            </a:pPr>
-            <a:r>
-              <a:rPr lang="it-IT" sz="1100" b="0" strike="noStrike" spc="-1">
-                <a:solidFill>
-                  <a:srgbClr val="FFFFFF"/>
-                </a:solidFill>
-                <a:latin typeface="Verdana"/>
-                <a:ea typeface="Verdana"/>
-              </a:rPr>
-              <a:t>Controllo visivo in Sliding Mode di un Rover</a:t>
-            </a:r>
-            <a:endParaRPr lang="it-IT" sz="1100" b="0" strike="noStrike" spc="-1">
-              <a:latin typeface="Arial"/>
-            </a:endParaRPr>
-          </a:p>
-        </p:txBody>
-      </p:sp>
-      <p:sp>
-        <p:nvSpPr>
           <p:cNvPr id="99" name="PlaceHolder 2"/>
           <p:cNvSpPr>
             <a:spLocks noGrp="1"/>
@@ -11020,121 +13037,49 @@
       </p:sp>
       <p:pic>
         <p:nvPicPr>
-          <p:cNvPr id="101" name="Elemento grafico 14"/>
-          <p:cNvPicPr/>
-          <p:nvPr/>
-        </p:nvPicPr>
-        <p:blipFill>
-          <a:blip r:embed="rId3"/>
-          <a:stretch/>
-        </p:blipFill>
-        <p:spPr>
-          <a:xfrm>
-            <a:off x="7175823" y="3273034"/>
-            <a:ext cx="3965419" cy="738531"/>
-          </a:xfrm>
-          <a:prstGeom prst="rect">
-            <a:avLst/>
-          </a:prstGeom>
-          <a:ln w="0">
-            <a:noFill/>
-          </a:ln>
-        </p:spPr>
-      </p:pic>
-      <p:pic>
-        <p:nvPicPr>
-          <p:cNvPr id="102" name="Elemento grafico 16"/>
-          <p:cNvPicPr/>
-          <p:nvPr/>
-        </p:nvPicPr>
-        <p:blipFill>
-          <a:blip r:embed="rId4"/>
-          <a:stretch/>
-        </p:blipFill>
-        <p:spPr>
-          <a:xfrm>
-            <a:off x="7984032" y="4627382"/>
-            <a:ext cx="2349000" cy="325080"/>
-          </a:xfrm>
-          <a:prstGeom prst="rect">
-            <a:avLst/>
-          </a:prstGeom>
-          <a:ln w="0">
-            <a:noFill/>
-          </a:ln>
-        </p:spPr>
-      </p:pic>
-      <p:sp>
-        <p:nvSpPr>
-          <p:cNvPr id="103" name="Segnaposto testo 30"/>
-          <p:cNvSpPr/>
-          <p:nvPr/>
-        </p:nvSpPr>
-        <p:spPr>
-          <a:xfrm>
-            <a:off x="8640000" y="4969440"/>
-            <a:ext cx="2404080" cy="1330200"/>
-          </a:xfrm>
-          <a:prstGeom prst="rect">
-            <a:avLst/>
-          </a:prstGeom>
-          <a:noFill/>
-          <a:ln w="0">
-            <a:noFill/>
-          </a:ln>
-        </p:spPr>
-        <p:style>
-          <a:lnRef idx="0">
-            <a:scrgbClr r="0" g="0" b="0"/>
-          </a:lnRef>
-          <a:fillRef idx="0">
-            <a:scrgbClr r="0" g="0" b="0"/>
-          </a:fillRef>
-          <a:effectRef idx="0">
-            <a:scrgbClr r="0" g="0" b="0"/>
-          </a:effectRef>
-          <a:fontRef idx="minor"/>
-        </p:style>
-        <p:txBody>
-          <a:bodyPr lIns="90000" tIns="45000" rIns="90000" bIns="45000" anchor="t">
-            <a:noAutofit/>
-          </a:bodyPr>
-          <a:lstStyle/>
-          <a:p>
-            <a:pPr marL="7920">
-              <a:lnSpc>
-                <a:spcPct val="150000"/>
-              </a:lnSpc>
-              <a:spcBef>
-                <a:spcPts val="1001"/>
-              </a:spcBef>
-              <a:buNone/>
-              <a:tabLst>
-                <a:tab pos="0" algn="l"/>
-              </a:tabLst>
-            </a:pPr>
-            <a:r>
-              <a:rPr lang="it-IT" sz="1800" b="0" strike="noStrike" spc="-1">
-                <a:solidFill>
-                  <a:srgbClr val="000000"/>
-                </a:solidFill>
-                <a:latin typeface="Verdana"/>
-                <a:ea typeface="Verdana"/>
-              </a:rPr>
-              <a:t>Spiegazione direzioni date dall’id </a:t>
-            </a:r>
-            <a:endParaRPr lang="it-IT" sz="1800" b="0" strike="noStrike" spc="-1">
-              <a:latin typeface="Arial"/>
-            </a:endParaRPr>
-          </a:p>
-        </p:txBody>
-      </p:sp>
-      <p:pic>
-        <p:nvPicPr>
           <p:cNvPr id="3" name="Elemento grafico 2">
             <a:extLst>
               <a:ext uri="{FF2B5EF4-FFF2-40B4-BE49-F238E27FC236}">
                 <a16:creationId xmlns:a16="http://schemas.microsoft.com/office/drawing/2014/main" id="{CEAAB3B8-B881-EC4F-96C9-37AD63763003}"/>
+              </a:ext>
+            </a:extLst>
+          </p:cNvPr>
+          <p:cNvPicPr>
+            <a:picLocks noChangeAspect="1"/>
+          </p:cNvPicPr>
+          <p:nvPr/>
+        </p:nvPicPr>
+        <p:blipFill>
+          <a:blip r:embed="rId3">
+            <a:extLst>
+              <a:ext uri="{28A0092B-C50C-407E-A947-70E740481C1C}">
+                <a14:useLocalDpi xmlns:a14="http://schemas.microsoft.com/office/drawing/2010/main" val="0"/>
+              </a:ext>
+              <a:ext uri="{96DAC541-7B7A-43D3-8B79-37D633B846F1}">
+                <asvg:svgBlip xmlns:asvg="http://schemas.microsoft.com/office/drawing/2016/SVG/main" r:embed="rId4"/>
+              </a:ext>
+            </a:extLst>
+          </a:blip>
+          <a:stretch>
+            <a:fillRect/>
+          </a:stretch>
+        </p:blipFill>
+        <p:spPr>
+          <a:xfrm>
+            <a:off x="399960" y="4232947"/>
+            <a:ext cx="1587379" cy="556975"/>
+          </a:xfrm>
+          <a:prstGeom prst="rect">
+            <a:avLst/>
+          </a:prstGeom>
+        </p:spPr>
+      </p:pic>
+      <p:pic>
+        <p:nvPicPr>
+          <p:cNvPr id="5" name="Elemento grafico 4">
+            <a:extLst>
+              <a:ext uri="{FF2B5EF4-FFF2-40B4-BE49-F238E27FC236}">
+                <a16:creationId xmlns:a16="http://schemas.microsoft.com/office/drawing/2014/main" id="{6020FDCF-CC21-694F-B03A-672EF4482A50}"/>
               </a:ext>
             </a:extLst>
           </p:cNvPr>
@@ -11160,8 +13105,8 @@
         </p:blipFill>
         <p:spPr>
           <a:xfrm>
-            <a:off x="399960" y="4232947"/>
-            <a:ext cx="1587379" cy="556975"/>
+            <a:off x="2729372" y="2119680"/>
+            <a:ext cx="1688940" cy="614160"/>
           </a:xfrm>
           <a:prstGeom prst="rect">
             <a:avLst/>
@@ -11170,10 +13115,10 @@
       </p:pic>
       <p:pic>
         <p:nvPicPr>
-          <p:cNvPr id="5" name="Elemento grafico 4">
+          <p:cNvPr id="9" name="Elemento grafico 8">
             <a:extLst>
               <a:ext uri="{FF2B5EF4-FFF2-40B4-BE49-F238E27FC236}">
-                <a16:creationId xmlns:a16="http://schemas.microsoft.com/office/drawing/2014/main" id="{6020FDCF-CC21-694F-B03A-672EF4482A50}"/>
+                <a16:creationId xmlns:a16="http://schemas.microsoft.com/office/drawing/2014/main" id="{D80C6BDB-0BFE-7648-9420-D5BD284FBAE5}"/>
               </a:ext>
             </a:extLst>
           </p:cNvPr>
@@ -11199,20 +13144,129 @@
         </p:blipFill>
         <p:spPr>
           <a:xfrm>
-            <a:off x="2729372" y="2119680"/>
-            <a:ext cx="1688940" cy="614160"/>
+            <a:off x="297799" y="1478958"/>
+            <a:ext cx="6218656" cy="4908635"/>
           </a:xfrm>
           <a:prstGeom prst="rect">
             <a:avLst/>
           </a:prstGeom>
         </p:spPr>
       </p:pic>
+      <p:sp>
+        <p:nvSpPr>
+          <p:cNvPr id="6" name="CasellaDiTesto 5">
+            <a:extLst>
+              <a:ext uri="{FF2B5EF4-FFF2-40B4-BE49-F238E27FC236}">
+                <a16:creationId xmlns:a16="http://schemas.microsoft.com/office/drawing/2014/main" id="{3B7F041A-3A21-EE9A-C1E4-9123B2F5C93E}"/>
+              </a:ext>
+            </a:extLst>
+          </p:cNvPr>
+          <p:cNvSpPr txBox="1"/>
+          <p:nvPr/>
+        </p:nvSpPr>
+        <p:spPr>
+          <a:xfrm>
+            <a:off x="6466463" y="3624716"/>
+            <a:ext cx="5252936" cy="1754326"/>
+          </a:xfrm>
+          <a:prstGeom prst="rect">
+            <a:avLst/>
+          </a:prstGeom>
+          <a:noFill/>
+        </p:spPr>
+        <p:txBody>
+          <a:bodyPr wrap="square" rtlCol="0">
+            <a:spAutoFit/>
+          </a:bodyPr>
+          <a:lstStyle/>
+          <a:p>
+            <a:r>
+              <a:rPr lang="it-IT" dirty="0"/>
+              <a:t>A partire dalle matrici di trasformazione:</a:t>
+            </a:r>
+          </a:p>
+          <a:p>
+            <a:pPr marL="285750" indent="-285750">
+              <a:buFont typeface="Arial" panose="020B0604020202020204" pitchFamily="34" charset="0"/>
+              <a:buChar char="•"/>
+            </a:pPr>
+            <a:r>
+              <a:rPr lang="it-IT" dirty="0"/>
+              <a:t>Terna fissa </a:t>
+            </a:r>
+            <a:r>
+              <a:rPr lang="it-IT" dirty="0">
+                <a:sym typeface="Wingdings" panose="05000000000000000000" pitchFamily="2" charset="2"/>
+              </a:rPr>
+              <a:t></a:t>
+            </a:r>
+            <a:r>
+              <a:rPr lang="it-IT" dirty="0"/>
+              <a:t> terna rover</a:t>
+            </a:r>
+          </a:p>
+          <a:p>
+            <a:pPr marL="285750" indent="-285750">
+              <a:buFont typeface="Arial" panose="020B0604020202020204" pitchFamily="34" charset="0"/>
+              <a:buChar char="•"/>
+            </a:pPr>
+            <a:r>
+              <a:rPr lang="it-IT" dirty="0"/>
+              <a:t>Terna rover </a:t>
+            </a:r>
+            <a:r>
+              <a:rPr lang="it-IT" dirty="0">
+                <a:sym typeface="Wingdings" panose="05000000000000000000" pitchFamily="2" charset="2"/>
+              </a:rPr>
+              <a:t> </a:t>
+            </a:r>
+            <a:r>
+              <a:rPr lang="it-IT" dirty="0"/>
+              <a:t>terna camera</a:t>
+            </a:r>
+          </a:p>
+          <a:p>
+            <a:pPr marL="285750" indent="-285750">
+              <a:buFont typeface="Arial" panose="020B0604020202020204" pitchFamily="34" charset="0"/>
+              <a:buChar char="•"/>
+            </a:pPr>
+            <a:r>
+              <a:rPr lang="it-IT" dirty="0"/>
+              <a:t>Terna camera </a:t>
+            </a:r>
+            <a:r>
+              <a:rPr lang="it-IT" dirty="0">
+                <a:sym typeface="Wingdings" panose="05000000000000000000" pitchFamily="2" charset="2"/>
+              </a:rPr>
+              <a:t> </a:t>
+            </a:r>
+            <a:r>
+              <a:rPr lang="it-IT" dirty="0"/>
+              <a:t>terna marker</a:t>
+            </a:r>
+          </a:p>
+          <a:p>
+            <a:r>
+              <a:rPr lang="it-IT" dirty="0"/>
+              <a:t>è possibile ricavare la posizione dell’</a:t>
+            </a:r>
+            <a:r>
+              <a:rPr lang="it-IT" dirty="0" err="1"/>
+              <a:t>ArUco</a:t>
+            </a:r>
+            <a:r>
+              <a:rPr lang="it-IT" dirty="0"/>
+              <a:t> in terna fissa.</a:t>
+            </a:r>
+          </a:p>
+        </p:txBody>
+      </p:sp>
       <p:pic>
         <p:nvPicPr>
-          <p:cNvPr id="9" name="Elemento grafico 8">
+          <p:cNvPr id="10" name="Elemento grafico 9">
             <a:extLst>
               <a:ext uri="{FF2B5EF4-FFF2-40B4-BE49-F238E27FC236}">
-                <a16:creationId xmlns:a16="http://schemas.microsoft.com/office/drawing/2014/main" id="{D80C6BDB-0BFE-7648-9420-D5BD284FBAE5}"/>
+                <a16:creationId xmlns:a16="http://schemas.microsoft.com/office/drawing/2014/main" id="{6BCF0C0E-7C63-EF8B-28AB-5D71740D4943}"/>
               </a:ext>
             </a:extLst>
           </p:cNvPr>
@@ -11238,8 +13292,8 @@
         </p:blipFill>
         <p:spPr>
           <a:xfrm>
-            <a:off x="297799" y="1478958"/>
-            <a:ext cx="6218656" cy="4908635"/>
+            <a:off x="3677382" y="4452299"/>
+            <a:ext cx="2048156" cy="924694"/>
           </a:xfrm>
           <a:prstGeom prst="rect">
             <a:avLst/>
@@ -11248,10 +13302,10 @@
       </p:pic>
       <p:pic>
         <p:nvPicPr>
-          <p:cNvPr id="4" name="Elemento grafico 3">
+          <p:cNvPr id="12" name="Elemento grafico 11">
             <a:extLst>
               <a:ext uri="{FF2B5EF4-FFF2-40B4-BE49-F238E27FC236}">
-                <a16:creationId xmlns:a16="http://schemas.microsoft.com/office/drawing/2014/main" id="{82303452-D37E-E64B-BD5C-E71A222DDF3D}"/>
+                <a16:creationId xmlns:a16="http://schemas.microsoft.com/office/drawing/2014/main" id="{866A0546-4850-F4E0-775F-0CD519A79D1C}"/>
               </a:ext>
             </a:extLst>
           </p:cNvPr>
@@ -11277,53 +13331,99 @@
         </p:blipFill>
         <p:spPr>
           <a:xfrm>
-            <a:off x="6585178" y="1332533"/>
-            <a:ext cx="5168710" cy="1209924"/>
+            <a:off x="6582320" y="1478958"/>
+            <a:ext cx="5168711" cy="1182601"/>
           </a:xfrm>
           <a:prstGeom prst="rect">
             <a:avLst/>
           </a:prstGeom>
         </p:spPr>
       </p:pic>
-      <p:pic>
-        <p:nvPicPr>
-          <p:cNvPr id="8" name="Elemento grafico 7">
+      <p:sp>
+        <p:nvSpPr>
+          <p:cNvPr id="13" name="PlaceHolder 1">
             <a:extLst>
               <a:ext uri="{FF2B5EF4-FFF2-40B4-BE49-F238E27FC236}">
-                <a16:creationId xmlns:a16="http://schemas.microsoft.com/office/drawing/2014/main" id="{EBEB6017-A7E0-A748-88AD-FFC06BE80303}"/>
+                <a16:creationId xmlns:a16="http://schemas.microsoft.com/office/drawing/2014/main" id="{FD161717-D13D-6BAE-2478-1446EACA04AC}"/>
               </a:ext>
             </a:extLst>
           </p:cNvPr>
-          <p:cNvPicPr>
-            <a:picLocks noChangeAspect="1"/>
-          </p:cNvPicPr>
+          <p:cNvSpPr txBox="1">
+            <a:spLocks/>
+          </p:cNvSpPr>
           <p:nvPr/>
-        </p:nvPicPr>
-        <p:blipFill>
-          <a:blip r:embed="rId13">
-            <a:extLst>
-              <a:ext uri="{28A0092B-C50C-407E-A947-70E740481C1C}">
-                <a14:useLocalDpi xmlns:a14="http://schemas.microsoft.com/office/drawing/2010/main" val="0"/>
-              </a:ext>
-              <a:ext uri="{96DAC541-7B7A-43D3-8B79-37D633B846F1}">
-                <asvg:svgBlip xmlns:asvg="http://schemas.microsoft.com/office/drawing/2016/SVG/main" r:embed="rId14"/>
-              </a:ext>
-            </a:extLst>
-          </a:blip>
-          <a:stretch>
-            <a:fillRect/>
-          </a:stretch>
-        </p:blipFill>
-        <p:spPr>
-          <a:xfrm>
-            <a:off x="3765405" y="4388818"/>
-            <a:ext cx="1960134" cy="853920"/>
-          </a:xfrm>
-          <a:prstGeom prst="rect">
-            <a:avLst/>
-          </a:prstGeom>
-        </p:spPr>
-      </p:pic>
+        </p:nvSpPr>
+        <p:spPr>
+          <a:xfrm>
+            <a:off x="328680" y="6607440"/>
+            <a:ext cx="10119600" cy="249840"/>
+          </a:xfrm>
+          <a:prstGeom prst="rect">
+            <a:avLst/>
+          </a:prstGeom>
+          <a:noFill/>
+          <a:ln w="0">
+            <a:noFill/>
+          </a:ln>
+        </p:spPr>
+        <p:txBody>
+          <a:bodyPr lIns="90000" tIns="45000" rIns="90000" bIns="45000" anchor="t">
+            <a:noAutofit/>
+          </a:bodyPr>
+          <a:lstStyle>
+            <a:lvl1pPr algn="l" defTabSz="914400" rtl="0" eaLnBrk="1" latinLnBrk="0" hangingPunct="1">
+              <a:lnSpc>
+                <a:spcPct val="90000"/>
+              </a:lnSpc>
+              <a:spcBef>
+                <a:spcPct val="0"/>
+              </a:spcBef>
+              <a:buNone/>
+              <a:defRPr sz="4400" kern="1200">
+                <a:solidFill>
+                  <a:schemeClr val="tx1"/>
+                </a:solidFill>
+                <a:latin typeface="+mj-lt"/>
+                <a:ea typeface="+mj-ea"/>
+                <a:cs typeface="+mj-cs"/>
+              </a:defRPr>
+            </a:lvl1pPr>
+          </a:lstStyle>
+          <a:p>
+            <a:pPr marL="228600" indent="-228600">
+              <a:spcBef>
+                <a:spcPts val="1001"/>
+              </a:spcBef>
+              <a:tabLst>
+                <a:tab pos="0" algn="l"/>
+              </a:tabLst>
+            </a:pPr>
+            <a:r>
+              <a:rPr lang="it-IT" sz="1100" spc="-1" dirty="0">
+                <a:solidFill>
+                  <a:srgbClr val="FFFFFF"/>
+                </a:solidFill>
+                <a:latin typeface="Verdana"/>
+                <a:ea typeface="Verdana"/>
+              </a:rPr>
+              <a:t>Controllo tramite Potenziali Artificiali di un Rover con marker </a:t>
+            </a:r>
+            <a:r>
+              <a:rPr lang="it-IT" sz="1100" spc="-1" dirty="0" err="1">
+                <a:solidFill>
+                  <a:srgbClr val="FFFFFF"/>
+                </a:solidFill>
+                <a:latin typeface="Verdana"/>
+                <a:ea typeface="Verdana"/>
+              </a:rPr>
+              <a:t>ArUco</a:t>
+            </a:r>
+            <a:endParaRPr lang="it-IT" sz="1100" spc="-1" dirty="0">
+              <a:latin typeface="Arial"/>
+            </a:endParaRPr>
+          </a:p>
+        </p:txBody>
+      </p:sp>
     </p:spTree>
   </p:cSld>
   <p:clrMapOvr>
@@ -11351,13 +13451,181 @@
       </p:grpSpPr>
       <p:sp>
         <p:nvSpPr>
-          <p:cNvPr id="104" name="PlaceHolder 1"/>
+          <p:cNvPr id="99" name="PlaceHolder 2"/>
           <p:cNvSpPr>
             <a:spLocks noGrp="1"/>
           </p:cNvSpPr>
           <p:nvPr>
-            <p:ph/>
+            <p:ph type="title"/>
           </p:nvPr>
+        </p:nvSpPr>
+        <p:spPr>
+          <a:xfrm>
+            <a:off x="775800" y="957960"/>
+            <a:ext cx="8793360" cy="853920"/>
+          </a:xfrm>
+          <a:prstGeom prst="rect">
+            <a:avLst/>
+          </a:prstGeom>
+          <a:noFill/>
+          <a:ln w="0">
+            <a:noFill/>
+          </a:ln>
+        </p:spPr>
+        <p:txBody>
+          <a:bodyPr lIns="90000" tIns="45000" rIns="90000" bIns="45000" anchor="t">
+            <a:noAutofit/>
+          </a:bodyPr>
+          <a:lstStyle/>
+          <a:p>
+            <a:pPr>
+              <a:lnSpc>
+                <a:spcPct val="90000"/>
+              </a:lnSpc>
+              <a:buNone/>
+            </a:pPr>
+            <a:r>
+              <a:rPr lang="it-IT" sz="2200" b="1" strike="noStrike" spc="-1" dirty="0">
+                <a:solidFill>
+                  <a:srgbClr val="000000"/>
+                </a:solidFill>
+                <a:latin typeface="Verdana"/>
+                <a:ea typeface="Verdana"/>
+              </a:rPr>
+              <a:t>Nodo visione</a:t>
+            </a:r>
+            <a:endParaRPr lang="it-IT" sz="2200" b="0" strike="noStrike" spc="-1" dirty="0">
+              <a:latin typeface="Arial"/>
+            </a:endParaRPr>
+          </a:p>
+        </p:txBody>
+      </p:sp>
+      <p:sp>
+        <p:nvSpPr>
+          <p:cNvPr id="13" name="CasellaDiTesto 12">
+            <a:extLst>
+              <a:ext uri="{FF2B5EF4-FFF2-40B4-BE49-F238E27FC236}">
+                <a16:creationId xmlns:a16="http://schemas.microsoft.com/office/drawing/2014/main" id="{9CE453CE-8BF0-5649-ABE4-CD890E3C7875}"/>
+              </a:ext>
+            </a:extLst>
+          </p:cNvPr>
+          <p:cNvSpPr txBox="1"/>
+          <p:nvPr/>
+        </p:nvSpPr>
+        <p:spPr>
+          <a:xfrm>
+            <a:off x="680937" y="1984443"/>
+            <a:ext cx="4815192" cy="923330"/>
+          </a:xfrm>
+          <a:prstGeom prst="rect">
+            <a:avLst/>
+          </a:prstGeom>
+          <a:noFill/>
+        </p:spPr>
+        <p:txBody>
+          <a:bodyPr wrap="square" rtlCol="0">
+            <a:spAutoFit/>
+          </a:bodyPr>
+          <a:lstStyle/>
+          <a:p>
+            <a:r>
+              <a:rPr lang="it-IT" dirty="0"/>
+              <a:t>Ad ogni marker è stata associata una direzione a cui il rover deve convergere, come riportato in tabella.  </a:t>
+            </a:r>
+          </a:p>
+        </p:txBody>
+      </p:sp>
+      <p:pic>
+        <p:nvPicPr>
+          <p:cNvPr id="17" name="Elemento grafico 16">
+            <a:extLst>
+              <a:ext uri="{FF2B5EF4-FFF2-40B4-BE49-F238E27FC236}">
+                <a16:creationId xmlns:a16="http://schemas.microsoft.com/office/drawing/2014/main" id="{F827EB40-A606-2439-1A44-BCFDE0BDE845}"/>
+              </a:ext>
+            </a:extLst>
+          </p:cNvPr>
+          <p:cNvPicPr>
+            <a:picLocks noChangeAspect="1"/>
+          </p:cNvPicPr>
+          <p:nvPr/>
+        </p:nvPicPr>
+        <p:blipFill>
+          <a:blip r:embed="rId3">
+            <a:extLst>
+              <a:ext uri="{28A0092B-C50C-407E-A947-70E740481C1C}">
+                <a14:useLocalDpi xmlns:a14="http://schemas.microsoft.com/office/drawing/2010/main" val="0"/>
+              </a:ext>
+              <a:ext uri="{96DAC541-7B7A-43D3-8B79-37D633B846F1}">
+                <asvg:svgBlip xmlns:asvg="http://schemas.microsoft.com/office/drawing/2016/SVG/main" r:embed="rId4"/>
+              </a:ext>
+            </a:extLst>
+          </a:blip>
+          <a:stretch>
+            <a:fillRect/>
+          </a:stretch>
+        </p:blipFill>
+        <p:spPr>
+          <a:xfrm>
+            <a:off x="680937" y="3429000"/>
+            <a:ext cx="3924784" cy="1630295"/>
+          </a:xfrm>
+          <a:prstGeom prst="rect">
+            <a:avLst/>
+          </a:prstGeom>
+        </p:spPr>
+      </p:pic>
+      <p:pic>
+        <p:nvPicPr>
+          <p:cNvPr id="20" name="Elemento grafico 19">
+            <a:extLst>
+              <a:ext uri="{FF2B5EF4-FFF2-40B4-BE49-F238E27FC236}">
+                <a16:creationId xmlns:a16="http://schemas.microsoft.com/office/drawing/2014/main" id="{D41A35A8-4837-1FF9-BF4A-E7058CC0B8BE}"/>
+              </a:ext>
+            </a:extLst>
+          </p:cNvPr>
+          <p:cNvPicPr>
+            <a:picLocks noChangeAspect="1"/>
+          </p:cNvPicPr>
+          <p:nvPr/>
+        </p:nvPicPr>
+        <p:blipFill>
+          <a:blip r:embed="rId5">
+            <a:extLst>
+              <a:ext uri="{28A0092B-C50C-407E-A947-70E740481C1C}">
+                <a14:useLocalDpi xmlns:a14="http://schemas.microsoft.com/office/drawing/2010/main" val="0"/>
+              </a:ext>
+              <a:ext uri="{96DAC541-7B7A-43D3-8B79-37D633B846F1}">
+                <asvg:svgBlip xmlns:asvg="http://schemas.microsoft.com/office/drawing/2016/SVG/main" r:embed="rId6"/>
+              </a:ext>
+            </a:extLst>
+          </a:blip>
+          <a:stretch>
+            <a:fillRect/>
+          </a:stretch>
+        </p:blipFill>
+        <p:spPr>
+          <a:xfrm>
+            <a:off x="6695873" y="2346901"/>
+            <a:ext cx="4178535" cy="3366781"/>
+          </a:xfrm>
+          <a:prstGeom prst="rect">
+            <a:avLst/>
+          </a:prstGeom>
+        </p:spPr>
+      </p:pic>
+      <p:sp>
+        <p:nvSpPr>
+          <p:cNvPr id="21" name="PlaceHolder 1">
+            <a:extLst>
+              <a:ext uri="{FF2B5EF4-FFF2-40B4-BE49-F238E27FC236}">
+                <a16:creationId xmlns:a16="http://schemas.microsoft.com/office/drawing/2014/main" id="{81BEDCA0-5DA5-35D0-7E5B-B3CF5F5F0EEA}"/>
+              </a:ext>
+            </a:extLst>
+          </p:cNvPr>
+          <p:cNvSpPr txBox="1">
+            <a:spLocks/>
+          </p:cNvSpPr>
+          <p:nvPr/>
         </p:nvSpPr>
         <p:spPr>
           <a:xfrm>
@@ -11376,36 +13644,90 @@
           <a:bodyPr lIns="90000" tIns="45000" rIns="90000" bIns="45000" anchor="t">
             <a:noAutofit/>
           </a:bodyPr>
-          <a:lstStyle/>
-          <a:p>
-            <a:pPr marL="228600" indent="-228600">
+          <a:lstStyle>
+            <a:lvl1pPr algn="l" defTabSz="914400" rtl="0" eaLnBrk="1" latinLnBrk="0" hangingPunct="1">
               <a:lnSpc>
                 <a:spcPct val="90000"/>
               </a:lnSpc>
               <a:spcBef>
+                <a:spcPct val="0"/>
+              </a:spcBef>
+              <a:buNone/>
+              <a:defRPr sz="4400" kern="1200">
+                <a:solidFill>
+                  <a:schemeClr val="tx1"/>
+                </a:solidFill>
+                <a:latin typeface="+mj-lt"/>
+                <a:ea typeface="+mj-ea"/>
+                <a:cs typeface="+mj-cs"/>
+              </a:defRPr>
+            </a:lvl1pPr>
+          </a:lstStyle>
+          <a:p>
+            <a:pPr marL="228600" indent="-228600">
+              <a:spcBef>
                 <a:spcPts val="1001"/>
               </a:spcBef>
-              <a:buNone/>
               <a:tabLst>
                 <a:tab pos="0" algn="l"/>
               </a:tabLst>
             </a:pPr>
             <a:r>
-              <a:rPr lang="it-IT" sz="1100" b="0" strike="noStrike" spc="-1">
+              <a:rPr lang="it-IT" sz="1100" spc="-1" dirty="0">
                 <a:solidFill>
                   <a:srgbClr val="FFFFFF"/>
                 </a:solidFill>
                 <a:latin typeface="Verdana"/>
                 <a:ea typeface="Verdana"/>
               </a:rPr>
-              <a:t>Controllo visivo in Sliding Mode di un Rover</a:t>
-            </a:r>
-            <a:endParaRPr lang="it-IT" sz="1100" b="0" strike="noStrike" spc="-1">
+              <a:t>Controllo tramite Potenziali Artificiali di un Rover con marker </a:t>
+            </a:r>
+            <a:r>
+              <a:rPr lang="it-IT" sz="1100" spc="-1" dirty="0" err="1">
+                <a:solidFill>
+                  <a:srgbClr val="FFFFFF"/>
+                </a:solidFill>
+                <a:latin typeface="Verdana"/>
+                <a:ea typeface="Verdana"/>
+              </a:rPr>
+              <a:t>ArUco</a:t>
+            </a:r>
+            <a:endParaRPr lang="it-IT" sz="1100" spc="-1" dirty="0">
               <a:latin typeface="Arial"/>
             </a:endParaRPr>
           </a:p>
         </p:txBody>
       </p:sp>
+    </p:spTree>
+    <p:extLst>
+      <p:ext uri="{BB962C8B-B14F-4D97-AF65-F5344CB8AC3E}">
+        <p14:creationId xmlns:p14="http://schemas.microsoft.com/office/powerpoint/2010/main" val="2866333210"/>
+      </p:ext>
+    </p:extLst>
+  </p:cSld>
+  <p:clrMapOvr>
+    <a:masterClrMapping/>
+  </p:clrMapOvr>
+</p:sld>
+</file>
+
+<file path=ppt/slides/slide7.xml><?xml version="1.0" encoding="utf-8"?>
+<p:sld xmlns:a="http://schemas.openxmlformats.org/drawingml/2006/main" xmlns:r="http://schemas.openxmlformats.org/officeDocument/2006/relationships" xmlns:p="http://schemas.openxmlformats.org/presentationml/2006/main">
+  <p:cSld>
+    <p:spTree>
+      <p:nvGrpSpPr>
+        <p:cNvPr id="1" name=""/>
+        <p:cNvGrpSpPr/>
+        <p:nvPr/>
+      </p:nvGrpSpPr>
+      <p:grpSpPr>
+        <a:xfrm>
+          <a:off x="0" y="0"/>
+          <a:ext cx="0" cy="0"/>
+          <a:chOff x="0" y="0"/>
+          <a:chExt cx="0" cy="0"/>
+        </a:xfrm>
+      </p:grpSpPr>
       <p:sp>
         <p:nvSpPr>
           <p:cNvPr id="106" name="PlaceHolder 3"/>
@@ -11606,7 +13928,7 @@
         </p:blipFill>
         <p:spPr>
           <a:xfrm>
-            <a:off x="775800" y="2818982"/>
+            <a:off x="775800" y="3292248"/>
             <a:ext cx="3448050" cy="2305050"/>
           </a:xfrm>
           <a:prstGeom prst="rect">
@@ -11614,1107 +13936,116 @@
           </a:prstGeom>
         </p:spPr>
       </p:pic>
-      <p:pic>
-        <p:nvPicPr>
-          <p:cNvPr id="9" name="Elemento grafico 8">
+      <p:sp>
+        <p:nvSpPr>
+          <p:cNvPr id="4" name="CasellaDiTesto 3">
             <a:extLst>
               <a:ext uri="{FF2B5EF4-FFF2-40B4-BE49-F238E27FC236}">
-                <a16:creationId xmlns:a16="http://schemas.microsoft.com/office/drawing/2014/main" id="{6740CD09-766B-56AB-97D0-23F23EFF7329}"/>
+                <a16:creationId xmlns:a16="http://schemas.microsoft.com/office/drawing/2014/main" id="{DB5E9BF4-AFEF-D035-C678-320BCDCC76C5}"/>
               </a:ext>
             </a:extLst>
           </p:cNvPr>
-          <p:cNvPicPr>
-            <a:picLocks noChangeAspect="1"/>
-          </p:cNvPicPr>
+          <p:cNvSpPr txBox="1"/>
           <p:nvPr/>
-        </p:nvPicPr>
-        <p:blipFill>
-          <a:blip r:embed="rId5">
-            <a:extLst>
-              <a:ext uri="{28A0092B-C50C-407E-A947-70E740481C1C}">
-                <a14:useLocalDpi xmlns:a14="http://schemas.microsoft.com/office/drawing/2010/main" val="0"/>
-              </a:ext>
-              <a:ext uri="{96DAC541-7B7A-43D3-8B79-37D633B846F1}">
-                <asvg:svgBlip xmlns:asvg="http://schemas.microsoft.com/office/drawing/2016/SVG/main" r:embed="rId6"/>
-              </a:ext>
-            </a:extLst>
-          </a:blip>
-          <a:stretch>
-            <a:fillRect/>
-          </a:stretch>
-        </p:blipFill>
-        <p:spPr>
-          <a:xfrm>
-            <a:off x="175355" y="1791758"/>
-            <a:ext cx="7215260" cy="760931"/>
-          </a:xfrm>
-          <a:prstGeom prst="rect">
-            <a:avLst/>
-          </a:prstGeom>
-        </p:spPr>
-      </p:pic>
-      <p:pic>
-        <p:nvPicPr>
-          <p:cNvPr id="11" name="Elemento grafico 10">
+        </p:nvSpPr>
+        <p:spPr>
+          <a:xfrm>
+            <a:off x="223735" y="1537922"/>
+            <a:ext cx="11468912" cy="1754326"/>
+          </a:xfrm>
+          <a:prstGeom prst="rect">
+            <a:avLst/>
+          </a:prstGeom>
+          <a:noFill/>
+        </p:spPr>
+        <p:txBody>
+          <a:bodyPr wrap="square" rtlCol="0">
+            <a:spAutoFit/>
+          </a:bodyPr>
+          <a:lstStyle/>
+          <a:p>
+            <a:r>
+              <a:rPr lang="it-IT" dirty="0"/>
+              <a:t>Per la parte di </a:t>
+            </a:r>
+            <a:r>
+              <a:rPr lang="it-IT" dirty="0" err="1"/>
+              <a:t>obstacle</a:t>
+            </a:r>
+            <a:r>
+              <a:rPr lang="it-IT" dirty="0"/>
+              <a:t> </a:t>
+            </a:r>
+            <a:r>
+              <a:rPr lang="it-IT" dirty="0" err="1"/>
+              <a:t>avoidance</a:t>
+            </a:r>
+            <a:r>
+              <a:rPr lang="it-IT" dirty="0"/>
+              <a:t> sono stati implementati algoritmi che fanno uso di potenziali artificiali (</a:t>
+            </a:r>
+            <a:r>
+              <a:rPr lang="it-IT" dirty="0" err="1"/>
+              <a:t>Artificial</a:t>
+            </a:r>
+            <a:r>
+              <a:rPr lang="it-IT" dirty="0"/>
+              <a:t> </a:t>
+            </a:r>
+            <a:r>
+              <a:rPr lang="it-IT" dirty="0" err="1"/>
+              <a:t>Potential</a:t>
+            </a:r>
+            <a:r>
+              <a:rPr lang="it-IT" dirty="0"/>
+              <a:t> Field). In particolare sono stati implementati un potenziale attrattivo, che porta a far convergere il sistema al goal prefissato e uno repulsivo, che tiene lontano il rover dagli ostacoli.</a:t>
+            </a:r>
+          </a:p>
+          <a:p>
+            <a:r>
+              <a:rPr lang="it-IT" dirty="0"/>
+              <a:t>Per il calcolo del goal è stata implementata la strategia di tipo LOS (Line Of </a:t>
+            </a:r>
+            <a:r>
+              <a:rPr lang="it-IT" dirty="0" err="1"/>
+              <a:t>Sight</a:t>
+            </a:r>
+            <a:r>
+              <a:rPr lang="it-IT" dirty="0"/>
+              <a:t>) dove tale punto è dato dall’intersezione tra la retta a cui si vuole convergere e una circonferenza di raggio</a:t>
+            </a:r>
+            <a:r>
+              <a:rPr lang="it-IT" b="1" dirty="0"/>
+              <a:t> r </a:t>
+            </a:r>
+            <a:r>
+              <a:rPr lang="it-IT" dirty="0"/>
+              <a:t>centrata nel </a:t>
+            </a:r>
+            <a:r>
+              <a:rPr lang="it-IT" dirty="0" err="1"/>
+              <a:t>CdM</a:t>
+            </a:r>
+            <a:r>
+              <a:rPr lang="it-IT" dirty="0"/>
+              <a:t> del rover. </a:t>
+            </a:r>
+          </a:p>
+        </p:txBody>
+      </p:sp>
+      <p:sp>
+        <p:nvSpPr>
+          <p:cNvPr id="10" name="PlaceHolder 1">
             <a:extLst>
               <a:ext uri="{FF2B5EF4-FFF2-40B4-BE49-F238E27FC236}">
-                <a16:creationId xmlns:a16="http://schemas.microsoft.com/office/drawing/2014/main" id="{CABD73F2-4B21-FD84-B62F-7AF7BBB05A19}"/>
+                <a16:creationId xmlns:a16="http://schemas.microsoft.com/office/drawing/2014/main" id="{BA4EA3E6-DBE8-D68F-C480-09E9F5E35143}"/>
               </a:ext>
             </a:extLst>
           </p:cNvPr>
-          <p:cNvPicPr>
-            <a:picLocks noChangeAspect="1"/>
-          </p:cNvPicPr>
+          <p:cNvSpPr txBox="1">
+            <a:spLocks/>
+          </p:cNvSpPr>
           <p:nvPr/>
-        </p:nvPicPr>
-        <p:blipFill>
-          <a:blip r:embed="rId7">
-            <a:extLst>
-              <a:ext uri="{28A0092B-C50C-407E-A947-70E740481C1C}">
-                <a14:useLocalDpi xmlns:a14="http://schemas.microsoft.com/office/drawing/2010/main" val="0"/>
-              </a:ext>
-              <a:ext uri="{96DAC541-7B7A-43D3-8B79-37D633B846F1}">
-                <asvg:svgBlip xmlns:asvg="http://schemas.microsoft.com/office/drawing/2016/SVG/main" r:embed="rId8"/>
-              </a:ext>
-            </a:extLst>
-          </a:blip>
-          <a:stretch>
-            <a:fillRect/>
-          </a:stretch>
-        </p:blipFill>
-        <p:spPr>
-          <a:xfrm>
-            <a:off x="7935270" y="1847243"/>
-            <a:ext cx="2724150" cy="514350"/>
-          </a:xfrm>
-          <a:prstGeom prst="rect">
-            <a:avLst/>
-          </a:prstGeom>
-        </p:spPr>
-      </p:pic>
-      <p:pic>
-        <p:nvPicPr>
-          <p:cNvPr id="15" name="Elemento grafico 14">
-            <a:extLst>
-              <a:ext uri="{FF2B5EF4-FFF2-40B4-BE49-F238E27FC236}">
-                <a16:creationId xmlns:a16="http://schemas.microsoft.com/office/drawing/2014/main" id="{C1922D88-B158-7975-5FE0-D1D54C8A037C}"/>
-              </a:ext>
-            </a:extLst>
-          </p:cNvPr>
-          <p:cNvPicPr>
-            <a:picLocks noChangeAspect="1"/>
-          </p:cNvPicPr>
-          <p:nvPr/>
-        </p:nvPicPr>
-        <p:blipFill>
-          <a:blip r:embed="rId9">
-            <a:extLst>
-              <a:ext uri="{28A0092B-C50C-407E-A947-70E740481C1C}">
-                <a14:useLocalDpi xmlns:a14="http://schemas.microsoft.com/office/drawing/2010/main" val="0"/>
-              </a:ext>
-              <a:ext uri="{96DAC541-7B7A-43D3-8B79-37D633B846F1}">
-                <asvg:svgBlip xmlns:asvg="http://schemas.microsoft.com/office/drawing/2016/SVG/main" r:embed="rId10"/>
-              </a:ext>
-            </a:extLst>
-          </a:blip>
-          <a:stretch>
-            <a:fillRect/>
-          </a:stretch>
-        </p:blipFill>
-        <p:spPr>
-          <a:xfrm>
-            <a:off x="6298815" y="5589001"/>
-            <a:ext cx="4362726" cy="375076"/>
-          </a:xfrm>
-          <a:prstGeom prst="rect">
-            <a:avLst/>
-          </a:prstGeom>
-        </p:spPr>
-      </p:pic>
-      <p:pic>
-        <p:nvPicPr>
-          <p:cNvPr id="17" name="Elemento grafico 16">
-            <a:extLst>
-              <a:ext uri="{FF2B5EF4-FFF2-40B4-BE49-F238E27FC236}">
-                <a16:creationId xmlns:a16="http://schemas.microsoft.com/office/drawing/2014/main" id="{FD5EF55D-8CE4-2B36-095F-66AD3A1F8822}"/>
-              </a:ext>
-            </a:extLst>
-          </p:cNvPr>
-          <p:cNvPicPr>
-            <a:picLocks noChangeAspect="1"/>
-          </p:cNvPicPr>
-          <p:nvPr/>
-        </p:nvPicPr>
-        <p:blipFill>
-          <a:blip r:embed="rId11">
-            <a:extLst>
-              <a:ext uri="{28A0092B-C50C-407E-A947-70E740481C1C}">
-                <a14:useLocalDpi xmlns:a14="http://schemas.microsoft.com/office/drawing/2010/main" val="0"/>
-              </a:ext>
-              <a:ext uri="{96DAC541-7B7A-43D3-8B79-37D633B846F1}">
-                <asvg:svgBlip xmlns:asvg="http://schemas.microsoft.com/office/drawing/2016/SVG/main" r:embed="rId12"/>
-              </a:ext>
-            </a:extLst>
-          </a:blip>
-          <a:stretch>
-            <a:fillRect/>
-          </a:stretch>
-        </p:blipFill>
-        <p:spPr>
-          <a:xfrm>
-            <a:off x="1000720" y="5589001"/>
-            <a:ext cx="3466336" cy="333658"/>
-          </a:xfrm>
-          <a:prstGeom prst="rect">
-            <a:avLst/>
-          </a:prstGeom>
-        </p:spPr>
-      </p:pic>
-      <mc:AlternateContent xmlns:mc="http://schemas.openxmlformats.org/markup-compatibility/2006" xmlns:a14="http://schemas.microsoft.com/office/drawing/2010/main">
-        <mc:Choice Requires="a14">
-          <p:graphicFrame>
-            <p:nvGraphicFramePr>
-              <p:cNvPr id="2" name="Tabella 1">
-                <a:extLst>
-                  <a:ext uri="{FF2B5EF4-FFF2-40B4-BE49-F238E27FC236}">
-                    <a16:creationId xmlns:a16="http://schemas.microsoft.com/office/drawing/2014/main" id="{00CE3058-F966-0D4D-ABF5-A3609441608B}"/>
-                  </a:ext>
-                </a:extLst>
-              </p:cNvPr>
-              <p:cNvGraphicFramePr>
-                <a:graphicFrameLocks noGrp="1"/>
-              </p:cNvGraphicFramePr>
-              <p:nvPr>
-                <p:extLst>
-                  <p:ext uri="{D42A27DB-BD31-4B8C-83A1-F6EECF244321}">
-                    <p14:modId xmlns:p14="http://schemas.microsoft.com/office/powerpoint/2010/main" val="2485847206"/>
-                  </p:ext>
-                </p:extLst>
-              </p:nvPr>
-            </p:nvGraphicFramePr>
-            <p:xfrm>
-              <a:off x="6078459" y="2903713"/>
-              <a:ext cx="4068342" cy="1882575"/>
-            </p:xfrm>
-            <a:graphic>
-              <a:graphicData uri="http://schemas.openxmlformats.org/drawingml/2006/table">
-                <a:tbl>
-                  <a:tblPr firstRow="1" bandRow="1">
-                    <a:tableStyleId>{EB344D84-9AFB-497E-A393-DC336BA19D2E}</a:tableStyleId>
-                  </a:tblPr>
-                  <a:tblGrid>
-                    <a:gridCol w="2034171">
-                      <a:extLst>
-                        <a:ext uri="{9D8B030D-6E8A-4147-A177-3AD203B41FA5}">
-                          <a16:colId xmlns:a16="http://schemas.microsoft.com/office/drawing/2014/main" val="1399199553"/>
-                        </a:ext>
-                      </a:extLst>
-                    </a:gridCol>
-                    <a:gridCol w="2034171">
-                      <a:extLst>
-                        <a:ext uri="{9D8B030D-6E8A-4147-A177-3AD203B41FA5}">
-                          <a16:colId xmlns:a16="http://schemas.microsoft.com/office/drawing/2014/main" val="184007162"/>
-                        </a:ext>
-                      </a:extLst>
-                    </a:gridCol>
-                  </a:tblGrid>
-                  <a:tr h="376515">
-                    <a:tc>
-                      <a:txBody>
-                        <a:bodyPr/>
-                        <a:lstStyle/>
-                        <a:p>
-                          <a:pPr algn="ctr"/>
-                          <a:r>
-                            <a:rPr lang="it-IT" b="1" dirty="0">
-                              <a:solidFill>
-                                <a:schemeClr val="tx1"/>
-                              </a:solidFill>
-                            </a:rPr>
-                            <a:t>Parametri</a:t>
-                          </a:r>
-                        </a:p>
-                      </a:txBody>
-                      <a:tcPr>
-                        <a:lnL w="12700" cap="flat" cmpd="sng" algn="ctr">
-                          <a:solidFill>
-                            <a:schemeClr val="tx1"/>
-                          </a:solidFill>
-                          <a:prstDash val="solid"/>
-                          <a:round/>
-                          <a:headEnd type="none" w="med" len="med"/>
-                          <a:tailEnd type="none" w="med" len="med"/>
-                        </a:lnL>
-                        <a:lnT w="12700" cap="flat" cmpd="sng" algn="ctr">
-                          <a:solidFill>
-                            <a:schemeClr val="tx1"/>
-                          </a:solidFill>
-                          <a:prstDash val="solid"/>
-                          <a:round/>
-                          <a:headEnd type="none" w="med" len="med"/>
-                          <a:tailEnd type="none" w="med" len="med"/>
-                        </a:lnT>
-                        <a:solidFill>
-                          <a:schemeClr val="bg1">
-                            <a:alpha val="36863"/>
-                          </a:schemeClr>
-                        </a:solidFill>
-                      </a:tcPr>
-                    </a:tc>
-                    <a:tc>
-                      <a:txBody>
-                        <a:bodyPr/>
-                        <a:lstStyle/>
-                        <a:p>
-                          <a:pPr algn="ctr"/>
-                          <a:r>
-                            <a:rPr lang="it-IT" sz="1800" b="1" kern="1200" dirty="0">
-                              <a:solidFill>
-                                <a:schemeClr val="tx1"/>
-                              </a:solidFill>
-                              <a:latin typeface="+mn-lt"/>
-                              <a:ea typeface="+mn-ea"/>
-                              <a:cs typeface="+mn-cs"/>
-                            </a:rPr>
-                            <a:t>Valore</a:t>
-                          </a:r>
-                        </a:p>
-                      </a:txBody>
-                      <a:tcPr>
-                        <a:lnR w="12700" cap="flat" cmpd="sng" algn="ctr">
-                          <a:solidFill>
-                            <a:schemeClr val="tx1"/>
-                          </a:solidFill>
-                          <a:prstDash val="solid"/>
-                          <a:round/>
-                          <a:headEnd type="none" w="med" len="med"/>
-                          <a:tailEnd type="none" w="med" len="med"/>
-                        </a:lnR>
-                        <a:lnT w="12700" cap="flat" cmpd="sng" algn="ctr">
-                          <a:solidFill>
-                            <a:schemeClr val="tx1"/>
-                          </a:solidFill>
-                          <a:prstDash val="solid"/>
-                          <a:round/>
-                          <a:headEnd type="none" w="med" len="med"/>
-                          <a:tailEnd type="none" w="med" len="med"/>
-                        </a:lnT>
-                        <a:solidFill>
-                          <a:schemeClr val="bg1">
-                            <a:alpha val="36863"/>
-                          </a:schemeClr>
-                        </a:solidFill>
-                      </a:tcPr>
-                    </a:tc>
-                    <a:extLst>
-                      <a:ext uri="{0D108BD9-81ED-4DB2-BD59-A6C34878D82A}">
-                        <a16:rowId xmlns:a16="http://schemas.microsoft.com/office/drawing/2014/main" val="2665473541"/>
-                      </a:ext>
-                    </a:extLst>
-                  </a:tr>
-                  <a:tr h="376515">
-                    <a:tc>
-                      <a:txBody>
-                        <a:bodyPr/>
-                        <a:lstStyle/>
-                        <a:p>
-                          <a:pPr/>
-                          <a14:m>
-                            <m:oMathPara xmlns:m="http://schemas.openxmlformats.org/officeDocument/2006/math">
-                              <m:oMathParaPr>
-                                <m:jc m:val="centerGroup"/>
-                              </m:oMathParaPr>
-                              <m:oMath xmlns:m="http://schemas.openxmlformats.org/officeDocument/2006/math">
-                                <m:sSub>
-                                  <m:sSubPr>
-                                    <m:ctrlPr>
-                                      <a:rPr lang="it-IT" i="1" smtClean="0">
-                                        <a:latin typeface="Cambria Math" panose="02040503050406030204" pitchFamily="18" charset="0"/>
-                                      </a:rPr>
-                                    </m:ctrlPr>
-                                  </m:sSubPr>
-                                  <m:e>
-                                    <m:r>
-                                      <a:rPr lang="it-IT" smtClean="0">
-                                        <a:latin typeface="Cambria Math" panose="02040503050406030204" pitchFamily="18" charset="0"/>
-                                      </a:rPr>
-                                      <m:t>𝑘</m:t>
-                                    </m:r>
-                                  </m:e>
-                                  <m:sub>
-                                    <m:r>
-                                      <a:rPr lang="it-IT" smtClean="0">
-                                        <a:latin typeface="Cambria Math" panose="02040503050406030204" pitchFamily="18" charset="0"/>
-                                      </a:rPr>
-                                      <m:t>𝑎</m:t>
-                                    </m:r>
-                                  </m:sub>
-                                </m:sSub>
-                              </m:oMath>
-                            </m:oMathPara>
-                          </a14:m>
-                          <a:endParaRPr lang="it-IT" dirty="0"/>
-                        </a:p>
-                      </a:txBody>
-                      <a:tcPr>
-                        <a:lnL w="12700" cap="flat" cmpd="sng" algn="ctr">
-                          <a:solidFill>
-                            <a:schemeClr val="tx1"/>
-                          </a:solidFill>
-                          <a:prstDash val="solid"/>
-                          <a:round/>
-                          <a:headEnd type="none" w="med" len="med"/>
-                          <a:tailEnd type="none" w="med" len="med"/>
-                        </a:lnL>
-                        <a:solidFill>
-                          <a:schemeClr val="bg1">
-                            <a:alpha val="36863"/>
-                          </a:schemeClr>
-                        </a:solidFill>
-                      </a:tcPr>
-                    </a:tc>
-                    <a:tc>
-                      <a:txBody>
-                        <a:bodyPr/>
-                        <a:lstStyle/>
-                        <a:p>
-                          <a:endParaRPr lang="it-IT" dirty="0"/>
-                        </a:p>
-                      </a:txBody>
-                      <a:tcPr>
-                        <a:lnR w="12700" cap="flat" cmpd="sng" algn="ctr">
-                          <a:solidFill>
-                            <a:schemeClr val="tx1"/>
-                          </a:solidFill>
-                          <a:prstDash val="solid"/>
-                          <a:round/>
-                          <a:headEnd type="none" w="med" len="med"/>
-                          <a:tailEnd type="none" w="med" len="med"/>
-                        </a:lnR>
-                        <a:solidFill>
-                          <a:schemeClr val="bg1">
-                            <a:alpha val="36863"/>
-                          </a:schemeClr>
-                        </a:solidFill>
-                      </a:tcPr>
-                    </a:tc>
-                    <a:extLst>
-                      <a:ext uri="{0D108BD9-81ED-4DB2-BD59-A6C34878D82A}">
-                        <a16:rowId xmlns:a16="http://schemas.microsoft.com/office/drawing/2014/main" val="3119651478"/>
-                      </a:ext>
-                    </a:extLst>
-                  </a:tr>
-                  <a:tr h="376515">
-                    <a:tc>
-                      <a:txBody>
-                        <a:bodyPr/>
-                        <a:lstStyle/>
-                        <a:p>
-                          <a:pPr/>
-                          <a14:m>
-                            <m:oMathPara xmlns:m="http://schemas.openxmlformats.org/officeDocument/2006/math">
-                              <m:oMathParaPr>
-                                <m:jc m:val="centerGroup"/>
-                              </m:oMathParaPr>
-                              <m:oMath xmlns:m="http://schemas.openxmlformats.org/officeDocument/2006/math">
-                                <m:sSub>
-                                  <m:sSubPr>
-                                    <m:ctrlPr>
-                                      <a:rPr lang="it-IT" i="1" smtClean="0">
-                                        <a:latin typeface="Cambria Math" panose="02040503050406030204" pitchFamily="18" charset="0"/>
-                                      </a:rPr>
-                                    </m:ctrlPr>
-                                  </m:sSubPr>
-                                  <m:e>
-                                    <m:r>
-                                      <a:rPr lang="it-IT" smtClean="0">
-                                        <a:latin typeface="Cambria Math" panose="02040503050406030204" pitchFamily="18" charset="0"/>
-                                      </a:rPr>
-                                      <m:t>𝑘</m:t>
-                                    </m:r>
-                                  </m:e>
-                                  <m:sub>
-                                    <m:r>
-                                      <a:rPr lang="it-IT" smtClean="0">
-                                        <a:latin typeface="Cambria Math" panose="02040503050406030204" pitchFamily="18" charset="0"/>
-                                      </a:rPr>
-                                      <m:t>𝑟</m:t>
-                                    </m:r>
-                                  </m:sub>
-                                </m:sSub>
-                              </m:oMath>
-                            </m:oMathPara>
-                          </a14:m>
-                          <a:endParaRPr lang="it-IT" dirty="0"/>
-                        </a:p>
-                      </a:txBody>
-                      <a:tcPr>
-                        <a:lnL w="12700" cap="flat" cmpd="sng" algn="ctr">
-                          <a:solidFill>
-                            <a:schemeClr val="tx1"/>
-                          </a:solidFill>
-                          <a:prstDash val="solid"/>
-                          <a:round/>
-                          <a:headEnd type="none" w="med" len="med"/>
-                          <a:tailEnd type="none" w="med" len="med"/>
-                        </a:lnL>
-                        <a:solidFill>
-                          <a:schemeClr val="bg1">
-                            <a:alpha val="36863"/>
-                          </a:schemeClr>
-                        </a:solidFill>
-                      </a:tcPr>
-                    </a:tc>
-                    <a:tc>
-                      <a:txBody>
-                        <a:bodyPr/>
-                        <a:lstStyle/>
-                        <a:p>
-                          <a:endParaRPr lang="it-IT"/>
-                        </a:p>
-                      </a:txBody>
-                      <a:tcPr>
-                        <a:lnR w="12700" cap="flat" cmpd="sng" algn="ctr">
-                          <a:solidFill>
-                            <a:schemeClr val="tx1"/>
-                          </a:solidFill>
-                          <a:prstDash val="solid"/>
-                          <a:round/>
-                          <a:headEnd type="none" w="med" len="med"/>
-                          <a:tailEnd type="none" w="med" len="med"/>
-                        </a:lnR>
-                        <a:solidFill>
-                          <a:schemeClr val="bg1">
-                            <a:alpha val="36863"/>
-                          </a:schemeClr>
-                        </a:solidFill>
-                      </a:tcPr>
-                    </a:tc>
-                    <a:extLst>
-                      <a:ext uri="{0D108BD9-81ED-4DB2-BD59-A6C34878D82A}">
-                        <a16:rowId xmlns:a16="http://schemas.microsoft.com/office/drawing/2014/main" val="3465027243"/>
-                      </a:ext>
-                    </a:extLst>
-                  </a:tr>
-                  <a:tr h="376515">
-                    <a:tc>
-                      <a:txBody>
-                        <a:bodyPr/>
-                        <a:lstStyle/>
-                        <a:p>
-                          <a:pPr/>
-                          <a14:m>
-                            <m:oMathPara xmlns:m="http://schemas.openxmlformats.org/officeDocument/2006/math">
-                              <m:oMathParaPr>
-                                <m:jc m:val="centerGroup"/>
-                              </m:oMathParaPr>
-                              <m:oMath xmlns:m="http://schemas.openxmlformats.org/officeDocument/2006/math">
-                                <m:r>
-                                  <a:rPr lang="it-IT" smtClean="0">
-                                    <a:latin typeface="Cambria Math" panose="02040503050406030204" pitchFamily="18" charset="0"/>
-                                  </a:rPr>
-                                  <m:t>𝛿</m:t>
-                                </m:r>
-                              </m:oMath>
-                            </m:oMathPara>
-                          </a14:m>
-                          <a:endParaRPr lang="it-IT" dirty="0"/>
-                        </a:p>
-                      </a:txBody>
-                      <a:tcPr>
-                        <a:lnL w="12700" cap="flat" cmpd="sng" algn="ctr">
-                          <a:solidFill>
-                            <a:schemeClr val="tx1"/>
-                          </a:solidFill>
-                          <a:prstDash val="solid"/>
-                          <a:round/>
-                          <a:headEnd type="none" w="med" len="med"/>
-                          <a:tailEnd type="none" w="med" len="med"/>
-                        </a:lnL>
-                        <a:solidFill>
-                          <a:schemeClr val="bg1">
-                            <a:alpha val="36863"/>
-                          </a:schemeClr>
-                        </a:solidFill>
-                      </a:tcPr>
-                    </a:tc>
-                    <a:tc>
-                      <a:txBody>
-                        <a:bodyPr/>
-                        <a:lstStyle/>
-                        <a:p>
-                          <a:endParaRPr lang="it-IT" dirty="0"/>
-                        </a:p>
-                      </a:txBody>
-                      <a:tcPr>
-                        <a:lnR w="12700" cap="flat" cmpd="sng" algn="ctr">
-                          <a:solidFill>
-                            <a:schemeClr val="tx1"/>
-                          </a:solidFill>
-                          <a:prstDash val="solid"/>
-                          <a:round/>
-                          <a:headEnd type="none" w="med" len="med"/>
-                          <a:tailEnd type="none" w="med" len="med"/>
-                        </a:lnR>
-                        <a:solidFill>
-                          <a:schemeClr val="bg1">
-                            <a:alpha val="36863"/>
-                          </a:schemeClr>
-                        </a:solidFill>
-                      </a:tcPr>
-                    </a:tc>
-                    <a:extLst>
-                      <a:ext uri="{0D108BD9-81ED-4DB2-BD59-A6C34878D82A}">
-                        <a16:rowId xmlns:a16="http://schemas.microsoft.com/office/drawing/2014/main" val="572882039"/>
-                      </a:ext>
-                    </a:extLst>
-                  </a:tr>
-                  <a:tr h="376515">
-                    <a:tc>
-                      <a:txBody>
-                        <a:bodyPr/>
-                        <a:lstStyle/>
-                        <a:p>
-                          <a:pPr/>
-                          <a14:m>
-                            <m:oMathPara xmlns:m="http://schemas.openxmlformats.org/officeDocument/2006/math">
-                              <m:oMathParaPr>
-                                <m:jc m:val="centerGroup"/>
-                              </m:oMathParaPr>
-                              <m:oMath xmlns:m="http://schemas.openxmlformats.org/officeDocument/2006/math">
-                                <m:sSub>
-                                  <m:sSubPr>
-                                    <m:ctrlPr>
-                                      <a:rPr lang="it-IT" i="1" smtClean="0">
-                                        <a:latin typeface="Cambria Math" panose="02040503050406030204" pitchFamily="18" charset="0"/>
-                                      </a:rPr>
-                                    </m:ctrlPr>
-                                  </m:sSubPr>
-                                  <m:e>
-                                    <m:r>
-                                      <a:rPr lang="it-IT" smtClean="0">
-                                        <a:latin typeface="Cambria Math" panose="02040503050406030204" pitchFamily="18" charset="0"/>
-                                      </a:rPr>
-                                      <m:t>𝛿</m:t>
-                                    </m:r>
-                                  </m:e>
-                                  <m:sub>
-                                    <m:r>
-                                      <a:rPr lang="it-IT" smtClean="0">
-                                        <a:latin typeface="Cambria Math" panose="02040503050406030204" pitchFamily="18" charset="0"/>
-                                      </a:rPr>
-                                      <m:t>0</m:t>
-                                    </m:r>
-                                  </m:sub>
-                                </m:sSub>
-                              </m:oMath>
-                            </m:oMathPara>
-                          </a14:m>
-                          <a:endParaRPr lang="it-IT" dirty="0"/>
-                        </a:p>
-                      </a:txBody>
-                      <a:tcPr>
-                        <a:lnL w="12700" cap="flat" cmpd="sng" algn="ctr">
-                          <a:solidFill>
-                            <a:schemeClr val="tx1"/>
-                          </a:solidFill>
-                          <a:prstDash val="solid"/>
-                          <a:round/>
-                          <a:headEnd type="none" w="med" len="med"/>
-                          <a:tailEnd type="none" w="med" len="med"/>
-                        </a:lnL>
-                        <a:lnB w="12700" cap="flat" cmpd="sng" algn="ctr">
-                          <a:solidFill>
-                            <a:schemeClr val="tx1"/>
-                          </a:solidFill>
-                          <a:prstDash val="solid"/>
-                          <a:round/>
-                          <a:headEnd type="none" w="med" len="med"/>
-                          <a:tailEnd type="none" w="med" len="med"/>
-                        </a:lnB>
-                        <a:solidFill>
-                          <a:schemeClr val="bg1">
-                            <a:alpha val="36863"/>
-                          </a:schemeClr>
-                        </a:solidFill>
-                      </a:tcPr>
-                    </a:tc>
-                    <a:tc>
-                      <a:txBody>
-                        <a:bodyPr/>
-                        <a:lstStyle/>
-                        <a:p>
-                          <a:endParaRPr lang="it-IT" dirty="0"/>
-                        </a:p>
-                      </a:txBody>
-                      <a:tcPr>
-                        <a:lnR w="12700" cap="flat" cmpd="sng" algn="ctr">
-                          <a:solidFill>
-                            <a:schemeClr val="tx1"/>
-                          </a:solidFill>
-                          <a:prstDash val="solid"/>
-                          <a:round/>
-                          <a:headEnd type="none" w="med" len="med"/>
-                          <a:tailEnd type="none" w="med" len="med"/>
-                        </a:lnR>
-                        <a:lnB w="12700" cap="flat" cmpd="sng" algn="ctr">
-                          <a:solidFill>
-                            <a:schemeClr val="tx1"/>
-                          </a:solidFill>
-                          <a:prstDash val="solid"/>
-                          <a:round/>
-                          <a:headEnd type="none" w="med" len="med"/>
-                          <a:tailEnd type="none" w="med" len="med"/>
-                        </a:lnB>
-                        <a:solidFill>
-                          <a:schemeClr val="bg1">
-                            <a:alpha val="36863"/>
-                          </a:schemeClr>
-                        </a:solidFill>
-                      </a:tcPr>
-                    </a:tc>
-                    <a:extLst>
-                      <a:ext uri="{0D108BD9-81ED-4DB2-BD59-A6C34878D82A}">
-                        <a16:rowId xmlns:a16="http://schemas.microsoft.com/office/drawing/2014/main" val="4183447673"/>
-                      </a:ext>
-                    </a:extLst>
-                  </a:tr>
-                </a:tbl>
-              </a:graphicData>
-            </a:graphic>
-          </p:graphicFrame>
-        </mc:Choice>
-        <mc:Fallback xmlns="">
-          <p:graphicFrame>
-            <p:nvGraphicFramePr>
-              <p:cNvPr id="2" name="Tabella 1">
-                <a:extLst>
-                  <a:ext uri="{FF2B5EF4-FFF2-40B4-BE49-F238E27FC236}">
-                    <a16:creationId xmlns:a16="http://schemas.microsoft.com/office/drawing/2014/main" id="{00CE3058-F966-0D4D-ABF5-A3609441608B}"/>
-                  </a:ext>
-                </a:extLst>
-              </p:cNvPr>
-              <p:cNvGraphicFramePr>
-                <a:graphicFrameLocks noGrp="1"/>
-              </p:cNvGraphicFramePr>
-              <p:nvPr>
-                <p:extLst>
-                  <p:ext uri="{D42A27DB-BD31-4B8C-83A1-F6EECF244321}">
-                    <p14:modId xmlns:p14="http://schemas.microsoft.com/office/powerpoint/2010/main" val="2485847206"/>
-                  </p:ext>
-                </p:extLst>
-              </p:nvPr>
-            </p:nvGraphicFramePr>
-            <p:xfrm>
-              <a:off x="6078459" y="2903713"/>
-              <a:ext cx="4068342" cy="1882575"/>
-            </p:xfrm>
-            <a:graphic>
-              <a:graphicData uri="http://schemas.openxmlformats.org/drawingml/2006/table">
-                <a:tbl>
-                  <a:tblPr firstRow="1" bandRow="1">
-                    <a:tableStyleId>{EB344D84-9AFB-497E-A393-DC336BA19D2E}</a:tableStyleId>
-                  </a:tblPr>
-                  <a:tblGrid>
-                    <a:gridCol w="2034171">
-                      <a:extLst>
-                        <a:ext uri="{9D8B030D-6E8A-4147-A177-3AD203B41FA5}">
-                          <a16:colId xmlns:a16="http://schemas.microsoft.com/office/drawing/2014/main" val="1399199553"/>
-                        </a:ext>
-                      </a:extLst>
-                    </a:gridCol>
-                    <a:gridCol w="2034171">
-                      <a:extLst>
-                        <a:ext uri="{9D8B030D-6E8A-4147-A177-3AD203B41FA5}">
-                          <a16:colId xmlns:a16="http://schemas.microsoft.com/office/drawing/2014/main" val="184007162"/>
-                        </a:ext>
-                      </a:extLst>
-                    </a:gridCol>
-                  </a:tblGrid>
-                  <a:tr h="376515">
-                    <a:tc>
-                      <a:txBody>
-                        <a:bodyPr/>
-                        <a:lstStyle/>
-                        <a:p>
-                          <a:pPr algn="ctr"/>
-                          <a:r>
-                            <a:rPr lang="it-IT" b="1" dirty="0">
-                              <a:solidFill>
-                                <a:schemeClr val="tx1"/>
-                              </a:solidFill>
-                            </a:rPr>
-                            <a:t>Parametri</a:t>
-                          </a:r>
-                        </a:p>
-                      </a:txBody>
-                      <a:tcPr>
-                        <a:lnL w="12700" cap="flat" cmpd="sng" algn="ctr">
-                          <a:solidFill>
-                            <a:schemeClr val="tx1"/>
-                          </a:solidFill>
-                          <a:prstDash val="solid"/>
-                          <a:round/>
-                          <a:headEnd type="none" w="med" len="med"/>
-                          <a:tailEnd type="none" w="med" len="med"/>
-                        </a:lnL>
-                        <a:lnT w="12700" cap="flat" cmpd="sng" algn="ctr">
-                          <a:solidFill>
-                            <a:schemeClr val="tx1"/>
-                          </a:solidFill>
-                          <a:prstDash val="solid"/>
-                          <a:round/>
-                          <a:headEnd type="none" w="med" len="med"/>
-                          <a:tailEnd type="none" w="med" len="med"/>
-                        </a:lnT>
-                        <a:solidFill>
-                          <a:schemeClr val="bg1">
-                            <a:alpha val="36863"/>
-                          </a:schemeClr>
-                        </a:solidFill>
-                      </a:tcPr>
-                    </a:tc>
-                    <a:tc>
-                      <a:txBody>
-                        <a:bodyPr/>
-                        <a:lstStyle/>
-                        <a:p>
-                          <a:pPr algn="ctr"/>
-                          <a:r>
-                            <a:rPr lang="it-IT" sz="1800" b="1" kern="1200" dirty="0">
-                              <a:solidFill>
-                                <a:schemeClr val="tx1"/>
-                              </a:solidFill>
-                              <a:latin typeface="+mn-lt"/>
-                              <a:ea typeface="+mn-ea"/>
-                              <a:cs typeface="+mn-cs"/>
-                            </a:rPr>
-                            <a:t>Valore</a:t>
-                          </a:r>
-                        </a:p>
-                      </a:txBody>
-                      <a:tcPr>
-                        <a:lnR w="12700" cap="flat" cmpd="sng" algn="ctr">
-                          <a:solidFill>
-                            <a:schemeClr val="tx1"/>
-                          </a:solidFill>
-                          <a:prstDash val="solid"/>
-                          <a:round/>
-                          <a:headEnd type="none" w="med" len="med"/>
-                          <a:tailEnd type="none" w="med" len="med"/>
-                        </a:lnR>
-                        <a:lnT w="12700" cap="flat" cmpd="sng" algn="ctr">
-                          <a:solidFill>
-                            <a:schemeClr val="tx1"/>
-                          </a:solidFill>
-                          <a:prstDash val="solid"/>
-                          <a:round/>
-                          <a:headEnd type="none" w="med" len="med"/>
-                          <a:tailEnd type="none" w="med" len="med"/>
-                        </a:lnT>
-                        <a:solidFill>
-                          <a:schemeClr val="bg1">
-                            <a:alpha val="36863"/>
-                          </a:schemeClr>
-                        </a:solidFill>
-                      </a:tcPr>
-                    </a:tc>
-                    <a:extLst>
-                      <a:ext uri="{0D108BD9-81ED-4DB2-BD59-A6C34878D82A}">
-                        <a16:rowId xmlns:a16="http://schemas.microsoft.com/office/drawing/2014/main" val="2665473541"/>
-                      </a:ext>
-                    </a:extLst>
-                  </a:tr>
-                  <a:tr h="376515">
-                    <a:tc>
-                      <a:txBody>
-                        <a:bodyPr/>
-                        <a:lstStyle/>
-                        <a:p>
-                          <a:endParaRPr lang="it-IT"/>
-                        </a:p>
-                      </a:txBody>
-                      <a:tcPr>
-                        <a:lnL w="12700" cap="flat" cmpd="sng" algn="ctr">
-                          <a:solidFill>
-                            <a:schemeClr val="tx1"/>
-                          </a:solidFill>
-                          <a:prstDash val="solid"/>
-                          <a:round/>
-                          <a:headEnd type="none" w="med" len="med"/>
-                          <a:tailEnd type="none" w="med" len="med"/>
-                        </a:lnL>
-                        <a:blipFill>
-                          <a:blip r:embed="rId13"/>
-                          <a:stretch>
-                            <a:fillRect t="-106667" r="-100000" b="-300000"/>
-                          </a:stretch>
-                        </a:blipFill>
-                      </a:tcPr>
-                    </a:tc>
-                    <a:tc>
-                      <a:txBody>
-                        <a:bodyPr/>
-                        <a:lstStyle/>
-                        <a:p>
-                          <a:endParaRPr lang="it-IT" dirty="0"/>
-                        </a:p>
-                      </a:txBody>
-                      <a:tcPr>
-                        <a:lnR w="12700" cap="flat" cmpd="sng" algn="ctr">
-                          <a:solidFill>
-                            <a:schemeClr val="tx1"/>
-                          </a:solidFill>
-                          <a:prstDash val="solid"/>
-                          <a:round/>
-                          <a:headEnd type="none" w="med" len="med"/>
-                          <a:tailEnd type="none" w="med" len="med"/>
-                        </a:lnR>
-                        <a:solidFill>
-                          <a:schemeClr val="bg1">
-                            <a:alpha val="36863"/>
-                          </a:schemeClr>
-                        </a:solidFill>
-                      </a:tcPr>
-                    </a:tc>
-                    <a:extLst>
-                      <a:ext uri="{0D108BD9-81ED-4DB2-BD59-A6C34878D82A}">
-                        <a16:rowId xmlns:a16="http://schemas.microsoft.com/office/drawing/2014/main" val="3119651478"/>
-                      </a:ext>
-                    </a:extLst>
-                  </a:tr>
-                  <a:tr h="376515">
-                    <a:tc>
-                      <a:txBody>
-                        <a:bodyPr/>
-                        <a:lstStyle/>
-                        <a:p>
-                          <a:endParaRPr lang="it-IT"/>
-                        </a:p>
-                      </a:txBody>
-                      <a:tcPr>
-                        <a:lnL w="12700" cap="flat" cmpd="sng" algn="ctr">
-                          <a:solidFill>
-                            <a:schemeClr val="tx1"/>
-                          </a:solidFill>
-                          <a:prstDash val="solid"/>
-                          <a:round/>
-                          <a:headEnd type="none" w="med" len="med"/>
-                          <a:tailEnd type="none" w="med" len="med"/>
-                        </a:lnL>
-                        <a:blipFill>
-                          <a:blip r:embed="rId13"/>
-                          <a:stretch>
-                            <a:fillRect t="-213793" r="-100000" b="-210345"/>
-                          </a:stretch>
-                        </a:blipFill>
-                      </a:tcPr>
-                    </a:tc>
-                    <a:tc>
-                      <a:txBody>
-                        <a:bodyPr/>
-                        <a:lstStyle/>
-                        <a:p>
-                          <a:endParaRPr lang="it-IT"/>
-                        </a:p>
-                      </a:txBody>
-                      <a:tcPr>
-                        <a:lnR w="12700" cap="flat" cmpd="sng" algn="ctr">
-                          <a:solidFill>
-                            <a:schemeClr val="tx1"/>
-                          </a:solidFill>
-                          <a:prstDash val="solid"/>
-                          <a:round/>
-                          <a:headEnd type="none" w="med" len="med"/>
-                          <a:tailEnd type="none" w="med" len="med"/>
-                        </a:lnR>
-                        <a:solidFill>
-                          <a:schemeClr val="bg1">
-                            <a:alpha val="36863"/>
-                          </a:schemeClr>
-                        </a:solidFill>
-                      </a:tcPr>
-                    </a:tc>
-                    <a:extLst>
-                      <a:ext uri="{0D108BD9-81ED-4DB2-BD59-A6C34878D82A}">
-                        <a16:rowId xmlns:a16="http://schemas.microsoft.com/office/drawing/2014/main" val="3465027243"/>
-                      </a:ext>
-                    </a:extLst>
-                  </a:tr>
-                  <a:tr h="376515">
-                    <a:tc>
-                      <a:txBody>
-                        <a:bodyPr/>
-                        <a:lstStyle/>
-                        <a:p>
-                          <a:endParaRPr lang="it-IT"/>
-                        </a:p>
-                      </a:txBody>
-                      <a:tcPr>
-                        <a:lnL w="12700" cap="flat" cmpd="sng" algn="ctr">
-                          <a:solidFill>
-                            <a:schemeClr val="tx1"/>
-                          </a:solidFill>
-                          <a:prstDash val="solid"/>
-                          <a:round/>
-                          <a:headEnd type="none" w="med" len="med"/>
-                          <a:tailEnd type="none" w="med" len="med"/>
-                        </a:lnL>
-                        <a:blipFill>
-                          <a:blip r:embed="rId13"/>
-                          <a:stretch>
-                            <a:fillRect t="-303333" r="-100000" b="-103333"/>
-                          </a:stretch>
-                        </a:blipFill>
-                      </a:tcPr>
-                    </a:tc>
-                    <a:tc>
-                      <a:txBody>
-                        <a:bodyPr/>
-                        <a:lstStyle/>
-                        <a:p>
-                          <a:endParaRPr lang="it-IT" dirty="0"/>
-                        </a:p>
-                      </a:txBody>
-                      <a:tcPr>
-                        <a:lnR w="12700" cap="flat" cmpd="sng" algn="ctr">
-                          <a:solidFill>
-                            <a:schemeClr val="tx1"/>
-                          </a:solidFill>
-                          <a:prstDash val="solid"/>
-                          <a:round/>
-                          <a:headEnd type="none" w="med" len="med"/>
-                          <a:tailEnd type="none" w="med" len="med"/>
-                        </a:lnR>
-                        <a:solidFill>
-                          <a:schemeClr val="bg1">
-                            <a:alpha val="36863"/>
-                          </a:schemeClr>
-                        </a:solidFill>
-                      </a:tcPr>
-                    </a:tc>
-                    <a:extLst>
-                      <a:ext uri="{0D108BD9-81ED-4DB2-BD59-A6C34878D82A}">
-                        <a16:rowId xmlns:a16="http://schemas.microsoft.com/office/drawing/2014/main" val="572882039"/>
-                      </a:ext>
-                    </a:extLst>
-                  </a:tr>
-                  <a:tr h="376515">
-                    <a:tc>
-                      <a:txBody>
-                        <a:bodyPr/>
-                        <a:lstStyle/>
-                        <a:p>
-                          <a:endParaRPr lang="it-IT"/>
-                        </a:p>
-                      </a:txBody>
-                      <a:tcPr>
-                        <a:lnL w="12700" cap="flat" cmpd="sng" algn="ctr">
-                          <a:solidFill>
-                            <a:schemeClr val="tx1"/>
-                          </a:solidFill>
-                          <a:prstDash val="solid"/>
-                          <a:round/>
-                          <a:headEnd type="none" w="med" len="med"/>
-                          <a:tailEnd type="none" w="med" len="med"/>
-                        </a:lnL>
-                        <a:lnB w="12700" cap="flat" cmpd="sng" algn="ctr">
-                          <a:solidFill>
-                            <a:schemeClr val="tx1"/>
-                          </a:solidFill>
-                          <a:prstDash val="solid"/>
-                          <a:round/>
-                          <a:headEnd type="none" w="med" len="med"/>
-                          <a:tailEnd type="none" w="med" len="med"/>
-                        </a:lnB>
-                        <a:blipFill>
-                          <a:blip r:embed="rId13"/>
-                          <a:stretch>
-                            <a:fillRect t="-403333" r="-100000" b="-3333"/>
-                          </a:stretch>
-                        </a:blipFill>
-                      </a:tcPr>
-                    </a:tc>
-                    <a:tc>
-                      <a:txBody>
-                        <a:bodyPr/>
-                        <a:lstStyle/>
-                        <a:p>
-                          <a:endParaRPr lang="it-IT" dirty="0"/>
-                        </a:p>
-                      </a:txBody>
-                      <a:tcPr>
-                        <a:lnR w="12700" cap="flat" cmpd="sng" algn="ctr">
-                          <a:solidFill>
-                            <a:schemeClr val="tx1"/>
-                          </a:solidFill>
-                          <a:prstDash val="solid"/>
-                          <a:round/>
-                          <a:headEnd type="none" w="med" len="med"/>
-                          <a:tailEnd type="none" w="med" len="med"/>
-                        </a:lnR>
-                        <a:lnB w="12700" cap="flat" cmpd="sng" algn="ctr">
-                          <a:solidFill>
-                            <a:schemeClr val="tx1"/>
-                          </a:solidFill>
-                          <a:prstDash val="solid"/>
-                          <a:round/>
-                          <a:headEnd type="none" w="med" len="med"/>
-                          <a:tailEnd type="none" w="med" len="med"/>
-                        </a:lnB>
-                        <a:solidFill>
-                          <a:schemeClr val="bg1">
-                            <a:alpha val="36863"/>
-                          </a:schemeClr>
-                        </a:solidFill>
-                      </a:tcPr>
-                    </a:tc>
-                    <a:extLst>
-                      <a:ext uri="{0D108BD9-81ED-4DB2-BD59-A6C34878D82A}">
-                        <a16:rowId xmlns:a16="http://schemas.microsoft.com/office/drawing/2014/main" val="4183447673"/>
-                      </a:ext>
-                    </a:extLst>
-                  </a:tr>
-                </a:tbl>
-              </a:graphicData>
-            </a:graphic>
-          </p:graphicFrame>
-        </mc:Fallback>
-      </mc:AlternateContent>
-    </p:spTree>
-  </p:cSld>
-  <p:clrMapOvr>
-    <a:masterClrMapping/>
-  </p:clrMapOvr>
-</p:sld>
-</file>
-
-<file path=ppt/slides/slide7.xml><?xml version="1.0" encoding="utf-8"?>
-<p:sld xmlns:a="http://schemas.openxmlformats.org/drawingml/2006/main" xmlns:r="http://schemas.openxmlformats.org/officeDocument/2006/relationships" xmlns:p="http://schemas.openxmlformats.org/presentationml/2006/main">
-  <p:cSld>
-    <p:spTree>
-      <p:nvGrpSpPr>
-        <p:cNvPr id="1" name=""/>
-        <p:cNvGrpSpPr/>
-        <p:nvPr/>
-      </p:nvGrpSpPr>
-      <p:grpSpPr>
-        <a:xfrm>
-          <a:off x="0" y="0"/>
-          <a:ext cx="0" cy="0"/>
-          <a:chOff x="0" y="0"/>
-          <a:chExt cx="0" cy="0"/>
-        </a:xfrm>
-      </p:grpSpPr>
-      <p:sp>
-        <p:nvSpPr>
-          <p:cNvPr id="114" name="PlaceHolder 1"/>
-          <p:cNvSpPr>
-            <a:spLocks noGrp="1"/>
-          </p:cNvSpPr>
-          <p:nvPr>
-            <p:ph/>
-          </p:nvPr>
         </p:nvSpPr>
         <p:spPr>
           <a:xfrm>
@@ -12733,243 +14064,60 @@
           <a:bodyPr lIns="90000" tIns="45000" rIns="90000" bIns="45000" anchor="t">
             <a:noAutofit/>
           </a:bodyPr>
-          <a:lstStyle/>
-          <a:p>
-            <a:pPr marL="228600" indent="-228600">
+          <a:lstStyle>
+            <a:lvl1pPr algn="l" defTabSz="914400" rtl="0" eaLnBrk="1" latinLnBrk="0" hangingPunct="1">
               <a:lnSpc>
                 <a:spcPct val="90000"/>
               </a:lnSpc>
               <a:spcBef>
+                <a:spcPct val="0"/>
+              </a:spcBef>
+              <a:buNone/>
+              <a:defRPr sz="4400" kern="1200">
+                <a:solidFill>
+                  <a:schemeClr val="tx1"/>
+                </a:solidFill>
+                <a:latin typeface="+mj-lt"/>
+                <a:ea typeface="+mj-ea"/>
+                <a:cs typeface="+mj-cs"/>
+              </a:defRPr>
+            </a:lvl1pPr>
+          </a:lstStyle>
+          <a:p>
+            <a:pPr marL="228600" indent="-228600">
+              <a:spcBef>
                 <a:spcPts val="1001"/>
               </a:spcBef>
-              <a:buNone/>
               <a:tabLst>
                 <a:tab pos="0" algn="l"/>
               </a:tabLst>
             </a:pPr>
             <a:r>
-              <a:rPr lang="it-IT" sz="1100" b="0" strike="noStrike" spc="-1">
+              <a:rPr lang="it-IT" sz="1100" spc="-1" dirty="0">
                 <a:solidFill>
                   <a:srgbClr val="FFFFFF"/>
                 </a:solidFill>
                 <a:latin typeface="Verdana"/>
                 <a:ea typeface="Verdana"/>
               </a:rPr>
-              <a:t>Controllo visivo in Sliding Mode di un Rover</a:t>
-            </a:r>
-            <a:endParaRPr lang="it-IT" sz="1100" b="0" strike="noStrike" spc="-1">
-              <a:latin typeface="Arial"/>
-            </a:endParaRPr>
-          </a:p>
-        </p:txBody>
-      </p:sp>
-      <p:sp>
-        <p:nvSpPr>
-          <p:cNvPr id="116" name="PlaceHolder 3"/>
-          <p:cNvSpPr>
-            <a:spLocks noGrp="1"/>
-          </p:cNvSpPr>
-          <p:nvPr>
-            <p:ph type="title"/>
-          </p:nvPr>
-        </p:nvSpPr>
-        <p:spPr>
-          <a:xfrm>
-            <a:off x="775800" y="957960"/>
-            <a:ext cx="8793360" cy="853920"/>
-          </a:xfrm>
-          <a:prstGeom prst="rect">
-            <a:avLst/>
-          </a:prstGeom>
-          <a:noFill/>
-          <a:ln w="0">
-            <a:noFill/>
-          </a:ln>
-        </p:spPr>
-        <p:txBody>
-          <a:bodyPr lIns="90000" tIns="45000" rIns="90000" bIns="45000" anchor="t">
-            <a:noAutofit/>
-          </a:bodyPr>
-          <a:lstStyle/>
-          <a:p>
-            <a:pPr>
-              <a:lnSpc>
-                <a:spcPct val="90000"/>
-              </a:lnSpc>
-              <a:buNone/>
-            </a:pPr>
-            <a:r>
-              <a:rPr lang="it-IT" sz="2200" b="1" strike="noStrike" spc="-1">
+              <a:t>Controllo tramite Potenziali Artificiali di un Rover con marker </a:t>
+            </a:r>
+            <a:r>
+              <a:rPr lang="it-IT" sz="1100" spc="-1" dirty="0" err="1">
                 <a:solidFill>
-                  <a:srgbClr val="000000"/>
+                  <a:srgbClr val="FFFFFF"/>
                 </a:solidFill>
                 <a:latin typeface="Verdana"/>
                 <a:ea typeface="Verdana"/>
               </a:rPr>
-              <a:t>Nodo controllo</a:t>
-            </a:r>
-            <a:endParaRPr lang="it-IT" sz="2200" b="0" strike="noStrike" spc="-1">
+              <a:t>ArUco</a:t>
+            </a:r>
+            <a:endParaRPr lang="it-IT" sz="1100" spc="-1" dirty="0">
               <a:latin typeface="Arial"/>
             </a:endParaRPr>
           </a:p>
         </p:txBody>
       </p:sp>
-      <p:pic>
-        <p:nvPicPr>
-          <p:cNvPr id="3" name="Elemento grafico 2">
-            <a:extLst>
-              <a:ext uri="{FF2B5EF4-FFF2-40B4-BE49-F238E27FC236}">
-                <a16:creationId xmlns:a16="http://schemas.microsoft.com/office/drawing/2014/main" id="{60E7DD48-7F42-DFE4-E7ED-66B0F31FF4A0}"/>
-              </a:ext>
-            </a:extLst>
-          </p:cNvPr>
-          <p:cNvPicPr>
-            <a:picLocks noChangeAspect="1"/>
-          </p:cNvPicPr>
-          <p:nvPr/>
-        </p:nvPicPr>
-        <p:blipFill>
-          <a:blip r:embed="rId3">
-            <a:extLst>
-              <a:ext uri="{28A0092B-C50C-407E-A947-70E740481C1C}">
-                <a14:useLocalDpi xmlns:a14="http://schemas.microsoft.com/office/drawing/2010/main" val="0"/>
-              </a:ext>
-              <a:ext uri="{96DAC541-7B7A-43D3-8B79-37D633B846F1}">
-                <asvg:svgBlip xmlns:asvg="http://schemas.microsoft.com/office/drawing/2016/SVG/main" r:embed="rId4"/>
-              </a:ext>
-            </a:extLst>
-          </a:blip>
-          <a:stretch>
-            <a:fillRect/>
-          </a:stretch>
-        </p:blipFill>
-        <p:spPr>
-          <a:xfrm>
-            <a:off x="775800" y="3234117"/>
-            <a:ext cx="2277359" cy="1664224"/>
-          </a:xfrm>
-          <a:prstGeom prst="rect">
-            <a:avLst/>
-          </a:prstGeom>
-        </p:spPr>
-      </p:pic>
-      <p:pic>
-        <p:nvPicPr>
-          <p:cNvPr id="7" name="Elemento grafico 6">
-            <a:extLst>
-              <a:ext uri="{FF2B5EF4-FFF2-40B4-BE49-F238E27FC236}">
-                <a16:creationId xmlns:a16="http://schemas.microsoft.com/office/drawing/2014/main" id="{DD59CABE-83A3-D538-3AD8-901AC1286E22}"/>
-              </a:ext>
-            </a:extLst>
-          </p:cNvPr>
-          <p:cNvPicPr>
-            <a:picLocks noChangeAspect="1"/>
-          </p:cNvPicPr>
-          <p:nvPr/>
-        </p:nvPicPr>
-        <p:blipFill>
-          <a:blip r:embed="rId5">
-            <a:extLst>
-              <a:ext uri="{28A0092B-C50C-407E-A947-70E740481C1C}">
-                <a14:useLocalDpi xmlns:a14="http://schemas.microsoft.com/office/drawing/2010/main" val="0"/>
-              </a:ext>
-              <a:ext uri="{96DAC541-7B7A-43D3-8B79-37D633B846F1}">
-                <asvg:svgBlip xmlns:asvg="http://schemas.microsoft.com/office/drawing/2016/SVG/main" r:embed="rId6"/>
-              </a:ext>
-            </a:extLst>
-          </a:blip>
-          <a:stretch>
-            <a:fillRect/>
-          </a:stretch>
-        </p:blipFill>
-        <p:spPr>
-          <a:xfrm>
-            <a:off x="2201551" y="1810648"/>
-            <a:ext cx="6904742" cy="575395"/>
-          </a:xfrm>
-          <a:prstGeom prst="rect">
-            <a:avLst/>
-          </a:prstGeom>
-        </p:spPr>
-      </p:pic>
-      <p:pic>
-        <p:nvPicPr>
-          <p:cNvPr id="9" name="Elemento grafico 8">
-            <a:extLst>
-              <a:ext uri="{FF2B5EF4-FFF2-40B4-BE49-F238E27FC236}">
-                <a16:creationId xmlns:a16="http://schemas.microsoft.com/office/drawing/2014/main" id="{ADE7A7CA-EEE2-AFA0-7256-B7316628FCEE}"/>
-              </a:ext>
-            </a:extLst>
-          </p:cNvPr>
-          <p:cNvPicPr>
-            <a:picLocks noChangeAspect="1"/>
-          </p:cNvPicPr>
-          <p:nvPr/>
-        </p:nvPicPr>
-        <p:blipFill>
-          <a:blip r:embed="rId7">
-            <a:extLst>
-              <a:ext uri="{28A0092B-C50C-407E-A947-70E740481C1C}">
-                <a14:useLocalDpi xmlns:a14="http://schemas.microsoft.com/office/drawing/2010/main" val="0"/>
-              </a:ext>
-              <a:ext uri="{96DAC541-7B7A-43D3-8B79-37D633B846F1}">
-                <asvg:svgBlip xmlns:asvg="http://schemas.microsoft.com/office/drawing/2016/SVG/main" r:embed="rId8"/>
-              </a:ext>
-            </a:extLst>
-          </a:blip>
-          <a:stretch>
-            <a:fillRect/>
-          </a:stretch>
-        </p:blipFill>
-        <p:spPr>
-          <a:xfrm>
-            <a:off x="7017174" y="3818055"/>
-            <a:ext cx="3876386" cy="398714"/>
-          </a:xfrm>
-          <a:prstGeom prst="rect">
-            <a:avLst/>
-          </a:prstGeom>
-        </p:spPr>
-      </p:pic>
-      <p:pic>
-        <p:nvPicPr>
-          <p:cNvPr id="11" name="Elemento grafico 10">
-            <a:extLst>
-              <a:ext uri="{FF2B5EF4-FFF2-40B4-BE49-F238E27FC236}">
-                <a16:creationId xmlns:a16="http://schemas.microsoft.com/office/drawing/2014/main" id="{CB30D64F-1F09-B963-F2D6-FB8A4C54F2B5}"/>
-              </a:ext>
-            </a:extLst>
-          </p:cNvPr>
-          <p:cNvPicPr>
-            <a:picLocks noChangeAspect="1"/>
-          </p:cNvPicPr>
-          <p:nvPr/>
-        </p:nvPicPr>
-        <p:blipFill>
-          <a:blip r:embed="rId9">
-            <a:extLst>
-              <a:ext uri="{28A0092B-C50C-407E-A947-70E740481C1C}">
-                <a14:useLocalDpi xmlns:a14="http://schemas.microsoft.com/office/drawing/2010/main" val="0"/>
-              </a:ext>
-              <a:ext uri="{96DAC541-7B7A-43D3-8B79-37D633B846F1}">
-                <asvg:svgBlip xmlns:asvg="http://schemas.microsoft.com/office/drawing/2016/SVG/main" r:embed="rId10"/>
-              </a:ext>
-            </a:extLst>
-          </a:blip>
-          <a:stretch>
-            <a:fillRect/>
-          </a:stretch>
-        </p:blipFill>
-        <p:spPr>
-          <a:xfrm>
-            <a:off x="7017174" y="3345720"/>
-            <a:ext cx="1353828" cy="275780"/>
-          </a:xfrm>
-          <a:prstGeom prst="rect">
-            <a:avLst/>
-          </a:prstGeom>
-        </p:spPr>
-      </p:pic>
     </p:spTree>
   </p:cSld>
   <p:clrMapOvr>
@@ -12997,64 +14145,7 @@
       </p:grpSpPr>
       <p:sp>
         <p:nvSpPr>
-          <p:cNvPr id="120" name="PlaceHolder 1"/>
-          <p:cNvSpPr>
-            <a:spLocks noGrp="1"/>
-          </p:cNvSpPr>
-          <p:nvPr>
-            <p:ph/>
-          </p:nvPr>
-        </p:nvSpPr>
-        <p:spPr>
-          <a:xfrm>
-            <a:off x="328680" y="6607440"/>
-            <a:ext cx="10119600" cy="249840"/>
-          </a:xfrm>
-          <a:prstGeom prst="rect">
-            <a:avLst/>
-          </a:prstGeom>
-          <a:noFill/>
-          <a:ln w="0">
-            <a:noFill/>
-          </a:ln>
-        </p:spPr>
-        <p:txBody>
-          <a:bodyPr lIns="90000" tIns="45000" rIns="90000" bIns="45000" anchor="t">
-            <a:noAutofit/>
-          </a:bodyPr>
-          <a:lstStyle/>
-          <a:p>
-            <a:pPr marL="228600" indent="-228600">
-              <a:lnSpc>
-                <a:spcPct val="90000"/>
-              </a:lnSpc>
-              <a:spcBef>
-                <a:spcPts val="1001"/>
-              </a:spcBef>
-              <a:buNone/>
-              <a:tabLst>
-                <a:tab pos="0" algn="l"/>
-              </a:tabLst>
-            </a:pPr>
-            <a:r>
-              <a:rPr lang="it-IT" sz="1100" b="0" strike="noStrike" spc="-1">
-                <a:solidFill>
-                  <a:srgbClr val="FFFFFF"/>
-                </a:solidFill>
-                <a:latin typeface="Verdana"/>
-                <a:ea typeface="Verdana"/>
-              </a:rPr>
-              <a:t>Controllo visivo in Sliding Mode di un Rover</a:t>
-            </a:r>
-            <a:endParaRPr lang="it-IT" sz="1100" b="0" strike="noStrike" spc="-1">
-              <a:latin typeface="Arial"/>
-            </a:endParaRPr>
-          </a:p>
-        </p:txBody>
-      </p:sp>
-      <p:sp>
-        <p:nvSpPr>
-          <p:cNvPr id="121" name="PlaceHolder 2"/>
+          <p:cNvPr id="106" name="PlaceHolder 3"/>
           <p:cNvSpPr>
             <a:spLocks noGrp="1"/>
           </p:cNvSpPr>
@@ -13103,12 +14194,130 @@
           </a:p>
         </p:txBody>
       </p:sp>
+      <p:sp>
+        <p:nvSpPr>
+          <p:cNvPr id="108" name="Titolo 1"/>
+          <p:cNvSpPr/>
+          <p:nvPr/>
+        </p:nvSpPr>
+        <p:spPr>
+          <a:xfrm>
+            <a:off x="776160" y="958320"/>
+            <a:ext cx="8793360" cy="853920"/>
+          </a:xfrm>
+          <a:prstGeom prst="rect">
+            <a:avLst/>
+          </a:prstGeom>
+          <a:noFill/>
+          <a:ln w="0">
+            <a:noFill/>
+          </a:ln>
+        </p:spPr>
+        <p:style>
+          <a:lnRef idx="0">
+            <a:scrgbClr r="0" g="0" b="0"/>
+          </a:lnRef>
+          <a:fillRef idx="0">
+            <a:scrgbClr r="0" g="0" b="0"/>
+          </a:fillRef>
+          <a:effectRef idx="0">
+            <a:scrgbClr r="0" g="0" b="0"/>
+          </a:effectRef>
+          <a:fontRef idx="minor"/>
+        </p:style>
+        <p:txBody>
+          <a:bodyPr lIns="90000" tIns="45000" rIns="90000" bIns="45000" anchor="t">
+            <a:noAutofit/>
+          </a:bodyPr>
+          <a:lstStyle/>
+          <a:p>
+            <a:pPr>
+              <a:lnSpc>
+                <a:spcPct val="90000"/>
+              </a:lnSpc>
+              <a:buNone/>
+            </a:pPr>
+            <a:r>
+              <a:rPr lang="it-IT" sz="2200" b="1" strike="noStrike" spc="-1">
+                <a:solidFill>
+                  <a:srgbClr val="000000"/>
+                </a:solidFill>
+                <a:latin typeface="Verdana"/>
+                <a:ea typeface="Verdana"/>
+              </a:rPr>
+              <a:t>Nodo controllo</a:t>
+            </a:r>
+            <a:endParaRPr lang="it-IT" sz="2200" b="0" strike="noStrike" spc="-1">
+              <a:latin typeface="Arial"/>
+            </a:endParaRPr>
+          </a:p>
+        </p:txBody>
+      </p:sp>
+      <p:sp>
+        <p:nvSpPr>
+          <p:cNvPr id="110" name="Titolo 2"/>
+          <p:cNvSpPr/>
+          <p:nvPr/>
+        </p:nvSpPr>
+        <p:spPr>
+          <a:xfrm>
+            <a:off x="776520" y="958680"/>
+            <a:ext cx="8793360" cy="853920"/>
+          </a:xfrm>
+          <a:prstGeom prst="rect">
+            <a:avLst/>
+          </a:prstGeom>
+          <a:noFill/>
+          <a:ln w="0">
+            <a:noFill/>
+          </a:ln>
+        </p:spPr>
+        <p:style>
+          <a:lnRef idx="0">
+            <a:scrgbClr r="0" g="0" b="0"/>
+          </a:lnRef>
+          <a:fillRef idx="0">
+            <a:scrgbClr r="0" g="0" b="0"/>
+          </a:fillRef>
+          <a:effectRef idx="0">
+            <a:scrgbClr r="0" g="0" b="0"/>
+          </a:effectRef>
+          <a:fontRef idx="minor"/>
+        </p:style>
+        <p:txBody>
+          <a:bodyPr lIns="90000" tIns="45000" rIns="90000" bIns="45000" anchor="t">
+            <a:noAutofit/>
+          </a:bodyPr>
+          <a:lstStyle/>
+          <a:p>
+            <a:pPr>
+              <a:lnSpc>
+                <a:spcPct val="90000"/>
+              </a:lnSpc>
+              <a:buNone/>
+            </a:pPr>
+            <a:r>
+              <a:rPr lang="it-IT" sz="2200" b="1" strike="noStrike" spc="-1">
+                <a:solidFill>
+                  <a:srgbClr val="000000"/>
+                </a:solidFill>
+                <a:latin typeface="Verdana"/>
+                <a:ea typeface="Verdana"/>
+              </a:rPr>
+              <a:t>Nodo controllo</a:t>
+            </a:r>
+            <a:endParaRPr lang="it-IT" sz="2200" b="0" strike="noStrike" spc="-1">
+              <a:latin typeface="Arial"/>
+            </a:endParaRPr>
+          </a:p>
+        </p:txBody>
+      </p:sp>
       <p:pic>
         <p:nvPicPr>
-          <p:cNvPr id="3" name="Elemento grafico 2">
+          <p:cNvPr id="11" name="Elemento grafico 10">
             <a:extLst>
               <a:ext uri="{FF2B5EF4-FFF2-40B4-BE49-F238E27FC236}">
-                <a16:creationId xmlns:a16="http://schemas.microsoft.com/office/drawing/2014/main" id="{37A8DE77-88B5-45FE-67C5-49E00E193920}"/>
+                <a16:creationId xmlns:a16="http://schemas.microsoft.com/office/drawing/2014/main" id="{CABD73F2-4B21-FD84-B62F-7AF7BBB05A19}"/>
               </a:ext>
             </a:extLst>
           </p:cNvPr>
@@ -13134,20 +14343,55 @@
         </p:blipFill>
         <p:spPr>
           <a:xfrm>
-            <a:off x="451831" y="3327354"/>
-            <a:ext cx="4013215" cy="657684"/>
+            <a:off x="586090" y="4074924"/>
+            <a:ext cx="3655170" cy="690137"/>
           </a:xfrm>
           <a:prstGeom prst="rect">
             <a:avLst/>
           </a:prstGeom>
         </p:spPr>
       </p:pic>
+      <p:sp>
+        <p:nvSpPr>
+          <p:cNvPr id="5" name="CasellaDiTesto 4">
+            <a:extLst>
+              <a:ext uri="{FF2B5EF4-FFF2-40B4-BE49-F238E27FC236}">
+                <a16:creationId xmlns:a16="http://schemas.microsoft.com/office/drawing/2014/main" id="{681584F4-5174-938E-EF99-E2302DD4FB36}"/>
+              </a:ext>
+            </a:extLst>
+          </p:cNvPr>
+          <p:cNvSpPr txBox="1"/>
+          <p:nvPr/>
+        </p:nvSpPr>
+        <p:spPr>
+          <a:xfrm>
+            <a:off x="586090" y="1778471"/>
+            <a:ext cx="9744683" cy="923330"/>
+          </a:xfrm>
+          <a:prstGeom prst="rect">
+            <a:avLst/>
+          </a:prstGeom>
+          <a:noFill/>
+        </p:spPr>
+        <p:txBody>
+          <a:bodyPr wrap="square">
+            <a:spAutoFit/>
+          </a:bodyPr>
+          <a:lstStyle/>
+          <a:p>
+            <a:r>
+              <a:rPr lang="it-IT" dirty="0"/>
+              <a:t>Si considera quindi il robot come una particella che si muove in un campo potenziale artificiale, il quale è a sua volta la somma di due campi: un campo attrattivo (che attrae il robot verso il goal) e un campo repulsivo (che allontana il robot dagli ostacoli).</a:t>
+            </a:r>
+          </a:p>
+        </p:txBody>
+      </p:sp>
       <p:pic>
         <p:nvPicPr>
-          <p:cNvPr id="5" name="Elemento grafico 4">
+          <p:cNvPr id="6" name="Elemento grafico 5">
             <a:extLst>
               <a:ext uri="{FF2B5EF4-FFF2-40B4-BE49-F238E27FC236}">
-                <a16:creationId xmlns:a16="http://schemas.microsoft.com/office/drawing/2014/main" id="{21F6FA40-3393-52E4-4F8F-D4C76F1E90FB}"/>
+                <a16:creationId xmlns:a16="http://schemas.microsoft.com/office/drawing/2014/main" id="{B2C19C55-EB18-A57C-A218-16CB3D3F61F1}"/>
               </a:ext>
             </a:extLst>
           </p:cNvPr>
@@ -13173,8 +14417,8 @@
         </p:blipFill>
         <p:spPr>
           <a:xfrm>
-            <a:off x="451831" y="2477010"/>
-            <a:ext cx="5368852" cy="724795"/>
+            <a:off x="586090" y="2945824"/>
+            <a:ext cx="7215260" cy="760931"/>
           </a:xfrm>
           <a:prstGeom prst="rect">
             <a:avLst/>
@@ -13183,10 +14427,10 @@
       </p:pic>
       <p:pic>
         <p:nvPicPr>
-          <p:cNvPr id="7" name="Elemento grafico 6">
+          <p:cNvPr id="8" name="Elemento grafico 7">
             <a:extLst>
               <a:ext uri="{FF2B5EF4-FFF2-40B4-BE49-F238E27FC236}">
-                <a16:creationId xmlns:a16="http://schemas.microsoft.com/office/drawing/2014/main" id="{DE3D8ECA-9D3C-07C7-DD2A-619B3BEC40BF}"/>
+                <a16:creationId xmlns:a16="http://schemas.microsoft.com/office/drawing/2014/main" id="{33AF3673-227F-3FA3-057A-8C0638EA248D}"/>
               </a:ext>
             </a:extLst>
           </p:cNvPr>
@@ -13212,210 +14456,105 @@
         </p:blipFill>
         <p:spPr>
           <a:xfrm>
-            <a:off x="451831" y="1717485"/>
-            <a:ext cx="7395593" cy="724795"/>
+            <a:off x="8070546" y="4419992"/>
+            <a:ext cx="2998667" cy="1569396"/>
           </a:xfrm>
           <a:prstGeom prst="rect">
             <a:avLst/>
           </a:prstGeom>
         </p:spPr>
       </p:pic>
-      <p:pic>
-        <p:nvPicPr>
-          <p:cNvPr id="9" name="Elemento grafico 8">
+      <p:sp>
+        <p:nvSpPr>
+          <p:cNvPr id="10" name="PlaceHolder 1">
             <a:extLst>
               <a:ext uri="{FF2B5EF4-FFF2-40B4-BE49-F238E27FC236}">
-                <a16:creationId xmlns:a16="http://schemas.microsoft.com/office/drawing/2014/main" id="{3EB6B0C6-4C4E-88BB-7D9B-C689576F33FE}"/>
+                <a16:creationId xmlns:a16="http://schemas.microsoft.com/office/drawing/2014/main" id="{92462287-7C2F-401A-7FF9-6CFED314CE4D}"/>
               </a:ext>
             </a:extLst>
           </p:cNvPr>
-          <p:cNvPicPr>
-            <a:picLocks noChangeAspect="1"/>
-          </p:cNvPicPr>
+          <p:cNvSpPr txBox="1">
+            <a:spLocks/>
+          </p:cNvSpPr>
           <p:nvPr/>
-        </p:nvPicPr>
-        <p:blipFill>
-          <a:blip r:embed="rId9">
-            <a:extLst>
-              <a:ext uri="{28A0092B-C50C-407E-A947-70E740481C1C}">
-                <a14:useLocalDpi xmlns:a14="http://schemas.microsoft.com/office/drawing/2010/main" val="0"/>
-              </a:ext>
-              <a:ext uri="{96DAC541-7B7A-43D3-8B79-37D633B846F1}">
-                <asvg:svgBlip xmlns:asvg="http://schemas.microsoft.com/office/drawing/2016/SVG/main" r:embed="rId10"/>
-              </a:ext>
-            </a:extLst>
-          </a:blip>
-          <a:stretch>
-            <a:fillRect/>
-          </a:stretch>
-        </p:blipFill>
-        <p:spPr>
-          <a:xfrm>
-            <a:off x="328680" y="5439964"/>
-            <a:ext cx="6553388" cy="298498"/>
-          </a:xfrm>
-          <a:prstGeom prst="rect">
-            <a:avLst/>
-          </a:prstGeom>
-        </p:spPr>
-      </p:pic>
-      <p:pic>
-        <p:nvPicPr>
-          <p:cNvPr id="11" name="Elemento grafico 10">
-            <a:extLst>
-              <a:ext uri="{FF2B5EF4-FFF2-40B4-BE49-F238E27FC236}">
-                <a16:creationId xmlns:a16="http://schemas.microsoft.com/office/drawing/2014/main" id="{07A58E34-4FD3-7704-E075-B36D7C7C3028}"/>
-              </a:ext>
-            </a:extLst>
-          </p:cNvPr>
-          <p:cNvPicPr>
-            <a:picLocks noChangeAspect="1"/>
-          </p:cNvPicPr>
-          <p:nvPr/>
-        </p:nvPicPr>
-        <p:blipFill>
-          <a:blip r:embed="rId11">
-            <a:extLst>
-              <a:ext uri="{28A0092B-C50C-407E-A947-70E740481C1C}">
-                <a14:useLocalDpi xmlns:a14="http://schemas.microsoft.com/office/drawing/2010/main" val="0"/>
-              </a:ext>
-              <a:ext uri="{96DAC541-7B7A-43D3-8B79-37D633B846F1}">
-                <asvg:svgBlip xmlns:asvg="http://schemas.microsoft.com/office/drawing/2016/SVG/main" r:embed="rId12"/>
-              </a:ext>
-            </a:extLst>
-          </a:blip>
-          <a:stretch>
-            <a:fillRect/>
-          </a:stretch>
-        </p:blipFill>
-        <p:spPr>
-          <a:xfrm>
-            <a:off x="7455994" y="5546007"/>
-            <a:ext cx="469570" cy="144483"/>
-          </a:xfrm>
-          <a:prstGeom prst="rect">
-            <a:avLst/>
-          </a:prstGeom>
-        </p:spPr>
-      </p:pic>
-      <p:pic>
-        <p:nvPicPr>
-          <p:cNvPr id="13" name="Elemento grafico 12">
-            <a:extLst>
-              <a:ext uri="{FF2B5EF4-FFF2-40B4-BE49-F238E27FC236}">
-                <a16:creationId xmlns:a16="http://schemas.microsoft.com/office/drawing/2014/main" id="{2C257892-A96C-6906-3B78-2205EF09F4ED}"/>
-              </a:ext>
-            </a:extLst>
-          </p:cNvPr>
-          <p:cNvPicPr>
-            <a:picLocks noChangeAspect="1"/>
-          </p:cNvPicPr>
-          <p:nvPr/>
-        </p:nvPicPr>
-        <p:blipFill>
-          <a:blip r:embed="rId13">
-            <a:extLst>
-              <a:ext uri="{28A0092B-C50C-407E-A947-70E740481C1C}">
-                <a14:useLocalDpi xmlns:a14="http://schemas.microsoft.com/office/drawing/2010/main" val="0"/>
-              </a:ext>
-              <a:ext uri="{96DAC541-7B7A-43D3-8B79-37D633B846F1}">
-                <asvg:svgBlip xmlns:asvg="http://schemas.microsoft.com/office/drawing/2016/SVG/main" r:embed="rId14"/>
-              </a:ext>
-            </a:extLst>
-          </a:blip>
-          <a:stretch>
-            <a:fillRect/>
-          </a:stretch>
-        </p:blipFill>
-        <p:spPr>
-          <a:xfrm>
-            <a:off x="8566864" y="5317254"/>
-            <a:ext cx="2598739" cy="539361"/>
-          </a:xfrm>
-          <a:prstGeom prst="rect">
-            <a:avLst/>
-          </a:prstGeom>
-        </p:spPr>
-      </p:pic>
-      <p:pic>
-        <p:nvPicPr>
-          <p:cNvPr id="15" name="Elemento grafico 14">
-            <a:extLst>
-              <a:ext uri="{FF2B5EF4-FFF2-40B4-BE49-F238E27FC236}">
-                <a16:creationId xmlns:a16="http://schemas.microsoft.com/office/drawing/2014/main" id="{A26EC5CB-FC24-3664-2089-2AA6C241D358}"/>
-              </a:ext>
-            </a:extLst>
-          </p:cNvPr>
-          <p:cNvPicPr>
-            <a:picLocks noChangeAspect="1"/>
-          </p:cNvPicPr>
-          <p:nvPr/>
-        </p:nvPicPr>
-        <p:blipFill>
-          <a:blip r:embed="rId15">
-            <a:extLst>
-              <a:ext uri="{28A0092B-C50C-407E-A947-70E740481C1C}">
-                <a14:useLocalDpi xmlns:a14="http://schemas.microsoft.com/office/drawing/2010/main" val="0"/>
-              </a:ext>
-              <a:ext uri="{96DAC541-7B7A-43D3-8B79-37D633B846F1}">
-                <asvg:svgBlip xmlns:asvg="http://schemas.microsoft.com/office/drawing/2016/SVG/main" r:embed="rId16"/>
-              </a:ext>
-            </a:extLst>
-          </a:blip>
-          <a:stretch>
-            <a:fillRect/>
-          </a:stretch>
-        </p:blipFill>
-        <p:spPr>
-          <a:xfrm>
-            <a:off x="9311984" y="3359916"/>
-            <a:ext cx="1037797" cy="249840"/>
-          </a:xfrm>
-          <a:prstGeom prst="rect">
-            <a:avLst/>
-          </a:prstGeom>
-        </p:spPr>
-      </p:pic>
-      <p:pic>
-        <p:nvPicPr>
-          <p:cNvPr id="17" name="Elemento grafico 16">
-            <a:extLst>
-              <a:ext uri="{FF2B5EF4-FFF2-40B4-BE49-F238E27FC236}">
-                <a16:creationId xmlns:a16="http://schemas.microsoft.com/office/drawing/2014/main" id="{EC92398E-EA15-A4FA-2314-01A0A247876D}"/>
-              </a:ext>
-            </a:extLst>
-          </p:cNvPr>
-          <p:cNvPicPr>
-            <a:picLocks noChangeAspect="1"/>
-          </p:cNvPicPr>
-          <p:nvPr/>
-        </p:nvPicPr>
-        <p:blipFill>
-          <a:blip r:embed="rId17">
-            <a:extLst>
-              <a:ext uri="{28A0092B-C50C-407E-A947-70E740481C1C}">
-                <a14:useLocalDpi xmlns:a14="http://schemas.microsoft.com/office/drawing/2010/main" val="0"/>
-              </a:ext>
-              <a:ext uri="{96DAC541-7B7A-43D3-8B79-37D633B846F1}">
-                <asvg:svgBlip xmlns:asvg="http://schemas.microsoft.com/office/drawing/2016/SVG/main" r:embed="rId18"/>
-              </a:ext>
-            </a:extLst>
-          </a:blip>
-          <a:stretch>
-            <a:fillRect/>
-          </a:stretch>
-        </p:blipFill>
-        <p:spPr>
-          <a:xfrm>
-            <a:off x="9224654" y="3013878"/>
-            <a:ext cx="1768098" cy="249840"/>
-          </a:xfrm>
-          <a:prstGeom prst="rect">
-            <a:avLst/>
-          </a:prstGeom>
-        </p:spPr>
-      </p:pic>
+        </p:nvSpPr>
+        <p:spPr>
+          <a:xfrm>
+            <a:off x="328680" y="6607440"/>
+            <a:ext cx="10119600" cy="249840"/>
+          </a:xfrm>
+          <a:prstGeom prst="rect">
+            <a:avLst/>
+          </a:prstGeom>
+          <a:noFill/>
+          <a:ln w="0">
+            <a:noFill/>
+          </a:ln>
+        </p:spPr>
+        <p:txBody>
+          <a:bodyPr lIns="90000" tIns="45000" rIns="90000" bIns="45000" anchor="t">
+            <a:noAutofit/>
+          </a:bodyPr>
+          <a:lstStyle>
+            <a:lvl1pPr algn="l" defTabSz="914400" rtl="0" eaLnBrk="1" latinLnBrk="0" hangingPunct="1">
+              <a:lnSpc>
+                <a:spcPct val="90000"/>
+              </a:lnSpc>
+              <a:spcBef>
+                <a:spcPct val="0"/>
+              </a:spcBef>
+              <a:buNone/>
+              <a:defRPr sz="4400" kern="1200">
+                <a:solidFill>
+                  <a:schemeClr val="tx1"/>
+                </a:solidFill>
+                <a:latin typeface="+mj-lt"/>
+                <a:ea typeface="+mj-ea"/>
+                <a:cs typeface="+mj-cs"/>
+              </a:defRPr>
+            </a:lvl1pPr>
+          </a:lstStyle>
+          <a:p>
+            <a:pPr marL="228600" indent="-228600">
+              <a:spcBef>
+                <a:spcPts val="1001"/>
+              </a:spcBef>
+              <a:tabLst>
+                <a:tab pos="0" algn="l"/>
+              </a:tabLst>
+            </a:pPr>
+            <a:r>
+              <a:rPr lang="it-IT" sz="1100" spc="-1" dirty="0">
+                <a:solidFill>
+                  <a:srgbClr val="FFFFFF"/>
+                </a:solidFill>
+                <a:latin typeface="Verdana"/>
+                <a:ea typeface="Verdana"/>
+              </a:rPr>
+              <a:t>Controllo tramite Potenziali Artificiali di un Rover con marker </a:t>
+            </a:r>
+            <a:r>
+              <a:rPr lang="it-IT" sz="1100" spc="-1" dirty="0" err="1">
+                <a:solidFill>
+                  <a:srgbClr val="FFFFFF"/>
+                </a:solidFill>
+                <a:latin typeface="Verdana"/>
+                <a:ea typeface="Verdana"/>
+              </a:rPr>
+              <a:t>ArUco</a:t>
+            </a:r>
+            <a:endParaRPr lang="it-IT" sz="1100" spc="-1" dirty="0">
+              <a:latin typeface="Arial"/>
+            </a:endParaRPr>
+          </a:p>
+        </p:txBody>
+      </p:sp>
     </p:spTree>
+    <p:extLst>
+      <p:ext uri="{BB962C8B-B14F-4D97-AF65-F5344CB8AC3E}">
+        <p14:creationId xmlns:p14="http://schemas.microsoft.com/office/powerpoint/2010/main" val="134682257"/>
+      </p:ext>
+    </p:extLst>
   </p:cSld>
   <p:clrMapOvr>
     <a:masterClrMapping/>
@@ -13442,81 +14581,7 @@
       </p:grpSpPr>
       <p:sp>
         <p:nvSpPr>
-          <p:cNvPr id="125" name="PlaceHolder 1"/>
-          <p:cNvSpPr>
-            <a:spLocks noGrp="1"/>
-          </p:cNvSpPr>
-          <p:nvPr>
-            <p:ph/>
-          </p:nvPr>
-        </p:nvSpPr>
-        <p:spPr>
-          <a:xfrm>
-            <a:off x="328680" y="6607440"/>
-            <a:ext cx="10119600" cy="249840"/>
-          </a:xfrm>
-          <a:prstGeom prst="rect">
-            <a:avLst/>
-          </a:prstGeom>
-          <a:noFill/>
-          <a:ln w="0">
-            <a:noFill/>
-          </a:ln>
-        </p:spPr>
-        <p:txBody>
-          <a:bodyPr lIns="90000" tIns="45000" rIns="90000" bIns="45000" anchor="t">
-            <a:noAutofit/>
-          </a:bodyPr>
-          <a:lstStyle/>
-          <a:p>
-            <a:pPr marL="228600" indent="-228600">
-              <a:lnSpc>
-                <a:spcPct val="90000"/>
-              </a:lnSpc>
-              <a:spcBef>
-                <a:spcPts val="1001"/>
-              </a:spcBef>
-              <a:buNone/>
-              <a:tabLst>
-                <a:tab pos="0" algn="l"/>
-              </a:tabLst>
-            </a:pPr>
-            <a:r>
-              <a:rPr lang="it-IT" sz="1100" b="0" strike="noStrike" spc="-1">
-                <a:solidFill>
-                  <a:srgbClr val="FFFFFF"/>
-                </a:solidFill>
-                <a:latin typeface="Verdana"/>
-                <a:ea typeface="Verdana"/>
-              </a:rPr>
-              <a:t>Controllo visivo in Sliding Mode di un Rover</a:t>
-            </a:r>
-            <a:endParaRPr lang="it-IT" sz="1100" b="0" strike="noStrike" spc="-1">
-              <a:latin typeface="Arial"/>
-            </a:endParaRPr>
-          </a:p>
-          <a:p>
-            <a:pPr marL="228600" indent="-228600">
-              <a:lnSpc>
-                <a:spcPct val="90000"/>
-              </a:lnSpc>
-              <a:spcBef>
-                <a:spcPts val="1001"/>
-              </a:spcBef>
-              <a:buNone/>
-              <a:tabLst>
-                <a:tab pos="0" algn="l"/>
-              </a:tabLst>
-            </a:pPr>
-            <a:endParaRPr lang="it-IT" sz="1100" b="0" strike="noStrike" spc="-1">
-              <a:latin typeface="Arial"/>
-            </a:endParaRPr>
-          </a:p>
-        </p:txBody>
-      </p:sp>
-      <p:sp>
-        <p:nvSpPr>
-          <p:cNvPr id="127" name="PlaceHolder 3"/>
+          <p:cNvPr id="106" name="PlaceHolder 3"/>
           <p:cNvSpPr>
             <a:spLocks noGrp="1"/>
           </p:cNvSpPr>
@@ -13557,7 +14622,7 @@
                 <a:latin typeface="Verdana"/>
                 <a:ea typeface="Verdana"/>
               </a:rPr>
-              <a:t>Nodo convertitore</a:t>
+              <a:t>Nodo controllo</a:t>
             </a:r>
             <a:endParaRPr lang="it-IT" sz="2200" b="0" strike="noStrike" spc="-1">
               <a:latin typeface="Arial"/>
@@ -13565,12 +14630,130 @@
           </a:p>
         </p:txBody>
       </p:sp>
+      <p:sp>
+        <p:nvSpPr>
+          <p:cNvPr id="108" name="Titolo 1"/>
+          <p:cNvSpPr/>
+          <p:nvPr/>
+        </p:nvSpPr>
+        <p:spPr>
+          <a:xfrm>
+            <a:off x="776160" y="958320"/>
+            <a:ext cx="8793360" cy="853920"/>
+          </a:xfrm>
+          <a:prstGeom prst="rect">
+            <a:avLst/>
+          </a:prstGeom>
+          <a:noFill/>
+          <a:ln w="0">
+            <a:noFill/>
+          </a:ln>
+        </p:spPr>
+        <p:style>
+          <a:lnRef idx="0">
+            <a:scrgbClr r="0" g="0" b="0"/>
+          </a:lnRef>
+          <a:fillRef idx="0">
+            <a:scrgbClr r="0" g="0" b="0"/>
+          </a:fillRef>
+          <a:effectRef idx="0">
+            <a:scrgbClr r="0" g="0" b="0"/>
+          </a:effectRef>
+          <a:fontRef idx="minor"/>
+        </p:style>
+        <p:txBody>
+          <a:bodyPr lIns="90000" tIns="45000" rIns="90000" bIns="45000" anchor="t">
+            <a:noAutofit/>
+          </a:bodyPr>
+          <a:lstStyle/>
+          <a:p>
+            <a:pPr>
+              <a:lnSpc>
+                <a:spcPct val="90000"/>
+              </a:lnSpc>
+              <a:buNone/>
+            </a:pPr>
+            <a:r>
+              <a:rPr lang="it-IT" sz="2200" b="1" strike="noStrike" spc="-1">
+                <a:solidFill>
+                  <a:srgbClr val="000000"/>
+                </a:solidFill>
+                <a:latin typeface="Verdana"/>
+                <a:ea typeface="Verdana"/>
+              </a:rPr>
+              <a:t>Nodo controllo</a:t>
+            </a:r>
+            <a:endParaRPr lang="it-IT" sz="2200" b="0" strike="noStrike" spc="-1">
+              <a:latin typeface="Arial"/>
+            </a:endParaRPr>
+          </a:p>
+        </p:txBody>
+      </p:sp>
+      <p:sp>
+        <p:nvSpPr>
+          <p:cNvPr id="110" name="Titolo 2"/>
+          <p:cNvSpPr/>
+          <p:nvPr/>
+        </p:nvSpPr>
+        <p:spPr>
+          <a:xfrm>
+            <a:off x="776520" y="958680"/>
+            <a:ext cx="8793360" cy="853920"/>
+          </a:xfrm>
+          <a:prstGeom prst="rect">
+            <a:avLst/>
+          </a:prstGeom>
+          <a:noFill/>
+          <a:ln w="0">
+            <a:noFill/>
+          </a:ln>
+        </p:spPr>
+        <p:style>
+          <a:lnRef idx="0">
+            <a:scrgbClr r="0" g="0" b="0"/>
+          </a:lnRef>
+          <a:fillRef idx="0">
+            <a:scrgbClr r="0" g="0" b="0"/>
+          </a:fillRef>
+          <a:effectRef idx="0">
+            <a:scrgbClr r="0" g="0" b="0"/>
+          </a:effectRef>
+          <a:fontRef idx="minor"/>
+        </p:style>
+        <p:txBody>
+          <a:bodyPr lIns="90000" tIns="45000" rIns="90000" bIns="45000" anchor="t">
+            <a:noAutofit/>
+          </a:bodyPr>
+          <a:lstStyle/>
+          <a:p>
+            <a:pPr>
+              <a:lnSpc>
+                <a:spcPct val="90000"/>
+              </a:lnSpc>
+              <a:buNone/>
+            </a:pPr>
+            <a:r>
+              <a:rPr lang="it-IT" sz="2200" b="1" strike="noStrike" spc="-1">
+                <a:solidFill>
+                  <a:srgbClr val="000000"/>
+                </a:solidFill>
+                <a:latin typeface="Verdana"/>
+                <a:ea typeface="Verdana"/>
+              </a:rPr>
+              <a:t>Nodo controllo</a:t>
+            </a:r>
+            <a:endParaRPr lang="it-IT" sz="2200" b="0" strike="noStrike" spc="-1">
+              <a:latin typeface="Arial"/>
+            </a:endParaRPr>
+          </a:p>
+        </p:txBody>
+      </p:sp>
       <p:pic>
         <p:nvPicPr>
-          <p:cNvPr id="3" name="Elemento grafico 2">
+          <p:cNvPr id="15" name="Elemento grafico 14">
             <a:extLst>
               <a:ext uri="{FF2B5EF4-FFF2-40B4-BE49-F238E27FC236}">
-                <a16:creationId xmlns:a16="http://schemas.microsoft.com/office/drawing/2014/main" id="{EF95C93D-D703-F427-646B-E5C955EDEBF1}"/>
+                <a16:creationId xmlns:a16="http://schemas.microsoft.com/office/drawing/2014/main" id="{C1922D88-B158-7975-5FE0-D1D54C8A037C}"/>
               </a:ext>
             </a:extLst>
           </p:cNvPr>
@@ -13596,8 +14779,8 @@
         </p:blipFill>
         <p:spPr>
           <a:xfrm>
-            <a:off x="269081" y="2530440"/>
-            <a:ext cx="5826919" cy="2181471"/>
+            <a:off x="5899981" y="2449274"/>
+            <a:ext cx="4362726" cy="375076"/>
           </a:xfrm>
           <a:prstGeom prst="rect">
             <a:avLst/>
@@ -13606,10 +14789,10 @@
       </p:pic>
       <p:pic>
         <p:nvPicPr>
-          <p:cNvPr id="5" name="Elemento grafico 4">
+          <p:cNvPr id="17" name="Elemento grafico 16">
             <a:extLst>
               <a:ext uri="{FF2B5EF4-FFF2-40B4-BE49-F238E27FC236}">
-                <a16:creationId xmlns:a16="http://schemas.microsoft.com/office/drawing/2014/main" id="{7E8976B2-01D4-7998-FE36-1B720BC72D69}"/>
+                <a16:creationId xmlns:a16="http://schemas.microsoft.com/office/drawing/2014/main" id="{FD5EF55D-8CE4-2B36-095F-66AD3A1F8822}"/>
               </a:ext>
             </a:extLst>
           </p:cNvPr>
@@ -13635,8 +14818,8 @@
         </p:blipFill>
         <p:spPr>
           <a:xfrm>
-            <a:off x="7666495" y="3036855"/>
-            <a:ext cx="3634958" cy="399215"/>
+            <a:off x="1038897" y="2453472"/>
+            <a:ext cx="3466336" cy="333658"/>
           </a:xfrm>
           <a:prstGeom prst="rect">
             <a:avLst/>
@@ -13645,10 +14828,10 @@
       </p:pic>
       <p:pic>
         <p:nvPicPr>
-          <p:cNvPr id="7" name="Elemento grafico 6">
+          <p:cNvPr id="6" name="Elemento grafico 5">
             <a:extLst>
               <a:ext uri="{FF2B5EF4-FFF2-40B4-BE49-F238E27FC236}">
-                <a16:creationId xmlns:a16="http://schemas.microsoft.com/office/drawing/2014/main" id="{901BD27A-44CA-41DD-82D9-8D3167D2343B}"/>
+                <a16:creationId xmlns:a16="http://schemas.microsoft.com/office/drawing/2014/main" id="{D48C112E-2ECB-E97E-2D87-70C0CB3ED191}"/>
               </a:ext>
             </a:extLst>
           </p:cNvPr>
@@ -13674,54 +14857,199 @@
         </p:blipFill>
         <p:spPr>
           <a:xfrm>
-            <a:off x="926477" y="1811880"/>
-            <a:ext cx="5665689" cy="470079"/>
+            <a:off x="1038897" y="4403983"/>
+            <a:ext cx="8267165" cy="641418"/>
           </a:xfrm>
           <a:prstGeom prst="rect">
             <a:avLst/>
           </a:prstGeom>
         </p:spPr>
       </p:pic>
-      <p:pic>
-        <p:nvPicPr>
-          <p:cNvPr id="9" name="Elemento grafico 8">
+      <p:sp>
+        <p:nvSpPr>
+          <p:cNvPr id="8" name="CasellaDiTesto 7">
             <a:extLst>
               <a:ext uri="{FF2B5EF4-FFF2-40B4-BE49-F238E27FC236}">
-                <a16:creationId xmlns:a16="http://schemas.microsoft.com/office/drawing/2014/main" id="{E6091B78-62D2-AC10-F176-AAAC81AE17CD}"/>
+                <a16:creationId xmlns:a16="http://schemas.microsoft.com/office/drawing/2014/main" id="{ADDB3084-4B24-CC40-750A-23F463D307F9}"/>
               </a:ext>
             </a:extLst>
           </p:cNvPr>
-          <p:cNvPicPr>
-            <a:picLocks noChangeAspect="1"/>
-          </p:cNvPicPr>
+          <p:cNvSpPr txBox="1"/>
           <p:nvPr/>
-        </p:nvPicPr>
-        <p:blipFill>
-          <a:blip r:embed="rId9">
+        </p:nvSpPr>
+        <p:spPr>
+          <a:xfrm>
+            <a:off x="775080" y="1600272"/>
+            <a:ext cx="8402267" cy="369332"/>
+          </a:xfrm>
+          <a:prstGeom prst="rect">
+            <a:avLst/>
+          </a:prstGeom>
+          <a:noFill/>
+        </p:spPr>
+        <p:txBody>
+          <a:bodyPr wrap="square">
+            <a:spAutoFit/>
+          </a:bodyPr>
+          <a:lstStyle/>
+          <a:p>
+            <a:r>
+              <a:rPr lang="it-IT" dirty="0"/>
+              <a:t>A partire dalla forza totale agente sul rover si calcolano le grandezze v e </a:t>
+            </a:r>
+            <a:r>
+              <a:rPr lang="el-GR" dirty="0"/>
+              <a:t>ω</a:t>
+            </a:r>
+            <a:r>
+              <a:rPr lang="it-IT" dirty="0"/>
+              <a:t>.</a:t>
+            </a:r>
+          </a:p>
+        </p:txBody>
+      </p:sp>
+      <p:sp>
+        <p:nvSpPr>
+          <p:cNvPr id="12" name="CasellaDiTesto 11">
             <a:extLst>
-              <a:ext uri="{28A0092B-C50C-407E-A947-70E740481C1C}">
-                <a14:useLocalDpi xmlns:a14="http://schemas.microsoft.com/office/drawing/2010/main" val="0"/>
-              </a:ext>
-              <a:ext uri="{96DAC541-7B7A-43D3-8B79-37D633B846F1}">
-                <asvg:svgBlip xmlns:asvg="http://schemas.microsoft.com/office/drawing/2016/SVG/main" r:embed="rId10"/>
+              <a:ext uri="{FF2B5EF4-FFF2-40B4-BE49-F238E27FC236}">
+                <a16:creationId xmlns:a16="http://schemas.microsoft.com/office/drawing/2014/main" id="{DC543E80-3C0C-BF98-451E-26D41F5D57EC}"/>
               </a:ext>
             </a:extLst>
-          </a:blip>
-          <a:stretch>
-            <a:fillRect/>
-          </a:stretch>
-        </p:blipFill>
-        <p:spPr>
-          <a:xfrm>
-            <a:off x="1438077" y="5430471"/>
-            <a:ext cx="3600741" cy="319692"/>
-          </a:xfrm>
-          <a:prstGeom prst="rect">
-            <a:avLst/>
-          </a:prstGeom>
-        </p:spPr>
-      </p:pic>
+          </p:cNvPr>
+          <p:cNvSpPr txBox="1"/>
+          <p:nvPr/>
+        </p:nvSpPr>
+        <p:spPr>
+          <a:xfrm>
+            <a:off x="657863" y="3207468"/>
+            <a:ext cx="9029231" cy="923330"/>
+          </a:xfrm>
+          <a:prstGeom prst="rect">
+            <a:avLst/>
+          </a:prstGeom>
+          <a:noFill/>
+        </p:spPr>
+        <p:txBody>
+          <a:bodyPr wrap="square">
+            <a:spAutoFit/>
+          </a:bodyPr>
+          <a:lstStyle/>
+          <a:p>
+            <a:r>
+              <a:rPr lang="it-IT" dirty="0"/>
+              <a:t>La funzione atan2 introduce una discontinuità, per la quale una piccola variazione di $f_{</a:t>
+            </a:r>
+            <a:r>
+              <a:rPr lang="it-IT" dirty="0" err="1"/>
+              <a:t>t,y</a:t>
+            </a:r>
+            <a:r>
+              <a:rPr lang="it-IT" dirty="0"/>
+              <a:t>}$ può portare una grande variazione di </a:t>
+            </a:r>
+            <a:r>
+              <a:rPr lang="el-GR" dirty="0"/>
+              <a:t>ω</a:t>
+            </a:r>
+            <a:r>
+              <a:rPr lang="it-IT" dirty="0"/>
+              <a:t>. Per risolvere tale problema è stata apportata la seguente modifica</a:t>
+            </a:r>
+          </a:p>
+        </p:txBody>
+      </p:sp>
+      <p:sp>
+        <p:nvSpPr>
+          <p:cNvPr id="13" name="PlaceHolder 1">
+            <a:extLst>
+              <a:ext uri="{FF2B5EF4-FFF2-40B4-BE49-F238E27FC236}">
+                <a16:creationId xmlns:a16="http://schemas.microsoft.com/office/drawing/2014/main" id="{63BB908B-FD5B-5366-0613-F32787B8A900}"/>
+              </a:ext>
+            </a:extLst>
+          </p:cNvPr>
+          <p:cNvSpPr txBox="1">
+            <a:spLocks/>
+          </p:cNvSpPr>
+          <p:nvPr/>
+        </p:nvSpPr>
+        <p:spPr>
+          <a:xfrm>
+            <a:off x="328680" y="6607440"/>
+            <a:ext cx="10119600" cy="249840"/>
+          </a:xfrm>
+          <a:prstGeom prst="rect">
+            <a:avLst/>
+          </a:prstGeom>
+          <a:noFill/>
+          <a:ln w="0">
+            <a:noFill/>
+          </a:ln>
+        </p:spPr>
+        <p:txBody>
+          <a:bodyPr lIns="90000" tIns="45000" rIns="90000" bIns="45000" anchor="t">
+            <a:noAutofit/>
+          </a:bodyPr>
+          <a:lstStyle>
+            <a:lvl1pPr algn="l" defTabSz="914400" rtl="0" eaLnBrk="1" latinLnBrk="0" hangingPunct="1">
+              <a:lnSpc>
+                <a:spcPct val="90000"/>
+              </a:lnSpc>
+              <a:spcBef>
+                <a:spcPct val="0"/>
+              </a:spcBef>
+              <a:buNone/>
+              <a:defRPr sz="4400" kern="1200">
+                <a:solidFill>
+                  <a:schemeClr val="tx1"/>
+                </a:solidFill>
+                <a:latin typeface="+mj-lt"/>
+                <a:ea typeface="+mj-ea"/>
+                <a:cs typeface="+mj-cs"/>
+              </a:defRPr>
+            </a:lvl1pPr>
+          </a:lstStyle>
+          <a:p>
+            <a:pPr marL="228600" indent="-228600">
+              <a:spcBef>
+                <a:spcPts val="1001"/>
+              </a:spcBef>
+              <a:tabLst>
+                <a:tab pos="0" algn="l"/>
+              </a:tabLst>
+            </a:pPr>
+            <a:r>
+              <a:rPr lang="it-IT" sz="1100" spc="-1" dirty="0">
+                <a:solidFill>
+                  <a:srgbClr val="FFFFFF"/>
+                </a:solidFill>
+                <a:latin typeface="Verdana"/>
+                <a:ea typeface="Verdana"/>
+              </a:rPr>
+              <a:t>Controllo tramite Potenziali Artificiali di un Rover con marker </a:t>
+            </a:r>
+            <a:r>
+              <a:rPr lang="it-IT" sz="1100" spc="-1" dirty="0" err="1">
+                <a:solidFill>
+                  <a:srgbClr val="FFFFFF"/>
+                </a:solidFill>
+                <a:latin typeface="Verdana"/>
+                <a:ea typeface="Verdana"/>
+              </a:rPr>
+              <a:t>ArUco</a:t>
+            </a:r>
+            <a:endParaRPr lang="it-IT" sz="1100" spc="-1" dirty="0">
+              <a:latin typeface="Arial"/>
+            </a:endParaRPr>
+          </a:p>
+        </p:txBody>
+      </p:sp>
     </p:spTree>
+    <p:extLst>
+      <p:ext uri="{BB962C8B-B14F-4D97-AF65-F5344CB8AC3E}">
+        <p14:creationId xmlns:p14="http://schemas.microsoft.com/office/powerpoint/2010/main" val="53727010"/>
+      </p:ext>
+    </p:extLst>
   </p:cSld>
   <p:clrMapOvr>
     <a:masterClrMapping/>

--- a/Presentazione LabAuto.pptx
+++ b/Presentazione LabAuto.pptx
@@ -143,6 +143,448 @@
 <file path=ppt/changesInfos/changesInfo1.xml><?xml version="1.0" encoding="utf-8"?>
 <pc:chgInfo xmlns:a="http://schemas.openxmlformats.org/drawingml/2006/main" xmlns:r="http://schemas.openxmlformats.org/officeDocument/2006/relationships" xmlns:ac="http://schemas.microsoft.com/office/drawing/2013/main/command" xmlns:pc="http://schemas.microsoft.com/office/powerpoint/2013/main/command">
   <pc:docChgLst>
+    <pc:chgData name="Giulio Beltrami" userId="e0bbba2c-5e70-403a-8e6b-090771782fcf" providerId="ADAL" clId="{75615983-1094-4174-86F6-1BDEAFC21390}"/>
+    <pc:docChg chg="undo custSel modSld">
+      <pc:chgData name="Giulio Beltrami" userId="e0bbba2c-5e70-403a-8e6b-090771782fcf" providerId="ADAL" clId="{75615983-1094-4174-86F6-1BDEAFC21390}" dt="2024-05-06T09:52:44.758" v="449" actId="1076"/>
+      <pc:docMkLst>
+        <pc:docMk/>
+      </pc:docMkLst>
+      <pc:sldChg chg="modSp mod">
+        <pc:chgData name="Giulio Beltrami" userId="e0bbba2c-5e70-403a-8e6b-090771782fcf" providerId="ADAL" clId="{75615983-1094-4174-86F6-1BDEAFC21390}" dt="2024-05-06T06:34:17.778" v="61" actId="20577"/>
+        <pc:sldMkLst>
+          <pc:docMk/>
+          <pc:sldMk cId="0" sldId="256"/>
+        </pc:sldMkLst>
+        <pc:spChg chg="mod">
+          <ac:chgData name="Giulio Beltrami" userId="e0bbba2c-5e70-403a-8e6b-090771782fcf" providerId="ADAL" clId="{75615983-1094-4174-86F6-1BDEAFC21390}" dt="2024-05-06T06:34:17.778" v="61" actId="20577"/>
+          <ac:spMkLst>
+            <pc:docMk/>
+            <pc:sldMk cId="0" sldId="256"/>
+            <ac:spMk id="86" creationId="{00000000-0000-0000-0000-000000000000}"/>
+          </ac:spMkLst>
+        </pc:spChg>
+      </pc:sldChg>
+      <pc:sldChg chg="addSp modSp mod">
+        <pc:chgData name="Giulio Beltrami" userId="e0bbba2c-5e70-403a-8e6b-090771782fcf" providerId="ADAL" clId="{75615983-1094-4174-86F6-1BDEAFC21390}" dt="2024-05-06T09:52:44.758" v="449" actId="1076"/>
+        <pc:sldMkLst>
+          <pc:docMk/>
+          <pc:sldMk cId="0" sldId="257"/>
+        </pc:sldMkLst>
+        <pc:spChg chg="add mod">
+          <ac:chgData name="Giulio Beltrami" userId="e0bbba2c-5e70-403a-8e6b-090771782fcf" providerId="ADAL" clId="{75615983-1094-4174-86F6-1BDEAFC21390}" dt="2024-05-06T09:52:44.758" v="449" actId="1076"/>
+          <ac:spMkLst>
+            <pc:docMk/>
+            <pc:sldMk cId="0" sldId="257"/>
+            <ac:spMk id="2" creationId="{04782B39-CBD7-6BC1-9C60-78921EDE69DE}"/>
+          </ac:spMkLst>
+        </pc:spChg>
+        <pc:picChg chg="mod">
+          <ac:chgData name="Giulio Beltrami" userId="e0bbba2c-5e70-403a-8e6b-090771782fcf" providerId="ADAL" clId="{75615983-1094-4174-86F6-1BDEAFC21390}" dt="2024-05-06T09:52:37.374" v="448" actId="14100"/>
+          <ac:picMkLst>
+            <pc:docMk/>
+            <pc:sldMk cId="0" sldId="257"/>
+            <ac:picMk id="3" creationId="{D6E93E18-FB1E-5BF8-1035-9970065B86E2}"/>
+          </ac:picMkLst>
+        </pc:picChg>
+      </pc:sldChg>
+      <pc:sldChg chg="addSp delSp modSp mod">
+        <pc:chgData name="Giulio Beltrami" userId="e0bbba2c-5e70-403a-8e6b-090771782fcf" providerId="ADAL" clId="{75615983-1094-4174-86F6-1BDEAFC21390}" dt="2024-05-06T07:56:45.513" v="224" actId="14100"/>
+        <pc:sldMkLst>
+          <pc:docMk/>
+          <pc:sldMk cId="0" sldId="260"/>
+        </pc:sldMkLst>
+        <pc:spChg chg="del mod">
+          <ac:chgData name="Giulio Beltrami" userId="e0bbba2c-5e70-403a-8e6b-090771782fcf" providerId="ADAL" clId="{75615983-1094-4174-86F6-1BDEAFC21390}" dt="2024-05-06T06:53:12.215" v="65" actId="478"/>
+          <ac:spMkLst>
+            <pc:docMk/>
+            <pc:sldMk cId="0" sldId="260"/>
+            <ac:spMk id="105" creationId="{00000000-0000-0000-0000-000000000000}"/>
+          </ac:spMkLst>
+        </pc:spChg>
+        <pc:spChg chg="del mod">
+          <ac:chgData name="Giulio Beltrami" userId="e0bbba2c-5e70-403a-8e6b-090771782fcf" providerId="ADAL" clId="{75615983-1094-4174-86F6-1BDEAFC21390}" dt="2024-05-06T06:53:28.848" v="77" actId="478"/>
+          <ac:spMkLst>
+            <pc:docMk/>
+            <pc:sldMk cId="0" sldId="260"/>
+            <ac:spMk id="107" creationId="{00000000-0000-0000-0000-000000000000}"/>
+          </ac:spMkLst>
+        </pc:spChg>
+        <pc:spChg chg="del mod">
+          <ac:chgData name="Giulio Beltrami" userId="e0bbba2c-5e70-403a-8e6b-090771782fcf" providerId="ADAL" clId="{75615983-1094-4174-86F6-1BDEAFC21390}" dt="2024-05-06T06:33:18.628" v="16" actId="478"/>
+          <ac:spMkLst>
+            <pc:docMk/>
+            <pc:sldMk cId="0" sldId="260"/>
+            <ac:spMk id="109" creationId="{00000000-0000-0000-0000-000000000000}"/>
+          </ac:spMkLst>
+        </pc:spChg>
+        <pc:spChg chg="del mod">
+          <ac:chgData name="Giulio Beltrami" userId="e0bbba2c-5e70-403a-8e6b-090771782fcf" providerId="ADAL" clId="{75615983-1094-4174-86F6-1BDEAFC21390}" dt="2024-05-06T07:07:10.490" v="91" actId="478"/>
+          <ac:spMkLst>
+            <pc:docMk/>
+            <pc:sldMk cId="0" sldId="260"/>
+            <ac:spMk id="113" creationId="{00000000-0000-0000-0000-000000000000}"/>
+          </ac:spMkLst>
+        </pc:spChg>
+        <pc:picChg chg="add mod">
+          <ac:chgData name="Giulio Beltrami" userId="e0bbba2c-5e70-403a-8e6b-090771782fcf" providerId="ADAL" clId="{75615983-1094-4174-86F6-1BDEAFC21390}" dt="2024-05-06T06:55:34.559" v="82" actId="1076"/>
+          <ac:picMkLst>
+            <pc:docMk/>
+            <pc:sldMk cId="0" sldId="260"/>
+            <ac:picMk id="3" creationId="{E8422789-689D-415A-36CE-D5E9C4EC2747}"/>
+          </ac:picMkLst>
+        </pc:picChg>
+        <pc:picChg chg="add del mod">
+          <ac:chgData name="Giulio Beltrami" userId="e0bbba2c-5e70-403a-8e6b-090771782fcf" providerId="ADAL" clId="{75615983-1094-4174-86F6-1BDEAFC21390}" dt="2024-05-06T06:53:48.106" v="80" actId="478"/>
+          <ac:picMkLst>
+            <pc:docMk/>
+            <pc:sldMk cId="0" sldId="260"/>
+            <ac:picMk id="5" creationId="{1376FECF-46C4-723A-C9A1-BC15B04F253E}"/>
+          </ac:picMkLst>
+        </pc:picChg>
+        <pc:picChg chg="add del mod">
+          <ac:chgData name="Giulio Beltrami" userId="e0bbba2c-5e70-403a-8e6b-090771782fcf" providerId="ADAL" clId="{75615983-1094-4174-86F6-1BDEAFC21390}" dt="2024-05-06T06:53:48.713" v="81" actId="478"/>
+          <ac:picMkLst>
+            <pc:docMk/>
+            <pc:sldMk cId="0" sldId="260"/>
+            <ac:picMk id="7" creationId="{096CA52F-A5BE-E887-2FC0-750F778DC0A6}"/>
+          </ac:picMkLst>
+        </pc:picChg>
+        <pc:picChg chg="add mod">
+          <ac:chgData name="Giulio Beltrami" userId="e0bbba2c-5e70-403a-8e6b-090771782fcf" providerId="ADAL" clId="{75615983-1094-4174-86F6-1BDEAFC21390}" dt="2024-05-06T07:07:57.247" v="102" actId="14100"/>
+          <ac:picMkLst>
+            <pc:docMk/>
+            <pc:sldMk cId="0" sldId="260"/>
+            <ac:picMk id="9" creationId="{6740CD09-766B-56AB-97D0-23F23EFF7329}"/>
+          </ac:picMkLst>
+        </pc:picChg>
+        <pc:picChg chg="add mod">
+          <ac:chgData name="Giulio Beltrami" userId="e0bbba2c-5e70-403a-8e6b-090771782fcf" providerId="ADAL" clId="{75615983-1094-4174-86F6-1BDEAFC21390}" dt="2024-05-06T06:55:53.213" v="88" actId="1076"/>
+          <ac:picMkLst>
+            <pc:docMk/>
+            <pc:sldMk cId="0" sldId="260"/>
+            <ac:picMk id="11" creationId="{CABD73F2-4B21-FD84-B62F-7AF7BBB05A19}"/>
+          </ac:picMkLst>
+        </pc:picChg>
+        <pc:picChg chg="add del mod">
+          <ac:chgData name="Giulio Beltrami" userId="e0bbba2c-5e70-403a-8e6b-090771782fcf" providerId="ADAL" clId="{75615983-1094-4174-86F6-1BDEAFC21390}" dt="2024-05-06T07:12:47.815" v="115" actId="478"/>
+          <ac:picMkLst>
+            <pc:docMk/>
+            <pc:sldMk cId="0" sldId="260"/>
+            <ac:picMk id="13" creationId="{761DB654-921B-4789-5EA0-6C30F5EE5B55}"/>
+          </ac:picMkLst>
+        </pc:picChg>
+        <pc:picChg chg="add mod">
+          <ac:chgData name="Giulio Beltrami" userId="e0bbba2c-5e70-403a-8e6b-090771782fcf" providerId="ADAL" clId="{75615983-1094-4174-86F6-1BDEAFC21390}" dt="2024-05-06T07:56:37.870" v="221" actId="14100"/>
+          <ac:picMkLst>
+            <pc:docMk/>
+            <pc:sldMk cId="0" sldId="260"/>
+            <ac:picMk id="15" creationId="{C1922D88-B158-7975-5FE0-D1D54C8A037C}"/>
+          </ac:picMkLst>
+        </pc:picChg>
+        <pc:picChg chg="add mod">
+          <ac:chgData name="Giulio Beltrami" userId="e0bbba2c-5e70-403a-8e6b-090771782fcf" providerId="ADAL" clId="{75615983-1094-4174-86F6-1BDEAFC21390}" dt="2024-05-06T07:56:45.513" v="224" actId="14100"/>
+          <ac:picMkLst>
+            <pc:docMk/>
+            <pc:sldMk cId="0" sldId="260"/>
+            <ac:picMk id="17" creationId="{FD5EF55D-8CE4-2B36-095F-66AD3A1F8822}"/>
+          </ac:picMkLst>
+        </pc:picChg>
+      </pc:sldChg>
+      <pc:sldChg chg="addSp delSp modSp mod">
+        <pc:chgData name="Giulio Beltrami" userId="e0bbba2c-5e70-403a-8e6b-090771782fcf" providerId="ADAL" clId="{75615983-1094-4174-86F6-1BDEAFC21390}" dt="2024-05-06T07:19:30.177" v="146" actId="14100"/>
+        <pc:sldMkLst>
+          <pc:docMk/>
+          <pc:sldMk cId="0" sldId="261"/>
+        </pc:sldMkLst>
+        <pc:spChg chg="del">
+          <ac:chgData name="Giulio Beltrami" userId="e0bbba2c-5e70-403a-8e6b-090771782fcf" providerId="ADAL" clId="{75615983-1094-4174-86F6-1BDEAFC21390}" dt="2024-05-06T07:08:34.043" v="107" actId="478"/>
+          <ac:spMkLst>
+            <pc:docMk/>
+            <pc:sldMk cId="0" sldId="261"/>
+            <ac:spMk id="115" creationId="{00000000-0000-0000-0000-000000000000}"/>
+          </ac:spMkLst>
+        </pc:spChg>
+        <pc:spChg chg="del">
+          <ac:chgData name="Giulio Beltrami" userId="e0bbba2c-5e70-403a-8e6b-090771782fcf" providerId="ADAL" clId="{75615983-1094-4174-86F6-1BDEAFC21390}" dt="2024-05-06T07:08:31.339" v="106" actId="478"/>
+          <ac:spMkLst>
+            <pc:docMk/>
+            <pc:sldMk cId="0" sldId="261"/>
+            <ac:spMk id="117" creationId="{00000000-0000-0000-0000-000000000000}"/>
+          </ac:spMkLst>
+        </pc:spChg>
+        <pc:spChg chg="del">
+          <ac:chgData name="Giulio Beltrami" userId="e0bbba2c-5e70-403a-8e6b-090771782fcf" providerId="ADAL" clId="{75615983-1094-4174-86F6-1BDEAFC21390}" dt="2024-05-06T07:07:24.466" v="94" actId="478"/>
+          <ac:spMkLst>
+            <pc:docMk/>
+            <pc:sldMk cId="0" sldId="261"/>
+            <ac:spMk id="118" creationId="{00000000-0000-0000-0000-000000000000}"/>
+          </ac:spMkLst>
+        </pc:spChg>
+        <pc:spChg chg="del">
+          <ac:chgData name="Giulio Beltrami" userId="e0bbba2c-5e70-403a-8e6b-090771782fcf" providerId="ADAL" clId="{75615983-1094-4174-86F6-1BDEAFC21390}" dt="2024-05-06T07:07:49.792" v="99" actId="478"/>
+          <ac:spMkLst>
+            <pc:docMk/>
+            <pc:sldMk cId="0" sldId="261"/>
+            <ac:spMk id="119" creationId="{00000000-0000-0000-0000-000000000000}"/>
+          </ac:spMkLst>
+        </pc:spChg>
+        <pc:picChg chg="add mod">
+          <ac:chgData name="Giulio Beltrami" userId="e0bbba2c-5e70-403a-8e6b-090771782fcf" providerId="ADAL" clId="{75615983-1094-4174-86F6-1BDEAFC21390}" dt="2024-05-06T07:08:39.578" v="108" actId="1076"/>
+          <ac:picMkLst>
+            <pc:docMk/>
+            <pc:sldMk cId="0" sldId="261"/>
+            <ac:picMk id="3" creationId="{60E7DD48-7F42-DFE4-E7ED-66B0F31FF4A0}"/>
+          </ac:picMkLst>
+        </pc:picChg>
+        <pc:picChg chg="add del mod">
+          <ac:chgData name="Giulio Beltrami" userId="e0bbba2c-5e70-403a-8e6b-090771782fcf" providerId="ADAL" clId="{75615983-1094-4174-86F6-1BDEAFC21390}" dt="2024-05-06T07:16:01.483" v="120" actId="478"/>
+          <ac:picMkLst>
+            <pc:docMk/>
+            <pc:sldMk cId="0" sldId="261"/>
+            <ac:picMk id="5" creationId="{F2935217-844E-0D07-C45B-94F73FBD8128}"/>
+          </ac:picMkLst>
+        </pc:picChg>
+        <pc:picChg chg="add mod">
+          <ac:chgData name="Giulio Beltrami" userId="e0bbba2c-5e70-403a-8e6b-090771782fcf" providerId="ADAL" clId="{75615983-1094-4174-86F6-1BDEAFC21390}" dt="2024-05-06T07:09:13.740" v="113" actId="14100"/>
+          <ac:picMkLst>
+            <pc:docMk/>
+            <pc:sldMk cId="0" sldId="261"/>
+            <ac:picMk id="7" creationId="{DD59CABE-83A3-D538-3AD8-901AC1286E22}"/>
+          </ac:picMkLst>
+        </pc:picChg>
+        <pc:picChg chg="add mod">
+          <ac:chgData name="Giulio Beltrami" userId="e0bbba2c-5e70-403a-8e6b-090771782fcf" providerId="ADAL" clId="{75615983-1094-4174-86F6-1BDEAFC21390}" dt="2024-05-06T07:19:21.225" v="143" actId="1076"/>
+          <ac:picMkLst>
+            <pc:docMk/>
+            <pc:sldMk cId="0" sldId="261"/>
+            <ac:picMk id="9" creationId="{ADE7A7CA-EEE2-AFA0-7256-B7316628FCEE}"/>
+          </ac:picMkLst>
+        </pc:picChg>
+        <pc:picChg chg="add mod">
+          <ac:chgData name="Giulio Beltrami" userId="e0bbba2c-5e70-403a-8e6b-090771782fcf" providerId="ADAL" clId="{75615983-1094-4174-86F6-1BDEAFC21390}" dt="2024-05-06T07:19:30.177" v="146" actId="14100"/>
+          <ac:picMkLst>
+            <pc:docMk/>
+            <pc:sldMk cId="0" sldId="261"/>
+            <ac:picMk id="11" creationId="{CB30D64F-1F09-B963-F2D6-FB8A4C54F2B5}"/>
+          </ac:picMkLst>
+        </pc:picChg>
+      </pc:sldChg>
+      <pc:sldChg chg="addSp delSp modSp mod">
+        <pc:chgData name="Giulio Beltrami" userId="e0bbba2c-5e70-403a-8e6b-090771782fcf" providerId="ADAL" clId="{75615983-1094-4174-86F6-1BDEAFC21390}" dt="2024-05-06T07:25:12.956" v="173" actId="1076"/>
+        <pc:sldMkLst>
+          <pc:docMk/>
+          <pc:sldMk cId="0" sldId="262"/>
+        </pc:sldMkLst>
+        <pc:spChg chg="del">
+          <ac:chgData name="Giulio Beltrami" userId="e0bbba2c-5e70-403a-8e6b-090771782fcf" providerId="ADAL" clId="{75615983-1094-4174-86F6-1BDEAFC21390}" dt="2024-05-06T07:16:17.217" v="121" actId="478"/>
+          <ac:spMkLst>
+            <pc:docMk/>
+            <pc:sldMk cId="0" sldId="262"/>
+            <ac:spMk id="122" creationId="{00000000-0000-0000-0000-000000000000}"/>
+          </ac:spMkLst>
+        </pc:spChg>
+        <pc:spChg chg="del mod">
+          <ac:chgData name="Giulio Beltrami" userId="e0bbba2c-5e70-403a-8e6b-090771782fcf" providerId="ADAL" clId="{75615983-1094-4174-86F6-1BDEAFC21390}" dt="2024-05-06T07:24:12.946" v="149" actId="478"/>
+          <ac:spMkLst>
+            <pc:docMk/>
+            <pc:sldMk cId="0" sldId="262"/>
+            <ac:spMk id="123" creationId="{00000000-0000-0000-0000-000000000000}"/>
+          </ac:spMkLst>
+        </pc:spChg>
+        <pc:spChg chg="del mod">
+          <ac:chgData name="Giulio Beltrami" userId="e0bbba2c-5e70-403a-8e6b-090771782fcf" providerId="ADAL" clId="{75615983-1094-4174-86F6-1BDEAFC21390}" dt="2024-05-06T07:24:11.241" v="148" actId="478"/>
+          <ac:spMkLst>
+            <pc:docMk/>
+            <pc:sldMk cId="0" sldId="262"/>
+            <ac:spMk id="124" creationId="{00000000-0000-0000-0000-000000000000}"/>
+          </ac:spMkLst>
+        </pc:spChg>
+        <pc:picChg chg="add mod">
+          <ac:chgData name="Giulio Beltrami" userId="e0bbba2c-5e70-403a-8e6b-090771782fcf" providerId="ADAL" clId="{75615983-1094-4174-86F6-1BDEAFC21390}" dt="2024-05-06T07:16:59.388" v="135" actId="1076"/>
+          <ac:picMkLst>
+            <pc:docMk/>
+            <pc:sldMk cId="0" sldId="262"/>
+            <ac:picMk id="3" creationId="{37A8DE77-88B5-45FE-67C5-49E00E193920}"/>
+          </ac:picMkLst>
+        </pc:picChg>
+        <pc:picChg chg="add mod">
+          <ac:chgData name="Giulio Beltrami" userId="e0bbba2c-5e70-403a-8e6b-090771782fcf" providerId="ADAL" clId="{75615983-1094-4174-86F6-1BDEAFC21390}" dt="2024-05-06T07:16:57.227" v="134" actId="1076"/>
+          <ac:picMkLst>
+            <pc:docMk/>
+            <pc:sldMk cId="0" sldId="262"/>
+            <ac:picMk id="5" creationId="{21F6FA40-3393-52E4-4F8F-D4C76F1E90FB}"/>
+          </ac:picMkLst>
+        </pc:picChg>
+        <pc:picChg chg="add mod">
+          <ac:chgData name="Giulio Beltrami" userId="e0bbba2c-5e70-403a-8e6b-090771782fcf" providerId="ADAL" clId="{75615983-1094-4174-86F6-1BDEAFC21390}" dt="2024-05-06T07:16:55.541" v="133" actId="1076"/>
+          <ac:picMkLst>
+            <pc:docMk/>
+            <pc:sldMk cId="0" sldId="262"/>
+            <ac:picMk id="7" creationId="{DE3D8ECA-9D3C-07C7-DD2A-619B3BEC40BF}"/>
+          </ac:picMkLst>
+        </pc:picChg>
+        <pc:picChg chg="add mod">
+          <ac:chgData name="Giulio Beltrami" userId="e0bbba2c-5e70-403a-8e6b-090771782fcf" providerId="ADAL" clId="{75615983-1094-4174-86F6-1BDEAFC21390}" dt="2024-05-06T07:24:55.717" v="162" actId="1076"/>
+          <ac:picMkLst>
+            <pc:docMk/>
+            <pc:sldMk cId="0" sldId="262"/>
+            <ac:picMk id="9" creationId="{3EB6B0C6-4C4E-88BB-7D9B-C689576F33FE}"/>
+          </ac:picMkLst>
+        </pc:picChg>
+        <pc:picChg chg="add mod">
+          <ac:chgData name="Giulio Beltrami" userId="e0bbba2c-5e70-403a-8e6b-090771782fcf" providerId="ADAL" clId="{75615983-1094-4174-86F6-1BDEAFC21390}" dt="2024-05-06T07:25:08.882" v="170" actId="1076"/>
+          <ac:picMkLst>
+            <pc:docMk/>
+            <pc:sldMk cId="0" sldId="262"/>
+            <ac:picMk id="11" creationId="{07A58E34-4FD3-7704-E075-B36D7C7C3028}"/>
+          </ac:picMkLst>
+        </pc:picChg>
+        <pc:picChg chg="add mod">
+          <ac:chgData name="Giulio Beltrami" userId="e0bbba2c-5e70-403a-8e6b-090771782fcf" providerId="ADAL" clId="{75615983-1094-4174-86F6-1BDEAFC21390}" dt="2024-05-06T07:25:12.956" v="173" actId="1076"/>
+          <ac:picMkLst>
+            <pc:docMk/>
+            <pc:sldMk cId="0" sldId="262"/>
+            <ac:picMk id="13" creationId="{2C257892-A96C-6906-3B78-2205EF09F4ED}"/>
+          </ac:picMkLst>
+        </pc:picChg>
+        <pc:picChg chg="add mod">
+          <ac:chgData name="Giulio Beltrami" userId="e0bbba2c-5e70-403a-8e6b-090771782fcf" providerId="ADAL" clId="{75615983-1094-4174-86F6-1BDEAFC21390}" dt="2024-05-06T07:24:48.002" v="158" actId="14100"/>
+          <ac:picMkLst>
+            <pc:docMk/>
+            <pc:sldMk cId="0" sldId="262"/>
+            <ac:picMk id="15" creationId="{A26EC5CB-FC24-3664-2089-2AA6C241D358}"/>
+          </ac:picMkLst>
+        </pc:picChg>
+        <pc:picChg chg="add mod">
+          <ac:chgData name="Giulio Beltrami" userId="e0bbba2c-5e70-403a-8e6b-090771782fcf" providerId="ADAL" clId="{75615983-1094-4174-86F6-1BDEAFC21390}" dt="2024-05-06T07:24:49.636" v="159" actId="14100"/>
+          <ac:picMkLst>
+            <pc:docMk/>
+            <pc:sldMk cId="0" sldId="262"/>
+            <ac:picMk id="17" creationId="{EC92398E-EA15-A4FA-2314-01A0A247876D}"/>
+          </ac:picMkLst>
+        </pc:picChg>
+      </pc:sldChg>
+      <pc:sldChg chg="addSp delSp modSp mod">
+        <pc:chgData name="Giulio Beltrami" userId="e0bbba2c-5e70-403a-8e6b-090771782fcf" providerId="ADAL" clId="{75615983-1094-4174-86F6-1BDEAFC21390}" dt="2024-05-06T07:56:19.144" v="220" actId="1076"/>
+        <pc:sldMkLst>
+          <pc:docMk/>
+          <pc:sldMk cId="0" sldId="263"/>
+        </pc:sldMkLst>
+        <pc:spChg chg="add del mod">
+          <ac:chgData name="Giulio Beltrami" userId="e0bbba2c-5e70-403a-8e6b-090771782fcf" providerId="ADAL" clId="{75615983-1094-4174-86F6-1BDEAFC21390}" dt="2024-05-06T07:46:08.845" v="205" actId="478"/>
+          <ac:spMkLst>
+            <pc:docMk/>
+            <pc:sldMk cId="0" sldId="263"/>
+            <ac:spMk id="126" creationId="{00000000-0000-0000-0000-000000000000}"/>
+          </ac:spMkLst>
+        </pc:spChg>
+        <pc:spChg chg="del mod">
+          <ac:chgData name="Giulio Beltrami" userId="e0bbba2c-5e70-403a-8e6b-090771782fcf" providerId="ADAL" clId="{75615983-1094-4174-86F6-1BDEAFC21390}" dt="2024-05-05T08:42:19.029" v="1" actId="478"/>
+          <ac:spMkLst>
+            <pc:docMk/>
+            <pc:sldMk cId="0" sldId="263"/>
+            <ac:spMk id="128" creationId="{00000000-0000-0000-0000-000000000000}"/>
+          </ac:spMkLst>
+        </pc:spChg>
+        <pc:spChg chg="del">
+          <ac:chgData name="Giulio Beltrami" userId="e0bbba2c-5e70-403a-8e6b-090771782fcf" providerId="ADAL" clId="{75615983-1094-4174-86F6-1BDEAFC21390}" dt="2024-05-06T07:54:22.257" v="211" actId="478"/>
+          <ac:spMkLst>
+            <pc:docMk/>
+            <pc:sldMk cId="0" sldId="263"/>
+            <ac:spMk id="129" creationId="{00000000-0000-0000-0000-000000000000}"/>
+          </ac:spMkLst>
+        </pc:spChg>
+        <pc:spChg chg="del mod">
+          <ac:chgData name="Giulio Beltrami" userId="e0bbba2c-5e70-403a-8e6b-090771782fcf" providerId="ADAL" clId="{75615983-1094-4174-86F6-1BDEAFC21390}" dt="2024-05-06T07:55:32.502" v="216" actId="478"/>
+          <ac:spMkLst>
+            <pc:docMk/>
+            <pc:sldMk cId="0" sldId="263"/>
+            <ac:spMk id="130" creationId="{00000000-0000-0000-0000-000000000000}"/>
+          </ac:spMkLst>
+        </pc:spChg>
+        <pc:picChg chg="add del mod">
+          <ac:chgData name="Giulio Beltrami" userId="e0bbba2c-5e70-403a-8e6b-090771782fcf" providerId="ADAL" clId="{75615983-1094-4174-86F6-1BDEAFC21390}" dt="2024-05-05T08:44:35.790" v="4" actId="478"/>
+          <ac:picMkLst>
+            <pc:docMk/>
+            <pc:sldMk cId="0" sldId="263"/>
+            <ac:picMk id="3" creationId="{67D9E763-E1C0-A0EC-B96C-B7DDA9989D37}"/>
+          </ac:picMkLst>
+        </pc:picChg>
+        <pc:picChg chg="add mod">
+          <ac:chgData name="Giulio Beltrami" userId="e0bbba2c-5e70-403a-8e6b-090771782fcf" providerId="ADAL" clId="{75615983-1094-4174-86F6-1BDEAFC21390}" dt="2024-05-06T06:31:57.299" v="11" actId="1076"/>
+          <ac:picMkLst>
+            <pc:docMk/>
+            <pc:sldMk cId="0" sldId="263"/>
+            <ac:picMk id="3" creationId="{EF95C93D-D703-F427-646B-E5C955EDEBF1}"/>
+          </ac:picMkLst>
+        </pc:picChg>
+        <pc:picChg chg="add mod">
+          <ac:chgData name="Giulio Beltrami" userId="e0bbba2c-5e70-403a-8e6b-090771782fcf" providerId="ADAL" clId="{75615983-1094-4174-86F6-1BDEAFC21390}" dt="2024-05-06T07:52:10.587" v="210" actId="1076"/>
+          <ac:picMkLst>
+            <pc:docMk/>
+            <pc:sldMk cId="0" sldId="263"/>
+            <ac:picMk id="5" creationId="{7E8976B2-01D4-7998-FE36-1B720BC72D69}"/>
+          </ac:picMkLst>
+        </pc:picChg>
+        <pc:picChg chg="add mod">
+          <ac:chgData name="Giulio Beltrami" userId="e0bbba2c-5e70-403a-8e6b-090771782fcf" providerId="ADAL" clId="{75615983-1094-4174-86F6-1BDEAFC21390}" dt="2024-05-06T07:55:26.521" v="215" actId="1076"/>
+          <ac:picMkLst>
+            <pc:docMk/>
+            <pc:sldMk cId="0" sldId="263"/>
+            <ac:picMk id="7" creationId="{901BD27A-44CA-41DD-82D9-8D3167D2343B}"/>
+          </ac:picMkLst>
+        </pc:picChg>
+        <pc:picChg chg="add mod">
+          <ac:chgData name="Giulio Beltrami" userId="e0bbba2c-5e70-403a-8e6b-090771782fcf" providerId="ADAL" clId="{75615983-1094-4174-86F6-1BDEAFC21390}" dt="2024-05-06T07:56:19.144" v="220" actId="1076"/>
+          <ac:picMkLst>
+            <pc:docMk/>
+            <pc:sldMk cId="0" sldId="263"/>
+            <ac:picMk id="9" creationId="{E6091B78-62D2-AC10-F176-AAAC81AE17CD}"/>
+          </ac:picMkLst>
+        </pc:picChg>
+      </pc:sldChg>
+      <pc:sldChg chg="addSp delSp modSp mod">
+        <pc:chgData name="Giulio Beltrami" userId="e0bbba2c-5e70-403a-8e6b-090771782fcf" providerId="ADAL" clId="{75615983-1094-4174-86F6-1BDEAFC21390}" dt="2024-05-06T07:38:49.078" v="192" actId="1076"/>
+        <pc:sldMkLst>
+          <pc:docMk/>
+          <pc:sldMk cId="0" sldId="264"/>
+        </pc:sldMkLst>
+        <pc:spChg chg="del">
+          <ac:chgData name="Giulio Beltrami" userId="e0bbba2c-5e70-403a-8e6b-090771782fcf" providerId="ADAL" clId="{75615983-1094-4174-86F6-1BDEAFC21390}" dt="2024-05-06T07:37:33.093" v="185" actId="478"/>
+          <ac:spMkLst>
+            <pc:docMk/>
+            <pc:sldMk cId="0" sldId="264"/>
+            <ac:spMk id="133" creationId="{00000000-0000-0000-0000-000000000000}"/>
+          </ac:spMkLst>
+        </pc:spChg>
+        <pc:spChg chg="mod">
+          <ac:chgData name="Giulio Beltrami" userId="e0bbba2c-5e70-403a-8e6b-090771782fcf" providerId="ADAL" clId="{75615983-1094-4174-86F6-1BDEAFC21390}" dt="2024-05-06T07:38:46.151" v="191" actId="1076"/>
+          <ac:spMkLst>
+            <pc:docMk/>
+            <pc:sldMk cId="0" sldId="264"/>
+            <ac:spMk id="134" creationId="{00000000-0000-0000-0000-000000000000}"/>
+          </ac:spMkLst>
+        </pc:spChg>
+        <pc:picChg chg="add del mod">
+          <ac:chgData name="Giulio Beltrami" userId="e0bbba2c-5e70-403a-8e6b-090771782fcf" providerId="ADAL" clId="{75615983-1094-4174-86F6-1BDEAFC21390}" dt="2024-05-06T07:37:46.342" v="187" actId="478"/>
+          <ac:picMkLst>
+            <pc:docMk/>
+            <pc:sldMk cId="0" sldId="264"/>
+            <ac:picMk id="3" creationId="{367D103D-8793-CA39-3C2C-D160E76011AC}"/>
+          </ac:picMkLst>
+        </pc:picChg>
+        <pc:picChg chg="add mod">
+          <ac:chgData name="Giulio Beltrami" userId="e0bbba2c-5e70-403a-8e6b-090771782fcf" providerId="ADAL" clId="{75615983-1094-4174-86F6-1BDEAFC21390}" dt="2024-05-06T07:38:49.078" v="192" actId="1076"/>
+          <ac:picMkLst>
+            <pc:docMk/>
+            <pc:sldMk cId="0" sldId="264"/>
+            <ac:picMk id="5" creationId="{1597D2F8-DCBC-E080-A937-CDA10F0CD3AA}"/>
+          </ac:picMkLst>
+        </pc:picChg>
+      </pc:sldChg>
+    </pc:docChg>
+  </pc:docChgLst>
+  <pc:docChgLst>
     <pc:chgData name="Giulio Beltrami" userId="e0bbba2c-5e70-403a-8e6b-090771782fcf" providerId="ADAL" clId="{CC52A8C3-708B-4CE7-A848-3F502EC51602}"/>
     <pc:docChg chg="undo custSel addSld delSld modSld sldOrd">
       <pc:chgData name="Giulio Beltrami" userId="e0bbba2c-5e70-403a-8e6b-090771782fcf" providerId="ADAL" clId="{CC52A8C3-708B-4CE7-A848-3F502EC51602}" dt="2024-06-13T17:01:53.706" v="2926" actId="478"/>
@@ -1254,448 +1696,6 @@
             <pc:docMk/>
             <pc:sldMk cId="3704356531" sldId="275"/>
             <ac:picMk id="4" creationId="{87416478-A572-23F3-A614-74A023D4EE01}"/>
-          </ac:picMkLst>
-        </pc:picChg>
-      </pc:sldChg>
-    </pc:docChg>
-  </pc:docChgLst>
-  <pc:docChgLst>
-    <pc:chgData name="Giulio Beltrami" userId="e0bbba2c-5e70-403a-8e6b-090771782fcf" providerId="ADAL" clId="{75615983-1094-4174-86F6-1BDEAFC21390}"/>
-    <pc:docChg chg="undo custSel modSld">
-      <pc:chgData name="Giulio Beltrami" userId="e0bbba2c-5e70-403a-8e6b-090771782fcf" providerId="ADAL" clId="{75615983-1094-4174-86F6-1BDEAFC21390}" dt="2024-05-06T09:52:44.758" v="449" actId="1076"/>
-      <pc:docMkLst>
-        <pc:docMk/>
-      </pc:docMkLst>
-      <pc:sldChg chg="modSp mod">
-        <pc:chgData name="Giulio Beltrami" userId="e0bbba2c-5e70-403a-8e6b-090771782fcf" providerId="ADAL" clId="{75615983-1094-4174-86F6-1BDEAFC21390}" dt="2024-05-06T06:34:17.778" v="61" actId="20577"/>
-        <pc:sldMkLst>
-          <pc:docMk/>
-          <pc:sldMk cId="0" sldId="256"/>
-        </pc:sldMkLst>
-        <pc:spChg chg="mod">
-          <ac:chgData name="Giulio Beltrami" userId="e0bbba2c-5e70-403a-8e6b-090771782fcf" providerId="ADAL" clId="{75615983-1094-4174-86F6-1BDEAFC21390}" dt="2024-05-06T06:34:17.778" v="61" actId="20577"/>
-          <ac:spMkLst>
-            <pc:docMk/>
-            <pc:sldMk cId="0" sldId="256"/>
-            <ac:spMk id="86" creationId="{00000000-0000-0000-0000-000000000000}"/>
-          </ac:spMkLst>
-        </pc:spChg>
-      </pc:sldChg>
-      <pc:sldChg chg="addSp modSp mod">
-        <pc:chgData name="Giulio Beltrami" userId="e0bbba2c-5e70-403a-8e6b-090771782fcf" providerId="ADAL" clId="{75615983-1094-4174-86F6-1BDEAFC21390}" dt="2024-05-06T09:52:44.758" v="449" actId="1076"/>
-        <pc:sldMkLst>
-          <pc:docMk/>
-          <pc:sldMk cId="0" sldId="257"/>
-        </pc:sldMkLst>
-        <pc:spChg chg="add mod">
-          <ac:chgData name="Giulio Beltrami" userId="e0bbba2c-5e70-403a-8e6b-090771782fcf" providerId="ADAL" clId="{75615983-1094-4174-86F6-1BDEAFC21390}" dt="2024-05-06T09:52:44.758" v="449" actId="1076"/>
-          <ac:spMkLst>
-            <pc:docMk/>
-            <pc:sldMk cId="0" sldId="257"/>
-            <ac:spMk id="2" creationId="{04782B39-CBD7-6BC1-9C60-78921EDE69DE}"/>
-          </ac:spMkLst>
-        </pc:spChg>
-        <pc:picChg chg="mod">
-          <ac:chgData name="Giulio Beltrami" userId="e0bbba2c-5e70-403a-8e6b-090771782fcf" providerId="ADAL" clId="{75615983-1094-4174-86F6-1BDEAFC21390}" dt="2024-05-06T09:52:37.374" v="448" actId="14100"/>
-          <ac:picMkLst>
-            <pc:docMk/>
-            <pc:sldMk cId="0" sldId="257"/>
-            <ac:picMk id="3" creationId="{D6E93E18-FB1E-5BF8-1035-9970065B86E2}"/>
-          </ac:picMkLst>
-        </pc:picChg>
-      </pc:sldChg>
-      <pc:sldChg chg="addSp delSp modSp mod">
-        <pc:chgData name="Giulio Beltrami" userId="e0bbba2c-5e70-403a-8e6b-090771782fcf" providerId="ADAL" clId="{75615983-1094-4174-86F6-1BDEAFC21390}" dt="2024-05-06T07:56:45.513" v="224" actId="14100"/>
-        <pc:sldMkLst>
-          <pc:docMk/>
-          <pc:sldMk cId="0" sldId="260"/>
-        </pc:sldMkLst>
-        <pc:spChg chg="del mod">
-          <ac:chgData name="Giulio Beltrami" userId="e0bbba2c-5e70-403a-8e6b-090771782fcf" providerId="ADAL" clId="{75615983-1094-4174-86F6-1BDEAFC21390}" dt="2024-05-06T06:53:12.215" v="65" actId="478"/>
-          <ac:spMkLst>
-            <pc:docMk/>
-            <pc:sldMk cId="0" sldId="260"/>
-            <ac:spMk id="105" creationId="{00000000-0000-0000-0000-000000000000}"/>
-          </ac:spMkLst>
-        </pc:spChg>
-        <pc:spChg chg="del mod">
-          <ac:chgData name="Giulio Beltrami" userId="e0bbba2c-5e70-403a-8e6b-090771782fcf" providerId="ADAL" clId="{75615983-1094-4174-86F6-1BDEAFC21390}" dt="2024-05-06T06:53:28.848" v="77" actId="478"/>
-          <ac:spMkLst>
-            <pc:docMk/>
-            <pc:sldMk cId="0" sldId="260"/>
-            <ac:spMk id="107" creationId="{00000000-0000-0000-0000-000000000000}"/>
-          </ac:spMkLst>
-        </pc:spChg>
-        <pc:spChg chg="del mod">
-          <ac:chgData name="Giulio Beltrami" userId="e0bbba2c-5e70-403a-8e6b-090771782fcf" providerId="ADAL" clId="{75615983-1094-4174-86F6-1BDEAFC21390}" dt="2024-05-06T06:33:18.628" v="16" actId="478"/>
-          <ac:spMkLst>
-            <pc:docMk/>
-            <pc:sldMk cId="0" sldId="260"/>
-            <ac:spMk id="109" creationId="{00000000-0000-0000-0000-000000000000}"/>
-          </ac:spMkLst>
-        </pc:spChg>
-        <pc:spChg chg="del mod">
-          <ac:chgData name="Giulio Beltrami" userId="e0bbba2c-5e70-403a-8e6b-090771782fcf" providerId="ADAL" clId="{75615983-1094-4174-86F6-1BDEAFC21390}" dt="2024-05-06T07:07:10.490" v="91" actId="478"/>
-          <ac:spMkLst>
-            <pc:docMk/>
-            <pc:sldMk cId="0" sldId="260"/>
-            <ac:spMk id="113" creationId="{00000000-0000-0000-0000-000000000000}"/>
-          </ac:spMkLst>
-        </pc:spChg>
-        <pc:picChg chg="add mod">
-          <ac:chgData name="Giulio Beltrami" userId="e0bbba2c-5e70-403a-8e6b-090771782fcf" providerId="ADAL" clId="{75615983-1094-4174-86F6-1BDEAFC21390}" dt="2024-05-06T06:55:34.559" v="82" actId="1076"/>
-          <ac:picMkLst>
-            <pc:docMk/>
-            <pc:sldMk cId="0" sldId="260"/>
-            <ac:picMk id="3" creationId="{E8422789-689D-415A-36CE-D5E9C4EC2747}"/>
-          </ac:picMkLst>
-        </pc:picChg>
-        <pc:picChg chg="add del mod">
-          <ac:chgData name="Giulio Beltrami" userId="e0bbba2c-5e70-403a-8e6b-090771782fcf" providerId="ADAL" clId="{75615983-1094-4174-86F6-1BDEAFC21390}" dt="2024-05-06T06:53:48.106" v="80" actId="478"/>
-          <ac:picMkLst>
-            <pc:docMk/>
-            <pc:sldMk cId="0" sldId="260"/>
-            <ac:picMk id="5" creationId="{1376FECF-46C4-723A-C9A1-BC15B04F253E}"/>
-          </ac:picMkLst>
-        </pc:picChg>
-        <pc:picChg chg="add del mod">
-          <ac:chgData name="Giulio Beltrami" userId="e0bbba2c-5e70-403a-8e6b-090771782fcf" providerId="ADAL" clId="{75615983-1094-4174-86F6-1BDEAFC21390}" dt="2024-05-06T06:53:48.713" v="81" actId="478"/>
-          <ac:picMkLst>
-            <pc:docMk/>
-            <pc:sldMk cId="0" sldId="260"/>
-            <ac:picMk id="7" creationId="{096CA52F-A5BE-E887-2FC0-750F778DC0A6}"/>
-          </ac:picMkLst>
-        </pc:picChg>
-        <pc:picChg chg="add mod">
-          <ac:chgData name="Giulio Beltrami" userId="e0bbba2c-5e70-403a-8e6b-090771782fcf" providerId="ADAL" clId="{75615983-1094-4174-86F6-1BDEAFC21390}" dt="2024-05-06T07:07:57.247" v="102" actId="14100"/>
-          <ac:picMkLst>
-            <pc:docMk/>
-            <pc:sldMk cId="0" sldId="260"/>
-            <ac:picMk id="9" creationId="{6740CD09-766B-56AB-97D0-23F23EFF7329}"/>
-          </ac:picMkLst>
-        </pc:picChg>
-        <pc:picChg chg="add mod">
-          <ac:chgData name="Giulio Beltrami" userId="e0bbba2c-5e70-403a-8e6b-090771782fcf" providerId="ADAL" clId="{75615983-1094-4174-86F6-1BDEAFC21390}" dt="2024-05-06T06:55:53.213" v="88" actId="1076"/>
-          <ac:picMkLst>
-            <pc:docMk/>
-            <pc:sldMk cId="0" sldId="260"/>
-            <ac:picMk id="11" creationId="{CABD73F2-4B21-FD84-B62F-7AF7BBB05A19}"/>
-          </ac:picMkLst>
-        </pc:picChg>
-        <pc:picChg chg="add del mod">
-          <ac:chgData name="Giulio Beltrami" userId="e0bbba2c-5e70-403a-8e6b-090771782fcf" providerId="ADAL" clId="{75615983-1094-4174-86F6-1BDEAFC21390}" dt="2024-05-06T07:12:47.815" v="115" actId="478"/>
-          <ac:picMkLst>
-            <pc:docMk/>
-            <pc:sldMk cId="0" sldId="260"/>
-            <ac:picMk id="13" creationId="{761DB654-921B-4789-5EA0-6C30F5EE5B55}"/>
-          </ac:picMkLst>
-        </pc:picChg>
-        <pc:picChg chg="add mod">
-          <ac:chgData name="Giulio Beltrami" userId="e0bbba2c-5e70-403a-8e6b-090771782fcf" providerId="ADAL" clId="{75615983-1094-4174-86F6-1BDEAFC21390}" dt="2024-05-06T07:56:37.870" v="221" actId="14100"/>
-          <ac:picMkLst>
-            <pc:docMk/>
-            <pc:sldMk cId="0" sldId="260"/>
-            <ac:picMk id="15" creationId="{C1922D88-B158-7975-5FE0-D1D54C8A037C}"/>
-          </ac:picMkLst>
-        </pc:picChg>
-        <pc:picChg chg="add mod">
-          <ac:chgData name="Giulio Beltrami" userId="e0bbba2c-5e70-403a-8e6b-090771782fcf" providerId="ADAL" clId="{75615983-1094-4174-86F6-1BDEAFC21390}" dt="2024-05-06T07:56:45.513" v="224" actId="14100"/>
-          <ac:picMkLst>
-            <pc:docMk/>
-            <pc:sldMk cId="0" sldId="260"/>
-            <ac:picMk id="17" creationId="{FD5EF55D-8CE4-2B36-095F-66AD3A1F8822}"/>
-          </ac:picMkLst>
-        </pc:picChg>
-      </pc:sldChg>
-      <pc:sldChg chg="addSp delSp modSp mod">
-        <pc:chgData name="Giulio Beltrami" userId="e0bbba2c-5e70-403a-8e6b-090771782fcf" providerId="ADAL" clId="{75615983-1094-4174-86F6-1BDEAFC21390}" dt="2024-05-06T07:19:30.177" v="146" actId="14100"/>
-        <pc:sldMkLst>
-          <pc:docMk/>
-          <pc:sldMk cId="0" sldId="261"/>
-        </pc:sldMkLst>
-        <pc:spChg chg="del">
-          <ac:chgData name="Giulio Beltrami" userId="e0bbba2c-5e70-403a-8e6b-090771782fcf" providerId="ADAL" clId="{75615983-1094-4174-86F6-1BDEAFC21390}" dt="2024-05-06T07:08:34.043" v="107" actId="478"/>
-          <ac:spMkLst>
-            <pc:docMk/>
-            <pc:sldMk cId="0" sldId="261"/>
-            <ac:spMk id="115" creationId="{00000000-0000-0000-0000-000000000000}"/>
-          </ac:spMkLst>
-        </pc:spChg>
-        <pc:spChg chg="del">
-          <ac:chgData name="Giulio Beltrami" userId="e0bbba2c-5e70-403a-8e6b-090771782fcf" providerId="ADAL" clId="{75615983-1094-4174-86F6-1BDEAFC21390}" dt="2024-05-06T07:08:31.339" v="106" actId="478"/>
-          <ac:spMkLst>
-            <pc:docMk/>
-            <pc:sldMk cId="0" sldId="261"/>
-            <ac:spMk id="117" creationId="{00000000-0000-0000-0000-000000000000}"/>
-          </ac:spMkLst>
-        </pc:spChg>
-        <pc:spChg chg="del">
-          <ac:chgData name="Giulio Beltrami" userId="e0bbba2c-5e70-403a-8e6b-090771782fcf" providerId="ADAL" clId="{75615983-1094-4174-86F6-1BDEAFC21390}" dt="2024-05-06T07:07:24.466" v="94" actId="478"/>
-          <ac:spMkLst>
-            <pc:docMk/>
-            <pc:sldMk cId="0" sldId="261"/>
-            <ac:spMk id="118" creationId="{00000000-0000-0000-0000-000000000000}"/>
-          </ac:spMkLst>
-        </pc:spChg>
-        <pc:spChg chg="del">
-          <ac:chgData name="Giulio Beltrami" userId="e0bbba2c-5e70-403a-8e6b-090771782fcf" providerId="ADAL" clId="{75615983-1094-4174-86F6-1BDEAFC21390}" dt="2024-05-06T07:07:49.792" v="99" actId="478"/>
-          <ac:spMkLst>
-            <pc:docMk/>
-            <pc:sldMk cId="0" sldId="261"/>
-            <ac:spMk id="119" creationId="{00000000-0000-0000-0000-000000000000}"/>
-          </ac:spMkLst>
-        </pc:spChg>
-        <pc:picChg chg="add mod">
-          <ac:chgData name="Giulio Beltrami" userId="e0bbba2c-5e70-403a-8e6b-090771782fcf" providerId="ADAL" clId="{75615983-1094-4174-86F6-1BDEAFC21390}" dt="2024-05-06T07:08:39.578" v="108" actId="1076"/>
-          <ac:picMkLst>
-            <pc:docMk/>
-            <pc:sldMk cId="0" sldId="261"/>
-            <ac:picMk id="3" creationId="{60E7DD48-7F42-DFE4-E7ED-66B0F31FF4A0}"/>
-          </ac:picMkLst>
-        </pc:picChg>
-        <pc:picChg chg="add del mod">
-          <ac:chgData name="Giulio Beltrami" userId="e0bbba2c-5e70-403a-8e6b-090771782fcf" providerId="ADAL" clId="{75615983-1094-4174-86F6-1BDEAFC21390}" dt="2024-05-06T07:16:01.483" v="120" actId="478"/>
-          <ac:picMkLst>
-            <pc:docMk/>
-            <pc:sldMk cId="0" sldId="261"/>
-            <ac:picMk id="5" creationId="{F2935217-844E-0D07-C45B-94F73FBD8128}"/>
-          </ac:picMkLst>
-        </pc:picChg>
-        <pc:picChg chg="add mod">
-          <ac:chgData name="Giulio Beltrami" userId="e0bbba2c-5e70-403a-8e6b-090771782fcf" providerId="ADAL" clId="{75615983-1094-4174-86F6-1BDEAFC21390}" dt="2024-05-06T07:09:13.740" v="113" actId="14100"/>
-          <ac:picMkLst>
-            <pc:docMk/>
-            <pc:sldMk cId="0" sldId="261"/>
-            <ac:picMk id="7" creationId="{DD59CABE-83A3-D538-3AD8-901AC1286E22}"/>
-          </ac:picMkLst>
-        </pc:picChg>
-        <pc:picChg chg="add mod">
-          <ac:chgData name="Giulio Beltrami" userId="e0bbba2c-5e70-403a-8e6b-090771782fcf" providerId="ADAL" clId="{75615983-1094-4174-86F6-1BDEAFC21390}" dt="2024-05-06T07:19:21.225" v="143" actId="1076"/>
-          <ac:picMkLst>
-            <pc:docMk/>
-            <pc:sldMk cId="0" sldId="261"/>
-            <ac:picMk id="9" creationId="{ADE7A7CA-EEE2-AFA0-7256-B7316628FCEE}"/>
-          </ac:picMkLst>
-        </pc:picChg>
-        <pc:picChg chg="add mod">
-          <ac:chgData name="Giulio Beltrami" userId="e0bbba2c-5e70-403a-8e6b-090771782fcf" providerId="ADAL" clId="{75615983-1094-4174-86F6-1BDEAFC21390}" dt="2024-05-06T07:19:30.177" v="146" actId="14100"/>
-          <ac:picMkLst>
-            <pc:docMk/>
-            <pc:sldMk cId="0" sldId="261"/>
-            <ac:picMk id="11" creationId="{CB30D64F-1F09-B963-F2D6-FB8A4C54F2B5}"/>
-          </ac:picMkLst>
-        </pc:picChg>
-      </pc:sldChg>
-      <pc:sldChg chg="addSp delSp modSp mod">
-        <pc:chgData name="Giulio Beltrami" userId="e0bbba2c-5e70-403a-8e6b-090771782fcf" providerId="ADAL" clId="{75615983-1094-4174-86F6-1BDEAFC21390}" dt="2024-05-06T07:25:12.956" v="173" actId="1076"/>
-        <pc:sldMkLst>
-          <pc:docMk/>
-          <pc:sldMk cId="0" sldId="262"/>
-        </pc:sldMkLst>
-        <pc:spChg chg="del">
-          <ac:chgData name="Giulio Beltrami" userId="e0bbba2c-5e70-403a-8e6b-090771782fcf" providerId="ADAL" clId="{75615983-1094-4174-86F6-1BDEAFC21390}" dt="2024-05-06T07:16:17.217" v="121" actId="478"/>
-          <ac:spMkLst>
-            <pc:docMk/>
-            <pc:sldMk cId="0" sldId="262"/>
-            <ac:spMk id="122" creationId="{00000000-0000-0000-0000-000000000000}"/>
-          </ac:spMkLst>
-        </pc:spChg>
-        <pc:spChg chg="del mod">
-          <ac:chgData name="Giulio Beltrami" userId="e0bbba2c-5e70-403a-8e6b-090771782fcf" providerId="ADAL" clId="{75615983-1094-4174-86F6-1BDEAFC21390}" dt="2024-05-06T07:24:12.946" v="149" actId="478"/>
-          <ac:spMkLst>
-            <pc:docMk/>
-            <pc:sldMk cId="0" sldId="262"/>
-            <ac:spMk id="123" creationId="{00000000-0000-0000-0000-000000000000}"/>
-          </ac:spMkLst>
-        </pc:spChg>
-        <pc:spChg chg="del mod">
-          <ac:chgData name="Giulio Beltrami" userId="e0bbba2c-5e70-403a-8e6b-090771782fcf" providerId="ADAL" clId="{75615983-1094-4174-86F6-1BDEAFC21390}" dt="2024-05-06T07:24:11.241" v="148" actId="478"/>
-          <ac:spMkLst>
-            <pc:docMk/>
-            <pc:sldMk cId="0" sldId="262"/>
-            <ac:spMk id="124" creationId="{00000000-0000-0000-0000-000000000000}"/>
-          </ac:spMkLst>
-        </pc:spChg>
-        <pc:picChg chg="add mod">
-          <ac:chgData name="Giulio Beltrami" userId="e0bbba2c-5e70-403a-8e6b-090771782fcf" providerId="ADAL" clId="{75615983-1094-4174-86F6-1BDEAFC21390}" dt="2024-05-06T07:16:59.388" v="135" actId="1076"/>
-          <ac:picMkLst>
-            <pc:docMk/>
-            <pc:sldMk cId="0" sldId="262"/>
-            <ac:picMk id="3" creationId="{37A8DE77-88B5-45FE-67C5-49E00E193920}"/>
-          </ac:picMkLst>
-        </pc:picChg>
-        <pc:picChg chg="add mod">
-          <ac:chgData name="Giulio Beltrami" userId="e0bbba2c-5e70-403a-8e6b-090771782fcf" providerId="ADAL" clId="{75615983-1094-4174-86F6-1BDEAFC21390}" dt="2024-05-06T07:16:57.227" v="134" actId="1076"/>
-          <ac:picMkLst>
-            <pc:docMk/>
-            <pc:sldMk cId="0" sldId="262"/>
-            <ac:picMk id="5" creationId="{21F6FA40-3393-52E4-4F8F-D4C76F1E90FB}"/>
-          </ac:picMkLst>
-        </pc:picChg>
-        <pc:picChg chg="add mod">
-          <ac:chgData name="Giulio Beltrami" userId="e0bbba2c-5e70-403a-8e6b-090771782fcf" providerId="ADAL" clId="{75615983-1094-4174-86F6-1BDEAFC21390}" dt="2024-05-06T07:16:55.541" v="133" actId="1076"/>
-          <ac:picMkLst>
-            <pc:docMk/>
-            <pc:sldMk cId="0" sldId="262"/>
-            <ac:picMk id="7" creationId="{DE3D8ECA-9D3C-07C7-DD2A-619B3BEC40BF}"/>
-          </ac:picMkLst>
-        </pc:picChg>
-        <pc:picChg chg="add mod">
-          <ac:chgData name="Giulio Beltrami" userId="e0bbba2c-5e70-403a-8e6b-090771782fcf" providerId="ADAL" clId="{75615983-1094-4174-86F6-1BDEAFC21390}" dt="2024-05-06T07:24:55.717" v="162" actId="1076"/>
-          <ac:picMkLst>
-            <pc:docMk/>
-            <pc:sldMk cId="0" sldId="262"/>
-            <ac:picMk id="9" creationId="{3EB6B0C6-4C4E-88BB-7D9B-C689576F33FE}"/>
-          </ac:picMkLst>
-        </pc:picChg>
-        <pc:picChg chg="add mod">
-          <ac:chgData name="Giulio Beltrami" userId="e0bbba2c-5e70-403a-8e6b-090771782fcf" providerId="ADAL" clId="{75615983-1094-4174-86F6-1BDEAFC21390}" dt="2024-05-06T07:25:08.882" v="170" actId="1076"/>
-          <ac:picMkLst>
-            <pc:docMk/>
-            <pc:sldMk cId="0" sldId="262"/>
-            <ac:picMk id="11" creationId="{07A58E34-4FD3-7704-E075-B36D7C7C3028}"/>
-          </ac:picMkLst>
-        </pc:picChg>
-        <pc:picChg chg="add mod">
-          <ac:chgData name="Giulio Beltrami" userId="e0bbba2c-5e70-403a-8e6b-090771782fcf" providerId="ADAL" clId="{75615983-1094-4174-86F6-1BDEAFC21390}" dt="2024-05-06T07:25:12.956" v="173" actId="1076"/>
-          <ac:picMkLst>
-            <pc:docMk/>
-            <pc:sldMk cId="0" sldId="262"/>
-            <ac:picMk id="13" creationId="{2C257892-A96C-6906-3B78-2205EF09F4ED}"/>
-          </ac:picMkLst>
-        </pc:picChg>
-        <pc:picChg chg="add mod">
-          <ac:chgData name="Giulio Beltrami" userId="e0bbba2c-5e70-403a-8e6b-090771782fcf" providerId="ADAL" clId="{75615983-1094-4174-86F6-1BDEAFC21390}" dt="2024-05-06T07:24:48.002" v="158" actId="14100"/>
-          <ac:picMkLst>
-            <pc:docMk/>
-            <pc:sldMk cId="0" sldId="262"/>
-            <ac:picMk id="15" creationId="{A26EC5CB-FC24-3664-2089-2AA6C241D358}"/>
-          </ac:picMkLst>
-        </pc:picChg>
-        <pc:picChg chg="add mod">
-          <ac:chgData name="Giulio Beltrami" userId="e0bbba2c-5e70-403a-8e6b-090771782fcf" providerId="ADAL" clId="{75615983-1094-4174-86F6-1BDEAFC21390}" dt="2024-05-06T07:24:49.636" v="159" actId="14100"/>
-          <ac:picMkLst>
-            <pc:docMk/>
-            <pc:sldMk cId="0" sldId="262"/>
-            <ac:picMk id="17" creationId="{EC92398E-EA15-A4FA-2314-01A0A247876D}"/>
-          </ac:picMkLst>
-        </pc:picChg>
-      </pc:sldChg>
-      <pc:sldChg chg="addSp delSp modSp mod">
-        <pc:chgData name="Giulio Beltrami" userId="e0bbba2c-5e70-403a-8e6b-090771782fcf" providerId="ADAL" clId="{75615983-1094-4174-86F6-1BDEAFC21390}" dt="2024-05-06T07:56:19.144" v="220" actId="1076"/>
-        <pc:sldMkLst>
-          <pc:docMk/>
-          <pc:sldMk cId="0" sldId="263"/>
-        </pc:sldMkLst>
-        <pc:spChg chg="add del mod">
-          <ac:chgData name="Giulio Beltrami" userId="e0bbba2c-5e70-403a-8e6b-090771782fcf" providerId="ADAL" clId="{75615983-1094-4174-86F6-1BDEAFC21390}" dt="2024-05-06T07:46:08.845" v="205" actId="478"/>
-          <ac:spMkLst>
-            <pc:docMk/>
-            <pc:sldMk cId="0" sldId="263"/>
-            <ac:spMk id="126" creationId="{00000000-0000-0000-0000-000000000000}"/>
-          </ac:spMkLst>
-        </pc:spChg>
-        <pc:spChg chg="del mod">
-          <ac:chgData name="Giulio Beltrami" userId="e0bbba2c-5e70-403a-8e6b-090771782fcf" providerId="ADAL" clId="{75615983-1094-4174-86F6-1BDEAFC21390}" dt="2024-05-05T08:42:19.029" v="1" actId="478"/>
-          <ac:spMkLst>
-            <pc:docMk/>
-            <pc:sldMk cId="0" sldId="263"/>
-            <ac:spMk id="128" creationId="{00000000-0000-0000-0000-000000000000}"/>
-          </ac:spMkLst>
-        </pc:spChg>
-        <pc:spChg chg="del">
-          <ac:chgData name="Giulio Beltrami" userId="e0bbba2c-5e70-403a-8e6b-090771782fcf" providerId="ADAL" clId="{75615983-1094-4174-86F6-1BDEAFC21390}" dt="2024-05-06T07:54:22.257" v="211" actId="478"/>
-          <ac:spMkLst>
-            <pc:docMk/>
-            <pc:sldMk cId="0" sldId="263"/>
-            <ac:spMk id="129" creationId="{00000000-0000-0000-0000-000000000000}"/>
-          </ac:spMkLst>
-        </pc:spChg>
-        <pc:spChg chg="del mod">
-          <ac:chgData name="Giulio Beltrami" userId="e0bbba2c-5e70-403a-8e6b-090771782fcf" providerId="ADAL" clId="{75615983-1094-4174-86F6-1BDEAFC21390}" dt="2024-05-06T07:55:32.502" v="216" actId="478"/>
-          <ac:spMkLst>
-            <pc:docMk/>
-            <pc:sldMk cId="0" sldId="263"/>
-            <ac:spMk id="130" creationId="{00000000-0000-0000-0000-000000000000}"/>
-          </ac:spMkLst>
-        </pc:spChg>
-        <pc:picChg chg="add del mod">
-          <ac:chgData name="Giulio Beltrami" userId="e0bbba2c-5e70-403a-8e6b-090771782fcf" providerId="ADAL" clId="{75615983-1094-4174-86F6-1BDEAFC21390}" dt="2024-05-05T08:44:35.790" v="4" actId="478"/>
-          <ac:picMkLst>
-            <pc:docMk/>
-            <pc:sldMk cId="0" sldId="263"/>
-            <ac:picMk id="3" creationId="{67D9E763-E1C0-A0EC-B96C-B7DDA9989D37}"/>
-          </ac:picMkLst>
-        </pc:picChg>
-        <pc:picChg chg="add mod">
-          <ac:chgData name="Giulio Beltrami" userId="e0bbba2c-5e70-403a-8e6b-090771782fcf" providerId="ADAL" clId="{75615983-1094-4174-86F6-1BDEAFC21390}" dt="2024-05-06T06:31:57.299" v="11" actId="1076"/>
-          <ac:picMkLst>
-            <pc:docMk/>
-            <pc:sldMk cId="0" sldId="263"/>
-            <ac:picMk id="3" creationId="{EF95C93D-D703-F427-646B-E5C955EDEBF1}"/>
-          </ac:picMkLst>
-        </pc:picChg>
-        <pc:picChg chg="add mod">
-          <ac:chgData name="Giulio Beltrami" userId="e0bbba2c-5e70-403a-8e6b-090771782fcf" providerId="ADAL" clId="{75615983-1094-4174-86F6-1BDEAFC21390}" dt="2024-05-06T07:52:10.587" v="210" actId="1076"/>
-          <ac:picMkLst>
-            <pc:docMk/>
-            <pc:sldMk cId="0" sldId="263"/>
-            <ac:picMk id="5" creationId="{7E8976B2-01D4-7998-FE36-1B720BC72D69}"/>
-          </ac:picMkLst>
-        </pc:picChg>
-        <pc:picChg chg="add mod">
-          <ac:chgData name="Giulio Beltrami" userId="e0bbba2c-5e70-403a-8e6b-090771782fcf" providerId="ADAL" clId="{75615983-1094-4174-86F6-1BDEAFC21390}" dt="2024-05-06T07:55:26.521" v="215" actId="1076"/>
-          <ac:picMkLst>
-            <pc:docMk/>
-            <pc:sldMk cId="0" sldId="263"/>
-            <ac:picMk id="7" creationId="{901BD27A-44CA-41DD-82D9-8D3167D2343B}"/>
-          </ac:picMkLst>
-        </pc:picChg>
-        <pc:picChg chg="add mod">
-          <ac:chgData name="Giulio Beltrami" userId="e0bbba2c-5e70-403a-8e6b-090771782fcf" providerId="ADAL" clId="{75615983-1094-4174-86F6-1BDEAFC21390}" dt="2024-05-06T07:56:19.144" v="220" actId="1076"/>
-          <ac:picMkLst>
-            <pc:docMk/>
-            <pc:sldMk cId="0" sldId="263"/>
-            <ac:picMk id="9" creationId="{E6091B78-62D2-AC10-F176-AAAC81AE17CD}"/>
-          </ac:picMkLst>
-        </pc:picChg>
-      </pc:sldChg>
-      <pc:sldChg chg="addSp delSp modSp mod">
-        <pc:chgData name="Giulio Beltrami" userId="e0bbba2c-5e70-403a-8e6b-090771782fcf" providerId="ADAL" clId="{75615983-1094-4174-86F6-1BDEAFC21390}" dt="2024-05-06T07:38:49.078" v="192" actId="1076"/>
-        <pc:sldMkLst>
-          <pc:docMk/>
-          <pc:sldMk cId="0" sldId="264"/>
-        </pc:sldMkLst>
-        <pc:spChg chg="del">
-          <ac:chgData name="Giulio Beltrami" userId="e0bbba2c-5e70-403a-8e6b-090771782fcf" providerId="ADAL" clId="{75615983-1094-4174-86F6-1BDEAFC21390}" dt="2024-05-06T07:37:33.093" v="185" actId="478"/>
-          <ac:spMkLst>
-            <pc:docMk/>
-            <pc:sldMk cId="0" sldId="264"/>
-            <ac:spMk id="133" creationId="{00000000-0000-0000-0000-000000000000}"/>
-          </ac:spMkLst>
-        </pc:spChg>
-        <pc:spChg chg="mod">
-          <ac:chgData name="Giulio Beltrami" userId="e0bbba2c-5e70-403a-8e6b-090771782fcf" providerId="ADAL" clId="{75615983-1094-4174-86F6-1BDEAFC21390}" dt="2024-05-06T07:38:46.151" v="191" actId="1076"/>
-          <ac:spMkLst>
-            <pc:docMk/>
-            <pc:sldMk cId="0" sldId="264"/>
-            <ac:spMk id="134" creationId="{00000000-0000-0000-0000-000000000000}"/>
-          </ac:spMkLst>
-        </pc:spChg>
-        <pc:picChg chg="add del mod">
-          <ac:chgData name="Giulio Beltrami" userId="e0bbba2c-5e70-403a-8e6b-090771782fcf" providerId="ADAL" clId="{75615983-1094-4174-86F6-1BDEAFC21390}" dt="2024-05-06T07:37:46.342" v="187" actId="478"/>
-          <ac:picMkLst>
-            <pc:docMk/>
-            <pc:sldMk cId="0" sldId="264"/>
-            <ac:picMk id="3" creationId="{367D103D-8793-CA39-3C2C-D160E76011AC}"/>
-          </ac:picMkLst>
-        </pc:picChg>
-        <pc:picChg chg="add mod">
-          <ac:chgData name="Giulio Beltrami" userId="e0bbba2c-5e70-403a-8e6b-090771782fcf" providerId="ADAL" clId="{75615983-1094-4174-86F6-1BDEAFC21390}" dt="2024-05-06T07:38:49.078" v="192" actId="1076"/>
-          <ac:picMkLst>
-            <pc:docMk/>
-            <pc:sldMk cId="0" sldId="264"/>
-            <ac:picMk id="5" creationId="{1597D2F8-DCBC-E080-A937-CDA10F0CD3AA}"/>
           </ac:picMkLst>
         </pc:picChg>
       </pc:sldChg>
@@ -9003,16 +9003,26 @@
               </a:tabLst>
             </a:pPr>
             <a:r>
-              <a:rPr lang="it-IT" sz="2500" b="0" strike="noStrike" spc="-1">
+              <a:rPr lang="it-IT" sz="2500" b="0" strike="noStrike" spc="-1" dirty="0">
                 <a:solidFill>
                   <a:srgbClr val="FFFFFF"/>
                 </a:solidFill>
                 <a:latin typeface="Verdana"/>
                 <a:ea typeface="Verdana"/>
               </a:rPr>
-              <a:t>Elena Bellanova</a:t>
-            </a:r>
-            <a:endParaRPr lang="it-IT" sz="2500" b="0" strike="noStrike" spc="-1">
+              <a:t>Elena </a:t>
+            </a:r>
+            <a:r>
+              <a:rPr lang="it-IT" sz="2500" b="0" strike="noStrike" spc="-1" dirty="0" err="1">
+                <a:solidFill>
+                  <a:srgbClr val="FFFFFF"/>
+                </a:solidFill>
+                <a:latin typeface="Verdana"/>
+                <a:ea typeface="Verdana"/>
+              </a:rPr>
+              <a:t>Bellanova</a:t>
+            </a:r>
+            <a:endParaRPr lang="it-IT" sz="2500" b="0" strike="noStrike" spc="-1" dirty="0">
               <a:latin typeface="Arial"/>
             </a:endParaRPr>
           </a:p>
@@ -9030,7 +9040,7 @@
               </a:tabLst>
             </a:pPr>
             <a:r>
-              <a:rPr lang="it-IT" sz="2500" b="0" strike="noStrike" spc="-1">
+              <a:rPr lang="it-IT" sz="2500" b="0" strike="noStrike" spc="-1" dirty="0">
                 <a:solidFill>
                   <a:srgbClr val="FFFFFF"/>
                 </a:solidFill>
@@ -9039,7 +9049,7 @@
               </a:rPr>
               <a:t>Giulio Beltrami</a:t>
             </a:r>
-            <a:endParaRPr lang="it-IT" sz="2500" b="0" strike="noStrike" spc="-1">
+            <a:endParaRPr lang="it-IT" sz="2500" b="0" strike="noStrike" spc="-1" dirty="0">
               <a:latin typeface="Arial"/>
             </a:endParaRPr>
           </a:p>
@@ -9057,16 +9067,26 @@
               </a:tabLst>
             </a:pPr>
             <a:r>
-              <a:rPr lang="it-IT" sz="2500" b="0" strike="noStrike" spc="-1">
+              <a:rPr lang="it-IT" sz="2500" b="0" strike="noStrike" spc="-1" dirty="0">
                 <a:solidFill>
                   <a:srgbClr val="FFFFFF"/>
                 </a:solidFill>
                 <a:latin typeface="Verdana"/>
                 <a:ea typeface="Verdana"/>
               </a:rPr>
-              <a:t>Marco Minarelli</a:t>
-            </a:r>
-            <a:endParaRPr lang="it-IT" sz="2500" b="0" strike="noStrike" spc="-1">
+              <a:t>Marco </a:t>
+            </a:r>
+            <a:r>
+              <a:rPr lang="it-IT" sz="2500" b="0" strike="noStrike" spc="-1" dirty="0" err="1">
+                <a:solidFill>
+                  <a:srgbClr val="FFFFFF"/>
+                </a:solidFill>
+                <a:latin typeface="Verdana"/>
+                <a:ea typeface="Verdana"/>
+              </a:rPr>
+              <a:t>Minarelli</a:t>
+            </a:r>
+            <a:endParaRPr lang="it-IT" sz="2500" b="0" strike="noStrike" spc="-1" dirty="0">
               <a:latin typeface="Arial"/>
             </a:endParaRPr>
           </a:p>
@@ -9083,7 +9103,7 @@
                 <a:tab pos="0" algn="l"/>
               </a:tabLst>
             </a:pPr>
-            <a:endParaRPr lang="it-IT" sz="2500" b="0" strike="noStrike" spc="-1">
+            <a:endParaRPr lang="it-IT" sz="2500" b="0" strike="noStrike" spc="-1" dirty="0">
               <a:latin typeface="Arial"/>
             </a:endParaRPr>
           </a:p>
@@ -9225,7 +9245,7 @@
               <a:defRPr/>
             </a:pPr>
             <a:r>
-              <a:rPr kumimoji="0" lang="it-IT" sz="1800" b="0" i="0" u="none" strike="noStrike" kern="1200" cap="none" spc="-1" normalizeH="0" baseline="0" noProof="0">
+              <a:rPr kumimoji="0" lang="it-IT" sz="1800" b="0" i="0" u="none" strike="noStrike" kern="1200" cap="none" spc="-1" normalizeH="0" baseline="0" noProof="0" dirty="0">
                 <a:ln>
                   <a:noFill/>
                 </a:ln>
@@ -9240,7 +9260,7 @@
               </a:rPr>
               <a:t>Corso di laurea in Ingegneria Elettrica e dell’Automazione</a:t>
             </a:r>
-            <a:endParaRPr kumimoji="0" lang="it-IT" sz="1800" b="0" i="0" u="none" strike="noStrike" kern="1200" cap="none" spc="-1" normalizeH="0" baseline="0" noProof="0">
+            <a:endParaRPr kumimoji="0" lang="it-IT" sz="1800" b="0" i="0" u="none" strike="noStrike" kern="1200" cap="none" spc="-1" normalizeH="0" baseline="0" noProof="0" dirty="0">
               <a:ln>
                 <a:noFill/>
               </a:ln>
@@ -9310,7 +9330,7 @@
               <a:defRPr/>
             </a:pPr>
             <a:r>
-              <a:rPr kumimoji="0" lang="it-IT" sz="1800" b="0" i="0" u="none" strike="noStrike" kern="1200" cap="none" spc="-1" normalizeH="0" baseline="0" noProof="0">
+              <a:rPr kumimoji="0" lang="it-IT" sz="1800" b="0" i="0" u="none" strike="noStrike" kern="1200" cap="none" spc="-1" normalizeH="0" baseline="0" noProof="0" dirty="0">
                 <a:ln>
                   <a:noFill/>
                 </a:ln>
@@ -9325,7 +9345,7 @@
               </a:rPr>
               <a:t>Anno accademico 2023/2024</a:t>
             </a:r>
-            <a:endParaRPr kumimoji="0" lang="it-IT" sz="1800" b="0" i="0" u="none" strike="noStrike" kern="1200" cap="none" spc="-1" normalizeH="0" baseline="0" noProof="0">
+            <a:endParaRPr kumimoji="0" lang="it-IT" sz="1800" b="0" i="0" u="none" strike="noStrike" kern="1200" cap="none" spc="-1" normalizeH="0" baseline="0" noProof="0" dirty="0">
               <a:ln>
                 <a:noFill/>
               </a:ln>
@@ -12117,8 +12137,8 @@
         </p:nvSpPr>
         <p:spPr>
           <a:xfrm>
-            <a:off x="7052042" y="1811880"/>
-            <a:ext cx="3504650" cy="3416320"/>
+            <a:off x="5839968" y="1951747"/>
+            <a:ext cx="5437632" cy="3970318"/>
           </a:xfrm>
           <a:prstGeom prst="rect">
             <a:avLst/>
@@ -12132,26 +12152,61 @@
           <a:lstStyle/>
           <a:p>
             <a:r>
-              <a:rPr lang="it-IT" dirty="0"/>
-              <a:t>Componenti rover:</a:t>
-            </a:r>
+              <a:rPr lang="it-IT" dirty="0">
+                <a:latin typeface="Verdana" panose="020B0604030504040204" pitchFamily="34" charset="0"/>
+                <a:ea typeface="Verdana" panose="020B0604030504040204" pitchFamily="34" charset="0"/>
+                <a:cs typeface="Verdana" panose="020B0604030504040204" pitchFamily="34" charset="0"/>
+              </a:rPr>
+              <a:t>Componenti </a:t>
+            </a:r>
+            <a:r>
+              <a:rPr lang="it-IT" dirty="0" err="1">
+                <a:latin typeface="Verdana" panose="020B0604030504040204" pitchFamily="34" charset="0"/>
+                <a:ea typeface="Verdana" panose="020B0604030504040204" pitchFamily="34" charset="0"/>
+                <a:cs typeface="Verdana" panose="020B0604030504040204" pitchFamily="34" charset="0"/>
+              </a:rPr>
+              <a:t>rover</a:t>
+            </a:r>
+            <a:r>
+              <a:rPr lang="it-IT" dirty="0">
+                <a:latin typeface="Verdana" panose="020B0604030504040204" pitchFamily="34" charset="0"/>
+                <a:ea typeface="Verdana" panose="020B0604030504040204" pitchFamily="34" charset="0"/>
+                <a:cs typeface="Verdana" panose="020B0604030504040204" pitchFamily="34" charset="0"/>
+              </a:rPr>
+              <a:t>:</a:t>
+            </a:r>
+          </a:p>
+          <a:p>
+            <a:endParaRPr lang="it-IT" dirty="0">
+              <a:latin typeface="Verdana" panose="020B0604030504040204" pitchFamily="34" charset="0"/>
+              <a:ea typeface="Verdana" panose="020B0604030504040204" pitchFamily="34" charset="0"/>
+              <a:cs typeface="Verdana" panose="020B0604030504040204" pitchFamily="34" charset="0"/>
+            </a:endParaRPr>
           </a:p>
           <a:p>
             <a:pPr marL="285750" indent="-285750">
               <a:buFont typeface="Arial" panose="020B0604020202020204" pitchFamily="34" charset="0"/>
               <a:buChar char="•"/>
             </a:pPr>
-            <a:endParaRPr lang="it-IT" dirty="0"/>
+            <a:r>
+              <a:rPr lang="it-IT" dirty="0">
+                <a:latin typeface="Verdana" panose="020B0604030504040204" pitchFamily="34" charset="0"/>
+                <a:ea typeface="Verdana" panose="020B0604030504040204" pitchFamily="34" charset="0"/>
+                <a:cs typeface="Verdana" panose="020B0604030504040204" pitchFamily="34" charset="0"/>
+              </a:rPr>
+              <a:t>ZED 2i: usata per determinare la posa del rover tramite utilizzo di un sensore interno</a:t>
+            </a:r>
           </a:p>
           <a:p>
             <a:pPr marL="285750" indent="-285750">
               <a:buFont typeface="Arial" panose="020B0604020202020204" pitchFamily="34" charset="0"/>
               <a:buChar char="•"/>
             </a:pPr>
-            <a:r>
-              <a:rPr lang="it-IT" dirty="0"/>
-              <a:t>ZED 2i: usata per determinare la posa del rover tramite utilizzo di un sensore interno</a:t>
-            </a:r>
+            <a:endParaRPr lang="it-IT" dirty="0">
+              <a:latin typeface="Verdana" panose="020B0604030504040204" pitchFamily="34" charset="0"/>
+              <a:ea typeface="Verdana" panose="020B0604030504040204" pitchFamily="34" charset="0"/>
+              <a:cs typeface="Verdana" panose="020B0604030504040204" pitchFamily="34" charset="0"/>
+            </a:endParaRPr>
           </a:p>
           <a:p>
             <a:pPr marL="285750" indent="-285750">
@@ -12159,33 +12214,29 @@
               <a:buChar char="•"/>
             </a:pPr>
             <a:r>
-              <a:rPr lang="it-IT" dirty="0" err="1"/>
+              <a:rPr lang="it-IT" dirty="0" err="1">
+                <a:latin typeface="Verdana" panose="020B0604030504040204" pitchFamily="34" charset="0"/>
+                <a:ea typeface="Verdana" panose="020B0604030504040204" pitchFamily="34" charset="0"/>
+                <a:cs typeface="Verdana" panose="020B0604030504040204" pitchFamily="34" charset="0"/>
+              </a:rPr>
               <a:t>LiDar</a:t>
             </a:r>
-            <a:endParaRPr lang="it-IT" dirty="0"/>
+            <a:endParaRPr lang="it-IT" dirty="0">
+              <a:latin typeface="Verdana" panose="020B0604030504040204" pitchFamily="34" charset="0"/>
+              <a:ea typeface="Verdana" panose="020B0604030504040204" pitchFamily="34" charset="0"/>
+              <a:cs typeface="Verdana" panose="020B0604030504040204" pitchFamily="34" charset="0"/>
+            </a:endParaRPr>
           </a:p>
           <a:p>
             <a:pPr marL="285750" indent="-285750">
               <a:buFont typeface="Arial" panose="020B0604020202020204" pitchFamily="34" charset="0"/>
               <a:buChar char="•"/>
             </a:pPr>
-            <a:r>
-              <a:rPr lang="it-IT" dirty="0"/>
-              <a:t>Nvidia </a:t>
-            </a:r>
-            <a:r>
-              <a:rPr lang="it-IT" dirty="0" err="1"/>
-              <a:t>Jetson</a:t>
-            </a:r>
-            <a:r>
-              <a:rPr lang="it-IT" dirty="0"/>
-              <a:t> AGX </a:t>
-            </a:r>
-            <a:r>
-              <a:rPr lang="it-IT" dirty="0" err="1"/>
-              <a:t>Orin</a:t>
-            </a:r>
-            <a:endParaRPr lang="it-IT" dirty="0"/>
+            <a:endParaRPr lang="it-IT" dirty="0">
+              <a:latin typeface="Verdana" panose="020B0604030504040204" pitchFamily="34" charset="0"/>
+              <a:ea typeface="Verdana" panose="020B0604030504040204" pitchFamily="34" charset="0"/>
+              <a:cs typeface="Verdana" panose="020B0604030504040204" pitchFamily="34" charset="0"/>
+            </a:endParaRPr>
           </a:p>
           <a:p>
             <a:pPr marL="285750" indent="-285750">
@@ -12193,46 +12244,137 @@
               <a:buChar char="•"/>
             </a:pPr>
             <a:r>
-              <a:rPr lang="it-IT" dirty="0"/>
-              <a:t>Servomotore </a:t>
-            </a:r>
-            <a:r>
               <a:rPr lang="it-IT" dirty="0">
-                <a:sym typeface="Wingdings" panose="05000000000000000000" pitchFamily="2" charset="2"/>
-              </a:rPr>
-              <a:t> S</a:t>
-            </a:r>
-            <a:r>
-              <a:rPr lang="it-IT" dirty="0"/>
-              <a:t>terzo </a:t>
-            </a:r>
+                <a:latin typeface="Verdana" panose="020B0604030504040204" pitchFamily="34" charset="0"/>
+                <a:ea typeface="Verdana" panose="020B0604030504040204" pitchFamily="34" charset="0"/>
+                <a:cs typeface="Verdana" panose="020B0604030504040204" pitchFamily="34" charset="0"/>
+              </a:rPr>
+              <a:t>Nvidia </a:t>
+            </a:r>
+            <a:r>
+              <a:rPr lang="it-IT" dirty="0" err="1">
+                <a:latin typeface="Verdana" panose="020B0604030504040204" pitchFamily="34" charset="0"/>
+                <a:ea typeface="Verdana" panose="020B0604030504040204" pitchFamily="34" charset="0"/>
+                <a:cs typeface="Verdana" panose="020B0604030504040204" pitchFamily="34" charset="0"/>
+              </a:rPr>
+              <a:t>Jetson</a:t>
+            </a:r>
+            <a:r>
+              <a:rPr lang="it-IT" dirty="0">
+                <a:latin typeface="Verdana" panose="020B0604030504040204" pitchFamily="34" charset="0"/>
+                <a:ea typeface="Verdana" panose="020B0604030504040204" pitchFamily="34" charset="0"/>
+                <a:cs typeface="Verdana" panose="020B0604030504040204" pitchFamily="34" charset="0"/>
+              </a:rPr>
+              <a:t> AGX </a:t>
+            </a:r>
+            <a:r>
+              <a:rPr lang="it-IT" dirty="0" err="1">
+                <a:latin typeface="Verdana" panose="020B0604030504040204" pitchFamily="34" charset="0"/>
+                <a:ea typeface="Verdana" panose="020B0604030504040204" pitchFamily="34" charset="0"/>
+                <a:cs typeface="Verdana" panose="020B0604030504040204" pitchFamily="34" charset="0"/>
+              </a:rPr>
+              <a:t>Orin</a:t>
+            </a:r>
+            <a:endParaRPr lang="it-IT" dirty="0">
+              <a:latin typeface="Verdana" panose="020B0604030504040204" pitchFamily="34" charset="0"/>
+              <a:ea typeface="Verdana" panose="020B0604030504040204" pitchFamily="34" charset="0"/>
+              <a:cs typeface="Verdana" panose="020B0604030504040204" pitchFamily="34" charset="0"/>
+            </a:endParaRPr>
           </a:p>
           <a:p>
             <a:pPr marL="285750" indent="-285750">
               <a:buFont typeface="Arial" panose="020B0604020202020204" pitchFamily="34" charset="0"/>
               <a:buChar char="•"/>
             </a:pPr>
-            <a:r>
-              <a:rPr lang="it-IT" dirty="0"/>
-              <a:t>Motore Brushless </a:t>
-            </a:r>
-            <a:r>
-              <a:rPr lang="it-IT" dirty="0">
-                <a:sym typeface="Wingdings" panose="05000000000000000000" pitchFamily="2" charset="2"/>
-              </a:rPr>
-              <a:t></a:t>
-            </a:r>
-            <a:r>
-              <a:rPr lang="it-IT" dirty="0"/>
-              <a:t> Trazione</a:t>
-            </a:r>
+            <a:endParaRPr lang="it-IT" dirty="0">
+              <a:latin typeface="Verdana" panose="020B0604030504040204" pitchFamily="34" charset="0"/>
+              <a:ea typeface="Verdana" panose="020B0604030504040204" pitchFamily="34" charset="0"/>
+              <a:cs typeface="Verdana" panose="020B0604030504040204" pitchFamily="34" charset="0"/>
+            </a:endParaRPr>
           </a:p>
           <a:p>
             <a:pPr marL="285750" indent="-285750">
               <a:buFont typeface="Arial" panose="020B0604020202020204" pitchFamily="34" charset="0"/>
               <a:buChar char="•"/>
             </a:pPr>
-            <a:endParaRPr lang="it-IT" dirty="0"/>
+            <a:r>
+              <a:rPr lang="it-IT" dirty="0">
+                <a:latin typeface="Verdana" panose="020B0604030504040204" pitchFamily="34" charset="0"/>
+                <a:ea typeface="Verdana" panose="020B0604030504040204" pitchFamily="34" charset="0"/>
+                <a:cs typeface="Verdana" panose="020B0604030504040204" pitchFamily="34" charset="0"/>
+              </a:rPr>
+              <a:t>Servomotore </a:t>
+            </a:r>
+            <a:r>
+              <a:rPr lang="it-IT" dirty="0">
+                <a:latin typeface="Verdana" panose="020B0604030504040204" pitchFamily="34" charset="0"/>
+                <a:ea typeface="Verdana" panose="020B0604030504040204" pitchFamily="34" charset="0"/>
+                <a:cs typeface="Verdana" panose="020B0604030504040204" pitchFamily="34" charset="0"/>
+                <a:sym typeface="Wingdings" panose="05000000000000000000" pitchFamily="2" charset="2"/>
+              </a:rPr>
+              <a:t> S</a:t>
+            </a:r>
+            <a:r>
+              <a:rPr lang="it-IT" dirty="0">
+                <a:latin typeface="Verdana" panose="020B0604030504040204" pitchFamily="34" charset="0"/>
+                <a:ea typeface="Verdana" panose="020B0604030504040204" pitchFamily="34" charset="0"/>
+                <a:cs typeface="Verdana" panose="020B0604030504040204" pitchFamily="34" charset="0"/>
+              </a:rPr>
+              <a:t>terzo </a:t>
+            </a:r>
+          </a:p>
+          <a:p>
+            <a:pPr marL="285750" indent="-285750">
+              <a:buFont typeface="Arial" panose="020B0604020202020204" pitchFamily="34" charset="0"/>
+              <a:buChar char="•"/>
+            </a:pPr>
+            <a:endParaRPr lang="it-IT" dirty="0">
+              <a:latin typeface="Verdana" panose="020B0604030504040204" pitchFamily="34" charset="0"/>
+              <a:ea typeface="Verdana" panose="020B0604030504040204" pitchFamily="34" charset="0"/>
+              <a:cs typeface="Verdana" panose="020B0604030504040204" pitchFamily="34" charset="0"/>
+            </a:endParaRPr>
+          </a:p>
+          <a:p>
+            <a:pPr marL="285750" indent="-285750">
+              <a:buFont typeface="Arial" panose="020B0604020202020204" pitchFamily="34" charset="0"/>
+              <a:buChar char="•"/>
+            </a:pPr>
+            <a:r>
+              <a:rPr lang="it-IT" dirty="0">
+                <a:latin typeface="Verdana" panose="020B0604030504040204" pitchFamily="34" charset="0"/>
+                <a:ea typeface="Verdana" panose="020B0604030504040204" pitchFamily="34" charset="0"/>
+                <a:cs typeface="Verdana" panose="020B0604030504040204" pitchFamily="34" charset="0"/>
+              </a:rPr>
+              <a:t>Motore Brushless </a:t>
+            </a:r>
+            <a:r>
+              <a:rPr lang="it-IT" dirty="0">
+                <a:latin typeface="Verdana" panose="020B0604030504040204" pitchFamily="34" charset="0"/>
+                <a:ea typeface="Verdana" panose="020B0604030504040204" pitchFamily="34" charset="0"/>
+                <a:cs typeface="Verdana" panose="020B0604030504040204" pitchFamily="34" charset="0"/>
+                <a:sym typeface="Wingdings" panose="05000000000000000000" pitchFamily="2" charset="2"/>
+              </a:rPr>
+              <a:t></a:t>
+            </a:r>
+            <a:r>
+              <a:rPr lang="it-IT" dirty="0">
+                <a:latin typeface="Verdana" panose="020B0604030504040204" pitchFamily="34" charset="0"/>
+                <a:ea typeface="Verdana" panose="020B0604030504040204" pitchFamily="34" charset="0"/>
+                <a:cs typeface="Verdana" panose="020B0604030504040204" pitchFamily="34" charset="0"/>
+              </a:rPr>
+              <a:t> Trazione</a:t>
+            </a:r>
+          </a:p>
+          <a:p>
+            <a:pPr marL="285750" indent="-285750">
+              <a:buFont typeface="Arial" panose="020B0604020202020204" pitchFamily="34" charset="0"/>
+              <a:buChar char="•"/>
+            </a:pPr>
+            <a:endParaRPr lang="it-IT" dirty="0">
+              <a:latin typeface="Verdana" panose="020B0604030504040204" pitchFamily="34" charset="0"/>
+              <a:ea typeface="Verdana" panose="020B0604030504040204" pitchFamily="34" charset="0"/>
+              <a:cs typeface="Verdana" panose="020B0604030504040204" pitchFamily="34" charset="0"/>
+            </a:endParaRPr>
           </a:p>
           <a:p>
             <a:pPr marL="285750" indent="-285750">
@@ -12378,8 +12520,8 @@
         </p:nvSpPr>
         <p:spPr>
           <a:xfrm>
-            <a:off x="393970" y="2234232"/>
-            <a:ext cx="6468894" cy="2585323"/>
+            <a:off x="455993" y="1384920"/>
+            <a:ext cx="6468894" cy="5022272"/>
           </a:xfrm>
           <a:prstGeom prst="rect">
             <a:avLst/>
@@ -12392,68 +12534,167 @@
           </a:bodyPr>
           <a:lstStyle/>
           <a:p>
-            <a:r>
-              <a:rPr lang="it-IT" dirty="0"/>
+            <a:pPr>
+              <a:lnSpc>
+                <a:spcPct val="150000"/>
+              </a:lnSpc>
+            </a:pPr>
+            <a:r>
+              <a:rPr lang="it-IT" dirty="0">
+                <a:latin typeface="Verdana" panose="020B0604030504040204" pitchFamily="34" charset="0"/>
+                <a:ea typeface="Verdana" panose="020B0604030504040204" pitchFamily="34" charset="0"/>
+                <a:cs typeface="Verdana" panose="020B0604030504040204" pitchFamily="34" charset="0"/>
+              </a:rPr>
               <a:t>L'obiettivo del progetto è far convergere il rover a rette le cui equazioni sono dinamicamente calcolate, evitando al contempo gli ostacoli inseriti nelle traiettorie percorse dal rover.  </a:t>
             </a:r>
           </a:p>
           <a:p>
-            <a:r>
-              <a:rPr lang="it-IT" dirty="0"/>
+            <a:pPr>
+              <a:lnSpc>
+                <a:spcPct val="150000"/>
+              </a:lnSpc>
+            </a:pPr>
+            <a:endParaRPr lang="it-IT" dirty="0">
+              <a:latin typeface="Verdana" panose="020B0604030504040204" pitchFamily="34" charset="0"/>
+              <a:ea typeface="Verdana" panose="020B0604030504040204" pitchFamily="34" charset="0"/>
+              <a:cs typeface="Verdana" panose="020B0604030504040204" pitchFamily="34" charset="0"/>
+            </a:endParaRPr>
+          </a:p>
+          <a:p>
+            <a:pPr>
+              <a:lnSpc>
+                <a:spcPct val="150000"/>
+              </a:lnSpc>
+            </a:pPr>
+            <a:r>
+              <a:rPr lang="it-IT" dirty="0">
+                <a:latin typeface="Verdana" panose="020B0604030504040204" pitchFamily="34" charset="0"/>
+                <a:ea typeface="Verdana" panose="020B0604030504040204" pitchFamily="34" charset="0"/>
+                <a:cs typeface="Verdana" panose="020B0604030504040204" pitchFamily="34" charset="0"/>
+              </a:rPr>
               <a:t>Le rette sono definite a  partire dai marker </a:t>
             </a:r>
             <a:r>
-              <a:rPr lang="it-IT" dirty="0" err="1"/>
+              <a:rPr lang="it-IT" dirty="0" err="1">
+                <a:latin typeface="Verdana" panose="020B0604030504040204" pitchFamily="34" charset="0"/>
+                <a:ea typeface="Verdana" panose="020B0604030504040204" pitchFamily="34" charset="0"/>
+                <a:cs typeface="Verdana" panose="020B0604030504040204" pitchFamily="34" charset="0"/>
+              </a:rPr>
               <a:t>ArUco</a:t>
             </a:r>
             <a:r>
-              <a:rPr lang="it-IT" dirty="0"/>
+              <a:rPr lang="it-IT" dirty="0">
+                <a:latin typeface="Verdana" panose="020B0604030504040204" pitchFamily="34" charset="0"/>
+                <a:ea typeface="Verdana" panose="020B0604030504040204" pitchFamily="34" charset="0"/>
+                <a:cs typeface="Verdana" panose="020B0604030504040204" pitchFamily="34" charset="0"/>
+              </a:rPr>
               <a:t> i quali vengono riconosciuti tramite tecniche di visione </a:t>
             </a:r>
             <a:r>
-              <a:rPr lang="it-IT" dirty="0" err="1"/>
+              <a:rPr lang="it-IT" dirty="0" err="1">
+                <a:latin typeface="Verdana" panose="020B0604030504040204" pitchFamily="34" charset="0"/>
+                <a:ea typeface="Verdana" panose="020B0604030504040204" pitchFamily="34" charset="0"/>
+                <a:cs typeface="Verdana" panose="020B0604030504040204" pitchFamily="34" charset="0"/>
+              </a:rPr>
               <a:t>artificial</a:t>
             </a:r>
             <a:r>
-              <a:rPr lang="it-IT" dirty="0"/>
+              <a:rPr lang="it-IT" dirty="0">
+                <a:latin typeface="Verdana" panose="020B0604030504040204" pitchFamily="34" charset="0"/>
+                <a:ea typeface="Verdana" panose="020B0604030504040204" pitchFamily="34" charset="0"/>
+                <a:cs typeface="Verdana" panose="020B0604030504040204" pitchFamily="34" charset="0"/>
+              </a:rPr>
               <a:t>.</a:t>
             </a:r>
           </a:p>
           <a:p>
-            <a:r>
-              <a:rPr lang="it-IT" dirty="0"/>
+            <a:pPr>
+              <a:lnSpc>
+                <a:spcPct val="150000"/>
+              </a:lnSpc>
+            </a:pPr>
+            <a:endParaRPr lang="it-IT" dirty="0">
+              <a:latin typeface="Verdana" panose="020B0604030504040204" pitchFamily="34" charset="0"/>
+              <a:ea typeface="Verdana" panose="020B0604030504040204" pitchFamily="34" charset="0"/>
+              <a:cs typeface="Verdana" panose="020B0604030504040204" pitchFamily="34" charset="0"/>
+            </a:endParaRPr>
+          </a:p>
+          <a:p>
+            <a:pPr>
+              <a:lnSpc>
+                <a:spcPct val="150000"/>
+              </a:lnSpc>
+            </a:pPr>
+            <a:r>
+              <a:rPr lang="it-IT" dirty="0">
+                <a:latin typeface="Verdana" panose="020B0604030504040204" pitchFamily="34" charset="0"/>
+                <a:ea typeface="Verdana" panose="020B0604030504040204" pitchFamily="34" charset="0"/>
+                <a:cs typeface="Verdana" panose="020B0604030504040204" pitchFamily="34" charset="0"/>
+              </a:rPr>
               <a:t>Per la parte di </a:t>
             </a:r>
             <a:r>
-              <a:rPr lang="it-IT" dirty="0" err="1"/>
+              <a:rPr lang="it-IT" dirty="0" err="1">
+                <a:latin typeface="Verdana" panose="020B0604030504040204" pitchFamily="34" charset="0"/>
+                <a:ea typeface="Verdana" panose="020B0604030504040204" pitchFamily="34" charset="0"/>
+                <a:cs typeface="Verdana" panose="020B0604030504040204" pitchFamily="34" charset="0"/>
+              </a:rPr>
               <a:t>obstacle</a:t>
             </a:r>
             <a:r>
-              <a:rPr lang="it-IT" dirty="0"/>
+              <a:rPr lang="it-IT" dirty="0">
+                <a:latin typeface="Verdana" panose="020B0604030504040204" pitchFamily="34" charset="0"/>
+                <a:ea typeface="Verdana" panose="020B0604030504040204" pitchFamily="34" charset="0"/>
+                <a:cs typeface="Verdana" panose="020B0604030504040204" pitchFamily="34" charset="0"/>
+              </a:rPr>
               <a:t> </a:t>
             </a:r>
             <a:r>
-              <a:rPr lang="it-IT" dirty="0" err="1"/>
+              <a:rPr lang="it-IT" dirty="0" err="1">
+                <a:latin typeface="Verdana" panose="020B0604030504040204" pitchFamily="34" charset="0"/>
+                <a:ea typeface="Verdana" panose="020B0604030504040204" pitchFamily="34" charset="0"/>
+                <a:cs typeface="Verdana" panose="020B0604030504040204" pitchFamily="34" charset="0"/>
+              </a:rPr>
               <a:t>avoidance</a:t>
             </a:r>
             <a:r>
-              <a:rPr lang="it-IT" dirty="0"/>
+              <a:rPr lang="it-IT" dirty="0">
+                <a:latin typeface="Verdana" panose="020B0604030504040204" pitchFamily="34" charset="0"/>
+                <a:ea typeface="Verdana" panose="020B0604030504040204" pitchFamily="34" charset="0"/>
+                <a:cs typeface="Verdana" panose="020B0604030504040204" pitchFamily="34" charset="0"/>
+              </a:rPr>
               <a:t> sono stati implementati algoritmi che fanno uso di potenziali artificiali (</a:t>
             </a:r>
             <a:r>
-              <a:rPr lang="it-IT" dirty="0" err="1"/>
+              <a:rPr lang="it-IT" dirty="0" err="1">
+                <a:latin typeface="Verdana" panose="020B0604030504040204" pitchFamily="34" charset="0"/>
+                <a:ea typeface="Verdana" panose="020B0604030504040204" pitchFamily="34" charset="0"/>
+                <a:cs typeface="Verdana" panose="020B0604030504040204" pitchFamily="34" charset="0"/>
+              </a:rPr>
               <a:t>Artificial</a:t>
             </a:r>
             <a:r>
-              <a:rPr lang="it-IT" dirty="0"/>
+              <a:rPr lang="it-IT" dirty="0">
+                <a:latin typeface="Verdana" panose="020B0604030504040204" pitchFamily="34" charset="0"/>
+                <a:ea typeface="Verdana" panose="020B0604030504040204" pitchFamily="34" charset="0"/>
+                <a:cs typeface="Verdana" panose="020B0604030504040204" pitchFamily="34" charset="0"/>
+              </a:rPr>
               <a:t> </a:t>
             </a:r>
             <a:r>
-              <a:rPr lang="it-IT" dirty="0" err="1"/>
+              <a:rPr lang="it-IT" dirty="0" err="1">
+                <a:latin typeface="Verdana" panose="020B0604030504040204" pitchFamily="34" charset="0"/>
+                <a:ea typeface="Verdana" panose="020B0604030504040204" pitchFamily="34" charset="0"/>
+                <a:cs typeface="Verdana" panose="020B0604030504040204" pitchFamily="34" charset="0"/>
+              </a:rPr>
               <a:t>Potential</a:t>
             </a:r>
             <a:r>
-              <a:rPr lang="it-IT" dirty="0"/>
+              <a:rPr lang="it-IT" dirty="0">
+                <a:latin typeface="Verdana" panose="020B0604030504040204" pitchFamily="34" charset="0"/>
+                <a:ea typeface="Verdana" panose="020B0604030504040204" pitchFamily="34" charset="0"/>
+                <a:cs typeface="Verdana" panose="020B0604030504040204" pitchFamily="34" charset="0"/>
+              </a:rPr>
               <a:t> Field).</a:t>
             </a:r>
           </a:p>
@@ -13166,8 +13407,8 @@
         </p:nvSpPr>
         <p:spPr>
           <a:xfrm>
-            <a:off x="6466463" y="3624716"/>
-            <a:ext cx="5252936" cy="1754326"/>
+            <a:off x="6154545" y="3369858"/>
+            <a:ext cx="5252936" cy="2529282"/>
           </a:xfrm>
           <a:prstGeom prst="rect">
             <a:avLst/>
@@ -13180,82 +13421,150 @@
           </a:bodyPr>
           <a:lstStyle/>
           <a:p>
-            <a:r>
-              <a:rPr lang="it-IT" dirty="0"/>
+            <a:pPr>
+              <a:lnSpc>
+                <a:spcPct val="150000"/>
+              </a:lnSpc>
+            </a:pPr>
+            <a:r>
+              <a:rPr lang="it-IT" dirty="0">
+                <a:latin typeface="Verdana" panose="020B0604030504040204" pitchFamily="34" charset="0"/>
+                <a:ea typeface="Verdana" panose="020B0604030504040204" pitchFamily="34" charset="0"/>
+                <a:cs typeface="Verdana" panose="020B0604030504040204" pitchFamily="34" charset="0"/>
+              </a:rPr>
               <a:t>A partire dalle matrici di trasformazione:</a:t>
             </a:r>
           </a:p>
           <a:p>
             <a:pPr marL="285750" indent="-285750">
+              <a:lnSpc>
+                <a:spcPct val="150000"/>
+              </a:lnSpc>
               <a:buFont typeface="Arial" panose="020B0604020202020204" pitchFamily="34" charset="0"/>
               <a:buChar char="•"/>
             </a:pPr>
             <a:r>
-              <a:rPr lang="it-IT" dirty="0"/>
+              <a:rPr lang="it-IT" dirty="0">
+                <a:latin typeface="Verdana" panose="020B0604030504040204" pitchFamily="34" charset="0"/>
+                <a:ea typeface="Verdana" panose="020B0604030504040204" pitchFamily="34" charset="0"/>
+                <a:cs typeface="Verdana" panose="020B0604030504040204" pitchFamily="34" charset="0"/>
+              </a:rPr>
               <a:t>Terna fissa </a:t>
             </a:r>
             <a:r>
               <a:rPr lang="it-IT" dirty="0">
+                <a:latin typeface="Verdana" panose="020B0604030504040204" pitchFamily="34" charset="0"/>
+                <a:ea typeface="Verdana" panose="020B0604030504040204" pitchFamily="34" charset="0"/>
+                <a:cs typeface="Verdana" panose="020B0604030504040204" pitchFamily="34" charset="0"/>
                 <a:sym typeface="Wingdings" panose="05000000000000000000" pitchFamily="2" charset="2"/>
               </a:rPr>
               <a:t></a:t>
             </a:r>
             <a:r>
-              <a:rPr lang="it-IT" dirty="0"/>
+              <a:rPr lang="it-IT" dirty="0">
+                <a:latin typeface="Verdana" panose="020B0604030504040204" pitchFamily="34" charset="0"/>
+                <a:ea typeface="Verdana" panose="020B0604030504040204" pitchFamily="34" charset="0"/>
+                <a:cs typeface="Verdana" panose="020B0604030504040204" pitchFamily="34" charset="0"/>
+              </a:rPr>
               <a:t> terna rover</a:t>
             </a:r>
           </a:p>
           <a:p>
             <a:pPr marL="285750" indent="-285750">
+              <a:lnSpc>
+                <a:spcPct val="150000"/>
+              </a:lnSpc>
               <a:buFont typeface="Arial" panose="020B0604020202020204" pitchFamily="34" charset="0"/>
               <a:buChar char="•"/>
             </a:pPr>
             <a:r>
-              <a:rPr lang="it-IT" dirty="0"/>
+              <a:rPr lang="it-IT" dirty="0">
+                <a:latin typeface="Verdana" panose="020B0604030504040204" pitchFamily="34" charset="0"/>
+                <a:ea typeface="Verdana" panose="020B0604030504040204" pitchFamily="34" charset="0"/>
+                <a:cs typeface="Verdana" panose="020B0604030504040204" pitchFamily="34" charset="0"/>
+              </a:rPr>
               <a:t>Terna rover </a:t>
             </a:r>
             <a:r>
               <a:rPr lang="it-IT" dirty="0">
+                <a:latin typeface="Verdana" panose="020B0604030504040204" pitchFamily="34" charset="0"/>
+                <a:ea typeface="Verdana" panose="020B0604030504040204" pitchFamily="34" charset="0"/>
+                <a:cs typeface="Verdana" panose="020B0604030504040204" pitchFamily="34" charset="0"/>
                 <a:sym typeface="Wingdings" panose="05000000000000000000" pitchFamily="2" charset="2"/>
               </a:rPr>
               <a:t> </a:t>
             </a:r>
             <a:r>
-              <a:rPr lang="it-IT" dirty="0"/>
+              <a:rPr lang="it-IT" dirty="0">
+                <a:latin typeface="Verdana" panose="020B0604030504040204" pitchFamily="34" charset="0"/>
+                <a:ea typeface="Verdana" panose="020B0604030504040204" pitchFamily="34" charset="0"/>
+                <a:cs typeface="Verdana" panose="020B0604030504040204" pitchFamily="34" charset="0"/>
+              </a:rPr>
               <a:t>terna camera</a:t>
             </a:r>
           </a:p>
           <a:p>
             <a:pPr marL="285750" indent="-285750">
+              <a:lnSpc>
+                <a:spcPct val="150000"/>
+              </a:lnSpc>
               <a:buFont typeface="Arial" panose="020B0604020202020204" pitchFamily="34" charset="0"/>
               <a:buChar char="•"/>
             </a:pPr>
             <a:r>
-              <a:rPr lang="it-IT" dirty="0"/>
+              <a:rPr lang="it-IT" dirty="0">
+                <a:latin typeface="Verdana" panose="020B0604030504040204" pitchFamily="34" charset="0"/>
+                <a:ea typeface="Verdana" panose="020B0604030504040204" pitchFamily="34" charset="0"/>
+                <a:cs typeface="Verdana" panose="020B0604030504040204" pitchFamily="34" charset="0"/>
+              </a:rPr>
               <a:t>Terna camera </a:t>
             </a:r>
             <a:r>
               <a:rPr lang="it-IT" dirty="0">
+                <a:latin typeface="Verdana" panose="020B0604030504040204" pitchFamily="34" charset="0"/>
+                <a:ea typeface="Verdana" panose="020B0604030504040204" pitchFamily="34" charset="0"/>
+                <a:cs typeface="Verdana" panose="020B0604030504040204" pitchFamily="34" charset="0"/>
                 <a:sym typeface="Wingdings" panose="05000000000000000000" pitchFamily="2" charset="2"/>
               </a:rPr>
               <a:t> </a:t>
             </a:r>
             <a:r>
-              <a:rPr lang="it-IT" dirty="0"/>
+              <a:rPr lang="it-IT" dirty="0">
+                <a:latin typeface="Verdana" panose="020B0604030504040204" pitchFamily="34" charset="0"/>
+                <a:ea typeface="Verdana" panose="020B0604030504040204" pitchFamily="34" charset="0"/>
+                <a:cs typeface="Verdana" panose="020B0604030504040204" pitchFamily="34" charset="0"/>
+              </a:rPr>
               <a:t>terna marker</a:t>
             </a:r>
           </a:p>
           <a:p>
-            <a:r>
-              <a:rPr lang="it-IT" dirty="0"/>
+            <a:pPr>
+              <a:lnSpc>
+                <a:spcPct val="150000"/>
+              </a:lnSpc>
+            </a:pPr>
+            <a:r>
+              <a:rPr lang="it-IT" dirty="0">
+                <a:latin typeface="Verdana" panose="020B0604030504040204" pitchFamily="34" charset="0"/>
+                <a:ea typeface="Verdana" panose="020B0604030504040204" pitchFamily="34" charset="0"/>
+                <a:cs typeface="Verdana" panose="020B0604030504040204" pitchFamily="34" charset="0"/>
+              </a:rPr>
               <a:t>è possibile ricavare la posizione dell’</a:t>
             </a:r>
             <a:r>
-              <a:rPr lang="it-IT" dirty="0" err="1"/>
+              <a:rPr lang="it-IT" dirty="0" err="1">
+                <a:latin typeface="Verdana" panose="020B0604030504040204" pitchFamily="34" charset="0"/>
+                <a:ea typeface="Verdana" panose="020B0604030504040204" pitchFamily="34" charset="0"/>
+                <a:cs typeface="Verdana" panose="020B0604030504040204" pitchFamily="34" charset="0"/>
+              </a:rPr>
               <a:t>ArUco</a:t>
             </a:r>
             <a:r>
-              <a:rPr lang="it-IT" dirty="0"/>
+              <a:rPr lang="it-IT" dirty="0">
+                <a:latin typeface="Verdana" panose="020B0604030504040204" pitchFamily="34" charset="0"/>
+                <a:ea typeface="Verdana" panose="020B0604030504040204" pitchFamily="34" charset="0"/>
+                <a:cs typeface="Verdana" panose="020B0604030504040204" pitchFamily="34" charset="0"/>
+              </a:rPr>
               <a:t> in terna fissa.</a:t>
             </a:r>
           </a:p>
@@ -13461,7 +13770,7 @@
         </p:nvSpPr>
         <p:spPr>
           <a:xfrm>
-            <a:off x="775800" y="957960"/>
+            <a:off x="680937" y="1110604"/>
             <a:ext cx="8793360" cy="853920"/>
           </a:xfrm>
           <a:prstGeom prst="rect">
@@ -13514,8 +13823,8 @@
         </p:nvSpPr>
         <p:spPr>
           <a:xfrm>
-            <a:off x="680937" y="1984443"/>
-            <a:ext cx="4815192" cy="923330"/>
+            <a:off x="680937" y="1829898"/>
+            <a:ext cx="4815192" cy="1287468"/>
           </a:xfrm>
           <a:prstGeom prst="rect">
             <a:avLst/>
@@ -13528,8 +13837,17 @@
           </a:bodyPr>
           <a:lstStyle/>
           <a:p>
-            <a:r>
-              <a:rPr lang="it-IT" dirty="0"/>
+            <a:pPr>
+              <a:lnSpc>
+                <a:spcPct val="150000"/>
+              </a:lnSpc>
+            </a:pPr>
+            <a:r>
+              <a:rPr lang="it-IT" dirty="0">
+                <a:latin typeface="Verdana" panose="020B0604030504040204" pitchFamily="34" charset="0"/>
+                <a:ea typeface="Verdana" panose="020B0604030504040204" pitchFamily="34" charset="0"/>
+                <a:cs typeface="Verdana" panose="020B0604030504040204" pitchFamily="34" charset="0"/>
+              </a:rPr>
               <a:t>Ad ogni marker è stata associata una direzione a cui il rover deve convergere, come riportato in tabella.  </a:t>
             </a:r>
           </a:p>
@@ -13566,7 +13884,7 @@
         </p:blipFill>
         <p:spPr>
           <a:xfrm>
-            <a:off x="680937" y="3429000"/>
+            <a:off x="1152833" y="3525843"/>
             <a:ext cx="3924784" cy="1630295"/>
           </a:xfrm>
           <a:prstGeom prst="rect">
@@ -13605,7 +13923,7 @@
         </p:blipFill>
         <p:spPr>
           <a:xfrm>
-            <a:off x="6695873" y="2346901"/>
+            <a:off x="6695873" y="1679340"/>
             <a:ext cx="4178535" cy="3366781"/>
           </a:xfrm>
           <a:prstGeom prst="rect">
@@ -13740,7 +14058,7 @@
         </p:nvSpPr>
         <p:spPr>
           <a:xfrm>
-            <a:off x="775800" y="957960"/>
+            <a:off x="812907" y="1058601"/>
             <a:ext cx="8793360" cy="853920"/>
           </a:xfrm>
           <a:prstGeom prst="rect">
@@ -13764,7 +14082,7 @@
               <a:buNone/>
             </a:pPr>
             <a:r>
-              <a:rPr lang="it-IT" sz="2200" b="1" strike="noStrike" spc="-1">
+              <a:rPr lang="it-IT" sz="2200" b="1" strike="noStrike" spc="-1" dirty="0">
                 <a:solidFill>
                   <a:srgbClr val="000000"/>
                 </a:solidFill>
@@ -13773,7 +14091,7 @@
               </a:rPr>
               <a:t>Nodo controllo</a:t>
             </a:r>
-            <a:endParaRPr lang="it-IT" sz="2200" b="0" strike="noStrike" spc="-1">
+            <a:endParaRPr lang="it-IT" sz="2200" b="0" strike="noStrike" spc="-1" dirty="0">
               <a:latin typeface="Arial"/>
             </a:endParaRPr>
           </a:p>
@@ -13781,13 +14099,13 @@
       </p:sp>
       <p:sp>
         <p:nvSpPr>
-          <p:cNvPr id="108" name="Titolo 1"/>
+          <p:cNvPr id="110" name="Titolo 2"/>
           <p:cNvSpPr/>
           <p:nvPr/>
         </p:nvSpPr>
         <p:spPr>
           <a:xfrm>
-            <a:off x="776160" y="958320"/>
+            <a:off x="577303" y="973725"/>
             <a:ext cx="8793360" cy="853920"/>
           </a:xfrm>
           <a:prstGeom prst="rect">
@@ -13822,76 +14140,7 @@
               </a:lnSpc>
               <a:buNone/>
             </a:pPr>
-            <a:r>
-              <a:rPr lang="it-IT" sz="2200" b="1" strike="noStrike" spc="-1">
-                <a:solidFill>
-                  <a:srgbClr val="000000"/>
-                </a:solidFill>
-                <a:latin typeface="Verdana"/>
-                <a:ea typeface="Verdana"/>
-              </a:rPr>
-              <a:t>Nodo controllo</a:t>
-            </a:r>
-            <a:endParaRPr lang="it-IT" sz="2200" b="0" strike="noStrike" spc="-1">
-              <a:latin typeface="Arial"/>
-            </a:endParaRPr>
-          </a:p>
-        </p:txBody>
-      </p:sp>
-      <p:sp>
-        <p:nvSpPr>
-          <p:cNvPr id="110" name="Titolo 2"/>
-          <p:cNvSpPr/>
-          <p:nvPr/>
-        </p:nvSpPr>
-        <p:spPr>
-          <a:xfrm>
-            <a:off x="776520" y="958680"/>
-            <a:ext cx="8793360" cy="853920"/>
-          </a:xfrm>
-          <a:prstGeom prst="rect">
-            <a:avLst/>
-          </a:prstGeom>
-          <a:noFill/>
-          <a:ln w="0">
-            <a:noFill/>
-          </a:ln>
-        </p:spPr>
-        <p:style>
-          <a:lnRef idx="0">
-            <a:scrgbClr r="0" g="0" b="0"/>
-          </a:lnRef>
-          <a:fillRef idx="0">
-            <a:scrgbClr r="0" g="0" b="0"/>
-          </a:fillRef>
-          <a:effectRef idx="0">
-            <a:scrgbClr r="0" g="0" b="0"/>
-          </a:effectRef>
-          <a:fontRef idx="minor"/>
-        </p:style>
-        <p:txBody>
-          <a:bodyPr lIns="90000" tIns="45000" rIns="90000" bIns="45000" anchor="t">
-            <a:noAutofit/>
-          </a:bodyPr>
-          <a:lstStyle/>
-          <a:p>
-            <a:pPr>
-              <a:lnSpc>
-                <a:spcPct val="90000"/>
-              </a:lnSpc>
-              <a:buNone/>
-            </a:pPr>
-            <a:r>
-              <a:rPr lang="it-IT" sz="2200" b="1" strike="noStrike" spc="-1">
-                <a:solidFill>
-                  <a:srgbClr val="000000"/>
-                </a:solidFill>
-                <a:latin typeface="Verdana"/>
-                <a:ea typeface="Verdana"/>
-              </a:rPr>
-              <a:t>Nodo controllo</a:t>
-            </a:r>
-            <a:endParaRPr lang="it-IT" sz="2200" b="0" strike="noStrike" spc="-1">
+            <a:endParaRPr lang="it-IT" sz="2200" b="0" strike="noStrike" spc="-1" dirty="0">
               <a:latin typeface="Arial"/>
             </a:endParaRPr>
           </a:p>
@@ -13928,7 +14177,7 @@
         </p:blipFill>
         <p:spPr>
           <a:xfrm>
-            <a:off x="775800" y="3292248"/>
+            <a:off x="3932679" y="2931872"/>
             <a:ext cx="3448050" cy="2305050"/>
           </a:xfrm>
           <a:prstGeom prst="rect">
@@ -13950,8 +14199,8 @@
         </p:nvSpPr>
         <p:spPr>
           <a:xfrm>
-            <a:off x="223735" y="1537922"/>
-            <a:ext cx="11468912" cy="1754326"/>
+            <a:off x="812906" y="1435398"/>
+            <a:ext cx="10566185" cy="1698285"/>
           </a:xfrm>
           <a:prstGeom prst="rect">
             <a:avLst/>
@@ -13964,71 +14213,82 @@
           </a:bodyPr>
           <a:lstStyle/>
           <a:p>
-            <a:r>
-              <a:rPr lang="it-IT" dirty="0"/>
+            <a:pPr>
+              <a:lnSpc>
+                <a:spcPct val="150000"/>
+              </a:lnSpc>
+            </a:pPr>
+            <a:r>
+              <a:rPr lang="it-IT" dirty="0">
+                <a:latin typeface="Verdana" panose="020B0604030504040204" pitchFamily="34" charset="0"/>
+                <a:ea typeface="Verdana" panose="020B0604030504040204" pitchFamily="34" charset="0"/>
+                <a:cs typeface="Verdana" panose="020B0604030504040204" pitchFamily="34" charset="0"/>
+              </a:rPr>
               <a:t>Per la parte di </a:t>
             </a:r>
             <a:r>
-              <a:rPr lang="it-IT" dirty="0" err="1"/>
+              <a:rPr lang="it-IT" dirty="0" err="1">
+                <a:latin typeface="Verdana" panose="020B0604030504040204" pitchFamily="34" charset="0"/>
+                <a:ea typeface="Verdana" panose="020B0604030504040204" pitchFamily="34" charset="0"/>
+                <a:cs typeface="Verdana" panose="020B0604030504040204" pitchFamily="34" charset="0"/>
+              </a:rPr>
               <a:t>obstacle</a:t>
             </a:r>
             <a:r>
-              <a:rPr lang="it-IT" dirty="0"/>
+              <a:rPr lang="it-IT" dirty="0">
+                <a:latin typeface="Verdana" panose="020B0604030504040204" pitchFamily="34" charset="0"/>
+                <a:ea typeface="Verdana" panose="020B0604030504040204" pitchFamily="34" charset="0"/>
+                <a:cs typeface="Verdana" panose="020B0604030504040204" pitchFamily="34" charset="0"/>
+              </a:rPr>
               <a:t> </a:t>
             </a:r>
             <a:r>
-              <a:rPr lang="it-IT" dirty="0" err="1"/>
+              <a:rPr lang="it-IT" dirty="0" err="1">
+                <a:latin typeface="Verdana" panose="020B0604030504040204" pitchFamily="34" charset="0"/>
+                <a:ea typeface="Verdana" panose="020B0604030504040204" pitchFamily="34" charset="0"/>
+                <a:cs typeface="Verdana" panose="020B0604030504040204" pitchFamily="34" charset="0"/>
+              </a:rPr>
               <a:t>avoidance</a:t>
             </a:r>
             <a:r>
-              <a:rPr lang="it-IT" dirty="0"/>
+              <a:rPr lang="it-IT" dirty="0">
+                <a:latin typeface="Verdana" panose="020B0604030504040204" pitchFamily="34" charset="0"/>
+                <a:ea typeface="Verdana" panose="020B0604030504040204" pitchFamily="34" charset="0"/>
+                <a:cs typeface="Verdana" panose="020B0604030504040204" pitchFamily="34" charset="0"/>
+              </a:rPr>
               <a:t> sono stati implementati algoritmi che fanno uso di potenziali artificiali (</a:t>
             </a:r>
             <a:r>
-              <a:rPr lang="it-IT" dirty="0" err="1"/>
+              <a:rPr lang="it-IT" dirty="0" err="1">
+                <a:latin typeface="Verdana" panose="020B0604030504040204" pitchFamily="34" charset="0"/>
+                <a:ea typeface="Verdana" panose="020B0604030504040204" pitchFamily="34" charset="0"/>
+                <a:cs typeface="Verdana" panose="020B0604030504040204" pitchFamily="34" charset="0"/>
+              </a:rPr>
               <a:t>Artificial</a:t>
             </a:r>
             <a:r>
-              <a:rPr lang="it-IT" dirty="0"/>
+              <a:rPr lang="it-IT" dirty="0">
+                <a:latin typeface="Verdana" panose="020B0604030504040204" pitchFamily="34" charset="0"/>
+                <a:ea typeface="Verdana" panose="020B0604030504040204" pitchFamily="34" charset="0"/>
+                <a:cs typeface="Verdana" panose="020B0604030504040204" pitchFamily="34" charset="0"/>
+              </a:rPr>
               <a:t> </a:t>
             </a:r>
             <a:r>
-              <a:rPr lang="it-IT" dirty="0" err="1"/>
+              <a:rPr lang="it-IT" dirty="0" err="1">
+                <a:latin typeface="Verdana" panose="020B0604030504040204" pitchFamily="34" charset="0"/>
+                <a:ea typeface="Verdana" panose="020B0604030504040204" pitchFamily="34" charset="0"/>
+                <a:cs typeface="Verdana" panose="020B0604030504040204" pitchFamily="34" charset="0"/>
+              </a:rPr>
               <a:t>Potential</a:t>
             </a:r>
             <a:r>
-              <a:rPr lang="it-IT" dirty="0"/>
+              <a:rPr lang="it-IT" dirty="0">
+                <a:latin typeface="Verdana" panose="020B0604030504040204" pitchFamily="34" charset="0"/>
+                <a:ea typeface="Verdana" panose="020B0604030504040204" pitchFamily="34" charset="0"/>
+                <a:cs typeface="Verdana" panose="020B0604030504040204" pitchFamily="34" charset="0"/>
+              </a:rPr>
               <a:t> Field). In particolare sono stati implementati un potenziale attrattivo, che porta a far convergere il sistema al goal prefissato e uno repulsivo, che tiene lontano il rover dagli ostacoli.</a:t>
-            </a:r>
-          </a:p>
-          <a:p>
-            <a:r>
-              <a:rPr lang="it-IT" dirty="0"/>
-              <a:t>Per il calcolo del goal è stata implementata la strategia di tipo LOS (Line Of </a:t>
-            </a:r>
-            <a:r>
-              <a:rPr lang="it-IT" dirty="0" err="1"/>
-              <a:t>Sight</a:t>
-            </a:r>
-            <a:r>
-              <a:rPr lang="it-IT" dirty="0"/>
-              <a:t>) dove tale punto è dato dall’intersezione tra la retta a cui si vuole convergere e una circonferenza di raggio</a:t>
-            </a:r>
-            <a:r>
-              <a:rPr lang="it-IT" b="1" dirty="0"/>
-              <a:t> r </a:t>
-            </a:r>
-            <a:r>
-              <a:rPr lang="it-IT" dirty="0"/>
-              <a:t>centrata nel </a:t>
-            </a:r>
-            <a:r>
-              <a:rPr lang="it-IT" dirty="0" err="1"/>
-              <a:t>CdM</a:t>
-            </a:r>
-            <a:r>
-              <a:rPr lang="it-IT" dirty="0"/>
-              <a:t> del rover. </a:t>
             </a:r>
           </a:p>
         </p:txBody>
@@ -14115,6 +14375,129 @@
             <a:endParaRPr lang="it-IT" sz="1100" spc="-1" dirty="0">
               <a:latin typeface="Arial"/>
             </a:endParaRPr>
+          </a:p>
+        </p:txBody>
+      </p:sp>
+      <p:sp>
+        <p:nvSpPr>
+          <p:cNvPr id="2" name="Rettangolo 1">
+            <a:extLst>
+              <a:ext uri="{FF2B5EF4-FFF2-40B4-BE49-F238E27FC236}">
+                <a16:creationId xmlns:a16="http://schemas.microsoft.com/office/drawing/2014/main" id="{D04FBD2C-E955-0442-9309-822375663AD3}"/>
+              </a:ext>
+            </a:extLst>
+          </p:cNvPr>
+          <p:cNvSpPr/>
+          <p:nvPr/>
+        </p:nvSpPr>
+        <p:spPr>
+          <a:xfrm>
+            <a:off x="812905" y="5158005"/>
+            <a:ext cx="10566185" cy="1282787"/>
+          </a:xfrm>
+          <a:prstGeom prst="rect">
+            <a:avLst/>
+          </a:prstGeom>
+        </p:spPr>
+        <p:txBody>
+          <a:bodyPr wrap="square">
+            <a:spAutoFit/>
+          </a:bodyPr>
+          <a:lstStyle/>
+          <a:p>
+            <a:pPr>
+              <a:lnSpc>
+                <a:spcPct val="150000"/>
+              </a:lnSpc>
+            </a:pPr>
+            <a:r>
+              <a:rPr lang="it-IT" dirty="0">
+                <a:latin typeface="Verdana" panose="020B0604030504040204" pitchFamily="34" charset="0"/>
+                <a:ea typeface="Verdana" panose="020B0604030504040204" pitchFamily="34" charset="0"/>
+                <a:cs typeface="Verdana" panose="020B0604030504040204" pitchFamily="34" charset="0"/>
+              </a:rPr>
+              <a:t>Per il calcolo del goal è stata implementata la strategia di tipo LOS (Line Of </a:t>
+            </a:r>
+            <a:r>
+              <a:rPr lang="it-IT" dirty="0" err="1">
+                <a:latin typeface="Verdana" panose="020B0604030504040204" pitchFamily="34" charset="0"/>
+                <a:ea typeface="Verdana" panose="020B0604030504040204" pitchFamily="34" charset="0"/>
+                <a:cs typeface="Verdana" panose="020B0604030504040204" pitchFamily="34" charset="0"/>
+              </a:rPr>
+              <a:t>Sight</a:t>
+            </a:r>
+            <a:r>
+              <a:rPr lang="it-IT" dirty="0">
+                <a:latin typeface="Verdana" panose="020B0604030504040204" pitchFamily="34" charset="0"/>
+                <a:ea typeface="Verdana" panose="020B0604030504040204" pitchFamily="34" charset="0"/>
+                <a:cs typeface="Verdana" panose="020B0604030504040204" pitchFamily="34" charset="0"/>
+              </a:rPr>
+              <a:t>) dove tale punto è dato dall’intersezione tra la retta a cui si vuole convergere e una circonferenza di raggio</a:t>
+            </a:r>
+            <a:r>
+              <a:rPr lang="it-IT" b="1" dirty="0">
+                <a:latin typeface="Verdana" panose="020B0604030504040204" pitchFamily="34" charset="0"/>
+                <a:ea typeface="Verdana" panose="020B0604030504040204" pitchFamily="34" charset="0"/>
+                <a:cs typeface="Verdana" panose="020B0604030504040204" pitchFamily="34" charset="0"/>
+              </a:rPr>
+              <a:t> </a:t>
+            </a:r>
+            <a:r>
+              <a:rPr lang="it-IT" b="1" dirty="0" err="1">
+                <a:latin typeface="Verdana" panose="020B0604030504040204" pitchFamily="34" charset="0"/>
+                <a:ea typeface="Verdana" panose="020B0604030504040204" pitchFamily="34" charset="0"/>
+                <a:cs typeface="Verdana" panose="020B0604030504040204" pitchFamily="34" charset="0"/>
+              </a:rPr>
+              <a:t>r</a:t>
+            </a:r>
+            <a:r>
+              <a:rPr lang="it-IT" b="1" dirty="0">
+                <a:latin typeface="Verdana" panose="020B0604030504040204" pitchFamily="34" charset="0"/>
+                <a:ea typeface="Verdana" panose="020B0604030504040204" pitchFamily="34" charset="0"/>
+                <a:cs typeface="Verdana" panose="020B0604030504040204" pitchFamily="34" charset="0"/>
+              </a:rPr>
+              <a:t> </a:t>
+            </a:r>
+            <a:r>
+              <a:rPr lang="it-IT" dirty="0">
+                <a:latin typeface="Verdana" panose="020B0604030504040204" pitchFamily="34" charset="0"/>
+                <a:ea typeface="Verdana" panose="020B0604030504040204" pitchFamily="34" charset="0"/>
+                <a:cs typeface="Verdana" panose="020B0604030504040204" pitchFamily="34" charset="0"/>
+              </a:rPr>
+              <a:t>centrata nel </a:t>
+            </a:r>
+            <a:r>
+              <a:rPr lang="it-IT" dirty="0" err="1">
+                <a:latin typeface="Verdana" panose="020B0604030504040204" pitchFamily="34" charset="0"/>
+                <a:ea typeface="Verdana" panose="020B0604030504040204" pitchFamily="34" charset="0"/>
+                <a:cs typeface="Verdana" panose="020B0604030504040204" pitchFamily="34" charset="0"/>
+              </a:rPr>
+              <a:t>CdM</a:t>
+            </a:r>
+            <a:r>
+              <a:rPr lang="it-IT" dirty="0">
+                <a:latin typeface="Verdana" panose="020B0604030504040204" pitchFamily="34" charset="0"/>
+                <a:ea typeface="Verdana" panose="020B0604030504040204" pitchFamily="34" charset="0"/>
+                <a:cs typeface="Verdana" panose="020B0604030504040204" pitchFamily="34" charset="0"/>
+              </a:rPr>
+              <a:t> del </a:t>
+            </a:r>
+            <a:r>
+              <a:rPr lang="it-IT" dirty="0" err="1">
+                <a:latin typeface="Verdana" panose="020B0604030504040204" pitchFamily="34" charset="0"/>
+                <a:ea typeface="Verdana" panose="020B0604030504040204" pitchFamily="34" charset="0"/>
+                <a:cs typeface="Verdana" panose="020B0604030504040204" pitchFamily="34" charset="0"/>
+              </a:rPr>
+              <a:t>rover</a:t>
+            </a:r>
+            <a:r>
+              <a:rPr lang="it-IT" dirty="0">
+                <a:latin typeface="Verdana" panose="020B0604030504040204" pitchFamily="34" charset="0"/>
+                <a:ea typeface="Verdana" panose="020B0604030504040204" pitchFamily="34" charset="0"/>
+                <a:cs typeface="Verdana" panose="020B0604030504040204" pitchFamily="34" charset="0"/>
+              </a:rPr>
+              <a:t>. </a:t>
+            </a:r>
           </a:p>
         </p:txBody>
       </p:sp>
@@ -14297,7 +14680,7 @@
               <a:buNone/>
             </a:pPr>
             <a:r>
-              <a:rPr lang="it-IT" sz="2200" b="1" strike="noStrike" spc="-1">
+              <a:rPr lang="it-IT" sz="2200" b="1" strike="noStrike" spc="-1" dirty="0">
                 <a:solidFill>
                   <a:srgbClr val="000000"/>
                 </a:solidFill>
@@ -14306,7 +14689,7 @@
               </a:rPr>
               <a:t>Nodo controllo</a:t>
             </a:r>
-            <a:endParaRPr lang="it-IT" sz="2200" b="0" strike="noStrike" spc="-1">
+            <a:endParaRPr lang="it-IT" sz="2200" b="0" strike="noStrike" spc="-1" dirty="0">
               <a:latin typeface="Arial"/>
             </a:endParaRPr>
           </a:p>
@@ -14343,7 +14726,7 @@
         </p:blipFill>
         <p:spPr>
           <a:xfrm>
-            <a:off x="586090" y="4074924"/>
+            <a:off x="823340" y="4379393"/>
             <a:ext cx="3655170" cy="690137"/>
           </a:xfrm>
           <a:prstGeom prst="rect">
@@ -14365,8 +14748,8 @@
         </p:nvSpPr>
         <p:spPr>
           <a:xfrm>
-            <a:off x="586090" y="1778471"/>
-            <a:ext cx="9744683" cy="923330"/>
+            <a:off x="775800" y="1508140"/>
+            <a:ext cx="10483123" cy="1282787"/>
           </a:xfrm>
           <a:prstGeom prst="rect">
             <a:avLst/>
@@ -14379,8 +14762,17 @@
           </a:bodyPr>
           <a:lstStyle/>
           <a:p>
-            <a:r>
-              <a:rPr lang="it-IT" dirty="0"/>
+            <a:pPr>
+              <a:lnSpc>
+                <a:spcPct val="150000"/>
+              </a:lnSpc>
+            </a:pPr>
+            <a:r>
+              <a:rPr lang="it-IT" dirty="0">
+                <a:latin typeface="Verdana" panose="020B0604030504040204" pitchFamily="34" charset="0"/>
+                <a:ea typeface="Verdana" panose="020B0604030504040204" pitchFamily="34" charset="0"/>
+                <a:cs typeface="Verdana" panose="020B0604030504040204" pitchFamily="34" charset="0"/>
+              </a:rPr>
               <a:t>Si considera quindi il robot come una particella che si muove in un campo potenziale artificiale, il quale è a sua volta la somma di due campi: un campo attrattivo (che attrae il robot verso il goal) e un campo repulsivo (che allontana il robot dagli ostacoli).</a:t>
             </a:r>
           </a:p>
@@ -14417,7 +14809,7 @@
         </p:blipFill>
         <p:spPr>
           <a:xfrm>
-            <a:off x="586090" y="2945824"/>
+            <a:off x="823340" y="3141126"/>
             <a:ext cx="7215260" cy="760931"/>
           </a:xfrm>
           <a:prstGeom prst="rect">
@@ -14456,7 +14848,7 @@
         </p:blipFill>
         <p:spPr>
           <a:xfrm>
-            <a:off x="8070546" y="4419992"/>
+            <a:off x="7899858" y="4239711"/>
             <a:ext cx="2998667" cy="1569396"/>
           </a:xfrm>
           <a:prstGeom prst="rect">
@@ -14581,64 +14973,13 @@
       </p:grpSpPr>
       <p:sp>
         <p:nvSpPr>
-          <p:cNvPr id="106" name="PlaceHolder 3"/>
-          <p:cNvSpPr>
-            <a:spLocks noGrp="1"/>
-          </p:cNvSpPr>
-          <p:nvPr>
-            <p:ph type="title"/>
-          </p:nvPr>
-        </p:nvSpPr>
-        <p:spPr>
-          <a:xfrm>
-            <a:off x="775800" y="957960"/>
-            <a:ext cx="8793360" cy="853920"/>
-          </a:xfrm>
-          <a:prstGeom prst="rect">
-            <a:avLst/>
-          </a:prstGeom>
-          <a:noFill/>
-          <a:ln w="0">
-            <a:noFill/>
-          </a:ln>
-        </p:spPr>
-        <p:txBody>
-          <a:bodyPr lIns="90000" tIns="45000" rIns="90000" bIns="45000" anchor="t">
-            <a:noAutofit/>
-          </a:bodyPr>
-          <a:lstStyle/>
-          <a:p>
-            <a:pPr>
-              <a:lnSpc>
-                <a:spcPct val="90000"/>
-              </a:lnSpc>
-              <a:buNone/>
-            </a:pPr>
-            <a:r>
-              <a:rPr lang="it-IT" sz="2200" b="1" strike="noStrike" spc="-1">
-                <a:solidFill>
-                  <a:srgbClr val="000000"/>
-                </a:solidFill>
-                <a:latin typeface="Verdana"/>
-                <a:ea typeface="Verdana"/>
-              </a:rPr>
-              <a:t>Nodo controllo</a:t>
-            </a:r>
-            <a:endParaRPr lang="it-IT" sz="2200" b="0" strike="noStrike" spc="-1">
-              <a:latin typeface="Arial"/>
-            </a:endParaRPr>
-          </a:p>
-        </p:txBody>
-      </p:sp>
-      <p:sp>
-        <p:nvSpPr>
-          <p:cNvPr id="108" name="Titolo 1"/>
+          <p:cNvPr id="110" name="Titolo 2"/>
           <p:cNvSpPr/>
           <p:nvPr/>
         </p:nvSpPr>
         <p:spPr>
           <a:xfrm>
-            <a:off x="776160" y="958320"/>
+            <a:off x="775800" y="1229782"/>
             <a:ext cx="8793360" cy="853920"/>
           </a:xfrm>
           <a:prstGeom prst="rect">
@@ -14674,7 +15015,7 @@
               <a:buNone/>
             </a:pPr>
             <a:r>
-              <a:rPr lang="it-IT" sz="2200" b="1" strike="noStrike" spc="-1">
+              <a:rPr lang="it-IT" sz="2200" b="1" strike="noStrike" spc="-1" dirty="0">
                 <a:solidFill>
                   <a:srgbClr val="000000"/>
                 </a:solidFill>
@@ -14683,66 +15024,7 @@
               </a:rPr>
               <a:t>Nodo controllo</a:t>
             </a:r>
-            <a:endParaRPr lang="it-IT" sz="2200" b="0" strike="noStrike" spc="-1">
-              <a:latin typeface="Arial"/>
-            </a:endParaRPr>
-          </a:p>
-        </p:txBody>
-      </p:sp>
-      <p:sp>
-        <p:nvSpPr>
-          <p:cNvPr id="110" name="Titolo 2"/>
-          <p:cNvSpPr/>
-          <p:nvPr/>
-        </p:nvSpPr>
-        <p:spPr>
-          <a:xfrm>
-            <a:off x="776520" y="958680"/>
-            <a:ext cx="8793360" cy="853920"/>
-          </a:xfrm>
-          <a:prstGeom prst="rect">
-            <a:avLst/>
-          </a:prstGeom>
-          <a:noFill/>
-          <a:ln w="0">
-            <a:noFill/>
-          </a:ln>
-        </p:spPr>
-        <p:style>
-          <a:lnRef idx="0">
-            <a:scrgbClr r="0" g="0" b="0"/>
-          </a:lnRef>
-          <a:fillRef idx="0">
-            <a:scrgbClr r="0" g="0" b="0"/>
-          </a:fillRef>
-          <a:effectRef idx="0">
-            <a:scrgbClr r="0" g="0" b="0"/>
-          </a:effectRef>
-          <a:fontRef idx="minor"/>
-        </p:style>
-        <p:txBody>
-          <a:bodyPr lIns="90000" tIns="45000" rIns="90000" bIns="45000" anchor="t">
-            <a:noAutofit/>
-          </a:bodyPr>
-          <a:lstStyle/>
-          <a:p>
-            <a:pPr>
-              <a:lnSpc>
-                <a:spcPct val="90000"/>
-              </a:lnSpc>
-              <a:buNone/>
-            </a:pPr>
-            <a:r>
-              <a:rPr lang="it-IT" sz="2200" b="1" strike="noStrike" spc="-1">
-                <a:solidFill>
-                  <a:srgbClr val="000000"/>
-                </a:solidFill>
-                <a:latin typeface="Verdana"/>
-                <a:ea typeface="Verdana"/>
-              </a:rPr>
-              <a:t>Nodo controllo</a:t>
-            </a:r>
-            <a:endParaRPr lang="it-IT" sz="2200" b="0" strike="noStrike" spc="-1">
+            <a:endParaRPr lang="it-IT" sz="2200" b="0" strike="noStrike" spc="-1" dirty="0">
               <a:latin typeface="Arial"/>
             </a:endParaRPr>
           </a:p>
@@ -14779,7 +15061,7 @@
         </p:blipFill>
         <p:spPr>
           <a:xfrm>
-            <a:off x="5899981" y="2449274"/>
+            <a:off x="6085554" y="2825479"/>
             <a:ext cx="4362726" cy="375076"/>
           </a:xfrm>
           <a:prstGeom prst="rect">
@@ -14818,7 +15100,7 @@
         </p:blipFill>
         <p:spPr>
           <a:xfrm>
-            <a:off x="1038897" y="2453472"/>
+            <a:off x="1331505" y="2825479"/>
             <a:ext cx="3466336" cy="333658"/>
           </a:xfrm>
           <a:prstGeom prst="rect">
@@ -14857,108 +15139,328 @@
         </p:blipFill>
         <p:spPr>
           <a:xfrm>
-            <a:off x="1038897" y="4403983"/>
-            <a:ext cx="8267165" cy="641418"/>
+            <a:off x="775800" y="5088068"/>
+            <a:ext cx="10166523" cy="788782"/>
           </a:xfrm>
           <a:prstGeom prst="rect">
             <a:avLst/>
           </a:prstGeom>
         </p:spPr>
       </p:pic>
-      <p:sp>
-        <p:nvSpPr>
-          <p:cNvPr id="8" name="CasellaDiTesto 7">
-            <a:extLst>
-              <a:ext uri="{FF2B5EF4-FFF2-40B4-BE49-F238E27FC236}">
-                <a16:creationId xmlns:a16="http://schemas.microsoft.com/office/drawing/2014/main" id="{ADDB3084-4B24-CC40-750A-23F463D307F9}"/>
-              </a:ext>
-            </a:extLst>
-          </p:cNvPr>
-          <p:cNvSpPr txBox="1"/>
-          <p:nvPr/>
-        </p:nvSpPr>
-        <p:spPr>
-          <a:xfrm>
-            <a:off x="775080" y="1600272"/>
-            <a:ext cx="8402267" cy="369332"/>
-          </a:xfrm>
-          <a:prstGeom prst="rect">
-            <a:avLst/>
-          </a:prstGeom>
-          <a:noFill/>
-        </p:spPr>
-        <p:txBody>
-          <a:bodyPr wrap="square">
-            <a:spAutoFit/>
-          </a:bodyPr>
-          <a:lstStyle/>
-          <a:p>
-            <a:r>
-              <a:rPr lang="it-IT" dirty="0"/>
-              <a:t>A partire dalla forza totale agente sul rover si calcolano le grandezze v e </a:t>
-            </a:r>
-            <a:r>
-              <a:rPr lang="el-GR" dirty="0"/>
-              <a:t>ω</a:t>
-            </a:r>
-            <a:r>
-              <a:rPr lang="it-IT" dirty="0"/>
-              <a:t>.</a:t>
-            </a:r>
-          </a:p>
-        </p:txBody>
-      </p:sp>
-      <p:sp>
-        <p:nvSpPr>
-          <p:cNvPr id="12" name="CasellaDiTesto 11">
-            <a:extLst>
-              <a:ext uri="{FF2B5EF4-FFF2-40B4-BE49-F238E27FC236}">
-                <a16:creationId xmlns:a16="http://schemas.microsoft.com/office/drawing/2014/main" id="{DC543E80-3C0C-BF98-451E-26D41F5D57EC}"/>
-              </a:ext>
-            </a:extLst>
-          </p:cNvPr>
-          <p:cNvSpPr txBox="1"/>
-          <p:nvPr/>
-        </p:nvSpPr>
-        <p:spPr>
-          <a:xfrm>
-            <a:off x="657863" y="3207468"/>
-            <a:ext cx="9029231" cy="923330"/>
-          </a:xfrm>
-          <a:prstGeom prst="rect">
-            <a:avLst/>
-          </a:prstGeom>
-          <a:noFill/>
-        </p:spPr>
-        <p:txBody>
-          <a:bodyPr wrap="square">
-            <a:spAutoFit/>
-          </a:bodyPr>
-          <a:lstStyle/>
-          <a:p>
-            <a:r>
-              <a:rPr lang="it-IT" dirty="0"/>
-              <a:t>La funzione atan2 introduce una discontinuità, per la quale una piccola variazione di $f_{</a:t>
-            </a:r>
-            <a:r>
-              <a:rPr lang="it-IT" dirty="0" err="1"/>
-              <a:t>t,y</a:t>
-            </a:r>
-            <a:r>
-              <a:rPr lang="it-IT" dirty="0"/>
-              <a:t>}$ può portare una grande variazione di </a:t>
-            </a:r>
-            <a:r>
-              <a:rPr lang="el-GR" dirty="0"/>
-              <a:t>ω</a:t>
-            </a:r>
-            <a:r>
-              <a:rPr lang="it-IT" dirty="0"/>
-              <a:t>. Per risolvere tale problema è stata apportata la seguente modifica</a:t>
-            </a:r>
-          </a:p>
-        </p:txBody>
-      </p:sp>
+      <mc:AlternateContent xmlns:mc="http://schemas.openxmlformats.org/markup-compatibility/2006">
+        <mc:Choice xmlns:a14="http://schemas.microsoft.com/office/drawing/2010/main" Requires="a14">
+          <p:sp>
+            <p:nvSpPr>
+              <p:cNvPr id="8" name="CasellaDiTesto 7">
+                <a:extLst>
+                  <a:ext uri="{FF2B5EF4-FFF2-40B4-BE49-F238E27FC236}">
+                    <a16:creationId xmlns:a16="http://schemas.microsoft.com/office/drawing/2014/main" id="{ADDB3084-4B24-CC40-750A-23F463D307F9}"/>
+                  </a:ext>
+                </a:extLst>
+              </p:cNvPr>
+              <p:cNvSpPr txBox="1"/>
+              <p:nvPr/>
+            </p:nvSpPr>
+            <p:spPr>
+              <a:xfrm>
+                <a:off x="775800" y="1826513"/>
+                <a:ext cx="9498073" cy="369332"/>
+              </a:xfrm>
+              <a:prstGeom prst="rect">
+                <a:avLst/>
+              </a:prstGeom>
+              <a:noFill/>
+            </p:spPr>
+            <p:txBody>
+              <a:bodyPr wrap="square">
+                <a:spAutoFit/>
+              </a:bodyPr>
+              <a:lstStyle/>
+              <a:p>
+                <a:r>
+                  <a:rPr lang="it-IT" dirty="0">
+                    <a:latin typeface="Verdana" panose="020B0604030504040204" pitchFamily="34" charset="0"/>
+                    <a:ea typeface="Verdana" panose="020B0604030504040204" pitchFamily="34" charset="0"/>
+                    <a:cs typeface="Verdana" panose="020B0604030504040204" pitchFamily="34" charset="0"/>
+                  </a:rPr>
+                  <a:t>A partire dalla forza totale agente sul rover si calcolano le grandezze </a:t>
+                </a:r>
+                <a14:m>
+                  <m:oMath xmlns:m="http://schemas.openxmlformats.org/officeDocument/2006/math">
+                    <m:r>
+                      <a:rPr lang="it-IT" b="0" i="1" smtClean="0">
+                        <a:latin typeface="Cambria Math" panose="02040503050406030204" pitchFamily="18" charset="0"/>
+                      </a:rPr>
+                      <m:t>𝑣</m:t>
+                    </m:r>
+                  </m:oMath>
+                </a14:m>
+                <a:r>
+                  <a:rPr lang="it-IT" dirty="0">
+                    <a:latin typeface="Verdana" panose="020B0604030504040204" pitchFamily="34" charset="0"/>
+                    <a:ea typeface="Verdana" panose="020B0604030504040204" pitchFamily="34" charset="0"/>
+                    <a:cs typeface="Verdana" panose="020B0604030504040204" pitchFamily="34" charset="0"/>
+                  </a:rPr>
+                  <a:t> e </a:t>
+                </a:r>
+                <a14:m>
+                  <m:oMath xmlns:m="http://schemas.openxmlformats.org/officeDocument/2006/math">
+                    <m:r>
+                      <a:rPr lang="it-IT" i="1" smtClean="0">
+                        <a:latin typeface="Cambria Math" panose="02040503050406030204" pitchFamily="18" charset="0"/>
+                        <a:ea typeface="Cambria Math" panose="02040503050406030204" pitchFamily="18" charset="0"/>
+                      </a:rPr>
+                      <m:t>𝜔</m:t>
+                    </m:r>
+                  </m:oMath>
+                </a14:m>
+                <a:r>
+                  <a:rPr lang="it-IT" dirty="0">
+                    <a:latin typeface="Verdana" panose="020B0604030504040204" pitchFamily="34" charset="0"/>
+                    <a:ea typeface="Verdana" panose="020B0604030504040204" pitchFamily="34" charset="0"/>
+                    <a:cs typeface="Verdana" panose="020B0604030504040204" pitchFamily="34" charset="0"/>
+                  </a:rPr>
+                  <a:t>.</a:t>
+                </a:r>
+              </a:p>
+            </p:txBody>
+          </p:sp>
+        </mc:Choice>
+        <mc:Fallback>
+          <p:sp>
+            <p:nvSpPr>
+              <p:cNvPr id="8" name="CasellaDiTesto 7">
+                <a:extLst>
+                  <a:ext uri="{FF2B5EF4-FFF2-40B4-BE49-F238E27FC236}">
+                    <a16:creationId xmlns:a16="http://schemas.microsoft.com/office/drawing/2014/main" id="{ADDB3084-4B24-CC40-750A-23F463D307F9}"/>
+                  </a:ext>
+                </a:extLst>
+              </p:cNvPr>
+              <p:cNvSpPr txBox="1">
+                <a:spLocks noRot="1" noChangeAspect="1" noMove="1" noResize="1" noEditPoints="1" noAdjustHandles="1" noChangeArrowheads="1" noChangeShapeType="1" noTextEdit="1"/>
+              </p:cNvSpPr>
+              <p:nvPr/>
+            </p:nvSpPr>
+            <p:spPr>
+              <a:xfrm>
+                <a:off x="775800" y="1826513"/>
+                <a:ext cx="9498073" cy="369332"/>
+              </a:xfrm>
+              <a:prstGeom prst="rect">
+                <a:avLst/>
+              </a:prstGeom>
+              <a:blipFill>
+                <a:blip r:embed="rId9"/>
+                <a:stretch>
+                  <a:fillRect l="-401" t="-10345" b="-24138"/>
+                </a:stretch>
+              </a:blipFill>
+            </p:spPr>
+            <p:txBody>
+              <a:bodyPr/>
+              <a:lstStyle/>
+              <a:p>
+                <a:r>
+                  <a:rPr lang="it-IT">
+                    <a:noFill/>
+                  </a:rPr>
+                  <a:t> </a:t>
+                </a:r>
+              </a:p>
+            </p:txBody>
+          </p:sp>
+        </mc:Fallback>
+      </mc:AlternateContent>
+      <mc:AlternateContent xmlns:mc="http://schemas.openxmlformats.org/markup-compatibility/2006">
+        <mc:Choice xmlns:a14="http://schemas.microsoft.com/office/drawing/2010/main" Requires="a14">
+          <p:sp>
+            <p:nvSpPr>
+              <p:cNvPr id="12" name="CasellaDiTesto 11">
+                <a:extLst>
+                  <a:ext uri="{FF2B5EF4-FFF2-40B4-BE49-F238E27FC236}">
+                    <a16:creationId xmlns:a16="http://schemas.microsoft.com/office/drawing/2014/main" id="{DC543E80-3C0C-BF98-451E-26D41F5D57EC}"/>
+                  </a:ext>
+                </a:extLst>
+              </p:cNvPr>
+              <p:cNvSpPr txBox="1"/>
+              <p:nvPr/>
+            </p:nvSpPr>
+            <p:spPr>
+              <a:xfrm>
+                <a:off x="775800" y="3486471"/>
+                <a:ext cx="9973561" cy="1315681"/>
+              </a:xfrm>
+              <a:prstGeom prst="rect">
+                <a:avLst/>
+              </a:prstGeom>
+              <a:noFill/>
+            </p:spPr>
+            <p:txBody>
+              <a:bodyPr wrap="square">
+                <a:spAutoFit/>
+              </a:bodyPr>
+              <a:lstStyle/>
+              <a:p>
+                <a:pPr>
+                  <a:lnSpc>
+                    <a:spcPct val="150000"/>
+                  </a:lnSpc>
+                </a:pPr>
+                <a:r>
+                  <a:rPr lang="it-IT" dirty="0">
+                    <a:latin typeface="Verdana" panose="020B0604030504040204" pitchFamily="34" charset="0"/>
+                    <a:ea typeface="Verdana" panose="020B0604030504040204" pitchFamily="34" charset="0"/>
+                    <a:cs typeface="Verdana" panose="020B0604030504040204" pitchFamily="34" charset="0"/>
+                  </a:rPr>
+                  <a:t>La funzione </a:t>
+                </a:r>
+                <a14:m>
+                  <m:oMath xmlns:m="http://schemas.openxmlformats.org/officeDocument/2006/math">
+                    <m:r>
+                      <a:rPr lang="it-IT" b="0" i="1" smtClean="0">
+                        <a:latin typeface="Cambria Math" panose="02040503050406030204" pitchFamily="18" charset="0"/>
+                      </a:rPr>
+                      <m:t>𝑎𝑡𝑎𝑛</m:t>
+                    </m:r>
+                    <m:r>
+                      <a:rPr lang="it-IT" b="0" i="1" smtClean="0">
+                        <a:latin typeface="Cambria Math" panose="02040503050406030204" pitchFamily="18" charset="0"/>
+                      </a:rPr>
+                      <m:t>2 </m:t>
+                    </m:r>
+                  </m:oMath>
+                </a14:m>
+                <a:r>
+                  <a:rPr lang="it-IT" dirty="0">
+                    <a:latin typeface="Verdana" panose="020B0604030504040204" pitchFamily="34" charset="0"/>
+                    <a:ea typeface="Verdana" panose="020B0604030504040204" pitchFamily="34" charset="0"/>
+                    <a:cs typeface="Verdana" panose="020B0604030504040204" pitchFamily="34" charset="0"/>
+                  </a:rPr>
+                  <a:t>introduce una discontinuità, per la quale una piccola variazione di </a:t>
+                </a:r>
+                <a14:m>
+                  <m:oMath xmlns:m="http://schemas.openxmlformats.org/officeDocument/2006/math">
+                    <m:sSub>
+                      <m:sSubPr>
+                        <m:ctrlPr>
+                          <a:rPr lang="it-IT" i="1" smtClean="0">
+                            <a:latin typeface="Cambria Math" panose="02040503050406030204" pitchFamily="18" charset="0"/>
+                          </a:rPr>
+                        </m:ctrlPr>
+                      </m:sSubPr>
+                      <m:e>
+                        <m:r>
+                          <a:rPr lang="it-IT" b="0" i="1" smtClean="0">
+                            <a:latin typeface="Cambria Math" panose="02040503050406030204" pitchFamily="18" charset="0"/>
+                          </a:rPr>
+                          <m:t>𝑓</m:t>
+                        </m:r>
+                      </m:e>
+                      <m:sub>
+                        <m:r>
+                          <a:rPr lang="it-IT" b="0" i="1" smtClean="0">
+                            <a:latin typeface="Cambria Math" panose="02040503050406030204" pitchFamily="18" charset="0"/>
+                          </a:rPr>
+                          <m:t>𝑡</m:t>
+                        </m:r>
+                        <m:r>
+                          <a:rPr lang="it-IT" b="0" i="1" smtClean="0">
+                            <a:latin typeface="Cambria Math" panose="02040503050406030204" pitchFamily="18" charset="0"/>
+                          </a:rPr>
+                          <m:t>,</m:t>
+                        </m:r>
+                        <m:r>
+                          <a:rPr lang="it-IT" b="0" i="1" smtClean="0">
+                            <a:latin typeface="Cambria Math" panose="02040503050406030204" pitchFamily="18" charset="0"/>
+                          </a:rPr>
+                          <m:t>𝑦</m:t>
+                        </m:r>
+                        <m:r>
+                          <a:rPr lang="it-IT" b="0" i="1" smtClean="0">
+                            <a:latin typeface="Cambria Math" panose="02040503050406030204" pitchFamily="18" charset="0"/>
+                          </a:rPr>
+                          <m:t> </m:t>
+                        </m:r>
+                      </m:sub>
+                    </m:sSub>
+                  </m:oMath>
+                </a14:m>
+                <a:r>
+                  <a:rPr lang="it-IT" dirty="0">
+                    <a:latin typeface="Verdana" panose="020B0604030504040204" pitchFamily="34" charset="0"/>
+                    <a:ea typeface="Verdana" panose="020B0604030504040204" pitchFamily="34" charset="0"/>
+                    <a:cs typeface="Verdana" panose="020B0604030504040204" pitchFamily="34" charset="0"/>
+                  </a:rPr>
+                  <a:t>può portare una grande variazione di </a:t>
+                </a:r>
+                <a14:m>
+                  <m:oMath xmlns:m="http://schemas.openxmlformats.org/officeDocument/2006/math">
+                    <m:r>
+                      <a:rPr lang="it-IT" i="1" smtClean="0">
+                        <a:latin typeface="Cambria Math" panose="02040503050406030204" pitchFamily="18" charset="0"/>
+                        <a:ea typeface="Cambria Math" panose="02040503050406030204" pitchFamily="18" charset="0"/>
+                      </a:rPr>
+                      <m:t>𝜔</m:t>
+                    </m:r>
+                  </m:oMath>
+                </a14:m>
+                <a:r>
+                  <a:rPr lang="it-IT" dirty="0">
+                    <a:latin typeface="Verdana" panose="020B0604030504040204" pitchFamily="34" charset="0"/>
+                    <a:ea typeface="Verdana" panose="020B0604030504040204" pitchFamily="34" charset="0"/>
+                    <a:cs typeface="Verdana" panose="020B0604030504040204" pitchFamily="34" charset="0"/>
+                  </a:rPr>
+                  <a:t>. Per risolvere tale problema è stata apportata la seguente modifica</a:t>
+                </a:r>
+              </a:p>
+            </p:txBody>
+          </p:sp>
+        </mc:Choice>
+        <mc:Fallback>
+          <p:sp>
+            <p:nvSpPr>
+              <p:cNvPr id="12" name="CasellaDiTesto 11">
+                <a:extLst>
+                  <a:ext uri="{FF2B5EF4-FFF2-40B4-BE49-F238E27FC236}">
+                    <a16:creationId xmlns:a16="http://schemas.microsoft.com/office/drawing/2014/main" id="{DC543E80-3C0C-BF98-451E-26D41F5D57EC}"/>
+                  </a:ext>
+                </a:extLst>
+              </p:cNvPr>
+              <p:cNvSpPr txBox="1">
+                <a:spLocks noRot="1" noChangeAspect="1" noMove="1" noResize="1" noEditPoints="1" noAdjustHandles="1" noChangeArrowheads="1" noChangeShapeType="1" noTextEdit="1"/>
+              </p:cNvSpPr>
+              <p:nvPr/>
+            </p:nvSpPr>
+            <p:spPr>
+              <a:xfrm>
+                <a:off x="775800" y="3486471"/>
+                <a:ext cx="9973561" cy="1315681"/>
+              </a:xfrm>
+              <a:prstGeom prst="rect">
+                <a:avLst/>
+              </a:prstGeom>
+              <a:blipFill>
+                <a:blip r:embed="rId10"/>
+                <a:stretch>
+                  <a:fillRect l="-382" b="-6731"/>
+                </a:stretch>
+              </a:blipFill>
+            </p:spPr>
+            <p:txBody>
+              <a:bodyPr/>
+              <a:lstStyle/>
+              <a:p>
+                <a:r>
+                  <a:rPr lang="it-IT">
+                    <a:noFill/>
+                  </a:rPr>
+                  <a:t> </a:t>
+                </a:r>
+              </a:p>
+            </p:txBody>
+          </p:sp>
+        </mc:Fallback>
+      </mc:AlternateContent>
       <p:sp>
         <p:nvSpPr>
           <p:cNvPr id="13" name="PlaceHolder 1">

--- a/Presentazione LabAuto.pptx
+++ b/Presentazione LabAuto.pptx
@@ -6,7 +6,7 @@
     <p:sldMasterId id="2147483661" r:id="rId2"/>
   </p:sldMasterIdLst>
   <p:notesMasterIdLst>
-    <p:notesMasterId r:id="rId20"/>
+    <p:notesMasterId r:id="rId23"/>
   </p:notesMasterIdLst>
   <p:sldIdLst>
     <p:sldId id="267" r:id="rId3"/>
@@ -18,14 +18,17 @@
     <p:sldId id="260" r:id="rId9"/>
     <p:sldId id="273" r:id="rId10"/>
     <p:sldId id="274" r:id="rId11"/>
-    <p:sldId id="263" r:id="rId12"/>
+    <p:sldId id="276" r:id="rId12"/>
     <p:sldId id="264" r:id="rId13"/>
-    <p:sldId id="265" r:id="rId14"/>
-    <p:sldId id="268" r:id="rId15"/>
-    <p:sldId id="269" r:id="rId16"/>
-    <p:sldId id="275" r:id="rId17"/>
-    <p:sldId id="271" r:id="rId18"/>
-    <p:sldId id="266" r:id="rId19"/>
+    <p:sldId id="277" r:id="rId14"/>
+    <p:sldId id="278" r:id="rId15"/>
+    <p:sldId id="265" r:id="rId16"/>
+    <p:sldId id="268" r:id="rId17"/>
+    <p:sldId id="269" r:id="rId18"/>
+    <p:sldId id="275" r:id="rId19"/>
+    <p:sldId id="271" r:id="rId20"/>
+    <p:sldId id="266" r:id="rId21"/>
+    <p:sldId id="279" r:id="rId22"/>
   </p:sldIdLst>
   <p:sldSz cx="12192000" cy="6858000"/>
   <p:notesSz cx="6858000" cy="9144000"/>
@@ -2429,7 +2432,7 @@
       </p:grpSpPr>
       <p:sp>
         <p:nvSpPr>
-          <p:cNvPr id="174" name="PlaceHolder 1"/>
+          <p:cNvPr id="171" name="PlaceHolder 1"/>
           <p:cNvSpPr>
             <a:spLocks noGrp="1" noRot="1" noChangeAspect="1"/>
           </p:cNvSpPr>
@@ -2452,7 +2455,7 @@
       </p:sp>
       <p:sp>
         <p:nvSpPr>
-          <p:cNvPr id="175" name="PlaceHolder 2"/>
+          <p:cNvPr id="172" name="PlaceHolder 2"/>
           <p:cNvSpPr>
             <a:spLocks noGrp="1"/>
           </p:cNvSpPr>
@@ -2487,12 +2490,12 @@
       </p:sp>
       <p:sp>
         <p:nvSpPr>
-          <p:cNvPr id="176" name="PlaceHolder 3"/>
+          <p:cNvPr id="173" name="PlaceHolder 3"/>
           <p:cNvSpPr>
             <a:spLocks noGrp="1"/>
           </p:cNvSpPr>
           <p:nvPr>
-            <p:ph type="sldNum" idx="13"/>
+            <p:ph type="sldNum" idx="12"/>
           </p:nvPr>
         </p:nvSpPr>
         <p:spPr>
@@ -2524,71 +2527,30 @@
             </a:lvl1pPr>
           </a:lstStyle>
           <a:p>
-            <a:pPr marL="0" marR="0" lvl="0" indent="0" algn="r" defTabSz="914400" rtl="0" eaLnBrk="1" fontAlgn="auto" latinLnBrk="0" hangingPunct="1">
+            <a:pPr algn="r">
               <a:lnSpc>
                 <a:spcPct val="100000"/>
               </a:lnSpc>
-              <a:spcBef>
-                <a:spcPts val="0"/>
-              </a:spcBef>
-              <a:spcAft>
-                <a:spcPts val="0"/>
-              </a:spcAft>
-              <a:buClrTx/>
-              <a:buSzTx/>
-              <a:buFontTx/>
               <a:buNone/>
-              <a:tabLst/>
-              <a:defRPr/>
             </a:pPr>
-            <a:fld id="{783DFC23-429A-42CB-965B-7D729ACA20DF}" type="slidenum">
-              <a:rPr kumimoji="0" lang="it-IT" sz="1200" b="0" i="0" u="none" strike="noStrike" kern="1200" cap="none" spc="-1" normalizeH="0" baseline="0" noProof="0">
-                <a:ln>
-                  <a:noFill/>
-                </a:ln>
-                <a:solidFill>
-                  <a:prstClr val="black"/>
-                </a:solidFill>
-                <a:effectLst/>
-                <a:uLnTx/>
-                <a:uFillTx/>
+            <a:fld id="{8518C8AE-788D-4609-8DB3-7DE0764B3DB7}" type="slidenum">
+              <a:rPr lang="it-IT" sz="1200" b="0" strike="noStrike" spc="-1">
                 <a:latin typeface="Times New Roman"/>
               </a:rPr>
-              <a:pPr marL="0" marR="0" lvl="0" indent="0" algn="r" defTabSz="914400" rtl="0" eaLnBrk="1" fontAlgn="auto" latinLnBrk="0" hangingPunct="1">
-                <a:lnSpc>
-                  <a:spcPct val="100000"/>
-                </a:lnSpc>
-                <a:spcBef>
-                  <a:spcPts val="0"/>
-                </a:spcBef>
-                <a:spcAft>
-                  <a:spcPts val="0"/>
-                </a:spcAft>
-                <a:buClrTx/>
-                <a:buSzTx/>
-                <a:buFontTx/>
-                <a:buNone/>
-                <a:tabLst/>
-                <a:defRPr/>
-              </a:pPr>
               <a:t>12</a:t>
             </a:fld>
-            <a:endParaRPr kumimoji="0" lang="it-IT" sz="1200" b="0" i="0" u="none" strike="noStrike" kern="1200" cap="none" spc="-1" normalizeH="0" baseline="0" noProof="0">
-              <a:ln>
-                <a:noFill/>
-              </a:ln>
-              <a:solidFill>
-                <a:prstClr val="black"/>
-              </a:solidFill>
-              <a:effectLst/>
-              <a:uLnTx/>
-              <a:uFillTx/>
+            <a:endParaRPr lang="it-IT" sz="1200" b="0" strike="noStrike" spc="-1">
               <a:latin typeface="Times New Roman"/>
             </a:endParaRPr>
           </a:p>
         </p:txBody>
       </p:sp>
     </p:spTree>
+    <p:extLst>
+      <p:ext uri="{BB962C8B-B14F-4D97-AF65-F5344CB8AC3E}">
+        <p14:creationId xmlns:p14="http://schemas.microsoft.com/office/powerpoint/2010/main" val="258848691"/>
+      </p:ext>
+    </p:extLst>
   </p:cSld>
   <p:clrMapOvr>
     <a:masterClrMapping/>
@@ -2615,7 +2577,7 @@
       </p:grpSpPr>
       <p:sp>
         <p:nvSpPr>
-          <p:cNvPr id="174" name="PlaceHolder 1"/>
+          <p:cNvPr id="171" name="PlaceHolder 1"/>
           <p:cNvSpPr>
             <a:spLocks noGrp="1" noRot="1" noChangeAspect="1"/>
           </p:cNvSpPr>
@@ -2638,7 +2600,7 @@
       </p:sp>
       <p:sp>
         <p:nvSpPr>
-          <p:cNvPr id="175" name="PlaceHolder 2"/>
+          <p:cNvPr id="172" name="PlaceHolder 2"/>
           <p:cNvSpPr>
             <a:spLocks noGrp="1"/>
           </p:cNvSpPr>
@@ -2673,12 +2635,12 @@
       </p:sp>
       <p:sp>
         <p:nvSpPr>
-          <p:cNvPr id="176" name="PlaceHolder 3"/>
+          <p:cNvPr id="173" name="PlaceHolder 3"/>
           <p:cNvSpPr>
             <a:spLocks noGrp="1"/>
           </p:cNvSpPr>
           <p:nvPr>
-            <p:ph type="sldNum" idx="13"/>
+            <p:ph type="sldNum" idx="12"/>
           </p:nvPr>
         </p:nvSpPr>
         <p:spPr>
@@ -2710,65 +2672,19 @@
             </a:lvl1pPr>
           </a:lstStyle>
           <a:p>
-            <a:pPr marL="0" marR="0" lvl="0" indent="0" algn="r" defTabSz="914400" rtl="0" eaLnBrk="1" fontAlgn="auto" latinLnBrk="0" hangingPunct="1">
+            <a:pPr algn="r">
               <a:lnSpc>
                 <a:spcPct val="100000"/>
               </a:lnSpc>
-              <a:spcBef>
-                <a:spcPts val="0"/>
-              </a:spcBef>
-              <a:spcAft>
-                <a:spcPts val="0"/>
-              </a:spcAft>
-              <a:buClrTx/>
-              <a:buSzTx/>
-              <a:buFontTx/>
               <a:buNone/>
-              <a:tabLst/>
-              <a:defRPr/>
             </a:pPr>
-            <a:fld id="{783DFC23-429A-42CB-965B-7D729ACA20DF}" type="slidenum">
-              <a:rPr kumimoji="0" lang="it-IT" sz="1200" b="0" i="0" u="none" strike="noStrike" kern="1200" cap="none" spc="-1" normalizeH="0" baseline="0" noProof="0">
-                <a:ln>
-                  <a:noFill/>
-                </a:ln>
-                <a:solidFill>
-                  <a:prstClr val="black"/>
-                </a:solidFill>
-                <a:effectLst/>
-                <a:uLnTx/>
-                <a:uFillTx/>
+            <a:fld id="{8518C8AE-788D-4609-8DB3-7DE0764B3DB7}" type="slidenum">
+              <a:rPr lang="it-IT" sz="1200" b="0" strike="noStrike" spc="-1">
                 <a:latin typeface="Times New Roman"/>
               </a:rPr>
-              <a:pPr marL="0" marR="0" lvl="0" indent="0" algn="r" defTabSz="914400" rtl="0" eaLnBrk="1" fontAlgn="auto" latinLnBrk="0" hangingPunct="1">
-                <a:lnSpc>
-                  <a:spcPct val="100000"/>
-                </a:lnSpc>
-                <a:spcBef>
-                  <a:spcPts val="0"/>
-                </a:spcBef>
-                <a:spcAft>
-                  <a:spcPts val="0"/>
-                </a:spcAft>
-                <a:buClrTx/>
-                <a:buSzTx/>
-                <a:buFontTx/>
-                <a:buNone/>
-                <a:tabLst/>
-                <a:defRPr/>
-              </a:pPr>
               <a:t>13</a:t>
             </a:fld>
-            <a:endParaRPr kumimoji="0" lang="it-IT" sz="1200" b="0" i="0" u="none" strike="noStrike" kern="1200" cap="none" spc="-1" normalizeH="0" baseline="0" noProof="0">
-              <a:ln>
-                <a:noFill/>
-              </a:ln>
-              <a:solidFill>
-                <a:prstClr val="black"/>
-              </a:solidFill>
-              <a:effectLst/>
-              <a:uLnTx/>
-              <a:uFillTx/>
+            <a:endParaRPr lang="it-IT" sz="1200" b="0" strike="noStrike" spc="-1">
               <a:latin typeface="Times New Roman"/>
             </a:endParaRPr>
           </a:p>
@@ -2777,7 +2693,7 @@
     </p:spTree>
     <p:extLst>
       <p:ext uri="{BB962C8B-B14F-4D97-AF65-F5344CB8AC3E}">
-        <p14:creationId xmlns:p14="http://schemas.microsoft.com/office/powerpoint/2010/main" val="3414016801"/>
+        <p14:creationId xmlns:p14="http://schemas.microsoft.com/office/powerpoint/2010/main" val="329358679"/>
       </p:ext>
     </p:extLst>
   </p:cSld>
@@ -2966,11 +2882,6 @@
         </p:txBody>
       </p:sp>
     </p:spTree>
-    <p:extLst>
-      <p:ext uri="{BB962C8B-B14F-4D97-AF65-F5344CB8AC3E}">
-        <p14:creationId xmlns:p14="http://schemas.microsoft.com/office/powerpoint/2010/main" val="3633665398"/>
-      </p:ext>
-    </p:extLst>
   </p:cSld>
   <p:clrMapOvr>
     <a:masterClrMapping/>
@@ -3159,7 +3070,7 @@
     </p:spTree>
     <p:extLst>
       <p:ext uri="{BB962C8B-B14F-4D97-AF65-F5344CB8AC3E}">
-        <p14:creationId xmlns:p14="http://schemas.microsoft.com/office/powerpoint/2010/main" val="2269695073"/>
+        <p14:creationId xmlns:p14="http://schemas.microsoft.com/office/powerpoint/2010/main" val="3414016801"/>
       </p:ext>
     </p:extLst>
   </p:cSld>
@@ -3188,7 +3099,7 @@
       </p:grpSpPr>
       <p:sp>
         <p:nvSpPr>
-          <p:cNvPr id="177" name="PlaceHolder 1"/>
+          <p:cNvPr id="174" name="PlaceHolder 1"/>
           <p:cNvSpPr>
             <a:spLocks noGrp="1" noRot="1" noChangeAspect="1"/>
           </p:cNvSpPr>
@@ -3211,7 +3122,7 @@
       </p:sp>
       <p:sp>
         <p:nvSpPr>
-          <p:cNvPr id="178" name="PlaceHolder 2"/>
+          <p:cNvPr id="175" name="PlaceHolder 2"/>
           <p:cNvSpPr>
             <a:spLocks noGrp="1"/>
           </p:cNvSpPr>
@@ -3246,12 +3157,12 @@
       </p:sp>
       <p:sp>
         <p:nvSpPr>
-          <p:cNvPr id="179" name="PlaceHolder 3"/>
+          <p:cNvPr id="176" name="PlaceHolder 3"/>
           <p:cNvSpPr>
             <a:spLocks noGrp="1"/>
           </p:cNvSpPr>
           <p:nvPr>
-            <p:ph type="sldNum" idx="14"/>
+            <p:ph type="sldNum" idx="13"/>
           </p:nvPr>
         </p:nvSpPr>
         <p:spPr>
@@ -3283,19 +3194,65 @@
             </a:lvl1pPr>
           </a:lstStyle>
           <a:p>
-            <a:pPr algn="r">
+            <a:pPr marL="0" marR="0" lvl="0" indent="0" algn="r" defTabSz="914400" rtl="0" eaLnBrk="1" fontAlgn="auto" latinLnBrk="0" hangingPunct="1">
               <a:lnSpc>
                 <a:spcPct val="100000"/>
               </a:lnSpc>
+              <a:spcBef>
+                <a:spcPts val="0"/>
+              </a:spcBef>
+              <a:spcAft>
+                <a:spcPts val="0"/>
+              </a:spcAft>
+              <a:buClrTx/>
+              <a:buSzTx/>
+              <a:buFontTx/>
               <a:buNone/>
+              <a:tabLst/>
+              <a:defRPr/>
             </a:pPr>
-            <a:fld id="{DD94AB7F-843E-4F79-8216-E3E81C069AF9}" type="slidenum">
-              <a:rPr lang="it-IT" sz="1200" b="0" strike="noStrike" spc="-1">
+            <a:fld id="{783DFC23-429A-42CB-965B-7D729ACA20DF}" type="slidenum">
+              <a:rPr kumimoji="0" lang="it-IT" sz="1200" b="0" i="0" u="none" strike="noStrike" kern="1200" cap="none" spc="-1" normalizeH="0" baseline="0" noProof="0">
+                <a:ln>
+                  <a:noFill/>
+                </a:ln>
+                <a:solidFill>
+                  <a:prstClr val="black"/>
+                </a:solidFill>
+                <a:effectLst/>
+                <a:uLnTx/>
+                <a:uFillTx/>
                 <a:latin typeface="Times New Roman"/>
               </a:rPr>
+              <a:pPr marL="0" marR="0" lvl="0" indent="0" algn="r" defTabSz="914400" rtl="0" eaLnBrk="1" fontAlgn="auto" latinLnBrk="0" hangingPunct="1">
+                <a:lnSpc>
+                  <a:spcPct val="100000"/>
+                </a:lnSpc>
+                <a:spcBef>
+                  <a:spcPts val="0"/>
+                </a:spcBef>
+                <a:spcAft>
+                  <a:spcPts val="0"/>
+                </a:spcAft>
+                <a:buClrTx/>
+                <a:buSzTx/>
+                <a:buFontTx/>
+                <a:buNone/>
+                <a:tabLst/>
+                <a:defRPr/>
+              </a:pPr>
               <a:t>16</a:t>
             </a:fld>
-            <a:endParaRPr lang="it-IT" sz="1200" b="0" strike="noStrike" spc="-1">
+            <a:endParaRPr kumimoji="0" lang="it-IT" sz="1200" b="0" i="0" u="none" strike="noStrike" kern="1200" cap="none" spc="-1" normalizeH="0" baseline="0" noProof="0">
+              <a:ln>
+                <a:noFill/>
+              </a:ln>
+              <a:solidFill>
+                <a:prstClr val="black"/>
+              </a:solidFill>
+              <a:effectLst/>
+              <a:uLnTx/>
+              <a:uFillTx/>
               <a:latin typeface="Times New Roman"/>
             </a:endParaRPr>
           </a:p>
@@ -3304,7 +3261,7 @@
     </p:spTree>
     <p:extLst>
       <p:ext uri="{BB962C8B-B14F-4D97-AF65-F5344CB8AC3E}">
-        <p14:creationId xmlns:p14="http://schemas.microsoft.com/office/powerpoint/2010/main" val="660860958"/>
+        <p14:creationId xmlns:p14="http://schemas.microsoft.com/office/powerpoint/2010/main" val="3633665398"/>
       </p:ext>
     </p:extLst>
   </p:cSld>
@@ -3333,7 +3290,7 @@
       </p:grpSpPr>
       <p:sp>
         <p:nvSpPr>
-          <p:cNvPr id="177" name="PlaceHolder 1"/>
+          <p:cNvPr id="174" name="PlaceHolder 1"/>
           <p:cNvSpPr>
             <a:spLocks noGrp="1" noRot="1" noChangeAspect="1"/>
           </p:cNvSpPr>
@@ -3356,7 +3313,7 @@
       </p:sp>
       <p:sp>
         <p:nvSpPr>
-          <p:cNvPr id="178" name="PlaceHolder 2"/>
+          <p:cNvPr id="175" name="PlaceHolder 2"/>
           <p:cNvSpPr>
             <a:spLocks noGrp="1"/>
           </p:cNvSpPr>
@@ -3391,12 +3348,12 @@
       </p:sp>
       <p:sp>
         <p:nvSpPr>
-          <p:cNvPr id="179" name="PlaceHolder 3"/>
+          <p:cNvPr id="176" name="PlaceHolder 3"/>
           <p:cNvSpPr>
             <a:spLocks noGrp="1"/>
           </p:cNvSpPr>
           <p:nvPr>
-            <p:ph type="sldNum" idx="14"/>
+            <p:ph type="sldNum" idx="13"/>
           </p:nvPr>
         </p:nvSpPr>
         <p:spPr>
@@ -3428,6 +3385,197 @@
             </a:lvl1pPr>
           </a:lstStyle>
           <a:p>
+            <a:pPr marL="0" marR="0" lvl="0" indent="0" algn="r" defTabSz="914400" rtl="0" eaLnBrk="1" fontAlgn="auto" latinLnBrk="0" hangingPunct="1">
+              <a:lnSpc>
+                <a:spcPct val="100000"/>
+              </a:lnSpc>
+              <a:spcBef>
+                <a:spcPts val="0"/>
+              </a:spcBef>
+              <a:spcAft>
+                <a:spcPts val="0"/>
+              </a:spcAft>
+              <a:buClrTx/>
+              <a:buSzTx/>
+              <a:buFontTx/>
+              <a:buNone/>
+              <a:tabLst/>
+              <a:defRPr/>
+            </a:pPr>
+            <a:fld id="{783DFC23-429A-42CB-965B-7D729ACA20DF}" type="slidenum">
+              <a:rPr kumimoji="0" lang="it-IT" sz="1200" b="0" i="0" u="none" strike="noStrike" kern="1200" cap="none" spc="-1" normalizeH="0" baseline="0" noProof="0">
+                <a:ln>
+                  <a:noFill/>
+                </a:ln>
+                <a:solidFill>
+                  <a:prstClr val="black"/>
+                </a:solidFill>
+                <a:effectLst/>
+                <a:uLnTx/>
+                <a:uFillTx/>
+                <a:latin typeface="Times New Roman"/>
+              </a:rPr>
+              <a:pPr marL="0" marR="0" lvl="0" indent="0" algn="r" defTabSz="914400" rtl="0" eaLnBrk="1" fontAlgn="auto" latinLnBrk="0" hangingPunct="1">
+                <a:lnSpc>
+                  <a:spcPct val="100000"/>
+                </a:lnSpc>
+                <a:spcBef>
+                  <a:spcPts val="0"/>
+                </a:spcBef>
+                <a:spcAft>
+                  <a:spcPts val="0"/>
+                </a:spcAft>
+                <a:buClrTx/>
+                <a:buSzTx/>
+                <a:buFontTx/>
+                <a:buNone/>
+                <a:tabLst/>
+                <a:defRPr/>
+              </a:pPr>
+              <a:t>17</a:t>
+            </a:fld>
+            <a:endParaRPr kumimoji="0" lang="it-IT" sz="1200" b="0" i="0" u="none" strike="noStrike" kern="1200" cap="none" spc="-1" normalizeH="0" baseline="0" noProof="0">
+              <a:ln>
+                <a:noFill/>
+              </a:ln>
+              <a:solidFill>
+                <a:prstClr val="black"/>
+              </a:solidFill>
+              <a:effectLst/>
+              <a:uLnTx/>
+              <a:uFillTx/>
+              <a:latin typeface="Times New Roman"/>
+            </a:endParaRPr>
+          </a:p>
+        </p:txBody>
+      </p:sp>
+    </p:spTree>
+    <p:extLst>
+      <p:ext uri="{BB962C8B-B14F-4D97-AF65-F5344CB8AC3E}">
+        <p14:creationId xmlns:p14="http://schemas.microsoft.com/office/powerpoint/2010/main" val="2269695073"/>
+      </p:ext>
+    </p:extLst>
+  </p:cSld>
+  <p:clrMapOvr>
+    <a:masterClrMapping/>
+  </p:clrMapOvr>
+</p:notes>
+</file>
+
+<file path=ppt/notesSlides/notesSlide17.xml><?xml version="1.0" encoding="utf-8"?>
+<p:notes xmlns:a="http://schemas.openxmlformats.org/drawingml/2006/main" xmlns:r="http://schemas.openxmlformats.org/officeDocument/2006/relationships" xmlns:p="http://schemas.openxmlformats.org/presentationml/2006/main">
+  <p:cSld>
+    <p:spTree>
+      <p:nvGrpSpPr>
+        <p:cNvPr id="1" name=""/>
+        <p:cNvGrpSpPr/>
+        <p:nvPr/>
+      </p:nvGrpSpPr>
+      <p:grpSpPr>
+        <a:xfrm>
+          <a:off x="0" y="0"/>
+          <a:ext cx="0" cy="0"/>
+          <a:chOff x="0" y="0"/>
+          <a:chExt cx="0" cy="0"/>
+        </a:xfrm>
+      </p:grpSpPr>
+      <p:sp>
+        <p:nvSpPr>
+          <p:cNvPr id="177" name="PlaceHolder 1"/>
+          <p:cNvSpPr>
+            <a:spLocks noGrp="1" noRot="1" noChangeAspect="1"/>
+          </p:cNvSpPr>
+          <p:nvPr>
+            <p:ph type="sldImg"/>
+          </p:nvPr>
+        </p:nvSpPr>
+        <p:spPr>
+          <a:xfrm>
+            <a:off x="685800" y="1143000"/>
+            <a:ext cx="5486400" cy="3086100"/>
+          </a:xfrm>
+          <a:prstGeom prst="rect">
+            <a:avLst/>
+          </a:prstGeom>
+          <a:ln w="0">
+            <a:noFill/>
+          </a:ln>
+        </p:spPr>
+      </p:sp>
+      <p:sp>
+        <p:nvSpPr>
+          <p:cNvPr id="178" name="PlaceHolder 2"/>
+          <p:cNvSpPr>
+            <a:spLocks noGrp="1"/>
+          </p:cNvSpPr>
+          <p:nvPr>
+            <p:ph type="body"/>
+          </p:nvPr>
+        </p:nvSpPr>
+        <p:spPr>
+          <a:xfrm>
+            <a:off x="685800" y="4400640"/>
+            <a:ext cx="5485680" cy="3599640"/>
+          </a:xfrm>
+          <a:prstGeom prst="rect">
+            <a:avLst/>
+          </a:prstGeom>
+          <a:noFill/>
+          <a:ln w="0">
+            <a:noFill/>
+          </a:ln>
+        </p:spPr>
+        <p:txBody>
+          <a:bodyPr lIns="0" tIns="0" rIns="0" bIns="0" anchor="t">
+            <a:noAutofit/>
+          </a:bodyPr>
+          <a:lstStyle/>
+          <a:p>
+            <a:endParaRPr lang="it-IT" sz="2000" b="0" strike="noStrike" spc="-1">
+              <a:latin typeface="Arial"/>
+            </a:endParaRPr>
+          </a:p>
+        </p:txBody>
+      </p:sp>
+      <p:sp>
+        <p:nvSpPr>
+          <p:cNvPr id="179" name="PlaceHolder 3"/>
+          <p:cNvSpPr>
+            <a:spLocks noGrp="1"/>
+          </p:cNvSpPr>
+          <p:nvPr>
+            <p:ph type="sldNum" idx="14"/>
+          </p:nvPr>
+        </p:nvSpPr>
+        <p:spPr>
+          <a:xfrm>
+            <a:off x="3884760" y="8685360"/>
+            <a:ext cx="2971080" cy="457920"/>
+          </a:xfrm>
+          <a:prstGeom prst="rect">
+            <a:avLst/>
+          </a:prstGeom>
+          <a:noFill/>
+          <a:ln w="0">
+            <a:noFill/>
+          </a:ln>
+        </p:spPr>
+        <p:txBody>
+          <a:bodyPr lIns="0" tIns="0" rIns="0" bIns="0" anchor="b">
+            <a:noAutofit/>
+          </a:bodyPr>
+          <a:lstStyle>
+            <a:lvl1pPr algn="r">
+              <a:lnSpc>
+                <a:spcPct val="100000"/>
+              </a:lnSpc>
+              <a:buNone/>
+              <a:defRPr lang="it-IT" sz="1200" b="0" strike="noStrike" spc="-1">
+                <a:latin typeface="Times New Roman"/>
+              </a:defRPr>
+            </a:lvl1pPr>
+          </a:lstStyle>
+          <a:p>
             <a:pPr algn="r">
               <a:lnSpc>
                 <a:spcPct val="100000"/>
@@ -3438,7 +3586,7 @@
               <a:rPr lang="it-IT" sz="1200" b="0" strike="noStrike" spc="-1">
                 <a:latin typeface="Times New Roman"/>
               </a:rPr>
-              <a:t>17</a:t>
+              <a:t>18</a:t>
             </a:fld>
             <a:endParaRPr lang="it-IT" sz="1200" b="0" strike="noStrike" spc="-1">
               <a:latin typeface="Times New Roman"/>
@@ -3447,6 +3595,342 @@
         </p:txBody>
       </p:sp>
     </p:spTree>
+    <p:extLst>
+      <p:ext uri="{BB962C8B-B14F-4D97-AF65-F5344CB8AC3E}">
+        <p14:creationId xmlns:p14="http://schemas.microsoft.com/office/powerpoint/2010/main" val="660860958"/>
+      </p:ext>
+    </p:extLst>
+  </p:cSld>
+  <p:clrMapOvr>
+    <a:masterClrMapping/>
+  </p:clrMapOvr>
+</p:notes>
+</file>
+
+<file path=ppt/notesSlides/notesSlide18.xml><?xml version="1.0" encoding="utf-8"?>
+<p:notes xmlns:a="http://schemas.openxmlformats.org/drawingml/2006/main" xmlns:r="http://schemas.openxmlformats.org/officeDocument/2006/relationships" xmlns:p="http://schemas.openxmlformats.org/presentationml/2006/main">
+  <p:cSld>
+    <p:spTree>
+      <p:nvGrpSpPr>
+        <p:cNvPr id="1" name=""/>
+        <p:cNvGrpSpPr/>
+        <p:nvPr/>
+      </p:nvGrpSpPr>
+      <p:grpSpPr>
+        <a:xfrm>
+          <a:off x="0" y="0"/>
+          <a:ext cx="0" cy="0"/>
+          <a:chOff x="0" y="0"/>
+          <a:chExt cx="0" cy="0"/>
+        </a:xfrm>
+      </p:grpSpPr>
+      <p:sp>
+        <p:nvSpPr>
+          <p:cNvPr id="177" name="PlaceHolder 1"/>
+          <p:cNvSpPr>
+            <a:spLocks noGrp="1" noRot="1" noChangeAspect="1"/>
+          </p:cNvSpPr>
+          <p:nvPr>
+            <p:ph type="sldImg"/>
+          </p:nvPr>
+        </p:nvSpPr>
+        <p:spPr>
+          <a:xfrm>
+            <a:off x="685800" y="1143000"/>
+            <a:ext cx="5486400" cy="3086100"/>
+          </a:xfrm>
+          <a:prstGeom prst="rect">
+            <a:avLst/>
+          </a:prstGeom>
+          <a:ln w="0">
+            <a:noFill/>
+          </a:ln>
+        </p:spPr>
+      </p:sp>
+      <p:sp>
+        <p:nvSpPr>
+          <p:cNvPr id="178" name="PlaceHolder 2"/>
+          <p:cNvSpPr>
+            <a:spLocks noGrp="1"/>
+          </p:cNvSpPr>
+          <p:nvPr>
+            <p:ph type="body"/>
+          </p:nvPr>
+        </p:nvSpPr>
+        <p:spPr>
+          <a:xfrm>
+            <a:off x="685800" y="4400640"/>
+            <a:ext cx="5485680" cy="3599640"/>
+          </a:xfrm>
+          <a:prstGeom prst="rect">
+            <a:avLst/>
+          </a:prstGeom>
+          <a:noFill/>
+          <a:ln w="0">
+            <a:noFill/>
+          </a:ln>
+        </p:spPr>
+        <p:txBody>
+          <a:bodyPr lIns="0" tIns="0" rIns="0" bIns="0" anchor="t">
+            <a:noAutofit/>
+          </a:bodyPr>
+          <a:lstStyle/>
+          <a:p>
+            <a:endParaRPr lang="it-IT" sz="2000" b="0" strike="noStrike" spc="-1">
+              <a:latin typeface="Arial"/>
+            </a:endParaRPr>
+          </a:p>
+        </p:txBody>
+      </p:sp>
+      <p:sp>
+        <p:nvSpPr>
+          <p:cNvPr id="179" name="PlaceHolder 3"/>
+          <p:cNvSpPr>
+            <a:spLocks noGrp="1"/>
+          </p:cNvSpPr>
+          <p:nvPr>
+            <p:ph type="sldNum" idx="14"/>
+          </p:nvPr>
+        </p:nvSpPr>
+        <p:spPr>
+          <a:xfrm>
+            <a:off x="3884760" y="8685360"/>
+            <a:ext cx="2971080" cy="457920"/>
+          </a:xfrm>
+          <a:prstGeom prst="rect">
+            <a:avLst/>
+          </a:prstGeom>
+          <a:noFill/>
+          <a:ln w="0">
+            <a:noFill/>
+          </a:ln>
+        </p:spPr>
+        <p:txBody>
+          <a:bodyPr lIns="0" tIns="0" rIns="0" bIns="0" anchor="b">
+            <a:noAutofit/>
+          </a:bodyPr>
+          <a:lstStyle>
+            <a:lvl1pPr algn="r">
+              <a:lnSpc>
+                <a:spcPct val="100000"/>
+              </a:lnSpc>
+              <a:buNone/>
+              <a:defRPr lang="it-IT" sz="1200" b="0" strike="noStrike" spc="-1">
+                <a:latin typeface="Times New Roman"/>
+              </a:defRPr>
+            </a:lvl1pPr>
+          </a:lstStyle>
+          <a:p>
+            <a:pPr algn="r">
+              <a:lnSpc>
+                <a:spcPct val="100000"/>
+              </a:lnSpc>
+              <a:buNone/>
+            </a:pPr>
+            <a:fld id="{DD94AB7F-843E-4F79-8216-E3E81C069AF9}" type="slidenum">
+              <a:rPr lang="it-IT" sz="1200" b="0" strike="noStrike" spc="-1">
+                <a:latin typeface="Times New Roman"/>
+              </a:rPr>
+              <a:t>19</a:t>
+            </a:fld>
+            <a:endParaRPr lang="it-IT" sz="1200" b="0" strike="noStrike" spc="-1">
+              <a:latin typeface="Times New Roman"/>
+            </a:endParaRPr>
+          </a:p>
+        </p:txBody>
+      </p:sp>
+    </p:spTree>
+  </p:cSld>
+  <p:clrMapOvr>
+    <a:masterClrMapping/>
+  </p:clrMapOvr>
+</p:notes>
+</file>
+
+<file path=ppt/notesSlides/notesSlide19.xml><?xml version="1.0" encoding="utf-8"?>
+<p:notes xmlns:a="http://schemas.openxmlformats.org/drawingml/2006/main" xmlns:r="http://schemas.openxmlformats.org/officeDocument/2006/relationships" xmlns:p="http://schemas.openxmlformats.org/presentationml/2006/main">
+  <p:cSld>
+    <p:spTree>
+      <p:nvGrpSpPr>
+        <p:cNvPr id="1" name=""/>
+        <p:cNvGrpSpPr/>
+        <p:nvPr/>
+      </p:nvGrpSpPr>
+      <p:grpSpPr>
+        <a:xfrm>
+          <a:off x="0" y="0"/>
+          <a:ext cx="0" cy="0"/>
+          <a:chOff x="0" y="0"/>
+          <a:chExt cx="0" cy="0"/>
+        </a:xfrm>
+      </p:grpSpPr>
+      <p:sp>
+        <p:nvSpPr>
+          <p:cNvPr id="147" name="PlaceHolder 1"/>
+          <p:cNvSpPr>
+            <a:spLocks noGrp="1" noRot="1" noChangeAspect="1"/>
+          </p:cNvSpPr>
+          <p:nvPr>
+            <p:ph type="sldImg"/>
+          </p:nvPr>
+        </p:nvSpPr>
+        <p:spPr>
+          <a:xfrm>
+            <a:off x="685800" y="1143000"/>
+            <a:ext cx="5486400" cy="3086100"/>
+          </a:xfrm>
+          <a:prstGeom prst="rect">
+            <a:avLst/>
+          </a:prstGeom>
+          <a:ln w="0">
+            <a:noFill/>
+          </a:ln>
+        </p:spPr>
+      </p:sp>
+      <p:sp>
+        <p:nvSpPr>
+          <p:cNvPr id="148" name="PlaceHolder 2"/>
+          <p:cNvSpPr>
+            <a:spLocks noGrp="1"/>
+          </p:cNvSpPr>
+          <p:nvPr>
+            <p:ph type="body"/>
+          </p:nvPr>
+        </p:nvSpPr>
+        <p:spPr>
+          <a:xfrm>
+            <a:off x="685800" y="4400640"/>
+            <a:ext cx="5485680" cy="3599640"/>
+          </a:xfrm>
+          <a:prstGeom prst="rect">
+            <a:avLst/>
+          </a:prstGeom>
+          <a:noFill/>
+          <a:ln w="0">
+            <a:noFill/>
+          </a:ln>
+        </p:spPr>
+        <p:txBody>
+          <a:bodyPr lIns="0" tIns="0" rIns="0" bIns="0" anchor="t">
+            <a:noAutofit/>
+          </a:bodyPr>
+          <a:lstStyle/>
+          <a:p>
+            <a:endParaRPr lang="it-IT" sz="2000" b="0" strike="noStrike" spc="-1">
+              <a:latin typeface="Arial"/>
+            </a:endParaRPr>
+          </a:p>
+        </p:txBody>
+      </p:sp>
+      <p:sp>
+        <p:nvSpPr>
+          <p:cNvPr id="149" name="PlaceHolder 3"/>
+          <p:cNvSpPr>
+            <a:spLocks noGrp="1"/>
+          </p:cNvSpPr>
+          <p:nvPr>
+            <p:ph type="sldNum" idx="4"/>
+          </p:nvPr>
+        </p:nvSpPr>
+        <p:spPr>
+          <a:xfrm>
+            <a:off x="3884760" y="8685360"/>
+            <a:ext cx="2971080" cy="457920"/>
+          </a:xfrm>
+          <a:prstGeom prst="rect">
+            <a:avLst/>
+          </a:prstGeom>
+          <a:noFill/>
+          <a:ln w="0">
+            <a:noFill/>
+          </a:ln>
+        </p:spPr>
+        <p:txBody>
+          <a:bodyPr lIns="0" tIns="0" rIns="0" bIns="0" anchor="b">
+            <a:noAutofit/>
+          </a:bodyPr>
+          <a:lstStyle>
+            <a:lvl1pPr algn="r">
+              <a:lnSpc>
+                <a:spcPct val="100000"/>
+              </a:lnSpc>
+              <a:buNone/>
+              <a:defRPr lang="it-IT" sz="1200" b="0" strike="noStrike" spc="-1">
+                <a:latin typeface="Times New Roman"/>
+              </a:defRPr>
+            </a:lvl1pPr>
+          </a:lstStyle>
+          <a:p>
+            <a:pPr marL="0" marR="0" lvl="0" indent="0" algn="r" defTabSz="914400" rtl="0" eaLnBrk="1" fontAlgn="auto" latinLnBrk="0" hangingPunct="1">
+              <a:lnSpc>
+                <a:spcPct val="100000"/>
+              </a:lnSpc>
+              <a:spcBef>
+                <a:spcPts val="0"/>
+              </a:spcBef>
+              <a:spcAft>
+                <a:spcPts val="0"/>
+              </a:spcAft>
+              <a:buClrTx/>
+              <a:buSzTx/>
+              <a:buFontTx/>
+              <a:buNone/>
+              <a:tabLst/>
+              <a:defRPr/>
+            </a:pPr>
+            <a:fld id="{DD285A2D-FAC1-4173-B8DD-63858C1ED98A}" type="slidenum">
+              <a:rPr kumimoji="0" lang="it-IT" sz="1200" b="0" i="0" u="none" strike="noStrike" kern="1200" cap="none" spc="-1" normalizeH="0" baseline="0" noProof="0">
+                <a:ln>
+                  <a:noFill/>
+                </a:ln>
+                <a:solidFill>
+                  <a:prstClr val="black"/>
+                </a:solidFill>
+                <a:effectLst/>
+                <a:uLnTx/>
+                <a:uFillTx/>
+                <a:latin typeface="Times New Roman"/>
+              </a:rPr>
+              <a:pPr marL="0" marR="0" lvl="0" indent="0" algn="r" defTabSz="914400" rtl="0" eaLnBrk="1" fontAlgn="auto" latinLnBrk="0" hangingPunct="1">
+                <a:lnSpc>
+                  <a:spcPct val="100000"/>
+                </a:lnSpc>
+                <a:spcBef>
+                  <a:spcPts val="0"/>
+                </a:spcBef>
+                <a:spcAft>
+                  <a:spcPts val="0"/>
+                </a:spcAft>
+                <a:buClrTx/>
+                <a:buSzTx/>
+                <a:buFontTx/>
+                <a:buNone/>
+                <a:tabLst/>
+                <a:defRPr/>
+              </a:pPr>
+              <a:t>20</a:t>
+            </a:fld>
+            <a:endParaRPr kumimoji="0" lang="it-IT" sz="1200" b="0" i="0" u="none" strike="noStrike" kern="1200" cap="none" spc="-1" normalizeH="0" baseline="0" noProof="0">
+              <a:ln>
+                <a:noFill/>
+              </a:ln>
+              <a:solidFill>
+                <a:prstClr val="black"/>
+              </a:solidFill>
+              <a:effectLst/>
+              <a:uLnTx/>
+              <a:uFillTx/>
+              <a:latin typeface="Times New Roman"/>
+            </a:endParaRPr>
+          </a:p>
+        </p:txBody>
+      </p:sp>
+    </p:spTree>
+    <p:extLst>
+      <p:ext uri="{BB962C8B-B14F-4D97-AF65-F5344CB8AC3E}">
+        <p14:creationId xmlns:p14="http://schemas.microsoft.com/office/powerpoint/2010/main" val="3986534732"/>
+      </p:ext>
+    </p:extLst>
   </p:cSld>
   <p:clrMapOvr>
     <a:masterClrMapping/>
@@ -4582,6 +5066,11 @@
         </p:txBody>
       </p:sp>
     </p:spTree>
+    <p:extLst>
+      <p:ext uri="{BB962C8B-B14F-4D97-AF65-F5344CB8AC3E}">
+        <p14:creationId xmlns:p14="http://schemas.microsoft.com/office/powerpoint/2010/main" val="3905249512"/>
+      </p:ext>
+    </p:extLst>
   </p:cSld>
   <p:clrMapOvr>
     <a:masterClrMapping/>
@@ -9477,10 +9966,10 @@
       </p:pic>
       <p:pic>
         <p:nvPicPr>
-          <p:cNvPr id="5" name="Elemento grafico 4">
+          <p:cNvPr id="9" name="Elemento grafico 8">
             <a:extLst>
               <a:ext uri="{FF2B5EF4-FFF2-40B4-BE49-F238E27FC236}">
-                <a16:creationId xmlns:a16="http://schemas.microsoft.com/office/drawing/2014/main" id="{7E8976B2-01D4-7998-FE36-1B720BC72D69}"/>
+                <a16:creationId xmlns:a16="http://schemas.microsoft.com/office/drawing/2014/main" id="{E6091B78-62D2-AC10-F176-AAAC81AE17CD}"/>
               </a:ext>
             </a:extLst>
           </p:cNvPr>
@@ -9506,85 +9995,7 @@
         </p:blipFill>
         <p:spPr>
           <a:xfrm>
-            <a:off x="7666495" y="3036855"/>
-            <a:ext cx="3634958" cy="399215"/>
-          </a:xfrm>
-          <a:prstGeom prst="rect">
-            <a:avLst/>
-          </a:prstGeom>
-        </p:spPr>
-      </p:pic>
-      <p:pic>
-        <p:nvPicPr>
-          <p:cNvPr id="7" name="Elemento grafico 6">
-            <a:extLst>
-              <a:ext uri="{FF2B5EF4-FFF2-40B4-BE49-F238E27FC236}">
-                <a16:creationId xmlns:a16="http://schemas.microsoft.com/office/drawing/2014/main" id="{901BD27A-44CA-41DD-82D9-8D3167D2343B}"/>
-              </a:ext>
-            </a:extLst>
-          </p:cNvPr>
-          <p:cNvPicPr>
-            <a:picLocks noChangeAspect="1"/>
-          </p:cNvPicPr>
-          <p:nvPr/>
-        </p:nvPicPr>
-        <p:blipFill>
-          <a:blip r:embed="rId7">
-            <a:extLst>
-              <a:ext uri="{28A0092B-C50C-407E-A947-70E740481C1C}">
-                <a14:useLocalDpi xmlns:a14="http://schemas.microsoft.com/office/drawing/2010/main" val="0"/>
-              </a:ext>
-              <a:ext uri="{96DAC541-7B7A-43D3-8B79-37D633B846F1}">
-                <asvg:svgBlip xmlns:asvg="http://schemas.microsoft.com/office/drawing/2016/SVG/main" r:embed="rId8"/>
-              </a:ext>
-            </a:extLst>
-          </a:blip>
-          <a:stretch>
-            <a:fillRect/>
-          </a:stretch>
-        </p:blipFill>
-        <p:spPr>
-          <a:xfrm>
-            <a:off x="926477" y="1811880"/>
-            <a:ext cx="5665689" cy="470079"/>
-          </a:xfrm>
-          <a:prstGeom prst="rect">
-            <a:avLst/>
-          </a:prstGeom>
-        </p:spPr>
-      </p:pic>
-      <p:pic>
-        <p:nvPicPr>
-          <p:cNvPr id="9" name="Elemento grafico 8">
-            <a:extLst>
-              <a:ext uri="{FF2B5EF4-FFF2-40B4-BE49-F238E27FC236}">
-                <a16:creationId xmlns:a16="http://schemas.microsoft.com/office/drawing/2014/main" id="{E6091B78-62D2-AC10-F176-AAAC81AE17CD}"/>
-              </a:ext>
-            </a:extLst>
-          </p:cNvPr>
-          <p:cNvPicPr>
-            <a:picLocks noChangeAspect="1"/>
-          </p:cNvPicPr>
-          <p:nvPr/>
-        </p:nvPicPr>
-        <p:blipFill>
-          <a:blip r:embed="rId9">
-            <a:extLst>
-              <a:ext uri="{28A0092B-C50C-407E-A947-70E740481C1C}">
-                <a14:useLocalDpi xmlns:a14="http://schemas.microsoft.com/office/drawing/2010/main" val="0"/>
-              </a:ext>
-              <a:ext uri="{96DAC541-7B7A-43D3-8B79-37D633B846F1}">
-                <asvg:svgBlip xmlns:asvg="http://schemas.microsoft.com/office/drawing/2016/SVG/main" r:embed="rId10"/>
-              </a:ext>
-            </a:extLst>
-          </a:blip>
-          <a:stretch>
-            <a:fillRect/>
-          </a:stretch>
-        </p:blipFill>
-        <p:spPr>
-          <a:xfrm>
-            <a:off x="1438077" y="5430471"/>
+            <a:off x="2820157" y="5671980"/>
             <a:ext cx="3600741" cy="319692"/>
           </a:xfrm>
           <a:prstGeom prst="rect">
@@ -9677,7 +10088,143 @@
           </a:p>
         </p:txBody>
       </p:sp>
+      <p:sp>
+        <p:nvSpPr>
+          <p:cNvPr id="7" name="CasellaDiTesto 6">
+            <a:extLst>
+              <a:ext uri="{FF2B5EF4-FFF2-40B4-BE49-F238E27FC236}">
+                <a16:creationId xmlns:a16="http://schemas.microsoft.com/office/drawing/2014/main" id="{3D16D520-8ADF-BACD-3BC0-C911EF317FD5}"/>
+              </a:ext>
+            </a:extLst>
+          </p:cNvPr>
+          <p:cNvSpPr txBox="1"/>
+          <p:nvPr/>
+        </p:nvSpPr>
+        <p:spPr>
+          <a:xfrm>
+            <a:off x="5965487" y="866328"/>
+            <a:ext cx="6094378" cy="2308324"/>
+          </a:xfrm>
+          <a:prstGeom prst="rect">
+            <a:avLst/>
+          </a:prstGeom>
+          <a:noFill/>
+        </p:spPr>
+        <p:txBody>
+          <a:bodyPr wrap="square">
+            <a:spAutoFit/>
+          </a:bodyPr>
+          <a:lstStyle/>
+          <a:p>
+            <a:r>
+              <a:rPr lang="it-IT" dirty="0"/>
+              <a:t>Per ottenere un segnale di velocità longitudinale del rover è stato implementato un filtro complementare. Questo sfrutta:</a:t>
+            </a:r>
+          </a:p>
+          <a:p>
+            <a:pPr marL="285750" indent="-285750">
+              <a:buFont typeface="Arial" panose="020B0604020202020204" pitchFamily="34" charset="0"/>
+              <a:buChar char="•"/>
+            </a:pPr>
+            <a:r>
+              <a:rPr lang="it-IT" dirty="0"/>
+              <a:t>i dati della posizione stimata </a:t>
+            </a:r>
+            <a:r>
+              <a:rPr lang="it-IT" dirty="0" err="1"/>
+              <a:t>x_k</a:t>
+            </a:r>
+            <a:r>
+              <a:rPr lang="it-IT" dirty="0"/>
+              <a:t> (Passa Basso) </a:t>
+            </a:r>
+          </a:p>
+          <a:p>
+            <a:pPr marL="285750" indent="-285750">
+              <a:buFont typeface="Arial" panose="020B0604020202020204" pitchFamily="34" charset="0"/>
+              <a:buChar char="•"/>
+            </a:pPr>
+            <a:r>
+              <a:rPr lang="it-IT" dirty="0"/>
+              <a:t>i dati </a:t>
+            </a:r>
+            <a:r>
+              <a:rPr lang="it-IT" dirty="0" err="1"/>
+              <a:t>dell</a:t>
+            </a:r>
+            <a:r>
+              <a:rPr lang="it-IT" dirty="0"/>
+              <a:t> accelerometro </a:t>
+            </a:r>
+            <a:r>
+              <a:rPr lang="it-IT" dirty="0" err="1"/>
+              <a:t>a_k</a:t>
+            </a:r>
+            <a:r>
+              <a:rPr lang="it-IT" dirty="0"/>
+              <a:t> (Passa Alto)</a:t>
+            </a:r>
+          </a:p>
+          <a:p>
+            <a:r>
+              <a:rPr lang="it-IT" dirty="0"/>
+              <a:t>Provenendo da sensori diversi, le misurazioni della velocità di entrambi i rami presentano diverse perturbazioni del rumore.</a:t>
+            </a:r>
+          </a:p>
+        </p:txBody>
+      </p:sp>
+      <p:sp>
+        <p:nvSpPr>
+          <p:cNvPr id="8" name="CasellaDiTesto 7">
+            <a:extLst>
+              <a:ext uri="{FF2B5EF4-FFF2-40B4-BE49-F238E27FC236}">
+                <a16:creationId xmlns:a16="http://schemas.microsoft.com/office/drawing/2014/main" id="{DA96A236-C5BA-630A-898A-2F3AC56FA9CF}"/>
+              </a:ext>
+            </a:extLst>
+          </p:cNvPr>
+          <p:cNvSpPr txBox="1"/>
+          <p:nvPr/>
+        </p:nvSpPr>
+        <p:spPr>
+          <a:xfrm>
+            <a:off x="7372763" y="3266284"/>
+            <a:ext cx="4046648" cy="1754326"/>
+          </a:xfrm>
+          <a:prstGeom prst="rect">
+            <a:avLst/>
+          </a:prstGeom>
+          <a:noFill/>
+        </p:spPr>
+        <p:txBody>
+          <a:bodyPr wrap="square" rtlCol="0">
+            <a:spAutoFit/>
+          </a:bodyPr>
+          <a:lstStyle/>
+          <a:p>
+            <a:r>
+              <a:rPr lang="it-IT" dirty="0"/>
+              <a:t>Alpha </a:t>
+            </a:r>
+            <a:r>
+              <a:rPr lang="it-IT" dirty="0">
+                <a:latin typeface="Cambria Math" panose="02040503050406030204" pitchFamily="18" charset="0"/>
+                <a:ea typeface="Cambria Math" panose="02040503050406030204" pitchFamily="18" charset="0"/>
+              </a:rPr>
+              <a:t>∈ (0,1)</a:t>
+            </a:r>
+            <a:r>
+              <a:rPr lang="it-IT" dirty="0"/>
+              <a:t> è un parametro che indica la percentuale delle due grandezze di ingresso che concorrono a determinare la stima della velocità. Nel nostro caso è stato scelto alpha= 0.985. </a:t>
+            </a:r>
+          </a:p>
+        </p:txBody>
+      </p:sp>
     </p:spTree>
+    <p:extLst>
+      <p:ext uri="{BB962C8B-B14F-4D97-AF65-F5344CB8AC3E}">
+        <p14:creationId xmlns:p14="http://schemas.microsoft.com/office/powerpoint/2010/main" val="1417616155"/>
+      </p:ext>
+    </p:extLst>
   </p:cSld>
   <p:clrMapOvr>
     <a:masterClrMapping/>
@@ -9753,298 +10300,6 @@
           </a:p>
         </p:txBody>
       </p:sp>
-      <p:sp>
-        <p:nvSpPr>
-          <p:cNvPr id="134" name="Segnaposto testo 25"/>
-          <p:cNvSpPr/>
-          <p:nvPr/>
-        </p:nvSpPr>
-        <p:spPr>
-          <a:xfrm>
-            <a:off x="775800" y="4559752"/>
-            <a:ext cx="9483840" cy="697680"/>
-          </a:xfrm>
-          <a:prstGeom prst="rect">
-            <a:avLst/>
-          </a:prstGeom>
-          <a:noFill/>
-          <a:ln w="0">
-            <a:noFill/>
-          </a:ln>
-        </p:spPr>
-        <p:style>
-          <a:lnRef idx="0">
-            <a:scrgbClr r="0" g="0" b="0"/>
-          </a:lnRef>
-          <a:fillRef idx="0">
-            <a:scrgbClr r="0" g="0" b="0"/>
-          </a:fillRef>
-          <a:effectRef idx="0">
-            <a:scrgbClr r="0" g="0" b="0"/>
-          </a:effectRef>
-          <a:fontRef idx="minor"/>
-        </p:style>
-        <p:txBody>
-          <a:bodyPr lIns="90000" tIns="45000" rIns="90000" bIns="45000" anchor="t">
-            <a:noAutofit/>
-          </a:bodyPr>
-          <a:lstStyle/>
-          <a:p>
-            <a:pPr marL="7920">
-              <a:lnSpc>
-                <a:spcPct val="150000"/>
-              </a:lnSpc>
-              <a:spcBef>
-                <a:spcPts val="1001"/>
-              </a:spcBef>
-              <a:buNone/>
-              <a:tabLst>
-                <a:tab pos="0" algn="l"/>
-              </a:tabLst>
-            </a:pPr>
-            <a:r>
-              <a:rPr lang="en-US" sz="1800" b="0" strike="noStrike" spc="-1" dirty="0" err="1">
-                <a:solidFill>
-                  <a:srgbClr val="000000"/>
-                </a:solidFill>
-                <a:latin typeface="Verdana"/>
-              </a:rPr>
-              <a:t>Qualcosa</a:t>
-            </a:r>
-            <a:r>
-              <a:rPr lang="en-US" sz="1800" b="0" strike="noStrike" spc="-1" dirty="0">
-                <a:solidFill>
-                  <a:srgbClr val="000000"/>
-                </a:solidFill>
-                <a:latin typeface="Verdana"/>
-              </a:rPr>
-              <a:t> </a:t>
-            </a:r>
-            <a:r>
-              <a:rPr lang="en-US" sz="1800" b="0" strike="noStrike" spc="-1" dirty="0" err="1">
-                <a:solidFill>
-                  <a:srgbClr val="000000"/>
-                </a:solidFill>
-                <a:latin typeface="Verdana"/>
-              </a:rPr>
-              <a:t>sul</a:t>
-            </a:r>
-            <a:r>
-              <a:rPr lang="en-US" sz="1800" b="0" strike="noStrike" spc="-1" dirty="0">
-                <a:solidFill>
-                  <a:srgbClr val="000000"/>
-                </a:solidFill>
-                <a:latin typeface="Verdana"/>
-              </a:rPr>
-              <a:t> PID Tuner/ </a:t>
-            </a:r>
-            <a:r>
-              <a:rPr lang="en-US" sz="1800" b="0" strike="noStrike" spc="-1" dirty="0" err="1">
-                <a:solidFill>
-                  <a:srgbClr val="000000"/>
-                </a:solidFill>
-                <a:latin typeface="Verdana"/>
-              </a:rPr>
-              <a:t>Identificazione</a:t>
-            </a:r>
-            <a:r>
-              <a:rPr lang="en-US" sz="1800" b="0" strike="noStrike" spc="-1" dirty="0">
-                <a:solidFill>
-                  <a:srgbClr val="000000"/>
-                </a:solidFill>
-                <a:latin typeface="Verdana"/>
-              </a:rPr>
-              <a:t>?</a:t>
-            </a:r>
-            <a:endParaRPr lang="it-IT" sz="1800" b="0" strike="noStrike" spc="-1" dirty="0">
-              <a:latin typeface="Arial"/>
-            </a:endParaRPr>
-          </a:p>
-        </p:txBody>
-      </p:sp>
-      <mc:AlternateContent xmlns:mc="http://schemas.openxmlformats.org/markup-compatibility/2006" xmlns:a14="http://schemas.microsoft.com/office/drawing/2010/main">
-        <mc:Choice Requires="a14">
-          <p:sp>
-            <p:nvSpPr>
-              <p:cNvPr id="4" name="CasellaDiTesto 3">
-                <a:extLst>
-                  <a:ext uri="{FF2B5EF4-FFF2-40B4-BE49-F238E27FC236}">
-                    <a16:creationId xmlns:a16="http://schemas.microsoft.com/office/drawing/2014/main" id="{C28B4AA3-F585-B148-BFC2-B7BC371DB3B9}"/>
-                  </a:ext>
-                </a:extLst>
-              </p:cNvPr>
-              <p:cNvSpPr txBox="1"/>
-              <p:nvPr/>
-            </p:nvSpPr>
-            <p:spPr>
-              <a:xfrm>
-                <a:off x="4048625" y="5450887"/>
-                <a:ext cx="3134228" cy="298415"/>
-              </a:xfrm>
-              <a:prstGeom prst="rect">
-                <a:avLst/>
-              </a:prstGeom>
-              <a:noFill/>
-            </p:spPr>
-            <p:txBody>
-              <a:bodyPr wrap="square" lIns="0" tIns="0" rIns="0" bIns="0" rtlCol="0">
-                <a:spAutoFit/>
-              </a:bodyPr>
-              <a:lstStyle/>
-              <a:p>
-                <a:pPr/>
-                <a14:m>
-                  <m:oMathPara xmlns:m="http://schemas.openxmlformats.org/officeDocument/2006/math">
-                    <m:oMathParaPr>
-                      <m:jc m:val="centerGroup"/>
-                    </m:oMathParaPr>
-                    <m:oMath xmlns:m="http://schemas.openxmlformats.org/officeDocument/2006/math">
-                      <m:sSub>
-                        <m:sSubPr>
-                          <m:ctrlPr>
-                            <a:rPr lang="it-IT" i="1" smtClean="0">
-                              <a:latin typeface="Cambria Math" panose="02040503050406030204" pitchFamily="18" charset="0"/>
-                            </a:rPr>
-                          </m:ctrlPr>
-                        </m:sSubPr>
-                        <m:e>
-                          <m:r>
-                            <a:rPr lang="it-IT" b="0" i="1" smtClean="0">
-                              <a:latin typeface="Cambria Math" panose="02040503050406030204" pitchFamily="18" charset="0"/>
-                            </a:rPr>
-                            <m:t>𝑘</m:t>
-                          </m:r>
-                        </m:e>
-                        <m:sub>
-                          <m:r>
-                            <a:rPr lang="it-IT" b="0" i="1" smtClean="0">
-                              <a:latin typeface="Cambria Math" panose="02040503050406030204" pitchFamily="18" charset="0"/>
-                            </a:rPr>
-                            <m:t>𝑝</m:t>
-                          </m:r>
-                        </m:sub>
-                      </m:sSub>
-                      <m:r>
-                        <a:rPr lang="it-IT" b="0" i="1" smtClean="0">
-                          <a:latin typeface="Cambria Math" panose="02040503050406030204" pitchFamily="18" charset="0"/>
-                        </a:rPr>
-                        <m:t>=          </m:t>
-                      </m:r>
-                      <m:sSub>
-                        <m:sSubPr>
-                          <m:ctrlPr>
-                            <a:rPr lang="it-IT" b="0" i="1" smtClean="0">
-                              <a:latin typeface="Cambria Math" panose="02040503050406030204" pitchFamily="18" charset="0"/>
-                            </a:rPr>
-                          </m:ctrlPr>
-                        </m:sSubPr>
-                        <m:e>
-                          <m:r>
-                            <a:rPr lang="it-IT" b="0" i="1" smtClean="0">
-                              <a:latin typeface="Cambria Math" panose="02040503050406030204" pitchFamily="18" charset="0"/>
-                            </a:rPr>
-                            <m:t>𝑘</m:t>
-                          </m:r>
-                        </m:e>
-                        <m:sub>
-                          <m:r>
-                            <a:rPr lang="it-IT" b="0" i="1" smtClean="0">
-                              <a:latin typeface="Cambria Math" panose="02040503050406030204" pitchFamily="18" charset="0"/>
-                            </a:rPr>
-                            <m:t>𝑖</m:t>
-                          </m:r>
-                        </m:sub>
-                      </m:sSub>
-                      <m:r>
-                        <a:rPr lang="it-IT" b="0" i="1" smtClean="0">
-                          <a:latin typeface="Cambria Math" panose="02040503050406030204" pitchFamily="18" charset="0"/>
-                        </a:rPr>
-                        <m:t>=           </m:t>
-                      </m:r>
-                      <m:sSub>
-                        <m:sSubPr>
-                          <m:ctrlPr>
-                            <a:rPr lang="it-IT" b="0" i="1" smtClean="0">
-                              <a:latin typeface="Cambria Math" panose="02040503050406030204" pitchFamily="18" charset="0"/>
-                            </a:rPr>
-                          </m:ctrlPr>
-                        </m:sSubPr>
-                        <m:e>
-                          <m:r>
-                            <a:rPr lang="it-IT" b="0" i="1" smtClean="0">
-                              <a:latin typeface="Cambria Math" panose="02040503050406030204" pitchFamily="18" charset="0"/>
-                            </a:rPr>
-                            <m:t>𝑘</m:t>
-                          </m:r>
-                        </m:e>
-                        <m:sub>
-                          <m:r>
-                            <a:rPr lang="it-IT" b="0" i="1" smtClean="0">
-                              <a:latin typeface="Cambria Math" panose="02040503050406030204" pitchFamily="18" charset="0"/>
-                            </a:rPr>
-                            <m:t>𝑑</m:t>
-                          </m:r>
-                        </m:sub>
-                      </m:sSub>
-                      <m:r>
-                        <a:rPr lang="it-IT" b="0" i="1" smtClean="0">
-                          <a:latin typeface="Cambria Math" panose="02040503050406030204" pitchFamily="18" charset="0"/>
-                        </a:rPr>
-                        <m:t>=</m:t>
-                      </m:r>
-                    </m:oMath>
-                  </m:oMathPara>
-                </a14:m>
-                <a:endParaRPr lang="it-IT" dirty="0"/>
-              </a:p>
-            </p:txBody>
-          </p:sp>
-        </mc:Choice>
-        <mc:Fallback xmlns="">
-          <p:sp>
-            <p:nvSpPr>
-              <p:cNvPr id="4" name="CasellaDiTesto 3">
-                <a:extLst>
-                  <a:ext uri="{FF2B5EF4-FFF2-40B4-BE49-F238E27FC236}">
-                    <a16:creationId xmlns:a16="http://schemas.microsoft.com/office/drawing/2014/main" id="{C28B4AA3-F585-B148-BFC2-B7BC371DB3B9}"/>
-                  </a:ext>
-                </a:extLst>
-              </p:cNvPr>
-              <p:cNvSpPr txBox="1">
-                <a:spLocks noRot="1" noChangeAspect="1" noMove="1" noResize="1" noEditPoints="1" noAdjustHandles="1" noChangeArrowheads="1" noChangeShapeType="1" noTextEdit="1"/>
-              </p:cNvSpPr>
-              <p:nvPr/>
-            </p:nvSpPr>
-            <p:spPr>
-              <a:xfrm>
-                <a:off x="4048625" y="5450887"/>
-                <a:ext cx="3134228" cy="298415"/>
-              </a:xfrm>
-              <a:prstGeom prst="rect">
-                <a:avLst/>
-              </a:prstGeom>
-              <a:blipFill>
-                <a:blip r:embed="rId3"/>
-                <a:stretch>
-                  <a:fillRect t="-4000" b="-24000"/>
-                </a:stretch>
-              </a:blipFill>
-            </p:spPr>
-            <p:txBody>
-              <a:bodyPr/>
-              <a:lstStyle/>
-              <a:p>
-                <a:r>
-                  <a:rPr lang="it-IT">
-                    <a:noFill/>
-                  </a:rPr>
-                  <a:t> </a:t>
-                </a:r>
-              </a:p>
-            </p:txBody>
-          </p:sp>
-        </mc:Fallback>
-      </mc:AlternateContent>
       <p:pic>
         <p:nvPicPr>
           <p:cNvPr id="9" name="Elemento grafico 8">
@@ -10060,13 +10315,13 @@
           <p:nvPr/>
         </p:nvPicPr>
         <p:blipFill>
-          <a:blip r:embed="rId4">
+          <a:blip r:embed="rId3">
             <a:extLst>
               <a:ext uri="{28A0092B-C50C-407E-A947-70E740481C1C}">
                 <a14:useLocalDpi xmlns:a14="http://schemas.microsoft.com/office/drawing/2010/main" val="0"/>
               </a:ext>
               <a:ext uri="{96DAC541-7B7A-43D3-8B79-37D633B846F1}">
-                <asvg:svgBlip xmlns:asvg="http://schemas.microsoft.com/office/drawing/2016/SVG/main" r:embed="rId5"/>
+                <asvg:svgBlip xmlns:asvg="http://schemas.microsoft.com/office/drawing/2016/SVG/main" r:embed="rId4"/>
               </a:ext>
             </a:extLst>
           </a:blip>
@@ -10076,7 +10331,7 @@
         </p:blipFill>
         <p:spPr>
           <a:xfrm>
-            <a:off x="348733" y="1600568"/>
+            <a:off x="1894833" y="2962441"/>
             <a:ext cx="8851900" cy="2565400"/>
           </a:xfrm>
           <a:prstGeom prst="rect">
@@ -10169,6 +10424,60 @@
           </a:p>
         </p:txBody>
       </p:sp>
+      <p:sp>
+        <p:nvSpPr>
+          <p:cNvPr id="3" name="CasellaDiTesto 2">
+            <a:extLst>
+              <a:ext uri="{FF2B5EF4-FFF2-40B4-BE49-F238E27FC236}">
+                <a16:creationId xmlns:a16="http://schemas.microsoft.com/office/drawing/2014/main" id="{153F9B87-19DC-A9B2-EDD9-7FAB758E85B9}"/>
+              </a:ext>
+            </a:extLst>
+          </p:cNvPr>
+          <p:cNvSpPr txBox="1"/>
+          <p:nvPr/>
+        </p:nvSpPr>
+        <p:spPr>
+          <a:xfrm>
+            <a:off x="1079770" y="1811880"/>
+            <a:ext cx="9990307" cy="923330"/>
+          </a:xfrm>
+          <a:prstGeom prst="rect">
+            <a:avLst/>
+          </a:prstGeom>
+          <a:noFill/>
+        </p:spPr>
+        <p:txBody>
+          <a:bodyPr wrap="square" rtlCol="0">
+            <a:spAutoFit/>
+          </a:bodyPr>
+          <a:lstStyle/>
+          <a:p>
+            <a:r>
+              <a:rPr lang="it-IT" dirty="0"/>
+              <a:t>Per il controllo del </a:t>
+            </a:r>
+            <a:r>
+              <a:rPr lang="it-IT" dirty="0" err="1"/>
+              <a:t>throttle</a:t>
+            </a:r>
+            <a:r>
+              <a:rPr lang="it-IT" dirty="0"/>
+              <a:t> e dello sterzo sono stati implementati due PID. Per evitare il fenomeno del wind-up è stata impiegata la tecnica del </a:t>
+            </a:r>
+            <a:r>
+              <a:rPr lang="it-IT" dirty="0" err="1"/>
+              <a:t>Clamping</a:t>
+            </a:r>
+            <a:r>
+              <a:rPr lang="it-IT" dirty="0"/>
+              <a:t>.  </a:t>
+            </a:r>
+          </a:p>
+          <a:p>
+            <a:endParaRPr lang="it-IT" dirty="0"/>
+          </a:p>
+        </p:txBody>
+      </p:sp>
     </p:spTree>
   </p:cSld>
   <p:clrMapOvr>
@@ -10178,6 +10487,664 @@
 </file>
 
 <file path=ppt/slides/slide12.xml><?xml version="1.0" encoding="utf-8"?>
+<p:sld xmlns:a="http://schemas.openxmlformats.org/drawingml/2006/main" xmlns:r="http://schemas.openxmlformats.org/officeDocument/2006/relationships" xmlns:p="http://schemas.openxmlformats.org/presentationml/2006/main">
+  <p:cSld>
+    <p:spTree>
+      <p:nvGrpSpPr>
+        <p:cNvPr id="1" name=""/>
+        <p:cNvGrpSpPr/>
+        <p:nvPr/>
+      </p:nvGrpSpPr>
+      <p:grpSpPr>
+        <a:xfrm>
+          <a:off x="0" y="0"/>
+          <a:ext cx="0" cy="0"/>
+          <a:chOff x="0" y="0"/>
+          <a:chExt cx="0" cy="0"/>
+        </a:xfrm>
+      </p:grpSpPr>
+      <p:sp>
+        <p:nvSpPr>
+          <p:cNvPr id="132" name="PlaceHolder 2"/>
+          <p:cNvSpPr>
+            <a:spLocks noGrp="1"/>
+          </p:cNvSpPr>
+          <p:nvPr>
+            <p:ph type="title"/>
+          </p:nvPr>
+        </p:nvSpPr>
+        <p:spPr>
+          <a:xfrm>
+            <a:off x="775800" y="957960"/>
+            <a:ext cx="8793360" cy="853920"/>
+          </a:xfrm>
+          <a:prstGeom prst="rect">
+            <a:avLst/>
+          </a:prstGeom>
+          <a:noFill/>
+          <a:ln w="0">
+            <a:noFill/>
+          </a:ln>
+        </p:spPr>
+        <p:txBody>
+          <a:bodyPr lIns="90000" tIns="45000" rIns="90000" bIns="45000" anchor="t">
+            <a:noAutofit/>
+          </a:bodyPr>
+          <a:lstStyle/>
+          <a:p>
+            <a:pPr>
+              <a:lnSpc>
+                <a:spcPct val="90000"/>
+              </a:lnSpc>
+              <a:buNone/>
+            </a:pPr>
+            <a:r>
+              <a:rPr lang="it-IT" sz="2200" b="1" strike="noStrike" spc="-1">
+                <a:solidFill>
+                  <a:srgbClr val="000000"/>
+                </a:solidFill>
+                <a:latin typeface="Verdana"/>
+                <a:ea typeface="Verdana"/>
+              </a:rPr>
+              <a:t>Nodo convertitore</a:t>
+            </a:r>
+            <a:endParaRPr lang="it-IT" sz="2200" b="0" strike="noStrike" spc="-1">
+              <a:latin typeface="Arial"/>
+            </a:endParaRPr>
+          </a:p>
+        </p:txBody>
+      </p:sp>
+      <p:sp>
+        <p:nvSpPr>
+          <p:cNvPr id="2" name="PlaceHolder 1">
+            <a:extLst>
+              <a:ext uri="{FF2B5EF4-FFF2-40B4-BE49-F238E27FC236}">
+                <a16:creationId xmlns:a16="http://schemas.microsoft.com/office/drawing/2014/main" id="{0C5C39D3-54BE-213F-7B22-3570A84EB1B0}"/>
+              </a:ext>
+            </a:extLst>
+          </p:cNvPr>
+          <p:cNvSpPr txBox="1">
+            <a:spLocks/>
+          </p:cNvSpPr>
+          <p:nvPr/>
+        </p:nvSpPr>
+        <p:spPr>
+          <a:xfrm>
+            <a:off x="328680" y="6607440"/>
+            <a:ext cx="10119600" cy="249840"/>
+          </a:xfrm>
+          <a:prstGeom prst="rect">
+            <a:avLst/>
+          </a:prstGeom>
+          <a:noFill/>
+          <a:ln w="0">
+            <a:noFill/>
+          </a:ln>
+        </p:spPr>
+        <p:txBody>
+          <a:bodyPr lIns="90000" tIns="45000" rIns="90000" bIns="45000" anchor="t">
+            <a:noAutofit/>
+          </a:bodyPr>
+          <a:lstStyle>
+            <a:lvl1pPr algn="l" defTabSz="914400" rtl="0" eaLnBrk="1" latinLnBrk="0" hangingPunct="1">
+              <a:lnSpc>
+                <a:spcPct val="90000"/>
+              </a:lnSpc>
+              <a:spcBef>
+                <a:spcPct val="0"/>
+              </a:spcBef>
+              <a:buNone/>
+              <a:defRPr sz="4400" kern="1200">
+                <a:solidFill>
+                  <a:schemeClr val="tx1"/>
+                </a:solidFill>
+                <a:latin typeface="+mj-lt"/>
+                <a:ea typeface="+mj-ea"/>
+                <a:cs typeface="+mj-cs"/>
+              </a:defRPr>
+            </a:lvl1pPr>
+          </a:lstStyle>
+          <a:p>
+            <a:pPr marL="228600" indent="-228600">
+              <a:spcBef>
+                <a:spcPts val="1001"/>
+              </a:spcBef>
+              <a:tabLst>
+                <a:tab pos="0" algn="l"/>
+              </a:tabLst>
+            </a:pPr>
+            <a:r>
+              <a:rPr lang="it-IT" sz="1100" spc="-1" dirty="0">
+                <a:solidFill>
+                  <a:srgbClr val="FFFFFF"/>
+                </a:solidFill>
+                <a:latin typeface="Verdana"/>
+                <a:ea typeface="Verdana"/>
+              </a:rPr>
+              <a:t>Controllo tramite Potenziali Artificiali di un Rover con marker </a:t>
+            </a:r>
+            <a:r>
+              <a:rPr lang="it-IT" sz="1100" spc="-1" dirty="0" err="1">
+                <a:solidFill>
+                  <a:srgbClr val="FFFFFF"/>
+                </a:solidFill>
+                <a:latin typeface="Verdana"/>
+                <a:ea typeface="Verdana"/>
+              </a:rPr>
+              <a:t>ArUco</a:t>
+            </a:r>
+            <a:endParaRPr lang="it-IT" sz="1100" spc="-1" dirty="0">
+              <a:latin typeface="Arial"/>
+            </a:endParaRPr>
+          </a:p>
+        </p:txBody>
+      </p:sp>
+      <p:sp>
+        <p:nvSpPr>
+          <p:cNvPr id="7" name="CasellaDiTesto 6">
+            <a:extLst>
+              <a:ext uri="{FF2B5EF4-FFF2-40B4-BE49-F238E27FC236}">
+                <a16:creationId xmlns:a16="http://schemas.microsoft.com/office/drawing/2014/main" id="{38B996D4-98C8-761F-FFC8-FCB79F0093AB}"/>
+              </a:ext>
+            </a:extLst>
+          </p:cNvPr>
+          <p:cNvSpPr txBox="1"/>
+          <p:nvPr/>
+        </p:nvSpPr>
+        <p:spPr>
+          <a:xfrm>
+            <a:off x="775800" y="3374724"/>
+            <a:ext cx="9826997" cy="646331"/>
+          </a:xfrm>
+          <a:prstGeom prst="rect">
+            <a:avLst/>
+          </a:prstGeom>
+          <a:noFill/>
+        </p:spPr>
+        <p:txBody>
+          <a:bodyPr wrap="square" rtlCol="0">
+            <a:spAutoFit/>
+          </a:bodyPr>
+          <a:lstStyle/>
+          <a:p>
+            <a:r>
+              <a:rPr lang="it-IT" dirty="0"/>
+              <a:t>Il nodo di controllo non fornisce direttamente una </a:t>
+            </a:r>
+            <a:r>
+              <a:rPr lang="it-IT" dirty="0" err="1"/>
+              <a:t>theta_des</a:t>
+            </a:r>
+            <a:r>
+              <a:rPr lang="it-IT" dirty="0"/>
+              <a:t>, ma fornisce una </a:t>
+            </a:r>
+            <a:r>
+              <a:rPr lang="it-IT" dirty="0" err="1"/>
+              <a:t>omega_des</a:t>
+            </a:r>
+            <a:r>
+              <a:rPr lang="it-IT" dirty="0"/>
+              <a:t>. Quindi  il rifermento per il controllore su theta è dato da</a:t>
+            </a:r>
+          </a:p>
+        </p:txBody>
+      </p:sp>
+      <p:pic>
+        <p:nvPicPr>
+          <p:cNvPr id="8" name="Elemento grafico 7">
+            <a:extLst>
+              <a:ext uri="{FF2B5EF4-FFF2-40B4-BE49-F238E27FC236}">
+                <a16:creationId xmlns:a16="http://schemas.microsoft.com/office/drawing/2014/main" id="{A9CDDAF6-629A-60C2-547F-C1F2EC25E8D1}"/>
+              </a:ext>
+            </a:extLst>
+          </p:cNvPr>
+          <p:cNvPicPr>
+            <a:picLocks noChangeAspect="1"/>
+          </p:cNvPicPr>
+          <p:nvPr/>
+        </p:nvPicPr>
+        <p:blipFill>
+          <a:blip r:embed="rId3">
+            <a:extLst>
+              <a:ext uri="{28A0092B-C50C-407E-A947-70E740481C1C}">
+                <a14:useLocalDpi xmlns:a14="http://schemas.microsoft.com/office/drawing/2010/main" val="0"/>
+              </a:ext>
+              <a:ext uri="{96DAC541-7B7A-43D3-8B79-37D633B846F1}">
+                <asvg:svgBlip xmlns:asvg="http://schemas.microsoft.com/office/drawing/2016/SVG/main" r:embed="rId4"/>
+              </a:ext>
+            </a:extLst>
+          </a:blip>
+          <a:stretch>
+            <a:fillRect/>
+          </a:stretch>
+        </p:blipFill>
+        <p:spPr>
+          <a:xfrm>
+            <a:off x="1131389" y="4295266"/>
+            <a:ext cx="7089810" cy="506415"/>
+          </a:xfrm>
+          <a:prstGeom prst="rect">
+            <a:avLst/>
+          </a:prstGeom>
+        </p:spPr>
+      </p:pic>
+      <p:sp>
+        <p:nvSpPr>
+          <p:cNvPr id="10" name="CasellaDiTesto 9">
+            <a:extLst>
+              <a:ext uri="{FF2B5EF4-FFF2-40B4-BE49-F238E27FC236}">
+                <a16:creationId xmlns:a16="http://schemas.microsoft.com/office/drawing/2014/main" id="{07B51482-ED5A-5FC9-B9A7-F68E8BFC581D}"/>
+              </a:ext>
+            </a:extLst>
+          </p:cNvPr>
+          <p:cNvSpPr txBox="1"/>
+          <p:nvPr/>
+        </p:nvSpPr>
+        <p:spPr>
+          <a:xfrm>
+            <a:off x="809549" y="4988979"/>
+            <a:ext cx="7733490" cy="369332"/>
+          </a:xfrm>
+          <a:prstGeom prst="rect">
+            <a:avLst/>
+          </a:prstGeom>
+          <a:noFill/>
+        </p:spPr>
+        <p:txBody>
+          <a:bodyPr wrap="square" rtlCol="0">
+            <a:spAutoFit/>
+          </a:bodyPr>
+          <a:lstStyle/>
+          <a:p>
+            <a:r>
+              <a:rPr lang="it-IT" dirty="0"/>
+              <a:t>Mentre il theta attuale è dato dalla ZED. </a:t>
+            </a:r>
+          </a:p>
+        </p:txBody>
+      </p:sp>
+      <p:sp>
+        <p:nvSpPr>
+          <p:cNvPr id="12" name="CasellaDiTesto 11">
+            <a:extLst>
+              <a:ext uri="{FF2B5EF4-FFF2-40B4-BE49-F238E27FC236}">
+                <a16:creationId xmlns:a16="http://schemas.microsoft.com/office/drawing/2014/main" id="{C6672EA2-95F5-2DDB-8629-CF8A77C12FFE}"/>
+              </a:ext>
+            </a:extLst>
+          </p:cNvPr>
+          <p:cNvSpPr txBox="1"/>
+          <p:nvPr/>
+        </p:nvSpPr>
+        <p:spPr>
+          <a:xfrm>
+            <a:off x="775800" y="1792823"/>
+            <a:ext cx="9117230" cy="646331"/>
+          </a:xfrm>
+          <a:prstGeom prst="rect">
+            <a:avLst/>
+          </a:prstGeom>
+          <a:noFill/>
+        </p:spPr>
+        <p:txBody>
+          <a:bodyPr wrap="square">
+            <a:spAutoFit/>
+          </a:bodyPr>
+          <a:lstStyle/>
+          <a:p>
+            <a:r>
+              <a:rPr lang="it-IT" dirty="0"/>
+              <a:t>Il riferimento per il controllore su v è dato dal nodo di controllo, mentre il valore attuale della v è quello stimato dal filtro complementare.</a:t>
+            </a:r>
+          </a:p>
+        </p:txBody>
+      </p:sp>
+      <p:pic>
+        <p:nvPicPr>
+          <p:cNvPr id="14" name="Elemento grafico 13">
+            <a:extLst>
+              <a:ext uri="{FF2B5EF4-FFF2-40B4-BE49-F238E27FC236}">
+                <a16:creationId xmlns:a16="http://schemas.microsoft.com/office/drawing/2014/main" id="{0BBCE3FD-02F7-FAC9-B3E1-FF8010C79215}"/>
+              </a:ext>
+            </a:extLst>
+          </p:cNvPr>
+          <p:cNvPicPr>
+            <a:picLocks noChangeAspect="1"/>
+          </p:cNvPicPr>
+          <p:nvPr/>
+        </p:nvPicPr>
+        <p:blipFill>
+          <a:blip r:embed="rId5">
+            <a:extLst>
+              <a:ext uri="{28A0092B-C50C-407E-A947-70E740481C1C}">
+                <a14:useLocalDpi xmlns:a14="http://schemas.microsoft.com/office/drawing/2010/main" val="0"/>
+              </a:ext>
+              <a:ext uri="{96DAC541-7B7A-43D3-8B79-37D633B846F1}">
+                <asvg:svgBlip xmlns:asvg="http://schemas.microsoft.com/office/drawing/2016/SVG/main" r:embed="rId6"/>
+              </a:ext>
+            </a:extLst>
+          </a:blip>
+          <a:stretch>
+            <a:fillRect/>
+          </a:stretch>
+        </p:blipFill>
+        <p:spPr>
+          <a:xfrm>
+            <a:off x="1495931" y="2680911"/>
+            <a:ext cx="2910699" cy="338016"/>
+          </a:xfrm>
+          <a:prstGeom prst="rect">
+            <a:avLst/>
+          </a:prstGeom>
+        </p:spPr>
+      </p:pic>
+      <p:pic>
+        <p:nvPicPr>
+          <p:cNvPr id="17" name="Elemento grafico 16">
+            <a:extLst>
+              <a:ext uri="{FF2B5EF4-FFF2-40B4-BE49-F238E27FC236}">
+                <a16:creationId xmlns:a16="http://schemas.microsoft.com/office/drawing/2014/main" id="{7793A6BC-EFC3-3014-D488-846BAA3FC888}"/>
+              </a:ext>
+            </a:extLst>
+          </p:cNvPr>
+          <p:cNvPicPr>
+            <a:picLocks noChangeAspect="1"/>
+          </p:cNvPicPr>
+          <p:nvPr/>
+        </p:nvPicPr>
+        <p:blipFill>
+          <a:blip r:embed="rId7">
+            <a:extLst>
+              <a:ext uri="{28A0092B-C50C-407E-A947-70E740481C1C}">
+                <a14:useLocalDpi xmlns:a14="http://schemas.microsoft.com/office/drawing/2010/main" val="0"/>
+              </a:ext>
+              <a:ext uri="{96DAC541-7B7A-43D3-8B79-37D633B846F1}">
+                <asvg:svgBlip xmlns:asvg="http://schemas.microsoft.com/office/drawing/2016/SVG/main" r:embed="rId8"/>
+              </a:ext>
+            </a:extLst>
+          </a:blip>
+          <a:stretch>
+            <a:fillRect/>
+          </a:stretch>
+        </p:blipFill>
+        <p:spPr>
+          <a:xfrm>
+            <a:off x="1762529" y="5683880"/>
+            <a:ext cx="2403209" cy="296286"/>
+          </a:xfrm>
+          <a:prstGeom prst="rect">
+            <a:avLst/>
+          </a:prstGeom>
+        </p:spPr>
+      </p:pic>
+    </p:spTree>
+    <p:extLst>
+      <p:ext uri="{BB962C8B-B14F-4D97-AF65-F5344CB8AC3E}">
+        <p14:creationId xmlns:p14="http://schemas.microsoft.com/office/powerpoint/2010/main" val="485946590"/>
+      </p:ext>
+    </p:extLst>
+  </p:cSld>
+  <p:clrMapOvr>
+    <a:masterClrMapping/>
+  </p:clrMapOvr>
+</p:sld>
+</file>
+
+<file path=ppt/slides/slide13.xml><?xml version="1.0" encoding="utf-8"?>
+<p:sld xmlns:a="http://schemas.openxmlformats.org/drawingml/2006/main" xmlns:r="http://schemas.openxmlformats.org/officeDocument/2006/relationships" xmlns:p="http://schemas.openxmlformats.org/presentationml/2006/main">
+  <p:cSld>
+    <p:spTree>
+      <p:nvGrpSpPr>
+        <p:cNvPr id="1" name=""/>
+        <p:cNvGrpSpPr/>
+        <p:nvPr/>
+      </p:nvGrpSpPr>
+      <p:grpSpPr>
+        <a:xfrm>
+          <a:off x="0" y="0"/>
+          <a:ext cx="0" cy="0"/>
+          <a:chOff x="0" y="0"/>
+          <a:chExt cx="0" cy="0"/>
+        </a:xfrm>
+      </p:grpSpPr>
+      <p:sp>
+        <p:nvSpPr>
+          <p:cNvPr id="132" name="PlaceHolder 2"/>
+          <p:cNvSpPr>
+            <a:spLocks noGrp="1"/>
+          </p:cNvSpPr>
+          <p:nvPr>
+            <p:ph type="title"/>
+          </p:nvPr>
+        </p:nvSpPr>
+        <p:spPr>
+          <a:xfrm>
+            <a:off x="775800" y="957960"/>
+            <a:ext cx="8793360" cy="853920"/>
+          </a:xfrm>
+          <a:prstGeom prst="rect">
+            <a:avLst/>
+          </a:prstGeom>
+          <a:noFill/>
+          <a:ln w="0">
+            <a:noFill/>
+          </a:ln>
+        </p:spPr>
+        <p:txBody>
+          <a:bodyPr lIns="90000" tIns="45000" rIns="90000" bIns="45000" anchor="t">
+            <a:noAutofit/>
+          </a:bodyPr>
+          <a:lstStyle/>
+          <a:p>
+            <a:pPr>
+              <a:lnSpc>
+                <a:spcPct val="90000"/>
+              </a:lnSpc>
+              <a:buNone/>
+            </a:pPr>
+            <a:r>
+              <a:rPr lang="it-IT" sz="2200" b="1" strike="noStrike" spc="-1">
+                <a:solidFill>
+                  <a:srgbClr val="000000"/>
+                </a:solidFill>
+                <a:latin typeface="Verdana"/>
+                <a:ea typeface="Verdana"/>
+              </a:rPr>
+              <a:t>Nodo convertitore</a:t>
+            </a:r>
+            <a:endParaRPr lang="it-IT" sz="2200" b="0" strike="noStrike" spc="-1">
+              <a:latin typeface="Arial"/>
+            </a:endParaRPr>
+          </a:p>
+        </p:txBody>
+      </p:sp>
+      <p:sp>
+        <p:nvSpPr>
+          <p:cNvPr id="2" name="PlaceHolder 1">
+            <a:extLst>
+              <a:ext uri="{FF2B5EF4-FFF2-40B4-BE49-F238E27FC236}">
+                <a16:creationId xmlns:a16="http://schemas.microsoft.com/office/drawing/2014/main" id="{0C5C39D3-54BE-213F-7B22-3570A84EB1B0}"/>
+              </a:ext>
+            </a:extLst>
+          </p:cNvPr>
+          <p:cNvSpPr txBox="1">
+            <a:spLocks/>
+          </p:cNvSpPr>
+          <p:nvPr/>
+        </p:nvSpPr>
+        <p:spPr>
+          <a:xfrm>
+            <a:off x="328680" y="6607440"/>
+            <a:ext cx="10119600" cy="249840"/>
+          </a:xfrm>
+          <a:prstGeom prst="rect">
+            <a:avLst/>
+          </a:prstGeom>
+          <a:noFill/>
+          <a:ln w="0">
+            <a:noFill/>
+          </a:ln>
+        </p:spPr>
+        <p:txBody>
+          <a:bodyPr lIns="90000" tIns="45000" rIns="90000" bIns="45000" anchor="t">
+            <a:noAutofit/>
+          </a:bodyPr>
+          <a:lstStyle>
+            <a:lvl1pPr algn="l" defTabSz="914400" rtl="0" eaLnBrk="1" latinLnBrk="0" hangingPunct="1">
+              <a:lnSpc>
+                <a:spcPct val="90000"/>
+              </a:lnSpc>
+              <a:spcBef>
+                <a:spcPct val="0"/>
+              </a:spcBef>
+              <a:buNone/>
+              <a:defRPr sz="4400" kern="1200">
+                <a:solidFill>
+                  <a:schemeClr val="tx1"/>
+                </a:solidFill>
+                <a:latin typeface="+mj-lt"/>
+                <a:ea typeface="+mj-ea"/>
+                <a:cs typeface="+mj-cs"/>
+              </a:defRPr>
+            </a:lvl1pPr>
+          </a:lstStyle>
+          <a:p>
+            <a:pPr marL="228600" indent="-228600">
+              <a:spcBef>
+                <a:spcPts val="1001"/>
+              </a:spcBef>
+              <a:tabLst>
+                <a:tab pos="0" algn="l"/>
+              </a:tabLst>
+            </a:pPr>
+            <a:r>
+              <a:rPr lang="it-IT" sz="1100" spc="-1" dirty="0">
+                <a:solidFill>
+                  <a:srgbClr val="FFFFFF"/>
+                </a:solidFill>
+                <a:latin typeface="Verdana"/>
+                <a:ea typeface="Verdana"/>
+              </a:rPr>
+              <a:t>Controllo tramite Potenziali Artificiali di un Rover con marker </a:t>
+            </a:r>
+            <a:r>
+              <a:rPr lang="it-IT" sz="1100" spc="-1" dirty="0" err="1">
+                <a:solidFill>
+                  <a:srgbClr val="FFFFFF"/>
+                </a:solidFill>
+                <a:latin typeface="Verdana"/>
+                <a:ea typeface="Verdana"/>
+              </a:rPr>
+              <a:t>ArUco</a:t>
+            </a:r>
+            <a:endParaRPr lang="it-IT" sz="1100" spc="-1" dirty="0">
+              <a:latin typeface="Arial"/>
+            </a:endParaRPr>
+          </a:p>
+        </p:txBody>
+      </p:sp>
+      <p:pic>
+        <p:nvPicPr>
+          <p:cNvPr id="6" name="Elemento grafico 5">
+            <a:extLst>
+              <a:ext uri="{FF2B5EF4-FFF2-40B4-BE49-F238E27FC236}">
+                <a16:creationId xmlns:a16="http://schemas.microsoft.com/office/drawing/2014/main" id="{21012156-1CC8-3977-47CF-4480FB33FD98}"/>
+              </a:ext>
+            </a:extLst>
+          </p:cNvPr>
+          <p:cNvPicPr>
+            <a:picLocks noChangeAspect="1"/>
+          </p:cNvPicPr>
+          <p:nvPr/>
+        </p:nvPicPr>
+        <p:blipFill>
+          <a:blip r:embed="rId3">
+            <a:extLst>
+              <a:ext uri="{28A0092B-C50C-407E-A947-70E740481C1C}">
+                <a14:useLocalDpi xmlns:a14="http://schemas.microsoft.com/office/drawing/2010/main" val="0"/>
+              </a:ext>
+              <a:ext uri="{96DAC541-7B7A-43D3-8B79-37D633B846F1}">
+                <asvg:svgBlip xmlns:asvg="http://schemas.microsoft.com/office/drawing/2016/SVG/main" r:embed="rId4"/>
+              </a:ext>
+            </a:extLst>
+          </a:blip>
+          <a:stretch>
+            <a:fillRect/>
+          </a:stretch>
+        </p:blipFill>
+        <p:spPr>
+          <a:xfrm>
+            <a:off x="3496664" y="3882536"/>
+            <a:ext cx="5198672" cy="1065787"/>
+          </a:xfrm>
+          <a:prstGeom prst="rect">
+            <a:avLst/>
+          </a:prstGeom>
+        </p:spPr>
+      </p:pic>
+      <p:sp>
+        <p:nvSpPr>
+          <p:cNvPr id="4" name="CasellaDiTesto 3">
+            <a:extLst>
+              <a:ext uri="{FF2B5EF4-FFF2-40B4-BE49-F238E27FC236}">
+                <a16:creationId xmlns:a16="http://schemas.microsoft.com/office/drawing/2014/main" id="{8B4F4B60-C80B-3DC3-BB2A-5EA9D5EF34BC}"/>
+              </a:ext>
+            </a:extLst>
+          </p:cNvPr>
+          <p:cNvSpPr txBox="1"/>
+          <p:nvPr/>
+        </p:nvSpPr>
+        <p:spPr>
+          <a:xfrm>
+            <a:off x="566635" y="1811880"/>
+            <a:ext cx="11242744" cy="1200329"/>
+          </a:xfrm>
+          <a:prstGeom prst="rect">
+            <a:avLst/>
+          </a:prstGeom>
+          <a:noFill/>
+        </p:spPr>
+        <p:txBody>
+          <a:bodyPr wrap="square">
+            <a:spAutoFit/>
+          </a:bodyPr>
+          <a:lstStyle/>
+          <a:p>
+            <a:r>
+              <a:rPr lang="it-IT" dirty="0"/>
+              <a:t>Per settare i guadagni del PID è stata usata l'applicazione PID Tuner disponibile su MATLAB. Infatti, tramite l'</a:t>
+            </a:r>
+            <a:r>
+              <a:rPr lang="it-IT" dirty="0" err="1"/>
+              <a:t>Identification</a:t>
+            </a:r>
+            <a:r>
+              <a:rPr lang="it-IT" dirty="0"/>
+              <a:t> Toolbox di MATLAB è stato possibile definire, dati dei campioni ottenuti sperimentalmente dal rover, la risposta del sistema ad un gradino. </a:t>
+            </a:r>
+          </a:p>
+          <a:p>
+            <a:r>
+              <a:rPr lang="it-IT" dirty="0"/>
+              <a:t>Tali guadagni sono poi stati modificati a seguito di prove sperimentali.</a:t>
+            </a:r>
+          </a:p>
+        </p:txBody>
+      </p:sp>
+    </p:spTree>
+    <p:extLst>
+      <p:ext uri="{BB962C8B-B14F-4D97-AF65-F5344CB8AC3E}">
+        <p14:creationId xmlns:p14="http://schemas.microsoft.com/office/powerpoint/2010/main" val="2297798542"/>
+      </p:ext>
+    </p:extLst>
+  </p:cSld>
+  <p:clrMapOvr>
+    <a:masterClrMapping/>
+  </p:clrMapOvr>
+</p:sld>
+</file>
+
+<file path=ppt/slides/slide14.xml><?xml version="1.0" encoding="utf-8"?>
 <p:sld xmlns:a="http://schemas.openxmlformats.org/drawingml/2006/main" xmlns:r="http://schemas.openxmlformats.org/officeDocument/2006/relationships" xmlns:p="http://schemas.openxmlformats.org/presentationml/2006/main">
   <p:cSld>
     <p:spTree>
@@ -10500,7 +11467,7 @@
 </p:sld>
 </file>
 
-<file path=ppt/slides/slide13.xml><?xml version="1.0" encoding="utf-8"?>
+<file path=ppt/slides/slide15.xml><?xml version="1.0" encoding="utf-8"?>
 <p:sld xmlns:a="http://schemas.openxmlformats.org/drawingml/2006/main" xmlns:r="http://schemas.openxmlformats.org/officeDocument/2006/relationships" xmlns:p="http://schemas.openxmlformats.org/presentationml/2006/main">
   <p:cSld>
     <p:spTree>
@@ -10842,7 +11809,7 @@
 </p:sld>
 </file>
 
-<file path=ppt/slides/slide14.xml><?xml version="1.0" encoding="utf-8"?>
+<file path=ppt/slides/slide16.xml><?xml version="1.0" encoding="utf-8"?>
 <p:sld xmlns:a="http://schemas.openxmlformats.org/drawingml/2006/main" xmlns:r="http://schemas.openxmlformats.org/officeDocument/2006/relationships" xmlns:p="http://schemas.openxmlformats.org/presentationml/2006/main">
   <p:cSld>
     <p:spTree>
@@ -10895,7 +11862,7 @@
               <a:buNone/>
             </a:pPr>
             <a:r>
-              <a:rPr lang="it-IT" sz="2200" b="1" strike="noStrike" spc="-1">
+              <a:rPr lang="it-IT" sz="2200" b="1" strike="noStrike" spc="-1" dirty="0">
                 <a:solidFill>
                   <a:srgbClr val="000000"/>
                 </a:solidFill>
@@ -10904,7 +11871,7 @@
               </a:rPr>
               <a:t>Risultati</a:t>
             </a:r>
-            <a:endParaRPr lang="it-IT" sz="2200" b="0" strike="noStrike" spc="-1">
+            <a:endParaRPr lang="it-IT" sz="2200" b="0" strike="noStrike" spc="-1" dirty="0">
               <a:latin typeface="Arial"/>
             </a:endParaRPr>
           </a:p>
@@ -11049,7 +12016,7 @@
         <p:spPr>
           <a:xfrm>
             <a:off x="143854" y="2828835"/>
-            <a:ext cx="3056546" cy="1200329"/>
+            <a:ext cx="3056546" cy="1477328"/>
           </a:xfrm>
           <a:prstGeom prst="rect">
             <a:avLst/>
@@ -11067,7 +12034,7 @@
                 <a:latin typeface="Verdana" panose="020B0604030504040204" pitchFamily="34" charset="0"/>
                 <a:ea typeface="Verdana" panose="020B0604030504040204" pitchFamily="34" charset="0"/>
               </a:rPr>
-              <a:t>Esecuzione traiettoria rettangolare con aggiunta di </a:t>
+              <a:t>Doppia esecuzione di una traiettoria rettangolare con aggiunta di </a:t>
             </a:r>
             <a:r>
               <a:rPr lang="it-IT" dirty="0" err="1">
@@ -11186,543 +12153,6 @@
     <p:extLst>
       <p:ext uri="{BB962C8B-B14F-4D97-AF65-F5344CB8AC3E}">
         <p14:creationId xmlns:p14="http://schemas.microsoft.com/office/powerpoint/2010/main" val="1816249934"/>
-      </p:ext>
-    </p:extLst>
-  </p:cSld>
-  <p:clrMapOvr>
-    <a:masterClrMapping/>
-  </p:clrMapOvr>
-</p:sld>
-</file>
-
-<file path=ppt/slides/slide15.xml><?xml version="1.0" encoding="utf-8"?>
-<p:sld xmlns:a="http://schemas.openxmlformats.org/drawingml/2006/main" xmlns:r="http://schemas.openxmlformats.org/officeDocument/2006/relationships" xmlns:p="http://schemas.openxmlformats.org/presentationml/2006/main">
-  <p:cSld>
-    <p:spTree>
-      <p:nvGrpSpPr>
-        <p:cNvPr id="1" name=""/>
-        <p:cNvGrpSpPr/>
-        <p:nvPr/>
-      </p:nvGrpSpPr>
-      <p:grpSpPr>
-        <a:xfrm>
-          <a:off x="0" y="0"/>
-          <a:ext cx="0" cy="0"/>
-          <a:chOff x="0" y="0"/>
-          <a:chExt cx="0" cy="0"/>
-        </a:xfrm>
-      </p:grpSpPr>
-      <p:sp>
-        <p:nvSpPr>
-          <p:cNvPr id="140" name="Titolo 7"/>
-          <p:cNvSpPr/>
-          <p:nvPr/>
-        </p:nvSpPr>
-        <p:spPr>
-          <a:xfrm>
-            <a:off x="776160" y="958320"/>
-            <a:ext cx="8793360" cy="853920"/>
-          </a:xfrm>
-          <a:prstGeom prst="rect">
-            <a:avLst/>
-          </a:prstGeom>
-          <a:noFill/>
-          <a:ln w="0">
-            <a:noFill/>
-          </a:ln>
-        </p:spPr>
-        <p:style>
-          <a:lnRef idx="0">
-            <a:scrgbClr r="0" g="0" b="0"/>
-          </a:lnRef>
-          <a:fillRef idx="0">
-            <a:scrgbClr r="0" g="0" b="0"/>
-          </a:fillRef>
-          <a:effectRef idx="0">
-            <a:scrgbClr r="0" g="0" b="0"/>
-          </a:effectRef>
-          <a:fontRef idx="minor"/>
-        </p:style>
-        <p:txBody>
-          <a:bodyPr lIns="90000" tIns="45000" rIns="90000" bIns="45000" anchor="t">
-            <a:noAutofit/>
-          </a:bodyPr>
-          <a:lstStyle/>
-          <a:p>
-            <a:pPr marL="0" marR="0" lvl="0" indent="0" algn="l" defTabSz="914400" rtl="0" eaLnBrk="1" fontAlgn="auto" latinLnBrk="0" hangingPunct="1">
-              <a:lnSpc>
-                <a:spcPct val="90000"/>
-              </a:lnSpc>
-              <a:spcBef>
-                <a:spcPts val="0"/>
-              </a:spcBef>
-              <a:spcAft>
-                <a:spcPts val="0"/>
-              </a:spcAft>
-              <a:buClrTx/>
-              <a:buSzTx/>
-              <a:buFontTx/>
-              <a:buNone/>
-              <a:tabLst/>
-              <a:defRPr/>
-            </a:pPr>
-            <a:r>
-              <a:rPr kumimoji="0" lang="it-IT" sz="2200" b="1" i="0" u="none" strike="noStrike" kern="1200" cap="none" spc="-1" normalizeH="0" baseline="0" noProof="0" dirty="0">
-                <a:ln>
-                  <a:noFill/>
-                </a:ln>
-                <a:solidFill>
-                  <a:srgbClr val="000000"/>
-                </a:solidFill>
-                <a:effectLst/>
-                <a:uLnTx/>
-                <a:uFillTx/>
-                <a:latin typeface="Verdana"/>
-                <a:ea typeface="Verdana"/>
-              </a:rPr>
-              <a:t>Discussione risultati</a:t>
-            </a:r>
-            <a:endParaRPr kumimoji="0" lang="it-IT" sz="2200" b="0" i="0" u="none" strike="noStrike" kern="1200" cap="none" spc="-1" normalizeH="0" baseline="0" noProof="0" dirty="0">
-              <a:ln>
-                <a:noFill/>
-              </a:ln>
-              <a:solidFill>
-                <a:prstClr val="black"/>
-              </a:solidFill>
-              <a:effectLst/>
-              <a:uLnTx/>
-              <a:uFillTx/>
-              <a:latin typeface="Arial"/>
-            </a:endParaRPr>
-          </a:p>
-        </p:txBody>
-      </p:sp>
-      <p:sp>
-        <p:nvSpPr>
-          <p:cNvPr id="2" name="PlaceHolder 1">
-            <a:extLst>
-              <a:ext uri="{FF2B5EF4-FFF2-40B4-BE49-F238E27FC236}">
-                <a16:creationId xmlns:a16="http://schemas.microsoft.com/office/drawing/2014/main" id="{7E96A9AE-094C-A7BB-D08F-FCD6B98AD78B}"/>
-              </a:ext>
-            </a:extLst>
-          </p:cNvPr>
-          <p:cNvSpPr txBox="1">
-            <a:spLocks/>
-          </p:cNvSpPr>
-          <p:nvPr/>
-        </p:nvSpPr>
-        <p:spPr>
-          <a:xfrm>
-            <a:off x="328680" y="6607440"/>
-            <a:ext cx="10119600" cy="249840"/>
-          </a:xfrm>
-          <a:prstGeom prst="rect">
-            <a:avLst/>
-          </a:prstGeom>
-          <a:noFill/>
-          <a:ln w="0">
-            <a:noFill/>
-          </a:ln>
-        </p:spPr>
-        <p:txBody>
-          <a:bodyPr lIns="90000" tIns="45000" rIns="90000" bIns="45000" anchor="t">
-            <a:noAutofit/>
-          </a:bodyPr>
-          <a:lstStyle>
-            <a:lvl1pPr algn="l" defTabSz="914400" rtl="0" eaLnBrk="1" latinLnBrk="0" hangingPunct="1">
-              <a:lnSpc>
-                <a:spcPct val="90000"/>
-              </a:lnSpc>
-              <a:spcBef>
-                <a:spcPct val="0"/>
-              </a:spcBef>
-              <a:buNone/>
-              <a:defRPr sz="4400" kern="1200">
-                <a:solidFill>
-                  <a:schemeClr val="tx1"/>
-                </a:solidFill>
-                <a:latin typeface="+mj-lt"/>
-                <a:ea typeface="+mj-ea"/>
-                <a:cs typeface="+mj-cs"/>
-              </a:defRPr>
-            </a:lvl1pPr>
-          </a:lstStyle>
-          <a:p>
-            <a:pPr marL="228600" indent="-228600">
-              <a:spcBef>
-                <a:spcPts val="1001"/>
-              </a:spcBef>
-              <a:tabLst>
-                <a:tab pos="0" algn="l"/>
-              </a:tabLst>
-            </a:pPr>
-            <a:r>
-              <a:rPr lang="it-IT" sz="1100" spc="-1" dirty="0">
-                <a:solidFill>
-                  <a:srgbClr val="FFFFFF"/>
-                </a:solidFill>
-                <a:latin typeface="Verdana"/>
-                <a:ea typeface="Verdana"/>
-              </a:rPr>
-              <a:t>Controllo tramite Potenziali Artificiali di un Rover con marker </a:t>
-            </a:r>
-            <a:r>
-              <a:rPr lang="it-IT" sz="1100" spc="-1" dirty="0" err="1">
-                <a:solidFill>
-                  <a:srgbClr val="FFFFFF"/>
-                </a:solidFill>
-                <a:latin typeface="Verdana"/>
-                <a:ea typeface="Verdana"/>
-              </a:rPr>
-              <a:t>ArUco</a:t>
-            </a:r>
-            <a:endParaRPr lang="it-IT" sz="1100" spc="-1" dirty="0">
-              <a:latin typeface="Arial"/>
-            </a:endParaRPr>
-          </a:p>
-        </p:txBody>
-      </p:sp>
-    </p:spTree>
-    <p:extLst>
-      <p:ext uri="{BB962C8B-B14F-4D97-AF65-F5344CB8AC3E}">
-        <p14:creationId xmlns:p14="http://schemas.microsoft.com/office/powerpoint/2010/main" val="3704356531"/>
-      </p:ext>
-    </p:extLst>
-  </p:cSld>
-  <p:clrMapOvr>
-    <a:masterClrMapping/>
-  </p:clrMapOvr>
-</p:sld>
-</file>
-
-<file path=ppt/slides/slide16.xml><?xml version="1.0" encoding="utf-8"?>
-<p:sld xmlns:a="http://schemas.openxmlformats.org/drawingml/2006/main" xmlns:r="http://schemas.openxmlformats.org/officeDocument/2006/relationships" xmlns:p="http://schemas.openxmlformats.org/presentationml/2006/main">
-  <p:cSld>
-    <p:spTree>
-      <p:nvGrpSpPr>
-        <p:cNvPr id="1" name=""/>
-        <p:cNvGrpSpPr/>
-        <p:nvPr/>
-      </p:nvGrpSpPr>
-      <p:grpSpPr>
-        <a:xfrm>
-          <a:off x="0" y="0"/>
-          <a:ext cx="0" cy="0"/>
-          <a:chOff x="0" y="0"/>
-          <a:chExt cx="0" cy="0"/>
-        </a:xfrm>
-      </p:grpSpPr>
-      <p:sp>
-        <p:nvSpPr>
-          <p:cNvPr id="145" name="PlaceHolder 3"/>
-          <p:cNvSpPr>
-            <a:spLocks noGrp="1"/>
-          </p:cNvSpPr>
-          <p:nvPr>
-            <p:ph type="title"/>
-          </p:nvPr>
-        </p:nvSpPr>
-        <p:spPr>
-          <a:xfrm>
-            <a:off x="775800" y="957960"/>
-            <a:ext cx="8793360" cy="853920"/>
-          </a:xfrm>
-          <a:prstGeom prst="rect">
-            <a:avLst/>
-          </a:prstGeom>
-          <a:noFill/>
-          <a:ln w="0">
-            <a:noFill/>
-          </a:ln>
-        </p:spPr>
-        <p:txBody>
-          <a:bodyPr lIns="90000" tIns="45000" rIns="90000" bIns="45000" anchor="t">
-            <a:noAutofit/>
-          </a:bodyPr>
-          <a:lstStyle/>
-          <a:p>
-            <a:pPr>
-              <a:lnSpc>
-                <a:spcPct val="90000"/>
-              </a:lnSpc>
-              <a:buNone/>
-            </a:pPr>
-            <a:r>
-              <a:rPr lang="it-IT" sz="2200" b="1" spc="-1" dirty="0">
-                <a:solidFill>
-                  <a:srgbClr val="000000"/>
-                </a:solidFill>
-                <a:latin typeface="Verdana"/>
-                <a:ea typeface="Verdana"/>
-              </a:rPr>
-              <a:t>S</a:t>
-            </a:r>
-            <a:r>
-              <a:rPr lang="it-IT" sz="2200" b="1" strike="noStrike" spc="-1" dirty="0">
-                <a:solidFill>
-                  <a:srgbClr val="000000"/>
-                </a:solidFill>
-                <a:latin typeface="Verdana"/>
-                <a:ea typeface="Verdana"/>
-              </a:rPr>
-              <a:t>viluppi futuri</a:t>
-            </a:r>
-            <a:endParaRPr lang="it-IT" sz="2200" b="0" strike="noStrike" spc="-1" dirty="0">
-              <a:latin typeface="Arial"/>
-            </a:endParaRPr>
-          </a:p>
-        </p:txBody>
-      </p:sp>
-      <p:sp>
-        <p:nvSpPr>
-          <p:cNvPr id="2" name="CasellaDiTesto 4"/>
-          <p:cNvSpPr/>
-          <p:nvPr/>
-        </p:nvSpPr>
-        <p:spPr>
-          <a:xfrm>
-            <a:off x="775801" y="2344362"/>
-            <a:ext cx="8793359" cy="2306870"/>
-          </a:xfrm>
-          <a:prstGeom prst="rect">
-            <a:avLst/>
-          </a:prstGeom>
-          <a:noFill/>
-          <a:ln w="0">
-            <a:noFill/>
-          </a:ln>
-        </p:spPr>
-        <p:style>
-          <a:lnRef idx="0">
-            <a:scrgbClr r="0" g="0" b="0"/>
-          </a:lnRef>
-          <a:fillRef idx="0">
-            <a:scrgbClr r="0" g="0" b="0"/>
-          </a:fillRef>
-          <a:effectRef idx="0">
-            <a:scrgbClr r="0" g="0" b="0"/>
-          </a:effectRef>
-          <a:fontRef idx="minor"/>
-        </p:style>
-        <p:txBody>
-          <a:bodyPr wrap="square" lIns="90000" tIns="45000" rIns="90000" bIns="45000" anchor="t">
-            <a:spAutoFit/>
-          </a:bodyPr>
-          <a:lstStyle/>
-          <a:p>
-            <a:pPr marL="285840" indent="-285840">
-              <a:lnSpc>
-                <a:spcPct val="100000"/>
-              </a:lnSpc>
-              <a:buClr>
-                <a:srgbClr val="000000"/>
-              </a:buClr>
-              <a:buFont typeface="Arial"/>
-              <a:buChar char="•"/>
-            </a:pPr>
-            <a:r>
-              <a:rPr lang="it-IT" sz="1800" b="0" strike="noStrike" spc="-1" dirty="0">
-                <a:solidFill>
-                  <a:srgbClr val="000000"/>
-                </a:solidFill>
-                <a:latin typeface="Verdana" panose="020B0604030504040204" pitchFamily="34" charset="0"/>
-                <a:ea typeface="Verdana" panose="020B0604030504040204" pitchFamily="34" charset="0"/>
-              </a:rPr>
-              <a:t>Implementazione del Firmware per poter utilizzare gli encoder presenti nei motori di sterzo e trazione.</a:t>
-            </a:r>
-          </a:p>
-          <a:p>
-            <a:pPr marL="285840" indent="-285840">
-              <a:lnSpc>
-                <a:spcPct val="100000"/>
-              </a:lnSpc>
-              <a:buClr>
-                <a:srgbClr val="000000"/>
-              </a:buClr>
-              <a:buFont typeface="Arial"/>
-              <a:buChar char="•"/>
-            </a:pPr>
-            <a:r>
-              <a:rPr lang="it-IT" spc="-1" dirty="0">
-                <a:solidFill>
-                  <a:srgbClr val="000000"/>
-                </a:solidFill>
-                <a:latin typeface="Verdana" panose="020B0604030504040204" pitchFamily="34" charset="0"/>
-                <a:ea typeface="Verdana" panose="020B0604030504040204" pitchFamily="34" charset="0"/>
-              </a:rPr>
-              <a:t>Implementazione Filtro di </a:t>
-            </a:r>
-            <a:r>
-              <a:rPr lang="it-IT" spc="-1" dirty="0" err="1">
-                <a:solidFill>
-                  <a:srgbClr val="000000"/>
-                </a:solidFill>
-                <a:latin typeface="Verdana" panose="020B0604030504040204" pitchFamily="34" charset="0"/>
-                <a:ea typeface="Verdana" panose="020B0604030504040204" pitchFamily="34" charset="0"/>
-              </a:rPr>
-              <a:t>Kalman</a:t>
-            </a:r>
-            <a:r>
-              <a:rPr lang="it-IT" spc="-1" dirty="0">
-                <a:solidFill>
-                  <a:srgbClr val="000000"/>
-                </a:solidFill>
-                <a:latin typeface="Verdana" panose="020B0604030504040204" pitchFamily="34" charset="0"/>
-                <a:ea typeface="Verdana" panose="020B0604030504040204" pitchFamily="34" charset="0"/>
-              </a:rPr>
-              <a:t> (Correzione-Predizione) per una migliore stima della velocità lineare.</a:t>
-            </a:r>
-          </a:p>
-          <a:p>
-            <a:pPr marL="285840" indent="-285840">
-              <a:lnSpc>
-                <a:spcPct val="100000"/>
-              </a:lnSpc>
-              <a:buClr>
-                <a:srgbClr val="000000"/>
-              </a:buClr>
-              <a:buFont typeface="Arial"/>
-              <a:buChar char="•"/>
-            </a:pPr>
-            <a:r>
-              <a:rPr lang="it-IT" spc="-1" dirty="0">
-                <a:solidFill>
-                  <a:srgbClr val="000000"/>
-                </a:solidFill>
-                <a:latin typeface="Verdana" panose="020B0604030504040204" pitchFamily="34" charset="0"/>
-                <a:ea typeface="Verdana" panose="020B0604030504040204" pitchFamily="34" charset="0"/>
-              </a:rPr>
-              <a:t>Aggiungere un router Wi-Fi a bordo del rover così da semplificare la connessione.</a:t>
-            </a:r>
-          </a:p>
-          <a:p>
-            <a:pPr marL="285840" indent="-285840">
-              <a:lnSpc>
-                <a:spcPct val="100000"/>
-              </a:lnSpc>
-              <a:buClr>
-                <a:srgbClr val="000000"/>
-              </a:buClr>
-              <a:buFont typeface="Arial"/>
-              <a:buChar char="•"/>
-            </a:pPr>
-            <a:r>
-              <a:rPr lang="it-IT" spc="-1" dirty="0">
-                <a:solidFill>
-                  <a:srgbClr val="000000"/>
-                </a:solidFill>
-                <a:latin typeface="Verdana" panose="020B0604030504040204" pitchFamily="34" charset="0"/>
-                <a:ea typeface="Verdana" panose="020B0604030504040204" pitchFamily="34" charset="0"/>
-              </a:rPr>
-              <a:t>Integrazione di una memoria SSD con maggiore capacità.</a:t>
-            </a:r>
-          </a:p>
-          <a:p>
-            <a:pPr marL="285840" indent="-285840">
-              <a:lnSpc>
-                <a:spcPct val="100000"/>
-              </a:lnSpc>
-              <a:buClr>
-                <a:srgbClr val="000000"/>
-              </a:buClr>
-              <a:buFont typeface="Arial"/>
-              <a:buChar char="•"/>
-            </a:pPr>
-            <a:endParaRPr lang="it-IT" sz="1800" b="0" strike="noStrike" spc="-1" dirty="0">
-              <a:latin typeface="Arial"/>
-            </a:endParaRPr>
-          </a:p>
-        </p:txBody>
-      </p:sp>
-      <p:sp>
-        <p:nvSpPr>
-          <p:cNvPr id="3" name="PlaceHolder 1">
-            <a:extLst>
-              <a:ext uri="{FF2B5EF4-FFF2-40B4-BE49-F238E27FC236}">
-                <a16:creationId xmlns:a16="http://schemas.microsoft.com/office/drawing/2014/main" id="{72F9CDA4-342D-FCD9-9135-EA4AB751CB89}"/>
-              </a:ext>
-            </a:extLst>
-          </p:cNvPr>
-          <p:cNvSpPr txBox="1">
-            <a:spLocks/>
-          </p:cNvSpPr>
-          <p:nvPr/>
-        </p:nvSpPr>
-        <p:spPr>
-          <a:xfrm>
-            <a:off x="328680" y="6607440"/>
-            <a:ext cx="10119600" cy="249840"/>
-          </a:xfrm>
-          <a:prstGeom prst="rect">
-            <a:avLst/>
-          </a:prstGeom>
-          <a:noFill/>
-          <a:ln w="0">
-            <a:noFill/>
-          </a:ln>
-        </p:spPr>
-        <p:txBody>
-          <a:bodyPr lIns="90000" tIns="45000" rIns="90000" bIns="45000" anchor="t">
-            <a:noAutofit/>
-          </a:bodyPr>
-          <a:lstStyle>
-            <a:lvl1pPr algn="l" defTabSz="914400" rtl="0" eaLnBrk="1" latinLnBrk="0" hangingPunct="1">
-              <a:lnSpc>
-                <a:spcPct val="90000"/>
-              </a:lnSpc>
-              <a:spcBef>
-                <a:spcPct val="0"/>
-              </a:spcBef>
-              <a:buNone/>
-              <a:defRPr sz="4400" kern="1200">
-                <a:solidFill>
-                  <a:schemeClr val="tx1"/>
-                </a:solidFill>
-                <a:latin typeface="+mj-lt"/>
-                <a:ea typeface="+mj-ea"/>
-                <a:cs typeface="+mj-cs"/>
-              </a:defRPr>
-            </a:lvl1pPr>
-          </a:lstStyle>
-          <a:p>
-            <a:pPr marL="228600" indent="-228600">
-              <a:spcBef>
-                <a:spcPts val="1001"/>
-              </a:spcBef>
-              <a:tabLst>
-                <a:tab pos="0" algn="l"/>
-              </a:tabLst>
-            </a:pPr>
-            <a:r>
-              <a:rPr lang="it-IT" sz="1100" spc="-1" dirty="0">
-                <a:solidFill>
-                  <a:srgbClr val="FFFFFF"/>
-                </a:solidFill>
-                <a:latin typeface="Verdana"/>
-                <a:ea typeface="Verdana"/>
-              </a:rPr>
-              <a:t>Controllo tramite Potenziali Artificiali di un Rover con marker </a:t>
-            </a:r>
-            <a:r>
-              <a:rPr lang="it-IT" sz="1100" spc="-1" dirty="0" err="1">
-                <a:solidFill>
-                  <a:srgbClr val="FFFFFF"/>
-                </a:solidFill>
-                <a:latin typeface="Verdana"/>
-                <a:ea typeface="Verdana"/>
-              </a:rPr>
-              <a:t>ArUco</a:t>
-            </a:r>
-            <a:endParaRPr lang="it-IT" sz="1100" spc="-1" dirty="0">
-              <a:latin typeface="Arial"/>
-            </a:endParaRPr>
-          </a:p>
-        </p:txBody>
-      </p:sp>
-    </p:spTree>
-    <p:extLst>
-      <p:ext uri="{BB962C8B-B14F-4D97-AF65-F5344CB8AC3E}">
-        <p14:creationId xmlns:p14="http://schemas.microsoft.com/office/powerpoint/2010/main" val="3914895067"/>
       </p:ext>
     </p:extLst>
   </p:cSld>
@@ -11751,17 +12181,13 @@
       </p:grpSpPr>
       <p:sp>
         <p:nvSpPr>
-          <p:cNvPr id="145" name="PlaceHolder 3"/>
-          <p:cNvSpPr>
-            <a:spLocks noGrp="1"/>
-          </p:cNvSpPr>
-          <p:nvPr>
-            <p:ph type="title"/>
-          </p:nvPr>
-        </p:nvSpPr>
-        <p:spPr>
-          <a:xfrm>
-            <a:off x="775800" y="957960"/>
+          <p:cNvPr id="140" name="Titolo 7"/>
+          <p:cNvSpPr/>
+          <p:nvPr/>
+        </p:nvSpPr>
+        <p:spPr>
+          <a:xfrm>
+            <a:off x="776160" y="958320"/>
             <a:ext cx="8793360" cy="853920"/>
           </a:xfrm>
           <a:prstGeom prst="rect">
@@ -11772,83 +12198,69 @@
             <a:noFill/>
           </a:ln>
         </p:spPr>
+        <p:style>
+          <a:lnRef idx="0">
+            <a:scrgbClr r="0" g="0" b="0"/>
+          </a:lnRef>
+          <a:fillRef idx="0">
+            <a:scrgbClr r="0" g="0" b="0"/>
+          </a:fillRef>
+          <a:effectRef idx="0">
+            <a:scrgbClr r="0" g="0" b="0"/>
+          </a:effectRef>
+          <a:fontRef idx="minor"/>
+        </p:style>
         <p:txBody>
           <a:bodyPr lIns="90000" tIns="45000" rIns="90000" bIns="45000" anchor="t">
             <a:noAutofit/>
           </a:bodyPr>
           <a:lstStyle/>
           <a:p>
-            <a:pPr>
+            <a:pPr marL="0" marR="0" lvl="0" indent="0" algn="l" defTabSz="914400" rtl="0" eaLnBrk="1" fontAlgn="auto" latinLnBrk="0" hangingPunct="1">
               <a:lnSpc>
                 <a:spcPct val="90000"/>
               </a:lnSpc>
+              <a:spcBef>
+                <a:spcPts val="0"/>
+              </a:spcBef>
+              <a:spcAft>
+                <a:spcPts val="0"/>
+              </a:spcAft>
+              <a:buClrTx/>
+              <a:buSzTx/>
+              <a:buFontTx/>
               <a:buNone/>
+              <a:tabLst/>
+              <a:defRPr/>
             </a:pPr>
             <a:r>
-              <a:rPr lang="it-IT" sz="2200" b="1" strike="noStrike" spc="-1" dirty="0">
+              <a:rPr kumimoji="0" lang="it-IT" sz="2200" b="1" i="0" u="none" strike="noStrike" kern="1200" cap="none" spc="-1" normalizeH="0" baseline="0" noProof="0" dirty="0">
+                <a:ln>
+                  <a:noFill/>
+                </a:ln>
                 <a:solidFill>
                   <a:srgbClr val="000000"/>
                 </a:solidFill>
+                <a:effectLst/>
+                <a:uLnTx/>
+                <a:uFillTx/>
                 <a:latin typeface="Verdana"/>
                 <a:ea typeface="Verdana"/>
               </a:rPr>
-              <a:t>Conclusioni</a:t>
-            </a:r>
-            <a:endParaRPr lang="it-IT" sz="2200" b="0" strike="noStrike" spc="-1" dirty="0">
+              <a:t>Discussione risultati</a:t>
+            </a:r>
+            <a:endParaRPr kumimoji="0" lang="it-IT" sz="2200" b="0" i="0" u="none" strike="noStrike" kern="1200" cap="none" spc="-1" normalizeH="0" baseline="0" noProof="0" dirty="0">
+              <a:ln>
+                <a:noFill/>
+              </a:ln>
+              <a:solidFill>
+                <a:prstClr val="black"/>
+              </a:solidFill>
+              <a:effectLst/>
+              <a:uLnTx/>
+              <a:uFillTx/>
               <a:latin typeface="Arial"/>
             </a:endParaRPr>
-          </a:p>
-        </p:txBody>
-      </p:sp>
-      <p:sp>
-        <p:nvSpPr>
-          <p:cNvPr id="3" name="CasellaDiTesto 2">
-            <a:extLst>
-              <a:ext uri="{FF2B5EF4-FFF2-40B4-BE49-F238E27FC236}">
-                <a16:creationId xmlns:a16="http://schemas.microsoft.com/office/drawing/2014/main" id="{635ED538-3618-830F-5FCC-47FCF871C138}"/>
-              </a:ext>
-            </a:extLst>
-          </p:cNvPr>
-          <p:cNvSpPr txBox="1"/>
-          <p:nvPr/>
-        </p:nvSpPr>
-        <p:spPr>
-          <a:xfrm>
-            <a:off x="924128" y="1896894"/>
-            <a:ext cx="9524152" cy="1477328"/>
-          </a:xfrm>
-          <a:prstGeom prst="rect">
-            <a:avLst/>
-          </a:prstGeom>
-          <a:noFill/>
-        </p:spPr>
-        <p:txBody>
-          <a:bodyPr wrap="square" rtlCol="0">
-            <a:spAutoFit/>
-          </a:bodyPr>
-          <a:lstStyle/>
-          <a:p>
-            <a:r>
-              <a:rPr lang="it-IT" dirty="0"/>
-              <a:t>Gli obiettivi fissati sono stati raggiunti come dimostrato dai grafici, nonostante gli errori sulla posa introdotti dalla </a:t>
-            </a:r>
-            <a:r>
-              <a:rPr lang="it-IT" dirty="0" err="1"/>
-              <a:t>Zed</a:t>
-            </a:r>
-            <a:r>
-              <a:rPr lang="it-IT"/>
-              <a:t>.</a:t>
-            </a:r>
-          </a:p>
-          <a:p>
-            <a:endParaRPr lang="it-IT" dirty="0"/>
-          </a:p>
-          <a:p>
-            <a:endParaRPr lang="it-IT" dirty="0"/>
-          </a:p>
-          <a:p>
-            <a:endParaRPr lang="it-IT" dirty="0"/>
           </a:p>
         </p:txBody>
       </p:sp>
@@ -11857,7 +12269,7 @@
           <p:cNvPr id="2" name="PlaceHolder 1">
             <a:extLst>
               <a:ext uri="{FF2B5EF4-FFF2-40B4-BE49-F238E27FC236}">
-                <a16:creationId xmlns:a16="http://schemas.microsoft.com/office/drawing/2014/main" id="{8210E6CE-8799-175C-0A1C-E7164CB10151}"/>
+                <a16:creationId xmlns:a16="http://schemas.microsoft.com/office/drawing/2014/main" id="{7E96A9AE-094C-A7BB-D08F-FCD6B98AD78B}"/>
               </a:ext>
             </a:extLst>
           </p:cNvPr>
@@ -11934,6 +12346,705 @@
             <a:endParaRPr lang="it-IT" sz="1100" spc="-1" dirty="0">
               <a:latin typeface="Arial"/>
             </a:endParaRPr>
+          </a:p>
+        </p:txBody>
+      </p:sp>
+      <p:sp>
+        <p:nvSpPr>
+          <p:cNvPr id="4" name="CasellaDiTesto 3">
+            <a:extLst>
+              <a:ext uri="{FF2B5EF4-FFF2-40B4-BE49-F238E27FC236}">
+                <a16:creationId xmlns:a16="http://schemas.microsoft.com/office/drawing/2014/main" id="{B92E765C-F0F3-BE6F-BEEF-2C398400751A}"/>
+              </a:ext>
+            </a:extLst>
+          </p:cNvPr>
+          <p:cNvSpPr txBox="1"/>
+          <p:nvPr/>
+        </p:nvSpPr>
+        <p:spPr>
+          <a:xfrm>
+            <a:off x="447472" y="1906440"/>
+            <a:ext cx="9895018" cy="2585323"/>
+          </a:xfrm>
+          <a:prstGeom prst="rect">
+            <a:avLst/>
+          </a:prstGeom>
+          <a:noFill/>
+        </p:spPr>
+        <p:txBody>
+          <a:bodyPr wrap="square">
+            <a:spAutoFit/>
+          </a:bodyPr>
+          <a:lstStyle/>
+          <a:p>
+            <a:r>
+              <a:rPr lang="it-IT" dirty="0"/>
+              <a:t>Si nota che:</a:t>
+            </a:r>
+          </a:p>
+          <a:p>
+            <a:pPr marL="285750" indent="-285750">
+              <a:buFont typeface="Arial" panose="020B0604020202020204" pitchFamily="34" charset="0"/>
+              <a:buChar char="•"/>
+            </a:pPr>
+            <a:r>
+              <a:rPr lang="it-IT" dirty="0"/>
+              <a:t>nei segmenti più lunghi il rover riesca a mantenere un errore, tra la traiettoria desiderata e quella eseguita, basso</a:t>
+            </a:r>
+          </a:p>
+          <a:p>
+            <a:pPr marL="285750" indent="-285750">
+              <a:buFont typeface="Arial" panose="020B0604020202020204" pitchFamily="34" charset="0"/>
+              <a:buChar char="•"/>
+            </a:pPr>
+            <a:r>
+              <a:rPr lang="it-IT" dirty="0"/>
+              <a:t>nel caso di segmenti di minore lunghezza l'errore ottenuto risulta essere maggiore</a:t>
+            </a:r>
+          </a:p>
+          <a:p>
+            <a:r>
+              <a:rPr lang="it-IT" dirty="0"/>
+              <a:t>Questo dipende:</a:t>
+            </a:r>
+          </a:p>
+          <a:p>
+            <a:pPr marL="285750" indent="-285750">
+              <a:buFont typeface="Arial" panose="020B0604020202020204" pitchFamily="34" charset="0"/>
+              <a:buChar char="•"/>
+            </a:pPr>
+            <a:r>
+              <a:rPr lang="it-IT" dirty="0"/>
+              <a:t>dal raggio della circonferenza con cui si calcola il goal (diminuire il raggio potrebbe permettere di convergere più rapidamente)</a:t>
+            </a:r>
+          </a:p>
+          <a:p>
+            <a:pPr marL="285750" indent="-285750">
+              <a:buFont typeface="Arial" panose="020B0604020202020204" pitchFamily="34" charset="0"/>
+              <a:buChar char="•"/>
+            </a:pPr>
+            <a:r>
+              <a:rPr lang="it-IT" dirty="0"/>
+              <a:t>dalla distanza massima da cui si rileva il marker </a:t>
+            </a:r>
+            <a:r>
+              <a:rPr lang="it-IT" dirty="0" err="1"/>
+              <a:t>ArUco</a:t>
+            </a:r>
+            <a:r>
+              <a:rPr lang="it-IT" dirty="0"/>
+              <a:t> (diminuire la distanza a cui l'</a:t>
+            </a:r>
+            <a:r>
+              <a:rPr lang="it-IT" dirty="0" err="1"/>
+              <a:t>ArUco</a:t>
+            </a:r>
+            <a:r>
+              <a:rPr lang="it-IT" dirty="0"/>
+              <a:t> viene rilevato potrebbe permettere una convergenza migliore).</a:t>
+            </a:r>
+          </a:p>
+        </p:txBody>
+      </p:sp>
+    </p:spTree>
+    <p:extLst>
+      <p:ext uri="{BB962C8B-B14F-4D97-AF65-F5344CB8AC3E}">
+        <p14:creationId xmlns:p14="http://schemas.microsoft.com/office/powerpoint/2010/main" val="3704356531"/>
+      </p:ext>
+    </p:extLst>
+  </p:cSld>
+  <p:clrMapOvr>
+    <a:masterClrMapping/>
+  </p:clrMapOvr>
+</p:sld>
+</file>
+
+<file path=ppt/slides/slide18.xml><?xml version="1.0" encoding="utf-8"?>
+<p:sld xmlns:a="http://schemas.openxmlformats.org/drawingml/2006/main" xmlns:r="http://schemas.openxmlformats.org/officeDocument/2006/relationships" xmlns:p="http://schemas.openxmlformats.org/presentationml/2006/main">
+  <p:cSld>
+    <p:spTree>
+      <p:nvGrpSpPr>
+        <p:cNvPr id="1" name=""/>
+        <p:cNvGrpSpPr/>
+        <p:nvPr/>
+      </p:nvGrpSpPr>
+      <p:grpSpPr>
+        <a:xfrm>
+          <a:off x="0" y="0"/>
+          <a:ext cx="0" cy="0"/>
+          <a:chOff x="0" y="0"/>
+          <a:chExt cx="0" cy="0"/>
+        </a:xfrm>
+      </p:grpSpPr>
+      <p:sp>
+        <p:nvSpPr>
+          <p:cNvPr id="145" name="PlaceHolder 3"/>
+          <p:cNvSpPr>
+            <a:spLocks noGrp="1"/>
+          </p:cNvSpPr>
+          <p:nvPr>
+            <p:ph type="title"/>
+          </p:nvPr>
+        </p:nvSpPr>
+        <p:spPr>
+          <a:xfrm>
+            <a:off x="775800" y="957960"/>
+            <a:ext cx="8793360" cy="853920"/>
+          </a:xfrm>
+          <a:prstGeom prst="rect">
+            <a:avLst/>
+          </a:prstGeom>
+          <a:noFill/>
+          <a:ln w="0">
+            <a:noFill/>
+          </a:ln>
+        </p:spPr>
+        <p:txBody>
+          <a:bodyPr lIns="90000" tIns="45000" rIns="90000" bIns="45000" anchor="t">
+            <a:noAutofit/>
+          </a:bodyPr>
+          <a:lstStyle/>
+          <a:p>
+            <a:pPr>
+              <a:lnSpc>
+                <a:spcPct val="90000"/>
+              </a:lnSpc>
+              <a:buNone/>
+            </a:pPr>
+            <a:r>
+              <a:rPr lang="it-IT" sz="2200" b="1" spc="-1" dirty="0">
+                <a:solidFill>
+                  <a:srgbClr val="000000"/>
+                </a:solidFill>
+                <a:latin typeface="Verdana"/>
+                <a:ea typeface="Verdana"/>
+              </a:rPr>
+              <a:t>S</a:t>
+            </a:r>
+            <a:r>
+              <a:rPr lang="it-IT" sz="2200" b="1" strike="noStrike" spc="-1" dirty="0">
+                <a:solidFill>
+                  <a:srgbClr val="000000"/>
+                </a:solidFill>
+                <a:latin typeface="Verdana"/>
+                <a:ea typeface="Verdana"/>
+              </a:rPr>
+              <a:t>viluppi futuri</a:t>
+            </a:r>
+            <a:endParaRPr lang="it-IT" sz="2200" b="0" strike="noStrike" spc="-1" dirty="0">
+              <a:latin typeface="Arial"/>
+            </a:endParaRPr>
+          </a:p>
+        </p:txBody>
+      </p:sp>
+      <p:sp>
+        <p:nvSpPr>
+          <p:cNvPr id="2" name="CasellaDiTesto 4"/>
+          <p:cNvSpPr/>
+          <p:nvPr/>
+        </p:nvSpPr>
+        <p:spPr>
+          <a:xfrm>
+            <a:off x="775801" y="2344362"/>
+            <a:ext cx="8793359" cy="2306870"/>
+          </a:xfrm>
+          <a:prstGeom prst="rect">
+            <a:avLst/>
+          </a:prstGeom>
+          <a:noFill/>
+          <a:ln w="0">
+            <a:noFill/>
+          </a:ln>
+        </p:spPr>
+        <p:style>
+          <a:lnRef idx="0">
+            <a:scrgbClr r="0" g="0" b="0"/>
+          </a:lnRef>
+          <a:fillRef idx="0">
+            <a:scrgbClr r="0" g="0" b="0"/>
+          </a:fillRef>
+          <a:effectRef idx="0">
+            <a:scrgbClr r="0" g="0" b="0"/>
+          </a:effectRef>
+          <a:fontRef idx="minor"/>
+        </p:style>
+        <p:txBody>
+          <a:bodyPr wrap="square" lIns="90000" tIns="45000" rIns="90000" bIns="45000" anchor="t">
+            <a:spAutoFit/>
+          </a:bodyPr>
+          <a:lstStyle/>
+          <a:p>
+            <a:pPr marL="285840" indent="-285840">
+              <a:lnSpc>
+                <a:spcPct val="100000"/>
+              </a:lnSpc>
+              <a:buClr>
+                <a:srgbClr val="000000"/>
+              </a:buClr>
+              <a:buFont typeface="Arial"/>
+              <a:buChar char="•"/>
+            </a:pPr>
+            <a:r>
+              <a:rPr lang="it-IT" sz="1800" b="0" strike="noStrike" spc="-1" dirty="0">
+                <a:solidFill>
+                  <a:srgbClr val="000000"/>
+                </a:solidFill>
+                <a:latin typeface="Verdana" panose="020B0604030504040204" pitchFamily="34" charset="0"/>
+                <a:ea typeface="Verdana" panose="020B0604030504040204" pitchFamily="34" charset="0"/>
+              </a:rPr>
+              <a:t>Implementazione del Firmware per poter utilizzare gli encoder presenti nei motori di sterzo e trazione.</a:t>
+            </a:r>
+          </a:p>
+          <a:p>
+            <a:pPr marL="285840" indent="-285840">
+              <a:lnSpc>
+                <a:spcPct val="100000"/>
+              </a:lnSpc>
+              <a:buClr>
+                <a:srgbClr val="000000"/>
+              </a:buClr>
+              <a:buFont typeface="Arial"/>
+              <a:buChar char="•"/>
+            </a:pPr>
+            <a:r>
+              <a:rPr lang="it-IT" spc="-1" dirty="0">
+                <a:solidFill>
+                  <a:srgbClr val="000000"/>
+                </a:solidFill>
+                <a:latin typeface="Verdana" panose="020B0604030504040204" pitchFamily="34" charset="0"/>
+                <a:ea typeface="Verdana" panose="020B0604030504040204" pitchFamily="34" charset="0"/>
+              </a:rPr>
+              <a:t>Implementazione Filtro di </a:t>
+            </a:r>
+            <a:r>
+              <a:rPr lang="it-IT" spc="-1" dirty="0" err="1">
+                <a:solidFill>
+                  <a:srgbClr val="000000"/>
+                </a:solidFill>
+                <a:latin typeface="Verdana" panose="020B0604030504040204" pitchFamily="34" charset="0"/>
+                <a:ea typeface="Verdana" panose="020B0604030504040204" pitchFamily="34" charset="0"/>
+              </a:rPr>
+              <a:t>Kalman</a:t>
+            </a:r>
+            <a:r>
+              <a:rPr lang="it-IT" spc="-1" dirty="0">
+                <a:solidFill>
+                  <a:srgbClr val="000000"/>
+                </a:solidFill>
+                <a:latin typeface="Verdana" panose="020B0604030504040204" pitchFamily="34" charset="0"/>
+                <a:ea typeface="Verdana" panose="020B0604030504040204" pitchFamily="34" charset="0"/>
+              </a:rPr>
+              <a:t> (Correzione-Predizione) per una migliore stima della velocità lineare.</a:t>
+            </a:r>
+          </a:p>
+          <a:p>
+            <a:pPr marL="285840" indent="-285840">
+              <a:lnSpc>
+                <a:spcPct val="100000"/>
+              </a:lnSpc>
+              <a:buClr>
+                <a:srgbClr val="000000"/>
+              </a:buClr>
+              <a:buFont typeface="Arial"/>
+              <a:buChar char="•"/>
+            </a:pPr>
+            <a:r>
+              <a:rPr lang="it-IT" spc="-1" dirty="0">
+                <a:solidFill>
+                  <a:srgbClr val="000000"/>
+                </a:solidFill>
+                <a:latin typeface="Verdana" panose="020B0604030504040204" pitchFamily="34" charset="0"/>
+                <a:ea typeface="Verdana" panose="020B0604030504040204" pitchFamily="34" charset="0"/>
+              </a:rPr>
+              <a:t>Aggiungere un router Wi-Fi a bordo del rover così da semplificare la connessione.</a:t>
+            </a:r>
+          </a:p>
+          <a:p>
+            <a:pPr marL="285840" indent="-285840">
+              <a:lnSpc>
+                <a:spcPct val="100000"/>
+              </a:lnSpc>
+              <a:buClr>
+                <a:srgbClr val="000000"/>
+              </a:buClr>
+              <a:buFont typeface="Arial"/>
+              <a:buChar char="•"/>
+            </a:pPr>
+            <a:r>
+              <a:rPr lang="it-IT" spc="-1" dirty="0">
+                <a:solidFill>
+                  <a:srgbClr val="000000"/>
+                </a:solidFill>
+                <a:latin typeface="Verdana" panose="020B0604030504040204" pitchFamily="34" charset="0"/>
+                <a:ea typeface="Verdana" panose="020B0604030504040204" pitchFamily="34" charset="0"/>
+              </a:rPr>
+              <a:t>Integrazione di una memoria SSD con maggiore capacità.</a:t>
+            </a:r>
+          </a:p>
+          <a:p>
+            <a:pPr marL="285840" indent="-285840">
+              <a:lnSpc>
+                <a:spcPct val="100000"/>
+              </a:lnSpc>
+              <a:buClr>
+                <a:srgbClr val="000000"/>
+              </a:buClr>
+              <a:buFont typeface="Arial"/>
+              <a:buChar char="•"/>
+            </a:pPr>
+            <a:endParaRPr lang="it-IT" sz="1800" b="0" strike="noStrike" spc="-1" dirty="0">
+              <a:latin typeface="Arial"/>
+            </a:endParaRPr>
+          </a:p>
+        </p:txBody>
+      </p:sp>
+      <p:sp>
+        <p:nvSpPr>
+          <p:cNvPr id="3" name="PlaceHolder 1">
+            <a:extLst>
+              <a:ext uri="{FF2B5EF4-FFF2-40B4-BE49-F238E27FC236}">
+                <a16:creationId xmlns:a16="http://schemas.microsoft.com/office/drawing/2014/main" id="{72F9CDA4-342D-FCD9-9135-EA4AB751CB89}"/>
+              </a:ext>
+            </a:extLst>
+          </p:cNvPr>
+          <p:cNvSpPr txBox="1">
+            <a:spLocks/>
+          </p:cNvSpPr>
+          <p:nvPr/>
+        </p:nvSpPr>
+        <p:spPr>
+          <a:xfrm>
+            <a:off x="328680" y="6607440"/>
+            <a:ext cx="10119600" cy="249840"/>
+          </a:xfrm>
+          <a:prstGeom prst="rect">
+            <a:avLst/>
+          </a:prstGeom>
+          <a:noFill/>
+          <a:ln w="0">
+            <a:noFill/>
+          </a:ln>
+        </p:spPr>
+        <p:txBody>
+          <a:bodyPr lIns="90000" tIns="45000" rIns="90000" bIns="45000" anchor="t">
+            <a:noAutofit/>
+          </a:bodyPr>
+          <a:lstStyle>
+            <a:lvl1pPr algn="l" defTabSz="914400" rtl="0" eaLnBrk="1" latinLnBrk="0" hangingPunct="1">
+              <a:lnSpc>
+                <a:spcPct val="90000"/>
+              </a:lnSpc>
+              <a:spcBef>
+                <a:spcPct val="0"/>
+              </a:spcBef>
+              <a:buNone/>
+              <a:defRPr sz="4400" kern="1200">
+                <a:solidFill>
+                  <a:schemeClr val="tx1"/>
+                </a:solidFill>
+                <a:latin typeface="+mj-lt"/>
+                <a:ea typeface="+mj-ea"/>
+                <a:cs typeface="+mj-cs"/>
+              </a:defRPr>
+            </a:lvl1pPr>
+          </a:lstStyle>
+          <a:p>
+            <a:pPr marL="228600" indent="-228600">
+              <a:spcBef>
+                <a:spcPts val="1001"/>
+              </a:spcBef>
+              <a:tabLst>
+                <a:tab pos="0" algn="l"/>
+              </a:tabLst>
+            </a:pPr>
+            <a:r>
+              <a:rPr lang="it-IT" sz="1100" spc="-1" dirty="0">
+                <a:solidFill>
+                  <a:srgbClr val="FFFFFF"/>
+                </a:solidFill>
+                <a:latin typeface="Verdana"/>
+                <a:ea typeface="Verdana"/>
+              </a:rPr>
+              <a:t>Controllo tramite Potenziali Artificiali di un Rover con marker </a:t>
+            </a:r>
+            <a:r>
+              <a:rPr lang="it-IT" sz="1100" spc="-1" dirty="0" err="1">
+                <a:solidFill>
+                  <a:srgbClr val="FFFFFF"/>
+                </a:solidFill>
+                <a:latin typeface="Verdana"/>
+                <a:ea typeface="Verdana"/>
+              </a:rPr>
+              <a:t>ArUco</a:t>
+            </a:r>
+            <a:endParaRPr lang="it-IT" sz="1100" spc="-1" dirty="0">
+              <a:latin typeface="Arial"/>
+            </a:endParaRPr>
+          </a:p>
+        </p:txBody>
+      </p:sp>
+    </p:spTree>
+    <p:extLst>
+      <p:ext uri="{BB962C8B-B14F-4D97-AF65-F5344CB8AC3E}">
+        <p14:creationId xmlns:p14="http://schemas.microsoft.com/office/powerpoint/2010/main" val="3914895067"/>
+      </p:ext>
+    </p:extLst>
+  </p:cSld>
+  <p:clrMapOvr>
+    <a:masterClrMapping/>
+  </p:clrMapOvr>
+</p:sld>
+</file>
+
+<file path=ppt/slides/slide19.xml><?xml version="1.0" encoding="utf-8"?>
+<p:sld xmlns:a="http://schemas.openxmlformats.org/drawingml/2006/main" xmlns:r="http://schemas.openxmlformats.org/officeDocument/2006/relationships" xmlns:p="http://schemas.openxmlformats.org/presentationml/2006/main">
+  <p:cSld>
+    <p:spTree>
+      <p:nvGrpSpPr>
+        <p:cNvPr id="1" name=""/>
+        <p:cNvGrpSpPr/>
+        <p:nvPr/>
+      </p:nvGrpSpPr>
+      <p:grpSpPr>
+        <a:xfrm>
+          <a:off x="0" y="0"/>
+          <a:ext cx="0" cy="0"/>
+          <a:chOff x="0" y="0"/>
+          <a:chExt cx="0" cy="0"/>
+        </a:xfrm>
+      </p:grpSpPr>
+      <p:sp>
+        <p:nvSpPr>
+          <p:cNvPr id="145" name="PlaceHolder 3"/>
+          <p:cNvSpPr>
+            <a:spLocks noGrp="1"/>
+          </p:cNvSpPr>
+          <p:nvPr>
+            <p:ph type="title"/>
+          </p:nvPr>
+        </p:nvSpPr>
+        <p:spPr>
+          <a:xfrm>
+            <a:off x="775800" y="957960"/>
+            <a:ext cx="8793360" cy="853920"/>
+          </a:xfrm>
+          <a:prstGeom prst="rect">
+            <a:avLst/>
+          </a:prstGeom>
+          <a:noFill/>
+          <a:ln w="0">
+            <a:noFill/>
+          </a:ln>
+        </p:spPr>
+        <p:txBody>
+          <a:bodyPr lIns="90000" tIns="45000" rIns="90000" bIns="45000" anchor="t">
+            <a:noAutofit/>
+          </a:bodyPr>
+          <a:lstStyle/>
+          <a:p>
+            <a:pPr>
+              <a:lnSpc>
+                <a:spcPct val="90000"/>
+              </a:lnSpc>
+              <a:buNone/>
+            </a:pPr>
+            <a:r>
+              <a:rPr lang="it-IT" sz="2200" b="1" strike="noStrike" spc="-1" dirty="0">
+                <a:solidFill>
+                  <a:srgbClr val="000000"/>
+                </a:solidFill>
+                <a:latin typeface="Verdana"/>
+                <a:ea typeface="Verdana"/>
+              </a:rPr>
+              <a:t>Conclusioni</a:t>
+            </a:r>
+            <a:endParaRPr lang="it-IT" sz="2200" b="0" strike="noStrike" spc="-1" dirty="0">
+              <a:latin typeface="Arial"/>
+            </a:endParaRPr>
+          </a:p>
+        </p:txBody>
+      </p:sp>
+      <p:sp>
+        <p:nvSpPr>
+          <p:cNvPr id="2" name="PlaceHolder 1">
+            <a:extLst>
+              <a:ext uri="{FF2B5EF4-FFF2-40B4-BE49-F238E27FC236}">
+                <a16:creationId xmlns:a16="http://schemas.microsoft.com/office/drawing/2014/main" id="{8210E6CE-8799-175C-0A1C-E7164CB10151}"/>
+              </a:ext>
+            </a:extLst>
+          </p:cNvPr>
+          <p:cNvSpPr txBox="1">
+            <a:spLocks/>
+          </p:cNvSpPr>
+          <p:nvPr/>
+        </p:nvSpPr>
+        <p:spPr>
+          <a:xfrm>
+            <a:off x="328680" y="6607440"/>
+            <a:ext cx="10119600" cy="249840"/>
+          </a:xfrm>
+          <a:prstGeom prst="rect">
+            <a:avLst/>
+          </a:prstGeom>
+          <a:noFill/>
+          <a:ln w="0">
+            <a:noFill/>
+          </a:ln>
+        </p:spPr>
+        <p:txBody>
+          <a:bodyPr lIns="90000" tIns="45000" rIns="90000" bIns="45000" anchor="t">
+            <a:noAutofit/>
+          </a:bodyPr>
+          <a:lstStyle>
+            <a:lvl1pPr algn="l" defTabSz="914400" rtl="0" eaLnBrk="1" latinLnBrk="0" hangingPunct="1">
+              <a:lnSpc>
+                <a:spcPct val="90000"/>
+              </a:lnSpc>
+              <a:spcBef>
+                <a:spcPct val="0"/>
+              </a:spcBef>
+              <a:buNone/>
+              <a:defRPr sz="4400" kern="1200">
+                <a:solidFill>
+                  <a:schemeClr val="tx1"/>
+                </a:solidFill>
+                <a:latin typeface="+mj-lt"/>
+                <a:ea typeface="+mj-ea"/>
+                <a:cs typeface="+mj-cs"/>
+              </a:defRPr>
+            </a:lvl1pPr>
+          </a:lstStyle>
+          <a:p>
+            <a:pPr marL="228600" indent="-228600">
+              <a:spcBef>
+                <a:spcPts val="1001"/>
+              </a:spcBef>
+              <a:tabLst>
+                <a:tab pos="0" algn="l"/>
+              </a:tabLst>
+            </a:pPr>
+            <a:r>
+              <a:rPr lang="it-IT" sz="1100" spc="-1" dirty="0">
+                <a:solidFill>
+                  <a:srgbClr val="FFFFFF"/>
+                </a:solidFill>
+                <a:latin typeface="Verdana"/>
+                <a:ea typeface="Verdana"/>
+              </a:rPr>
+              <a:t>Controllo tramite Potenziali Artificiali di un Rover con marker </a:t>
+            </a:r>
+            <a:r>
+              <a:rPr lang="it-IT" sz="1100" spc="-1" dirty="0" err="1">
+                <a:solidFill>
+                  <a:srgbClr val="FFFFFF"/>
+                </a:solidFill>
+                <a:latin typeface="Verdana"/>
+                <a:ea typeface="Verdana"/>
+              </a:rPr>
+              <a:t>ArUco</a:t>
+            </a:r>
+            <a:endParaRPr lang="it-IT" sz="1100" spc="-1" dirty="0">
+              <a:latin typeface="Arial"/>
+            </a:endParaRPr>
+          </a:p>
+        </p:txBody>
+      </p:sp>
+      <p:sp>
+        <p:nvSpPr>
+          <p:cNvPr id="5" name="CasellaDiTesto 4">
+            <a:extLst>
+              <a:ext uri="{FF2B5EF4-FFF2-40B4-BE49-F238E27FC236}">
+                <a16:creationId xmlns:a16="http://schemas.microsoft.com/office/drawing/2014/main" id="{56DDB7C5-9BEA-C331-1157-87E296266C53}"/>
+              </a:ext>
+            </a:extLst>
+          </p:cNvPr>
+          <p:cNvSpPr txBox="1"/>
+          <p:nvPr/>
+        </p:nvSpPr>
+        <p:spPr>
+          <a:xfrm>
+            <a:off x="848737" y="1906800"/>
+            <a:ext cx="8793359" cy="3139321"/>
+          </a:xfrm>
+          <a:prstGeom prst="rect">
+            <a:avLst/>
+          </a:prstGeom>
+          <a:noFill/>
+        </p:spPr>
+        <p:txBody>
+          <a:bodyPr wrap="square">
+            <a:spAutoFit/>
+          </a:bodyPr>
+          <a:lstStyle/>
+          <a:p>
+            <a:r>
+              <a:rPr lang="it-IT" dirty="0"/>
+              <a:t>Gli obiettivi fissati sono stati raggiunti come dimostrato dai grafici, nonostante gli errori sulla posa introdotti dalla ZED. </a:t>
+            </a:r>
+          </a:p>
+          <a:p>
+            <a:pPr marL="285750" indent="-285750">
+              <a:buFont typeface="Arial" panose="020B0604020202020204" pitchFamily="34" charset="0"/>
+              <a:buChar char="•"/>
+            </a:pPr>
+            <a:r>
+              <a:rPr lang="it-IT" dirty="0"/>
+              <a:t>Il nodo di visione riesce correttamente ad individuare i marker e gli id ad essi associati.</a:t>
+            </a:r>
+          </a:p>
+          <a:p>
+            <a:pPr marL="285750" indent="-285750">
+              <a:buFont typeface="Arial" panose="020B0604020202020204" pitchFamily="34" charset="0"/>
+              <a:buChar char="•"/>
+            </a:pPr>
+            <a:r>
+              <a:rPr lang="it-IT" dirty="0"/>
+              <a:t>Il nodo di controllo sceglie correttamente il punto a cui convergere tra i due proposti  e riesce a svoltare in modo </a:t>
+            </a:r>
+            <a:r>
+              <a:rPr lang="it-IT" dirty="0" err="1"/>
+              <a:t>smooth</a:t>
+            </a:r>
+            <a:r>
+              <a:rPr lang="it-IT" dirty="0"/>
+              <a:t>. </a:t>
+            </a:r>
+          </a:p>
+          <a:p>
+            <a:pPr marL="285750" indent="-285750">
+              <a:buFont typeface="Arial" panose="020B0604020202020204" pitchFamily="34" charset="0"/>
+              <a:buChar char="•"/>
+            </a:pPr>
+            <a:r>
+              <a:rPr lang="it-IT" dirty="0"/>
+              <a:t>Il sistema evita gli ostacoli la cui posizione è conosciuta a priori dimostrando la bontà dell'implementazione di APF. </a:t>
+            </a:r>
+          </a:p>
+          <a:p>
+            <a:pPr marL="285750" indent="-285750">
+              <a:buFont typeface="Arial" panose="020B0604020202020204" pitchFamily="34" charset="0"/>
+              <a:buChar char="•"/>
+            </a:pPr>
+            <a:r>
+              <a:rPr lang="it-IT" dirty="0"/>
+              <a:t>Il nodo convertitore, tramite l'utilizzo di due PID correttamente regolati, traduce con successo le grandezze solitamente utilizzate nel controllo dei veicoli ($v$ e $\omega$) nelle grandezze impiegate nel \</a:t>
+            </a:r>
+            <a:r>
+              <a:rPr lang="it-IT" dirty="0" err="1"/>
+              <a:t>texttt</a:t>
+            </a:r>
+            <a:r>
+              <a:rPr lang="it-IT" dirty="0"/>
+              <a:t>{dart\_</a:t>
+            </a:r>
+            <a:r>
+              <a:rPr lang="it-IT" dirty="0" err="1"/>
+              <a:t>wrapper</a:t>
+            </a:r>
+            <a:r>
+              <a:rPr lang="it-IT" dirty="0"/>
+              <a:t>}. </a:t>
+            </a:r>
           </a:p>
         </p:txBody>
       </p:sp>
@@ -12386,6 +13497,435 @@
         </p:txBody>
       </p:sp>
     </p:spTree>
+  </p:cSld>
+  <p:clrMapOvr>
+    <a:masterClrMapping/>
+  </p:clrMapOvr>
+</p:sld>
+</file>
+
+<file path=ppt/slides/slide20.xml><?xml version="1.0" encoding="utf-8"?>
+<p:sld xmlns:a="http://schemas.openxmlformats.org/drawingml/2006/main" xmlns:r="http://schemas.openxmlformats.org/officeDocument/2006/relationships" xmlns:p="http://schemas.openxmlformats.org/presentationml/2006/main">
+  <p:cSld>
+    <p:spTree>
+      <p:nvGrpSpPr>
+        <p:cNvPr id="1" name=""/>
+        <p:cNvGrpSpPr/>
+        <p:nvPr/>
+      </p:nvGrpSpPr>
+      <p:grpSpPr>
+        <a:xfrm>
+          <a:off x="0" y="0"/>
+          <a:ext cx="0" cy="0"/>
+          <a:chOff x="0" y="0"/>
+          <a:chExt cx="0" cy="0"/>
+        </a:xfrm>
+      </p:grpSpPr>
+      <p:sp>
+        <p:nvSpPr>
+          <p:cNvPr id="85" name="PlaceHolder 1"/>
+          <p:cNvSpPr>
+            <a:spLocks noGrp="1"/>
+          </p:cNvSpPr>
+          <p:nvPr>
+            <p:ph/>
+          </p:nvPr>
+        </p:nvSpPr>
+        <p:spPr>
+          <a:xfrm>
+            <a:off x="1589760" y="4433400"/>
+            <a:ext cx="6994080" cy="1655640"/>
+          </a:xfrm>
+          <a:prstGeom prst="rect">
+            <a:avLst/>
+          </a:prstGeom>
+          <a:noFill/>
+          <a:ln w="0">
+            <a:noFill/>
+          </a:ln>
+        </p:spPr>
+        <p:txBody>
+          <a:bodyPr lIns="90000" tIns="45000" rIns="90000" bIns="45000" anchor="t">
+            <a:noAutofit/>
+          </a:bodyPr>
+          <a:lstStyle/>
+          <a:p>
+            <a:pPr marL="7920">
+              <a:lnSpc>
+                <a:spcPct val="90000"/>
+              </a:lnSpc>
+              <a:spcBef>
+                <a:spcPts val="1001"/>
+              </a:spcBef>
+              <a:buNone/>
+              <a:tabLst>
+                <a:tab pos="0" algn="l"/>
+              </a:tabLst>
+            </a:pPr>
+            <a:r>
+              <a:rPr lang="it-IT" sz="2500" b="0" strike="noStrike" spc="-1" dirty="0">
+                <a:solidFill>
+                  <a:srgbClr val="FFFFFF"/>
+                </a:solidFill>
+                <a:latin typeface="Verdana"/>
+                <a:ea typeface="Verdana"/>
+              </a:rPr>
+              <a:t>Elena </a:t>
+            </a:r>
+            <a:r>
+              <a:rPr lang="it-IT" sz="2500" b="0" strike="noStrike" spc="-1" dirty="0" err="1">
+                <a:solidFill>
+                  <a:srgbClr val="FFFFFF"/>
+                </a:solidFill>
+                <a:latin typeface="Verdana"/>
+                <a:ea typeface="Verdana"/>
+              </a:rPr>
+              <a:t>Bellanova</a:t>
+            </a:r>
+            <a:endParaRPr lang="it-IT" sz="2500" b="0" strike="noStrike" spc="-1" dirty="0">
+              <a:latin typeface="Arial"/>
+            </a:endParaRPr>
+          </a:p>
+          <a:p>
+            <a:pPr marL="7920">
+              <a:lnSpc>
+                <a:spcPct val="90000"/>
+              </a:lnSpc>
+              <a:spcBef>
+                <a:spcPts val="1001"/>
+              </a:spcBef>
+              <a:buNone/>
+              <a:tabLst>
+                <a:tab pos="0" algn="l"/>
+              </a:tabLst>
+            </a:pPr>
+            <a:r>
+              <a:rPr lang="it-IT" sz="2500" b="0" strike="noStrike" spc="-1" dirty="0">
+                <a:solidFill>
+                  <a:srgbClr val="FFFFFF"/>
+                </a:solidFill>
+                <a:latin typeface="Verdana"/>
+                <a:ea typeface="Verdana"/>
+              </a:rPr>
+              <a:t>Giulio Beltrami</a:t>
+            </a:r>
+            <a:endParaRPr lang="it-IT" sz="2500" b="0" strike="noStrike" spc="-1" dirty="0">
+              <a:latin typeface="Arial"/>
+            </a:endParaRPr>
+          </a:p>
+          <a:p>
+            <a:pPr marL="7920">
+              <a:lnSpc>
+                <a:spcPct val="90000"/>
+              </a:lnSpc>
+              <a:spcBef>
+                <a:spcPts val="1001"/>
+              </a:spcBef>
+              <a:buNone/>
+              <a:tabLst>
+                <a:tab pos="0" algn="l"/>
+              </a:tabLst>
+            </a:pPr>
+            <a:r>
+              <a:rPr lang="it-IT" sz="2500" b="0" strike="noStrike" spc="-1" dirty="0">
+                <a:solidFill>
+                  <a:srgbClr val="FFFFFF"/>
+                </a:solidFill>
+                <a:latin typeface="Verdana"/>
+                <a:ea typeface="Verdana"/>
+              </a:rPr>
+              <a:t>Marco </a:t>
+            </a:r>
+            <a:r>
+              <a:rPr lang="it-IT" sz="2500" b="0" strike="noStrike" spc="-1" dirty="0" err="1">
+                <a:solidFill>
+                  <a:srgbClr val="FFFFFF"/>
+                </a:solidFill>
+                <a:latin typeface="Verdana"/>
+                <a:ea typeface="Verdana"/>
+              </a:rPr>
+              <a:t>Minarelli</a:t>
+            </a:r>
+            <a:endParaRPr lang="it-IT" sz="2500" b="0" strike="noStrike" spc="-1" dirty="0">
+              <a:latin typeface="Arial"/>
+            </a:endParaRPr>
+          </a:p>
+          <a:p>
+            <a:pPr marL="7920">
+              <a:lnSpc>
+                <a:spcPct val="90000"/>
+              </a:lnSpc>
+              <a:spcBef>
+                <a:spcPts val="1001"/>
+              </a:spcBef>
+              <a:buNone/>
+              <a:tabLst>
+                <a:tab pos="0" algn="l"/>
+              </a:tabLst>
+            </a:pPr>
+            <a:endParaRPr lang="it-IT" sz="2500" b="0" strike="noStrike" spc="-1" dirty="0">
+              <a:latin typeface="Arial"/>
+            </a:endParaRPr>
+          </a:p>
+        </p:txBody>
+      </p:sp>
+      <p:sp>
+        <p:nvSpPr>
+          <p:cNvPr id="86" name="PlaceHolder 2"/>
+          <p:cNvSpPr>
+            <a:spLocks noGrp="1"/>
+          </p:cNvSpPr>
+          <p:nvPr>
+            <p:ph type="title"/>
+          </p:nvPr>
+        </p:nvSpPr>
+        <p:spPr>
+          <a:xfrm>
+            <a:off x="1542018" y="1802488"/>
+            <a:ext cx="8772840" cy="1971843"/>
+          </a:xfrm>
+          <a:prstGeom prst="rect">
+            <a:avLst/>
+          </a:prstGeom>
+          <a:noFill/>
+          <a:ln w="0">
+            <a:noFill/>
+          </a:ln>
+        </p:spPr>
+        <p:txBody>
+          <a:bodyPr lIns="90000" tIns="45000" rIns="90000" bIns="45000" anchor="t">
+            <a:normAutofit fontScale="90000"/>
+          </a:bodyPr>
+          <a:lstStyle/>
+          <a:p>
+            <a:pPr>
+              <a:lnSpc>
+                <a:spcPct val="90000"/>
+              </a:lnSpc>
+              <a:buNone/>
+            </a:pPr>
+            <a:r>
+              <a:rPr lang="it-IT" sz="5000" b="0" strike="noStrike" spc="-1" dirty="0">
+                <a:solidFill>
+                  <a:srgbClr val="FFFFFF"/>
+                </a:solidFill>
+                <a:latin typeface="Verdana"/>
+                <a:ea typeface="Verdana"/>
+              </a:rPr>
+              <a:t>Controllo tramite </a:t>
+            </a:r>
+            <a:r>
+              <a:rPr lang="it-IT" sz="5000" spc="-1" dirty="0">
+                <a:solidFill>
+                  <a:srgbClr val="FFFFFF"/>
+                </a:solidFill>
+                <a:latin typeface="Verdana"/>
+                <a:ea typeface="Verdana"/>
+              </a:rPr>
+              <a:t>Potenziali Artificiali di un Rover con marker</a:t>
+            </a:r>
+            <a:r>
+              <a:rPr lang="it-IT" sz="5000" b="0" strike="noStrike" spc="-1" dirty="0">
+                <a:solidFill>
+                  <a:srgbClr val="FFFFFF"/>
+                </a:solidFill>
+                <a:latin typeface="Verdana"/>
+                <a:ea typeface="Verdana"/>
+              </a:rPr>
+              <a:t> </a:t>
+            </a:r>
+            <a:r>
+              <a:rPr lang="it-IT" sz="5000" b="0" strike="noStrike" spc="-1" dirty="0" err="1">
+                <a:solidFill>
+                  <a:srgbClr val="FFFFFF"/>
+                </a:solidFill>
+                <a:latin typeface="Verdana"/>
+                <a:ea typeface="Verdana"/>
+              </a:rPr>
+              <a:t>ArUco</a:t>
+            </a:r>
+            <a:endParaRPr lang="it-IT" sz="5000" b="0" strike="noStrike" spc="-1" dirty="0">
+              <a:latin typeface="Arial"/>
+            </a:endParaRPr>
+          </a:p>
+        </p:txBody>
+      </p:sp>
+      <p:sp>
+        <p:nvSpPr>
+          <p:cNvPr id="87" name="CasellaDiTesto 3"/>
+          <p:cNvSpPr/>
+          <p:nvPr/>
+        </p:nvSpPr>
+        <p:spPr>
+          <a:xfrm>
+            <a:off x="8871120" y="246600"/>
+            <a:ext cx="3233520" cy="912600"/>
+          </a:xfrm>
+          <a:prstGeom prst="rect">
+            <a:avLst/>
+          </a:prstGeom>
+          <a:noFill/>
+          <a:ln w="0">
+            <a:noFill/>
+          </a:ln>
+        </p:spPr>
+        <p:style>
+          <a:lnRef idx="0">
+            <a:scrgbClr r="0" g="0" b="0"/>
+          </a:lnRef>
+          <a:fillRef idx="0">
+            <a:scrgbClr r="0" g="0" b="0"/>
+          </a:fillRef>
+          <a:effectRef idx="0">
+            <a:scrgbClr r="0" g="0" b="0"/>
+          </a:effectRef>
+          <a:fontRef idx="minor"/>
+        </p:style>
+        <p:txBody>
+          <a:bodyPr lIns="90000" tIns="45000" rIns="90000" bIns="45000" anchor="t">
+            <a:spAutoFit/>
+          </a:bodyPr>
+          <a:lstStyle/>
+          <a:p>
+            <a:pPr marL="0" marR="0" lvl="0" indent="0" algn="l" defTabSz="914400" rtl="0" eaLnBrk="1" fontAlgn="auto" latinLnBrk="0" hangingPunct="1">
+              <a:lnSpc>
+                <a:spcPct val="100000"/>
+              </a:lnSpc>
+              <a:spcBef>
+                <a:spcPts val="0"/>
+              </a:spcBef>
+              <a:spcAft>
+                <a:spcPts val="0"/>
+              </a:spcAft>
+              <a:buClrTx/>
+              <a:buSzTx/>
+              <a:buFontTx/>
+              <a:buNone/>
+              <a:tabLst/>
+              <a:defRPr/>
+            </a:pPr>
+            <a:r>
+              <a:rPr kumimoji="0" lang="it-IT" sz="1800" b="0" i="0" u="none" strike="noStrike" kern="1200" cap="none" spc="-1" normalizeH="0" baseline="0" noProof="0" dirty="0">
+                <a:ln>
+                  <a:noFill/>
+                </a:ln>
+                <a:solidFill>
+                  <a:srgbClr val="FFFFFF"/>
+                </a:solidFill>
+                <a:effectLst/>
+                <a:uLnTx/>
+                <a:uFillTx/>
+                <a:latin typeface="Calibri"/>
+                <a:ea typeface="DejaVu Sans"/>
+              </a:rPr>
+              <a:t>Corso di laurea in Ingegneria Elettrica e dell’Automazione</a:t>
+            </a:r>
+            <a:endParaRPr kumimoji="0" lang="it-IT" sz="1800" b="0" i="0" u="none" strike="noStrike" kern="1200" cap="none" spc="-1" normalizeH="0" baseline="0" noProof="0" dirty="0">
+              <a:ln>
+                <a:noFill/>
+              </a:ln>
+              <a:solidFill>
+                <a:prstClr val="black"/>
+              </a:solidFill>
+              <a:effectLst/>
+              <a:uLnTx/>
+              <a:uFillTx/>
+              <a:latin typeface="Arial"/>
+            </a:endParaRPr>
+          </a:p>
+        </p:txBody>
+      </p:sp>
+      <p:sp>
+        <p:nvSpPr>
+          <p:cNvPr id="88" name="CasellaDiTesto 4"/>
+          <p:cNvSpPr/>
+          <p:nvPr/>
+        </p:nvSpPr>
+        <p:spPr>
+          <a:xfrm>
+            <a:off x="8749800" y="6089760"/>
+            <a:ext cx="4131000" cy="363960"/>
+          </a:xfrm>
+          <a:prstGeom prst="rect">
+            <a:avLst/>
+          </a:prstGeom>
+          <a:noFill/>
+          <a:ln w="0">
+            <a:noFill/>
+          </a:ln>
+        </p:spPr>
+        <p:style>
+          <a:lnRef idx="0">
+            <a:scrgbClr r="0" g="0" b="0"/>
+          </a:lnRef>
+          <a:fillRef idx="0">
+            <a:scrgbClr r="0" g="0" b="0"/>
+          </a:fillRef>
+          <a:effectRef idx="0">
+            <a:scrgbClr r="0" g="0" b="0"/>
+          </a:effectRef>
+          <a:fontRef idx="minor"/>
+        </p:style>
+        <p:txBody>
+          <a:bodyPr lIns="90000" tIns="45000" rIns="90000" bIns="45000" anchor="t">
+            <a:spAutoFit/>
+          </a:bodyPr>
+          <a:lstStyle/>
+          <a:p>
+            <a:pPr marL="0" marR="0" lvl="0" indent="0" algn="l" defTabSz="914400" rtl="0" eaLnBrk="1" fontAlgn="auto" latinLnBrk="0" hangingPunct="1">
+              <a:lnSpc>
+                <a:spcPct val="100000"/>
+              </a:lnSpc>
+              <a:spcBef>
+                <a:spcPts val="0"/>
+              </a:spcBef>
+              <a:spcAft>
+                <a:spcPts val="0"/>
+              </a:spcAft>
+              <a:buClrTx/>
+              <a:buSzTx/>
+              <a:buFontTx/>
+              <a:buNone/>
+              <a:tabLst/>
+              <a:defRPr/>
+            </a:pPr>
+            <a:r>
+              <a:rPr kumimoji="0" lang="it-IT" sz="1800" b="0" i="0" u="none" strike="noStrike" kern="1200" cap="none" spc="-1" normalizeH="0" baseline="0" noProof="0" dirty="0">
+                <a:ln>
+                  <a:noFill/>
+                </a:ln>
+                <a:solidFill>
+                  <a:srgbClr val="FFFFFF"/>
+                </a:solidFill>
+                <a:effectLst/>
+                <a:uLnTx/>
+                <a:uFillTx/>
+                <a:latin typeface="Calibri"/>
+                <a:ea typeface="DejaVu Sans"/>
+              </a:rPr>
+              <a:t>Anno accademico 2023/2024</a:t>
+            </a:r>
+            <a:endParaRPr kumimoji="0" lang="it-IT" sz="1800" b="0" i="0" u="none" strike="noStrike" kern="1200" cap="none" spc="-1" normalizeH="0" baseline="0" noProof="0" dirty="0">
+              <a:ln>
+                <a:noFill/>
+              </a:ln>
+              <a:solidFill>
+                <a:prstClr val="black"/>
+              </a:solidFill>
+              <a:effectLst/>
+              <a:uLnTx/>
+              <a:uFillTx/>
+              <a:latin typeface="Arial"/>
+            </a:endParaRPr>
+          </a:p>
+        </p:txBody>
+      </p:sp>
+    </p:spTree>
+    <p:extLst>
+      <p:ext uri="{BB962C8B-B14F-4D97-AF65-F5344CB8AC3E}">
+        <p14:creationId xmlns:p14="http://schemas.microsoft.com/office/powerpoint/2010/main" val="1819209014"/>
+      </p:ext>
+    </p:extLst>
   </p:cSld>
   <p:clrMapOvr>
     <a:masterClrMapping/>
@@ -13094,7 +14634,7 @@
           <p:nvPr/>
         </p:nvPicPr>
         <p:blipFill>
-          <a:blip r:embed="rId4">
+          <a:blip r:embed="rId4" cstate="print">
             <a:extLst>
               <a:ext uri="{28A0092B-C50C-407E-A947-70E740481C1C}">
                 <a14:useLocalDpi xmlns:a14="http://schemas.microsoft.com/office/drawing/2010/main" val="0"/>
@@ -15147,8 +16687,8 @@
           </a:prstGeom>
         </p:spPr>
       </p:pic>
-      <mc:AlternateContent xmlns:mc="http://schemas.openxmlformats.org/markup-compatibility/2006">
-        <mc:Choice xmlns:a14="http://schemas.microsoft.com/office/drawing/2010/main" Requires="a14">
+      <mc:AlternateContent xmlns:mc="http://schemas.openxmlformats.org/markup-compatibility/2006" xmlns:a14="http://schemas.microsoft.com/office/drawing/2010/main">
+        <mc:Choice Requires="a14">
           <p:sp>
             <p:nvSpPr>
               <p:cNvPr id="8" name="CasellaDiTesto 7">
@@ -15226,7 +16766,7 @@
             </p:txBody>
           </p:sp>
         </mc:Choice>
-        <mc:Fallback>
+        <mc:Fallback xmlns="">
           <p:sp>
             <p:nvSpPr>
               <p:cNvPr id="8" name="CasellaDiTesto 7">
@@ -15271,8 +16811,8 @@
           </p:sp>
         </mc:Fallback>
       </mc:AlternateContent>
-      <mc:AlternateContent xmlns:mc="http://schemas.openxmlformats.org/markup-compatibility/2006">
-        <mc:Choice xmlns:a14="http://schemas.microsoft.com/office/drawing/2010/main" Requires="a14">
+      <mc:AlternateContent xmlns:mc="http://schemas.openxmlformats.org/markup-compatibility/2006" xmlns:a14="http://schemas.microsoft.com/office/drawing/2010/main">
+        <mc:Choice Requires="a14">
           <p:sp>
             <p:nvSpPr>
               <p:cNvPr id="12" name="CasellaDiTesto 11">
@@ -15416,7 +16956,7 @@
             </p:txBody>
           </p:sp>
         </mc:Choice>
-        <mc:Fallback>
+        <mc:Fallback xmlns="">
           <p:sp>
             <p:nvSpPr>
               <p:cNvPr id="12" name="CasellaDiTesto 11">

--- a/Presentazione LabAuto.pptx
+++ b/Presentazione LabAuto.pptx
@@ -141,1570 +141,6 @@
     <p1510:client id="{CC52A8C3-708B-4CE7-A848-3F502EC51602}" v="62" dt="2024-06-13T17:00:12.936"/>
   </p1510:revLst>
 </p1510:revInfo>
-</file>
-
-<file path=ppt/changesInfos/changesInfo1.xml><?xml version="1.0" encoding="utf-8"?>
-<pc:chgInfo xmlns:a="http://schemas.openxmlformats.org/drawingml/2006/main" xmlns:r="http://schemas.openxmlformats.org/officeDocument/2006/relationships" xmlns:ac="http://schemas.microsoft.com/office/drawing/2013/main/command" xmlns:pc="http://schemas.microsoft.com/office/powerpoint/2013/main/command">
-  <pc:docChgLst>
-    <pc:chgData name="Giulio Beltrami" userId="e0bbba2c-5e70-403a-8e6b-090771782fcf" providerId="ADAL" clId="{75615983-1094-4174-86F6-1BDEAFC21390}"/>
-    <pc:docChg chg="undo custSel modSld">
-      <pc:chgData name="Giulio Beltrami" userId="e0bbba2c-5e70-403a-8e6b-090771782fcf" providerId="ADAL" clId="{75615983-1094-4174-86F6-1BDEAFC21390}" dt="2024-05-06T09:52:44.758" v="449" actId="1076"/>
-      <pc:docMkLst>
-        <pc:docMk/>
-      </pc:docMkLst>
-      <pc:sldChg chg="modSp mod">
-        <pc:chgData name="Giulio Beltrami" userId="e0bbba2c-5e70-403a-8e6b-090771782fcf" providerId="ADAL" clId="{75615983-1094-4174-86F6-1BDEAFC21390}" dt="2024-05-06T06:34:17.778" v="61" actId="20577"/>
-        <pc:sldMkLst>
-          <pc:docMk/>
-          <pc:sldMk cId="0" sldId="256"/>
-        </pc:sldMkLst>
-        <pc:spChg chg="mod">
-          <ac:chgData name="Giulio Beltrami" userId="e0bbba2c-5e70-403a-8e6b-090771782fcf" providerId="ADAL" clId="{75615983-1094-4174-86F6-1BDEAFC21390}" dt="2024-05-06T06:34:17.778" v="61" actId="20577"/>
-          <ac:spMkLst>
-            <pc:docMk/>
-            <pc:sldMk cId="0" sldId="256"/>
-            <ac:spMk id="86" creationId="{00000000-0000-0000-0000-000000000000}"/>
-          </ac:spMkLst>
-        </pc:spChg>
-      </pc:sldChg>
-      <pc:sldChg chg="addSp modSp mod">
-        <pc:chgData name="Giulio Beltrami" userId="e0bbba2c-5e70-403a-8e6b-090771782fcf" providerId="ADAL" clId="{75615983-1094-4174-86F6-1BDEAFC21390}" dt="2024-05-06T09:52:44.758" v="449" actId="1076"/>
-        <pc:sldMkLst>
-          <pc:docMk/>
-          <pc:sldMk cId="0" sldId="257"/>
-        </pc:sldMkLst>
-        <pc:spChg chg="add mod">
-          <ac:chgData name="Giulio Beltrami" userId="e0bbba2c-5e70-403a-8e6b-090771782fcf" providerId="ADAL" clId="{75615983-1094-4174-86F6-1BDEAFC21390}" dt="2024-05-06T09:52:44.758" v="449" actId="1076"/>
-          <ac:spMkLst>
-            <pc:docMk/>
-            <pc:sldMk cId="0" sldId="257"/>
-            <ac:spMk id="2" creationId="{04782B39-CBD7-6BC1-9C60-78921EDE69DE}"/>
-          </ac:spMkLst>
-        </pc:spChg>
-        <pc:picChg chg="mod">
-          <ac:chgData name="Giulio Beltrami" userId="e0bbba2c-5e70-403a-8e6b-090771782fcf" providerId="ADAL" clId="{75615983-1094-4174-86F6-1BDEAFC21390}" dt="2024-05-06T09:52:37.374" v="448" actId="14100"/>
-          <ac:picMkLst>
-            <pc:docMk/>
-            <pc:sldMk cId="0" sldId="257"/>
-            <ac:picMk id="3" creationId="{D6E93E18-FB1E-5BF8-1035-9970065B86E2}"/>
-          </ac:picMkLst>
-        </pc:picChg>
-      </pc:sldChg>
-      <pc:sldChg chg="addSp delSp modSp mod">
-        <pc:chgData name="Giulio Beltrami" userId="e0bbba2c-5e70-403a-8e6b-090771782fcf" providerId="ADAL" clId="{75615983-1094-4174-86F6-1BDEAFC21390}" dt="2024-05-06T07:56:45.513" v="224" actId="14100"/>
-        <pc:sldMkLst>
-          <pc:docMk/>
-          <pc:sldMk cId="0" sldId="260"/>
-        </pc:sldMkLst>
-        <pc:spChg chg="del mod">
-          <ac:chgData name="Giulio Beltrami" userId="e0bbba2c-5e70-403a-8e6b-090771782fcf" providerId="ADAL" clId="{75615983-1094-4174-86F6-1BDEAFC21390}" dt="2024-05-06T06:53:12.215" v="65" actId="478"/>
-          <ac:spMkLst>
-            <pc:docMk/>
-            <pc:sldMk cId="0" sldId="260"/>
-            <ac:spMk id="105" creationId="{00000000-0000-0000-0000-000000000000}"/>
-          </ac:spMkLst>
-        </pc:spChg>
-        <pc:spChg chg="del mod">
-          <ac:chgData name="Giulio Beltrami" userId="e0bbba2c-5e70-403a-8e6b-090771782fcf" providerId="ADAL" clId="{75615983-1094-4174-86F6-1BDEAFC21390}" dt="2024-05-06T06:53:28.848" v="77" actId="478"/>
-          <ac:spMkLst>
-            <pc:docMk/>
-            <pc:sldMk cId="0" sldId="260"/>
-            <ac:spMk id="107" creationId="{00000000-0000-0000-0000-000000000000}"/>
-          </ac:spMkLst>
-        </pc:spChg>
-        <pc:spChg chg="del mod">
-          <ac:chgData name="Giulio Beltrami" userId="e0bbba2c-5e70-403a-8e6b-090771782fcf" providerId="ADAL" clId="{75615983-1094-4174-86F6-1BDEAFC21390}" dt="2024-05-06T06:33:18.628" v="16" actId="478"/>
-          <ac:spMkLst>
-            <pc:docMk/>
-            <pc:sldMk cId="0" sldId="260"/>
-            <ac:spMk id="109" creationId="{00000000-0000-0000-0000-000000000000}"/>
-          </ac:spMkLst>
-        </pc:spChg>
-        <pc:spChg chg="del mod">
-          <ac:chgData name="Giulio Beltrami" userId="e0bbba2c-5e70-403a-8e6b-090771782fcf" providerId="ADAL" clId="{75615983-1094-4174-86F6-1BDEAFC21390}" dt="2024-05-06T07:07:10.490" v="91" actId="478"/>
-          <ac:spMkLst>
-            <pc:docMk/>
-            <pc:sldMk cId="0" sldId="260"/>
-            <ac:spMk id="113" creationId="{00000000-0000-0000-0000-000000000000}"/>
-          </ac:spMkLst>
-        </pc:spChg>
-        <pc:picChg chg="add mod">
-          <ac:chgData name="Giulio Beltrami" userId="e0bbba2c-5e70-403a-8e6b-090771782fcf" providerId="ADAL" clId="{75615983-1094-4174-86F6-1BDEAFC21390}" dt="2024-05-06T06:55:34.559" v="82" actId="1076"/>
-          <ac:picMkLst>
-            <pc:docMk/>
-            <pc:sldMk cId="0" sldId="260"/>
-            <ac:picMk id="3" creationId="{E8422789-689D-415A-36CE-D5E9C4EC2747}"/>
-          </ac:picMkLst>
-        </pc:picChg>
-        <pc:picChg chg="add del mod">
-          <ac:chgData name="Giulio Beltrami" userId="e0bbba2c-5e70-403a-8e6b-090771782fcf" providerId="ADAL" clId="{75615983-1094-4174-86F6-1BDEAFC21390}" dt="2024-05-06T06:53:48.106" v="80" actId="478"/>
-          <ac:picMkLst>
-            <pc:docMk/>
-            <pc:sldMk cId="0" sldId="260"/>
-            <ac:picMk id="5" creationId="{1376FECF-46C4-723A-C9A1-BC15B04F253E}"/>
-          </ac:picMkLst>
-        </pc:picChg>
-        <pc:picChg chg="add del mod">
-          <ac:chgData name="Giulio Beltrami" userId="e0bbba2c-5e70-403a-8e6b-090771782fcf" providerId="ADAL" clId="{75615983-1094-4174-86F6-1BDEAFC21390}" dt="2024-05-06T06:53:48.713" v="81" actId="478"/>
-          <ac:picMkLst>
-            <pc:docMk/>
-            <pc:sldMk cId="0" sldId="260"/>
-            <ac:picMk id="7" creationId="{096CA52F-A5BE-E887-2FC0-750F778DC0A6}"/>
-          </ac:picMkLst>
-        </pc:picChg>
-        <pc:picChg chg="add mod">
-          <ac:chgData name="Giulio Beltrami" userId="e0bbba2c-5e70-403a-8e6b-090771782fcf" providerId="ADAL" clId="{75615983-1094-4174-86F6-1BDEAFC21390}" dt="2024-05-06T07:07:57.247" v="102" actId="14100"/>
-          <ac:picMkLst>
-            <pc:docMk/>
-            <pc:sldMk cId="0" sldId="260"/>
-            <ac:picMk id="9" creationId="{6740CD09-766B-56AB-97D0-23F23EFF7329}"/>
-          </ac:picMkLst>
-        </pc:picChg>
-        <pc:picChg chg="add mod">
-          <ac:chgData name="Giulio Beltrami" userId="e0bbba2c-5e70-403a-8e6b-090771782fcf" providerId="ADAL" clId="{75615983-1094-4174-86F6-1BDEAFC21390}" dt="2024-05-06T06:55:53.213" v="88" actId="1076"/>
-          <ac:picMkLst>
-            <pc:docMk/>
-            <pc:sldMk cId="0" sldId="260"/>
-            <ac:picMk id="11" creationId="{CABD73F2-4B21-FD84-B62F-7AF7BBB05A19}"/>
-          </ac:picMkLst>
-        </pc:picChg>
-        <pc:picChg chg="add del mod">
-          <ac:chgData name="Giulio Beltrami" userId="e0bbba2c-5e70-403a-8e6b-090771782fcf" providerId="ADAL" clId="{75615983-1094-4174-86F6-1BDEAFC21390}" dt="2024-05-06T07:12:47.815" v="115" actId="478"/>
-          <ac:picMkLst>
-            <pc:docMk/>
-            <pc:sldMk cId="0" sldId="260"/>
-            <ac:picMk id="13" creationId="{761DB654-921B-4789-5EA0-6C30F5EE5B55}"/>
-          </ac:picMkLst>
-        </pc:picChg>
-        <pc:picChg chg="add mod">
-          <ac:chgData name="Giulio Beltrami" userId="e0bbba2c-5e70-403a-8e6b-090771782fcf" providerId="ADAL" clId="{75615983-1094-4174-86F6-1BDEAFC21390}" dt="2024-05-06T07:56:37.870" v="221" actId="14100"/>
-          <ac:picMkLst>
-            <pc:docMk/>
-            <pc:sldMk cId="0" sldId="260"/>
-            <ac:picMk id="15" creationId="{C1922D88-B158-7975-5FE0-D1D54C8A037C}"/>
-          </ac:picMkLst>
-        </pc:picChg>
-        <pc:picChg chg="add mod">
-          <ac:chgData name="Giulio Beltrami" userId="e0bbba2c-5e70-403a-8e6b-090771782fcf" providerId="ADAL" clId="{75615983-1094-4174-86F6-1BDEAFC21390}" dt="2024-05-06T07:56:45.513" v="224" actId="14100"/>
-          <ac:picMkLst>
-            <pc:docMk/>
-            <pc:sldMk cId="0" sldId="260"/>
-            <ac:picMk id="17" creationId="{FD5EF55D-8CE4-2B36-095F-66AD3A1F8822}"/>
-          </ac:picMkLst>
-        </pc:picChg>
-      </pc:sldChg>
-      <pc:sldChg chg="addSp delSp modSp mod">
-        <pc:chgData name="Giulio Beltrami" userId="e0bbba2c-5e70-403a-8e6b-090771782fcf" providerId="ADAL" clId="{75615983-1094-4174-86F6-1BDEAFC21390}" dt="2024-05-06T07:19:30.177" v="146" actId="14100"/>
-        <pc:sldMkLst>
-          <pc:docMk/>
-          <pc:sldMk cId="0" sldId="261"/>
-        </pc:sldMkLst>
-        <pc:spChg chg="del">
-          <ac:chgData name="Giulio Beltrami" userId="e0bbba2c-5e70-403a-8e6b-090771782fcf" providerId="ADAL" clId="{75615983-1094-4174-86F6-1BDEAFC21390}" dt="2024-05-06T07:08:34.043" v="107" actId="478"/>
-          <ac:spMkLst>
-            <pc:docMk/>
-            <pc:sldMk cId="0" sldId="261"/>
-            <ac:spMk id="115" creationId="{00000000-0000-0000-0000-000000000000}"/>
-          </ac:spMkLst>
-        </pc:spChg>
-        <pc:spChg chg="del">
-          <ac:chgData name="Giulio Beltrami" userId="e0bbba2c-5e70-403a-8e6b-090771782fcf" providerId="ADAL" clId="{75615983-1094-4174-86F6-1BDEAFC21390}" dt="2024-05-06T07:08:31.339" v="106" actId="478"/>
-          <ac:spMkLst>
-            <pc:docMk/>
-            <pc:sldMk cId="0" sldId="261"/>
-            <ac:spMk id="117" creationId="{00000000-0000-0000-0000-000000000000}"/>
-          </ac:spMkLst>
-        </pc:spChg>
-        <pc:spChg chg="del">
-          <ac:chgData name="Giulio Beltrami" userId="e0bbba2c-5e70-403a-8e6b-090771782fcf" providerId="ADAL" clId="{75615983-1094-4174-86F6-1BDEAFC21390}" dt="2024-05-06T07:07:24.466" v="94" actId="478"/>
-          <ac:spMkLst>
-            <pc:docMk/>
-            <pc:sldMk cId="0" sldId="261"/>
-            <ac:spMk id="118" creationId="{00000000-0000-0000-0000-000000000000}"/>
-          </ac:spMkLst>
-        </pc:spChg>
-        <pc:spChg chg="del">
-          <ac:chgData name="Giulio Beltrami" userId="e0bbba2c-5e70-403a-8e6b-090771782fcf" providerId="ADAL" clId="{75615983-1094-4174-86F6-1BDEAFC21390}" dt="2024-05-06T07:07:49.792" v="99" actId="478"/>
-          <ac:spMkLst>
-            <pc:docMk/>
-            <pc:sldMk cId="0" sldId="261"/>
-            <ac:spMk id="119" creationId="{00000000-0000-0000-0000-000000000000}"/>
-          </ac:spMkLst>
-        </pc:spChg>
-        <pc:picChg chg="add mod">
-          <ac:chgData name="Giulio Beltrami" userId="e0bbba2c-5e70-403a-8e6b-090771782fcf" providerId="ADAL" clId="{75615983-1094-4174-86F6-1BDEAFC21390}" dt="2024-05-06T07:08:39.578" v="108" actId="1076"/>
-          <ac:picMkLst>
-            <pc:docMk/>
-            <pc:sldMk cId="0" sldId="261"/>
-            <ac:picMk id="3" creationId="{60E7DD48-7F42-DFE4-E7ED-66B0F31FF4A0}"/>
-          </ac:picMkLst>
-        </pc:picChg>
-        <pc:picChg chg="add del mod">
-          <ac:chgData name="Giulio Beltrami" userId="e0bbba2c-5e70-403a-8e6b-090771782fcf" providerId="ADAL" clId="{75615983-1094-4174-86F6-1BDEAFC21390}" dt="2024-05-06T07:16:01.483" v="120" actId="478"/>
-          <ac:picMkLst>
-            <pc:docMk/>
-            <pc:sldMk cId="0" sldId="261"/>
-            <ac:picMk id="5" creationId="{F2935217-844E-0D07-C45B-94F73FBD8128}"/>
-          </ac:picMkLst>
-        </pc:picChg>
-        <pc:picChg chg="add mod">
-          <ac:chgData name="Giulio Beltrami" userId="e0bbba2c-5e70-403a-8e6b-090771782fcf" providerId="ADAL" clId="{75615983-1094-4174-86F6-1BDEAFC21390}" dt="2024-05-06T07:09:13.740" v="113" actId="14100"/>
-          <ac:picMkLst>
-            <pc:docMk/>
-            <pc:sldMk cId="0" sldId="261"/>
-            <ac:picMk id="7" creationId="{DD59CABE-83A3-D538-3AD8-901AC1286E22}"/>
-          </ac:picMkLst>
-        </pc:picChg>
-        <pc:picChg chg="add mod">
-          <ac:chgData name="Giulio Beltrami" userId="e0bbba2c-5e70-403a-8e6b-090771782fcf" providerId="ADAL" clId="{75615983-1094-4174-86F6-1BDEAFC21390}" dt="2024-05-06T07:19:21.225" v="143" actId="1076"/>
-          <ac:picMkLst>
-            <pc:docMk/>
-            <pc:sldMk cId="0" sldId="261"/>
-            <ac:picMk id="9" creationId="{ADE7A7CA-EEE2-AFA0-7256-B7316628FCEE}"/>
-          </ac:picMkLst>
-        </pc:picChg>
-        <pc:picChg chg="add mod">
-          <ac:chgData name="Giulio Beltrami" userId="e0bbba2c-5e70-403a-8e6b-090771782fcf" providerId="ADAL" clId="{75615983-1094-4174-86F6-1BDEAFC21390}" dt="2024-05-06T07:19:30.177" v="146" actId="14100"/>
-          <ac:picMkLst>
-            <pc:docMk/>
-            <pc:sldMk cId="0" sldId="261"/>
-            <ac:picMk id="11" creationId="{CB30D64F-1F09-B963-F2D6-FB8A4C54F2B5}"/>
-          </ac:picMkLst>
-        </pc:picChg>
-      </pc:sldChg>
-      <pc:sldChg chg="addSp delSp modSp mod">
-        <pc:chgData name="Giulio Beltrami" userId="e0bbba2c-5e70-403a-8e6b-090771782fcf" providerId="ADAL" clId="{75615983-1094-4174-86F6-1BDEAFC21390}" dt="2024-05-06T07:25:12.956" v="173" actId="1076"/>
-        <pc:sldMkLst>
-          <pc:docMk/>
-          <pc:sldMk cId="0" sldId="262"/>
-        </pc:sldMkLst>
-        <pc:spChg chg="del">
-          <ac:chgData name="Giulio Beltrami" userId="e0bbba2c-5e70-403a-8e6b-090771782fcf" providerId="ADAL" clId="{75615983-1094-4174-86F6-1BDEAFC21390}" dt="2024-05-06T07:16:17.217" v="121" actId="478"/>
-          <ac:spMkLst>
-            <pc:docMk/>
-            <pc:sldMk cId="0" sldId="262"/>
-            <ac:spMk id="122" creationId="{00000000-0000-0000-0000-000000000000}"/>
-          </ac:spMkLst>
-        </pc:spChg>
-        <pc:spChg chg="del mod">
-          <ac:chgData name="Giulio Beltrami" userId="e0bbba2c-5e70-403a-8e6b-090771782fcf" providerId="ADAL" clId="{75615983-1094-4174-86F6-1BDEAFC21390}" dt="2024-05-06T07:24:12.946" v="149" actId="478"/>
-          <ac:spMkLst>
-            <pc:docMk/>
-            <pc:sldMk cId="0" sldId="262"/>
-            <ac:spMk id="123" creationId="{00000000-0000-0000-0000-000000000000}"/>
-          </ac:spMkLst>
-        </pc:spChg>
-        <pc:spChg chg="del mod">
-          <ac:chgData name="Giulio Beltrami" userId="e0bbba2c-5e70-403a-8e6b-090771782fcf" providerId="ADAL" clId="{75615983-1094-4174-86F6-1BDEAFC21390}" dt="2024-05-06T07:24:11.241" v="148" actId="478"/>
-          <ac:spMkLst>
-            <pc:docMk/>
-            <pc:sldMk cId="0" sldId="262"/>
-            <ac:spMk id="124" creationId="{00000000-0000-0000-0000-000000000000}"/>
-          </ac:spMkLst>
-        </pc:spChg>
-        <pc:picChg chg="add mod">
-          <ac:chgData name="Giulio Beltrami" userId="e0bbba2c-5e70-403a-8e6b-090771782fcf" providerId="ADAL" clId="{75615983-1094-4174-86F6-1BDEAFC21390}" dt="2024-05-06T07:16:59.388" v="135" actId="1076"/>
-          <ac:picMkLst>
-            <pc:docMk/>
-            <pc:sldMk cId="0" sldId="262"/>
-            <ac:picMk id="3" creationId="{37A8DE77-88B5-45FE-67C5-49E00E193920}"/>
-          </ac:picMkLst>
-        </pc:picChg>
-        <pc:picChg chg="add mod">
-          <ac:chgData name="Giulio Beltrami" userId="e0bbba2c-5e70-403a-8e6b-090771782fcf" providerId="ADAL" clId="{75615983-1094-4174-86F6-1BDEAFC21390}" dt="2024-05-06T07:16:57.227" v="134" actId="1076"/>
-          <ac:picMkLst>
-            <pc:docMk/>
-            <pc:sldMk cId="0" sldId="262"/>
-            <ac:picMk id="5" creationId="{21F6FA40-3393-52E4-4F8F-D4C76F1E90FB}"/>
-          </ac:picMkLst>
-        </pc:picChg>
-        <pc:picChg chg="add mod">
-          <ac:chgData name="Giulio Beltrami" userId="e0bbba2c-5e70-403a-8e6b-090771782fcf" providerId="ADAL" clId="{75615983-1094-4174-86F6-1BDEAFC21390}" dt="2024-05-06T07:16:55.541" v="133" actId="1076"/>
-          <ac:picMkLst>
-            <pc:docMk/>
-            <pc:sldMk cId="0" sldId="262"/>
-            <ac:picMk id="7" creationId="{DE3D8ECA-9D3C-07C7-DD2A-619B3BEC40BF}"/>
-          </ac:picMkLst>
-        </pc:picChg>
-        <pc:picChg chg="add mod">
-          <ac:chgData name="Giulio Beltrami" userId="e0bbba2c-5e70-403a-8e6b-090771782fcf" providerId="ADAL" clId="{75615983-1094-4174-86F6-1BDEAFC21390}" dt="2024-05-06T07:24:55.717" v="162" actId="1076"/>
-          <ac:picMkLst>
-            <pc:docMk/>
-            <pc:sldMk cId="0" sldId="262"/>
-            <ac:picMk id="9" creationId="{3EB6B0C6-4C4E-88BB-7D9B-C689576F33FE}"/>
-          </ac:picMkLst>
-        </pc:picChg>
-        <pc:picChg chg="add mod">
-          <ac:chgData name="Giulio Beltrami" userId="e0bbba2c-5e70-403a-8e6b-090771782fcf" providerId="ADAL" clId="{75615983-1094-4174-86F6-1BDEAFC21390}" dt="2024-05-06T07:25:08.882" v="170" actId="1076"/>
-          <ac:picMkLst>
-            <pc:docMk/>
-            <pc:sldMk cId="0" sldId="262"/>
-            <ac:picMk id="11" creationId="{07A58E34-4FD3-7704-E075-B36D7C7C3028}"/>
-          </ac:picMkLst>
-        </pc:picChg>
-        <pc:picChg chg="add mod">
-          <ac:chgData name="Giulio Beltrami" userId="e0bbba2c-5e70-403a-8e6b-090771782fcf" providerId="ADAL" clId="{75615983-1094-4174-86F6-1BDEAFC21390}" dt="2024-05-06T07:25:12.956" v="173" actId="1076"/>
-          <ac:picMkLst>
-            <pc:docMk/>
-            <pc:sldMk cId="0" sldId="262"/>
-            <ac:picMk id="13" creationId="{2C257892-A96C-6906-3B78-2205EF09F4ED}"/>
-          </ac:picMkLst>
-        </pc:picChg>
-        <pc:picChg chg="add mod">
-          <ac:chgData name="Giulio Beltrami" userId="e0bbba2c-5e70-403a-8e6b-090771782fcf" providerId="ADAL" clId="{75615983-1094-4174-86F6-1BDEAFC21390}" dt="2024-05-06T07:24:48.002" v="158" actId="14100"/>
-          <ac:picMkLst>
-            <pc:docMk/>
-            <pc:sldMk cId="0" sldId="262"/>
-            <ac:picMk id="15" creationId="{A26EC5CB-FC24-3664-2089-2AA6C241D358}"/>
-          </ac:picMkLst>
-        </pc:picChg>
-        <pc:picChg chg="add mod">
-          <ac:chgData name="Giulio Beltrami" userId="e0bbba2c-5e70-403a-8e6b-090771782fcf" providerId="ADAL" clId="{75615983-1094-4174-86F6-1BDEAFC21390}" dt="2024-05-06T07:24:49.636" v="159" actId="14100"/>
-          <ac:picMkLst>
-            <pc:docMk/>
-            <pc:sldMk cId="0" sldId="262"/>
-            <ac:picMk id="17" creationId="{EC92398E-EA15-A4FA-2314-01A0A247876D}"/>
-          </ac:picMkLst>
-        </pc:picChg>
-      </pc:sldChg>
-      <pc:sldChg chg="addSp delSp modSp mod">
-        <pc:chgData name="Giulio Beltrami" userId="e0bbba2c-5e70-403a-8e6b-090771782fcf" providerId="ADAL" clId="{75615983-1094-4174-86F6-1BDEAFC21390}" dt="2024-05-06T07:56:19.144" v="220" actId="1076"/>
-        <pc:sldMkLst>
-          <pc:docMk/>
-          <pc:sldMk cId="0" sldId="263"/>
-        </pc:sldMkLst>
-        <pc:spChg chg="add del mod">
-          <ac:chgData name="Giulio Beltrami" userId="e0bbba2c-5e70-403a-8e6b-090771782fcf" providerId="ADAL" clId="{75615983-1094-4174-86F6-1BDEAFC21390}" dt="2024-05-06T07:46:08.845" v="205" actId="478"/>
-          <ac:spMkLst>
-            <pc:docMk/>
-            <pc:sldMk cId="0" sldId="263"/>
-            <ac:spMk id="126" creationId="{00000000-0000-0000-0000-000000000000}"/>
-          </ac:spMkLst>
-        </pc:spChg>
-        <pc:spChg chg="del mod">
-          <ac:chgData name="Giulio Beltrami" userId="e0bbba2c-5e70-403a-8e6b-090771782fcf" providerId="ADAL" clId="{75615983-1094-4174-86F6-1BDEAFC21390}" dt="2024-05-05T08:42:19.029" v="1" actId="478"/>
-          <ac:spMkLst>
-            <pc:docMk/>
-            <pc:sldMk cId="0" sldId="263"/>
-            <ac:spMk id="128" creationId="{00000000-0000-0000-0000-000000000000}"/>
-          </ac:spMkLst>
-        </pc:spChg>
-        <pc:spChg chg="del">
-          <ac:chgData name="Giulio Beltrami" userId="e0bbba2c-5e70-403a-8e6b-090771782fcf" providerId="ADAL" clId="{75615983-1094-4174-86F6-1BDEAFC21390}" dt="2024-05-06T07:54:22.257" v="211" actId="478"/>
-          <ac:spMkLst>
-            <pc:docMk/>
-            <pc:sldMk cId="0" sldId="263"/>
-            <ac:spMk id="129" creationId="{00000000-0000-0000-0000-000000000000}"/>
-          </ac:spMkLst>
-        </pc:spChg>
-        <pc:spChg chg="del mod">
-          <ac:chgData name="Giulio Beltrami" userId="e0bbba2c-5e70-403a-8e6b-090771782fcf" providerId="ADAL" clId="{75615983-1094-4174-86F6-1BDEAFC21390}" dt="2024-05-06T07:55:32.502" v="216" actId="478"/>
-          <ac:spMkLst>
-            <pc:docMk/>
-            <pc:sldMk cId="0" sldId="263"/>
-            <ac:spMk id="130" creationId="{00000000-0000-0000-0000-000000000000}"/>
-          </ac:spMkLst>
-        </pc:spChg>
-        <pc:picChg chg="add del mod">
-          <ac:chgData name="Giulio Beltrami" userId="e0bbba2c-5e70-403a-8e6b-090771782fcf" providerId="ADAL" clId="{75615983-1094-4174-86F6-1BDEAFC21390}" dt="2024-05-05T08:44:35.790" v="4" actId="478"/>
-          <ac:picMkLst>
-            <pc:docMk/>
-            <pc:sldMk cId="0" sldId="263"/>
-            <ac:picMk id="3" creationId="{67D9E763-E1C0-A0EC-B96C-B7DDA9989D37}"/>
-          </ac:picMkLst>
-        </pc:picChg>
-        <pc:picChg chg="add mod">
-          <ac:chgData name="Giulio Beltrami" userId="e0bbba2c-5e70-403a-8e6b-090771782fcf" providerId="ADAL" clId="{75615983-1094-4174-86F6-1BDEAFC21390}" dt="2024-05-06T06:31:57.299" v="11" actId="1076"/>
-          <ac:picMkLst>
-            <pc:docMk/>
-            <pc:sldMk cId="0" sldId="263"/>
-            <ac:picMk id="3" creationId="{EF95C93D-D703-F427-646B-E5C955EDEBF1}"/>
-          </ac:picMkLst>
-        </pc:picChg>
-        <pc:picChg chg="add mod">
-          <ac:chgData name="Giulio Beltrami" userId="e0bbba2c-5e70-403a-8e6b-090771782fcf" providerId="ADAL" clId="{75615983-1094-4174-86F6-1BDEAFC21390}" dt="2024-05-06T07:52:10.587" v="210" actId="1076"/>
-          <ac:picMkLst>
-            <pc:docMk/>
-            <pc:sldMk cId="0" sldId="263"/>
-            <ac:picMk id="5" creationId="{7E8976B2-01D4-7998-FE36-1B720BC72D69}"/>
-          </ac:picMkLst>
-        </pc:picChg>
-        <pc:picChg chg="add mod">
-          <ac:chgData name="Giulio Beltrami" userId="e0bbba2c-5e70-403a-8e6b-090771782fcf" providerId="ADAL" clId="{75615983-1094-4174-86F6-1BDEAFC21390}" dt="2024-05-06T07:55:26.521" v="215" actId="1076"/>
-          <ac:picMkLst>
-            <pc:docMk/>
-            <pc:sldMk cId="0" sldId="263"/>
-            <ac:picMk id="7" creationId="{901BD27A-44CA-41DD-82D9-8D3167D2343B}"/>
-          </ac:picMkLst>
-        </pc:picChg>
-        <pc:picChg chg="add mod">
-          <ac:chgData name="Giulio Beltrami" userId="e0bbba2c-5e70-403a-8e6b-090771782fcf" providerId="ADAL" clId="{75615983-1094-4174-86F6-1BDEAFC21390}" dt="2024-05-06T07:56:19.144" v="220" actId="1076"/>
-          <ac:picMkLst>
-            <pc:docMk/>
-            <pc:sldMk cId="0" sldId="263"/>
-            <ac:picMk id="9" creationId="{E6091B78-62D2-AC10-F176-AAAC81AE17CD}"/>
-          </ac:picMkLst>
-        </pc:picChg>
-      </pc:sldChg>
-      <pc:sldChg chg="addSp delSp modSp mod">
-        <pc:chgData name="Giulio Beltrami" userId="e0bbba2c-5e70-403a-8e6b-090771782fcf" providerId="ADAL" clId="{75615983-1094-4174-86F6-1BDEAFC21390}" dt="2024-05-06T07:38:49.078" v="192" actId="1076"/>
-        <pc:sldMkLst>
-          <pc:docMk/>
-          <pc:sldMk cId="0" sldId="264"/>
-        </pc:sldMkLst>
-        <pc:spChg chg="del">
-          <ac:chgData name="Giulio Beltrami" userId="e0bbba2c-5e70-403a-8e6b-090771782fcf" providerId="ADAL" clId="{75615983-1094-4174-86F6-1BDEAFC21390}" dt="2024-05-06T07:37:33.093" v="185" actId="478"/>
-          <ac:spMkLst>
-            <pc:docMk/>
-            <pc:sldMk cId="0" sldId="264"/>
-            <ac:spMk id="133" creationId="{00000000-0000-0000-0000-000000000000}"/>
-          </ac:spMkLst>
-        </pc:spChg>
-        <pc:spChg chg="mod">
-          <ac:chgData name="Giulio Beltrami" userId="e0bbba2c-5e70-403a-8e6b-090771782fcf" providerId="ADAL" clId="{75615983-1094-4174-86F6-1BDEAFC21390}" dt="2024-05-06T07:38:46.151" v="191" actId="1076"/>
-          <ac:spMkLst>
-            <pc:docMk/>
-            <pc:sldMk cId="0" sldId="264"/>
-            <ac:spMk id="134" creationId="{00000000-0000-0000-0000-000000000000}"/>
-          </ac:spMkLst>
-        </pc:spChg>
-        <pc:picChg chg="add del mod">
-          <ac:chgData name="Giulio Beltrami" userId="e0bbba2c-5e70-403a-8e6b-090771782fcf" providerId="ADAL" clId="{75615983-1094-4174-86F6-1BDEAFC21390}" dt="2024-05-06T07:37:46.342" v="187" actId="478"/>
-          <ac:picMkLst>
-            <pc:docMk/>
-            <pc:sldMk cId="0" sldId="264"/>
-            <ac:picMk id="3" creationId="{367D103D-8793-CA39-3C2C-D160E76011AC}"/>
-          </ac:picMkLst>
-        </pc:picChg>
-        <pc:picChg chg="add mod">
-          <ac:chgData name="Giulio Beltrami" userId="e0bbba2c-5e70-403a-8e6b-090771782fcf" providerId="ADAL" clId="{75615983-1094-4174-86F6-1BDEAFC21390}" dt="2024-05-06T07:38:49.078" v="192" actId="1076"/>
-          <ac:picMkLst>
-            <pc:docMk/>
-            <pc:sldMk cId="0" sldId="264"/>
-            <ac:picMk id="5" creationId="{1597D2F8-DCBC-E080-A937-CDA10F0CD3AA}"/>
-          </ac:picMkLst>
-        </pc:picChg>
-      </pc:sldChg>
-    </pc:docChg>
-  </pc:docChgLst>
-  <pc:docChgLst>
-    <pc:chgData name="Giulio Beltrami" userId="e0bbba2c-5e70-403a-8e6b-090771782fcf" providerId="ADAL" clId="{CC52A8C3-708B-4CE7-A848-3F502EC51602}"/>
-    <pc:docChg chg="undo custSel addSld delSld modSld sldOrd">
-      <pc:chgData name="Giulio Beltrami" userId="e0bbba2c-5e70-403a-8e6b-090771782fcf" providerId="ADAL" clId="{CC52A8C3-708B-4CE7-A848-3F502EC51602}" dt="2024-06-13T17:01:53.706" v="2926" actId="478"/>
-      <pc:docMkLst>
-        <pc:docMk/>
-      </pc:docMkLst>
-      <pc:sldChg chg="del">
-        <pc:chgData name="Giulio Beltrami" userId="e0bbba2c-5e70-403a-8e6b-090771782fcf" providerId="ADAL" clId="{CC52A8C3-708B-4CE7-A848-3F502EC51602}" dt="2024-06-11T12:44:47.588" v="1" actId="47"/>
-        <pc:sldMkLst>
-          <pc:docMk/>
-          <pc:sldMk cId="0" sldId="256"/>
-        </pc:sldMkLst>
-      </pc:sldChg>
-      <pc:sldChg chg="delSp modSp mod">
-        <pc:chgData name="Giulio Beltrami" userId="e0bbba2c-5e70-403a-8e6b-090771782fcf" providerId="ADAL" clId="{CC52A8C3-708B-4CE7-A848-3F502EC51602}" dt="2024-06-13T16:34:06.615" v="2729" actId="20577"/>
-        <pc:sldMkLst>
-          <pc:docMk/>
-          <pc:sldMk cId="0" sldId="257"/>
-        </pc:sldMkLst>
-        <pc:spChg chg="mod">
-          <ac:chgData name="Giulio Beltrami" userId="e0bbba2c-5e70-403a-8e6b-090771782fcf" providerId="ADAL" clId="{CC52A8C3-708B-4CE7-A848-3F502EC51602}" dt="2024-06-13T15:42:47.743" v="1238" actId="20577"/>
-          <ac:spMkLst>
-            <pc:docMk/>
-            <pc:sldMk cId="0" sldId="257"/>
-            <ac:spMk id="2" creationId="{04782B39-CBD7-6BC1-9C60-78921EDE69DE}"/>
-          </ac:spMkLst>
-        </pc:spChg>
-        <pc:spChg chg="mod">
-          <ac:chgData name="Giulio Beltrami" userId="e0bbba2c-5e70-403a-8e6b-090771782fcf" providerId="ADAL" clId="{CC52A8C3-708B-4CE7-A848-3F502EC51602}" dt="2024-06-13T16:34:06.615" v="2729" actId="20577"/>
-          <ac:spMkLst>
-            <pc:docMk/>
-            <pc:sldMk cId="0" sldId="257"/>
-            <ac:spMk id="89" creationId="{00000000-0000-0000-0000-000000000000}"/>
-          </ac:spMkLst>
-        </pc:spChg>
-        <pc:picChg chg="del">
-          <ac:chgData name="Giulio Beltrami" userId="e0bbba2c-5e70-403a-8e6b-090771782fcf" providerId="ADAL" clId="{CC52A8C3-708B-4CE7-A848-3F502EC51602}" dt="2024-06-11T12:48:53.724" v="10" actId="478"/>
-          <ac:picMkLst>
-            <pc:docMk/>
-            <pc:sldMk cId="0" sldId="257"/>
-            <ac:picMk id="3" creationId="{D6E93E18-FB1E-5BF8-1035-9970065B86E2}"/>
-          </ac:picMkLst>
-        </pc:picChg>
-        <pc:picChg chg="mod">
-          <ac:chgData name="Giulio Beltrami" userId="e0bbba2c-5e70-403a-8e6b-090771782fcf" providerId="ADAL" clId="{CC52A8C3-708B-4CE7-A848-3F502EC51602}" dt="2024-06-11T12:48:59.505" v="12" actId="1076"/>
-          <ac:picMkLst>
-            <pc:docMk/>
-            <pc:sldMk cId="0" sldId="257"/>
-            <ac:picMk id="92" creationId="{00000000-0000-0000-0000-000000000000}"/>
-          </ac:picMkLst>
-        </pc:picChg>
-      </pc:sldChg>
-      <pc:sldChg chg="addSp delSp modSp mod">
-        <pc:chgData name="Giulio Beltrami" userId="e0bbba2c-5e70-403a-8e6b-090771782fcf" providerId="ADAL" clId="{CC52A8C3-708B-4CE7-A848-3F502EC51602}" dt="2024-06-13T16:59:13.662" v="2817"/>
-        <pc:sldMkLst>
-          <pc:docMk/>
-          <pc:sldMk cId="0" sldId="258"/>
-        </pc:sldMkLst>
-        <pc:spChg chg="add mod">
-          <ac:chgData name="Giulio Beltrami" userId="e0bbba2c-5e70-403a-8e6b-090771782fcf" providerId="ADAL" clId="{CC52A8C3-708B-4CE7-A848-3F502EC51602}" dt="2024-06-13T16:34:47.015" v="2732"/>
-          <ac:spMkLst>
-            <pc:docMk/>
-            <pc:sldMk cId="0" sldId="258"/>
-            <ac:spMk id="4" creationId="{EFB51592-E503-4928-7FB1-3F2E031DD28F}"/>
-          </ac:spMkLst>
-        </pc:spChg>
-        <pc:spChg chg="add mod">
-          <ac:chgData name="Giulio Beltrami" userId="e0bbba2c-5e70-403a-8e6b-090771782fcf" providerId="ADAL" clId="{CC52A8C3-708B-4CE7-A848-3F502EC51602}" dt="2024-06-13T16:34:49.996" v="2734"/>
-          <ac:spMkLst>
-            <pc:docMk/>
-            <pc:sldMk cId="0" sldId="258"/>
-            <ac:spMk id="6" creationId="{2E3B15D8-9650-458B-A95A-DFBA664DEF71}"/>
-          </ac:spMkLst>
-        </pc:spChg>
-        <pc:spChg chg="add mod">
-          <ac:chgData name="Giulio Beltrami" userId="e0bbba2c-5e70-403a-8e6b-090771782fcf" providerId="ADAL" clId="{CC52A8C3-708B-4CE7-A848-3F502EC51602}" dt="2024-06-13T16:34:54.264" v="2736"/>
-          <ac:spMkLst>
-            <pc:docMk/>
-            <pc:sldMk cId="0" sldId="258"/>
-            <ac:spMk id="7" creationId="{10F8E0FC-8DFF-5417-18AC-89BD51317C7E}"/>
-          </ac:spMkLst>
-        </pc:spChg>
-        <pc:spChg chg="add mod">
-          <ac:chgData name="Giulio Beltrami" userId="e0bbba2c-5e70-403a-8e6b-090771782fcf" providerId="ADAL" clId="{CC52A8C3-708B-4CE7-A848-3F502EC51602}" dt="2024-06-13T16:58:53.592" v="2813" actId="1076"/>
-          <ac:spMkLst>
-            <pc:docMk/>
-            <pc:sldMk cId="0" sldId="258"/>
-            <ac:spMk id="8" creationId="{1F1EA1D7-0CF6-7D0F-B328-7F3293DBC634}"/>
-          </ac:spMkLst>
-        </pc:spChg>
-        <pc:spChg chg="add del mod">
-          <ac:chgData name="Giulio Beltrami" userId="e0bbba2c-5e70-403a-8e6b-090771782fcf" providerId="ADAL" clId="{CC52A8C3-708B-4CE7-A848-3F502EC51602}" dt="2024-06-13T16:59:07.865" v="2815" actId="478"/>
-          <ac:spMkLst>
-            <pc:docMk/>
-            <pc:sldMk cId="0" sldId="258"/>
-            <ac:spMk id="9" creationId="{D0A87FFB-6DF0-E62C-7F1E-FC9D9D45C44E}"/>
-          </ac:spMkLst>
-        </pc:spChg>
-        <pc:spChg chg="add mod">
-          <ac:chgData name="Giulio Beltrami" userId="e0bbba2c-5e70-403a-8e6b-090771782fcf" providerId="ADAL" clId="{CC52A8C3-708B-4CE7-A848-3F502EC51602}" dt="2024-06-13T16:59:13.662" v="2817"/>
-          <ac:spMkLst>
-            <pc:docMk/>
-            <pc:sldMk cId="0" sldId="258"/>
-            <ac:spMk id="10" creationId="{5F5CD2BD-421B-55A4-5AD8-9D9AD7C8C8CC}"/>
-          </ac:spMkLst>
-        </pc:spChg>
-        <pc:spChg chg="del">
-          <ac:chgData name="Giulio Beltrami" userId="e0bbba2c-5e70-403a-8e6b-090771782fcf" providerId="ADAL" clId="{CC52A8C3-708B-4CE7-A848-3F502EC51602}" dt="2024-06-13T16:59:12.181" v="2816" actId="478"/>
-          <ac:spMkLst>
-            <pc:docMk/>
-            <pc:sldMk cId="0" sldId="258"/>
-            <ac:spMk id="93" creationId="{00000000-0000-0000-0000-000000000000}"/>
-          </ac:spMkLst>
-        </pc:spChg>
-        <pc:spChg chg="mod">
-          <ac:chgData name="Giulio Beltrami" userId="e0bbba2c-5e70-403a-8e6b-090771782fcf" providerId="ADAL" clId="{CC52A8C3-708B-4CE7-A848-3F502EC51602}" dt="2024-06-13T15:49:48.386" v="1533" actId="14100"/>
-          <ac:spMkLst>
-            <pc:docMk/>
-            <pc:sldMk cId="0" sldId="258"/>
-            <ac:spMk id="96" creationId="{00000000-0000-0000-0000-000000000000}"/>
-          </ac:spMkLst>
-        </pc:spChg>
-        <pc:spChg chg="del">
-          <ac:chgData name="Giulio Beltrami" userId="e0bbba2c-5e70-403a-8e6b-090771782fcf" providerId="ADAL" clId="{CC52A8C3-708B-4CE7-A848-3F502EC51602}" dt="2024-06-13T15:46:41.240" v="1269" actId="478"/>
-          <ac:spMkLst>
-            <pc:docMk/>
-            <pc:sldMk cId="0" sldId="258"/>
-            <ac:spMk id="97" creationId="{00000000-0000-0000-0000-000000000000}"/>
-          </ac:spMkLst>
-        </pc:spChg>
-        <pc:picChg chg="add mod">
-          <ac:chgData name="Giulio Beltrami" userId="e0bbba2c-5e70-403a-8e6b-090771782fcf" providerId="ADAL" clId="{CC52A8C3-708B-4CE7-A848-3F502EC51602}" dt="2024-06-13T15:51:09.079" v="1543" actId="1076"/>
-          <ac:picMkLst>
-            <pc:docMk/>
-            <pc:sldMk cId="0" sldId="258"/>
-            <ac:picMk id="3" creationId="{98C748FF-F58C-9806-0AB7-FA5705EFD621}"/>
-          </ac:picMkLst>
-        </pc:picChg>
-        <pc:picChg chg="mod">
-          <ac:chgData name="Giulio Beltrami" userId="e0bbba2c-5e70-403a-8e6b-090771782fcf" providerId="ADAL" clId="{CC52A8C3-708B-4CE7-A848-3F502EC51602}" dt="2024-06-13T15:51:11.548" v="1544" actId="1076"/>
-          <ac:picMkLst>
-            <pc:docMk/>
-            <pc:sldMk cId="0" sldId="258"/>
-            <ac:picMk id="5" creationId="{5122644C-8C8A-A710-8AE1-AAAFED871A6B}"/>
-          </ac:picMkLst>
-        </pc:picChg>
-      </pc:sldChg>
-      <pc:sldChg chg="addSp delSp modSp mod">
-        <pc:chgData name="Giulio Beltrami" userId="e0bbba2c-5e70-403a-8e6b-090771782fcf" providerId="ADAL" clId="{CC52A8C3-708B-4CE7-A848-3F502EC51602}" dt="2024-06-13T16:59:20.644" v="2819"/>
-        <pc:sldMkLst>
-          <pc:docMk/>
-          <pc:sldMk cId="0" sldId="259"/>
-        </pc:sldMkLst>
-        <pc:spChg chg="add del mod">
-          <ac:chgData name="Giulio Beltrami" userId="e0bbba2c-5e70-403a-8e6b-090771782fcf" providerId="ADAL" clId="{CC52A8C3-708B-4CE7-A848-3F502EC51602}" dt="2024-06-13T15:53:20.010" v="1571" actId="478"/>
-          <ac:spMkLst>
-            <pc:docMk/>
-            <pc:sldMk cId="0" sldId="259"/>
-            <ac:spMk id="2" creationId="{3BD7AFF3-A4B4-8811-0A58-2021B7E40FB3}"/>
-          </ac:spMkLst>
-        </pc:spChg>
-        <pc:spChg chg="add mod">
-          <ac:chgData name="Giulio Beltrami" userId="e0bbba2c-5e70-403a-8e6b-090771782fcf" providerId="ADAL" clId="{CC52A8C3-708B-4CE7-A848-3F502EC51602}" dt="2024-06-13T16:00:03.118" v="1993" actId="1076"/>
-          <ac:spMkLst>
-            <pc:docMk/>
-            <pc:sldMk cId="0" sldId="259"/>
-            <ac:spMk id="6" creationId="{3B7F041A-3A21-EE9A-C1E4-9123B2F5C93E}"/>
-          </ac:spMkLst>
-        </pc:spChg>
-        <pc:spChg chg="add mod">
-          <ac:chgData name="Giulio Beltrami" userId="e0bbba2c-5e70-403a-8e6b-090771782fcf" providerId="ADAL" clId="{CC52A8C3-708B-4CE7-A848-3F502EC51602}" dt="2024-06-13T16:59:20.644" v="2819"/>
-          <ac:spMkLst>
-            <pc:docMk/>
-            <pc:sldMk cId="0" sldId="259"/>
-            <ac:spMk id="13" creationId="{FD161717-D13D-6BAE-2478-1446EACA04AC}"/>
-          </ac:spMkLst>
-        </pc:spChg>
-        <pc:spChg chg="del">
-          <ac:chgData name="Giulio Beltrami" userId="e0bbba2c-5e70-403a-8e6b-090771782fcf" providerId="ADAL" clId="{CC52A8C3-708B-4CE7-A848-3F502EC51602}" dt="2024-06-13T16:59:19.809" v="2818" actId="478"/>
-          <ac:spMkLst>
-            <pc:docMk/>
-            <pc:sldMk cId="0" sldId="259"/>
-            <ac:spMk id="98" creationId="{00000000-0000-0000-0000-000000000000}"/>
-          </ac:spMkLst>
-        </pc:spChg>
-        <pc:spChg chg="del mod">
-          <ac:chgData name="Giulio Beltrami" userId="e0bbba2c-5e70-403a-8e6b-090771782fcf" providerId="ADAL" clId="{CC52A8C3-708B-4CE7-A848-3F502EC51602}" dt="2024-06-13T15:53:12.118" v="1569" actId="478"/>
-          <ac:spMkLst>
-            <pc:docMk/>
-            <pc:sldMk cId="0" sldId="259"/>
-            <ac:spMk id="103" creationId="{00000000-0000-0000-0000-000000000000}"/>
-          </ac:spMkLst>
-        </pc:spChg>
-        <pc:picChg chg="del mod">
-          <ac:chgData name="Giulio Beltrami" userId="e0bbba2c-5e70-403a-8e6b-090771782fcf" providerId="ADAL" clId="{CC52A8C3-708B-4CE7-A848-3F502EC51602}" dt="2024-06-13T16:05:20.203" v="2067" actId="478"/>
-          <ac:picMkLst>
-            <pc:docMk/>
-            <pc:sldMk cId="0" sldId="259"/>
-            <ac:picMk id="4" creationId="{82303452-D37E-E64B-BD5C-E71A222DDF3D}"/>
-          </ac:picMkLst>
-        </pc:picChg>
-        <pc:picChg chg="del mod">
-          <ac:chgData name="Giulio Beltrami" userId="e0bbba2c-5e70-403a-8e6b-090771782fcf" providerId="ADAL" clId="{CC52A8C3-708B-4CE7-A848-3F502EC51602}" dt="2024-06-13T16:04:59.117" v="2060" actId="478"/>
-          <ac:picMkLst>
-            <pc:docMk/>
-            <pc:sldMk cId="0" sldId="259"/>
-            <ac:picMk id="8" creationId="{EBEB6017-A7E0-A748-88AD-FFC06BE80303}"/>
-          </ac:picMkLst>
-        </pc:picChg>
-        <pc:picChg chg="add mod">
-          <ac:chgData name="Giulio Beltrami" userId="e0bbba2c-5e70-403a-8e6b-090771782fcf" providerId="ADAL" clId="{CC52A8C3-708B-4CE7-A848-3F502EC51602}" dt="2024-06-13T16:05:03.649" v="2062" actId="1076"/>
-          <ac:picMkLst>
-            <pc:docMk/>
-            <pc:sldMk cId="0" sldId="259"/>
-            <ac:picMk id="10" creationId="{6BCF0C0E-7C63-EF8B-28AB-5D71740D4943}"/>
-          </ac:picMkLst>
-        </pc:picChg>
-        <pc:picChg chg="add mod">
-          <ac:chgData name="Giulio Beltrami" userId="e0bbba2c-5e70-403a-8e6b-090771782fcf" providerId="ADAL" clId="{CC52A8C3-708B-4CE7-A848-3F502EC51602}" dt="2024-06-13T16:05:23.115" v="2068" actId="1076"/>
-          <ac:picMkLst>
-            <pc:docMk/>
-            <pc:sldMk cId="0" sldId="259"/>
-            <ac:picMk id="12" creationId="{866A0546-4850-F4E0-775F-0CD519A79D1C}"/>
-          </ac:picMkLst>
-        </pc:picChg>
-        <pc:picChg chg="del">
-          <ac:chgData name="Giulio Beltrami" userId="e0bbba2c-5e70-403a-8e6b-090771782fcf" providerId="ADAL" clId="{CC52A8C3-708B-4CE7-A848-3F502EC51602}" dt="2024-06-13T15:51:37.881" v="1545" actId="478"/>
-          <ac:picMkLst>
-            <pc:docMk/>
-            <pc:sldMk cId="0" sldId="259"/>
-            <ac:picMk id="101" creationId="{00000000-0000-0000-0000-000000000000}"/>
-          </ac:picMkLst>
-        </pc:picChg>
-        <pc:picChg chg="del">
-          <ac:chgData name="Giulio Beltrami" userId="e0bbba2c-5e70-403a-8e6b-090771782fcf" providerId="ADAL" clId="{CC52A8C3-708B-4CE7-A848-3F502EC51602}" dt="2024-06-13T15:51:41.556" v="1546" actId="478"/>
-          <ac:picMkLst>
-            <pc:docMk/>
-            <pc:sldMk cId="0" sldId="259"/>
-            <ac:picMk id="102" creationId="{00000000-0000-0000-0000-000000000000}"/>
-          </ac:picMkLst>
-        </pc:picChg>
-      </pc:sldChg>
-      <pc:sldChg chg="addSp delSp modSp mod">
-        <pc:chgData name="Giulio Beltrami" userId="e0bbba2c-5e70-403a-8e6b-090771782fcf" providerId="ADAL" clId="{CC52A8C3-708B-4CE7-A848-3F502EC51602}" dt="2024-06-13T16:59:31.099" v="2823"/>
-        <pc:sldMkLst>
-          <pc:docMk/>
-          <pc:sldMk cId="0" sldId="260"/>
-        </pc:sldMkLst>
-        <pc:spChg chg="add mod">
-          <ac:chgData name="Giulio Beltrami" userId="e0bbba2c-5e70-403a-8e6b-090771782fcf" providerId="ADAL" clId="{CC52A8C3-708B-4CE7-A848-3F502EC51602}" dt="2024-06-13T16:13:31.094" v="2602" actId="113"/>
-          <ac:spMkLst>
-            <pc:docMk/>
-            <pc:sldMk cId="0" sldId="260"/>
-            <ac:spMk id="4" creationId="{DB5E9BF4-AFEF-D035-C678-320BCDCC76C5}"/>
-          </ac:spMkLst>
-        </pc:spChg>
-        <pc:spChg chg="add mod">
-          <ac:chgData name="Giulio Beltrami" userId="e0bbba2c-5e70-403a-8e6b-090771782fcf" providerId="ADAL" clId="{CC52A8C3-708B-4CE7-A848-3F502EC51602}" dt="2024-06-13T16:59:31.099" v="2823"/>
-          <ac:spMkLst>
-            <pc:docMk/>
-            <pc:sldMk cId="0" sldId="260"/>
-            <ac:spMk id="10" creationId="{BA4EA3E6-DBE8-D68F-C480-09E9F5E35143}"/>
-          </ac:spMkLst>
-        </pc:spChg>
-        <pc:spChg chg="del">
-          <ac:chgData name="Giulio Beltrami" userId="e0bbba2c-5e70-403a-8e6b-090771782fcf" providerId="ADAL" clId="{CC52A8C3-708B-4CE7-A848-3F502EC51602}" dt="2024-06-13T16:59:30.745" v="2822" actId="478"/>
-          <ac:spMkLst>
-            <pc:docMk/>
-            <pc:sldMk cId="0" sldId="260"/>
-            <ac:spMk id="104" creationId="{00000000-0000-0000-0000-000000000000}"/>
-          </ac:spMkLst>
-        </pc:spChg>
-        <pc:graphicFrameChg chg="del">
-          <ac:chgData name="Giulio Beltrami" userId="e0bbba2c-5e70-403a-8e6b-090771782fcf" providerId="ADAL" clId="{CC52A8C3-708B-4CE7-A848-3F502EC51602}" dt="2024-06-13T16:10:45.997" v="2326" actId="478"/>
-          <ac:graphicFrameMkLst>
-            <pc:docMk/>
-            <pc:sldMk cId="0" sldId="260"/>
-            <ac:graphicFrameMk id="2" creationId="{00CE3058-F966-0D4D-ABF5-A3609441608B}"/>
-          </ac:graphicFrameMkLst>
-        </pc:graphicFrameChg>
-        <pc:picChg chg="mod">
-          <ac:chgData name="Giulio Beltrami" userId="e0bbba2c-5e70-403a-8e6b-090771782fcf" providerId="ADAL" clId="{CC52A8C3-708B-4CE7-A848-3F502EC51602}" dt="2024-06-13T16:13:38.519" v="2603" actId="1076"/>
-          <ac:picMkLst>
-            <pc:docMk/>
-            <pc:sldMk cId="0" sldId="260"/>
-            <ac:picMk id="3" creationId="{E8422789-689D-415A-36CE-D5E9C4EC2747}"/>
-          </ac:picMkLst>
-        </pc:picChg>
-        <pc:picChg chg="add del mod">
-          <ac:chgData name="Giulio Beltrami" userId="e0bbba2c-5e70-403a-8e6b-090771782fcf" providerId="ADAL" clId="{CC52A8C3-708B-4CE7-A848-3F502EC51602}" dt="2024-06-13T16:14:38.945" v="2613" actId="478"/>
-          <ac:picMkLst>
-            <pc:docMk/>
-            <pc:sldMk cId="0" sldId="260"/>
-            <ac:picMk id="5" creationId="{D13C3CDA-4F46-F62E-0FA8-4FCE9E0F5244}"/>
-          </ac:picMkLst>
-        </pc:picChg>
-        <pc:picChg chg="add del mod">
-          <ac:chgData name="Giulio Beltrami" userId="e0bbba2c-5e70-403a-8e6b-090771782fcf" providerId="ADAL" clId="{CC52A8C3-708B-4CE7-A848-3F502EC51602}" dt="2024-06-13T16:14:40.503" v="2614" actId="478"/>
-          <ac:picMkLst>
-            <pc:docMk/>
-            <pc:sldMk cId="0" sldId="260"/>
-            <ac:picMk id="6" creationId="{5E046362-77B6-2505-EE10-C2EC86C5165F}"/>
-          </ac:picMkLst>
-        </pc:picChg>
-        <pc:picChg chg="add del mod">
-          <ac:chgData name="Giulio Beltrami" userId="e0bbba2c-5e70-403a-8e6b-090771782fcf" providerId="ADAL" clId="{CC52A8C3-708B-4CE7-A848-3F502EC51602}" dt="2024-06-13T16:30:03" v="2661" actId="21"/>
-          <ac:picMkLst>
-            <pc:docMk/>
-            <pc:sldMk cId="0" sldId="260"/>
-            <ac:picMk id="8" creationId="{105A3671-5CB5-0ACA-EFDD-F6B7D09E041D}"/>
-          </ac:picMkLst>
-        </pc:picChg>
-        <pc:picChg chg="del">
-          <ac:chgData name="Giulio Beltrami" userId="e0bbba2c-5e70-403a-8e6b-090771782fcf" providerId="ADAL" clId="{CC52A8C3-708B-4CE7-A848-3F502EC51602}" dt="2024-06-13T16:10:42.990" v="2324" actId="478"/>
-          <ac:picMkLst>
-            <pc:docMk/>
-            <pc:sldMk cId="0" sldId="260"/>
-            <ac:picMk id="9" creationId="{6740CD09-766B-56AB-97D0-23F23EFF7329}"/>
-          </ac:picMkLst>
-        </pc:picChg>
-        <pc:picChg chg="del">
-          <ac:chgData name="Giulio Beltrami" userId="e0bbba2c-5e70-403a-8e6b-090771782fcf" providerId="ADAL" clId="{CC52A8C3-708B-4CE7-A848-3F502EC51602}" dt="2024-06-13T16:10:44.693" v="2325" actId="478"/>
-          <ac:picMkLst>
-            <pc:docMk/>
-            <pc:sldMk cId="0" sldId="260"/>
-            <ac:picMk id="11" creationId="{CABD73F2-4B21-FD84-B62F-7AF7BBB05A19}"/>
-          </ac:picMkLst>
-        </pc:picChg>
-        <pc:picChg chg="del">
-          <ac:chgData name="Giulio Beltrami" userId="e0bbba2c-5e70-403a-8e6b-090771782fcf" providerId="ADAL" clId="{CC52A8C3-708B-4CE7-A848-3F502EC51602}" dt="2024-06-13T16:10:48.093" v="2328" actId="478"/>
-          <ac:picMkLst>
-            <pc:docMk/>
-            <pc:sldMk cId="0" sldId="260"/>
-            <ac:picMk id="15" creationId="{C1922D88-B158-7975-5FE0-D1D54C8A037C}"/>
-          </ac:picMkLst>
-        </pc:picChg>
-        <pc:picChg chg="del">
-          <ac:chgData name="Giulio Beltrami" userId="e0bbba2c-5e70-403a-8e6b-090771782fcf" providerId="ADAL" clId="{CC52A8C3-708B-4CE7-A848-3F502EC51602}" dt="2024-06-13T16:10:47.343" v="2327" actId="478"/>
-          <ac:picMkLst>
-            <pc:docMk/>
-            <pc:sldMk cId="0" sldId="260"/>
-            <ac:picMk id="17" creationId="{FD5EF55D-8CE4-2B36-095F-66AD3A1F8822}"/>
-          </ac:picMkLst>
-        </pc:picChg>
-      </pc:sldChg>
-      <pc:sldChg chg="del">
-        <pc:chgData name="Giulio Beltrami" userId="e0bbba2c-5e70-403a-8e6b-090771782fcf" providerId="ADAL" clId="{CC52A8C3-708B-4CE7-A848-3F502EC51602}" dt="2024-06-13T16:58:05.051" v="2809" actId="2696"/>
-        <pc:sldMkLst>
-          <pc:docMk/>
-          <pc:sldMk cId="0" sldId="261"/>
-        </pc:sldMkLst>
-      </pc:sldChg>
-      <pc:sldChg chg="del">
-        <pc:chgData name="Giulio Beltrami" userId="e0bbba2c-5e70-403a-8e6b-090771782fcf" providerId="ADAL" clId="{CC52A8C3-708B-4CE7-A848-3F502EC51602}" dt="2024-06-13T16:58:08.515" v="2810" actId="2696"/>
-        <pc:sldMkLst>
-          <pc:docMk/>
-          <pc:sldMk cId="0" sldId="262"/>
-        </pc:sldMkLst>
-      </pc:sldChg>
-      <pc:sldChg chg="addSp delSp modSp mod">
-        <pc:chgData name="Giulio Beltrami" userId="e0bbba2c-5e70-403a-8e6b-090771782fcf" providerId="ADAL" clId="{CC52A8C3-708B-4CE7-A848-3F502EC51602}" dt="2024-06-13T16:59:52.293" v="2829"/>
-        <pc:sldMkLst>
-          <pc:docMk/>
-          <pc:sldMk cId="0" sldId="263"/>
-        </pc:sldMkLst>
-        <pc:spChg chg="add mod">
-          <ac:chgData name="Giulio Beltrami" userId="e0bbba2c-5e70-403a-8e6b-090771782fcf" providerId="ADAL" clId="{CC52A8C3-708B-4CE7-A848-3F502EC51602}" dt="2024-06-13T16:59:52.293" v="2829"/>
-          <ac:spMkLst>
-            <pc:docMk/>
-            <pc:sldMk cId="0" sldId="263"/>
-            <ac:spMk id="2" creationId="{B501C03C-34B0-28D7-8978-02E84E38E247}"/>
-          </ac:spMkLst>
-        </pc:spChg>
-        <pc:spChg chg="del">
-          <ac:chgData name="Giulio Beltrami" userId="e0bbba2c-5e70-403a-8e6b-090771782fcf" providerId="ADAL" clId="{CC52A8C3-708B-4CE7-A848-3F502EC51602}" dt="2024-06-13T16:59:51.914" v="2828" actId="478"/>
-          <ac:spMkLst>
-            <pc:docMk/>
-            <pc:sldMk cId="0" sldId="263"/>
-            <ac:spMk id="125" creationId="{00000000-0000-0000-0000-000000000000}"/>
-          </ac:spMkLst>
-        </pc:spChg>
-      </pc:sldChg>
-      <pc:sldChg chg="addSp delSp modSp mod">
-        <pc:chgData name="Giulio Beltrami" userId="e0bbba2c-5e70-403a-8e6b-090771782fcf" providerId="ADAL" clId="{CC52A8C3-708B-4CE7-A848-3F502EC51602}" dt="2024-06-13T16:59:55.725" v="2831"/>
-        <pc:sldMkLst>
-          <pc:docMk/>
-          <pc:sldMk cId="0" sldId="264"/>
-        </pc:sldMkLst>
-        <pc:spChg chg="add mod">
-          <ac:chgData name="Giulio Beltrami" userId="e0bbba2c-5e70-403a-8e6b-090771782fcf" providerId="ADAL" clId="{CC52A8C3-708B-4CE7-A848-3F502EC51602}" dt="2024-06-13T16:59:55.725" v="2831"/>
-          <ac:spMkLst>
-            <pc:docMk/>
-            <pc:sldMk cId="0" sldId="264"/>
-            <ac:spMk id="2" creationId="{0C5C39D3-54BE-213F-7B22-3570A84EB1B0}"/>
-          </ac:spMkLst>
-        </pc:spChg>
-        <pc:spChg chg="del">
-          <ac:chgData name="Giulio Beltrami" userId="e0bbba2c-5e70-403a-8e6b-090771782fcf" providerId="ADAL" clId="{CC52A8C3-708B-4CE7-A848-3F502EC51602}" dt="2024-06-13T16:59:55.373" v="2830" actId="478"/>
-          <ac:spMkLst>
-            <pc:docMk/>
-            <pc:sldMk cId="0" sldId="264"/>
-            <ac:spMk id="131" creationId="{00000000-0000-0000-0000-000000000000}"/>
-          </ac:spMkLst>
-        </pc:spChg>
-      </pc:sldChg>
-      <pc:sldChg chg="addSp delSp modSp add del mod">
-        <pc:chgData name="Giulio Beltrami" userId="e0bbba2c-5e70-403a-8e6b-090771782fcf" providerId="ADAL" clId="{CC52A8C3-708B-4CE7-A848-3F502EC51602}" dt="2024-06-13T16:59:59.166" v="2833"/>
-        <pc:sldMkLst>
-          <pc:docMk/>
-          <pc:sldMk cId="0" sldId="265"/>
-        </pc:sldMkLst>
-        <pc:spChg chg="add mod">
-          <ac:chgData name="Giulio Beltrami" userId="e0bbba2c-5e70-403a-8e6b-090771782fcf" providerId="ADAL" clId="{CC52A8C3-708B-4CE7-A848-3F502EC51602}" dt="2024-06-11T13:13:07.922" v="273" actId="20577"/>
-          <ac:spMkLst>
-            <pc:docMk/>
-            <pc:sldMk cId="0" sldId="265"/>
-            <ac:spMk id="2" creationId="{594B9C33-6FAF-E5D6-8926-02A2B02E25BC}"/>
-          </ac:spMkLst>
-        </pc:spChg>
-        <pc:spChg chg="add mod">
-          <ac:chgData name="Giulio Beltrami" userId="e0bbba2c-5e70-403a-8e6b-090771782fcf" providerId="ADAL" clId="{CC52A8C3-708B-4CE7-A848-3F502EC51602}" dt="2024-06-13T16:59:59.166" v="2833"/>
-          <ac:spMkLst>
-            <pc:docMk/>
-            <pc:sldMk cId="0" sldId="265"/>
-            <ac:spMk id="4" creationId="{7113BD8B-ADC2-8C47-17A0-986333EEAA5A}"/>
-          </ac:spMkLst>
-        </pc:spChg>
-        <pc:spChg chg="del">
-          <ac:chgData name="Giulio Beltrami" userId="e0bbba2c-5e70-403a-8e6b-090771782fcf" providerId="ADAL" clId="{CC52A8C3-708B-4CE7-A848-3F502EC51602}" dt="2024-06-13T16:59:58.803" v="2832" actId="478"/>
-          <ac:spMkLst>
-            <pc:docMk/>
-            <pc:sldMk cId="0" sldId="265"/>
-            <ac:spMk id="136" creationId="{00000000-0000-0000-0000-000000000000}"/>
-          </ac:spMkLst>
-        </pc:spChg>
-        <pc:picChg chg="mod">
-          <ac:chgData name="Giulio Beltrami" userId="e0bbba2c-5e70-403a-8e6b-090771782fcf" providerId="ADAL" clId="{CC52A8C3-708B-4CE7-A848-3F502EC51602}" dt="2024-06-11T13:11:50.818" v="254" actId="1076"/>
-          <ac:picMkLst>
-            <pc:docMk/>
-            <pc:sldMk cId="0" sldId="265"/>
-            <ac:picMk id="3" creationId="{BB0A5C92-4D19-DF7A-4522-0B1D7A198BBA}"/>
-          </ac:picMkLst>
-        </pc:picChg>
-      </pc:sldChg>
-      <pc:sldChg chg="addSp delSp modSp mod">
-        <pc:chgData name="Giulio Beltrami" userId="e0bbba2c-5e70-403a-8e6b-090771782fcf" providerId="ADAL" clId="{CC52A8C3-708B-4CE7-A848-3F502EC51602}" dt="2024-06-13T17:00:12.936" v="2841"/>
-        <pc:sldMkLst>
-          <pc:docMk/>
-          <pc:sldMk cId="0" sldId="266"/>
-        </pc:sldMkLst>
-        <pc:spChg chg="add del mod">
-          <ac:chgData name="Giulio Beltrami" userId="e0bbba2c-5e70-403a-8e6b-090771782fcf" providerId="ADAL" clId="{CC52A8C3-708B-4CE7-A848-3F502EC51602}" dt="2024-06-11T13:43:16.480" v="1009" actId="478"/>
-          <ac:spMkLst>
-            <pc:docMk/>
-            <pc:sldMk cId="0" sldId="266"/>
-            <ac:spMk id="2" creationId="{00000000-0000-0000-0000-000000000000}"/>
-          </ac:spMkLst>
-        </pc:spChg>
-        <pc:spChg chg="add mod">
-          <ac:chgData name="Giulio Beltrami" userId="e0bbba2c-5e70-403a-8e6b-090771782fcf" providerId="ADAL" clId="{CC52A8C3-708B-4CE7-A848-3F502EC51602}" dt="2024-06-13T17:00:12.936" v="2841"/>
-          <ac:spMkLst>
-            <pc:docMk/>
-            <pc:sldMk cId="0" sldId="266"/>
-            <ac:spMk id="2" creationId="{8210E6CE-8799-175C-0A1C-E7164CB10151}"/>
-          </ac:spMkLst>
-        </pc:spChg>
-        <pc:spChg chg="add mod">
-          <ac:chgData name="Giulio Beltrami" userId="e0bbba2c-5e70-403a-8e6b-090771782fcf" providerId="ADAL" clId="{CC52A8C3-708B-4CE7-A848-3F502EC51602}" dt="2024-06-11T14:09:22.981" v="1212" actId="20577"/>
-          <ac:spMkLst>
-            <pc:docMk/>
-            <pc:sldMk cId="0" sldId="266"/>
-            <ac:spMk id="3" creationId="{635ED538-3618-830F-5FCC-47FCF871C138}"/>
-          </ac:spMkLst>
-        </pc:spChg>
-        <pc:spChg chg="del">
-          <ac:chgData name="Giulio Beltrami" userId="e0bbba2c-5e70-403a-8e6b-090771782fcf" providerId="ADAL" clId="{CC52A8C3-708B-4CE7-A848-3F502EC51602}" dt="2024-06-13T17:00:12.565" v="2840" actId="478"/>
-          <ac:spMkLst>
-            <pc:docMk/>
-            <pc:sldMk cId="0" sldId="266"/>
-            <ac:spMk id="143" creationId="{00000000-0000-0000-0000-000000000000}"/>
-          </ac:spMkLst>
-        </pc:spChg>
-        <pc:spChg chg="del">
-          <ac:chgData name="Giulio Beltrami" userId="e0bbba2c-5e70-403a-8e6b-090771782fcf" providerId="ADAL" clId="{CC52A8C3-708B-4CE7-A848-3F502EC51602}" dt="2024-06-11T13:42:41.567" v="987" actId="21"/>
-          <ac:spMkLst>
-            <pc:docMk/>
-            <pc:sldMk cId="0" sldId="266"/>
-            <ac:spMk id="144" creationId="{00000000-0000-0000-0000-000000000000}"/>
-          </ac:spMkLst>
-        </pc:spChg>
-        <pc:spChg chg="mod">
-          <ac:chgData name="Giulio Beltrami" userId="e0bbba2c-5e70-403a-8e6b-090771782fcf" providerId="ADAL" clId="{CC52A8C3-708B-4CE7-A848-3F502EC51602}" dt="2024-06-11T13:43:04.953" v="1006" actId="20577"/>
-          <ac:spMkLst>
-            <pc:docMk/>
-            <pc:sldMk cId="0" sldId="266"/>
-            <ac:spMk id="145" creationId="{00000000-0000-0000-0000-000000000000}"/>
-          </ac:spMkLst>
-        </pc:spChg>
-        <pc:spChg chg="del mod">
-          <ac:chgData name="Giulio Beltrami" userId="e0bbba2c-5e70-403a-8e6b-090771782fcf" providerId="ADAL" clId="{CC52A8C3-708B-4CE7-A848-3F502EC51602}" dt="2024-06-11T13:42:34.093" v="985" actId="21"/>
-          <ac:spMkLst>
-            <pc:docMk/>
-            <pc:sldMk cId="0" sldId="266"/>
-            <ac:spMk id="146" creationId="{00000000-0000-0000-0000-000000000000}"/>
-          </ac:spMkLst>
-        </pc:spChg>
-      </pc:sldChg>
-      <pc:sldChg chg="add">
-        <pc:chgData name="Giulio Beltrami" userId="e0bbba2c-5e70-403a-8e6b-090771782fcf" providerId="ADAL" clId="{CC52A8C3-708B-4CE7-A848-3F502EC51602}" dt="2024-06-11T12:44:44.505" v="0"/>
-        <pc:sldMkLst>
-          <pc:docMk/>
-          <pc:sldMk cId="0" sldId="267"/>
-        </pc:sldMkLst>
-      </pc:sldChg>
-      <pc:sldChg chg="addSp delSp modSp add mod">
-        <pc:chgData name="Giulio Beltrami" userId="e0bbba2c-5e70-403a-8e6b-090771782fcf" providerId="ADAL" clId="{CC52A8C3-708B-4CE7-A848-3F502EC51602}" dt="2024-06-13T17:00:02.706" v="2835"/>
-        <pc:sldMkLst>
-          <pc:docMk/>
-          <pc:sldMk cId="2329386675" sldId="268"/>
-        </pc:sldMkLst>
-        <pc:spChg chg="add mod">
-          <ac:chgData name="Giulio Beltrami" userId="e0bbba2c-5e70-403a-8e6b-090771782fcf" providerId="ADAL" clId="{CC52A8C3-708B-4CE7-A848-3F502EC51602}" dt="2024-06-11T13:18:47.845" v="329" actId="20577"/>
-          <ac:spMkLst>
-            <pc:docMk/>
-            <pc:sldMk cId="2329386675" sldId="268"/>
-            <ac:spMk id="2" creationId="{AF1C3D93-C501-F42F-1694-9F4EB890A3CD}"/>
-          </ac:spMkLst>
-        </pc:spChg>
-        <pc:spChg chg="add mod">
-          <ac:chgData name="Giulio Beltrami" userId="e0bbba2c-5e70-403a-8e6b-090771782fcf" providerId="ADAL" clId="{CC52A8C3-708B-4CE7-A848-3F502EC51602}" dt="2024-06-13T17:00:02.706" v="2835"/>
-          <ac:spMkLst>
-            <pc:docMk/>
-            <pc:sldMk cId="2329386675" sldId="268"/>
-            <ac:spMk id="4" creationId="{F0C08CC9-E5F9-29EC-B979-76676F863EB3}"/>
-          </ac:spMkLst>
-        </pc:spChg>
-        <pc:spChg chg="del">
-          <ac:chgData name="Giulio Beltrami" userId="e0bbba2c-5e70-403a-8e6b-090771782fcf" providerId="ADAL" clId="{CC52A8C3-708B-4CE7-A848-3F502EC51602}" dt="2024-06-13T17:00:02.282" v="2834" actId="478"/>
-          <ac:spMkLst>
-            <pc:docMk/>
-            <pc:sldMk cId="2329386675" sldId="268"/>
-            <ac:spMk id="136" creationId="{00000000-0000-0000-0000-000000000000}"/>
-          </ac:spMkLst>
-        </pc:spChg>
-        <pc:picChg chg="mod">
-          <ac:chgData name="Giulio Beltrami" userId="e0bbba2c-5e70-403a-8e6b-090771782fcf" providerId="ADAL" clId="{CC52A8C3-708B-4CE7-A848-3F502EC51602}" dt="2024-06-11T13:12:44.074" v="261" actId="1076"/>
-          <ac:picMkLst>
-            <pc:docMk/>
-            <pc:sldMk cId="2329386675" sldId="268"/>
-            <ac:picMk id="3" creationId="{0B9E1414-4710-A372-75F9-8A3DA760AA1B}"/>
-          </ac:picMkLst>
-        </pc:picChg>
-      </pc:sldChg>
-      <pc:sldChg chg="addSp delSp modSp add mod">
-        <pc:chgData name="Giulio Beltrami" userId="e0bbba2c-5e70-403a-8e6b-090771782fcf" providerId="ADAL" clId="{CC52A8C3-708B-4CE7-A848-3F502EC51602}" dt="2024-06-13T17:00:06.286" v="2837"/>
-        <pc:sldMkLst>
-          <pc:docMk/>
-          <pc:sldMk cId="1816249934" sldId="269"/>
-        </pc:sldMkLst>
-        <pc:spChg chg="add mod">
-          <ac:chgData name="Giulio Beltrami" userId="e0bbba2c-5e70-403a-8e6b-090771782fcf" providerId="ADAL" clId="{CC52A8C3-708B-4CE7-A848-3F502EC51602}" dt="2024-06-13T17:00:06.286" v="2837"/>
-          <ac:spMkLst>
-            <pc:docMk/>
-            <pc:sldMk cId="1816249934" sldId="269"/>
-            <ac:spMk id="2" creationId="{7E96A9AE-094C-A7BB-D08F-FCD6B98AD78B}"/>
-          </ac:spMkLst>
-        </pc:spChg>
-        <pc:spChg chg="add mod">
-          <ac:chgData name="Giulio Beltrami" userId="e0bbba2c-5e70-403a-8e6b-090771782fcf" providerId="ADAL" clId="{CC52A8C3-708B-4CE7-A848-3F502EC51602}" dt="2024-06-11T13:20:45.361" v="410" actId="20577"/>
-          <ac:spMkLst>
-            <pc:docMk/>
-            <pc:sldMk cId="1816249934" sldId="269"/>
-            <ac:spMk id="5" creationId="{127261B4-31CE-3F9B-8B88-E794728F02DB}"/>
-          </ac:spMkLst>
-        </pc:spChg>
-        <pc:spChg chg="del">
-          <ac:chgData name="Giulio Beltrami" userId="e0bbba2c-5e70-403a-8e6b-090771782fcf" providerId="ADAL" clId="{CC52A8C3-708B-4CE7-A848-3F502EC51602}" dt="2024-06-13T17:00:05.924" v="2836" actId="478"/>
-          <ac:spMkLst>
-            <pc:docMk/>
-            <pc:sldMk cId="1816249934" sldId="269"/>
-            <ac:spMk id="136" creationId="{00000000-0000-0000-0000-000000000000}"/>
-          </ac:spMkLst>
-        </pc:spChg>
-        <pc:spChg chg="mod">
-          <ac:chgData name="Giulio Beltrami" userId="e0bbba2c-5e70-403a-8e6b-090771782fcf" providerId="ADAL" clId="{CC52A8C3-708B-4CE7-A848-3F502EC51602}" dt="2024-06-11T13:08:17.995" v="155" actId="14100"/>
-          <ac:spMkLst>
-            <pc:docMk/>
-            <pc:sldMk cId="1816249934" sldId="269"/>
-            <ac:spMk id="140" creationId="{00000000-0000-0000-0000-000000000000}"/>
-          </ac:spMkLst>
-        </pc:spChg>
-        <pc:spChg chg="del">
-          <ac:chgData name="Giulio Beltrami" userId="e0bbba2c-5e70-403a-8e6b-090771782fcf" providerId="ADAL" clId="{CC52A8C3-708B-4CE7-A848-3F502EC51602}" dt="2024-06-11T12:45:21.298" v="4" actId="478"/>
-          <ac:spMkLst>
-            <pc:docMk/>
-            <pc:sldMk cId="1816249934" sldId="269"/>
-            <ac:spMk id="141" creationId="{00000000-0000-0000-0000-000000000000}"/>
-          </ac:spMkLst>
-        </pc:spChg>
-        <pc:spChg chg="del">
-          <ac:chgData name="Giulio Beltrami" userId="e0bbba2c-5e70-403a-8e6b-090771782fcf" providerId="ADAL" clId="{CC52A8C3-708B-4CE7-A848-3F502EC51602}" dt="2024-06-11T12:45:22.833" v="5" actId="478"/>
-          <ac:spMkLst>
-            <pc:docMk/>
-            <pc:sldMk cId="1816249934" sldId="269"/>
-            <ac:spMk id="142" creationId="{00000000-0000-0000-0000-000000000000}"/>
-          </ac:spMkLst>
-        </pc:spChg>
-        <pc:picChg chg="add del mod">
-          <ac:chgData name="Giulio Beltrami" userId="e0bbba2c-5e70-403a-8e6b-090771782fcf" providerId="ADAL" clId="{CC52A8C3-708B-4CE7-A848-3F502EC51602}" dt="2024-06-11T13:07:19.272" v="144" actId="478"/>
-          <ac:picMkLst>
-            <pc:docMk/>
-            <pc:sldMk cId="1816249934" sldId="269"/>
-            <ac:picMk id="3" creationId="{2976E76C-B21C-8D5B-196B-363950093249}"/>
-          </ac:picMkLst>
-        </pc:picChg>
-        <pc:picChg chg="add mod">
-          <ac:chgData name="Giulio Beltrami" userId="e0bbba2c-5e70-403a-8e6b-090771782fcf" providerId="ADAL" clId="{CC52A8C3-708B-4CE7-A848-3F502EC51602}" dt="2024-06-11T13:19:02.456" v="331" actId="1076"/>
-          <ac:picMkLst>
-            <pc:docMk/>
-            <pc:sldMk cId="1816249934" sldId="269"/>
-            <ac:picMk id="4" creationId="{87416478-A572-23F3-A614-74A023D4EE01}"/>
-          </ac:picMkLst>
-        </pc:picChg>
-      </pc:sldChg>
-      <pc:sldChg chg="addSp delSp modSp new mod">
-        <pc:chgData name="Giulio Beltrami" userId="e0bbba2c-5e70-403a-8e6b-090771782fcf" providerId="ADAL" clId="{CC52A8C3-708B-4CE7-A848-3F502EC51602}" dt="2024-06-13T16:34:40.613" v="2730"/>
-        <pc:sldMkLst>
-          <pc:docMk/>
-          <pc:sldMk cId="173780160" sldId="270"/>
-        </pc:sldMkLst>
-        <pc:spChg chg="add del mod">
-          <ac:chgData name="Giulio Beltrami" userId="e0bbba2c-5e70-403a-8e6b-090771782fcf" providerId="ADAL" clId="{CC52A8C3-708B-4CE7-A848-3F502EC51602}" dt="2024-06-13T15:44:15.422" v="1243" actId="478"/>
-          <ac:spMkLst>
-            <pc:docMk/>
-            <pc:sldMk cId="173780160" sldId="270"/>
-            <ac:spMk id="2" creationId="{0B69A2E0-8FAB-53DE-92B8-E15B1524E965}"/>
-          </ac:spMkLst>
-        </pc:spChg>
-        <pc:spChg chg="del">
-          <ac:chgData name="Giulio Beltrami" userId="e0bbba2c-5e70-403a-8e6b-090771782fcf" providerId="ADAL" clId="{CC52A8C3-708B-4CE7-A848-3F502EC51602}" dt="2024-06-11T12:55:36.697" v="128" actId="478"/>
-          <ac:spMkLst>
-            <pc:docMk/>
-            <pc:sldMk cId="173780160" sldId="270"/>
-            <ac:spMk id="2" creationId="{59C9ED14-9E60-FF02-9ECC-95DDC023028B}"/>
-          </ac:spMkLst>
-        </pc:spChg>
-        <pc:spChg chg="del">
-          <ac:chgData name="Giulio Beltrami" userId="e0bbba2c-5e70-403a-8e6b-090771782fcf" providerId="ADAL" clId="{CC52A8C3-708B-4CE7-A848-3F502EC51602}" dt="2024-06-11T12:55:35.189" v="127" actId="478"/>
-          <ac:spMkLst>
-            <pc:docMk/>
-            <pc:sldMk cId="173780160" sldId="270"/>
-            <ac:spMk id="3" creationId="{06E3A28A-A1A0-E72E-5F91-0F3391885ECD}"/>
-          </ac:spMkLst>
-        </pc:spChg>
-        <pc:spChg chg="add mod">
-          <ac:chgData name="Giulio Beltrami" userId="e0bbba2c-5e70-403a-8e6b-090771782fcf" providerId="ADAL" clId="{CC52A8C3-708B-4CE7-A848-3F502EC51602}" dt="2024-06-13T15:45:55.168" v="1268" actId="1076"/>
-          <ac:spMkLst>
-            <pc:docMk/>
-            <pc:sldMk cId="173780160" sldId="270"/>
-            <ac:spMk id="3" creationId="{209DD796-608C-28C2-E65A-492D3DE3F186}"/>
-          </ac:spMkLst>
-        </pc:spChg>
-        <pc:spChg chg="add mod">
-          <ac:chgData name="Giulio Beltrami" userId="e0bbba2c-5e70-403a-8e6b-090771782fcf" providerId="ADAL" clId="{CC52A8C3-708B-4CE7-A848-3F502EC51602}" dt="2024-06-11T12:57:09.012" v="138" actId="14100"/>
-          <ac:spMkLst>
-            <pc:docMk/>
-            <pc:sldMk cId="173780160" sldId="270"/>
-            <ac:spMk id="4" creationId="{A55E67B7-3264-C701-DB8D-8270D2B33743}"/>
-          </ac:spMkLst>
-        </pc:spChg>
-        <pc:spChg chg="add mod">
-          <ac:chgData name="Giulio Beltrami" userId="e0bbba2c-5e70-403a-8e6b-090771782fcf" providerId="ADAL" clId="{CC52A8C3-708B-4CE7-A848-3F502EC51602}" dt="2024-06-13T16:34:40.613" v="2730"/>
-          <ac:spMkLst>
-            <pc:docMk/>
-            <pc:sldMk cId="173780160" sldId="270"/>
-            <ac:spMk id="5" creationId="{8F5A6094-8EE4-F7CD-70A6-C6E22D4EFA42}"/>
-          </ac:spMkLst>
-        </pc:spChg>
-        <pc:picChg chg="add mod">
-          <ac:chgData name="Giulio Beltrami" userId="e0bbba2c-5e70-403a-8e6b-090771782fcf" providerId="ADAL" clId="{CC52A8C3-708B-4CE7-A848-3F502EC51602}" dt="2024-06-11T12:56:46.545" v="137" actId="1076"/>
-          <ac:picMkLst>
-            <pc:docMk/>
-            <pc:sldMk cId="173780160" sldId="270"/>
-            <ac:picMk id="6" creationId="{9F73DF24-BAA3-CF26-B6F5-A686889BEE84}"/>
-          </ac:picMkLst>
-        </pc:picChg>
-        <pc:cxnChg chg="add del mod">
-          <ac:chgData name="Giulio Beltrami" userId="e0bbba2c-5e70-403a-8e6b-090771782fcf" providerId="ADAL" clId="{CC52A8C3-708B-4CE7-A848-3F502EC51602}" dt="2024-06-11T12:58:08.948" v="143" actId="478"/>
-          <ac:cxnSpMkLst>
-            <pc:docMk/>
-            <pc:sldMk cId="173780160" sldId="270"/>
-            <ac:cxnSpMk id="8" creationId="{A52FFD98-44DF-EED9-CD33-CB350A9FBE92}"/>
-          </ac:cxnSpMkLst>
-        </pc:cxnChg>
-      </pc:sldChg>
-      <pc:sldChg chg="addSp delSp modSp add mod ord">
-        <pc:chgData name="Giulio Beltrami" userId="e0bbba2c-5e70-403a-8e6b-090771782fcf" providerId="ADAL" clId="{CC52A8C3-708B-4CE7-A848-3F502EC51602}" dt="2024-06-13T17:00:09.711" v="2839"/>
-        <pc:sldMkLst>
-          <pc:docMk/>
-          <pc:sldMk cId="3914895067" sldId="271"/>
-        </pc:sldMkLst>
-        <pc:spChg chg="mod">
-          <ac:chgData name="Giulio Beltrami" userId="e0bbba2c-5e70-403a-8e6b-090771782fcf" providerId="ADAL" clId="{CC52A8C3-708B-4CE7-A848-3F502EC51602}" dt="2024-06-11T13:43:37.619" v="1014" actId="2711"/>
-          <ac:spMkLst>
-            <pc:docMk/>
-            <pc:sldMk cId="3914895067" sldId="271"/>
-            <ac:spMk id="2" creationId="{00000000-0000-0000-0000-000000000000}"/>
-          </ac:spMkLst>
-        </pc:spChg>
-        <pc:spChg chg="add mod">
-          <ac:chgData name="Giulio Beltrami" userId="e0bbba2c-5e70-403a-8e6b-090771782fcf" providerId="ADAL" clId="{CC52A8C3-708B-4CE7-A848-3F502EC51602}" dt="2024-06-13T17:00:09.711" v="2839"/>
-          <ac:spMkLst>
-            <pc:docMk/>
-            <pc:sldMk cId="3914895067" sldId="271"/>
-            <ac:spMk id="3" creationId="{72F9CDA4-342D-FCD9-9135-EA4AB751CB89}"/>
-          </ac:spMkLst>
-        </pc:spChg>
-        <pc:spChg chg="del">
-          <ac:chgData name="Giulio Beltrami" userId="e0bbba2c-5e70-403a-8e6b-090771782fcf" providerId="ADAL" clId="{CC52A8C3-708B-4CE7-A848-3F502EC51602}" dt="2024-06-13T17:00:09.361" v="2838" actId="478"/>
-          <ac:spMkLst>
-            <pc:docMk/>
-            <pc:sldMk cId="3914895067" sldId="271"/>
-            <ac:spMk id="143" creationId="{00000000-0000-0000-0000-000000000000}"/>
-          </ac:spMkLst>
-        </pc:spChg>
-        <pc:spChg chg="mod">
-          <ac:chgData name="Giulio Beltrami" userId="e0bbba2c-5e70-403a-8e6b-090771782fcf" providerId="ADAL" clId="{CC52A8C3-708B-4CE7-A848-3F502EC51602}" dt="2024-06-11T13:43:00.097" v="1005" actId="20577"/>
-          <ac:spMkLst>
-            <pc:docMk/>
-            <pc:sldMk cId="3914895067" sldId="271"/>
-            <ac:spMk id="145" creationId="{00000000-0000-0000-0000-000000000000}"/>
-          </ac:spMkLst>
-        </pc:spChg>
-      </pc:sldChg>
-      <pc:sldChg chg="addSp delSp modSp add mod">
-        <pc:chgData name="Giulio Beltrami" userId="e0bbba2c-5e70-403a-8e6b-090771782fcf" providerId="ADAL" clId="{CC52A8C3-708B-4CE7-A848-3F502EC51602}" dt="2024-06-13T16:59:26.285" v="2821"/>
-        <pc:sldMkLst>
-          <pc:docMk/>
-          <pc:sldMk cId="2866333210" sldId="272"/>
-        </pc:sldMkLst>
-        <pc:spChg chg="add del mod">
-          <ac:chgData name="Giulio Beltrami" userId="e0bbba2c-5e70-403a-8e6b-090771782fcf" providerId="ADAL" clId="{CC52A8C3-708B-4CE7-A848-3F502EC51602}" dt="2024-06-13T16:01:33.832" v="2030"/>
-          <ac:spMkLst>
-            <pc:docMk/>
-            <pc:sldMk cId="2866333210" sldId="272"/>
-            <ac:spMk id="2" creationId="{54B27A88-990D-48DF-18C3-272D96EEBA2D}"/>
-          </ac:spMkLst>
-        </pc:spChg>
-        <pc:spChg chg="del mod">
-          <ac:chgData name="Giulio Beltrami" userId="e0bbba2c-5e70-403a-8e6b-090771782fcf" providerId="ADAL" clId="{CC52A8C3-708B-4CE7-A848-3F502EC51602}" dt="2024-06-13T16:00:26.172" v="1998" actId="478"/>
-          <ac:spMkLst>
-            <pc:docMk/>
-            <pc:sldMk cId="2866333210" sldId="272"/>
-            <ac:spMk id="6" creationId="{3B7F041A-3A21-EE9A-C1E4-9123B2F5C93E}"/>
-          </ac:spMkLst>
-        </pc:spChg>
-        <pc:spChg chg="add del mod">
-          <ac:chgData name="Giulio Beltrami" userId="e0bbba2c-5e70-403a-8e6b-090771782fcf" providerId="ADAL" clId="{CC52A8C3-708B-4CE7-A848-3F502EC51602}" dt="2024-06-13T16:03:45.335" v="2037"/>
-          <ac:spMkLst>
-            <pc:docMk/>
-            <pc:sldMk cId="2866333210" sldId="272"/>
-            <ac:spMk id="11" creationId="{5311A8D5-814C-A557-0E9B-8E88368F519B}"/>
-          </ac:spMkLst>
-        </pc:spChg>
-        <pc:spChg chg="add del mod">
-          <ac:chgData name="Giulio Beltrami" userId="e0bbba2c-5e70-403a-8e6b-090771782fcf" providerId="ADAL" clId="{CC52A8C3-708B-4CE7-A848-3F502EC51602}" dt="2024-06-13T16:30:07.595" v="2662" actId="478"/>
-          <ac:spMkLst>
-            <pc:docMk/>
-            <pc:sldMk cId="2866333210" sldId="272"/>
-            <ac:spMk id="12" creationId="{3498D065-F5A4-5368-F05A-A88F2010EE88}"/>
-          </ac:spMkLst>
-        </pc:spChg>
-        <pc:spChg chg="add mod">
-          <ac:chgData name="Giulio Beltrami" userId="e0bbba2c-5e70-403a-8e6b-090771782fcf" providerId="ADAL" clId="{CC52A8C3-708B-4CE7-A848-3F502EC51602}" dt="2024-06-13T16:10:02.348" v="2321" actId="20577"/>
-          <ac:spMkLst>
-            <pc:docMk/>
-            <pc:sldMk cId="2866333210" sldId="272"/>
-            <ac:spMk id="13" creationId="{9CE453CE-8BF0-5649-ABE4-CD890E3C7875}"/>
-          </ac:spMkLst>
-        </pc:spChg>
-        <pc:spChg chg="add del mod">
-          <ac:chgData name="Giulio Beltrami" userId="e0bbba2c-5e70-403a-8e6b-090771782fcf" providerId="ADAL" clId="{CC52A8C3-708B-4CE7-A848-3F502EC51602}" dt="2024-06-13T16:08:49.797" v="2200"/>
-          <ac:spMkLst>
-            <pc:docMk/>
-            <pc:sldMk cId="2866333210" sldId="272"/>
-            <ac:spMk id="15" creationId="{52359472-637D-43A9-3282-C4994EFC0C88}"/>
-          </ac:spMkLst>
-        </pc:spChg>
-        <pc:spChg chg="add mod">
-          <ac:chgData name="Giulio Beltrami" userId="e0bbba2c-5e70-403a-8e6b-090771782fcf" providerId="ADAL" clId="{CC52A8C3-708B-4CE7-A848-3F502EC51602}" dt="2024-06-13T16:59:26.285" v="2821"/>
-          <ac:spMkLst>
-            <pc:docMk/>
-            <pc:sldMk cId="2866333210" sldId="272"/>
-            <ac:spMk id="21" creationId="{81BEDCA0-5DA5-35D0-7E5B-B3CF5F5F0EEA}"/>
-          </ac:spMkLst>
-        </pc:spChg>
-        <pc:spChg chg="del">
-          <ac:chgData name="Giulio Beltrami" userId="e0bbba2c-5e70-403a-8e6b-090771782fcf" providerId="ADAL" clId="{CC52A8C3-708B-4CE7-A848-3F502EC51602}" dt="2024-06-13T16:59:25.666" v="2820" actId="478"/>
-          <ac:spMkLst>
-            <pc:docMk/>
-            <pc:sldMk cId="2866333210" sldId="272"/>
-            <ac:spMk id="98" creationId="{00000000-0000-0000-0000-000000000000}"/>
-          </ac:spMkLst>
-        </pc:spChg>
-        <pc:picChg chg="del">
-          <ac:chgData name="Giulio Beltrami" userId="e0bbba2c-5e70-403a-8e6b-090771782fcf" providerId="ADAL" clId="{CC52A8C3-708B-4CE7-A848-3F502EC51602}" dt="2024-06-13T16:00:27.774" v="2000" actId="478"/>
-          <ac:picMkLst>
-            <pc:docMk/>
-            <pc:sldMk cId="2866333210" sldId="272"/>
-            <ac:picMk id="3" creationId="{CEAAB3B8-B881-EC4F-96C9-37AD63763003}"/>
-          </ac:picMkLst>
-        </pc:picChg>
-        <pc:picChg chg="del">
-          <ac:chgData name="Giulio Beltrami" userId="e0bbba2c-5e70-403a-8e6b-090771782fcf" providerId="ADAL" clId="{CC52A8C3-708B-4CE7-A848-3F502EC51602}" dt="2024-06-13T16:00:23.925" v="1996" actId="478"/>
-          <ac:picMkLst>
-            <pc:docMk/>
-            <pc:sldMk cId="2866333210" sldId="272"/>
-            <ac:picMk id="4" creationId="{82303452-D37E-E64B-BD5C-E71A222DDF3D}"/>
-          </ac:picMkLst>
-        </pc:picChg>
-        <pc:picChg chg="del">
-          <ac:chgData name="Giulio Beltrami" userId="e0bbba2c-5e70-403a-8e6b-090771782fcf" providerId="ADAL" clId="{CC52A8C3-708B-4CE7-A848-3F502EC51602}" dt="2024-06-13T16:00:29.468" v="2001" actId="478"/>
-          <ac:picMkLst>
-            <pc:docMk/>
-            <pc:sldMk cId="2866333210" sldId="272"/>
-            <ac:picMk id="5" creationId="{6020FDCF-CC21-694F-B03A-672EF4482A50}"/>
-          </ac:picMkLst>
-        </pc:picChg>
-        <pc:picChg chg="del">
-          <ac:chgData name="Giulio Beltrami" userId="e0bbba2c-5e70-403a-8e6b-090771782fcf" providerId="ADAL" clId="{CC52A8C3-708B-4CE7-A848-3F502EC51602}" dt="2024-06-13T16:00:26.840" v="1999" actId="478"/>
-          <ac:picMkLst>
-            <pc:docMk/>
-            <pc:sldMk cId="2866333210" sldId="272"/>
-            <ac:picMk id="8" creationId="{EBEB6017-A7E0-A748-88AD-FFC06BE80303}"/>
-          </ac:picMkLst>
-        </pc:picChg>
-        <pc:picChg chg="del">
-          <ac:chgData name="Giulio Beltrami" userId="e0bbba2c-5e70-403a-8e6b-090771782fcf" providerId="ADAL" clId="{CC52A8C3-708B-4CE7-A848-3F502EC51602}" dt="2024-06-13T16:00:23.234" v="1995" actId="478"/>
-          <ac:picMkLst>
-            <pc:docMk/>
-            <pc:sldMk cId="2866333210" sldId="272"/>
-            <ac:picMk id="9" creationId="{D80C6BDB-0BFE-7648-9420-D5BD284FBAE5}"/>
-          </ac:picMkLst>
-        </pc:picChg>
-        <pc:picChg chg="add del mod">
-          <ac:chgData name="Giulio Beltrami" userId="e0bbba2c-5e70-403a-8e6b-090771782fcf" providerId="ADAL" clId="{CC52A8C3-708B-4CE7-A848-3F502EC51602}" dt="2024-06-13T16:26:18.388" v="2656" actId="478"/>
-          <ac:picMkLst>
-            <pc:docMk/>
-            <pc:sldMk cId="2866333210" sldId="272"/>
-            <ac:picMk id="10" creationId="{DF70FCE9-DAE2-296B-4DF0-9BD955D3CE0B}"/>
-          </ac:picMkLst>
-        </pc:picChg>
-        <pc:picChg chg="add mod">
-          <ac:chgData name="Giulio Beltrami" userId="e0bbba2c-5e70-403a-8e6b-090771782fcf" providerId="ADAL" clId="{CC52A8C3-708B-4CE7-A848-3F502EC51602}" dt="2024-06-13T16:26:27.955" v="2659" actId="1076"/>
-          <ac:picMkLst>
-            <pc:docMk/>
-            <pc:sldMk cId="2866333210" sldId="272"/>
-            <ac:picMk id="17" creationId="{F827EB40-A606-2439-1A44-BCFDE0BDE845}"/>
-          </ac:picMkLst>
-        </pc:picChg>
-        <pc:picChg chg="add del mod">
-          <ac:chgData name="Giulio Beltrami" userId="e0bbba2c-5e70-403a-8e6b-090771782fcf" providerId="ADAL" clId="{CC52A8C3-708B-4CE7-A848-3F502EC51602}" dt="2024-06-13T16:31:26.273" v="2666" actId="478"/>
-          <ac:picMkLst>
-            <pc:docMk/>
-            <pc:sldMk cId="2866333210" sldId="272"/>
-            <ac:picMk id="18" creationId="{105A3671-5CB5-0ACA-EFDD-F6B7D09E041D}"/>
-          </ac:picMkLst>
-        </pc:picChg>
-        <pc:picChg chg="add mod">
-          <ac:chgData name="Giulio Beltrami" userId="e0bbba2c-5e70-403a-8e6b-090771782fcf" providerId="ADAL" clId="{CC52A8C3-708B-4CE7-A848-3F502EC51602}" dt="2024-06-13T16:36:13.579" v="2740" actId="1076"/>
-          <ac:picMkLst>
-            <pc:docMk/>
-            <pc:sldMk cId="2866333210" sldId="272"/>
-            <ac:picMk id="20" creationId="{D41A35A8-4837-1FF9-BF4A-E7058CC0B8BE}"/>
-          </ac:picMkLst>
-        </pc:picChg>
-      </pc:sldChg>
-      <pc:sldChg chg="addSp delSp modSp add mod">
-        <pc:chgData name="Giulio Beltrami" userId="e0bbba2c-5e70-403a-8e6b-090771782fcf" providerId="ADAL" clId="{CC52A8C3-708B-4CE7-A848-3F502EC51602}" dt="2024-06-13T16:59:35.253" v="2825"/>
-        <pc:sldMkLst>
-          <pc:docMk/>
-          <pc:sldMk cId="134682257" sldId="273"/>
-        </pc:sldMkLst>
-        <pc:spChg chg="add mod">
-          <ac:chgData name="Giulio Beltrami" userId="e0bbba2c-5e70-403a-8e6b-090771782fcf" providerId="ADAL" clId="{CC52A8C3-708B-4CE7-A848-3F502EC51602}" dt="2024-06-13T16:17:08.917" v="2630" actId="20577"/>
-          <ac:spMkLst>
-            <pc:docMk/>
-            <pc:sldMk cId="134682257" sldId="273"/>
-            <ac:spMk id="5" creationId="{681584F4-5174-938E-EF99-E2302DD4FB36}"/>
-          </ac:spMkLst>
-        </pc:spChg>
-        <pc:spChg chg="add mod">
-          <ac:chgData name="Giulio Beltrami" userId="e0bbba2c-5e70-403a-8e6b-090771782fcf" providerId="ADAL" clId="{CC52A8C3-708B-4CE7-A848-3F502EC51602}" dt="2024-06-13T16:59:35.253" v="2825"/>
-          <ac:spMkLst>
-            <pc:docMk/>
-            <pc:sldMk cId="134682257" sldId="273"/>
-            <ac:spMk id="10" creationId="{92462287-7C2F-401A-7FF9-6CFED314CE4D}"/>
-          </ac:spMkLst>
-        </pc:spChg>
-        <pc:spChg chg="del">
-          <ac:chgData name="Giulio Beltrami" userId="e0bbba2c-5e70-403a-8e6b-090771782fcf" providerId="ADAL" clId="{CC52A8C3-708B-4CE7-A848-3F502EC51602}" dt="2024-06-13T16:59:34.912" v="2824" actId="478"/>
-          <ac:spMkLst>
-            <pc:docMk/>
-            <pc:sldMk cId="134682257" sldId="273"/>
-            <ac:spMk id="104" creationId="{00000000-0000-0000-0000-000000000000}"/>
-          </ac:spMkLst>
-        </pc:spChg>
-        <pc:graphicFrameChg chg="del">
-          <ac:chgData name="Giulio Beltrami" userId="e0bbba2c-5e70-403a-8e6b-090771782fcf" providerId="ADAL" clId="{CC52A8C3-708B-4CE7-A848-3F502EC51602}" dt="2024-06-13T16:14:47.863" v="2618" actId="478"/>
-          <ac:graphicFrameMkLst>
-            <pc:docMk/>
-            <pc:sldMk cId="134682257" sldId="273"/>
-            <ac:graphicFrameMk id="2" creationId="{00CE3058-F966-0D4D-ABF5-A3609441608B}"/>
-          </ac:graphicFrameMkLst>
-        </pc:graphicFrameChg>
-        <pc:picChg chg="del">
-          <ac:chgData name="Giulio Beltrami" userId="e0bbba2c-5e70-403a-8e6b-090771782fcf" providerId="ADAL" clId="{CC52A8C3-708B-4CE7-A848-3F502EC51602}" dt="2024-06-13T16:14:44.549" v="2615" actId="478"/>
-          <ac:picMkLst>
-            <pc:docMk/>
-            <pc:sldMk cId="134682257" sldId="273"/>
-            <ac:picMk id="3" creationId="{E8422789-689D-415A-36CE-D5E9C4EC2747}"/>
-          </ac:picMkLst>
-        </pc:picChg>
-        <pc:picChg chg="add mod">
-          <ac:chgData name="Giulio Beltrami" userId="e0bbba2c-5e70-403a-8e6b-090771782fcf" providerId="ADAL" clId="{CC52A8C3-708B-4CE7-A848-3F502EC51602}" dt="2024-06-13T16:18:29.721" v="2641" actId="1076"/>
-          <ac:picMkLst>
-            <pc:docMk/>
-            <pc:sldMk cId="134682257" sldId="273"/>
-            <ac:picMk id="6" creationId="{B2C19C55-EB18-A57C-A218-16CB3D3F61F1}"/>
-          </ac:picMkLst>
-        </pc:picChg>
-        <pc:picChg chg="add mod">
-          <ac:chgData name="Giulio Beltrami" userId="e0bbba2c-5e70-403a-8e6b-090771782fcf" providerId="ADAL" clId="{CC52A8C3-708B-4CE7-A848-3F502EC51602}" dt="2024-06-13T16:19:56.307" v="2651" actId="1076"/>
-          <ac:picMkLst>
-            <pc:docMk/>
-            <pc:sldMk cId="134682257" sldId="273"/>
-            <ac:picMk id="8" creationId="{33AF3673-227F-3FA3-057A-8C0638EA248D}"/>
-          </ac:picMkLst>
-        </pc:picChg>
-        <pc:picChg chg="del mod">
-          <ac:chgData name="Giulio Beltrami" userId="e0bbba2c-5e70-403a-8e6b-090771782fcf" providerId="ADAL" clId="{CC52A8C3-708B-4CE7-A848-3F502EC51602}" dt="2024-06-13T16:17:40.462" v="2634" actId="478"/>
-          <ac:picMkLst>
-            <pc:docMk/>
-            <pc:sldMk cId="134682257" sldId="273"/>
-            <ac:picMk id="9" creationId="{6740CD09-766B-56AB-97D0-23F23EFF7329}"/>
-          </ac:picMkLst>
-        </pc:picChg>
-        <pc:picChg chg="mod">
-          <ac:chgData name="Giulio Beltrami" userId="e0bbba2c-5e70-403a-8e6b-090771782fcf" providerId="ADAL" clId="{CC52A8C3-708B-4CE7-A848-3F502EC51602}" dt="2024-06-13T16:18:50.535" v="2647" actId="14100"/>
-          <ac:picMkLst>
-            <pc:docMk/>
-            <pc:sldMk cId="134682257" sldId="273"/>
-            <ac:picMk id="11" creationId="{CABD73F2-4B21-FD84-B62F-7AF7BBB05A19}"/>
-          </ac:picMkLst>
-        </pc:picChg>
-        <pc:picChg chg="del">
-          <ac:chgData name="Giulio Beltrami" userId="e0bbba2c-5e70-403a-8e6b-090771782fcf" providerId="ADAL" clId="{CC52A8C3-708B-4CE7-A848-3F502EC51602}" dt="2024-06-13T16:14:46.803" v="2617" actId="478"/>
-          <ac:picMkLst>
-            <pc:docMk/>
-            <pc:sldMk cId="134682257" sldId="273"/>
-            <ac:picMk id="15" creationId="{C1922D88-B158-7975-5FE0-D1D54C8A037C}"/>
-          </ac:picMkLst>
-        </pc:picChg>
-        <pc:picChg chg="del">
-          <ac:chgData name="Giulio Beltrami" userId="e0bbba2c-5e70-403a-8e6b-090771782fcf" providerId="ADAL" clId="{CC52A8C3-708B-4CE7-A848-3F502EC51602}" dt="2024-06-13T16:14:46.090" v="2616" actId="478"/>
-          <ac:picMkLst>
-            <pc:docMk/>
-            <pc:sldMk cId="134682257" sldId="273"/>
-            <ac:picMk id="17" creationId="{FD5EF55D-8CE4-2B36-095F-66AD3A1F8822}"/>
-          </ac:picMkLst>
-        </pc:picChg>
-      </pc:sldChg>
-      <pc:sldChg chg="addSp delSp modSp add mod">
-        <pc:chgData name="Giulio Beltrami" userId="e0bbba2c-5e70-403a-8e6b-090771782fcf" providerId="ADAL" clId="{CC52A8C3-708B-4CE7-A848-3F502EC51602}" dt="2024-06-13T16:59:38.462" v="2827"/>
-        <pc:sldMkLst>
-          <pc:docMk/>
-          <pc:sldMk cId="53727010" sldId="274"/>
-        </pc:sldMkLst>
-        <pc:spChg chg="add del mod">
-          <ac:chgData name="Giulio Beltrami" userId="e0bbba2c-5e70-403a-8e6b-090771782fcf" providerId="ADAL" clId="{CC52A8C3-708B-4CE7-A848-3F502EC51602}" dt="2024-06-13T16:26:14.506" v="2655"/>
-          <ac:spMkLst>
-            <pc:docMk/>
-            <pc:sldMk cId="53727010" sldId="274"/>
-            <ac:spMk id="4" creationId="{544F7A8C-DEB0-2509-4C13-A9A502336042}"/>
-          </ac:spMkLst>
-        </pc:spChg>
-        <pc:spChg chg="add mod">
-          <ac:chgData name="Giulio Beltrami" userId="e0bbba2c-5e70-403a-8e6b-090771782fcf" providerId="ADAL" clId="{CC52A8C3-708B-4CE7-A848-3F502EC51602}" dt="2024-06-13T16:55:02.106" v="2774" actId="1076"/>
-          <ac:spMkLst>
-            <pc:docMk/>
-            <pc:sldMk cId="53727010" sldId="274"/>
-            <ac:spMk id="8" creationId="{ADDB3084-4B24-CC40-750A-23F463D307F9}"/>
-          </ac:spMkLst>
-        </pc:spChg>
-        <pc:spChg chg="add mod">
-          <ac:chgData name="Giulio Beltrami" userId="e0bbba2c-5e70-403a-8e6b-090771782fcf" providerId="ADAL" clId="{CC52A8C3-708B-4CE7-A848-3F502EC51602}" dt="2024-06-13T16:57:56.643" v="2808" actId="1076"/>
-          <ac:spMkLst>
-            <pc:docMk/>
-            <pc:sldMk cId="53727010" sldId="274"/>
-            <ac:spMk id="12" creationId="{DC543E80-3C0C-BF98-451E-26D41F5D57EC}"/>
-          </ac:spMkLst>
-        </pc:spChg>
-        <pc:spChg chg="add mod">
-          <ac:chgData name="Giulio Beltrami" userId="e0bbba2c-5e70-403a-8e6b-090771782fcf" providerId="ADAL" clId="{CC52A8C3-708B-4CE7-A848-3F502EC51602}" dt="2024-06-13T16:59:38.462" v="2827"/>
-          <ac:spMkLst>
-            <pc:docMk/>
-            <pc:sldMk cId="53727010" sldId="274"/>
-            <ac:spMk id="13" creationId="{63BB908B-FD5B-5366-0613-F32787B8A900}"/>
-          </ac:spMkLst>
-        </pc:spChg>
-        <pc:spChg chg="del">
-          <ac:chgData name="Giulio Beltrami" userId="e0bbba2c-5e70-403a-8e6b-090771782fcf" providerId="ADAL" clId="{CC52A8C3-708B-4CE7-A848-3F502EC51602}" dt="2024-06-13T16:59:38.130" v="2826" actId="478"/>
-          <ac:spMkLst>
-            <pc:docMk/>
-            <pc:sldMk cId="53727010" sldId="274"/>
-            <ac:spMk id="104" creationId="{00000000-0000-0000-0000-000000000000}"/>
-          </ac:spMkLst>
-        </pc:spChg>
-        <pc:graphicFrameChg chg="del">
-          <ac:chgData name="Giulio Beltrami" userId="e0bbba2c-5e70-403a-8e6b-090771782fcf" providerId="ADAL" clId="{CC52A8C3-708B-4CE7-A848-3F502EC51602}" dt="2024-06-13T16:20:06.146" v="2652" actId="478"/>
-          <ac:graphicFrameMkLst>
-            <pc:docMk/>
-            <pc:sldMk cId="53727010" sldId="274"/>
-            <ac:graphicFrameMk id="2" creationId="{00CE3058-F966-0D4D-ABF5-A3609441608B}"/>
-          </ac:graphicFrameMkLst>
-        </pc:graphicFrameChg>
-        <pc:picChg chg="del">
-          <ac:chgData name="Giulio Beltrami" userId="e0bbba2c-5e70-403a-8e6b-090771782fcf" providerId="ADAL" clId="{CC52A8C3-708B-4CE7-A848-3F502EC51602}" dt="2024-06-13T16:18:07.961" v="2638" actId="478"/>
-          <ac:picMkLst>
-            <pc:docMk/>
-            <pc:sldMk cId="53727010" sldId="274"/>
-            <ac:picMk id="3" creationId="{E8422789-689D-415A-36CE-D5E9C4EC2747}"/>
-          </ac:picMkLst>
-        </pc:picChg>
-        <pc:picChg chg="add mod">
-          <ac:chgData name="Giulio Beltrami" userId="e0bbba2c-5e70-403a-8e6b-090771782fcf" providerId="ADAL" clId="{CC52A8C3-708B-4CE7-A848-3F502EC51602}" dt="2024-06-13T16:55:13.875" v="2776" actId="1076"/>
-          <ac:picMkLst>
-            <pc:docMk/>
-            <pc:sldMk cId="53727010" sldId="274"/>
-            <ac:picMk id="6" creationId="{D48C112E-2ECB-E97E-2D87-70C0CB3ED191}"/>
-          </ac:picMkLst>
-        </pc:picChg>
-        <pc:picChg chg="del">
-          <ac:chgData name="Giulio Beltrami" userId="e0bbba2c-5e70-403a-8e6b-090771782fcf" providerId="ADAL" clId="{CC52A8C3-708B-4CE7-A848-3F502EC51602}" dt="2024-06-13T16:18:08.467" v="2639" actId="478"/>
-          <ac:picMkLst>
-            <pc:docMk/>
-            <pc:sldMk cId="53727010" sldId="274"/>
-            <ac:picMk id="9" creationId="{6740CD09-766B-56AB-97D0-23F23EFF7329}"/>
-          </ac:picMkLst>
-        </pc:picChg>
-        <pc:picChg chg="del">
-          <ac:chgData name="Giulio Beltrami" userId="e0bbba2c-5e70-403a-8e6b-090771782fcf" providerId="ADAL" clId="{CC52A8C3-708B-4CE7-A848-3F502EC51602}" dt="2024-06-13T16:18:09.076" v="2640" actId="478"/>
-          <ac:picMkLst>
-            <pc:docMk/>
-            <pc:sldMk cId="53727010" sldId="274"/>
-            <ac:picMk id="11" creationId="{CABD73F2-4B21-FD84-B62F-7AF7BBB05A19}"/>
-          </ac:picMkLst>
-        </pc:picChg>
-        <pc:picChg chg="mod">
-          <ac:chgData name="Giulio Beltrami" userId="e0bbba2c-5e70-403a-8e6b-090771782fcf" providerId="ADAL" clId="{CC52A8C3-708B-4CE7-A848-3F502EC51602}" dt="2024-06-13T16:55:19.239" v="2778" actId="1076"/>
-          <ac:picMkLst>
-            <pc:docMk/>
-            <pc:sldMk cId="53727010" sldId="274"/>
-            <ac:picMk id="15" creationId="{C1922D88-B158-7975-5FE0-D1D54C8A037C}"/>
-          </ac:picMkLst>
-        </pc:picChg>
-        <pc:picChg chg="mod">
-          <ac:chgData name="Giulio Beltrami" userId="e0bbba2c-5e70-403a-8e6b-090771782fcf" providerId="ADAL" clId="{CC52A8C3-708B-4CE7-A848-3F502EC51602}" dt="2024-06-13T16:55:15.677" v="2777" actId="1076"/>
-          <ac:picMkLst>
-            <pc:docMk/>
-            <pc:sldMk cId="53727010" sldId="274"/>
-            <ac:picMk id="17" creationId="{FD5EF55D-8CE4-2B36-095F-66AD3A1F8822}"/>
-          </ac:picMkLst>
-        </pc:picChg>
-      </pc:sldChg>
-      <pc:sldChg chg="delSp modSp add mod">
-        <pc:chgData name="Giulio Beltrami" userId="e0bbba2c-5e70-403a-8e6b-090771782fcf" providerId="ADAL" clId="{CC52A8C3-708B-4CE7-A848-3F502EC51602}" dt="2024-06-13T17:01:53.706" v="2926" actId="478"/>
-        <pc:sldMkLst>
-          <pc:docMk/>
-          <pc:sldMk cId="3704356531" sldId="275"/>
-        </pc:sldMkLst>
-        <pc:spChg chg="del">
-          <ac:chgData name="Giulio Beltrami" userId="e0bbba2c-5e70-403a-8e6b-090771782fcf" providerId="ADAL" clId="{CC52A8C3-708B-4CE7-A848-3F502EC51602}" dt="2024-06-13T17:01:53.706" v="2926" actId="478"/>
-          <ac:spMkLst>
-            <pc:docMk/>
-            <pc:sldMk cId="3704356531" sldId="275"/>
-            <ac:spMk id="5" creationId="{127261B4-31CE-3F9B-8B88-E794728F02DB}"/>
-          </ac:spMkLst>
-        </pc:spChg>
-        <pc:spChg chg="del mod">
-          <ac:chgData name="Giulio Beltrami" userId="e0bbba2c-5e70-403a-8e6b-090771782fcf" providerId="ADAL" clId="{CC52A8C3-708B-4CE7-A848-3F502EC51602}" dt="2024-06-13T17:01:42.300" v="2911" actId="478"/>
-          <ac:spMkLst>
-            <pc:docMk/>
-            <pc:sldMk cId="3704356531" sldId="275"/>
-            <ac:spMk id="138" creationId="{00000000-0000-0000-0000-000000000000}"/>
-          </ac:spMkLst>
-        </pc:spChg>
-        <pc:spChg chg="mod">
-          <ac:chgData name="Giulio Beltrami" userId="e0bbba2c-5e70-403a-8e6b-090771782fcf" providerId="ADAL" clId="{CC52A8C3-708B-4CE7-A848-3F502EC51602}" dt="2024-06-13T17:01:50.385" v="2925" actId="20577"/>
-          <ac:spMkLst>
-            <pc:docMk/>
-            <pc:sldMk cId="3704356531" sldId="275"/>
-            <ac:spMk id="140" creationId="{00000000-0000-0000-0000-000000000000}"/>
-          </ac:spMkLst>
-        </pc:spChg>
-        <pc:picChg chg="del">
-          <ac:chgData name="Giulio Beltrami" userId="e0bbba2c-5e70-403a-8e6b-090771782fcf" providerId="ADAL" clId="{CC52A8C3-708B-4CE7-A848-3F502EC51602}" dt="2024-06-13T17:01:15.283" v="2843" actId="478"/>
-          <ac:picMkLst>
-            <pc:docMk/>
-            <pc:sldMk cId="3704356531" sldId="275"/>
-            <ac:picMk id="4" creationId="{87416478-A572-23F3-A614-74A023D4EE01}"/>
-          </ac:picMkLst>
-        </pc:picChg>
-      </pc:sldChg>
-    </pc:docChg>
-  </pc:docChgLst>
-</pc:chgInfo>
 </file>
 
 <file path=ppt/notesMasters/notesMaster1.xml><?xml version="1.0" encoding="utf-8"?>
@@ -9910,7 +8346,7 @@
               <a:buNone/>
             </a:pPr>
             <a:r>
-              <a:rPr lang="it-IT" sz="2200" b="1" strike="noStrike" spc="-1">
+              <a:rPr lang="it-IT" sz="2200" b="1" strike="noStrike" spc="-1" dirty="0">
                 <a:solidFill>
                   <a:srgbClr val="000000"/>
                 </a:solidFill>
@@ -9919,7 +8355,7 @@
               </a:rPr>
               <a:t>Nodo convertitore</a:t>
             </a:r>
-            <a:endParaRPr lang="it-IT" sz="2200" b="0" strike="noStrike" spc="-1">
+            <a:endParaRPr lang="it-IT" sz="2200" b="0" strike="noStrike" spc="-1" dirty="0">
               <a:latin typeface="Arial"/>
             </a:endParaRPr>
           </a:p>
@@ -9956,7 +8392,7 @@
         </p:blipFill>
         <p:spPr>
           <a:xfrm>
-            <a:off x="269081" y="2530440"/>
+            <a:off x="328680" y="4133289"/>
             <a:ext cx="5826919" cy="2181471"/>
           </a:xfrm>
           <a:prstGeom prst="rect">
@@ -9995,8 +8431,8 @@
         </p:blipFill>
         <p:spPr>
           <a:xfrm>
-            <a:off x="2820157" y="5671980"/>
-            <a:ext cx="3600741" cy="319692"/>
+            <a:off x="6959670" y="6060498"/>
+            <a:ext cx="3296501" cy="292680"/>
           </a:xfrm>
           <a:prstGeom prst="rect">
             <a:avLst/>
@@ -10088,137 +8524,417 @@
           </a:p>
         </p:txBody>
       </p:sp>
-      <p:sp>
-        <p:nvSpPr>
-          <p:cNvPr id="7" name="CasellaDiTesto 6">
-            <a:extLst>
-              <a:ext uri="{FF2B5EF4-FFF2-40B4-BE49-F238E27FC236}">
-                <a16:creationId xmlns:a16="http://schemas.microsoft.com/office/drawing/2014/main" id="{3D16D520-8ADF-BACD-3BC0-C911EF317FD5}"/>
-              </a:ext>
-            </a:extLst>
-          </p:cNvPr>
-          <p:cNvSpPr txBox="1"/>
-          <p:nvPr/>
-        </p:nvSpPr>
-        <p:spPr>
-          <a:xfrm>
-            <a:off x="5965487" y="866328"/>
-            <a:ext cx="6094378" cy="2308324"/>
-          </a:xfrm>
-          <a:prstGeom prst="rect">
-            <a:avLst/>
-          </a:prstGeom>
-          <a:noFill/>
-        </p:spPr>
-        <p:txBody>
-          <a:bodyPr wrap="square">
-            <a:spAutoFit/>
-          </a:bodyPr>
-          <a:lstStyle/>
-          <a:p>
-            <a:r>
-              <a:rPr lang="it-IT" dirty="0"/>
-              <a:t>Per ottenere un segnale di velocità longitudinale del rover è stato implementato un filtro complementare. Questo sfrutta:</a:t>
-            </a:r>
-          </a:p>
-          <a:p>
-            <a:pPr marL="285750" indent="-285750">
-              <a:buFont typeface="Arial" panose="020B0604020202020204" pitchFamily="34" charset="0"/>
-              <a:buChar char="•"/>
-            </a:pPr>
-            <a:r>
-              <a:rPr lang="it-IT" dirty="0"/>
-              <a:t>i dati della posizione stimata </a:t>
-            </a:r>
-            <a:r>
-              <a:rPr lang="it-IT" dirty="0" err="1"/>
-              <a:t>x_k</a:t>
-            </a:r>
-            <a:r>
-              <a:rPr lang="it-IT" dirty="0"/>
-              <a:t> (Passa Basso) </a:t>
-            </a:r>
-          </a:p>
-          <a:p>
-            <a:pPr marL="285750" indent="-285750">
-              <a:buFont typeface="Arial" panose="020B0604020202020204" pitchFamily="34" charset="0"/>
-              <a:buChar char="•"/>
-            </a:pPr>
-            <a:r>
-              <a:rPr lang="it-IT" dirty="0"/>
-              <a:t>i dati </a:t>
-            </a:r>
-            <a:r>
-              <a:rPr lang="it-IT" dirty="0" err="1"/>
-              <a:t>dell</a:t>
-            </a:r>
-            <a:r>
-              <a:rPr lang="it-IT" dirty="0"/>
-              <a:t> accelerometro </a:t>
-            </a:r>
-            <a:r>
-              <a:rPr lang="it-IT" dirty="0" err="1"/>
-              <a:t>a_k</a:t>
-            </a:r>
-            <a:r>
-              <a:rPr lang="it-IT" dirty="0"/>
-              <a:t> (Passa Alto)</a:t>
-            </a:r>
-          </a:p>
-          <a:p>
-            <a:r>
-              <a:rPr lang="it-IT" dirty="0"/>
-              <a:t>Provenendo da sensori diversi, le misurazioni della velocità di entrambi i rami presentano diverse perturbazioni del rumore.</a:t>
-            </a:r>
-          </a:p>
-        </p:txBody>
-      </p:sp>
-      <p:sp>
-        <p:nvSpPr>
-          <p:cNvPr id="8" name="CasellaDiTesto 7">
-            <a:extLst>
-              <a:ext uri="{FF2B5EF4-FFF2-40B4-BE49-F238E27FC236}">
-                <a16:creationId xmlns:a16="http://schemas.microsoft.com/office/drawing/2014/main" id="{DA96A236-C5BA-630A-898A-2F3AC56FA9CF}"/>
-              </a:ext>
-            </a:extLst>
-          </p:cNvPr>
-          <p:cNvSpPr txBox="1"/>
-          <p:nvPr/>
-        </p:nvSpPr>
-        <p:spPr>
-          <a:xfrm>
-            <a:off x="7372763" y="3266284"/>
-            <a:ext cx="4046648" cy="1754326"/>
-          </a:xfrm>
-          <a:prstGeom prst="rect">
-            <a:avLst/>
-          </a:prstGeom>
-          <a:noFill/>
-        </p:spPr>
-        <p:txBody>
-          <a:bodyPr wrap="square" rtlCol="0">
-            <a:spAutoFit/>
-          </a:bodyPr>
-          <a:lstStyle/>
-          <a:p>
-            <a:r>
-              <a:rPr lang="it-IT" dirty="0"/>
-              <a:t>Alpha </a:t>
-            </a:r>
-            <a:r>
-              <a:rPr lang="it-IT" dirty="0">
-                <a:latin typeface="Cambria Math" panose="02040503050406030204" pitchFamily="18" charset="0"/>
-                <a:ea typeface="Cambria Math" panose="02040503050406030204" pitchFamily="18" charset="0"/>
-              </a:rPr>
-              <a:t>∈ (0,1)</a:t>
-            </a:r>
-            <a:r>
-              <a:rPr lang="it-IT" dirty="0"/>
-              <a:t> è un parametro che indica la percentuale delle due grandezze di ingresso che concorrono a determinare la stima della velocità. Nel nostro caso è stato scelto alpha= 0.985. </a:t>
-            </a:r>
-          </a:p>
-        </p:txBody>
-      </p:sp>
+      <mc:AlternateContent xmlns:mc="http://schemas.openxmlformats.org/markup-compatibility/2006">
+        <mc:Choice xmlns:a14="http://schemas.microsoft.com/office/drawing/2010/main" Requires="a14">
+          <p:sp>
+            <p:nvSpPr>
+              <p:cNvPr id="7" name="CasellaDiTesto 6">
+                <a:extLst>
+                  <a:ext uri="{FF2B5EF4-FFF2-40B4-BE49-F238E27FC236}">
+                    <a16:creationId xmlns:a16="http://schemas.microsoft.com/office/drawing/2014/main" id="{3D16D520-8ADF-BACD-3BC0-C911EF317FD5}"/>
+                  </a:ext>
+                </a:extLst>
+              </p:cNvPr>
+              <p:cNvSpPr txBox="1"/>
+              <p:nvPr/>
+            </p:nvSpPr>
+            <p:spPr>
+              <a:xfrm>
+                <a:off x="576558" y="1311327"/>
+                <a:ext cx="10606308" cy="2529282"/>
+              </a:xfrm>
+              <a:prstGeom prst="rect">
+                <a:avLst/>
+              </a:prstGeom>
+              <a:noFill/>
+            </p:spPr>
+            <p:txBody>
+              <a:bodyPr wrap="square">
+                <a:spAutoFit/>
+              </a:bodyPr>
+              <a:lstStyle/>
+              <a:p>
+                <a:pPr>
+                  <a:lnSpc>
+                    <a:spcPct val="150000"/>
+                  </a:lnSpc>
+                </a:pPr>
+                <a:r>
+                  <a:rPr lang="it-IT" dirty="0">
+                    <a:latin typeface="Verdana" panose="020B0604030504040204" pitchFamily="34" charset="0"/>
+                    <a:ea typeface="Verdana" panose="020B0604030504040204" pitchFamily="34" charset="0"/>
+                    <a:cs typeface="Verdana" panose="020B0604030504040204" pitchFamily="34" charset="0"/>
+                  </a:rPr>
+                  <a:t>Per ottenere un segnale di velocità longitudinale del rover è stato implementato un filtro complementare. Questo sfrutta:</a:t>
+                </a:r>
+              </a:p>
+              <a:p>
+                <a:pPr marL="285750" indent="-285750">
+                  <a:lnSpc>
+                    <a:spcPct val="150000"/>
+                  </a:lnSpc>
+                  <a:buFont typeface="Arial" panose="020B0604020202020204" pitchFamily="34" charset="0"/>
+                  <a:buChar char="•"/>
+                </a:pPr>
+                <a:r>
+                  <a:rPr lang="it-IT" dirty="0">
+                    <a:latin typeface="Verdana" panose="020B0604030504040204" pitchFamily="34" charset="0"/>
+                    <a:ea typeface="Verdana" panose="020B0604030504040204" pitchFamily="34" charset="0"/>
+                    <a:cs typeface="Verdana" panose="020B0604030504040204" pitchFamily="34" charset="0"/>
+                  </a:rPr>
+                  <a:t>i dati della posizione stimata </a:t>
+                </a:r>
+                <a14:m>
+                  <m:oMath xmlns:m="http://schemas.openxmlformats.org/officeDocument/2006/math">
+                    <m:sSub>
+                      <m:sSubPr>
+                        <m:ctrlPr>
+                          <a:rPr lang="it-IT" i="1" smtClean="0">
+                            <a:latin typeface="Cambria Math" panose="02040503050406030204" pitchFamily="18" charset="0"/>
+                            <a:ea typeface="Verdana" panose="020B0604030504040204" pitchFamily="34" charset="0"/>
+                            <a:cs typeface="Verdana" panose="020B0604030504040204" pitchFamily="34" charset="0"/>
+                          </a:rPr>
+                        </m:ctrlPr>
+                      </m:sSubPr>
+                      <m:e>
+                        <m:r>
+                          <a:rPr lang="it-IT" b="0" i="1" smtClean="0">
+                            <a:latin typeface="Cambria Math" panose="02040503050406030204" pitchFamily="18" charset="0"/>
+                            <a:ea typeface="Verdana" panose="020B0604030504040204" pitchFamily="34" charset="0"/>
+                            <a:cs typeface="Verdana" panose="020B0604030504040204" pitchFamily="34" charset="0"/>
+                          </a:rPr>
+                          <m:t>𝑥</m:t>
+                        </m:r>
+                      </m:e>
+                      <m:sub>
+                        <m:r>
+                          <a:rPr lang="it-IT" b="0" i="1" smtClean="0">
+                            <a:latin typeface="Cambria Math" panose="02040503050406030204" pitchFamily="18" charset="0"/>
+                            <a:ea typeface="Verdana" panose="020B0604030504040204" pitchFamily="34" charset="0"/>
+                            <a:cs typeface="Verdana" panose="020B0604030504040204" pitchFamily="34" charset="0"/>
+                          </a:rPr>
+                          <m:t>𝑘</m:t>
+                        </m:r>
+                      </m:sub>
+                    </m:sSub>
+                  </m:oMath>
+                </a14:m>
+                <a:r>
+                  <a:rPr lang="it-IT" dirty="0">
+                    <a:latin typeface="Verdana" panose="020B0604030504040204" pitchFamily="34" charset="0"/>
+                    <a:ea typeface="Verdana" panose="020B0604030504040204" pitchFamily="34" charset="0"/>
+                    <a:cs typeface="Verdana" panose="020B0604030504040204" pitchFamily="34" charset="0"/>
+                  </a:rPr>
+                  <a:t> (Passa Basso) </a:t>
+                </a:r>
+              </a:p>
+              <a:p>
+                <a:pPr marL="285750" indent="-285750">
+                  <a:lnSpc>
+                    <a:spcPct val="150000"/>
+                  </a:lnSpc>
+                  <a:buFont typeface="Arial" panose="020B0604020202020204" pitchFamily="34" charset="0"/>
+                  <a:buChar char="•"/>
+                </a:pPr>
+                <a:r>
+                  <a:rPr lang="it-IT" dirty="0">
+                    <a:latin typeface="Verdana" panose="020B0604030504040204" pitchFamily="34" charset="0"/>
+                    <a:ea typeface="Verdana" panose="020B0604030504040204" pitchFamily="34" charset="0"/>
+                    <a:cs typeface="Verdana" panose="020B0604030504040204" pitchFamily="34" charset="0"/>
+                  </a:rPr>
+                  <a:t>i dati dell’accelerometro </a:t>
+                </a:r>
+                <a14:m>
+                  <m:oMath xmlns:m="http://schemas.openxmlformats.org/officeDocument/2006/math">
+                    <m:sSub>
+                      <m:sSubPr>
+                        <m:ctrlPr>
+                          <a:rPr lang="it-IT" i="1">
+                            <a:latin typeface="Cambria Math" panose="02040503050406030204" pitchFamily="18" charset="0"/>
+                            <a:ea typeface="Verdana" panose="020B0604030504040204" pitchFamily="34" charset="0"/>
+                            <a:cs typeface="Verdana" panose="020B0604030504040204" pitchFamily="34" charset="0"/>
+                          </a:rPr>
+                        </m:ctrlPr>
+                      </m:sSubPr>
+                      <m:e>
+                        <m:r>
+                          <a:rPr lang="it-IT" b="0" i="1" smtClean="0">
+                            <a:latin typeface="Cambria Math" panose="02040503050406030204" pitchFamily="18" charset="0"/>
+                            <a:ea typeface="Verdana" panose="020B0604030504040204" pitchFamily="34" charset="0"/>
+                            <a:cs typeface="Verdana" panose="020B0604030504040204" pitchFamily="34" charset="0"/>
+                          </a:rPr>
+                          <m:t>𝑎</m:t>
+                        </m:r>
+                      </m:e>
+                      <m:sub>
+                        <m:r>
+                          <a:rPr lang="it-IT" i="1">
+                            <a:latin typeface="Cambria Math" panose="02040503050406030204" pitchFamily="18" charset="0"/>
+                            <a:ea typeface="Verdana" panose="020B0604030504040204" pitchFamily="34" charset="0"/>
+                            <a:cs typeface="Verdana" panose="020B0604030504040204" pitchFamily="34" charset="0"/>
+                          </a:rPr>
+                          <m:t>𝑘</m:t>
+                        </m:r>
+                      </m:sub>
+                    </m:sSub>
+                  </m:oMath>
+                </a14:m>
+                <a:r>
+                  <a:rPr lang="it-IT" dirty="0">
+                    <a:latin typeface="Verdana" panose="020B0604030504040204" pitchFamily="34" charset="0"/>
+                    <a:ea typeface="Verdana" panose="020B0604030504040204" pitchFamily="34" charset="0"/>
+                    <a:cs typeface="Verdana" panose="020B0604030504040204" pitchFamily="34" charset="0"/>
+                  </a:rPr>
+                  <a:t> (Passa Alto)</a:t>
+                </a:r>
+              </a:p>
+              <a:p>
+                <a:pPr>
+                  <a:lnSpc>
+                    <a:spcPct val="150000"/>
+                  </a:lnSpc>
+                </a:pPr>
+                <a:r>
+                  <a:rPr lang="it-IT" dirty="0">
+                    <a:latin typeface="Verdana" panose="020B0604030504040204" pitchFamily="34" charset="0"/>
+                    <a:ea typeface="Verdana" panose="020B0604030504040204" pitchFamily="34" charset="0"/>
+                    <a:cs typeface="Verdana" panose="020B0604030504040204" pitchFamily="34" charset="0"/>
+                  </a:rPr>
+                  <a:t>Provenendo da sensori diversi, le misurazioni della velocità di entrambi i rami presentano diverse perturbazioni del rumore.</a:t>
+                </a:r>
+              </a:p>
+            </p:txBody>
+          </p:sp>
+        </mc:Choice>
+        <mc:Fallback>
+          <p:sp>
+            <p:nvSpPr>
+              <p:cNvPr id="7" name="CasellaDiTesto 6">
+                <a:extLst>
+                  <a:ext uri="{FF2B5EF4-FFF2-40B4-BE49-F238E27FC236}">
+                    <a16:creationId xmlns:a16="http://schemas.microsoft.com/office/drawing/2014/main" id="{3D16D520-8ADF-BACD-3BC0-C911EF317FD5}"/>
+                  </a:ext>
+                </a:extLst>
+              </p:cNvPr>
+              <p:cNvSpPr txBox="1">
+                <a:spLocks noRot="1" noChangeAspect="1" noMove="1" noResize="1" noEditPoints="1" noAdjustHandles="1" noChangeArrowheads="1" noChangeShapeType="1" noTextEdit="1"/>
+              </p:cNvSpPr>
+              <p:nvPr/>
+            </p:nvSpPr>
+            <p:spPr>
+              <a:xfrm>
+                <a:off x="576558" y="1311327"/>
+                <a:ext cx="10606308" cy="2529282"/>
+              </a:xfrm>
+              <a:prstGeom prst="rect">
+                <a:avLst/>
+              </a:prstGeom>
+              <a:blipFill>
+                <a:blip r:embed="rId7"/>
+                <a:stretch>
+                  <a:fillRect l="-358" b="-3000"/>
+                </a:stretch>
+              </a:blipFill>
+            </p:spPr>
+            <p:txBody>
+              <a:bodyPr/>
+              <a:lstStyle/>
+              <a:p>
+                <a:r>
+                  <a:rPr lang="it-IT">
+                    <a:noFill/>
+                  </a:rPr>
+                  <a:t> </a:t>
+                </a:r>
+              </a:p>
+            </p:txBody>
+          </p:sp>
+        </mc:Fallback>
+      </mc:AlternateContent>
+      <mc:AlternateContent xmlns:mc="http://schemas.openxmlformats.org/markup-compatibility/2006">
+        <mc:Choice xmlns:a14="http://schemas.microsoft.com/office/drawing/2010/main" Requires="a14">
+          <p:sp>
+            <p:nvSpPr>
+              <p:cNvPr id="8" name="CasellaDiTesto 7">
+                <a:extLst>
+                  <a:ext uri="{FF2B5EF4-FFF2-40B4-BE49-F238E27FC236}">
+                    <a16:creationId xmlns:a16="http://schemas.microsoft.com/office/drawing/2014/main" id="{DA96A236-C5BA-630A-898A-2F3AC56FA9CF}"/>
+                  </a:ext>
+                </a:extLst>
+              </p:cNvPr>
+              <p:cNvSpPr txBox="1"/>
+              <p:nvPr/>
+            </p:nvSpPr>
+            <p:spPr>
+              <a:xfrm>
+                <a:off x="6310625" y="3893661"/>
+                <a:ext cx="5415937" cy="2113784"/>
+              </a:xfrm>
+              <a:prstGeom prst="rect">
+                <a:avLst/>
+              </a:prstGeom>
+              <a:noFill/>
+            </p:spPr>
+            <p:txBody>
+              <a:bodyPr wrap="square" rtlCol="0">
+                <a:spAutoFit/>
+              </a:bodyPr>
+              <a:lstStyle/>
+              <a:p>
+                <a:pPr>
+                  <a:lnSpc>
+                    <a:spcPct val="150000"/>
+                  </a:lnSpc>
+                </a:pPr>
+                <a14:m>
+                  <m:oMath xmlns:m="http://schemas.openxmlformats.org/officeDocument/2006/math">
+                    <m:r>
+                      <a:rPr lang="it-IT" i="1" smtClean="0">
+                        <a:latin typeface="Cambria Math" panose="02040503050406030204" pitchFamily="18" charset="0"/>
+                        <a:ea typeface="Cambria Math" panose="02040503050406030204" pitchFamily="18" charset="0"/>
+                        <a:cs typeface="Verdana" panose="020B0604030504040204" pitchFamily="34" charset="0"/>
+                      </a:rPr>
+                      <m:t>𝛼</m:t>
+                    </m:r>
+                    <m:r>
+                      <a:rPr lang="it-IT" b="0" i="1" smtClean="0">
+                        <a:latin typeface="Cambria Math" panose="02040503050406030204" pitchFamily="18" charset="0"/>
+                        <a:ea typeface="Cambria Math" panose="02040503050406030204" pitchFamily="18" charset="0"/>
+                        <a:cs typeface="Verdana" panose="020B0604030504040204" pitchFamily="34" charset="0"/>
+                      </a:rPr>
+                      <m:t> ∈</m:t>
+                    </m:r>
+                    <m:d>
+                      <m:dPr>
+                        <m:ctrlPr>
+                          <a:rPr lang="it-IT" b="0" i="1" smtClean="0">
+                            <a:latin typeface="Cambria Math" panose="02040503050406030204" pitchFamily="18" charset="0"/>
+                            <a:ea typeface="Cambria Math" panose="02040503050406030204" pitchFamily="18" charset="0"/>
+                            <a:cs typeface="Verdana" panose="020B0604030504040204" pitchFamily="34" charset="0"/>
+                          </a:rPr>
+                        </m:ctrlPr>
+                      </m:dPr>
+                      <m:e>
+                        <m:r>
+                          <a:rPr lang="it-IT" b="0" i="1" smtClean="0">
+                            <a:latin typeface="Cambria Math" panose="02040503050406030204" pitchFamily="18" charset="0"/>
+                            <a:ea typeface="Cambria Math" panose="02040503050406030204" pitchFamily="18" charset="0"/>
+                            <a:cs typeface="Verdana" panose="020B0604030504040204" pitchFamily="34" charset="0"/>
+                          </a:rPr>
+                          <m:t>0,1</m:t>
+                        </m:r>
+                      </m:e>
+                    </m:d>
+                    <m:r>
+                      <a:rPr lang="it-IT" b="0" i="1" smtClean="0">
+                        <a:latin typeface="Cambria Math" panose="02040503050406030204" pitchFamily="18" charset="0"/>
+                        <a:ea typeface="Cambria Math" panose="02040503050406030204" pitchFamily="18" charset="0"/>
+                        <a:cs typeface="Verdana" panose="020B0604030504040204" pitchFamily="34" charset="0"/>
+                      </a:rPr>
+                      <m:t> </m:t>
+                    </m:r>
+                  </m:oMath>
+                </a14:m>
+                <a:r>
+                  <a:rPr lang="it-IT" dirty="0">
+                    <a:latin typeface="Verdana" panose="020B0604030504040204" pitchFamily="34" charset="0"/>
+                    <a:ea typeface="Verdana" panose="020B0604030504040204" pitchFamily="34" charset="0"/>
+                    <a:cs typeface="Verdana" panose="020B0604030504040204" pitchFamily="34" charset="0"/>
+                  </a:rPr>
+                  <a:t>è un parametro che indica la percentuale delle due grandezze di ingresso che concorrono a determinare la stima della velocità. </a:t>
+                </a:r>
+              </a:p>
+              <a:p>
+                <a:pPr>
+                  <a:lnSpc>
+                    <a:spcPct val="150000"/>
+                  </a:lnSpc>
+                </a:pPr>
+                <a:r>
+                  <a:rPr lang="it-IT" dirty="0">
+                    <a:latin typeface="Verdana" panose="020B0604030504040204" pitchFamily="34" charset="0"/>
+                    <a:ea typeface="Verdana" panose="020B0604030504040204" pitchFamily="34" charset="0"/>
+                    <a:cs typeface="Verdana" panose="020B0604030504040204" pitchFamily="34" charset="0"/>
+                  </a:rPr>
+                  <a:t>Nel nostro caso è stato scelto </a:t>
+                </a:r>
+                <a14:m>
+                  <m:oMath xmlns:m="http://schemas.openxmlformats.org/officeDocument/2006/math">
+                    <m:r>
+                      <a:rPr lang="it-IT" i="1" dirty="0" smtClean="0">
+                        <a:latin typeface="Cambria Math" panose="02040503050406030204" pitchFamily="18" charset="0"/>
+                        <a:ea typeface="Cambria Math" panose="02040503050406030204" pitchFamily="18" charset="0"/>
+                        <a:cs typeface="Verdana" panose="020B0604030504040204" pitchFamily="34" charset="0"/>
+                      </a:rPr>
+                      <m:t>𝛼</m:t>
+                    </m:r>
+                    <m:r>
+                      <a:rPr lang="it-IT" i="1" dirty="0" smtClean="0">
+                        <a:latin typeface="Cambria Math" panose="02040503050406030204" pitchFamily="18" charset="0"/>
+                        <a:ea typeface="Verdana" panose="020B0604030504040204" pitchFamily="34" charset="0"/>
+                        <a:cs typeface="Verdana" panose="020B0604030504040204" pitchFamily="34" charset="0"/>
+                      </a:rPr>
+                      <m:t>= 0.985</m:t>
+                    </m:r>
+                  </m:oMath>
+                </a14:m>
+                <a:r>
+                  <a:rPr lang="it-IT" dirty="0">
+                    <a:latin typeface="Verdana" panose="020B0604030504040204" pitchFamily="34" charset="0"/>
+                    <a:ea typeface="Verdana" panose="020B0604030504040204" pitchFamily="34" charset="0"/>
+                    <a:cs typeface="Verdana" panose="020B0604030504040204" pitchFamily="34" charset="0"/>
+                  </a:rPr>
+                  <a:t>. </a:t>
+                </a:r>
+              </a:p>
+            </p:txBody>
+          </p:sp>
+        </mc:Choice>
+        <mc:Fallback>
+          <p:sp>
+            <p:nvSpPr>
+              <p:cNvPr id="8" name="CasellaDiTesto 7">
+                <a:extLst>
+                  <a:ext uri="{FF2B5EF4-FFF2-40B4-BE49-F238E27FC236}">
+                    <a16:creationId xmlns:a16="http://schemas.microsoft.com/office/drawing/2014/main" id="{DA96A236-C5BA-630A-898A-2F3AC56FA9CF}"/>
+                  </a:ext>
+                </a:extLst>
+              </p:cNvPr>
+              <p:cNvSpPr txBox="1">
+                <a:spLocks noRot="1" noChangeAspect="1" noMove="1" noResize="1" noEditPoints="1" noAdjustHandles="1" noChangeArrowheads="1" noChangeShapeType="1" noTextEdit="1"/>
+              </p:cNvSpPr>
+              <p:nvPr/>
+            </p:nvSpPr>
+            <p:spPr>
+              <a:xfrm>
+                <a:off x="6310625" y="3893661"/>
+                <a:ext cx="5415937" cy="2113784"/>
+              </a:xfrm>
+              <a:prstGeom prst="rect">
+                <a:avLst/>
+              </a:prstGeom>
+              <a:blipFill>
+                <a:blip r:embed="rId8"/>
+                <a:stretch>
+                  <a:fillRect l="-937" b="-3593"/>
+                </a:stretch>
+              </a:blipFill>
+            </p:spPr>
+            <p:txBody>
+              <a:bodyPr/>
+              <a:lstStyle/>
+              <a:p>
+                <a:r>
+                  <a:rPr lang="it-IT">
+                    <a:noFill/>
+                  </a:rPr>
+                  <a:t> </a:t>
+                </a:r>
+              </a:p>
+            </p:txBody>
+          </p:sp>
+        </mc:Fallback>
+      </mc:AlternateContent>
     </p:spTree>
     <p:extLst>
       <p:ext uri="{BB962C8B-B14F-4D97-AF65-F5344CB8AC3E}">
@@ -10261,7 +8977,7 @@
         </p:nvSpPr>
         <p:spPr>
           <a:xfrm>
-            <a:off x="775800" y="957960"/>
+            <a:off x="788156" y="1157689"/>
             <a:ext cx="8793360" cy="853920"/>
           </a:xfrm>
           <a:prstGeom prst="rect">
@@ -10285,7 +9001,7 @@
               <a:buNone/>
             </a:pPr>
             <a:r>
-              <a:rPr lang="it-IT" sz="2200" b="1" strike="noStrike" spc="-1">
+              <a:rPr lang="it-IT" sz="2200" b="1" strike="noStrike" spc="-1" dirty="0">
                 <a:solidFill>
                   <a:srgbClr val="000000"/>
                 </a:solidFill>
@@ -10294,7 +9010,7 @@
               </a:rPr>
               <a:t>Nodo convertitore</a:t>
             </a:r>
-            <a:endParaRPr lang="it-IT" sz="2200" b="0" strike="noStrike" spc="-1">
+            <a:endParaRPr lang="it-IT" sz="2200" b="0" strike="noStrike" spc="-1" dirty="0">
               <a:latin typeface="Arial"/>
             </a:endParaRPr>
           </a:p>
@@ -10331,7 +9047,7 @@
         </p:blipFill>
         <p:spPr>
           <a:xfrm>
-            <a:off x="1894833" y="2962441"/>
+            <a:off x="1451265" y="3221933"/>
             <a:ext cx="8851900" cy="2565400"/>
           </a:xfrm>
           <a:prstGeom prst="rect">
@@ -10438,8 +9154,8 @@
         </p:nvSpPr>
         <p:spPr>
           <a:xfrm>
-            <a:off x="1079770" y="1811880"/>
-            <a:ext cx="9990307" cy="923330"/>
+            <a:off x="882062" y="1762112"/>
+            <a:ext cx="9990307" cy="1200329"/>
           </a:xfrm>
           <a:prstGeom prst="rect">
             <a:avLst/>
@@ -10452,24 +9168,49 @@
           </a:bodyPr>
           <a:lstStyle/>
           <a:p>
-            <a:r>
-              <a:rPr lang="it-IT" dirty="0"/>
+            <a:pPr>
+              <a:lnSpc>
+                <a:spcPct val="150000"/>
+              </a:lnSpc>
+            </a:pPr>
+            <a:r>
+              <a:rPr lang="it-IT" dirty="0">
+                <a:latin typeface="Verdana" panose="020B0604030504040204" pitchFamily="34" charset="0"/>
+                <a:ea typeface="Verdana" panose="020B0604030504040204" pitchFamily="34" charset="0"/>
+                <a:cs typeface="Verdana" panose="020B0604030504040204" pitchFamily="34" charset="0"/>
+              </a:rPr>
               <a:t>Per il controllo del </a:t>
             </a:r>
             <a:r>
-              <a:rPr lang="it-IT" dirty="0" err="1"/>
+              <a:rPr lang="it-IT" dirty="0" err="1">
+                <a:latin typeface="Verdana" panose="020B0604030504040204" pitchFamily="34" charset="0"/>
+                <a:ea typeface="Verdana" panose="020B0604030504040204" pitchFamily="34" charset="0"/>
+                <a:cs typeface="Verdana" panose="020B0604030504040204" pitchFamily="34" charset="0"/>
+              </a:rPr>
               <a:t>throttle</a:t>
             </a:r>
             <a:r>
-              <a:rPr lang="it-IT" dirty="0"/>
+              <a:rPr lang="it-IT" dirty="0">
+                <a:latin typeface="Verdana" panose="020B0604030504040204" pitchFamily="34" charset="0"/>
+                <a:ea typeface="Verdana" panose="020B0604030504040204" pitchFamily="34" charset="0"/>
+                <a:cs typeface="Verdana" panose="020B0604030504040204" pitchFamily="34" charset="0"/>
+              </a:rPr>
               <a:t> e dello sterzo sono stati implementati due PID. Per evitare il fenomeno del wind-up è stata impiegata la tecnica del </a:t>
             </a:r>
             <a:r>
-              <a:rPr lang="it-IT" dirty="0" err="1"/>
+              <a:rPr lang="it-IT" dirty="0" err="1">
+                <a:latin typeface="Verdana" panose="020B0604030504040204" pitchFamily="34" charset="0"/>
+                <a:ea typeface="Verdana" panose="020B0604030504040204" pitchFamily="34" charset="0"/>
+                <a:cs typeface="Verdana" panose="020B0604030504040204" pitchFamily="34" charset="0"/>
+              </a:rPr>
               <a:t>Clamping</a:t>
             </a:r>
             <a:r>
-              <a:rPr lang="it-IT" dirty="0"/>
+              <a:rPr lang="it-IT" dirty="0">
+                <a:latin typeface="Verdana" panose="020B0604030504040204" pitchFamily="34" charset="0"/>
+                <a:ea typeface="Verdana" panose="020B0604030504040204" pitchFamily="34" charset="0"/>
+                <a:cs typeface="Verdana" panose="020B0604030504040204" pitchFamily="34" charset="0"/>
+              </a:rPr>
               <a:t>.  </a:t>
             </a:r>
           </a:p>
@@ -10515,7 +9256,7 @@
         </p:nvSpPr>
         <p:spPr>
           <a:xfrm>
-            <a:off x="775800" y="957960"/>
+            <a:off x="775800" y="1086394"/>
             <a:ext cx="8793360" cy="853920"/>
           </a:xfrm>
           <a:prstGeom prst="rect">
@@ -10539,7 +9280,7 @@
               <a:buNone/>
             </a:pPr>
             <a:r>
-              <a:rPr lang="it-IT" sz="2200" b="1" strike="noStrike" spc="-1">
+              <a:rPr lang="it-IT" sz="2200" b="1" strike="noStrike" spc="-1" dirty="0">
                 <a:solidFill>
                   <a:srgbClr val="000000"/>
                 </a:solidFill>
@@ -10548,7 +9289,7 @@
               </a:rPr>
               <a:t>Nodo convertitore</a:t>
             </a:r>
-            <a:endParaRPr lang="it-IT" sz="2200" b="0" strike="noStrike" spc="-1">
+            <a:endParaRPr lang="it-IT" sz="2200" b="0" strike="noStrike" spc="-1" dirty="0">
               <a:latin typeface="Arial"/>
             </a:endParaRPr>
           </a:p>
@@ -10639,57 +9380,228 @@
           </a:p>
         </p:txBody>
       </p:sp>
-      <p:sp>
-        <p:nvSpPr>
-          <p:cNvPr id="7" name="CasellaDiTesto 6">
-            <a:extLst>
-              <a:ext uri="{FF2B5EF4-FFF2-40B4-BE49-F238E27FC236}">
-                <a16:creationId xmlns:a16="http://schemas.microsoft.com/office/drawing/2014/main" id="{38B996D4-98C8-761F-FFC8-FCB79F0093AB}"/>
-              </a:ext>
-            </a:extLst>
-          </p:cNvPr>
-          <p:cNvSpPr txBox="1"/>
-          <p:nvPr/>
-        </p:nvSpPr>
-        <p:spPr>
-          <a:xfrm>
-            <a:off x="775800" y="3374724"/>
-            <a:ext cx="9826997" cy="646331"/>
-          </a:xfrm>
-          <a:prstGeom prst="rect">
-            <a:avLst/>
-          </a:prstGeom>
-          <a:noFill/>
-        </p:spPr>
-        <p:txBody>
-          <a:bodyPr wrap="square" rtlCol="0">
-            <a:spAutoFit/>
-          </a:bodyPr>
-          <a:lstStyle/>
-          <a:p>
-            <a:r>
-              <a:rPr lang="it-IT" dirty="0"/>
-              <a:t>Il nodo di controllo non fornisce direttamente una </a:t>
-            </a:r>
-            <a:r>
-              <a:rPr lang="it-IT" dirty="0" err="1"/>
-              <a:t>theta_des</a:t>
-            </a:r>
-            <a:r>
-              <a:rPr lang="it-IT" dirty="0"/>
-              <a:t>, ma fornisce una </a:t>
-            </a:r>
-            <a:r>
-              <a:rPr lang="it-IT" dirty="0" err="1"/>
-              <a:t>omega_des</a:t>
-            </a:r>
-            <a:r>
-              <a:rPr lang="it-IT" dirty="0"/>
-              <a:t>. Quindi  il rifermento per il controllore su theta è dato da</a:t>
-            </a:r>
-          </a:p>
-        </p:txBody>
-      </p:sp>
+      <mc:AlternateContent xmlns:mc="http://schemas.openxmlformats.org/markup-compatibility/2006">
+        <mc:Choice xmlns:a14="http://schemas.microsoft.com/office/drawing/2010/main" Requires="a14">
+          <p:sp>
+            <p:nvSpPr>
+              <p:cNvPr id="7" name="CasellaDiTesto 6">
+                <a:extLst>
+                  <a:ext uri="{FF2B5EF4-FFF2-40B4-BE49-F238E27FC236}">
+                    <a16:creationId xmlns:a16="http://schemas.microsoft.com/office/drawing/2014/main" id="{38B996D4-98C8-761F-FFC8-FCB79F0093AB}"/>
+                  </a:ext>
+                </a:extLst>
+              </p:cNvPr>
+              <p:cNvSpPr txBox="1"/>
+              <p:nvPr/>
+            </p:nvSpPr>
+            <p:spPr>
+              <a:xfrm>
+                <a:off x="829864" y="3224942"/>
+                <a:ext cx="10118221" cy="867289"/>
+              </a:xfrm>
+              <a:prstGeom prst="rect">
+                <a:avLst/>
+              </a:prstGeom>
+              <a:noFill/>
+            </p:spPr>
+            <p:txBody>
+              <a:bodyPr wrap="square" rtlCol="0">
+                <a:spAutoFit/>
+              </a:bodyPr>
+              <a:lstStyle/>
+              <a:p>
+                <a:pPr>
+                  <a:lnSpc>
+                    <a:spcPct val="150000"/>
+                  </a:lnSpc>
+                </a:pPr>
+                <a:r>
+                  <a:rPr lang="it-IT" dirty="0">
+                    <a:latin typeface="Verdana" panose="020B0604030504040204" pitchFamily="34" charset="0"/>
+                    <a:ea typeface="Verdana" panose="020B0604030504040204" pitchFamily="34" charset="0"/>
+                    <a:cs typeface="Verdana" panose="020B0604030504040204" pitchFamily="34" charset="0"/>
+                  </a:rPr>
+                  <a:t>Il nodo di controllo non fornisce direttamente</a:t>
+                </a:r>
+                <a14:m>
+                  <m:oMath xmlns:m="http://schemas.openxmlformats.org/officeDocument/2006/math">
+                    <m:sSub>
+                      <m:sSubPr>
+                        <m:ctrlPr>
+                          <a:rPr lang="it-IT" i="1" smtClean="0">
+                            <a:latin typeface="Cambria Math" panose="02040503050406030204" pitchFamily="18" charset="0"/>
+                            <a:ea typeface="Verdana" panose="020B0604030504040204" pitchFamily="34" charset="0"/>
+                            <a:cs typeface="Verdana" panose="020B0604030504040204" pitchFamily="34" charset="0"/>
+                          </a:rPr>
+                        </m:ctrlPr>
+                      </m:sSubPr>
+                      <m:e>
+                        <m:r>
+                          <a:rPr lang="it-IT" b="0" i="1" smtClean="0">
+                            <a:latin typeface="Cambria Math" panose="02040503050406030204" pitchFamily="18" charset="0"/>
+                            <a:ea typeface="Verdana" panose="020B0604030504040204" pitchFamily="34" charset="0"/>
+                            <a:cs typeface="Verdana" panose="020B0604030504040204" pitchFamily="34" charset="0"/>
+                          </a:rPr>
+                          <m:t>  </m:t>
+                        </m:r>
+                        <m:r>
+                          <a:rPr lang="it-IT" i="1" smtClean="0">
+                            <a:latin typeface="Cambria Math" panose="02040503050406030204" pitchFamily="18" charset="0"/>
+                            <a:ea typeface="Cambria Math" panose="02040503050406030204" pitchFamily="18" charset="0"/>
+                            <a:cs typeface="Verdana" panose="020B0604030504040204" pitchFamily="34" charset="0"/>
+                          </a:rPr>
+                          <m:t>𝜃</m:t>
+                        </m:r>
+                      </m:e>
+                      <m:sub>
+                        <m:r>
+                          <a:rPr lang="it-IT" b="0" i="1" smtClean="0">
+                            <a:latin typeface="Cambria Math" panose="02040503050406030204" pitchFamily="18" charset="0"/>
+                            <a:ea typeface="Verdana" panose="020B0604030504040204" pitchFamily="34" charset="0"/>
+                            <a:cs typeface="Verdana" panose="020B0604030504040204" pitchFamily="34" charset="0"/>
+                          </a:rPr>
+                          <m:t>𝑑𝑒𝑠</m:t>
+                        </m:r>
+                      </m:sub>
+                    </m:sSub>
+                  </m:oMath>
+                </a14:m>
+                <a:r>
+                  <a:rPr lang="it-IT" dirty="0">
+                    <a:latin typeface="Verdana" panose="020B0604030504040204" pitchFamily="34" charset="0"/>
+                    <a:ea typeface="Verdana" panose="020B0604030504040204" pitchFamily="34" charset="0"/>
+                    <a:cs typeface="Verdana" panose="020B0604030504040204" pitchFamily="34" charset="0"/>
+                  </a:rPr>
+                  <a:t>, ma fornisce </a:t>
+                </a:r>
+                <a14:m>
+                  <m:oMath xmlns:m="http://schemas.openxmlformats.org/officeDocument/2006/math">
+                    <m:r>
+                      <a:rPr lang="it-IT" b="0" i="0" smtClean="0">
+                        <a:latin typeface="Cambria Math" panose="02040503050406030204" pitchFamily="18" charset="0"/>
+                        <a:ea typeface="Verdana" panose="020B0604030504040204" pitchFamily="34" charset="0"/>
+                        <a:cs typeface="Verdana" panose="020B0604030504040204" pitchFamily="34" charset="0"/>
+                      </a:rPr>
+                      <m:t> </m:t>
+                    </m:r>
+                    <m:sSub>
+                      <m:sSubPr>
+                        <m:ctrlPr>
+                          <a:rPr lang="it-IT" i="1" smtClean="0">
+                            <a:latin typeface="Cambria Math" panose="02040503050406030204" pitchFamily="18" charset="0"/>
+                            <a:ea typeface="Verdana" panose="020B0604030504040204" pitchFamily="34" charset="0"/>
+                            <a:cs typeface="Verdana" panose="020B0604030504040204" pitchFamily="34" charset="0"/>
+                          </a:rPr>
+                        </m:ctrlPr>
+                      </m:sSubPr>
+                      <m:e>
+                        <m:r>
+                          <a:rPr lang="it-IT" i="1" smtClean="0">
+                            <a:latin typeface="Cambria Math" panose="02040503050406030204" pitchFamily="18" charset="0"/>
+                            <a:ea typeface="Cambria Math" panose="02040503050406030204" pitchFamily="18" charset="0"/>
+                            <a:cs typeface="Verdana" panose="020B0604030504040204" pitchFamily="34" charset="0"/>
+                          </a:rPr>
+                          <m:t>𝜔</m:t>
+                        </m:r>
+                      </m:e>
+                      <m:sub>
+                        <m:r>
+                          <a:rPr lang="it-IT" b="0" i="1" smtClean="0">
+                            <a:latin typeface="Cambria Math" panose="02040503050406030204" pitchFamily="18" charset="0"/>
+                            <a:ea typeface="Verdana" panose="020B0604030504040204" pitchFamily="34" charset="0"/>
+                            <a:cs typeface="Verdana" panose="020B0604030504040204" pitchFamily="34" charset="0"/>
+                          </a:rPr>
+                          <m:t>𝑑𝑒𝑠</m:t>
+                        </m:r>
+                      </m:sub>
+                    </m:sSub>
+                  </m:oMath>
+                </a14:m>
+                <a:r>
+                  <a:rPr lang="it-IT" dirty="0">
+                    <a:latin typeface="Verdana" panose="020B0604030504040204" pitchFamily="34" charset="0"/>
+                    <a:ea typeface="Verdana" panose="020B0604030504040204" pitchFamily="34" charset="0"/>
+                    <a:cs typeface="Verdana" panose="020B0604030504040204" pitchFamily="34" charset="0"/>
+                  </a:rPr>
+                  <a:t>. Quindi  il rifermento per il controllore su </a:t>
+                </a:r>
+                <a14:m>
+                  <m:oMath xmlns:m="http://schemas.openxmlformats.org/officeDocument/2006/math">
+                    <m:r>
+                      <a:rPr lang="it-IT" i="1" smtClean="0">
+                        <a:latin typeface="Cambria Math" panose="02040503050406030204" pitchFamily="18" charset="0"/>
+                        <a:ea typeface="Cambria Math" panose="02040503050406030204" pitchFamily="18" charset="0"/>
+                        <a:cs typeface="Verdana" panose="020B0604030504040204" pitchFamily="34" charset="0"/>
+                      </a:rPr>
+                      <m:t>𝜃</m:t>
+                    </m:r>
+                    <m:r>
+                      <a:rPr lang="it-IT" b="0" i="1" smtClean="0">
+                        <a:latin typeface="Cambria Math" panose="02040503050406030204" pitchFamily="18" charset="0"/>
+                        <a:ea typeface="Cambria Math" panose="02040503050406030204" pitchFamily="18" charset="0"/>
+                        <a:cs typeface="Verdana" panose="020B0604030504040204" pitchFamily="34" charset="0"/>
+                      </a:rPr>
+                      <m:t> </m:t>
+                    </m:r>
+                  </m:oMath>
+                </a14:m>
+                <a:r>
+                  <a:rPr lang="it-IT" dirty="0">
+                    <a:latin typeface="Verdana" panose="020B0604030504040204" pitchFamily="34" charset="0"/>
+                    <a:ea typeface="Verdana" panose="020B0604030504040204" pitchFamily="34" charset="0"/>
+                    <a:cs typeface="Verdana" panose="020B0604030504040204" pitchFamily="34" charset="0"/>
+                  </a:rPr>
+                  <a:t>è dato da</a:t>
+                </a:r>
+              </a:p>
+            </p:txBody>
+          </p:sp>
+        </mc:Choice>
+        <mc:Fallback>
+          <p:sp>
+            <p:nvSpPr>
+              <p:cNvPr id="7" name="CasellaDiTesto 6">
+                <a:extLst>
+                  <a:ext uri="{FF2B5EF4-FFF2-40B4-BE49-F238E27FC236}">
+                    <a16:creationId xmlns:a16="http://schemas.microsoft.com/office/drawing/2014/main" id="{38B996D4-98C8-761F-FFC8-FCB79F0093AB}"/>
+                  </a:ext>
+                </a:extLst>
+              </p:cNvPr>
+              <p:cNvSpPr txBox="1">
+                <a:spLocks noRot="1" noChangeAspect="1" noMove="1" noResize="1" noEditPoints="1" noAdjustHandles="1" noChangeArrowheads="1" noChangeShapeType="1" noTextEdit="1"/>
+              </p:cNvSpPr>
+              <p:nvPr/>
+            </p:nvSpPr>
+            <p:spPr>
+              <a:xfrm>
+                <a:off x="829864" y="3224942"/>
+                <a:ext cx="10118221" cy="867289"/>
+              </a:xfrm>
+              <a:prstGeom prst="rect">
+                <a:avLst/>
+              </a:prstGeom>
+              <a:blipFill>
+                <a:blip r:embed="rId3"/>
+                <a:stretch>
+                  <a:fillRect l="-376" b="-10145"/>
+                </a:stretch>
+              </a:blipFill>
+            </p:spPr>
+            <p:txBody>
+              <a:bodyPr/>
+              <a:lstStyle/>
+              <a:p>
+                <a:r>
+                  <a:rPr lang="it-IT">
+                    <a:noFill/>
+                  </a:rPr>
+                  <a:t> </a:t>
+                </a:r>
+              </a:p>
+            </p:txBody>
+          </p:sp>
+        </mc:Fallback>
+      </mc:AlternateContent>
       <p:pic>
         <p:nvPicPr>
           <p:cNvPr id="8" name="Elemento grafico 7">
@@ -10705,13 +9617,13 @@
           <p:nvPr/>
         </p:nvPicPr>
         <p:blipFill>
-          <a:blip r:embed="rId3">
+          <a:blip r:embed="rId4">
             <a:extLst>
               <a:ext uri="{28A0092B-C50C-407E-A947-70E740481C1C}">
                 <a14:useLocalDpi xmlns:a14="http://schemas.microsoft.com/office/drawing/2010/main" val="0"/>
               </a:ext>
               <a:ext uri="{96DAC541-7B7A-43D3-8B79-37D633B846F1}">
-                <asvg:svgBlip xmlns:asvg="http://schemas.microsoft.com/office/drawing/2016/SVG/main" r:embed="rId4"/>
+                <asvg:svgBlip xmlns:asvg="http://schemas.microsoft.com/office/drawing/2016/SVG/main" r:embed="rId5"/>
               </a:ext>
             </a:extLst>
           </a:blip>
@@ -10721,7 +9633,7 @@
         </p:blipFill>
         <p:spPr>
           <a:xfrm>
-            <a:off x="1131389" y="4295266"/>
+            <a:off x="2479350" y="4302704"/>
             <a:ext cx="7089810" cy="506415"/>
           </a:xfrm>
           <a:prstGeom prst="rect">
@@ -10729,76 +9641,250 @@
           </a:prstGeom>
         </p:spPr>
       </p:pic>
-      <p:sp>
-        <p:nvSpPr>
-          <p:cNvPr id="10" name="CasellaDiTesto 9">
-            <a:extLst>
-              <a:ext uri="{FF2B5EF4-FFF2-40B4-BE49-F238E27FC236}">
-                <a16:creationId xmlns:a16="http://schemas.microsoft.com/office/drawing/2014/main" id="{07B51482-ED5A-5FC9-B9A7-F68E8BFC581D}"/>
-              </a:ext>
-            </a:extLst>
-          </p:cNvPr>
-          <p:cNvSpPr txBox="1"/>
-          <p:nvPr/>
-        </p:nvSpPr>
-        <p:spPr>
-          <a:xfrm>
-            <a:off x="809549" y="4988979"/>
-            <a:ext cx="7733490" cy="369332"/>
-          </a:xfrm>
-          <a:prstGeom prst="rect">
-            <a:avLst/>
-          </a:prstGeom>
-          <a:noFill/>
-        </p:spPr>
-        <p:txBody>
-          <a:bodyPr wrap="square" rtlCol="0">
-            <a:spAutoFit/>
-          </a:bodyPr>
-          <a:lstStyle/>
-          <a:p>
-            <a:r>
-              <a:rPr lang="it-IT" dirty="0"/>
-              <a:t>Mentre il theta attuale è dato dalla ZED. </a:t>
-            </a:r>
-          </a:p>
-        </p:txBody>
-      </p:sp>
-      <p:sp>
-        <p:nvSpPr>
-          <p:cNvPr id="12" name="CasellaDiTesto 11">
-            <a:extLst>
-              <a:ext uri="{FF2B5EF4-FFF2-40B4-BE49-F238E27FC236}">
-                <a16:creationId xmlns:a16="http://schemas.microsoft.com/office/drawing/2014/main" id="{C6672EA2-95F5-2DDB-8629-CF8A77C12FFE}"/>
-              </a:ext>
-            </a:extLst>
-          </p:cNvPr>
-          <p:cNvSpPr txBox="1"/>
-          <p:nvPr/>
-        </p:nvSpPr>
-        <p:spPr>
-          <a:xfrm>
-            <a:off x="775800" y="1792823"/>
-            <a:ext cx="9117230" cy="646331"/>
-          </a:xfrm>
-          <a:prstGeom prst="rect">
-            <a:avLst/>
-          </a:prstGeom>
-          <a:noFill/>
-        </p:spPr>
-        <p:txBody>
-          <a:bodyPr wrap="square">
-            <a:spAutoFit/>
-          </a:bodyPr>
-          <a:lstStyle/>
-          <a:p>
-            <a:r>
-              <a:rPr lang="it-IT" dirty="0"/>
-              <a:t>Il riferimento per il controllore su v è dato dal nodo di controllo, mentre il valore attuale della v è quello stimato dal filtro complementare.</a:t>
-            </a:r>
-          </a:p>
-        </p:txBody>
-      </p:sp>
+      <mc:AlternateContent xmlns:mc="http://schemas.openxmlformats.org/markup-compatibility/2006">
+        <mc:Choice xmlns:a14="http://schemas.microsoft.com/office/drawing/2010/main" Requires="a14">
+          <p:sp>
+            <p:nvSpPr>
+              <p:cNvPr id="10" name="CasellaDiTesto 9">
+                <a:extLst>
+                  <a:ext uri="{FF2B5EF4-FFF2-40B4-BE49-F238E27FC236}">
+                    <a16:creationId xmlns:a16="http://schemas.microsoft.com/office/drawing/2014/main" id="{07B51482-ED5A-5FC9-B9A7-F68E8BFC581D}"/>
+                  </a:ext>
+                </a:extLst>
+              </p:cNvPr>
+              <p:cNvSpPr txBox="1"/>
+              <p:nvPr/>
+            </p:nvSpPr>
+            <p:spPr>
+              <a:xfrm>
+                <a:off x="775800" y="5123940"/>
+                <a:ext cx="7733490" cy="451790"/>
+              </a:xfrm>
+              <a:prstGeom prst="rect">
+                <a:avLst/>
+              </a:prstGeom>
+              <a:noFill/>
+            </p:spPr>
+            <p:txBody>
+              <a:bodyPr wrap="square" rtlCol="0">
+                <a:spAutoFit/>
+              </a:bodyPr>
+              <a:lstStyle/>
+              <a:p>
+                <a:pPr>
+                  <a:lnSpc>
+                    <a:spcPct val="150000"/>
+                  </a:lnSpc>
+                </a:pPr>
+                <a:r>
+                  <a:rPr lang="it-IT" dirty="0">
+                    <a:latin typeface="Verdana" panose="020B0604030504040204" pitchFamily="34" charset="0"/>
+                    <a:ea typeface="Verdana" panose="020B0604030504040204" pitchFamily="34" charset="0"/>
+                    <a:cs typeface="Verdana" panose="020B0604030504040204" pitchFamily="34" charset="0"/>
+                  </a:rPr>
+                  <a:t>Mentre </a:t>
+                </a:r>
+                <a14:m>
+                  <m:oMath xmlns:m="http://schemas.openxmlformats.org/officeDocument/2006/math">
+                    <m:r>
+                      <a:rPr lang="it-IT" i="1">
+                        <a:latin typeface="Cambria Math" panose="02040503050406030204" pitchFamily="18" charset="0"/>
+                        <a:ea typeface="Cambria Math" panose="02040503050406030204" pitchFamily="18" charset="0"/>
+                        <a:cs typeface="Verdana" panose="020B0604030504040204" pitchFamily="34" charset="0"/>
+                      </a:rPr>
+                      <m:t>𝜃</m:t>
+                    </m:r>
+                  </m:oMath>
+                </a14:m>
+                <a:r>
+                  <a:rPr lang="it-IT" dirty="0">
+                    <a:latin typeface="Verdana" panose="020B0604030504040204" pitchFamily="34" charset="0"/>
+                    <a:ea typeface="Verdana" panose="020B0604030504040204" pitchFamily="34" charset="0"/>
+                    <a:cs typeface="Verdana" panose="020B0604030504040204" pitchFamily="34" charset="0"/>
+                  </a:rPr>
+                  <a:t> attuale è dato dalla ZED </a:t>
+                </a:r>
+              </a:p>
+            </p:txBody>
+          </p:sp>
+        </mc:Choice>
+        <mc:Fallback>
+          <p:sp>
+            <p:nvSpPr>
+              <p:cNvPr id="10" name="CasellaDiTesto 9">
+                <a:extLst>
+                  <a:ext uri="{FF2B5EF4-FFF2-40B4-BE49-F238E27FC236}">
+                    <a16:creationId xmlns:a16="http://schemas.microsoft.com/office/drawing/2014/main" id="{07B51482-ED5A-5FC9-B9A7-F68E8BFC581D}"/>
+                  </a:ext>
+                </a:extLst>
+              </p:cNvPr>
+              <p:cNvSpPr txBox="1">
+                <a:spLocks noRot="1" noChangeAspect="1" noMove="1" noResize="1" noEditPoints="1" noAdjustHandles="1" noChangeArrowheads="1" noChangeShapeType="1" noTextEdit="1"/>
+              </p:cNvSpPr>
+              <p:nvPr/>
+            </p:nvSpPr>
+            <p:spPr>
+              <a:xfrm>
+                <a:off x="775800" y="5123940"/>
+                <a:ext cx="7733490" cy="451790"/>
+              </a:xfrm>
+              <a:prstGeom prst="rect">
+                <a:avLst/>
+              </a:prstGeom>
+              <a:blipFill>
+                <a:blip r:embed="rId6"/>
+                <a:stretch>
+                  <a:fillRect l="-492" b="-18919"/>
+                </a:stretch>
+              </a:blipFill>
+            </p:spPr>
+            <p:txBody>
+              <a:bodyPr/>
+              <a:lstStyle/>
+              <a:p>
+                <a:r>
+                  <a:rPr lang="it-IT">
+                    <a:noFill/>
+                  </a:rPr>
+                  <a:t> </a:t>
+                </a:r>
+              </a:p>
+            </p:txBody>
+          </p:sp>
+        </mc:Fallback>
+      </mc:AlternateContent>
+      <mc:AlternateContent xmlns:mc="http://schemas.openxmlformats.org/markup-compatibility/2006">
+        <mc:Choice xmlns:a14="http://schemas.microsoft.com/office/drawing/2010/main" Requires="a14">
+          <p:sp>
+            <p:nvSpPr>
+              <p:cNvPr id="12" name="CasellaDiTesto 11">
+                <a:extLst>
+                  <a:ext uri="{FF2B5EF4-FFF2-40B4-BE49-F238E27FC236}">
+                    <a16:creationId xmlns:a16="http://schemas.microsoft.com/office/drawing/2014/main" id="{C6672EA2-95F5-2DDB-8629-CF8A77C12FFE}"/>
+                  </a:ext>
+                </a:extLst>
+              </p:cNvPr>
+              <p:cNvSpPr txBox="1"/>
+              <p:nvPr/>
+            </p:nvSpPr>
+            <p:spPr>
+              <a:xfrm>
+                <a:off x="829864" y="1571865"/>
+                <a:ext cx="10118221" cy="867289"/>
+              </a:xfrm>
+              <a:prstGeom prst="rect">
+                <a:avLst/>
+              </a:prstGeom>
+              <a:noFill/>
+            </p:spPr>
+            <p:txBody>
+              <a:bodyPr wrap="square">
+                <a:spAutoFit/>
+              </a:bodyPr>
+              <a:lstStyle/>
+              <a:p>
+                <a:pPr>
+                  <a:lnSpc>
+                    <a:spcPct val="150000"/>
+                  </a:lnSpc>
+                </a:pPr>
+                <a:r>
+                  <a:rPr lang="it-IT" dirty="0">
+                    <a:latin typeface="Verdana" panose="020B0604030504040204" pitchFamily="34" charset="0"/>
+                    <a:ea typeface="Verdana" panose="020B0604030504040204" pitchFamily="34" charset="0"/>
+                    <a:cs typeface="Verdana" panose="020B0604030504040204" pitchFamily="34" charset="0"/>
+                  </a:rPr>
+                  <a:t>Il riferimento per il controllore su </a:t>
+                </a:r>
+                <a14:m>
+                  <m:oMath xmlns:m="http://schemas.openxmlformats.org/officeDocument/2006/math">
+                    <m:r>
+                      <a:rPr lang="it-IT" i="1" dirty="0" smtClean="0">
+                        <a:latin typeface="Cambria Math" panose="02040503050406030204" pitchFamily="18" charset="0"/>
+                        <a:ea typeface="Verdana" panose="020B0604030504040204" pitchFamily="34" charset="0"/>
+                        <a:cs typeface="Verdana" panose="020B0604030504040204" pitchFamily="34" charset="0"/>
+                      </a:rPr>
+                      <m:t>𝑣</m:t>
+                    </m:r>
+                  </m:oMath>
+                </a14:m>
+                <a:r>
+                  <a:rPr lang="it-IT" dirty="0">
+                    <a:latin typeface="Verdana" panose="020B0604030504040204" pitchFamily="34" charset="0"/>
+                    <a:ea typeface="Verdana" panose="020B0604030504040204" pitchFamily="34" charset="0"/>
+                    <a:cs typeface="Verdana" panose="020B0604030504040204" pitchFamily="34" charset="0"/>
+                  </a:rPr>
+                  <a:t> è dato dal nodo di controllo, mentre il valore attuale della </a:t>
+                </a:r>
+                <a14:m>
+                  <m:oMath xmlns:m="http://schemas.openxmlformats.org/officeDocument/2006/math">
+                    <m:r>
+                      <a:rPr lang="it-IT" i="1" dirty="0" smtClean="0">
+                        <a:latin typeface="Cambria Math" panose="02040503050406030204" pitchFamily="18" charset="0"/>
+                        <a:ea typeface="Verdana" panose="020B0604030504040204" pitchFamily="34" charset="0"/>
+                        <a:cs typeface="Verdana" panose="020B0604030504040204" pitchFamily="34" charset="0"/>
+                      </a:rPr>
+                      <m:t>𝑣</m:t>
+                    </m:r>
+                  </m:oMath>
+                </a14:m>
+                <a:r>
+                  <a:rPr lang="it-IT" dirty="0">
+                    <a:latin typeface="Verdana" panose="020B0604030504040204" pitchFamily="34" charset="0"/>
+                    <a:ea typeface="Verdana" panose="020B0604030504040204" pitchFamily="34" charset="0"/>
+                    <a:cs typeface="Verdana" panose="020B0604030504040204" pitchFamily="34" charset="0"/>
+                  </a:rPr>
+                  <a:t> è quello stimato dal filtro complementare.</a:t>
+                </a:r>
+              </a:p>
+            </p:txBody>
+          </p:sp>
+        </mc:Choice>
+        <mc:Fallback>
+          <p:sp>
+            <p:nvSpPr>
+              <p:cNvPr id="12" name="CasellaDiTesto 11">
+                <a:extLst>
+                  <a:ext uri="{FF2B5EF4-FFF2-40B4-BE49-F238E27FC236}">
+                    <a16:creationId xmlns:a16="http://schemas.microsoft.com/office/drawing/2014/main" id="{C6672EA2-95F5-2DDB-8629-CF8A77C12FFE}"/>
+                  </a:ext>
+                </a:extLst>
+              </p:cNvPr>
+              <p:cNvSpPr txBox="1">
+                <a:spLocks noRot="1" noChangeAspect="1" noMove="1" noResize="1" noEditPoints="1" noAdjustHandles="1" noChangeArrowheads="1" noChangeShapeType="1" noTextEdit="1"/>
+              </p:cNvSpPr>
+              <p:nvPr/>
+            </p:nvSpPr>
+            <p:spPr>
+              <a:xfrm>
+                <a:off x="829864" y="1571865"/>
+                <a:ext cx="10118221" cy="867289"/>
+              </a:xfrm>
+              <a:prstGeom prst="rect">
+                <a:avLst/>
+              </a:prstGeom>
+              <a:blipFill>
+                <a:blip r:embed="rId7"/>
+                <a:stretch>
+                  <a:fillRect l="-376" b="-10145"/>
+                </a:stretch>
+              </a:blipFill>
+            </p:spPr>
+            <p:txBody>
+              <a:bodyPr/>
+              <a:lstStyle/>
+              <a:p>
+                <a:r>
+                  <a:rPr lang="it-IT">
+                    <a:noFill/>
+                  </a:rPr>
+                  <a:t> </a:t>
+                </a:r>
+              </a:p>
+            </p:txBody>
+          </p:sp>
+        </mc:Fallback>
+      </mc:AlternateContent>
       <p:pic>
         <p:nvPicPr>
           <p:cNvPr id="14" name="Elemento grafico 13">
@@ -10814,13 +9900,13 @@
           <p:nvPr/>
         </p:nvPicPr>
         <p:blipFill>
-          <a:blip r:embed="rId5">
+          <a:blip r:embed="rId8">
             <a:extLst>
               <a:ext uri="{28A0092B-C50C-407E-A947-70E740481C1C}">
                 <a14:useLocalDpi xmlns:a14="http://schemas.microsoft.com/office/drawing/2010/main" val="0"/>
               </a:ext>
               <a:ext uri="{96DAC541-7B7A-43D3-8B79-37D633B846F1}">
-                <asvg:svgBlip xmlns:asvg="http://schemas.microsoft.com/office/drawing/2016/SVG/main" r:embed="rId6"/>
+                <asvg:svgBlip xmlns:asvg="http://schemas.microsoft.com/office/drawing/2016/SVG/main" r:embed="rId9"/>
               </a:ext>
             </a:extLst>
           </a:blip>
@@ -10830,8 +9916,8 @@
         </p:blipFill>
         <p:spPr>
           <a:xfrm>
-            <a:off x="1495931" y="2680911"/>
-            <a:ext cx="2910699" cy="338016"/>
+            <a:off x="4165738" y="2684292"/>
+            <a:ext cx="2716976" cy="315519"/>
           </a:xfrm>
           <a:prstGeom prst="rect">
             <a:avLst/>
@@ -10853,13 +9939,13 @@
           <p:nvPr/>
         </p:nvPicPr>
         <p:blipFill>
-          <a:blip r:embed="rId7">
+          <a:blip r:embed="rId10">
             <a:extLst>
               <a:ext uri="{28A0092B-C50C-407E-A947-70E740481C1C}">
                 <a14:useLocalDpi xmlns:a14="http://schemas.microsoft.com/office/drawing/2010/main" val="0"/>
               </a:ext>
               <a:ext uri="{96DAC541-7B7A-43D3-8B79-37D633B846F1}">
-                <asvg:svgBlip xmlns:asvg="http://schemas.microsoft.com/office/drawing/2016/SVG/main" r:embed="rId8"/>
+                <asvg:svgBlip xmlns:asvg="http://schemas.microsoft.com/office/drawing/2016/SVG/main" r:embed="rId11"/>
               </a:ext>
             </a:extLst>
           </a:blip>
@@ -10869,7 +9955,7 @@
         </p:blipFill>
         <p:spPr>
           <a:xfrm>
-            <a:off x="1762529" y="5683880"/>
+            <a:off x="4322621" y="5803769"/>
             <a:ext cx="2403209" cy="296286"/>
           </a:xfrm>
           <a:prstGeom prst="rect">
@@ -10919,7 +10005,7 @@
         </p:nvSpPr>
         <p:spPr>
           <a:xfrm>
-            <a:off x="775800" y="957960"/>
+            <a:off x="775800" y="1197897"/>
             <a:ext cx="8793360" cy="853920"/>
           </a:xfrm>
           <a:prstGeom prst="rect">
@@ -10943,7 +10029,7 @@
               <a:buNone/>
             </a:pPr>
             <a:r>
-              <a:rPr lang="it-IT" sz="2200" b="1" strike="noStrike" spc="-1">
+              <a:rPr lang="it-IT" sz="2200" b="1" strike="noStrike" spc="-1" dirty="0">
                 <a:solidFill>
                   <a:srgbClr val="000000"/>
                 </a:solidFill>
@@ -10952,7 +10038,7 @@
               </a:rPr>
               <a:t>Nodo convertitore</a:t>
             </a:r>
-            <a:endParaRPr lang="it-IT" sz="2200" b="0" strike="noStrike" spc="-1">
+            <a:endParaRPr lang="it-IT" sz="2200" b="0" strike="noStrike" spc="-1" dirty="0">
               <a:latin typeface="Arial"/>
             </a:endParaRPr>
           </a:p>
@@ -11074,8 +10160,8 @@
         </p:blipFill>
         <p:spPr>
           <a:xfrm>
-            <a:off x="3496664" y="3882536"/>
-            <a:ext cx="5198672" cy="1065787"/>
+            <a:off x="1902642" y="4401921"/>
+            <a:ext cx="7410920" cy="1519323"/>
           </a:xfrm>
           <a:prstGeom prst="rect">
             <a:avLst/>
@@ -11096,8 +10182,8 @@
         </p:nvSpPr>
         <p:spPr>
           <a:xfrm>
-            <a:off x="566635" y="1811880"/>
-            <a:ext cx="11242744" cy="1200329"/>
+            <a:off x="775800" y="1819674"/>
+            <a:ext cx="10369095" cy="2113784"/>
           </a:xfrm>
           <a:prstGeom prst="rect">
             <a:avLst/>
@@ -11110,22 +10196,48 @@
           </a:bodyPr>
           <a:lstStyle/>
           <a:p>
-            <a:r>
-              <a:rPr lang="it-IT" dirty="0"/>
+            <a:pPr>
+              <a:lnSpc>
+                <a:spcPct val="150000"/>
+              </a:lnSpc>
+            </a:pPr>
+            <a:r>
+              <a:rPr lang="it-IT" dirty="0">
+                <a:latin typeface="Verdana" panose="020B0604030504040204" pitchFamily="34" charset="0"/>
+                <a:ea typeface="Verdana" panose="020B0604030504040204" pitchFamily="34" charset="0"/>
+                <a:cs typeface="Verdana" panose="020B0604030504040204" pitchFamily="34" charset="0"/>
+              </a:rPr>
               <a:t>Per settare i guadagni del PID è stata usata l'applicazione PID Tuner disponibile su MATLAB. Infatti, tramite l'</a:t>
             </a:r>
             <a:r>
-              <a:rPr lang="it-IT" dirty="0" err="1"/>
+              <a:rPr lang="it-IT" dirty="0" err="1">
+                <a:latin typeface="Verdana" panose="020B0604030504040204" pitchFamily="34" charset="0"/>
+                <a:ea typeface="Verdana" panose="020B0604030504040204" pitchFamily="34" charset="0"/>
+                <a:cs typeface="Verdana" panose="020B0604030504040204" pitchFamily="34" charset="0"/>
+              </a:rPr>
               <a:t>Identification</a:t>
             </a:r>
             <a:r>
-              <a:rPr lang="it-IT" dirty="0"/>
+              <a:rPr lang="it-IT" dirty="0">
+                <a:latin typeface="Verdana" panose="020B0604030504040204" pitchFamily="34" charset="0"/>
+                <a:ea typeface="Verdana" panose="020B0604030504040204" pitchFamily="34" charset="0"/>
+                <a:cs typeface="Verdana" panose="020B0604030504040204" pitchFamily="34" charset="0"/>
+              </a:rPr>
               <a:t> Toolbox di MATLAB è stato possibile definire, dati dei campioni ottenuti sperimentalmente dal rover, la risposta del sistema ad un gradino. </a:t>
             </a:r>
           </a:p>
           <a:p>
-            <a:r>
-              <a:rPr lang="it-IT" dirty="0"/>
+            <a:pPr>
+              <a:lnSpc>
+                <a:spcPct val="150000"/>
+              </a:lnSpc>
+            </a:pPr>
+            <a:r>
+              <a:rPr lang="it-IT" dirty="0">
+                <a:latin typeface="Verdana" panose="020B0604030504040204" pitchFamily="34" charset="0"/>
+                <a:ea typeface="Verdana" panose="020B0604030504040204" pitchFamily="34" charset="0"/>
+                <a:cs typeface="Verdana" panose="020B0604030504040204" pitchFamily="34" charset="0"/>
+              </a:rPr>
               <a:t>Tali guadagni sono poi stati modificati a seguito di prove sperimentali.</a:t>
             </a:r>
           </a:p>
@@ -11163,64 +10275,13 @@
       </p:grpSpPr>
       <p:sp>
         <p:nvSpPr>
-          <p:cNvPr id="138" name="PlaceHolder 3"/>
-          <p:cNvSpPr>
-            <a:spLocks noGrp="1"/>
-          </p:cNvSpPr>
-          <p:nvPr>
-            <p:ph type="title"/>
-          </p:nvPr>
-        </p:nvSpPr>
-        <p:spPr>
-          <a:xfrm>
-            <a:off x="775800" y="957960"/>
-            <a:ext cx="8793360" cy="853920"/>
-          </a:xfrm>
-          <a:prstGeom prst="rect">
-            <a:avLst/>
-          </a:prstGeom>
-          <a:noFill/>
-          <a:ln w="0">
-            <a:noFill/>
-          </a:ln>
-        </p:spPr>
-        <p:txBody>
-          <a:bodyPr lIns="90000" tIns="45000" rIns="90000" bIns="45000" anchor="t">
-            <a:noAutofit/>
-          </a:bodyPr>
-          <a:lstStyle/>
-          <a:p>
-            <a:pPr>
-              <a:lnSpc>
-                <a:spcPct val="90000"/>
-              </a:lnSpc>
-              <a:buNone/>
-            </a:pPr>
-            <a:r>
-              <a:rPr lang="it-IT" sz="2200" b="1" strike="noStrike" spc="-1">
-                <a:solidFill>
-                  <a:srgbClr val="000000"/>
-                </a:solidFill>
-                <a:latin typeface="Verdana"/>
-                <a:ea typeface="Verdana"/>
-              </a:rPr>
-              <a:t>Risultati</a:t>
-            </a:r>
-            <a:endParaRPr lang="it-IT" sz="2200" b="0" strike="noStrike" spc="-1">
-              <a:latin typeface="Arial"/>
-            </a:endParaRPr>
-          </a:p>
-        </p:txBody>
-      </p:sp>
-      <p:sp>
-        <p:nvSpPr>
           <p:cNvPr id="140" name="Titolo 7"/>
           <p:cNvSpPr/>
           <p:nvPr/>
         </p:nvSpPr>
         <p:spPr>
           <a:xfrm>
-            <a:off x="776160" y="958320"/>
+            <a:off x="775800" y="1156397"/>
             <a:ext cx="8793360" cy="853920"/>
           </a:xfrm>
           <a:prstGeom prst="rect">
@@ -11328,7 +10389,7 @@
         </p:blipFill>
         <p:spPr>
           <a:xfrm>
-            <a:off x="2055840" y="1647567"/>
+            <a:off x="2377116" y="1672280"/>
             <a:ext cx="9360000" cy="4563000"/>
           </a:xfrm>
           <a:prstGeom prst="rect">
@@ -11350,8 +10411,8 @@
         </p:nvSpPr>
         <p:spPr>
           <a:xfrm>
-            <a:off x="143854" y="2824485"/>
-            <a:ext cx="3056546" cy="923330"/>
+            <a:off x="328680" y="3026091"/>
+            <a:ext cx="3056546" cy="1282787"/>
           </a:xfrm>
           <a:prstGeom prst="rect">
             <a:avLst/>
@@ -11364,12 +10425,17 @@
           </a:bodyPr>
           <a:lstStyle/>
           <a:p>
+            <a:pPr>
+              <a:lnSpc>
+                <a:spcPct val="150000"/>
+              </a:lnSpc>
+            </a:pPr>
             <a:r>
               <a:rPr lang="it-IT" dirty="0">
                 <a:latin typeface="Verdana" panose="020B0604030504040204" pitchFamily="34" charset="0"/>
                 <a:ea typeface="Verdana" panose="020B0604030504040204" pitchFamily="34" charset="0"/>
               </a:rPr>
-              <a:t>Esecuzione traiettoria rettangolare con tripla ripetizione </a:t>
+              <a:t>Esecuzione traiettoria rettangolare con tripla ripetizione.</a:t>
             </a:r>
           </a:p>
         </p:txBody>
@@ -11486,64 +10552,13 @@
       </p:grpSpPr>
       <p:sp>
         <p:nvSpPr>
-          <p:cNvPr id="138" name="PlaceHolder 3"/>
-          <p:cNvSpPr>
-            <a:spLocks noGrp="1"/>
-          </p:cNvSpPr>
-          <p:nvPr>
-            <p:ph type="title"/>
-          </p:nvPr>
-        </p:nvSpPr>
-        <p:spPr>
-          <a:xfrm>
-            <a:off x="775800" y="957960"/>
-            <a:ext cx="8793360" cy="853920"/>
-          </a:xfrm>
-          <a:prstGeom prst="rect">
-            <a:avLst/>
-          </a:prstGeom>
-          <a:noFill/>
-          <a:ln w="0">
-            <a:noFill/>
-          </a:ln>
-        </p:spPr>
-        <p:txBody>
-          <a:bodyPr lIns="90000" tIns="45000" rIns="90000" bIns="45000" anchor="t">
-            <a:noAutofit/>
-          </a:bodyPr>
-          <a:lstStyle/>
-          <a:p>
-            <a:pPr>
-              <a:lnSpc>
-                <a:spcPct val="90000"/>
-              </a:lnSpc>
-              <a:buNone/>
-            </a:pPr>
-            <a:r>
-              <a:rPr lang="it-IT" sz="2200" b="1" strike="noStrike" spc="-1">
-                <a:solidFill>
-                  <a:srgbClr val="000000"/>
-                </a:solidFill>
-                <a:latin typeface="Verdana"/>
-                <a:ea typeface="Verdana"/>
-              </a:rPr>
-              <a:t>Risultati</a:t>
-            </a:r>
-            <a:endParaRPr lang="it-IT" sz="2200" b="0" strike="noStrike" spc="-1">
-              <a:latin typeface="Arial"/>
-            </a:endParaRPr>
-          </a:p>
-        </p:txBody>
-      </p:sp>
-      <p:sp>
-        <p:nvSpPr>
           <p:cNvPr id="140" name="Titolo 7"/>
           <p:cNvSpPr/>
           <p:nvPr/>
         </p:nvSpPr>
         <p:spPr>
           <a:xfrm>
-            <a:off x="776160" y="958320"/>
+            <a:off x="775800" y="1249789"/>
             <a:ext cx="8793360" cy="853920"/>
           </a:xfrm>
           <a:prstGeom prst="rect">
@@ -11651,7 +10666,7 @@
         </p:blipFill>
         <p:spPr>
           <a:xfrm>
-            <a:off x="2052148" y="1676749"/>
+            <a:off x="2266461" y="1676749"/>
             <a:ext cx="9363692" cy="4564800"/>
           </a:xfrm>
           <a:prstGeom prst="rect">
@@ -11673,8 +10688,8 @@
         </p:nvSpPr>
         <p:spPr>
           <a:xfrm>
-            <a:off x="143854" y="2824485"/>
-            <a:ext cx="3056546" cy="646331"/>
+            <a:off x="328680" y="2995355"/>
+            <a:ext cx="2797579" cy="867289"/>
           </a:xfrm>
           <a:prstGeom prst="rect">
             <a:avLst/>
@@ -11687,6 +10702,11 @@
           </a:bodyPr>
           <a:lstStyle/>
           <a:p>
+            <a:pPr>
+              <a:lnSpc>
+                <a:spcPct val="150000"/>
+              </a:lnSpc>
+            </a:pPr>
             <a:r>
               <a:rPr lang="it-IT" dirty="0">
                 <a:latin typeface="Verdana" panose="020B0604030504040204" pitchFamily="34" charset="0"/>
@@ -11706,7 +10726,7 @@
                 <a:latin typeface="Verdana" panose="020B0604030504040204" pitchFamily="34" charset="0"/>
                 <a:ea typeface="Verdana" panose="020B0604030504040204" pitchFamily="34" charset="0"/>
               </a:rPr>
-              <a:t> </a:t>
+              <a:t>.</a:t>
             </a:r>
           </a:p>
         </p:txBody>
@@ -11828,64 +10848,13 @@
       </p:grpSpPr>
       <p:sp>
         <p:nvSpPr>
-          <p:cNvPr id="138" name="PlaceHolder 3"/>
-          <p:cNvSpPr>
-            <a:spLocks noGrp="1"/>
-          </p:cNvSpPr>
-          <p:nvPr>
-            <p:ph type="title"/>
-          </p:nvPr>
-        </p:nvSpPr>
-        <p:spPr>
-          <a:xfrm>
-            <a:off x="775800" y="957960"/>
-            <a:ext cx="8793360" cy="853920"/>
-          </a:xfrm>
-          <a:prstGeom prst="rect">
-            <a:avLst/>
-          </a:prstGeom>
-          <a:noFill/>
-          <a:ln w="0">
-            <a:noFill/>
-          </a:ln>
-        </p:spPr>
-        <p:txBody>
-          <a:bodyPr lIns="90000" tIns="45000" rIns="90000" bIns="45000" anchor="t">
-            <a:noAutofit/>
-          </a:bodyPr>
-          <a:lstStyle/>
-          <a:p>
-            <a:pPr>
-              <a:lnSpc>
-                <a:spcPct val="90000"/>
-              </a:lnSpc>
-              <a:buNone/>
-            </a:pPr>
-            <a:r>
-              <a:rPr lang="it-IT" sz="2200" b="1" strike="noStrike" spc="-1" dirty="0">
-                <a:solidFill>
-                  <a:srgbClr val="000000"/>
-                </a:solidFill>
-                <a:latin typeface="Verdana"/>
-                <a:ea typeface="Verdana"/>
-              </a:rPr>
-              <a:t>Risultati</a:t>
-            </a:r>
-            <a:endParaRPr lang="it-IT" sz="2200" b="0" strike="noStrike" spc="-1" dirty="0">
-              <a:latin typeface="Arial"/>
-            </a:endParaRPr>
-          </a:p>
-        </p:txBody>
-      </p:sp>
-      <p:sp>
-        <p:nvSpPr>
           <p:cNvPr id="140" name="Titolo 7"/>
           <p:cNvSpPr/>
           <p:nvPr/>
         </p:nvSpPr>
         <p:spPr>
           <a:xfrm>
-            <a:off x="776160" y="958320"/>
+            <a:off x="775800" y="1220607"/>
             <a:ext cx="8793360" cy="853920"/>
           </a:xfrm>
           <a:prstGeom prst="rect">
@@ -11932,7 +10901,7 @@
               <a:defRPr/>
             </a:pPr>
             <a:r>
-              <a:rPr kumimoji="0" lang="it-IT" sz="2200" b="1" i="0" u="none" strike="noStrike" kern="1200" cap="none" spc="-1" normalizeH="0" baseline="0" noProof="0">
+              <a:rPr kumimoji="0" lang="it-IT" sz="2200" b="1" i="0" u="none" strike="noStrike" kern="1200" cap="none" spc="-1" normalizeH="0" baseline="0" noProof="0" dirty="0">
                 <a:ln>
                   <a:noFill/>
                 </a:ln>
@@ -11947,7 +10916,7 @@
               </a:rPr>
               <a:t>Risultati</a:t>
             </a:r>
-            <a:endParaRPr kumimoji="0" lang="it-IT" sz="2200" b="0" i="0" u="none" strike="noStrike" kern="1200" cap="none" spc="-1" normalizeH="0" baseline="0" noProof="0">
+            <a:endParaRPr kumimoji="0" lang="it-IT" sz="2200" b="0" i="0" u="none" strike="noStrike" kern="1200" cap="none" spc="-1" normalizeH="0" baseline="0" noProof="0" dirty="0">
               <a:ln>
                 <a:noFill/>
               </a:ln>
@@ -11993,7 +10962,7 @@
         </p:blipFill>
         <p:spPr>
           <a:xfrm>
-            <a:off x="2052148" y="1647567"/>
+            <a:off x="2299283" y="1647567"/>
             <a:ext cx="9363692" cy="4564800"/>
           </a:xfrm>
           <a:prstGeom prst="rect">
@@ -12015,8 +10984,8 @@
         </p:nvSpPr>
         <p:spPr>
           <a:xfrm>
-            <a:off x="143854" y="2828835"/>
-            <a:ext cx="3056546" cy="1477328"/>
+            <a:off x="328680" y="2669690"/>
+            <a:ext cx="3056546" cy="2113784"/>
           </a:xfrm>
           <a:prstGeom prst="rect">
             <a:avLst/>
@@ -12029,6 +10998,11 @@
           </a:bodyPr>
           <a:lstStyle/>
           <a:p>
+            <a:pPr>
+              <a:lnSpc>
+                <a:spcPct val="150000"/>
+              </a:lnSpc>
+            </a:pPr>
             <a:r>
               <a:rPr lang="it-IT" dirty="0">
                 <a:latin typeface="Verdana" panose="020B0604030504040204" pitchFamily="34" charset="0"/>
@@ -12057,10 +11031,13 @@
               </a:rPr>
               <a:t>avoidance</a:t>
             </a:r>
-            <a:endParaRPr lang="it-IT" dirty="0">
-              <a:latin typeface="Verdana" panose="020B0604030504040204" pitchFamily="34" charset="0"/>
-              <a:ea typeface="Verdana" panose="020B0604030504040204" pitchFamily="34" charset="0"/>
-            </a:endParaRPr>
+            <a:r>
+              <a:rPr lang="it-IT" dirty="0">
+                <a:latin typeface="Verdana" panose="020B0604030504040204" pitchFamily="34" charset="0"/>
+                <a:ea typeface="Verdana" panose="020B0604030504040204" pitchFamily="34" charset="0"/>
+              </a:rPr>
+              <a:t>.</a:t>
+            </a:r>
           </a:p>
         </p:txBody>
       </p:sp>
@@ -12187,7 +11164,7 @@
         </p:nvSpPr>
         <p:spPr>
           <a:xfrm>
-            <a:off x="776160" y="958320"/>
+            <a:off x="776160" y="1083318"/>
             <a:ext cx="8793360" cy="853920"/>
           </a:xfrm>
           <a:prstGeom prst="rect">
@@ -12363,8 +11340,8 @@
         </p:nvSpPr>
         <p:spPr>
           <a:xfrm>
-            <a:off x="447472" y="1906440"/>
-            <a:ext cx="9895018" cy="2585323"/>
+            <a:off x="1148491" y="1812240"/>
+            <a:ext cx="9895018" cy="4191276"/>
           </a:xfrm>
           <a:prstGeom prst="rect">
             <a:avLst/>
@@ -12377,70 +11354,132 @@
           </a:bodyPr>
           <a:lstStyle/>
           <a:p>
-            <a:r>
-              <a:rPr lang="it-IT" dirty="0"/>
+            <a:pPr>
+              <a:lnSpc>
+                <a:spcPct val="150000"/>
+              </a:lnSpc>
+            </a:pPr>
+            <a:r>
+              <a:rPr lang="it-IT" dirty="0">
+                <a:latin typeface="Verdana" panose="020B0604030504040204" pitchFamily="34" charset="0"/>
+                <a:ea typeface="Verdana" panose="020B0604030504040204" pitchFamily="34" charset="0"/>
+                <a:cs typeface="Verdana" panose="020B0604030504040204" pitchFamily="34" charset="0"/>
+              </a:rPr>
               <a:t>Si nota che:</a:t>
             </a:r>
           </a:p>
           <a:p>
             <a:pPr marL="285750" indent="-285750">
+              <a:lnSpc>
+                <a:spcPct val="150000"/>
+              </a:lnSpc>
               <a:buFont typeface="Arial" panose="020B0604020202020204" pitchFamily="34" charset="0"/>
               <a:buChar char="•"/>
             </a:pPr>
             <a:r>
-              <a:rPr lang="it-IT" dirty="0"/>
+              <a:rPr lang="it-IT" dirty="0">
+                <a:latin typeface="Verdana" panose="020B0604030504040204" pitchFamily="34" charset="0"/>
+                <a:ea typeface="Verdana" panose="020B0604030504040204" pitchFamily="34" charset="0"/>
+                <a:cs typeface="Verdana" panose="020B0604030504040204" pitchFamily="34" charset="0"/>
+              </a:rPr>
               <a:t>nei segmenti più lunghi il rover riesca a mantenere un errore, tra la traiettoria desiderata e quella eseguita, basso</a:t>
             </a:r>
           </a:p>
           <a:p>
             <a:pPr marL="285750" indent="-285750">
+              <a:lnSpc>
+                <a:spcPct val="150000"/>
+              </a:lnSpc>
               <a:buFont typeface="Arial" panose="020B0604020202020204" pitchFamily="34" charset="0"/>
               <a:buChar char="•"/>
             </a:pPr>
             <a:r>
-              <a:rPr lang="it-IT" dirty="0"/>
+              <a:rPr lang="it-IT" dirty="0">
+                <a:latin typeface="Verdana" panose="020B0604030504040204" pitchFamily="34" charset="0"/>
+                <a:ea typeface="Verdana" panose="020B0604030504040204" pitchFamily="34" charset="0"/>
+                <a:cs typeface="Verdana" panose="020B0604030504040204" pitchFamily="34" charset="0"/>
+              </a:rPr>
               <a:t>nel caso di segmenti di minore lunghezza l'errore ottenuto risulta essere maggiore</a:t>
             </a:r>
           </a:p>
           <a:p>
-            <a:r>
-              <a:rPr lang="it-IT" dirty="0"/>
+            <a:pPr>
+              <a:lnSpc>
+                <a:spcPct val="150000"/>
+              </a:lnSpc>
+            </a:pPr>
+            <a:r>
+              <a:rPr lang="it-IT" dirty="0">
+                <a:latin typeface="Verdana" panose="020B0604030504040204" pitchFamily="34" charset="0"/>
+                <a:ea typeface="Verdana" panose="020B0604030504040204" pitchFamily="34" charset="0"/>
+                <a:cs typeface="Verdana" panose="020B0604030504040204" pitchFamily="34" charset="0"/>
+              </a:rPr>
               <a:t>Questo dipende:</a:t>
             </a:r>
           </a:p>
           <a:p>
             <a:pPr marL="285750" indent="-285750">
+              <a:lnSpc>
+                <a:spcPct val="150000"/>
+              </a:lnSpc>
               <a:buFont typeface="Arial" panose="020B0604020202020204" pitchFamily="34" charset="0"/>
               <a:buChar char="•"/>
             </a:pPr>
             <a:r>
-              <a:rPr lang="it-IT" dirty="0"/>
+              <a:rPr lang="it-IT" dirty="0">
+                <a:latin typeface="Verdana" panose="020B0604030504040204" pitchFamily="34" charset="0"/>
+                <a:ea typeface="Verdana" panose="020B0604030504040204" pitchFamily="34" charset="0"/>
+                <a:cs typeface="Verdana" panose="020B0604030504040204" pitchFamily="34" charset="0"/>
+              </a:rPr>
               <a:t>dal raggio della circonferenza con cui si calcola il goal (diminuire il raggio potrebbe permettere di convergere più rapidamente)</a:t>
             </a:r>
           </a:p>
           <a:p>
             <a:pPr marL="285750" indent="-285750">
+              <a:lnSpc>
+                <a:spcPct val="150000"/>
+              </a:lnSpc>
               <a:buFont typeface="Arial" panose="020B0604020202020204" pitchFamily="34" charset="0"/>
               <a:buChar char="•"/>
             </a:pPr>
             <a:r>
-              <a:rPr lang="it-IT" dirty="0"/>
+              <a:rPr lang="it-IT" dirty="0">
+                <a:latin typeface="Verdana" panose="020B0604030504040204" pitchFamily="34" charset="0"/>
+                <a:ea typeface="Verdana" panose="020B0604030504040204" pitchFamily="34" charset="0"/>
+                <a:cs typeface="Verdana" panose="020B0604030504040204" pitchFamily="34" charset="0"/>
+              </a:rPr>
               <a:t>dalla distanza massima da cui si rileva il marker </a:t>
             </a:r>
             <a:r>
-              <a:rPr lang="it-IT" dirty="0" err="1"/>
+              <a:rPr lang="it-IT" dirty="0" err="1">
+                <a:latin typeface="Verdana" panose="020B0604030504040204" pitchFamily="34" charset="0"/>
+                <a:ea typeface="Verdana" panose="020B0604030504040204" pitchFamily="34" charset="0"/>
+                <a:cs typeface="Verdana" panose="020B0604030504040204" pitchFamily="34" charset="0"/>
+              </a:rPr>
               <a:t>ArUco</a:t>
             </a:r>
             <a:r>
-              <a:rPr lang="it-IT" dirty="0"/>
+              <a:rPr lang="it-IT" dirty="0">
+                <a:latin typeface="Verdana" panose="020B0604030504040204" pitchFamily="34" charset="0"/>
+                <a:ea typeface="Verdana" panose="020B0604030504040204" pitchFamily="34" charset="0"/>
+                <a:cs typeface="Verdana" panose="020B0604030504040204" pitchFamily="34" charset="0"/>
+              </a:rPr>
               <a:t> (diminuire la distanza a cui l'</a:t>
             </a:r>
             <a:r>
-              <a:rPr lang="it-IT" dirty="0" err="1"/>
+              <a:rPr lang="it-IT" dirty="0" err="1">
+                <a:latin typeface="Verdana" panose="020B0604030504040204" pitchFamily="34" charset="0"/>
+                <a:ea typeface="Verdana" panose="020B0604030504040204" pitchFamily="34" charset="0"/>
+                <a:cs typeface="Verdana" panose="020B0604030504040204" pitchFamily="34" charset="0"/>
+              </a:rPr>
               <a:t>ArUco</a:t>
             </a:r>
             <a:r>
-              <a:rPr lang="it-IT" dirty="0"/>
+              <a:rPr lang="it-IT" dirty="0">
+                <a:latin typeface="Verdana" panose="020B0604030504040204" pitchFamily="34" charset="0"/>
+                <a:ea typeface="Verdana" panose="020B0604030504040204" pitchFamily="34" charset="0"/>
+                <a:cs typeface="Verdana" panose="020B0604030504040204" pitchFamily="34" charset="0"/>
+              </a:rPr>
               <a:t> viene rilevato potrebbe permettere una convergenza migliore).</a:t>
             </a:r>
           </a:p>
@@ -12488,7 +11527,7 @@
         </p:nvSpPr>
         <p:spPr>
           <a:xfrm>
-            <a:off x="775800" y="957960"/>
+            <a:off x="775800" y="1237272"/>
             <a:ext cx="8793360" cy="853920"/>
           </a:xfrm>
           <a:prstGeom prst="rect">
@@ -12545,8 +11584,8 @@
         </p:nvSpPr>
         <p:spPr>
           <a:xfrm>
-            <a:off x="775801" y="2344362"/>
-            <a:ext cx="8793359" cy="2306870"/>
+            <a:off x="1699320" y="2196081"/>
+            <a:ext cx="8793359" cy="3276366"/>
           </a:xfrm>
           <a:prstGeom prst="rect">
             <a:avLst/>
@@ -12576,7 +11615,7 @@
           <a:p>
             <a:pPr marL="285840" indent="-285840">
               <a:lnSpc>
-                <a:spcPct val="100000"/>
+                <a:spcPct val="150000"/>
               </a:lnSpc>
               <a:buClr>
                 <a:srgbClr val="000000"/>
@@ -12598,7 +11637,7 @@
           <a:p>
             <a:pPr marL="285840" indent="-285840">
               <a:lnSpc>
-                <a:spcPct val="100000"/>
+                <a:spcPct val="150000"/>
               </a:lnSpc>
               <a:buClr>
                 <a:srgbClr val="000000"/>
@@ -12640,7 +11679,7 @@
           <a:p>
             <a:pPr marL="285840" indent="-285840">
               <a:lnSpc>
-                <a:spcPct val="100000"/>
+                <a:spcPct val="150000"/>
               </a:lnSpc>
               <a:buClr>
                 <a:srgbClr val="000000"/>
@@ -12662,7 +11701,7 @@
           <a:p>
             <a:pPr marL="285840" indent="-285840">
               <a:lnSpc>
-                <a:spcPct val="100000"/>
+                <a:spcPct val="150000"/>
               </a:lnSpc>
               <a:buClr>
                 <a:srgbClr val="000000"/>
@@ -12949,105 +11988,238 @@
           </a:p>
         </p:txBody>
       </p:sp>
-      <p:sp>
-        <p:nvSpPr>
-          <p:cNvPr id="5" name="CasellaDiTesto 4">
-            <a:extLst>
-              <a:ext uri="{FF2B5EF4-FFF2-40B4-BE49-F238E27FC236}">
-                <a16:creationId xmlns:a16="http://schemas.microsoft.com/office/drawing/2014/main" id="{56DDB7C5-9BEA-C331-1157-87E296266C53}"/>
-              </a:ext>
-            </a:extLst>
-          </p:cNvPr>
-          <p:cNvSpPr txBox="1"/>
-          <p:nvPr/>
-        </p:nvSpPr>
-        <p:spPr>
-          <a:xfrm>
-            <a:off x="848737" y="1906800"/>
-            <a:ext cx="8793359" cy="3139321"/>
-          </a:xfrm>
-          <a:prstGeom prst="rect">
-            <a:avLst/>
-          </a:prstGeom>
-          <a:noFill/>
-        </p:spPr>
-        <p:txBody>
-          <a:bodyPr wrap="square">
-            <a:spAutoFit/>
-          </a:bodyPr>
-          <a:lstStyle/>
-          <a:p>
-            <a:r>
-              <a:rPr lang="it-IT" dirty="0"/>
-              <a:t>Gli obiettivi fissati sono stati raggiunti come dimostrato dai grafici, nonostante gli errori sulla posa introdotti dalla ZED. </a:t>
-            </a:r>
-          </a:p>
-          <a:p>
-            <a:pPr marL="285750" indent="-285750">
-              <a:buFont typeface="Arial" panose="020B0604020202020204" pitchFamily="34" charset="0"/>
-              <a:buChar char="•"/>
-            </a:pPr>
-            <a:r>
-              <a:rPr lang="it-IT" dirty="0"/>
-              <a:t>Il nodo di visione riesce correttamente ad individuare i marker e gli id ad essi associati.</a:t>
-            </a:r>
-          </a:p>
-          <a:p>
-            <a:pPr marL="285750" indent="-285750">
-              <a:buFont typeface="Arial" panose="020B0604020202020204" pitchFamily="34" charset="0"/>
-              <a:buChar char="•"/>
-            </a:pPr>
-            <a:r>
-              <a:rPr lang="it-IT" dirty="0"/>
-              <a:t>Il nodo di controllo sceglie correttamente il punto a cui convergere tra i due proposti  e riesce a svoltare in modo </a:t>
-            </a:r>
-            <a:r>
-              <a:rPr lang="it-IT" dirty="0" err="1"/>
-              <a:t>smooth</a:t>
-            </a:r>
-            <a:r>
-              <a:rPr lang="it-IT" dirty="0"/>
-              <a:t>. </a:t>
-            </a:r>
-          </a:p>
-          <a:p>
-            <a:pPr marL="285750" indent="-285750">
-              <a:buFont typeface="Arial" panose="020B0604020202020204" pitchFamily="34" charset="0"/>
-              <a:buChar char="•"/>
-            </a:pPr>
-            <a:r>
-              <a:rPr lang="it-IT" dirty="0"/>
-              <a:t>Il sistema evita gli ostacoli la cui posizione è conosciuta a priori dimostrando la bontà dell'implementazione di APF. </a:t>
-            </a:r>
-          </a:p>
-          <a:p>
-            <a:pPr marL="285750" indent="-285750">
-              <a:buFont typeface="Arial" panose="020B0604020202020204" pitchFamily="34" charset="0"/>
-              <a:buChar char="•"/>
-            </a:pPr>
-            <a:r>
-              <a:rPr lang="it-IT" dirty="0"/>
-              <a:t>Il nodo convertitore, tramite l'utilizzo di due PID correttamente regolati, traduce con successo le grandezze solitamente utilizzate nel controllo dei veicoli ($v$ e $\omega$) nelle grandezze impiegate nel \</a:t>
-            </a:r>
-            <a:r>
-              <a:rPr lang="it-IT" dirty="0" err="1"/>
-              <a:t>texttt</a:t>
-            </a:r>
-            <a:r>
-              <a:rPr lang="it-IT" dirty="0"/>
-              <a:t>{dart\_</a:t>
-            </a:r>
-            <a:r>
-              <a:rPr lang="it-IT" dirty="0" err="1"/>
-              <a:t>wrapper</a:t>
-            </a:r>
-            <a:r>
-              <a:rPr lang="it-IT" dirty="0"/>
-              <a:t>}. </a:t>
-            </a:r>
-          </a:p>
-        </p:txBody>
-      </p:sp>
+      <mc:AlternateContent xmlns:mc="http://schemas.openxmlformats.org/markup-compatibility/2006">
+        <mc:Choice xmlns:a14="http://schemas.microsoft.com/office/drawing/2010/main" Requires="a14">
+          <p:sp>
+            <p:nvSpPr>
+              <p:cNvPr id="5" name="CasellaDiTesto 4">
+                <a:extLst>
+                  <a:ext uri="{FF2B5EF4-FFF2-40B4-BE49-F238E27FC236}">
+                    <a16:creationId xmlns:a16="http://schemas.microsoft.com/office/drawing/2014/main" id="{56DDB7C5-9BEA-C331-1157-87E296266C53}"/>
+                  </a:ext>
+                </a:extLst>
+              </p:cNvPr>
+              <p:cNvSpPr txBox="1"/>
+              <p:nvPr/>
+            </p:nvSpPr>
+            <p:spPr>
+              <a:xfrm>
+                <a:off x="873211" y="1681482"/>
+                <a:ext cx="10542989" cy="4606774"/>
+              </a:xfrm>
+              <a:prstGeom prst="rect">
+                <a:avLst/>
+              </a:prstGeom>
+              <a:noFill/>
+            </p:spPr>
+            <p:txBody>
+              <a:bodyPr wrap="square">
+                <a:spAutoFit/>
+              </a:bodyPr>
+              <a:lstStyle/>
+              <a:p>
+                <a:pPr>
+                  <a:lnSpc>
+                    <a:spcPct val="150000"/>
+                  </a:lnSpc>
+                </a:pPr>
+                <a:r>
+                  <a:rPr lang="it-IT" dirty="0">
+                    <a:latin typeface="Verdana" panose="020B0604030504040204" pitchFamily="34" charset="0"/>
+                    <a:ea typeface="Verdana" panose="020B0604030504040204" pitchFamily="34" charset="0"/>
+                    <a:cs typeface="Verdana" panose="020B0604030504040204" pitchFamily="34" charset="0"/>
+                  </a:rPr>
+                  <a:t>Gli obiettivi fissati sono stati raggiunti come dimostrato dai grafici, nonostante gli errori sulla posa introdotti dalla ZED. </a:t>
+                </a:r>
+              </a:p>
+              <a:p>
+                <a:pPr marL="285750" indent="-285750">
+                  <a:lnSpc>
+                    <a:spcPct val="150000"/>
+                  </a:lnSpc>
+                  <a:buFont typeface="Arial" panose="020B0604020202020204" pitchFamily="34" charset="0"/>
+                  <a:buChar char="•"/>
+                </a:pPr>
+                <a:r>
+                  <a:rPr lang="it-IT" dirty="0">
+                    <a:latin typeface="Verdana" panose="020B0604030504040204" pitchFamily="34" charset="0"/>
+                    <a:ea typeface="Verdana" panose="020B0604030504040204" pitchFamily="34" charset="0"/>
+                    <a:cs typeface="Verdana" panose="020B0604030504040204" pitchFamily="34" charset="0"/>
+                  </a:rPr>
+                  <a:t>Il nodo di visione riesce correttamente ad individuare i marker e gli id ad essi associati.</a:t>
+                </a:r>
+              </a:p>
+              <a:p>
+                <a:pPr marL="285750" indent="-285750">
+                  <a:lnSpc>
+                    <a:spcPct val="150000"/>
+                  </a:lnSpc>
+                  <a:buFont typeface="Arial" panose="020B0604020202020204" pitchFamily="34" charset="0"/>
+                  <a:buChar char="•"/>
+                </a:pPr>
+                <a:r>
+                  <a:rPr lang="it-IT" dirty="0">
+                    <a:latin typeface="Verdana" panose="020B0604030504040204" pitchFamily="34" charset="0"/>
+                    <a:ea typeface="Verdana" panose="020B0604030504040204" pitchFamily="34" charset="0"/>
+                    <a:cs typeface="Verdana" panose="020B0604030504040204" pitchFamily="34" charset="0"/>
+                  </a:rPr>
+                  <a:t>Il nodo di controllo sceglie correttamente il punto a cui convergere tra i due proposti  e riesce a svoltare in modo </a:t>
+                </a:r>
+                <a:r>
+                  <a:rPr lang="it-IT" dirty="0" err="1">
+                    <a:latin typeface="Verdana" panose="020B0604030504040204" pitchFamily="34" charset="0"/>
+                    <a:ea typeface="Verdana" panose="020B0604030504040204" pitchFamily="34" charset="0"/>
+                    <a:cs typeface="Verdana" panose="020B0604030504040204" pitchFamily="34" charset="0"/>
+                  </a:rPr>
+                  <a:t>smooth</a:t>
+                </a:r>
+                <a:r>
+                  <a:rPr lang="it-IT" dirty="0">
+                    <a:latin typeface="Verdana" panose="020B0604030504040204" pitchFamily="34" charset="0"/>
+                    <a:ea typeface="Verdana" panose="020B0604030504040204" pitchFamily="34" charset="0"/>
+                    <a:cs typeface="Verdana" panose="020B0604030504040204" pitchFamily="34" charset="0"/>
+                  </a:rPr>
+                  <a:t>. </a:t>
+                </a:r>
+              </a:p>
+              <a:p>
+                <a:pPr marL="285750" indent="-285750">
+                  <a:lnSpc>
+                    <a:spcPct val="150000"/>
+                  </a:lnSpc>
+                  <a:buFont typeface="Arial" panose="020B0604020202020204" pitchFamily="34" charset="0"/>
+                  <a:buChar char="•"/>
+                </a:pPr>
+                <a:r>
+                  <a:rPr lang="it-IT" dirty="0">
+                    <a:latin typeface="Verdana" panose="020B0604030504040204" pitchFamily="34" charset="0"/>
+                    <a:ea typeface="Verdana" panose="020B0604030504040204" pitchFamily="34" charset="0"/>
+                    <a:cs typeface="Verdana" panose="020B0604030504040204" pitchFamily="34" charset="0"/>
+                  </a:rPr>
+                  <a:t>Il sistema evita gli ostacoli la cui posizione è conosciuta a priori dimostrando la bontà dell'implementazione di APF. </a:t>
+                </a:r>
+              </a:p>
+              <a:p>
+                <a:pPr marL="285750" indent="-285750">
+                  <a:lnSpc>
+                    <a:spcPct val="150000"/>
+                  </a:lnSpc>
+                  <a:buFont typeface="Arial" panose="020B0604020202020204" pitchFamily="34" charset="0"/>
+                  <a:buChar char="•"/>
+                </a:pPr>
+                <a:r>
+                  <a:rPr lang="it-IT" dirty="0">
+                    <a:latin typeface="Verdana" panose="020B0604030504040204" pitchFamily="34" charset="0"/>
+                    <a:ea typeface="Verdana" panose="020B0604030504040204" pitchFamily="34" charset="0"/>
+                    <a:cs typeface="Verdana" panose="020B0604030504040204" pitchFamily="34" charset="0"/>
+                  </a:rPr>
+                  <a:t>Il nodo convertitore, tramite l'utilizzo di due PID correttamente regolati, traduce con successo le grandezze solitamente utilizzate nel controllo dei veicoli (</a:t>
+                </a:r>
+                <a14:m>
+                  <m:oMath xmlns:m="http://schemas.openxmlformats.org/officeDocument/2006/math">
+                    <m:r>
+                      <a:rPr lang="it-IT" i="1" dirty="0" smtClean="0">
+                        <a:latin typeface="Cambria Math" panose="02040503050406030204" pitchFamily="18" charset="0"/>
+                        <a:ea typeface="Verdana" panose="020B0604030504040204" pitchFamily="34" charset="0"/>
+                        <a:cs typeface="Verdana" panose="020B0604030504040204" pitchFamily="34" charset="0"/>
+                      </a:rPr>
+                      <m:t>𝑣</m:t>
+                    </m:r>
+                  </m:oMath>
+                </a14:m>
+                <a:r>
+                  <a:rPr lang="it-IT" dirty="0">
+                    <a:latin typeface="Verdana" panose="020B0604030504040204" pitchFamily="34" charset="0"/>
+                    <a:ea typeface="Verdana" panose="020B0604030504040204" pitchFamily="34" charset="0"/>
+                    <a:cs typeface="Verdana" panose="020B0604030504040204" pitchFamily="34" charset="0"/>
+                  </a:rPr>
+                  <a:t> e </a:t>
+                </a:r>
+                <a14:m>
+                  <m:oMath xmlns:m="http://schemas.openxmlformats.org/officeDocument/2006/math">
+                    <m:r>
+                      <a:rPr lang="it-IT" i="1" smtClean="0">
+                        <a:latin typeface="Cambria Math" panose="02040503050406030204" pitchFamily="18" charset="0"/>
+                        <a:ea typeface="Cambria Math" panose="02040503050406030204" pitchFamily="18" charset="0"/>
+                        <a:cs typeface="Verdana" panose="020B0604030504040204" pitchFamily="34" charset="0"/>
+                      </a:rPr>
+                      <m:t>𝜔</m:t>
+                    </m:r>
+                  </m:oMath>
+                </a14:m>
+                <a:r>
+                  <a:rPr lang="it-IT" dirty="0">
+                    <a:latin typeface="Verdana" panose="020B0604030504040204" pitchFamily="34" charset="0"/>
+                    <a:ea typeface="Verdana" panose="020B0604030504040204" pitchFamily="34" charset="0"/>
+                    <a:cs typeface="Verdana" panose="020B0604030504040204" pitchFamily="34" charset="0"/>
+                  </a:rPr>
+                  <a:t>) nelle grandezze impiegate nel </a:t>
+                </a:r>
+                <a:r>
+                  <a:rPr lang="it-IT" i="1" dirty="0" err="1">
+                    <a:latin typeface="Verdana" panose="020B0604030504040204" pitchFamily="34" charset="0"/>
+                    <a:ea typeface="Verdana" panose="020B0604030504040204" pitchFamily="34" charset="0"/>
+                    <a:cs typeface="Verdana" panose="020B0604030504040204" pitchFamily="34" charset="0"/>
+                  </a:rPr>
+                  <a:t>dart_wrapper</a:t>
+                </a:r>
+                <a:r>
+                  <a:rPr lang="it-IT" dirty="0">
+                    <a:latin typeface="Verdana" panose="020B0604030504040204" pitchFamily="34" charset="0"/>
+                    <a:ea typeface="Verdana" panose="020B0604030504040204" pitchFamily="34" charset="0"/>
+                    <a:cs typeface="Verdana" panose="020B0604030504040204" pitchFamily="34" charset="0"/>
+                  </a:rPr>
+                  <a:t>. </a:t>
+                </a:r>
+              </a:p>
+            </p:txBody>
+          </p:sp>
+        </mc:Choice>
+        <mc:Fallback>
+          <p:sp>
+            <p:nvSpPr>
+              <p:cNvPr id="5" name="CasellaDiTesto 4">
+                <a:extLst>
+                  <a:ext uri="{FF2B5EF4-FFF2-40B4-BE49-F238E27FC236}">
+                    <a16:creationId xmlns:a16="http://schemas.microsoft.com/office/drawing/2014/main" id="{56DDB7C5-9BEA-C331-1157-87E296266C53}"/>
+                  </a:ext>
+                </a:extLst>
+              </p:cNvPr>
+              <p:cNvSpPr txBox="1">
+                <a:spLocks noRot="1" noChangeAspect="1" noMove="1" noResize="1" noEditPoints="1" noAdjustHandles="1" noChangeArrowheads="1" noChangeShapeType="1" noTextEdit="1"/>
+              </p:cNvSpPr>
+              <p:nvPr/>
+            </p:nvSpPr>
+            <p:spPr>
+              <a:xfrm>
+                <a:off x="873211" y="1681482"/>
+                <a:ext cx="10542989" cy="4606774"/>
+              </a:xfrm>
+              <a:prstGeom prst="rect">
+                <a:avLst/>
+              </a:prstGeom>
+              <a:blipFill>
+                <a:blip r:embed="rId3"/>
+                <a:stretch>
+                  <a:fillRect l="-481" r="-842" b="-1102"/>
+                </a:stretch>
+              </a:blipFill>
+            </p:spPr>
+            <p:txBody>
+              <a:bodyPr/>
+              <a:lstStyle/>
+              <a:p>
+                <a:r>
+                  <a:rPr lang="it-IT">
+                    <a:noFill/>
+                  </a:rPr>
+                  <a:t> </a:t>
+                </a:r>
+              </a:p>
+            </p:txBody>
+          </p:sp>
+        </mc:Fallback>
+      </mc:AlternateContent>
     </p:spTree>
   </p:cSld>
   <p:clrMapOvr>

--- a/Presentazione LabAuto.pptx
+++ b/Presentazione LabAuto.pptx
@@ -8524,8 +8524,8 @@
           </a:p>
         </p:txBody>
       </p:sp>
-      <mc:AlternateContent xmlns:mc="http://schemas.openxmlformats.org/markup-compatibility/2006">
-        <mc:Choice xmlns:a14="http://schemas.microsoft.com/office/drawing/2010/main" Requires="a14">
+      <mc:AlternateContent xmlns:mc="http://schemas.openxmlformats.org/markup-compatibility/2006" xmlns:a14="http://schemas.microsoft.com/office/drawing/2010/main">
+        <mc:Choice Requires="a14">
           <p:sp>
             <p:nvSpPr>
               <p:cNvPr id="7" name="CasellaDiTesto 6">
@@ -8706,7 +8706,7 @@
             </p:txBody>
           </p:sp>
         </mc:Choice>
-        <mc:Fallback>
+        <mc:Fallback xmlns="">
           <p:sp>
             <p:nvSpPr>
               <p:cNvPr id="7" name="CasellaDiTesto 6">
@@ -8751,8 +8751,8 @@
           </p:sp>
         </mc:Fallback>
       </mc:AlternateContent>
-      <mc:AlternateContent xmlns:mc="http://schemas.openxmlformats.org/markup-compatibility/2006">
-        <mc:Choice xmlns:a14="http://schemas.microsoft.com/office/drawing/2010/main" Requires="a14">
+      <mc:AlternateContent xmlns:mc="http://schemas.openxmlformats.org/markup-compatibility/2006" xmlns:a14="http://schemas.microsoft.com/office/drawing/2010/main">
+        <mc:Choice Requires="a14">
           <p:sp>
             <p:nvSpPr>
               <p:cNvPr id="8" name="CasellaDiTesto 7">
@@ -8890,7 +8890,7 @@
             </p:txBody>
           </p:sp>
         </mc:Choice>
-        <mc:Fallback>
+        <mc:Fallback xmlns="">
           <p:sp>
             <p:nvSpPr>
               <p:cNvPr id="8" name="CasellaDiTesto 7">
@@ -9380,8 +9380,8 @@
           </a:p>
         </p:txBody>
       </p:sp>
-      <mc:AlternateContent xmlns:mc="http://schemas.openxmlformats.org/markup-compatibility/2006">
-        <mc:Choice xmlns:a14="http://schemas.microsoft.com/office/drawing/2010/main" Requires="a14">
+      <mc:AlternateContent xmlns:mc="http://schemas.openxmlformats.org/markup-compatibility/2006" xmlns:a14="http://schemas.microsoft.com/office/drawing/2010/main">
+        <mc:Choice Requires="a14">
           <p:sp>
             <p:nvSpPr>
               <p:cNvPr id="7" name="CasellaDiTesto 6">
@@ -9557,7 +9557,7 @@
             </p:txBody>
           </p:sp>
         </mc:Choice>
-        <mc:Fallback>
+        <mc:Fallback xmlns="">
           <p:sp>
             <p:nvSpPr>
               <p:cNvPr id="7" name="CasellaDiTesto 6">
@@ -9641,8 +9641,8 @@
           </a:prstGeom>
         </p:spPr>
       </p:pic>
-      <mc:AlternateContent xmlns:mc="http://schemas.openxmlformats.org/markup-compatibility/2006">
-        <mc:Choice xmlns:a14="http://schemas.microsoft.com/office/drawing/2010/main" Requires="a14">
+      <mc:AlternateContent xmlns:mc="http://schemas.openxmlformats.org/markup-compatibility/2006" xmlns:a14="http://schemas.microsoft.com/office/drawing/2010/main">
+        <mc:Choice Requires="a14">
           <p:sp>
             <p:nvSpPr>
               <p:cNvPr id="10" name="CasellaDiTesto 9">
@@ -9708,7 +9708,7 @@
             </p:txBody>
           </p:sp>
         </mc:Choice>
-        <mc:Fallback>
+        <mc:Fallback xmlns="">
           <p:sp>
             <p:nvSpPr>
               <p:cNvPr id="10" name="CasellaDiTesto 9">
@@ -9753,8 +9753,8 @@
           </p:sp>
         </mc:Fallback>
       </mc:AlternateContent>
-      <mc:AlternateContent xmlns:mc="http://schemas.openxmlformats.org/markup-compatibility/2006">
-        <mc:Choice xmlns:a14="http://schemas.microsoft.com/office/drawing/2010/main" Requires="a14">
+      <mc:AlternateContent xmlns:mc="http://schemas.openxmlformats.org/markup-compatibility/2006" xmlns:a14="http://schemas.microsoft.com/office/drawing/2010/main">
+        <mc:Choice Requires="a14">
           <p:sp>
             <p:nvSpPr>
               <p:cNvPr id="12" name="CasellaDiTesto 11">
@@ -9840,7 +9840,7 @@
             </p:txBody>
           </p:sp>
         </mc:Choice>
-        <mc:Fallback>
+        <mc:Fallback xmlns="">
           <p:sp>
             <p:nvSpPr>
               <p:cNvPr id="12" name="CasellaDiTesto 11">
@@ -12004,8 +12004,8 @@
             </p:nvSpPr>
             <p:spPr>
               <a:xfrm>
-                <a:off x="873211" y="1681482"/>
-                <a:ext cx="10542989" cy="4606774"/>
+                <a:off x="1169773" y="1594985"/>
+                <a:ext cx="9852454" cy="4606774"/>
               </a:xfrm>
               <a:prstGeom prst="rect">
                 <a:avLst/>
@@ -12192,8 +12192,8 @@
             </p:nvSpPr>
             <p:spPr>
               <a:xfrm>
-                <a:off x="873211" y="1681482"/>
-                <a:ext cx="10542989" cy="4606774"/>
+                <a:off x="1169773" y="1594985"/>
+                <a:ext cx="9852454" cy="4606774"/>
               </a:xfrm>
               <a:prstGeom prst="rect">
                 <a:avLst/>
@@ -12201,7 +12201,7 @@
               <a:blipFill>
                 <a:blip r:embed="rId3"/>
                 <a:stretch>
-                  <a:fillRect l="-481" r="-842" b="-1102"/>
+                  <a:fillRect l="-515" b="-1102"/>
                 </a:stretch>
               </a:blipFill>
             </p:spPr>

--- a/Presentazione LabAuto.pptx
+++ b/Presentazione LabAuto.pptx
@@ -138,9 +138,138 @@
 <file path=ppt/revisionInfo.xml><?xml version="1.0" encoding="utf-8"?>
 <p1510:revInfo xmlns:a="http://schemas.openxmlformats.org/drawingml/2006/main" xmlns:r="http://schemas.openxmlformats.org/officeDocument/2006/relationships" xmlns:p1510="http://schemas.microsoft.com/office/powerpoint/2015/10/main">
   <p1510:revLst>
-    <p1510:client id="{CC52A8C3-708B-4CE7-A848-3F502EC51602}" v="62" dt="2024-06-13T17:00:12.936"/>
+    <p1510:client id="{CC52A8C3-708B-4CE7-A848-3F502EC51602}" v="63" dt="2024-06-17T11:07:00.631"/>
   </p1510:revLst>
 </p1510:revInfo>
+</file>
+
+<file path=ppt/changesInfos/changesInfo1.xml><?xml version="1.0" encoding="utf-8"?>
+<pc:chgInfo xmlns:a="http://schemas.openxmlformats.org/drawingml/2006/main" xmlns:r="http://schemas.openxmlformats.org/officeDocument/2006/relationships" xmlns:ac="http://schemas.microsoft.com/office/drawing/2013/main/command" xmlns:pc="http://schemas.microsoft.com/office/powerpoint/2013/main/command">
+  <pc:docChgLst>
+    <pc:chgData name="Giulio Beltrami" userId="e0bbba2c-5e70-403a-8e6b-090771782fcf" providerId="ADAL" clId="{CC52A8C3-708B-4CE7-A848-3F502EC51602}"/>
+    <pc:docChg chg="undo custSel modSld">
+      <pc:chgData name="Giulio Beltrami" userId="e0bbba2c-5e70-403a-8e6b-090771782fcf" providerId="ADAL" clId="{CC52A8C3-708B-4CE7-A848-3F502EC51602}" dt="2024-06-17T11:09:54.766" v="107" actId="1076"/>
+      <pc:docMkLst>
+        <pc:docMk/>
+      </pc:docMkLst>
+      <pc:sldChg chg="modSp mod">
+        <pc:chgData name="Giulio Beltrami" userId="e0bbba2c-5e70-403a-8e6b-090771782fcf" providerId="ADAL" clId="{CC52A8C3-708B-4CE7-A848-3F502EC51602}" dt="2024-06-17T10:21:18.793" v="39" actId="20577"/>
+        <pc:sldMkLst>
+          <pc:docMk/>
+          <pc:sldMk cId="0" sldId="257"/>
+        </pc:sldMkLst>
+        <pc:spChg chg="mod">
+          <ac:chgData name="Giulio Beltrami" userId="e0bbba2c-5e70-403a-8e6b-090771782fcf" providerId="ADAL" clId="{CC52A8C3-708B-4CE7-A848-3F502EC51602}" dt="2024-06-17T10:21:18.793" v="39" actId="20577"/>
+          <ac:spMkLst>
+            <pc:docMk/>
+            <pc:sldMk cId="0" sldId="257"/>
+            <ac:spMk id="2" creationId="{04782B39-CBD7-6BC1-9C60-78921EDE69DE}"/>
+          </ac:spMkLst>
+        </pc:spChg>
+      </pc:sldChg>
+      <pc:sldChg chg="modSp mod">
+        <pc:chgData name="Giulio Beltrami" userId="e0bbba2c-5e70-403a-8e6b-090771782fcf" providerId="ADAL" clId="{CC52A8C3-708B-4CE7-A848-3F502EC51602}" dt="2024-06-17T11:04:12.941" v="65" actId="20577"/>
+        <pc:sldMkLst>
+          <pc:docMk/>
+          <pc:sldMk cId="0" sldId="265"/>
+        </pc:sldMkLst>
+        <pc:spChg chg="mod">
+          <ac:chgData name="Giulio Beltrami" userId="e0bbba2c-5e70-403a-8e6b-090771782fcf" providerId="ADAL" clId="{CC52A8C3-708B-4CE7-A848-3F502EC51602}" dt="2024-06-17T11:04:12.941" v="65" actId="20577"/>
+          <ac:spMkLst>
+            <pc:docMk/>
+            <pc:sldMk cId="0" sldId="265"/>
+            <ac:spMk id="2" creationId="{594B9C33-6FAF-E5D6-8926-02A2B02E25BC}"/>
+          </ac:spMkLst>
+        </pc:spChg>
+      </pc:sldChg>
+      <pc:sldChg chg="modSp mod">
+        <pc:chgData name="Giulio Beltrami" userId="e0bbba2c-5e70-403a-8e6b-090771782fcf" providerId="ADAL" clId="{CC52A8C3-708B-4CE7-A848-3F502EC51602}" dt="2024-06-17T10:29:51.776" v="41" actId="1076"/>
+        <pc:sldMkLst>
+          <pc:docMk/>
+          <pc:sldMk cId="173780160" sldId="270"/>
+        </pc:sldMkLst>
+        <pc:spChg chg="mod">
+          <ac:chgData name="Giulio Beltrami" userId="e0bbba2c-5e70-403a-8e6b-090771782fcf" providerId="ADAL" clId="{CC52A8C3-708B-4CE7-A848-3F502EC51602}" dt="2024-06-17T10:29:51.776" v="41" actId="1076"/>
+          <ac:spMkLst>
+            <pc:docMk/>
+            <pc:sldMk cId="173780160" sldId="270"/>
+            <ac:spMk id="3" creationId="{209DD796-608C-28C2-E65A-492D3DE3F186}"/>
+          </ac:spMkLst>
+        </pc:spChg>
+      </pc:sldChg>
+      <pc:sldChg chg="addSp delSp modSp mod">
+        <pc:chgData name="Giulio Beltrami" userId="e0bbba2c-5e70-403a-8e6b-090771782fcf" providerId="ADAL" clId="{CC52A8C3-708B-4CE7-A848-3F502EC51602}" dt="2024-06-17T11:09:54.766" v="107" actId="1076"/>
+        <pc:sldMkLst>
+          <pc:docMk/>
+          <pc:sldMk cId="134682257" sldId="273"/>
+        </pc:sldMkLst>
+        <pc:spChg chg="add del mod">
+          <ac:chgData name="Giulio Beltrami" userId="e0bbba2c-5e70-403a-8e6b-090771782fcf" providerId="ADAL" clId="{CC52A8C3-708B-4CE7-A848-3F502EC51602}" dt="2024-06-17T11:08:47.435" v="88" actId="478"/>
+          <ac:spMkLst>
+            <pc:docMk/>
+            <pc:sldMk cId="134682257" sldId="273"/>
+            <ac:spMk id="16" creationId="{D724496E-6986-187C-65E9-0DD73A8B3CA3}"/>
+          </ac:spMkLst>
+        </pc:spChg>
+        <pc:spChg chg="add mod">
+          <ac:chgData name="Giulio Beltrami" userId="e0bbba2c-5e70-403a-8e6b-090771782fcf" providerId="ADAL" clId="{CC52A8C3-708B-4CE7-A848-3F502EC51602}" dt="2024-06-17T11:09:54.766" v="107" actId="1076"/>
+          <ac:spMkLst>
+            <pc:docMk/>
+            <pc:sldMk cId="134682257" sldId="273"/>
+            <ac:spMk id="17" creationId="{5DE68DB2-C7BB-A7A8-CCB3-5E524A0F7D58}"/>
+          </ac:spMkLst>
+        </pc:spChg>
+        <pc:picChg chg="add del mod">
+          <ac:chgData name="Giulio Beltrami" userId="e0bbba2c-5e70-403a-8e6b-090771782fcf" providerId="ADAL" clId="{CC52A8C3-708B-4CE7-A848-3F502EC51602}" dt="2024-06-17T11:09:48.219" v="106" actId="1076"/>
+          <ac:picMkLst>
+            <pc:docMk/>
+            <pc:sldMk cId="134682257" sldId="273"/>
+            <ac:picMk id="3" creationId="{3CC4779C-45D2-86F0-CD43-BACA2CA03240}"/>
+          </ac:picMkLst>
+        </pc:picChg>
+        <pc:picChg chg="mod">
+          <ac:chgData name="Giulio Beltrami" userId="e0bbba2c-5e70-403a-8e6b-090771782fcf" providerId="ADAL" clId="{CC52A8C3-708B-4CE7-A848-3F502EC51602}" dt="2024-06-17T11:09:25.299" v="99" actId="1076"/>
+          <ac:picMkLst>
+            <pc:docMk/>
+            <pc:sldMk cId="134682257" sldId="273"/>
+            <ac:picMk id="8" creationId="{33AF3673-227F-3FA3-057A-8C0638EA248D}"/>
+          </ac:picMkLst>
+        </pc:picChg>
+        <pc:cxnChg chg="add del mod">
+          <ac:chgData name="Giulio Beltrami" userId="e0bbba2c-5e70-403a-8e6b-090771782fcf" providerId="ADAL" clId="{CC52A8C3-708B-4CE7-A848-3F502EC51602}" dt="2024-06-17T11:07:54.096" v="78" actId="478"/>
+          <ac:cxnSpMkLst>
+            <pc:docMk/>
+            <pc:sldMk cId="134682257" sldId="273"/>
+            <ac:cxnSpMk id="7" creationId="{8130D6D8-ED30-91FE-576E-7D01F442E056}"/>
+          </ac:cxnSpMkLst>
+        </pc:cxnChg>
+      </pc:sldChg>
+      <pc:sldChg chg="modSp mod">
+        <pc:chgData name="Giulio Beltrami" userId="e0bbba2c-5e70-403a-8e6b-090771782fcf" providerId="ADAL" clId="{CC52A8C3-708B-4CE7-A848-3F502EC51602}" dt="2024-06-17T10:39:58.719" v="53" actId="1076"/>
+        <pc:sldMkLst>
+          <pc:docMk/>
+          <pc:sldMk cId="1417616155" sldId="276"/>
+        </pc:sldMkLst>
+        <pc:spChg chg="mod">
+          <ac:chgData name="Giulio Beltrami" userId="e0bbba2c-5e70-403a-8e6b-090771782fcf" providerId="ADAL" clId="{CC52A8C3-708B-4CE7-A848-3F502EC51602}" dt="2024-06-17T10:39:58.208" v="52" actId="1076"/>
+          <ac:spMkLst>
+            <pc:docMk/>
+            <pc:sldMk cId="1417616155" sldId="276"/>
+            <ac:spMk id="8" creationId="{DA96A236-C5BA-630A-898A-2F3AC56FA9CF}"/>
+          </ac:spMkLst>
+        </pc:spChg>
+        <pc:picChg chg="mod">
+          <ac:chgData name="Giulio Beltrami" userId="e0bbba2c-5e70-403a-8e6b-090771782fcf" providerId="ADAL" clId="{CC52A8C3-708B-4CE7-A848-3F502EC51602}" dt="2024-06-17T10:39:58.719" v="53" actId="1076"/>
+          <ac:picMkLst>
+            <pc:docMk/>
+            <pc:sldMk cId="1417616155" sldId="276"/>
+            <ac:picMk id="9" creationId="{E6091B78-62D2-AC10-F176-AAAC81AE17CD}"/>
+          </ac:picMkLst>
+        </pc:picChg>
+      </pc:sldChg>
+    </pc:docChg>
+  </pc:docChgLst>
+</pc:chgInfo>
 </file>
 
 <file path=ppt/notesMasters/notesMaster1.xml><?xml version="1.0" encoding="utf-8"?>
@@ -8431,7 +8560,7 @@
         </p:blipFill>
         <p:spPr>
           <a:xfrm>
-            <a:off x="6959670" y="6060498"/>
+            <a:off x="6959670" y="6022080"/>
             <a:ext cx="3296501" cy="292680"/>
           </a:xfrm>
           <a:prstGeom prst="rect">
@@ -8751,8 +8880,8 @@
           </p:sp>
         </mc:Fallback>
       </mc:AlternateContent>
-      <mc:AlternateContent xmlns:mc="http://schemas.openxmlformats.org/markup-compatibility/2006" xmlns:a14="http://schemas.microsoft.com/office/drawing/2010/main">
-        <mc:Choice Requires="a14">
+      <mc:AlternateContent xmlns:mc="http://schemas.openxmlformats.org/markup-compatibility/2006">
+        <mc:Choice xmlns:a14="http://schemas.microsoft.com/office/drawing/2010/main" Requires="a14">
           <p:sp>
             <p:nvSpPr>
               <p:cNvPr id="8" name="CasellaDiTesto 7">
@@ -8767,7 +8896,7 @@
             </p:nvSpPr>
             <p:spPr>
               <a:xfrm>
-                <a:off x="6310625" y="3893661"/>
+                <a:off x="6310625" y="3692452"/>
                 <a:ext cx="5415937" cy="2113784"/>
               </a:xfrm>
               <a:prstGeom prst="rect">
@@ -8890,7 +9019,7 @@
             </p:txBody>
           </p:sp>
         </mc:Choice>
-        <mc:Fallback xmlns="">
+        <mc:Fallback>
           <p:sp>
             <p:nvSpPr>
               <p:cNvPr id="8" name="CasellaDiTesto 7">
@@ -8907,7 +9036,7 @@
             </p:nvSpPr>
             <p:spPr>
               <a:xfrm>
-                <a:off x="6310625" y="3893661"/>
+                <a:off x="6310625" y="3692452"/>
                 <a:ext cx="5415937" cy="2113784"/>
               </a:xfrm>
               <a:prstGeom prst="rect">
@@ -8916,7 +9045,7 @@
               <a:blipFill>
                 <a:blip r:embed="rId8"/>
                 <a:stretch>
-                  <a:fillRect l="-937" b="-3593"/>
+                  <a:fillRect l="-900" b="-4046"/>
                 </a:stretch>
               </a:blipFill>
             </p:spPr>
@@ -10435,7 +10564,7 @@
                 <a:latin typeface="Verdana" panose="020B0604030504040204" pitchFamily="34" charset="0"/>
                 <a:ea typeface="Verdana" panose="020B0604030504040204" pitchFamily="34" charset="0"/>
               </a:rPr>
-              <a:t>Esecuzione traiettoria rettangolare con tripla ripetizione.</a:t>
+              <a:t>Esecuzione traiettoria rettangolare con doppia ripetizione.</a:t>
             </a:r>
           </a:p>
         </p:txBody>
@@ -11988,8 +12117,8 @@
           </a:p>
         </p:txBody>
       </p:sp>
-      <mc:AlternateContent xmlns:mc="http://schemas.openxmlformats.org/markup-compatibility/2006">
-        <mc:Choice xmlns:a14="http://schemas.microsoft.com/office/drawing/2010/main" Requires="a14">
+      <mc:AlternateContent xmlns:mc="http://schemas.openxmlformats.org/markup-compatibility/2006" xmlns:a14="http://schemas.microsoft.com/office/drawing/2010/main">
+        <mc:Choice Requires="a14">
           <p:sp>
             <p:nvSpPr>
               <p:cNvPr id="5" name="CasellaDiTesto 4">
@@ -12175,7 +12304,7 @@
             </p:txBody>
           </p:sp>
         </mc:Choice>
-        <mc:Fallback>
+        <mc:Fallback xmlns="">
           <p:sp>
             <p:nvSpPr>
               <p:cNvPr id="5" name="CasellaDiTesto 4">
@@ -12421,7 +12550,7 @@
         <p:spPr>
           <a:xfrm>
             <a:off x="5839968" y="1951747"/>
-            <a:ext cx="5437632" cy="3970318"/>
+            <a:ext cx="5437632" cy="4247317"/>
           </a:xfrm>
           <a:prstGeom prst="rect">
             <a:avLst/>
@@ -12477,7 +12606,7 @@
                 <a:ea typeface="Verdana" panose="020B0604030504040204" pitchFamily="34" charset="0"/>
                 <a:cs typeface="Verdana" panose="020B0604030504040204" pitchFamily="34" charset="0"/>
               </a:rPr>
-              <a:t>ZED 2i: usata per determinare la posa del rover tramite utilizzo di un sensore interno</a:t>
+              <a:t>ZED 2i: usata per determinare la posa del rover, tramite utilizzo di un sensore interno, e per il riconoscimento dei marker</a:t>
             </a:r>
           </a:p>
           <a:p>
@@ -13300,23 +13429,7 @@
                 <a:ea typeface="Verdana" panose="020B0604030504040204" pitchFamily="34" charset="0"/>
                 <a:cs typeface="Verdana" panose="020B0604030504040204" pitchFamily="34" charset="0"/>
               </a:rPr>
-              <a:t> i quali vengono riconosciuti tramite tecniche di visione </a:t>
-            </a:r>
-            <a:r>
-              <a:rPr lang="it-IT" dirty="0" err="1">
-                <a:latin typeface="Verdana" panose="020B0604030504040204" pitchFamily="34" charset="0"/>
-                <a:ea typeface="Verdana" panose="020B0604030504040204" pitchFamily="34" charset="0"/>
-                <a:cs typeface="Verdana" panose="020B0604030504040204" pitchFamily="34" charset="0"/>
-              </a:rPr>
-              <a:t>artificial</a:t>
-            </a:r>
-            <a:r>
-              <a:rPr lang="it-IT" dirty="0">
-                <a:latin typeface="Verdana" panose="020B0604030504040204" pitchFamily="34" charset="0"/>
-                <a:ea typeface="Verdana" panose="020B0604030504040204" pitchFamily="34" charset="0"/>
-                <a:cs typeface="Verdana" panose="020B0604030504040204" pitchFamily="34" charset="0"/>
-              </a:rPr>
-              <a:t>.</a:t>
+              <a:t> i quali vengono riconosciuti tramite tecniche di visione artificiale.</a:t>
             </a:r>
           </a:p>
           <a:p>
@@ -15560,7 +15673,7 @@
         </p:blipFill>
         <p:spPr>
           <a:xfrm>
-            <a:off x="7899858" y="4239711"/>
+            <a:off x="8444607" y="4269089"/>
             <a:ext cx="2998667" cy="1569396"/>
           </a:xfrm>
           <a:prstGeom prst="rect">
@@ -15650,6 +15763,94 @@
             <a:endParaRPr lang="it-IT" sz="1100" spc="-1" dirty="0">
               <a:latin typeface="Arial"/>
             </a:endParaRPr>
+          </a:p>
+        </p:txBody>
+      </p:sp>
+      <p:pic>
+        <p:nvPicPr>
+          <p:cNvPr id="3" name="Elemento grafico 2">
+            <a:extLst>
+              <a:ext uri="{FF2B5EF4-FFF2-40B4-BE49-F238E27FC236}">
+                <a16:creationId xmlns:a16="http://schemas.microsoft.com/office/drawing/2014/main" id="{3CC4779C-45D2-86F0-CD43-BACA2CA03240}"/>
+              </a:ext>
+            </a:extLst>
+          </p:cNvPr>
+          <p:cNvPicPr>
+            <a:picLocks noChangeAspect="1"/>
+          </p:cNvPicPr>
+          <p:nvPr/>
+        </p:nvPicPr>
+        <p:blipFill>
+          <a:blip r:embed="rId9">
+            <a:extLst>
+              <a:ext uri="{28A0092B-C50C-407E-A947-70E740481C1C}">
+                <a14:useLocalDpi xmlns:a14="http://schemas.microsoft.com/office/drawing/2010/main" val="0"/>
+              </a:ext>
+              <a:ext uri="{96DAC541-7B7A-43D3-8B79-37D633B846F1}">
+                <asvg:svgBlip xmlns:asvg="http://schemas.microsoft.com/office/drawing/2016/SVG/main" r:embed="rId10"/>
+              </a:ext>
+            </a:extLst>
+          </a:blip>
+          <a:stretch>
+            <a:fillRect/>
+          </a:stretch>
+        </p:blipFill>
+        <p:spPr>
+          <a:xfrm>
+            <a:off x="4654424" y="5719055"/>
+            <a:ext cx="2725873" cy="316553"/>
+          </a:xfrm>
+          <a:prstGeom prst="rect">
+            <a:avLst/>
+          </a:prstGeom>
+        </p:spPr>
+      </p:pic>
+      <p:sp>
+        <p:nvSpPr>
+          <p:cNvPr id="17" name="Freccia in giù 16">
+            <a:extLst>
+              <a:ext uri="{FF2B5EF4-FFF2-40B4-BE49-F238E27FC236}">
+                <a16:creationId xmlns:a16="http://schemas.microsoft.com/office/drawing/2014/main" id="{5DE68DB2-C7BB-A7A8-CCB3-5E524A0F7D58}"/>
+              </a:ext>
+            </a:extLst>
+          </p:cNvPr>
+          <p:cNvSpPr/>
+          <p:nvPr/>
+        </p:nvSpPr>
+        <p:spPr>
+          <a:xfrm rot="19223574">
+            <a:off x="5356677" y="4074576"/>
+            <a:ext cx="372286" cy="1249215"/>
+          </a:xfrm>
+          <a:prstGeom prst="downArrow">
+            <a:avLst>
+              <a:gd name="adj1" fmla="val 24197"/>
+              <a:gd name="adj2" fmla="val 50000"/>
+            </a:avLst>
+          </a:prstGeom>
+        </p:spPr>
+        <p:style>
+          <a:lnRef idx="2">
+            <a:schemeClr val="accent1">
+              <a:shade val="15000"/>
+            </a:schemeClr>
+          </a:lnRef>
+          <a:fillRef idx="1">
+            <a:schemeClr val="accent1"/>
+          </a:fillRef>
+          <a:effectRef idx="0">
+            <a:schemeClr val="accent1"/>
+          </a:effectRef>
+          <a:fontRef idx="minor">
+            <a:schemeClr val="lt1"/>
+          </a:fontRef>
+        </p:style>
+        <p:txBody>
+          <a:bodyPr rtlCol="0" anchor="ctr"/>
+          <a:lstStyle/>
+          <a:p>
+            <a:pPr algn="ctr"/>
+            <a:endParaRPr lang="it-IT"/>
           </a:p>
         </p:txBody>
       </p:sp>

--- a/Presentazione LabAuto.pptx
+++ b/Presentazione LabAuto.pptx
@@ -138,7 +138,7 @@
 <file path=ppt/revisionInfo.xml><?xml version="1.0" encoding="utf-8"?>
 <p1510:revInfo xmlns:a="http://schemas.openxmlformats.org/drawingml/2006/main" xmlns:r="http://schemas.openxmlformats.org/officeDocument/2006/relationships" xmlns:p1510="http://schemas.microsoft.com/office/powerpoint/2015/10/main">
   <p1510:revLst>
-    <p1510:client id="{CC52A8C3-708B-4CE7-A848-3F502EC51602}" v="63" dt="2024-06-17T11:07:00.631"/>
+    <p1510:client id="{CC52A8C3-708B-4CE7-A848-3F502EC51602}" v="65" dt="2024-06-18T16:52:33.123"/>
   </p1510:revLst>
 </p1510:revInfo>
 </file>
@@ -148,22 +148,37 @@
   <pc:docChgLst>
     <pc:chgData name="Giulio Beltrami" userId="e0bbba2c-5e70-403a-8e6b-090771782fcf" providerId="ADAL" clId="{CC52A8C3-708B-4CE7-A848-3F502EC51602}"/>
     <pc:docChg chg="undo custSel modSld">
-      <pc:chgData name="Giulio Beltrami" userId="e0bbba2c-5e70-403a-8e6b-090771782fcf" providerId="ADAL" clId="{CC52A8C3-708B-4CE7-A848-3F502EC51602}" dt="2024-06-17T11:09:54.766" v="107" actId="1076"/>
+      <pc:chgData name="Giulio Beltrami" userId="e0bbba2c-5e70-403a-8e6b-090771782fcf" providerId="ADAL" clId="{CC52A8C3-708B-4CE7-A848-3F502EC51602}" dt="2024-06-18T16:52:33.122" v="344" actId="20577"/>
       <pc:docMkLst>
         <pc:docMk/>
       </pc:docMkLst>
       <pc:sldChg chg="modSp mod">
-        <pc:chgData name="Giulio Beltrami" userId="e0bbba2c-5e70-403a-8e6b-090771782fcf" providerId="ADAL" clId="{CC52A8C3-708B-4CE7-A848-3F502EC51602}" dt="2024-06-17T10:21:18.793" v="39" actId="20577"/>
+        <pc:chgData name="Giulio Beltrami" userId="e0bbba2c-5e70-403a-8e6b-090771782fcf" providerId="ADAL" clId="{CC52A8C3-708B-4CE7-A848-3F502EC51602}" dt="2024-06-18T16:07:36.877" v="149" actId="20577"/>
         <pc:sldMkLst>
           <pc:docMk/>
           <pc:sldMk cId="0" sldId="257"/>
         </pc:sldMkLst>
         <pc:spChg chg="mod">
-          <ac:chgData name="Giulio Beltrami" userId="e0bbba2c-5e70-403a-8e6b-090771782fcf" providerId="ADAL" clId="{CC52A8C3-708B-4CE7-A848-3F502EC51602}" dt="2024-06-17T10:21:18.793" v="39" actId="20577"/>
+          <ac:chgData name="Giulio Beltrami" userId="e0bbba2c-5e70-403a-8e6b-090771782fcf" providerId="ADAL" clId="{CC52A8C3-708B-4CE7-A848-3F502EC51602}" dt="2024-06-18T16:07:36.877" v="149" actId="20577"/>
           <ac:spMkLst>
             <pc:docMk/>
             <pc:sldMk cId="0" sldId="257"/>
             <ac:spMk id="2" creationId="{04782B39-CBD7-6BC1-9C60-78921EDE69DE}"/>
+          </ac:spMkLst>
+        </pc:spChg>
+      </pc:sldChg>
+      <pc:sldChg chg="modSp mod">
+        <pc:chgData name="Giulio Beltrami" userId="e0bbba2c-5e70-403a-8e6b-090771782fcf" providerId="ADAL" clId="{CC52A8C3-708B-4CE7-A848-3F502EC51602}" dt="2024-06-18T16:17:05.456" v="323" actId="20577"/>
+        <pc:sldMkLst>
+          <pc:docMk/>
+          <pc:sldMk cId="0" sldId="258"/>
+        </pc:sldMkLst>
+        <pc:spChg chg="mod">
+          <ac:chgData name="Giulio Beltrami" userId="e0bbba2c-5e70-403a-8e6b-090771782fcf" providerId="ADAL" clId="{CC52A8C3-708B-4CE7-A848-3F502EC51602}" dt="2024-06-18T16:17:05.456" v="323" actId="20577"/>
+          <ac:spMkLst>
+            <pc:docMk/>
+            <pc:sldMk cId="0" sldId="258"/>
+            <ac:spMk id="96" creationId="{00000000-0000-0000-0000-000000000000}"/>
           </ac:spMkLst>
         </pc:spChg>
       </pc:sldChg>
@@ -183,13 +198,28 @@
         </pc:spChg>
       </pc:sldChg>
       <pc:sldChg chg="modSp mod">
-        <pc:chgData name="Giulio Beltrami" userId="e0bbba2c-5e70-403a-8e6b-090771782fcf" providerId="ADAL" clId="{CC52A8C3-708B-4CE7-A848-3F502EC51602}" dt="2024-06-17T10:29:51.776" v="41" actId="1076"/>
+        <pc:chgData name="Giulio Beltrami" userId="e0bbba2c-5e70-403a-8e6b-090771782fcf" providerId="ADAL" clId="{CC52A8C3-708B-4CE7-A848-3F502EC51602}" dt="2024-06-18T16:42:48.287" v="343" actId="20577"/>
+        <pc:sldMkLst>
+          <pc:docMk/>
+          <pc:sldMk cId="2329386675" sldId="268"/>
+        </pc:sldMkLst>
+        <pc:spChg chg="mod">
+          <ac:chgData name="Giulio Beltrami" userId="e0bbba2c-5e70-403a-8e6b-090771782fcf" providerId="ADAL" clId="{CC52A8C3-708B-4CE7-A848-3F502EC51602}" dt="2024-06-18T16:42:48.287" v="343" actId="20577"/>
+          <ac:spMkLst>
+            <pc:docMk/>
+            <pc:sldMk cId="2329386675" sldId="268"/>
+            <ac:spMk id="2" creationId="{AF1C3D93-C501-F42F-1694-9F4EB890A3CD}"/>
+          </ac:spMkLst>
+        </pc:spChg>
+      </pc:sldChg>
+      <pc:sldChg chg="modSp mod">
+        <pc:chgData name="Giulio Beltrami" userId="e0bbba2c-5e70-403a-8e6b-090771782fcf" providerId="ADAL" clId="{CC52A8C3-708B-4CE7-A848-3F502EC51602}" dt="2024-06-17T16:56:07.832" v="108" actId="20577"/>
         <pc:sldMkLst>
           <pc:docMk/>
           <pc:sldMk cId="173780160" sldId="270"/>
         </pc:sldMkLst>
         <pc:spChg chg="mod">
-          <ac:chgData name="Giulio Beltrami" userId="e0bbba2c-5e70-403a-8e6b-090771782fcf" providerId="ADAL" clId="{CC52A8C3-708B-4CE7-A848-3F502EC51602}" dt="2024-06-17T10:29:51.776" v="41" actId="1076"/>
+          <ac:chgData name="Giulio Beltrami" userId="e0bbba2c-5e70-403a-8e6b-090771782fcf" providerId="ADAL" clId="{CC52A8C3-708B-4CE7-A848-3F502EC51602}" dt="2024-06-17T16:56:07.832" v="108" actId="20577"/>
           <ac:spMkLst>
             <pc:docMk/>
             <pc:sldMk cId="173780160" sldId="270"/>
@@ -198,7 +228,7 @@
         </pc:spChg>
       </pc:sldChg>
       <pc:sldChg chg="addSp delSp modSp mod">
-        <pc:chgData name="Giulio Beltrami" userId="e0bbba2c-5e70-403a-8e6b-090771782fcf" providerId="ADAL" clId="{CC52A8C3-708B-4CE7-A848-3F502EC51602}" dt="2024-06-17T11:09:54.766" v="107" actId="1076"/>
+        <pc:chgData name="Giulio Beltrami" userId="e0bbba2c-5e70-403a-8e6b-090771782fcf" providerId="ADAL" clId="{CC52A8C3-708B-4CE7-A848-3F502EC51602}" dt="2024-06-18T16:26:56.746" v="329" actId="14100"/>
         <pc:sldMkLst>
           <pc:docMk/>
           <pc:sldMk cId="134682257" sldId="273"/>
@@ -227,12 +257,36 @@
             <ac:picMk id="3" creationId="{3CC4779C-45D2-86F0-CD43-BACA2CA03240}"/>
           </ac:picMkLst>
         </pc:picChg>
+        <pc:picChg chg="add mod">
+          <ac:chgData name="Giulio Beltrami" userId="e0bbba2c-5e70-403a-8e6b-090771782fcf" providerId="ADAL" clId="{CC52A8C3-708B-4CE7-A848-3F502EC51602}" dt="2024-06-18T16:26:56.746" v="329" actId="14100"/>
+          <ac:picMkLst>
+            <pc:docMk/>
+            <pc:sldMk cId="134682257" sldId="273"/>
+            <ac:picMk id="4" creationId="{7D0F8814-D7FF-A08A-4932-BB53CE4C24C8}"/>
+          </ac:picMkLst>
+        </pc:picChg>
+        <pc:picChg chg="del">
+          <ac:chgData name="Giulio Beltrami" userId="e0bbba2c-5e70-403a-8e6b-090771782fcf" providerId="ADAL" clId="{CC52A8C3-708B-4CE7-A848-3F502EC51602}" dt="2024-06-18T16:26:27.834" v="324" actId="478"/>
+          <ac:picMkLst>
+            <pc:docMk/>
+            <pc:sldMk cId="134682257" sldId="273"/>
+            <ac:picMk id="6" creationId="{B2C19C55-EB18-A57C-A218-16CB3D3F61F1}"/>
+          </ac:picMkLst>
+        </pc:picChg>
         <pc:picChg chg="mod">
           <ac:chgData name="Giulio Beltrami" userId="e0bbba2c-5e70-403a-8e6b-090771782fcf" providerId="ADAL" clId="{CC52A8C3-708B-4CE7-A848-3F502EC51602}" dt="2024-06-17T11:09:25.299" v="99" actId="1076"/>
           <ac:picMkLst>
             <pc:docMk/>
             <pc:sldMk cId="134682257" sldId="273"/>
             <ac:picMk id="8" creationId="{33AF3673-227F-3FA3-057A-8C0638EA248D}"/>
+          </ac:picMkLst>
+        </pc:picChg>
+        <pc:picChg chg="mod">
+          <ac:chgData name="Giulio Beltrami" userId="e0bbba2c-5e70-403a-8e6b-090771782fcf" providerId="ADAL" clId="{CC52A8C3-708B-4CE7-A848-3F502EC51602}" dt="2024-06-18T16:26:36.427" v="325" actId="1076"/>
+          <ac:picMkLst>
+            <pc:docMk/>
+            <pc:sldMk cId="134682257" sldId="273"/>
+            <ac:picMk id="11" creationId="{CABD73F2-4B21-FD84-B62F-7AF7BBB05A19}"/>
           </ac:picMkLst>
         </pc:picChg>
         <pc:cxnChg chg="add del mod">
@@ -243,6 +297,36 @@
             <ac:cxnSpMk id="7" creationId="{8130D6D8-ED30-91FE-576E-7D01F442E056}"/>
           </ac:cxnSpMkLst>
         </pc:cxnChg>
+      </pc:sldChg>
+      <pc:sldChg chg="modSp">
+        <pc:chgData name="Giulio Beltrami" userId="e0bbba2c-5e70-403a-8e6b-090771782fcf" providerId="ADAL" clId="{CC52A8C3-708B-4CE7-A848-3F502EC51602}" dt="2024-06-18T16:52:33.122" v="344" actId="20577"/>
+        <pc:sldMkLst>
+          <pc:docMk/>
+          <pc:sldMk cId="53727010" sldId="274"/>
+        </pc:sldMkLst>
+        <pc:spChg chg="mod">
+          <ac:chgData name="Giulio Beltrami" userId="e0bbba2c-5e70-403a-8e6b-090771782fcf" providerId="ADAL" clId="{CC52A8C3-708B-4CE7-A848-3F502EC51602}" dt="2024-06-18T16:52:33.122" v="344" actId="20577"/>
+          <ac:spMkLst>
+            <pc:docMk/>
+            <pc:sldMk cId="53727010" sldId="274"/>
+            <ac:spMk id="12" creationId="{DC543E80-3C0C-BF98-451E-26D41F5D57EC}"/>
+          </ac:spMkLst>
+        </pc:spChg>
+      </pc:sldChg>
+      <pc:sldChg chg="modSp mod">
+        <pc:chgData name="Giulio Beltrami" userId="e0bbba2c-5e70-403a-8e6b-090771782fcf" providerId="ADAL" clId="{CC52A8C3-708B-4CE7-A848-3F502EC51602}" dt="2024-06-18T16:41:11.309" v="332" actId="20577"/>
+        <pc:sldMkLst>
+          <pc:docMk/>
+          <pc:sldMk cId="3704356531" sldId="275"/>
+        </pc:sldMkLst>
+        <pc:spChg chg="mod">
+          <ac:chgData name="Giulio Beltrami" userId="e0bbba2c-5e70-403a-8e6b-090771782fcf" providerId="ADAL" clId="{CC52A8C3-708B-4CE7-A848-3F502EC51602}" dt="2024-06-18T16:41:11.309" v="332" actId="20577"/>
+          <ac:spMkLst>
+            <pc:docMk/>
+            <pc:sldMk cId="3704356531" sldId="275"/>
+            <ac:spMk id="4" creationId="{B92E765C-F0F3-BE6F-BEEF-2C398400751A}"/>
+          </ac:spMkLst>
+        </pc:spChg>
       </pc:sldChg>
       <pc:sldChg chg="modSp mod">
         <pc:chgData name="Giulio Beltrami" userId="e0bbba2c-5e70-403a-8e6b-090771782fcf" providerId="ADAL" clId="{CC52A8C3-708B-4CE7-A848-3F502EC51602}" dt="2024-06-17T10:39:58.719" v="53" actId="1076"/>
@@ -10818,7 +10902,7 @@
         <p:spPr>
           <a:xfrm>
             <a:off x="328680" y="2995355"/>
-            <a:ext cx="2797579" cy="867289"/>
+            <a:ext cx="2797579" cy="1282787"/>
           </a:xfrm>
           <a:prstGeom prst="rect">
             <a:avLst/>
@@ -10841,7 +10925,7 @@
                 <a:latin typeface="Verdana" panose="020B0604030504040204" pitchFamily="34" charset="0"/>
                 <a:ea typeface="Verdana" panose="020B0604030504040204" pitchFamily="34" charset="0"/>
               </a:rPr>
-              <a:t>Esecuzione di una greca in tre </a:t>
+              <a:t>Esecuzione di una greca in tre differenti </a:t>
             </a:r>
             <a:r>
               <a:rPr lang="it-IT" dirty="0" err="1">
@@ -11511,7 +11595,7 @@
                 <a:ea typeface="Verdana" panose="020B0604030504040204" pitchFamily="34" charset="0"/>
                 <a:cs typeface="Verdana" panose="020B0604030504040204" pitchFamily="34" charset="0"/>
               </a:rPr>
-              <a:t>nei segmenti più lunghi il rover riesca a mantenere un errore, tra la traiettoria desiderata e quella eseguita, basso</a:t>
+              <a:t>nei segmenti più lunghi il rover riesce a mantenere un errore, tra la traiettoria desiderata e quella eseguita, basso</a:t>
             </a:r>
           </a:p>
           <a:p>
@@ -11528,7 +11612,7 @@
                 <a:ea typeface="Verdana" panose="020B0604030504040204" pitchFamily="34" charset="0"/>
                 <a:cs typeface="Verdana" panose="020B0604030504040204" pitchFamily="34" charset="0"/>
               </a:rPr>
-              <a:t>nel caso di segmenti di minore lunghezza l'errore ottenuto risulta essere maggiore</a:t>
+              <a:t>nel caso di segmenti di minore lunghezza l'errore ottenuto risulta essere maggiore.</a:t>
             </a:r>
           </a:p>
           <a:p>
@@ -12550,7 +12634,7 @@
         <p:spPr>
           <a:xfrm>
             <a:off x="5839968" y="1951747"/>
-            <a:ext cx="5437632" cy="4247317"/>
+            <a:ext cx="5437632" cy="3970318"/>
           </a:xfrm>
           <a:prstGeom prst="rect">
             <a:avLst/>
@@ -12606,7 +12690,7 @@
                 <a:ea typeface="Verdana" panose="020B0604030504040204" pitchFamily="34" charset="0"/>
                 <a:cs typeface="Verdana" panose="020B0604030504040204" pitchFamily="34" charset="0"/>
               </a:rPr>
-              <a:t>ZED 2i: usata per determinare la posa del rover, tramite utilizzo di un sensore interno, e per il riconoscimento dei marker</a:t>
+              <a:t>ZED 2i: usata per determinare la posa del rover e per il riconoscimento dei marker</a:t>
             </a:r>
           </a:p>
           <a:p>
@@ -13413,7 +13497,7 @@
                 <a:ea typeface="Verdana" panose="020B0604030504040204" pitchFamily="34" charset="0"/>
                 <a:cs typeface="Verdana" panose="020B0604030504040204" pitchFamily="34" charset="0"/>
               </a:rPr>
-              <a:t>Le rette sono definite a  partire dai marker </a:t>
+              <a:t>Le rette sono definite a partire dai marker </a:t>
             </a:r>
             <a:r>
               <a:rPr lang="it-IT" dirty="0" err="1">
@@ -13700,7 +13784,7 @@
         <p:spPr>
           <a:xfrm>
             <a:off x="3880808" y="1384920"/>
-            <a:ext cx="7374094" cy="2476961"/>
+            <a:ext cx="7374094" cy="3347501"/>
           </a:xfrm>
           <a:prstGeom prst="rect">
             <a:avLst/>
@@ -13843,7 +13927,7 @@
                 <a:latin typeface="Verdana"/>
                 <a:ea typeface="Verdana"/>
               </a:rPr>
-              <a:t>Ricavare la posizione in terna camera dell’</a:t>
+              <a:t>Ricavare la posizione e rotazione in terna camera dell’</a:t>
             </a:r>
             <a:r>
               <a:rPr lang="it-IT" spc="-1" dirty="0" err="1">
@@ -13855,6 +13939,80 @@
               </a:rPr>
               <a:t>ArUco</a:t>
             </a:r>
+            <a:endParaRPr lang="it-IT" spc="-1" dirty="0">
+              <a:solidFill>
+                <a:srgbClr val="000000"/>
+              </a:solidFill>
+              <a:latin typeface="Verdana"/>
+              <a:ea typeface="Verdana"/>
+            </a:endParaRPr>
+          </a:p>
+          <a:p>
+            <a:pPr marL="750870" lvl="1" indent="-285750">
+              <a:lnSpc>
+                <a:spcPct val="150000"/>
+              </a:lnSpc>
+              <a:spcBef>
+                <a:spcPts val="1001"/>
+              </a:spcBef>
+              <a:buFont typeface="Wingdings" panose="05000000000000000000" pitchFamily="2" charset="2"/>
+              <a:buChar char="Ø"/>
+              <a:tabLst>
+                <a:tab pos="0" algn="l"/>
+              </a:tabLst>
+            </a:pPr>
+            <a:r>
+              <a:rPr lang="it-IT" spc="-1" dirty="0">
+                <a:solidFill>
+                  <a:srgbClr val="000000"/>
+                </a:solidFill>
+                <a:latin typeface="Verdana"/>
+                <a:ea typeface="Verdana"/>
+                <a:sym typeface="Wingdings" panose="05000000000000000000" pitchFamily="2" charset="2"/>
+              </a:rPr>
+              <a:t>Matrice di trasformazione</a:t>
+            </a:r>
+          </a:p>
+          <a:p>
+            <a:pPr marL="750870" lvl="1" indent="-285750">
+              <a:lnSpc>
+                <a:spcPct val="150000"/>
+              </a:lnSpc>
+              <a:spcBef>
+                <a:spcPts val="1001"/>
+              </a:spcBef>
+              <a:buFont typeface="Wingdings" panose="05000000000000000000" pitchFamily="2" charset="2"/>
+              <a:buChar char="Ø"/>
+              <a:tabLst>
+                <a:tab pos="0" algn="l"/>
+              </a:tabLst>
+            </a:pPr>
+            <a:r>
+              <a:rPr lang="it-IT" spc="-1" dirty="0">
+                <a:solidFill>
+                  <a:srgbClr val="000000"/>
+                </a:solidFill>
+                <a:latin typeface="Verdana"/>
+                <a:ea typeface="Verdana"/>
+                <a:sym typeface="Wingdings" panose="05000000000000000000" pitchFamily="2" charset="2"/>
+              </a:rPr>
+              <a:t>Distanza camera-marker </a:t>
+            </a:r>
+          </a:p>
+          <a:p>
+            <a:pPr marL="293670" indent="-285750">
+              <a:lnSpc>
+                <a:spcPct val="150000"/>
+              </a:lnSpc>
+              <a:spcBef>
+                <a:spcPts val="1001"/>
+              </a:spcBef>
+              <a:buFont typeface="Arial" panose="020B0604020202020204" pitchFamily="34" charset="0"/>
+              <a:buChar char="•"/>
+              <a:tabLst>
+                <a:tab pos="0" algn="l"/>
+              </a:tabLst>
+            </a:pPr>
             <a:endParaRPr lang="it-IT" sz="1800" b="0" strike="noStrike" spc="-1" dirty="0">
               <a:solidFill>
                 <a:srgbClr val="000000"/>
@@ -15551,7 +15709,7 @@
         </p:blipFill>
         <p:spPr>
           <a:xfrm>
-            <a:off x="823340" y="4379393"/>
+            <a:off x="823340" y="2969048"/>
             <a:ext cx="3655170" cy="690137"/>
           </a:xfrm>
           <a:prstGeom prst="rect">
@@ -15605,10 +15763,10 @@
       </p:sp>
       <p:pic>
         <p:nvPicPr>
-          <p:cNvPr id="6" name="Elemento grafico 5">
+          <p:cNvPr id="8" name="Elemento grafico 7">
             <a:extLst>
               <a:ext uri="{FF2B5EF4-FFF2-40B4-BE49-F238E27FC236}">
-                <a16:creationId xmlns:a16="http://schemas.microsoft.com/office/drawing/2014/main" id="{B2C19C55-EB18-A57C-A218-16CB3D3F61F1}"/>
+                <a16:creationId xmlns:a16="http://schemas.microsoft.com/office/drawing/2014/main" id="{33AF3673-227F-3FA3-057A-8C0638EA248D}"/>
               </a:ext>
             </a:extLst>
           </p:cNvPr>
@@ -15634,20 +15792,105 @@
         </p:blipFill>
         <p:spPr>
           <a:xfrm>
-            <a:off x="823340" y="3141126"/>
-            <a:ext cx="7215260" cy="760931"/>
+            <a:off x="8444607" y="4269089"/>
+            <a:ext cx="2998667" cy="1569396"/>
           </a:xfrm>
           <a:prstGeom prst="rect">
             <a:avLst/>
           </a:prstGeom>
         </p:spPr>
       </p:pic>
+      <p:sp>
+        <p:nvSpPr>
+          <p:cNvPr id="10" name="PlaceHolder 1">
+            <a:extLst>
+              <a:ext uri="{FF2B5EF4-FFF2-40B4-BE49-F238E27FC236}">
+                <a16:creationId xmlns:a16="http://schemas.microsoft.com/office/drawing/2014/main" id="{92462287-7C2F-401A-7FF9-6CFED314CE4D}"/>
+              </a:ext>
+            </a:extLst>
+          </p:cNvPr>
+          <p:cNvSpPr txBox="1">
+            <a:spLocks/>
+          </p:cNvSpPr>
+          <p:nvPr/>
+        </p:nvSpPr>
+        <p:spPr>
+          <a:xfrm>
+            <a:off x="328680" y="6607440"/>
+            <a:ext cx="10119600" cy="249840"/>
+          </a:xfrm>
+          <a:prstGeom prst="rect">
+            <a:avLst/>
+          </a:prstGeom>
+          <a:noFill/>
+          <a:ln w="0">
+            <a:noFill/>
+          </a:ln>
+        </p:spPr>
+        <p:txBody>
+          <a:bodyPr lIns="90000" tIns="45000" rIns="90000" bIns="45000" anchor="t">
+            <a:noAutofit/>
+          </a:bodyPr>
+          <a:lstStyle>
+            <a:lvl1pPr algn="l" defTabSz="914400" rtl="0" eaLnBrk="1" latinLnBrk="0" hangingPunct="1">
+              <a:lnSpc>
+                <a:spcPct val="90000"/>
+              </a:lnSpc>
+              <a:spcBef>
+                <a:spcPct val="0"/>
+              </a:spcBef>
+              <a:buNone/>
+              <a:defRPr sz="4400" kern="1200">
+                <a:solidFill>
+                  <a:schemeClr val="tx1"/>
+                </a:solidFill>
+                <a:latin typeface="+mj-lt"/>
+                <a:ea typeface="+mj-ea"/>
+                <a:cs typeface="+mj-cs"/>
+              </a:defRPr>
+            </a:lvl1pPr>
+          </a:lstStyle>
+          <a:p>
+            <a:pPr marL="228600" indent="-228600">
+              <a:spcBef>
+                <a:spcPts val="1001"/>
+              </a:spcBef>
+              <a:tabLst>
+                <a:tab pos="0" algn="l"/>
+              </a:tabLst>
+            </a:pPr>
+            <a:r>
+              <a:rPr lang="it-IT" sz="1100" spc="-1" dirty="0">
+                <a:solidFill>
+                  <a:srgbClr val="FFFFFF"/>
+                </a:solidFill>
+                <a:latin typeface="Verdana"/>
+                <a:ea typeface="Verdana"/>
+              </a:rPr>
+              <a:t>Controllo tramite Potenziali Artificiali di un Rover con marker </a:t>
+            </a:r>
+            <a:r>
+              <a:rPr lang="it-IT" sz="1100" spc="-1" dirty="0" err="1">
+                <a:solidFill>
+                  <a:srgbClr val="FFFFFF"/>
+                </a:solidFill>
+                <a:latin typeface="Verdana"/>
+                <a:ea typeface="Verdana"/>
+              </a:rPr>
+              <a:t>ArUco</a:t>
+            </a:r>
+            <a:endParaRPr lang="it-IT" sz="1100" spc="-1" dirty="0">
+              <a:latin typeface="Arial"/>
+            </a:endParaRPr>
+          </a:p>
+        </p:txBody>
+      </p:sp>
       <p:pic>
         <p:nvPicPr>
-          <p:cNvPr id="8" name="Elemento grafico 7">
+          <p:cNvPr id="3" name="Elemento grafico 2">
             <a:extLst>
               <a:ext uri="{FF2B5EF4-FFF2-40B4-BE49-F238E27FC236}">
-                <a16:creationId xmlns:a16="http://schemas.microsoft.com/office/drawing/2014/main" id="{33AF3673-227F-3FA3-057A-8C0638EA248D}"/>
+                <a16:creationId xmlns:a16="http://schemas.microsoft.com/office/drawing/2014/main" id="{3CC4779C-45D2-86F0-CD43-BACA2CA03240}"/>
               </a:ext>
             </a:extLst>
           </p:cNvPr>
@@ -15673,8 +15916,8 @@
         </p:blipFill>
         <p:spPr>
           <a:xfrm>
-            <a:off x="8444607" y="4269089"/>
-            <a:ext cx="2998667" cy="1569396"/>
+            <a:off x="3735202" y="5789415"/>
+            <a:ext cx="2538856" cy="294835"/>
           </a:xfrm>
           <a:prstGeom prst="rect">
             <a:avLst/>
@@ -15683,95 +15926,62 @@
       </p:pic>
       <p:sp>
         <p:nvSpPr>
-          <p:cNvPr id="10" name="PlaceHolder 1">
+          <p:cNvPr id="13" name="Freccia destra 12">
             <a:extLst>
               <a:ext uri="{FF2B5EF4-FFF2-40B4-BE49-F238E27FC236}">
-                <a16:creationId xmlns:a16="http://schemas.microsoft.com/office/drawing/2014/main" id="{92462287-7C2F-401A-7FF9-6CFED314CE4D}"/>
+                <a16:creationId xmlns:a16="http://schemas.microsoft.com/office/drawing/2014/main" id="{F38C8E50-7BB3-2546-81F2-BA9D2EB057A2}"/>
               </a:ext>
             </a:extLst>
           </p:cNvPr>
-          <p:cNvSpPr txBox="1">
-            <a:spLocks/>
-          </p:cNvSpPr>
+          <p:cNvSpPr/>
           <p:nvPr/>
         </p:nvSpPr>
         <p:spPr>
           <a:xfrm>
-            <a:off x="328680" y="6607440"/>
-            <a:ext cx="10119600" cy="249840"/>
-          </a:xfrm>
-          <a:prstGeom prst="rect">
-            <a:avLst/>
-          </a:prstGeom>
-          <a:noFill/>
-          <a:ln w="0">
-            <a:noFill/>
-          </a:ln>
-        </p:spPr>
-        <p:txBody>
-          <a:bodyPr lIns="90000" tIns="45000" rIns="90000" bIns="45000" anchor="t">
-            <a:noAutofit/>
-          </a:bodyPr>
-          <a:lstStyle>
-            <a:lvl1pPr algn="l" defTabSz="914400" rtl="0" eaLnBrk="1" latinLnBrk="0" hangingPunct="1">
-              <a:lnSpc>
-                <a:spcPct val="90000"/>
-              </a:lnSpc>
-              <a:spcBef>
-                <a:spcPct val="0"/>
-              </a:spcBef>
-              <a:buNone/>
-              <a:defRPr sz="4400" kern="1200">
-                <a:solidFill>
-                  <a:schemeClr val="tx1"/>
-                </a:solidFill>
-                <a:latin typeface="+mj-lt"/>
-                <a:ea typeface="+mj-ea"/>
-                <a:cs typeface="+mj-cs"/>
-              </a:defRPr>
-            </a:lvl1pPr>
-          </a:lstStyle>
-          <a:p>
-            <a:pPr marL="228600" indent="-228600">
-              <a:spcBef>
-                <a:spcPts val="1001"/>
-              </a:spcBef>
-              <a:tabLst>
-                <a:tab pos="0" algn="l"/>
-              </a:tabLst>
-            </a:pPr>
-            <a:r>
-              <a:rPr lang="it-IT" sz="1100" spc="-1" dirty="0">
-                <a:solidFill>
-                  <a:srgbClr val="FFFFFF"/>
-                </a:solidFill>
-                <a:latin typeface="Verdana"/>
-                <a:ea typeface="Verdana"/>
-              </a:rPr>
-              <a:t>Controllo tramite Potenziali Artificiali di un Rover con marker </a:t>
-            </a:r>
-            <a:r>
-              <a:rPr lang="it-IT" sz="1100" spc="-1" dirty="0" err="1">
-                <a:solidFill>
-                  <a:srgbClr val="FFFFFF"/>
-                </a:solidFill>
-                <a:latin typeface="Verdana"/>
-                <a:ea typeface="Verdana"/>
-              </a:rPr>
-              <a:t>ArUco</a:t>
-            </a:r>
-            <a:endParaRPr lang="it-IT" sz="1100" spc="-1" dirty="0">
-              <a:latin typeface="Arial"/>
-            </a:endParaRPr>
+            <a:off x="2263224" y="5662732"/>
+            <a:ext cx="1113960" cy="580708"/>
+          </a:xfrm>
+          <a:prstGeom prst="rightArrow">
+            <a:avLst/>
+          </a:prstGeom>
+          <a:solidFill>
+            <a:srgbClr val="005493"/>
+          </a:solidFill>
+          <a:ln>
+            <a:noFill/>
+          </a:ln>
+        </p:spPr>
+        <p:style>
+          <a:lnRef idx="2">
+            <a:schemeClr val="accent1">
+              <a:shade val="50000"/>
+            </a:schemeClr>
+          </a:lnRef>
+          <a:fillRef idx="1">
+            <a:schemeClr val="accent1"/>
+          </a:fillRef>
+          <a:effectRef idx="0">
+            <a:schemeClr val="accent1"/>
+          </a:effectRef>
+          <a:fontRef idx="minor">
+            <a:schemeClr val="lt1"/>
+          </a:fontRef>
+        </p:style>
+        <p:txBody>
+          <a:bodyPr rtlCol="0" anchor="ctr"/>
+          <a:lstStyle/>
+          <a:p>
+            <a:pPr algn="ctr"/>
+            <a:endParaRPr lang="it-IT" dirty="0"/>
           </a:p>
         </p:txBody>
       </p:sp>
       <p:pic>
         <p:nvPicPr>
-          <p:cNvPr id="3" name="Elemento grafico 2">
+          <p:cNvPr id="4" name="Elemento grafico 3">
             <a:extLst>
               <a:ext uri="{FF2B5EF4-FFF2-40B4-BE49-F238E27FC236}">
-                <a16:creationId xmlns:a16="http://schemas.microsoft.com/office/drawing/2014/main" id="{3CC4779C-45D2-86F0-CD43-BACA2CA03240}"/>
+                <a16:creationId xmlns:a16="http://schemas.microsoft.com/office/drawing/2014/main" id="{7D0F8814-D7FF-A08A-4932-BB53CE4C24C8}"/>
               </a:ext>
             </a:extLst>
           </p:cNvPr>
@@ -15797,66 +16007,14 @@
         </p:blipFill>
         <p:spPr>
           <a:xfrm>
-            <a:off x="3735202" y="5789415"/>
-            <a:ext cx="2538856" cy="294835"/>
+            <a:off x="748725" y="4358262"/>
+            <a:ext cx="6850249" cy="690137"/>
           </a:xfrm>
           <a:prstGeom prst="rect">
             <a:avLst/>
           </a:prstGeom>
         </p:spPr>
       </p:pic>
-      <p:sp>
-        <p:nvSpPr>
-          <p:cNvPr id="13" name="Freccia destra 12">
-            <a:extLst>
-              <a:ext uri="{FF2B5EF4-FFF2-40B4-BE49-F238E27FC236}">
-                <a16:creationId xmlns:a16="http://schemas.microsoft.com/office/drawing/2014/main" id="{F38C8E50-7BB3-2546-81F2-BA9D2EB057A2}"/>
-              </a:ext>
-            </a:extLst>
-          </p:cNvPr>
-          <p:cNvSpPr/>
-          <p:nvPr/>
-        </p:nvSpPr>
-        <p:spPr>
-          <a:xfrm>
-            <a:off x="2263224" y="5662732"/>
-            <a:ext cx="1113960" cy="580708"/>
-          </a:xfrm>
-          <a:prstGeom prst="rightArrow">
-            <a:avLst/>
-          </a:prstGeom>
-          <a:solidFill>
-            <a:srgbClr val="005493"/>
-          </a:solidFill>
-          <a:ln>
-            <a:noFill/>
-          </a:ln>
-        </p:spPr>
-        <p:style>
-          <a:lnRef idx="2">
-            <a:schemeClr val="accent1">
-              <a:shade val="50000"/>
-            </a:schemeClr>
-          </a:lnRef>
-          <a:fillRef idx="1">
-            <a:schemeClr val="accent1"/>
-          </a:fillRef>
-          <a:effectRef idx="0">
-            <a:schemeClr val="accent1"/>
-          </a:effectRef>
-          <a:fontRef idx="minor">
-            <a:schemeClr val="lt1"/>
-          </a:fontRef>
-        </p:style>
-        <p:txBody>
-          <a:bodyPr rtlCol="0" anchor="ctr"/>
-          <a:lstStyle/>
-          <a:p>
-            <a:pPr algn="ctr"/>
-            <a:endParaRPr lang="it-IT" dirty="0"/>
-          </a:p>
-        </p:txBody>
-      </p:sp>
     </p:spTree>
     <p:extLst>
       <p:ext uri="{BB962C8B-B14F-4D97-AF65-F5344CB8AC3E}">
@@ -16187,8 +16345,8 @@
           </p:sp>
         </mc:Fallback>
       </mc:AlternateContent>
-      <mc:AlternateContent xmlns:mc="http://schemas.openxmlformats.org/markup-compatibility/2006" xmlns:a14="http://schemas.microsoft.com/office/drawing/2010/main">
-        <mc:Choice Requires="a14">
+      <mc:AlternateContent xmlns:mc="http://schemas.openxmlformats.org/markup-compatibility/2006">
+        <mc:Choice xmlns:a14="http://schemas.microsoft.com/office/drawing/2010/main" Requires="a14">
           <p:sp>
             <p:nvSpPr>
               <p:cNvPr id="12" name="CasellaDiTesto 11">
@@ -16307,7 +16465,7 @@
                     <a:ea typeface="Verdana" panose="020B0604030504040204" pitchFamily="34" charset="0"/>
                     <a:cs typeface="Verdana" panose="020B0604030504040204" pitchFamily="34" charset="0"/>
                   </a:rPr>
-                  <a:t>può portare una grande variazione di </a:t>
+                  <a:t> può portare una grande variazione di </a:t>
                 </a:r>
                 <a14:m>
                   <m:oMath xmlns:m="http://schemas.openxmlformats.org/officeDocument/2006/math">
@@ -16332,7 +16490,7 @@
             </p:txBody>
           </p:sp>
         </mc:Choice>
-        <mc:Fallback xmlns="">
+        <mc:Fallback>
           <p:sp>
             <p:nvSpPr>
               <p:cNvPr id="12" name="CasellaDiTesto 11">
@@ -16358,7 +16516,7 @@
               <a:blipFill>
                 <a:blip r:embed="rId10"/>
                 <a:stretch>
-                  <a:fillRect l="-382" b="-6731"/>
+                  <a:fillRect l="-489" b="-6481"/>
                 </a:stretch>
               </a:blipFill>
             </p:spPr>
